--- a/Lzy/Slides/simulation final project.pptx
+++ b/Lzy/Slides/simulation final project.pptx
@@ -5,37 +5,35 @@
     <p:sldMasterId id="2147483698" r:id="rId1"/>
   </p:sldMasterIdLst>
   <p:notesMasterIdLst>
-    <p:notesMasterId r:id="rId27"/>
+    <p:notesMasterId r:id="rId25"/>
   </p:notesMasterIdLst>
   <p:handoutMasterIdLst>
-    <p:handoutMasterId r:id="rId28"/>
+    <p:handoutMasterId r:id="rId26"/>
   </p:handoutMasterIdLst>
   <p:sldIdLst>
     <p:sldId id="330" r:id="rId2"/>
-    <p:sldId id="341" r:id="rId3"/>
-    <p:sldId id="342" r:id="rId4"/>
-    <p:sldId id="343" r:id="rId5"/>
-    <p:sldId id="345" r:id="rId6"/>
-    <p:sldId id="346" r:id="rId7"/>
-    <p:sldId id="331" r:id="rId8"/>
-    <p:sldId id="337" r:id="rId9"/>
-    <p:sldId id="332" r:id="rId10"/>
-    <p:sldId id="351" r:id="rId11"/>
-    <p:sldId id="347" r:id="rId12"/>
-    <p:sldId id="348" r:id="rId13"/>
-    <p:sldId id="354" r:id="rId14"/>
-    <p:sldId id="355" r:id="rId15"/>
-    <p:sldId id="356" r:id="rId16"/>
-    <p:sldId id="357" r:id="rId17"/>
-    <p:sldId id="358" r:id="rId18"/>
-    <p:sldId id="359" r:id="rId19"/>
-    <p:sldId id="349" r:id="rId20"/>
-    <p:sldId id="344" r:id="rId21"/>
-    <p:sldId id="350" r:id="rId22"/>
-    <p:sldId id="352" r:id="rId23"/>
-    <p:sldId id="353" r:id="rId24"/>
-    <p:sldId id="334" r:id="rId25"/>
-    <p:sldId id="339" r:id="rId26"/>
+    <p:sldId id="342" r:id="rId3"/>
+    <p:sldId id="343" r:id="rId4"/>
+    <p:sldId id="345" r:id="rId5"/>
+    <p:sldId id="346" r:id="rId6"/>
+    <p:sldId id="331" r:id="rId7"/>
+    <p:sldId id="337" r:id="rId8"/>
+    <p:sldId id="332" r:id="rId9"/>
+    <p:sldId id="351" r:id="rId10"/>
+    <p:sldId id="347" r:id="rId11"/>
+    <p:sldId id="348" r:id="rId12"/>
+    <p:sldId id="354" r:id="rId13"/>
+    <p:sldId id="355" r:id="rId14"/>
+    <p:sldId id="356" r:id="rId15"/>
+    <p:sldId id="357" r:id="rId16"/>
+    <p:sldId id="358" r:id="rId17"/>
+    <p:sldId id="359" r:id="rId18"/>
+    <p:sldId id="349" r:id="rId19"/>
+    <p:sldId id="344" r:id="rId20"/>
+    <p:sldId id="350" r:id="rId21"/>
+    <p:sldId id="352" r:id="rId22"/>
+    <p:sldId id="353" r:id="rId23"/>
+    <p:sldId id="339" r:id="rId24"/>
   </p:sldIdLst>
   <p:sldSz cx="9144000" cy="6858000" type="screen4x3"/>
   <p:notesSz cx="7010400" cy="9296400"/>
@@ -4679,242 +4677,6 @@
       </p:grpSpPr>
       <p:sp>
         <p:nvSpPr>
-          <p:cNvPr id="4" name="Date Placeholder 3">
-            <a:extLst>
-              <a:ext uri="{FF2B5EF4-FFF2-40B4-BE49-F238E27FC236}">
-                <a16:creationId xmlns:a16="http://schemas.microsoft.com/office/drawing/2014/main" id="{77BEF33A-F531-6247-9939-5613E17FF30A}"/>
-              </a:ext>
-            </a:extLst>
-          </p:cNvPr>
-          <p:cNvSpPr>
-            <a:spLocks noGrp="1"/>
-          </p:cNvSpPr>
-          <p:nvPr>
-            <p:ph type="dt" sz="half" idx="10"/>
-          </p:nvPr>
-        </p:nvSpPr>
-        <p:spPr/>
-        <p:txBody>
-          <a:bodyPr/>
-          <a:lstStyle/>
-          <a:p>
-            <a:pPr>
-              <a:defRPr/>
-            </a:pPr>
-            <a:r>
-              <a:rPr lang="en-US"/>
-              <a:t>November 26</a:t>
-            </a:r>
-            <a:endParaRPr lang="en-US" dirty="0"/>
-          </a:p>
-        </p:txBody>
-      </p:sp>
-      <p:sp>
-        <p:nvSpPr>
-          <p:cNvPr id="5" name="Footer Placeholder 4">
-            <a:extLst>
-              <a:ext uri="{FF2B5EF4-FFF2-40B4-BE49-F238E27FC236}">
-                <a16:creationId xmlns:a16="http://schemas.microsoft.com/office/drawing/2014/main" id="{8BE8F01A-419E-E849-A195-4D2C941AC143}"/>
-              </a:ext>
-            </a:extLst>
-          </p:cNvPr>
-          <p:cNvSpPr>
-            <a:spLocks noGrp="1"/>
-          </p:cNvSpPr>
-          <p:nvPr>
-            <p:ph type="ftr" sz="quarter" idx="11"/>
-          </p:nvPr>
-        </p:nvSpPr>
-        <p:spPr/>
-        <p:txBody>
-          <a:bodyPr/>
-          <a:lstStyle/>
-          <a:p>
-            <a:pPr>
-              <a:defRPr/>
-            </a:pPr>
-            <a:r>
-              <a:rPr lang="en-US"/>
-              <a:t>IE 526  Final Project</a:t>
-            </a:r>
-            <a:endParaRPr lang="en-US" dirty="0"/>
-          </a:p>
-        </p:txBody>
-      </p:sp>
-      <p:sp>
-        <p:nvSpPr>
-          <p:cNvPr id="6" name="Slide Number Placeholder 5">
-            <a:extLst>
-              <a:ext uri="{FF2B5EF4-FFF2-40B4-BE49-F238E27FC236}">
-                <a16:creationId xmlns:a16="http://schemas.microsoft.com/office/drawing/2014/main" id="{DB7DAC8E-DD91-DA4F-AF10-EDBEE45489C2}"/>
-              </a:ext>
-            </a:extLst>
-          </p:cNvPr>
-          <p:cNvSpPr>
-            <a:spLocks noGrp="1"/>
-          </p:cNvSpPr>
-          <p:nvPr>
-            <p:ph type="sldNum" sz="quarter" idx="12"/>
-          </p:nvPr>
-        </p:nvSpPr>
-        <p:spPr/>
-        <p:txBody>
-          <a:bodyPr/>
-          <a:lstStyle/>
-          <a:p>
-            <a:pPr>
-              <a:defRPr/>
-            </a:pPr>
-            <a:fld id="{61875079-2EDC-4E24-99D6-3E823A45791C}" type="slidenum">
-              <a:rPr lang="en-US" smtClean="0"/>
-              <a:pPr>
-                <a:defRPr/>
-              </a:pPr>
-              <a:t>10</a:t>
-            </a:fld>
-            <a:endParaRPr lang="en-US" dirty="0"/>
-          </a:p>
-        </p:txBody>
-      </p:sp>
-      <p:pic>
-        <p:nvPicPr>
-          <p:cNvPr id="13" name="Picture 12">
-            <a:extLst>
-              <a:ext uri="{FF2B5EF4-FFF2-40B4-BE49-F238E27FC236}">
-                <a16:creationId xmlns:a16="http://schemas.microsoft.com/office/drawing/2014/main" id="{420FF920-A628-B548-BC0B-55727334C58F}"/>
-              </a:ext>
-            </a:extLst>
-          </p:cNvPr>
-          <p:cNvPicPr>
-            <a:picLocks noChangeAspect="1"/>
-          </p:cNvPicPr>
-          <p:nvPr/>
-        </p:nvPicPr>
-        <p:blipFill>
-          <a:blip r:embed="rId2">
-            <a:extLst>
-              <a:ext uri="{28A0092B-C50C-407E-A947-70E740481C1C}">
-                <a14:useLocalDpi xmlns:a14="http://schemas.microsoft.com/office/drawing/2010/main" val="0"/>
-              </a:ext>
-            </a:extLst>
-          </a:blip>
-          <a:stretch>
-            <a:fillRect/>
-          </a:stretch>
-        </p:blipFill>
-        <p:spPr>
-          <a:xfrm>
-            <a:off x="0" y="0"/>
-            <a:ext cx="8839200" cy="2155903"/>
-          </a:xfrm>
-          <a:prstGeom prst="rect">
-            <a:avLst/>
-          </a:prstGeom>
-        </p:spPr>
-      </p:pic>
-      <p:pic>
-        <p:nvPicPr>
-          <p:cNvPr id="15" name="Picture 14">
-            <a:extLst>
-              <a:ext uri="{FF2B5EF4-FFF2-40B4-BE49-F238E27FC236}">
-                <a16:creationId xmlns:a16="http://schemas.microsoft.com/office/drawing/2014/main" id="{434C63CC-4B18-7D43-B74E-ACDE29BC5A4F}"/>
-              </a:ext>
-            </a:extLst>
-          </p:cNvPr>
-          <p:cNvPicPr>
-            <a:picLocks noChangeAspect="1"/>
-          </p:cNvPicPr>
-          <p:nvPr/>
-        </p:nvPicPr>
-        <p:blipFill rotWithShape="1">
-          <a:blip r:embed="rId3">
-            <a:extLst>
-              <a:ext uri="{28A0092B-C50C-407E-A947-70E740481C1C}">
-                <a14:useLocalDpi xmlns:a14="http://schemas.microsoft.com/office/drawing/2010/main" val="0"/>
-              </a:ext>
-            </a:extLst>
-          </a:blip>
-          <a:srcRect t="1744"/>
-          <a:stretch/>
-        </p:blipFill>
-        <p:spPr>
-          <a:xfrm>
-            <a:off x="228600" y="2283670"/>
-            <a:ext cx="8839200" cy="2773008"/>
-          </a:xfrm>
-          <a:prstGeom prst="rect">
-            <a:avLst/>
-          </a:prstGeom>
-        </p:spPr>
-      </p:pic>
-      <p:pic>
-        <p:nvPicPr>
-          <p:cNvPr id="17" name="Picture 16">
-            <a:extLst>
-              <a:ext uri="{FF2B5EF4-FFF2-40B4-BE49-F238E27FC236}">
-                <a16:creationId xmlns:a16="http://schemas.microsoft.com/office/drawing/2014/main" id="{13BF1EF9-2AE9-C743-8CD0-685342660545}"/>
-              </a:ext>
-            </a:extLst>
-          </p:cNvPr>
-          <p:cNvPicPr>
-            <a:picLocks noChangeAspect="1"/>
-          </p:cNvPicPr>
-          <p:nvPr/>
-        </p:nvPicPr>
-        <p:blipFill>
-          <a:blip r:embed="rId4">
-            <a:extLst>
-              <a:ext uri="{28A0092B-C50C-407E-A947-70E740481C1C}">
-                <a14:useLocalDpi xmlns:a14="http://schemas.microsoft.com/office/drawing/2010/main" val="0"/>
-              </a:ext>
-            </a:extLst>
-          </a:blip>
-          <a:stretch>
-            <a:fillRect/>
-          </a:stretch>
-        </p:blipFill>
-        <p:spPr>
-          <a:xfrm>
-            <a:off x="0" y="5074736"/>
-            <a:ext cx="8915400" cy="1682383"/>
-          </a:xfrm>
-          <a:prstGeom prst="rect">
-            <a:avLst/>
-          </a:prstGeom>
-        </p:spPr>
-      </p:pic>
-    </p:spTree>
-    <p:extLst>
-      <p:ext uri="{BB962C8B-B14F-4D97-AF65-F5344CB8AC3E}">
-        <p14:creationId xmlns:p14="http://schemas.microsoft.com/office/powerpoint/2010/main" val="1192125799"/>
-      </p:ext>
-    </p:extLst>
-  </p:cSld>
-  <p:clrMapOvr>
-    <a:masterClrMapping/>
-  </p:clrMapOvr>
-</p:sld>
-</file>
-
-<file path=ppt/slides/slide11.xml><?xml version="1.0" encoding="utf-8"?>
-<p:sld xmlns:a="http://schemas.openxmlformats.org/drawingml/2006/main" xmlns:r="http://schemas.openxmlformats.org/officeDocument/2006/relationships" xmlns:p="http://schemas.openxmlformats.org/presentationml/2006/main">
-  <p:cSld>
-    <p:spTree>
-      <p:nvGrpSpPr>
-        <p:cNvPr id="1" name=""/>
-        <p:cNvGrpSpPr/>
-        <p:nvPr/>
-      </p:nvGrpSpPr>
-      <p:grpSpPr>
-        <a:xfrm>
-          <a:off x="0" y="0"/>
-          <a:ext cx="0" cy="0"/>
-          <a:chOff x="0" y="0"/>
-          <a:chExt cx="0" cy="0"/>
-        </a:xfrm>
-      </p:grpSpPr>
-      <p:sp>
-        <p:nvSpPr>
           <p:cNvPr id="2" name="Title 1"/>
           <p:cNvSpPr>
             <a:spLocks noGrp="1"/>
@@ -6991,7 +6753,7 @@
               <a:pPr>
                 <a:defRPr/>
               </a:pPr>
-              <a:t>11</a:t>
+              <a:t>10</a:t>
             </a:fld>
             <a:endParaRPr lang="en-US" dirty="0"/>
           </a:p>
@@ -7010,7 +6772,7 @@
 </p:sld>
 </file>
 
-<file path=ppt/slides/slide12.xml><?xml version="1.0" encoding="utf-8"?>
+<file path=ppt/slides/slide11.xml><?xml version="1.0" encoding="utf-8"?>
 <p:sld xmlns:a="http://schemas.openxmlformats.org/drawingml/2006/main" xmlns:r="http://schemas.openxmlformats.org/officeDocument/2006/relationships" xmlns:p="http://schemas.openxmlformats.org/presentationml/2006/main">
   <p:cSld>
     <p:spTree>
@@ -8169,7 +7931,7 @@
               <a:pPr>
                 <a:defRPr/>
               </a:pPr>
-              <a:t>12</a:t>
+              <a:t>11</a:t>
             </a:fld>
             <a:endParaRPr lang="en-US" dirty="0"/>
           </a:p>
@@ -8188,7 +7950,7 @@
 </p:sld>
 </file>
 
-<file path=ppt/slides/slide13.xml><?xml version="1.0" encoding="utf-8"?>
+<file path=ppt/slides/slide12.xml><?xml version="1.0" encoding="utf-8"?>
 <p:sld xmlns:a="http://schemas.openxmlformats.org/drawingml/2006/main" xmlns:r="http://schemas.openxmlformats.org/officeDocument/2006/relationships" xmlns:p="http://schemas.openxmlformats.org/presentationml/2006/main">
   <p:cSld>
     <p:spTree>
@@ -8542,7 +8304,7 @@
               <a:pPr>
                 <a:defRPr/>
               </a:pPr>
-              <a:t>13</a:t>
+              <a:t>12</a:t>
             </a:fld>
             <a:endParaRPr lang="en-US" dirty="0"/>
           </a:p>
@@ -8561,7 +8323,7 @@
 </p:sld>
 </file>
 
-<file path=ppt/slides/slide14.xml><?xml version="1.0" encoding="utf-8"?>
+<file path=ppt/slides/slide13.xml><?xml version="1.0" encoding="utf-8"?>
 <p:sld xmlns:a="http://schemas.openxmlformats.org/drawingml/2006/main" xmlns:r="http://schemas.openxmlformats.org/officeDocument/2006/relationships" xmlns:p="http://schemas.openxmlformats.org/presentationml/2006/main">
   <p:cSld>
     <p:spTree>
@@ -8856,7 +8618,7 @@
               <a:pPr>
                 <a:defRPr/>
               </a:pPr>
-              <a:t>14</a:t>
+              <a:t>13</a:t>
             </a:fld>
             <a:endParaRPr lang="en-US" dirty="0"/>
           </a:p>
@@ -8866,6 +8628,215 @@
     <p:extLst>
       <p:ext uri="{BB962C8B-B14F-4D97-AF65-F5344CB8AC3E}">
         <p14:creationId xmlns:p14="http://schemas.microsoft.com/office/powerpoint/2010/main" val="2539412344"/>
+      </p:ext>
+    </p:extLst>
+  </p:cSld>
+  <p:clrMapOvr>
+    <a:masterClrMapping/>
+  </p:clrMapOvr>
+</p:sld>
+</file>
+
+<file path=ppt/slides/slide14.xml><?xml version="1.0" encoding="utf-8"?>
+<p:sld xmlns:a="http://schemas.openxmlformats.org/drawingml/2006/main" xmlns:r="http://schemas.openxmlformats.org/officeDocument/2006/relationships" xmlns:p="http://schemas.openxmlformats.org/presentationml/2006/main">
+  <p:cSld>
+    <p:spTree>
+      <p:nvGrpSpPr>
+        <p:cNvPr id="1" name=""/>
+        <p:cNvGrpSpPr/>
+        <p:nvPr/>
+      </p:nvGrpSpPr>
+      <p:grpSpPr>
+        <a:xfrm>
+          <a:off x="0" y="0"/>
+          <a:ext cx="0" cy="0"/>
+          <a:chOff x="0" y="0"/>
+          <a:chExt cx="0" cy="0"/>
+        </a:xfrm>
+      </p:grpSpPr>
+      <p:sp>
+        <p:nvSpPr>
+          <p:cNvPr id="2" name="Title 1">
+            <a:extLst>
+              <a:ext uri="{FF2B5EF4-FFF2-40B4-BE49-F238E27FC236}">
+                <a16:creationId xmlns:a16="http://schemas.microsoft.com/office/drawing/2014/main" id="{4A5E5E59-97A2-DF46-81C2-9218F68DB55F}"/>
+              </a:ext>
+            </a:extLst>
+          </p:cNvPr>
+          <p:cNvSpPr>
+            <a:spLocks noGrp="1"/>
+          </p:cNvSpPr>
+          <p:nvPr>
+            <p:ph type="title"/>
+          </p:nvPr>
+        </p:nvSpPr>
+        <p:spPr/>
+        <p:txBody>
+          <a:bodyPr/>
+          <a:lstStyle/>
+          <a:p>
+            <a:r>
+              <a:rPr lang="en-US" dirty="0">
+                <a:latin typeface="Times New Roman" panose="02020603050405020304" pitchFamily="18" charset="0"/>
+                <a:cs typeface="Times New Roman" panose="02020603050405020304" pitchFamily="18" charset="0"/>
+              </a:rPr>
+              <a:t>To simplify</a:t>
+            </a:r>
+          </a:p>
+        </p:txBody>
+      </p:sp>
+      <p:sp>
+        <p:nvSpPr>
+          <p:cNvPr id="3" name="Content Placeholder 2">
+            <a:extLst>
+              <a:ext uri="{FF2B5EF4-FFF2-40B4-BE49-F238E27FC236}">
+                <a16:creationId xmlns:a16="http://schemas.microsoft.com/office/drawing/2014/main" id="{754B84DA-7354-C64C-A35D-D4C3C76A71FC}"/>
+              </a:ext>
+            </a:extLst>
+          </p:cNvPr>
+          <p:cNvSpPr>
+            <a:spLocks noGrp="1"/>
+          </p:cNvSpPr>
+          <p:nvPr>
+            <p:ph idx="1"/>
+          </p:nvPr>
+        </p:nvSpPr>
+        <p:spPr/>
+        <p:txBody>
+          <a:bodyPr/>
+          <a:lstStyle/>
+          <a:p>
+            <a:r>
+              <a:rPr lang="en-US" dirty="0">
+                <a:latin typeface="Times New Roman" panose="02020603050405020304" pitchFamily="18" charset="0"/>
+                <a:cs typeface="Times New Roman" panose="02020603050405020304" pitchFamily="18" charset="0"/>
+              </a:rPr>
+              <a:t>Sampling data;</a:t>
+            </a:r>
+          </a:p>
+          <a:p>
+            <a:pPr marL="0" indent="0">
+              <a:buNone/>
+            </a:pPr>
+            <a:endParaRPr lang="en-US" dirty="0">
+              <a:latin typeface="Times New Roman" panose="02020603050405020304" pitchFamily="18" charset="0"/>
+              <a:cs typeface="Times New Roman" panose="02020603050405020304" pitchFamily="18" charset="0"/>
+            </a:endParaRPr>
+          </a:p>
+          <a:p>
+            <a:r>
+              <a:rPr lang="en-US" dirty="0">
+                <a:latin typeface="Times New Roman" panose="02020603050405020304" pitchFamily="18" charset="0"/>
+                <a:cs typeface="Times New Roman" panose="02020603050405020304" pitchFamily="18" charset="0"/>
+              </a:rPr>
+              <a:t>Using another solver.</a:t>
+            </a:r>
+          </a:p>
+        </p:txBody>
+      </p:sp>
+      <p:sp>
+        <p:nvSpPr>
+          <p:cNvPr id="4" name="Date Placeholder 3">
+            <a:extLst>
+              <a:ext uri="{FF2B5EF4-FFF2-40B4-BE49-F238E27FC236}">
+                <a16:creationId xmlns:a16="http://schemas.microsoft.com/office/drawing/2014/main" id="{5FAF45AD-7D73-774D-9B34-BD8287C28122}"/>
+              </a:ext>
+            </a:extLst>
+          </p:cNvPr>
+          <p:cNvSpPr>
+            <a:spLocks noGrp="1"/>
+          </p:cNvSpPr>
+          <p:nvPr>
+            <p:ph type="dt" sz="half" idx="10"/>
+          </p:nvPr>
+        </p:nvSpPr>
+        <p:spPr/>
+        <p:txBody>
+          <a:bodyPr/>
+          <a:lstStyle/>
+          <a:p>
+            <a:pPr>
+              <a:defRPr/>
+            </a:pPr>
+            <a:r>
+              <a:rPr lang="en-US"/>
+              <a:t>November 26</a:t>
+            </a:r>
+            <a:endParaRPr lang="en-US" dirty="0"/>
+          </a:p>
+        </p:txBody>
+      </p:sp>
+      <p:sp>
+        <p:nvSpPr>
+          <p:cNvPr id="5" name="Footer Placeholder 4">
+            <a:extLst>
+              <a:ext uri="{FF2B5EF4-FFF2-40B4-BE49-F238E27FC236}">
+                <a16:creationId xmlns:a16="http://schemas.microsoft.com/office/drawing/2014/main" id="{BF386D38-0542-804F-9683-7E7D0C2364C2}"/>
+              </a:ext>
+            </a:extLst>
+          </p:cNvPr>
+          <p:cNvSpPr>
+            <a:spLocks noGrp="1"/>
+          </p:cNvSpPr>
+          <p:nvPr>
+            <p:ph type="ftr" sz="quarter" idx="11"/>
+          </p:nvPr>
+        </p:nvSpPr>
+        <p:spPr/>
+        <p:txBody>
+          <a:bodyPr/>
+          <a:lstStyle/>
+          <a:p>
+            <a:pPr>
+              <a:defRPr/>
+            </a:pPr>
+            <a:r>
+              <a:rPr lang="en-US"/>
+              <a:t>IE 526  Final Project</a:t>
+            </a:r>
+            <a:endParaRPr lang="en-US" dirty="0"/>
+          </a:p>
+        </p:txBody>
+      </p:sp>
+      <p:sp>
+        <p:nvSpPr>
+          <p:cNvPr id="6" name="Slide Number Placeholder 5">
+            <a:extLst>
+              <a:ext uri="{FF2B5EF4-FFF2-40B4-BE49-F238E27FC236}">
+                <a16:creationId xmlns:a16="http://schemas.microsoft.com/office/drawing/2014/main" id="{118A9A0E-246F-6548-9F42-A368463B69BD}"/>
+              </a:ext>
+            </a:extLst>
+          </p:cNvPr>
+          <p:cNvSpPr>
+            <a:spLocks noGrp="1"/>
+          </p:cNvSpPr>
+          <p:nvPr>
+            <p:ph type="sldNum" sz="quarter" idx="12"/>
+          </p:nvPr>
+        </p:nvSpPr>
+        <p:spPr/>
+        <p:txBody>
+          <a:bodyPr/>
+          <a:lstStyle/>
+          <a:p>
+            <a:pPr>
+              <a:defRPr/>
+            </a:pPr>
+            <a:fld id="{61875079-2EDC-4E24-99D6-3E823A45791C}" type="slidenum">
+              <a:rPr lang="en-US" smtClean="0"/>
+              <a:pPr>
+                <a:defRPr/>
+              </a:pPr>
+              <a:t>14</a:t>
+            </a:fld>
+            <a:endParaRPr lang="en-US" dirty="0"/>
+          </a:p>
+        </p:txBody>
+      </p:sp>
+    </p:spTree>
+    <p:extLst>
+      <p:ext uri="{BB962C8B-B14F-4D97-AF65-F5344CB8AC3E}">
+        <p14:creationId xmlns:p14="http://schemas.microsoft.com/office/powerpoint/2010/main" val="3180878793"/>
       </p:ext>
     </p:extLst>
   </p:cSld>
@@ -8897,7 +8868,7 @@
           <p:cNvPr id="2" name="Title 1">
             <a:extLst>
               <a:ext uri="{FF2B5EF4-FFF2-40B4-BE49-F238E27FC236}">
-                <a16:creationId xmlns:a16="http://schemas.microsoft.com/office/drawing/2014/main" id="{4A5E5E59-97A2-DF46-81C2-9218F68DB55F}"/>
+                <a16:creationId xmlns:a16="http://schemas.microsoft.com/office/drawing/2014/main" id="{9210993B-D132-A247-9568-0821E0E3149C}"/>
               </a:ext>
             </a:extLst>
           </p:cNvPr>
@@ -8918,7 +8889,7 @@
                 <a:latin typeface="Times New Roman" panose="02020603050405020304" pitchFamily="18" charset="0"/>
                 <a:cs typeface="Times New Roman" panose="02020603050405020304" pitchFamily="18" charset="0"/>
               </a:rPr>
-              <a:t>To simplify</a:t>
+              <a:t>Sampling</a:t>
             </a:r>
           </a:p>
         </p:txBody>
@@ -8928,7 +8899,7 @@
           <p:cNvPr id="3" name="Content Placeholder 2">
             <a:extLst>
               <a:ext uri="{FF2B5EF4-FFF2-40B4-BE49-F238E27FC236}">
-                <a16:creationId xmlns:a16="http://schemas.microsoft.com/office/drawing/2014/main" id="{754B84DA-7354-C64C-A35D-D4C3C76A71FC}"/>
+                <a16:creationId xmlns:a16="http://schemas.microsoft.com/office/drawing/2014/main" id="{F451DD55-1506-0642-86B7-20B770370ACD}"/>
               </a:ext>
             </a:extLst>
           </p:cNvPr>
@@ -8949,8 +8920,43 @@
                 <a:latin typeface="Times New Roman" panose="02020603050405020304" pitchFamily="18" charset="0"/>
                 <a:cs typeface="Times New Roman" panose="02020603050405020304" pitchFamily="18" charset="0"/>
               </a:rPr>
-              <a:t>Sampling data;</a:t>
-            </a:r>
+              <a:t>R (version 3.5.1);</a:t>
+            </a:r>
+          </a:p>
+          <a:p>
+            <a:r>
+              <a:rPr lang="en-US" dirty="0">
+                <a:latin typeface="Times New Roman" panose="02020603050405020304" pitchFamily="18" charset="0"/>
+                <a:cs typeface="Times New Roman" panose="02020603050405020304" pitchFamily="18" charset="0"/>
+              </a:rPr>
+              <a:t>Taking 50 customer locations:</a:t>
+            </a:r>
+          </a:p>
+          <a:p>
+            <a:pPr marL="0" indent="0">
+              <a:buNone/>
+            </a:pPr>
+            <a:r>
+              <a:rPr lang="en-US" dirty="0">
+                <a:latin typeface="Times New Roman" panose="02020603050405020304" pitchFamily="18" charset="0"/>
+                <a:cs typeface="Times New Roman" panose="02020603050405020304" pitchFamily="18" charset="0"/>
+              </a:rPr>
+              <a:t>	 with corresponding “distance”, “travel time”, etc.</a:t>
+            </a:r>
+          </a:p>
+          <a:p>
+            <a:r>
+              <a:rPr lang="en-US" dirty="0">
+                <a:latin typeface="Times New Roman" panose="02020603050405020304" pitchFamily="18" charset="0"/>
+                <a:cs typeface="Times New Roman" panose="02020603050405020304" pitchFamily="18" charset="0"/>
+                <a:hlinkClick r:id="rId2"/>
+              </a:rPr>
+              <a:t>R Code</a:t>
+            </a:r>
+            <a:endParaRPr lang="en-US" dirty="0">
+              <a:latin typeface="Times New Roman" panose="02020603050405020304" pitchFamily="18" charset="0"/>
+              <a:cs typeface="Times New Roman" panose="02020603050405020304" pitchFamily="18" charset="0"/>
+            </a:endParaRPr>
           </a:p>
           <a:p>
             <a:pPr marL="0" indent="0">
@@ -8961,15 +8967,6 @@
               <a:cs typeface="Times New Roman" panose="02020603050405020304" pitchFamily="18" charset="0"/>
             </a:endParaRPr>
           </a:p>
-          <a:p>
-            <a:r>
-              <a:rPr lang="en-US" dirty="0">
-                <a:latin typeface="Times New Roman" panose="02020603050405020304" pitchFamily="18" charset="0"/>
-                <a:cs typeface="Times New Roman" panose="02020603050405020304" pitchFamily="18" charset="0"/>
-              </a:rPr>
-              <a:t>Using another solver.</a:t>
-            </a:r>
-          </a:p>
         </p:txBody>
       </p:sp>
       <p:sp>
@@ -8977,7 +8974,7 @@
           <p:cNvPr id="4" name="Date Placeholder 3">
             <a:extLst>
               <a:ext uri="{FF2B5EF4-FFF2-40B4-BE49-F238E27FC236}">
-                <a16:creationId xmlns:a16="http://schemas.microsoft.com/office/drawing/2014/main" id="{5FAF45AD-7D73-774D-9B34-BD8287C28122}"/>
+                <a16:creationId xmlns:a16="http://schemas.microsoft.com/office/drawing/2014/main" id="{E7056494-5E49-2844-B843-4346ED1789E4}"/>
               </a:ext>
             </a:extLst>
           </p:cNvPr>
@@ -9009,7 +9006,7 @@
           <p:cNvPr id="5" name="Footer Placeholder 4">
             <a:extLst>
               <a:ext uri="{FF2B5EF4-FFF2-40B4-BE49-F238E27FC236}">
-                <a16:creationId xmlns:a16="http://schemas.microsoft.com/office/drawing/2014/main" id="{BF386D38-0542-804F-9683-7E7D0C2364C2}"/>
+                <a16:creationId xmlns:a16="http://schemas.microsoft.com/office/drawing/2014/main" id="{2CDFFD5C-A7C0-FE4B-9E0A-9A3927D6573E}"/>
               </a:ext>
             </a:extLst>
           </p:cNvPr>
@@ -9041,7 +9038,7 @@
           <p:cNvPr id="6" name="Slide Number Placeholder 5">
             <a:extLst>
               <a:ext uri="{FF2B5EF4-FFF2-40B4-BE49-F238E27FC236}">
-                <a16:creationId xmlns:a16="http://schemas.microsoft.com/office/drawing/2014/main" id="{118A9A0E-246F-6548-9F42-A368463B69BD}"/>
+                <a16:creationId xmlns:a16="http://schemas.microsoft.com/office/drawing/2014/main" id="{B675B3DE-F8C9-9643-B753-FDEC26C54FA4}"/>
               </a:ext>
             </a:extLst>
           </p:cNvPr>
@@ -9074,7 +9071,7 @@
     </p:spTree>
     <p:extLst>
       <p:ext uri="{BB962C8B-B14F-4D97-AF65-F5344CB8AC3E}">
-        <p14:creationId xmlns:p14="http://schemas.microsoft.com/office/powerpoint/2010/main" val="3180878793"/>
+        <p14:creationId xmlns:p14="http://schemas.microsoft.com/office/powerpoint/2010/main" val="581022003"/>
       </p:ext>
     </p:extLst>
   </p:cSld>
@@ -9106,7 +9103,7 @@
           <p:cNvPr id="2" name="Title 1">
             <a:extLst>
               <a:ext uri="{FF2B5EF4-FFF2-40B4-BE49-F238E27FC236}">
-                <a16:creationId xmlns:a16="http://schemas.microsoft.com/office/drawing/2014/main" id="{9210993B-D132-A247-9568-0821E0E3149C}"/>
+                <a16:creationId xmlns:a16="http://schemas.microsoft.com/office/drawing/2014/main" id="{95D0FC01-3C95-CE4B-8A89-EC9257461163}"/>
               </a:ext>
             </a:extLst>
           </p:cNvPr>
@@ -9127,7 +9124,7 @@
                 <a:latin typeface="Times New Roman" panose="02020603050405020304" pitchFamily="18" charset="0"/>
                 <a:cs typeface="Times New Roman" panose="02020603050405020304" pitchFamily="18" charset="0"/>
               </a:rPr>
-              <a:t>Sampling</a:t>
+              <a:t>Solving</a:t>
             </a:r>
           </a:p>
         </p:txBody>
@@ -9137,7 +9134,7 @@
           <p:cNvPr id="3" name="Content Placeholder 2">
             <a:extLst>
               <a:ext uri="{FF2B5EF4-FFF2-40B4-BE49-F238E27FC236}">
-                <a16:creationId xmlns:a16="http://schemas.microsoft.com/office/drawing/2014/main" id="{F451DD55-1506-0642-86B7-20B770370ACD}"/>
+                <a16:creationId xmlns:a16="http://schemas.microsoft.com/office/drawing/2014/main" id="{BA55EA25-08F2-654C-87C4-BEAFFA8A245F}"/>
               </a:ext>
             </a:extLst>
           </p:cNvPr>
@@ -9153,58 +9150,88 @@
           <a:bodyPr/>
           <a:lstStyle/>
           <a:p>
+            <a:r>
+              <a:rPr lang="en-US" dirty="0" err="1">
+                <a:latin typeface="Times New Roman" panose="02020603050405020304" pitchFamily="18" charset="0"/>
+                <a:cs typeface="Times New Roman" panose="02020603050405020304" pitchFamily="18" charset="0"/>
+              </a:rPr>
+              <a:t>Cplex</a:t>
+            </a:r>
             <a:r>
               <a:rPr lang="en-US" dirty="0">
                 <a:latin typeface="Times New Roman" panose="02020603050405020304" pitchFamily="18" charset="0"/>
                 <a:cs typeface="Times New Roman" panose="02020603050405020304" pitchFamily="18" charset="0"/>
               </a:rPr>
-              <a:t>R (version 3.5.1);</a:t>
-            </a:r>
-          </a:p>
-          <a:p>
+              <a:t> (version 12.8)</a:t>
+            </a:r>
+          </a:p>
+          <a:p>
+            <a:pPr marL="0" indent="0">
+              <a:buNone/>
+            </a:pPr>
             <a:r>
               <a:rPr lang="en-US" dirty="0">
                 <a:latin typeface="Times New Roman" panose="02020603050405020304" pitchFamily="18" charset="0"/>
                 <a:cs typeface="Times New Roman" panose="02020603050405020304" pitchFamily="18" charset="0"/>
               </a:rPr>
-              <a:t>Taking 50 customer locations:</a:t>
-            </a:r>
-          </a:p>
-          <a:p>
-            <a:pPr marL="0" indent="0">
-              <a:buNone/>
-            </a:pPr>
+              <a:t>	with Python (version 3.6.5) API;</a:t>
+            </a:r>
+          </a:p>
+          <a:p>
+            <a:endParaRPr lang="en-US" dirty="0">
+              <a:latin typeface="Times New Roman" panose="02020603050405020304" pitchFamily="18" charset="0"/>
+              <a:cs typeface="Times New Roman" panose="02020603050405020304" pitchFamily="18" charset="0"/>
+            </a:endParaRPr>
+          </a:p>
+          <a:p>
             <a:r>
               <a:rPr lang="en-US" dirty="0">
                 <a:latin typeface="Times New Roman" panose="02020603050405020304" pitchFamily="18" charset="0"/>
                 <a:cs typeface="Times New Roman" panose="02020603050405020304" pitchFamily="18" charset="0"/>
               </a:rPr>
-              <a:t>	 with corresponding “distance”, “travel time”, etc.</a:t>
-            </a:r>
-          </a:p>
-          <a:p>
+              <a:t>Python Code:</a:t>
+            </a:r>
+          </a:p>
+          <a:p>
+            <a:pPr lvl="1"/>
             <a:r>
               <a:rPr lang="en-US" dirty="0">
                 <a:latin typeface="Times New Roman" panose="02020603050405020304" pitchFamily="18" charset="0"/>
                 <a:cs typeface="Times New Roman" panose="02020603050405020304" pitchFamily="18" charset="0"/>
                 <a:hlinkClick r:id="rId2"/>
               </a:rPr>
-              <a:t>R Code</a:t>
+              <a:t>Main</a:t>
+            </a:r>
+            <a:r>
+              <a:rPr lang="en-US" dirty="0">
+                <a:latin typeface="Times New Roman" panose="02020603050405020304" pitchFamily="18" charset="0"/>
+                <a:cs typeface="Times New Roman" panose="02020603050405020304" pitchFamily="18" charset="0"/>
+              </a:rPr>
+              <a:t>;</a:t>
+            </a:r>
+          </a:p>
+          <a:p>
+            <a:pPr lvl="1"/>
+            <a:r>
+              <a:rPr lang="en-US">
+                <a:latin typeface="Times New Roman" panose="02020603050405020304" pitchFamily="18" charset="0"/>
+                <a:cs typeface="Times New Roman" panose="02020603050405020304" pitchFamily="18" charset="0"/>
+                <a:hlinkClick r:id="rId3"/>
+              </a:rPr>
+              <a:t>Model</a:t>
+            </a:r>
+            <a:r>
+              <a:rPr lang="en-US">
+                <a:latin typeface="Times New Roman" panose="02020603050405020304" pitchFamily="18" charset="0"/>
+                <a:cs typeface="Times New Roman" panose="02020603050405020304" pitchFamily="18" charset="0"/>
+              </a:rPr>
+              <a:t>.</a:t>
             </a:r>
             <a:endParaRPr lang="en-US" dirty="0">
               <a:latin typeface="Times New Roman" panose="02020603050405020304" pitchFamily="18" charset="0"/>
               <a:cs typeface="Times New Roman" panose="02020603050405020304" pitchFamily="18" charset="0"/>
             </a:endParaRPr>
           </a:p>
-          <a:p>
-            <a:pPr marL="0" indent="0">
-              <a:buNone/>
-            </a:pPr>
-            <a:endParaRPr lang="en-US" dirty="0">
-              <a:latin typeface="Times New Roman" panose="02020603050405020304" pitchFamily="18" charset="0"/>
-              <a:cs typeface="Times New Roman" panose="02020603050405020304" pitchFamily="18" charset="0"/>
-            </a:endParaRPr>
-          </a:p>
         </p:txBody>
       </p:sp>
       <p:sp>
@@ -9212,7 +9239,7 @@
           <p:cNvPr id="4" name="Date Placeholder 3">
             <a:extLst>
               <a:ext uri="{FF2B5EF4-FFF2-40B4-BE49-F238E27FC236}">
-                <a16:creationId xmlns:a16="http://schemas.microsoft.com/office/drawing/2014/main" id="{E7056494-5E49-2844-B843-4346ED1789E4}"/>
+                <a16:creationId xmlns:a16="http://schemas.microsoft.com/office/drawing/2014/main" id="{79F69208-592E-754D-A34C-A0D7FF146A1C}"/>
               </a:ext>
             </a:extLst>
           </p:cNvPr>
@@ -9244,7 +9271,7 @@
           <p:cNvPr id="5" name="Footer Placeholder 4">
             <a:extLst>
               <a:ext uri="{FF2B5EF4-FFF2-40B4-BE49-F238E27FC236}">
-                <a16:creationId xmlns:a16="http://schemas.microsoft.com/office/drawing/2014/main" id="{2CDFFD5C-A7C0-FE4B-9E0A-9A3927D6573E}"/>
+                <a16:creationId xmlns:a16="http://schemas.microsoft.com/office/drawing/2014/main" id="{ED72E35C-D905-1142-88DD-7CC6D9992FB7}"/>
               </a:ext>
             </a:extLst>
           </p:cNvPr>
@@ -9276,7 +9303,7 @@
           <p:cNvPr id="6" name="Slide Number Placeholder 5">
             <a:extLst>
               <a:ext uri="{FF2B5EF4-FFF2-40B4-BE49-F238E27FC236}">
-                <a16:creationId xmlns:a16="http://schemas.microsoft.com/office/drawing/2014/main" id="{B675B3DE-F8C9-9643-B753-FDEC26C54FA4}"/>
+                <a16:creationId xmlns:a16="http://schemas.microsoft.com/office/drawing/2014/main" id="{F8705F87-5334-6B43-8C5F-14BFABB67FD7}"/>
               </a:ext>
             </a:extLst>
           </p:cNvPr>
@@ -9309,7 +9336,7 @@
     </p:spTree>
     <p:extLst>
       <p:ext uri="{BB962C8B-B14F-4D97-AF65-F5344CB8AC3E}">
-        <p14:creationId xmlns:p14="http://schemas.microsoft.com/office/powerpoint/2010/main" val="581022003"/>
+        <p14:creationId xmlns:p14="http://schemas.microsoft.com/office/powerpoint/2010/main" val="3267548130"/>
       </p:ext>
     </p:extLst>
   </p:cSld>
@@ -9341,7 +9368,7 @@
           <p:cNvPr id="2" name="Title 1">
             <a:extLst>
               <a:ext uri="{FF2B5EF4-FFF2-40B4-BE49-F238E27FC236}">
-                <a16:creationId xmlns:a16="http://schemas.microsoft.com/office/drawing/2014/main" id="{95D0FC01-3C95-CE4B-8A89-EC9257461163}"/>
+                <a16:creationId xmlns:a16="http://schemas.microsoft.com/office/drawing/2014/main" id="{A74CC8C8-3058-924B-9EE7-C8AF0A624042}"/>
               </a:ext>
             </a:extLst>
           </p:cNvPr>
@@ -9362,7 +9389,7 @@
                 <a:latin typeface="Times New Roman" panose="02020603050405020304" pitchFamily="18" charset="0"/>
                 <a:cs typeface="Times New Roman" panose="02020603050405020304" pitchFamily="18" charset="0"/>
               </a:rPr>
-              <a:t>Solving</a:t>
+              <a:t>Solutions</a:t>
             </a:r>
           </a:p>
         </p:txBody>
@@ -9372,7 +9399,7 @@
           <p:cNvPr id="3" name="Content Placeholder 2">
             <a:extLst>
               <a:ext uri="{FF2B5EF4-FFF2-40B4-BE49-F238E27FC236}">
-                <a16:creationId xmlns:a16="http://schemas.microsoft.com/office/drawing/2014/main" id="{BA55EA25-08F2-654C-87C4-BEAFFA8A245F}"/>
+                <a16:creationId xmlns:a16="http://schemas.microsoft.com/office/drawing/2014/main" id="{AADD8674-9E7F-1949-A7D9-8CA3EF244B79}"/>
               </a:ext>
             </a:extLst>
           </p:cNvPr>
@@ -9388,82 +9415,13 @@
           <a:bodyPr/>
           <a:lstStyle/>
           <a:p>
-            <a:r>
-              <a:rPr lang="en-US" dirty="0" err="1">
-                <a:latin typeface="Times New Roman" panose="02020603050405020304" pitchFamily="18" charset="0"/>
-                <a:cs typeface="Times New Roman" panose="02020603050405020304" pitchFamily="18" charset="0"/>
-              </a:rPr>
-              <a:t>Cplex</a:t>
-            </a:r>
-            <a:r>
-              <a:rPr lang="en-US" dirty="0">
-                <a:latin typeface="Times New Roman" panose="02020603050405020304" pitchFamily="18" charset="0"/>
-                <a:cs typeface="Times New Roman" panose="02020603050405020304" pitchFamily="18" charset="0"/>
-              </a:rPr>
-              <a:t> (version 12.8)</a:t>
-            </a:r>
-          </a:p>
-          <a:p>
-            <a:pPr marL="0" indent="0">
-              <a:buNone/>
-            </a:pPr>
-            <a:r>
-              <a:rPr lang="en-US" dirty="0">
-                <a:latin typeface="Times New Roman" panose="02020603050405020304" pitchFamily="18" charset="0"/>
-                <a:cs typeface="Times New Roman" panose="02020603050405020304" pitchFamily="18" charset="0"/>
-              </a:rPr>
-              <a:t>	with Python (version 3.6.5) API;</a:t>
-            </a:r>
-          </a:p>
-          <a:p>
-            <a:endParaRPr lang="en-US" dirty="0">
-              <a:latin typeface="Times New Roman" panose="02020603050405020304" pitchFamily="18" charset="0"/>
-              <a:cs typeface="Times New Roman" panose="02020603050405020304" pitchFamily="18" charset="0"/>
-            </a:endParaRPr>
-          </a:p>
-          <a:p>
-            <a:r>
-              <a:rPr lang="en-US" dirty="0">
-                <a:latin typeface="Times New Roman" panose="02020603050405020304" pitchFamily="18" charset="0"/>
-                <a:cs typeface="Times New Roman" panose="02020603050405020304" pitchFamily="18" charset="0"/>
-              </a:rPr>
-              <a:t>Python Code:</a:t>
-            </a:r>
-          </a:p>
-          <a:p>
-            <a:pPr lvl="1"/>
             <a:r>
               <a:rPr lang="en-US" dirty="0">
                 <a:latin typeface="Times New Roman" panose="02020603050405020304" pitchFamily="18" charset="0"/>
                 <a:cs typeface="Times New Roman" panose="02020603050405020304" pitchFamily="18" charset="0"/>
                 <a:hlinkClick r:id="rId2"/>
               </a:rPr>
-              <a:t>Main</a:t>
-            </a:r>
-            <a:r>
-              <a:rPr lang="en-US" dirty="0">
-                <a:latin typeface="Times New Roman" panose="02020603050405020304" pitchFamily="18" charset="0"/>
-                <a:cs typeface="Times New Roman" panose="02020603050405020304" pitchFamily="18" charset="0"/>
-              </a:rPr>
-              <a:t>;</a:t>
-            </a:r>
-          </a:p>
-          <a:p>
-            <a:pPr lvl="1"/>
-            <a:r>
-              <a:rPr lang="en-US">
-                <a:latin typeface="Times New Roman" panose="02020603050405020304" pitchFamily="18" charset="0"/>
-                <a:cs typeface="Times New Roman" panose="02020603050405020304" pitchFamily="18" charset="0"/>
-                <a:hlinkClick r:id="rId3"/>
-              </a:rPr>
-              <a:t>Model</a:t>
-            </a:r>
-            <a:r>
-              <a:rPr lang="en-US">
-                <a:latin typeface="Times New Roman" panose="02020603050405020304" pitchFamily="18" charset="0"/>
-                <a:cs typeface="Times New Roman" panose="02020603050405020304" pitchFamily="18" charset="0"/>
-              </a:rPr>
-              <a:t>.</a:t>
+              <a:t>Solution File</a:t>
             </a:r>
             <a:endParaRPr lang="en-US" dirty="0">
               <a:latin typeface="Times New Roman" panose="02020603050405020304" pitchFamily="18" charset="0"/>
@@ -9477,7 +9435,7 @@
           <p:cNvPr id="4" name="Date Placeholder 3">
             <a:extLst>
               <a:ext uri="{FF2B5EF4-FFF2-40B4-BE49-F238E27FC236}">
-                <a16:creationId xmlns:a16="http://schemas.microsoft.com/office/drawing/2014/main" id="{79F69208-592E-754D-A34C-A0D7FF146A1C}"/>
+                <a16:creationId xmlns:a16="http://schemas.microsoft.com/office/drawing/2014/main" id="{3183625A-DEBC-7749-ACB7-B69A1D92DB27}"/>
               </a:ext>
             </a:extLst>
           </p:cNvPr>
@@ -9509,7 +9467,7 @@
           <p:cNvPr id="5" name="Footer Placeholder 4">
             <a:extLst>
               <a:ext uri="{FF2B5EF4-FFF2-40B4-BE49-F238E27FC236}">
-                <a16:creationId xmlns:a16="http://schemas.microsoft.com/office/drawing/2014/main" id="{ED72E35C-D905-1142-88DD-7CC6D9992FB7}"/>
+                <a16:creationId xmlns:a16="http://schemas.microsoft.com/office/drawing/2014/main" id="{6E9198A2-45FC-AF4C-9C41-CE1BD8D0CF0F}"/>
               </a:ext>
             </a:extLst>
           </p:cNvPr>
@@ -9541,7 +9499,7 @@
           <p:cNvPr id="6" name="Slide Number Placeholder 5">
             <a:extLst>
               <a:ext uri="{FF2B5EF4-FFF2-40B4-BE49-F238E27FC236}">
-                <a16:creationId xmlns:a16="http://schemas.microsoft.com/office/drawing/2014/main" id="{F8705F87-5334-6B43-8C5F-14BFABB67FD7}"/>
+                <a16:creationId xmlns:a16="http://schemas.microsoft.com/office/drawing/2014/main" id="{E8C01078-00EE-2140-AEA6-9A09CDF65EE2}"/>
               </a:ext>
             </a:extLst>
           </p:cNvPr>
@@ -9574,7 +9532,7 @@
     </p:spTree>
     <p:extLst>
       <p:ext uri="{BB962C8B-B14F-4D97-AF65-F5344CB8AC3E}">
-        <p14:creationId xmlns:p14="http://schemas.microsoft.com/office/powerpoint/2010/main" val="3267548130"/>
+        <p14:creationId xmlns:p14="http://schemas.microsoft.com/office/powerpoint/2010/main" val="56359873"/>
       </p:ext>
     </p:extLst>
   </p:cSld>
@@ -9606,7 +9564,7 @@
           <p:cNvPr id="2" name="Title 1">
             <a:extLst>
               <a:ext uri="{FF2B5EF4-FFF2-40B4-BE49-F238E27FC236}">
-                <a16:creationId xmlns:a16="http://schemas.microsoft.com/office/drawing/2014/main" id="{A74CC8C8-3058-924B-9EE7-C8AF0A624042}"/>
+                <a16:creationId xmlns:a16="http://schemas.microsoft.com/office/drawing/2014/main" id="{BBC6688A-9401-274D-8DB3-E46426D33EBB}"/>
               </a:ext>
             </a:extLst>
           </p:cNvPr>
@@ -9622,49 +9580,20 @@
           <a:bodyPr/>
           <a:lstStyle/>
           <a:p>
+            <a:r>
+              <a:rPr lang="en-US" dirty="0" err="1">
+                <a:latin typeface="Times New Roman" panose="02020603050405020304" pitchFamily="18" charset="0"/>
+                <a:cs typeface="Times New Roman" panose="02020603050405020304" pitchFamily="18" charset="0"/>
+              </a:rPr>
+              <a:t>Anylogic</a:t>
+            </a:r>
             <a:r>
               <a:rPr lang="en-US" dirty="0">
                 <a:latin typeface="Times New Roman" panose="02020603050405020304" pitchFamily="18" charset="0"/>
                 <a:cs typeface="Times New Roman" panose="02020603050405020304" pitchFamily="18" charset="0"/>
               </a:rPr>
-              <a:t>Solutions</a:t>
-            </a:r>
-          </a:p>
-        </p:txBody>
-      </p:sp>
-      <p:sp>
-        <p:nvSpPr>
-          <p:cNvPr id="3" name="Content Placeholder 2">
-            <a:extLst>
-              <a:ext uri="{FF2B5EF4-FFF2-40B4-BE49-F238E27FC236}">
-                <a16:creationId xmlns:a16="http://schemas.microsoft.com/office/drawing/2014/main" id="{AADD8674-9E7F-1949-A7D9-8CA3EF244B79}"/>
-              </a:ext>
-            </a:extLst>
-          </p:cNvPr>
-          <p:cNvSpPr>
-            <a:spLocks noGrp="1"/>
-          </p:cNvSpPr>
-          <p:nvPr>
-            <p:ph idx="1"/>
-          </p:nvPr>
-        </p:nvSpPr>
-        <p:spPr/>
-        <p:txBody>
-          <a:bodyPr/>
-          <a:lstStyle/>
-          <a:p>
-            <a:r>
-              <a:rPr lang="en-US" dirty="0">
-                <a:latin typeface="Times New Roman" panose="02020603050405020304" pitchFamily="18" charset="0"/>
-                <a:cs typeface="Times New Roman" panose="02020603050405020304" pitchFamily="18" charset="0"/>
-                <a:hlinkClick r:id="rId2"/>
-              </a:rPr>
-              <a:t>Solution File</a:t>
-            </a:r>
-            <a:endParaRPr lang="en-US" dirty="0">
-              <a:latin typeface="Times New Roman" panose="02020603050405020304" pitchFamily="18" charset="0"/>
-              <a:cs typeface="Times New Roman" panose="02020603050405020304" pitchFamily="18" charset="0"/>
-            </a:endParaRPr>
+              <a:t> Model</a:t>
+            </a:r>
           </a:p>
         </p:txBody>
       </p:sp>
@@ -9673,7 +9602,7 @@
           <p:cNvPr id="4" name="Date Placeholder 3">
             <a:extLst>
               <a:ext uri="{FF2B5EF4-FFF2-40B4-BE49-F238E27FC236}">
-                <a16:creationId xmlns:a16="http://schemas.microsoft.com/office/drawing/2014/main" id="{3183625A-DEBC-7749-ACB7-B69A1D92DB27}"/>
+                <a16:creationId xmlns:a16="http://schemas.microsoft.com/office/drawing/2014/main" id="{65AE9C51-D29A-A047-A19F-0BAB9B12E9F3}"/>
               </a:ext>
             </a:extLst>
           </p:cNvPr>
@@ -9693,10 +9622,14 @@
               <a:defRPr/>
             </a:pPr>
             <a:r>
-              <a:rPr lang="en-US"/>
+              <a:rPr lang="en-US">
+                <a:cs typeface="Times New Roman" panose="02020603050405020304" pitchFamily="18" charset="0"/>
+              </a:rPr>
               <a:t>November 26</a:t>
             </a:r>
-            <a:endParaRPr lang="en-US" dirty="0"/>
+            <a:endParaRPr lang="en-US" dirty="0">
+              <a:cs typeface="Times New Roman" panose="02020603050405020304" pitchFamily="18" charset="0"/>
+            </a:endParaRPr>
           </a:p>
         </p:txBody>
       </p:sp>
@@ -9705,7 +9638,7 @@
           <p:cNvPr id="5" name="Footer Placeholder 4">
             <a:extLst>
               <a:ext uri="{FF2B5EF4-FFF2-40B4-BE49-F238E27FC236}">
-                <a16:creationId xmlns:a16="http://schemas.microsoft.com/office/drawing/2014/main" id="{6E9198A2-45FC-AF4C-9C41-CE1BD8D0CF0F}"/>
+                <a16:creationId xmlns:a16="http://schemas.microsoft.com/office/drawing/2014/main" id="{9F991618-3828-3B41-BD69-42998E16B464}"/>
               </a:ext>
             </a:extLst>
           </p:cNvPr>
@@ -9725,10 +9658,14 @@
               <a:defRPr/>
             </a:pPr>
             <a:r>
-              <a:rPr lang="en-US"/>
+              <a:rPr lang="en-US">
+                <a:cs typeface="Times New Roman" panose="02020603050405020304" pitchFamily="18" charset="0"/>
+              </a:rPr>
               <a:t>IE 526  Final Project</a:t>
             </a:r>
-            <a:endParaRPr lang="en-US" dirty="0"/>
+            <a:endParaRPr lang="en-US" dirty="0">
+              <a:cs typeface="Times New Roman" panose="02020603050405020304" pitchFamily="18" charset="0"/>
+            </a:endParaRPr>
           </a:p>
         </p:txBody>
       </p:sp>
@@ -9737,7 +9674,7 @@
           <p:cNvPr id="6" name="Slide Number Placeholder 5">
             <a:extLst>
               <a:ext uri="{FF2B5EF4-FFF2-40B4-BE49-F238E27FC236}">
-                <a16:creationId xmlns:a16="http://schemas.microsoft.com/office/drawing/2014/main" id="{E8C01078-00EE-2140-AEA6-9A09CDF65EE2}"/>
+                <a16:creationId xmlns:a16="http://schemas.microsoft.com/office/drawing/2014/main" id="{176615A9-FE84-7444-BCCF-CEE3E3D3E7BC}"/>
               </a:ext>
             </a:extLst>
           </p:cNvPr>
@@ -9757,20 +9694,166 @@
               <a:defRPr/>
             </a:pPr>
             <a:fld id="{61875079-2EDC-4E24-99D6-3E823A45791C}" type="slidenum">
-              <a:rPr lang="en-US" smtClean="0"/>
+              <a:rPr lang="en-US" smtClean="0">
+                <a:cs typeface="Times New Roman" panose="02020603050405020304" pitchFamily="18" charset="0"/>
+              </a:rPr>
               <a:pPr>
                 <a:defRPr/>
               </a:pPr>
               <a:t>18</a:t>
             </a:fld>
-            <a:endParaRPr lang="en-US" dirty="0"/>
+            <a:endParaRPr lang="en-US" dirty="0">
+              <a:cs typeface="Times New Roman" panose="02020603050405020304" pitchFamily="18" charset="0"/>
+            </a:endParaRPr>
+          </a:p>
+        </p:txBody>
+      </p:sp>
+      <p:pic>
+        <p:nvPicPr>
+          <p:cNvPr id="7" name="Picture 6">
+            <a:extLst>
+              <a:ext uri="{FF2B5EF4-FFF2-40B4-BE49-F238E27FC236}">
+                <a16:creationId xmlns:a16="http://schemas.microsoft.com/office/drawing/2014/main" id="{4543C318-4F71-9047-B4DA-6071CDFB7700}"/>
+              </a:ext>
+            </a:extLst>
+          </p:cNvPr>
+          <p:cNvPicPr>
+            <a:picLocks noChangeAspect="1"/>
+          </p:cNvPicPr>
+          <p:nvPr/>
+        </p:nvPicPr>
+        <p:blipFill>
+          <a:blip r:embed="rId2">
+            <a:extLst>
+              <a:ext uri="{28A0092B-C50C-407E-A947-70E740481C1C}">
+                <a14:useLocalDpi xmlns:a14="http://schemas.microsoft.com/office/drawing/2010/main" val="0"/>
+              </a:ext>
+            </a:extLst>
+          </a:blip>
+          <a:stretch>
+            <a:fillRect/>
+          </a:stretch>
+        </p:blipFill>
+        <p:spPr>
+          <a:xfrm>
+            <a:off x="3352800" y="1524000"/>
+            <a:ext cx="4663369" cy="4417045"/>
+          </a:xfrm>
+          <a:prstGeom prst="rect">
+            <a:avLst/>
+          </a:prstGeom>
+        </p:spPr>
+      </p:pic>
+      <p:sp>
+        <p:nvSpPr>
+          <p:cNvPr id="8" name="TextBox 7">
+            <a:extLst>
+              <a:ext uri="{FF2B5EF4-FFF2-40B4-BE49-F238E27FC236}">
+                <a16:creationId xmlns:a16="http://schemas.microsoft.com/office/drawing/2014/main" id="{9B983E29-553B-5041-BA3E-5E34548D3869}"/>
+              </a:ext>
+            </a:extLst>
+          </p:cNvPr>
+          <p:cNvSpPr txBox="1"/>
+          <p:nvPr/>
+        </p:nvSpPr>
+        <p:spPr>
+          <a:xfrm>
+            <a:off x="4800600" y="1062335"/>
+            <a:ext cx="1492716" cy="461665"/>
+          </a:xfrm>
+          <a:prstGeom prst="rect">
+            <a:avLst/>
+          </a:prstGeom>
+          <a:noFill/>
+        </p:spPr>
+        <p:txBody>
+          <a:bodyPr wrap="none" rtlCol="0">
+            <a:spAutoFit/>
+          </a:bodyPr>
+          <a:lstStyle/>
+          <a:p>
+            <a:r>
+              <a:rPr lang="en-US" sz="2400" dirty="0">
+                <a:solidFill>
+                  <a:schemeClr val="tx1"/>
+                </a:solidFill>
+              </a:rPr>
+              <a:t>GIS MAP</a:t>
+            </a:r>
+          </a:p>
+        </p:txBody>
+      </p:sp>
+      <p:sp>
+        <p:nvSpPr>
+          <p:cNvPr id="9" name="TextBox 8">
+            <a:extLst>
+              <a:ext uri="{FF2B5EF4-FFF2-40B4-BE49-F238E27FC236}">
+                <a16:creationId xmlns:a16="http://schemas.microsoft.com/office/drawing/2014/main" id="{D807F127-C2EB-554A-833E-4EC2175CAD7E}"/>
+              </a:ext>
+            </a:extLst>
+          </p:cNvPr>
+          <p:cNvSpPr txBox="1"/>
+          <p:nvPr/>
+        </p:nvSpPr>
+        <p:spPr>
+          <a:xfrm>
+            <a:off x="628650" y="2187843"/>
+            <a:ext cx="2859717" cy="1323439"/>
+          </a:xfrm>
+          <a:prstGeom prst="rect">
+            <a:avLst/>
+          </a:prstGeom>
+          <a:noFill/>
+        </p:spPr>
+        <p:txBody>
+          <a:bodyPr wrap="square" rtlCol="0">
+            <a:spAutoFit/>
+          </a:bodyPr>
+          <a:lstStyle/>
+          <a:p>
+            <a:pPr algn="l"/>
+            <a:r>
+              <a:rPr lang="en-US" sz="1600" dirty="0">
+                <a:solidFill>
+                  <a:schemeClr val="tx1"/>
+                </a:solidFill>
+              </a:rPr>
+              <a:t>1.Import database </a:t>
+            </a:r>
+          </a:p>
+          <a:p>
+            <a:pPr algn="l"/>
+            <a:endParaRPr lang="en-US" sz="1600" dirty="0">
+              <a:solidFill>
+                <a:schemeClr val="tx1"/>
+              </a:solidFill>
+            </a:endParaRPr>
+          </a:p>
+          <a:p>
+            <a:pPr algn="l"/>
+            <a:endParaRPr lang="en-US" sz="1600" dirty="0">
+              <a:solidFill>
+                <a:schemeClr val="tx1"/>
+              </a:solidFill>
+            </a:endParaRPr>
+          </a:p>
+          <a:p>
+            <a:pPr algn="l"/>
+            <a:r>
+              <a:rPr lang="en-US" sz="1600" dirty="0">
+                <a:solidFill>
+                  <a:schemeClr val="tx1"/>
+                </a:solidFill>
+              </a:rPr>
+              <a:t>2.Locate distributor and customers</a:t>
+            </a:r>
           </a:p>
         </p:txBody>
       </p:sp>
     </p:spTree>
     <p:extLst>
       <p:ext uri="{BB962C8B-B14F-4D97-AF65-F5344CB8AC3E}">
-        <p14:creationId xmlns:p14="http://schemas.microsoft.com/office/powerpoint/2010/main" val="56359873"/>
+        <p14:creationId xmlns:p14="http://schemas.microsoft.com/office/powerpoint/2010/main" val="756127279"/>
       </p:ext>
     </p:extLst>
   </p:cSld>
@@ -9797,168 +9880,21 @@
           <a:chExt cx="0" cy="0"/>
         </a:xfrm>
       </p:grpSpPr>
-      <p:sp>
-        <p:nvSpPr>
-          <p:cNvPr id="2" name="Title 1">
-            <a:extLst>
-              <a:ext uri="{FF2B5EF4-FFF2-40B4-BE49-F238E27FC236}">
-                <a16:creationId xmlns:a16="http://schemas.microsoft.com/office/drawing/2014/main" id="{BBC6688A-9401-274D-8DB3-E46426D33EBB}"/>
-              </a:ext>
-            </a:extLst>
-          </p:cNvPr>
-          <p:cNvSpPr>
-            <a:spLocks noGrp="1"/>
-          </p:cNvSpPr>
-          <p:nvPr>
-            <p:ph type="title"/>
-          </p:nvPr>
-        </p:nvSpPr>
-        <p:spPr/>
-        <p:txBody>
-          <a:bodyPr/>
-          <a:lstStyle/>
-          <a:p>
-            <a:r>
-              <a:rPr lang="en-US" dirty="0" err="1">
-                <a:latin typeface="Times New Roman" panose="02020603050405020304" pitchFamily="18" charset="0"/>
-                <a:cs typeface="Times New Roman" panose="02020603050405020304" pitchFamily="18" charset="0"/>
-              </a:rPr>
-              <a:t>Anylogic</a:t>
-            </a:r>
-            <a:r>
-              <a:rPr lang="en-US" dirty="0">
-                <a:latin typeface="Times New Roman" panose="02020603050405020304" pitchFamily="18" charset="0"/>
-                <a:cs typeface="Times New Roman" panose="02020603050405020304" pitchFamily="18" charset="0"/>
-              </a:rPr>
-              <a:t> Model</a:t>
-            </a:r>
-          </a:p>
-        </p:txBody>
-      </p:sp>
-      <p:sp>
-        <p:nvSpPr>
-          <p:cNvPr id="4" name="Date Placeholder 3">
-            <a:extLst>
-              <a:ext uri="{FF2B5EF4-FFF2-40B4-BE49-F238E27FC236}">
-                <a16:creationId xmlns:a16="http://schemas.microsoft.com/office/drawing/2014/main" id="{65AE9C51-D29A-A047-A19F-0BAB9B12E9F3}"/>
-              </a:ext>
-            </a:extLst>
-          </p:cNvPr>
-          <p:cNvSpPr>
-            <a:spLocks noGrp="1"/>
-          </p:cNvSpPr>
-          <p:nvPr>
-            <p:ph type="dt" sz="half" idx="10"/>
-          </p:nvPr>
-        </p:nvSpPr>
-        <p:spPr/>
-        <p:txBody>
-          <a:bodyPr/>
-          <a:lstStyle/>
-          <a:p>
-            <a:pPr>
-              <a:defRPr/>
-            </a:pPr>
-            <a:r>
-              <a:rPr lang="en-US">
-                <a:cs typeface="Times New Roman" panose="02020603050405020304" pitchFamily="18" charset="0"/>
-              </a:rPr>
-              <a:t>November 26</a:t>
-            </a:r>
-            <a:endParaRPr lang="en-US" dirty="0">
-              <a:cs typeface="Times New Roman" panose="02020603050405020304" pitchFamily="18" charset="0"/>
-            </a:endParaRPr>
-          </a:p>
-        </p:txBody>
-      </p:sp>
-      <p:sp>
-        <p:nvSpPr>
-          <p:cNvPr id="5" name="Footer Placeholder 4">
-            <a:extLst>
-              <a:ext uri="{FF2B5EF4-FFF2-40B4-BE49-F238E27FC236}">
-                <a16:creationId xmlns:a16="http://schemas.microsoft.com/office/drawing/2014/main" id="{9F991618-3828-3B41-BD69-42998E16B464}"/>
-              </a:ext>
-            </a:extLst>
-          </p:cNvPr>
-          <p:cNvSpPr>
-            <a:spLocks noGrp="1"/>
-          </p:cNvSpPr>
-          <p:nvPr>
-            <p:ph type="ftr" sz="quarter" idx="11"/>
-          </p:nvPr>
-        </p:nvSpPr>
-        <p:spPr/>
-        <p:txBody>
-          <a:bodyPr/>
-          <a:lstStyle/>
-          <a:p>
-            <a:pPr>
-              <a:defRPr/>
-            </a:pPr>
-            <a:r>
-              <a:rPr lang="en-US">
-                <a:cs typeface="Times New Roman" panose="02020603050405020304" pitchFamily="18" charset="0"/>
-              </a:rPr>
-              <a:t>IE 526  Final Project</a:t>
-            </a:r>
-            <a:endParaRPr lang="en-US" dirty="0">
-              <a:cs typeface="Times New Roman" panose="02020603050405020304" pitchFamily="18" charset="0"/>
-            </a:endParaRPr>
-          </a:p>
-        </p:txBody>
-      </p:sp>
-      <p:sp>
-        <p:nvSpPr>
-          <p:cNvPr id="6" name="Slide Number Placeholder 5">
-            <a:extLst>
-              <a:ext uri="{FF2B5EF4-FFF2-40B4-BE49-F238E27FC236}">
-                <a16:creationId xmlns:a16="http://schemas.microsoft.com/office/drawing/2014/main" id="{176615A9-FE84-7444-BCCF-CEE3E3D3E7BC}"/>
-              </a:ext>
-            </a:extLst>
-          </p:cNvPr>
-          <p:cNvSpPr>
-            <a:spLocks noGrp="1"/>
-          </p:cNvSpPr>
-          <p:nvPr>
-            <p:ph type="sldNum" sz="quarter" idx="12"/>
-          </p:nvPr>
-        </p:nvSpPr>
-        <p:spPr/>
-        <p:txBody>
-          <a:bodyPr/>
-          <a:lstStyle/>
-          <a:p>
-            <a:pPr>
-              <a:defRPr/>
-            </a:pPr>
-            <a:fld id="{61875079-2EDC-4E24-99D6-3E823A45791C}" type="slidenum">
-              <a:rPr lang="en-US" smtClean="0">
-                <a:cs typeface="Times New Roman" panose="02020603050405020304" pitchFamily="18" charset="0"/>
-              </a:rPr>
-              <a:pPr>
-                <a:defRPr/>
-              </a:pPr>
-              <a:t>19</a:t>
-            </a:fld>
-            <a:endParaRPr lang="en-US" dirty="0">
-              <a:cs typeface="Times New Roman" panose="02020603050405020304" pitchFamily="18" charset="0"/>
-            </a:endParaRPr>
-          </a:p>
-        </p:txBody>
-      </p:sp>
       <p:pic>
         <p:nvPicPr>
-          <p:cNvPr id="7" name="Picture 6">
-            <a:extLst>
-              <a:ext uri="{FF2B5EF4-FFF2-40B4-BE49-F238E27FC236}">
-                <a16:creationId xmlns:a16="http://schemas.microsoft.com/office/drawing/2014/main" id="{4543C318-4F71-9047-B4DA-6071CDFB7700}"/>
+          <p:cNvPr id="8" name="Content Placeholder 7">
+            <a:extLst>
+              <a:ext uri="{FF2B5EF4-FFF2-40B4-BE49-F238E27FC236}">
+                <a16:creationId xmlns:a16="http://schemas.microsoft.com/office/drawing/2014/main" id="{DF7399EF-C691-1449-A1D9-1FAEA929598B}"/>
               </a:ext>
             </a:extLst>
           </p:cNvPr>
           <p:cNvPicPr>
-            <a:picLocks noChangeAspect="1"/>
+            <a:picLocks noGrp="1" noChangeAspect="1"/>
           </p:cNvPicPr>
-          <p:nvPr/>
+          <p:nvPr>
+            <p:ph idx="1"/>
+          </p:nvPr>
         </p:nvPicPr>
         <p:blipFill>
           <a:blip r:embed="rId2">
@@ -9974,8 +9910,140 @@
         </p:blipFill>
         <p:spPr>
           <a:xfrm>
-            <a:off x="3352800" y="1524000"/>
-            <a:ext cx="4663369" cy="4417045"/>
+            <a:off x="3099104" y="3657600"/>
+            <a:ext cx="5611424" cy="2133600"/>
+          </a:xfrm>
+        </p:spPr>
+      </p:pic>
+      <p:sp>
+        <p:nvSpPr>
+          <p:cNvPr id="4" name="Date Placeholder 3">
+            <a:extLst>
+              <a:ext uri="{FF2B5EF4-FFF2-40B4-BE49-F238E27FC236}">
+                <a16:creationId xmlns:a16="http://schemas.microsoft.com/office/drawing/2014/main" id="{B37AD6BC-DF90-0145-8853-6CE5BDB680E5}"/>
+              </a:ext>
+            </a:extLst>
+          </p:cNvPr>
+          <p:cNvSpPr>
+            <a:spLocks noGrp="1"/>
+          </p:cNvSpPr>
+          <p:nvPr>
+            <p:ph type="dt" sz="half" idx="10"/>
+          </p:nvPr>
+        </p:nvSpPr>
+        <p:spPr/>
+        <p:txBody>
+          <a:bodyPr/>
+          <a:lstStyle/>
+          <a:p>
+            <a:pPr>
+              <a:defRPr/>
+            </a:pPr>
+            <a:r>
+              <a:rPr lang="en-US"/>
+              <a:t>November 26</a:t>
+            </a:r>
+            <a:endParaRPr lang="en-US" dirty="0"/>
+          </a:p>
+        </p:txBody>
+      </p:sp>
+      <p:sp>
+        <p:nvSpPr>
+          <p:cNvPr id="5" name="Footer Placeholder 4">
+            <a:extLst>
+              <a:ext uri="{FF2B5EF4-FFF2-40B4-BE49-F238E27FC236}">
+                <a16:creationId xmlns:a16="http://schemas.microsoft.com/office/drawing/2014/main" id="{F0FAF232-ED08-B846-B812-D67CD68ECF8C}"/>
+              </a:ext>
+            </a:extLst>
+          </p:cNvPr>
+          <p:cNvSpPr>
+            <a:spLocks noGrp="1"/>
+          </p:cNvSpPr>
+          <p:nvPr>
+            <p:ph type="ftr" sz="quarter" idx="11"/>
+          </p:nvPr>
+        </p:nvSpPr>
+        <p:spPr/>
+        <p:txBody>
+          <a:bodyPr/>
+          <a:lstStyle/>
+          <a:p>
+            <a:pPr>
+              <a:defRPr/>
+            </a:pPr>
+            <a:r>
+              <a:rPr lang="en-US"/>
+              <a:t>IE 526  Final Project</a:t>
+            </a:r>
+            <a:endParaRPr lang="en-US" dirty="0"/>
+          </a:p>
+        </p:txBody>
+      </p:sp>
+      <p:sp>
+        <p:nvSpPr>
+          <p:cNvPr id="6" name="Slide Number Placeholder 5">
+            <a:extLst>
+              <a:ext uri="{FF2B5EF4-FFF2-40B4-BE49-F238E27FC236}">
+                <a16:creationId xmlns:a16="http://schemas.microsoft.com/office/drawing/2014/main" id="{81FE772E-0350-4A4D-B828-F6E3424DBC63}"/>
+              </a:ext>
+            </a:extLst>
+          </p:cNvPr>
+          <p:cNvSpPr>
+            <a:spLocks noGrp="1"/>
+          </p:cNvSpPr>
+          <p:nvPr>
+            <p:ph type="sldNum" sz="quarter" idx="12"/>
+          </p:nvPr>
+        </p:nvSpPr>
+        <p:spPr/>
+        <p:txBody>
+          <a:bodyPr/>
+          <a:lstStyle/>
+          <a:p>
+            <a:pPr>
+              <a:defRPr/>
+            </a:pPr>
+            <a:fld id="{61875079-2EDC-4E24-99D6-3E823A45791C}" type="slidenum">
+              <a:rPr lang="en-US" smtClean="0"/>
+              <a:pPr>
+                <a:defRPr/>
+              </a:pPr>
+              <a:t>19</a:t>
+            </a:fld>
+            <a:endParaRPr lang="en-US" dirty="0"/>
+          </a:p>
+        </p:txBody>
+      </p:sp>
+      <p:pic>
+        <p:nvPicPr>
+          <p:cNvPr id="3" name="Picture 2">
+            <a:extLst>
+              <a:ext uri="{FF2B5EF4-FFF2-40B4-BE49-F238E27FC236}">
+                <a16:creationId xmlns:a16="http://schemas.microsoft.com/office/drawing/2014/main" id="{883F52B0-832B-2544-92FB-05A07540B2F4}"/>
+              </a:ext>
+            </a:extLst>
+          </p:cNvPr>
+          <p:cNvPicPr>
+            <a:picLocks noChangeAspect="1"/>
+          </p:cNvPicPr>
+          <p:nvPr/>
+        </p:nvPicPr>
+        <p:blipFill>
+          <a:blip r:embed="rId3">
+            <a:extLst>
+              <a:ext uri="{28A0092B-C50C-407E-A947-70E740481C1C}">
+                <a14:useLocalDpi xmlns:a14="http://schemas.microsoft.com/office/drawing/2010/main" val="0"/>
+              </a:ext>
+            </a:extLst>
+          </a:blip>
+          <a:stretch>
+            <a:fillRect/>
+          </a:stretch>
+        </p:blipFill>
+        <p:spPr>
+          <a:xfrm>
+            <a:off x="927484" y="1427291"/>
+            <a:ext cx="4202932" cy="2230309"/>
           </a:xfrm>
           <a:prstGeom prst="rect">
             <a:avLst/>
@@ -9984,106 +10052,86 @@
       </p:pic>
       <p:sp>
         <p:nvSpPr>
-          <p:cNvPr id="8" name="TextBox 7">
-            <a:extLst>
-              <a:ext uri="{FF2B5EF4-FFF2-40B4-BE49-F238E27FC236}">
-                <a16:creationId xmlns:a16="http://schemas.microsoft.com/office/drawing/2014/main" id="{9B983E29-553B-5041-BA3E-5E34548D3869}"/>
-              </a:ext>
-            </a:extLst>
-          </p:cNvPr>
-          <p:cNvSpPr txBox="1"/>
+          <p:cNvPr id="7" name="Bent Arrow 6">
+            <a:extLst>
+              <a:ext uri="{FF2B5EF4-FFF2-40B4-BE49-F238E27FC236}">
+                <a16:creationId xmlns:a16="http://schemas.microsoft.com/office/drawing/2014/main" id="{ECF69785-EB3D-7546-BEE0-408AA0DBE3FB}"/>
+              </a:ext>
+            </a:extLst>
+          </p:cNvPr>
+          <p:cNvSpPr/>
           <p:nvPr/>
         </p:nvSpPr>
         <p:spPr>
-          <a:xfrm>
-            <a:off x="4800600" y="1062335"/>
-            <a:ext cx="1492716" cy="461665"/>
+          <a:xfrm rot="5400000">
+            <a:off x="5486400" y="2209800"/>
+            <a:ext cx="762000" cy="1143000"/>
           </a:xfrm>
-          <a:prstGeom prst="rect">
+          <a:prstGeom prst="bentArrow">
             <a:avLst/>
           </a:prstGeom>
-          <a:noFill/>
         </p:spPr>
-        <p:txBody>
-          <a:bodyPr wrap="none" rtlCol="0">
-            <a:spAutoFit/>
-          </a:bodyPr>
-          <a:lstStyle/>
-          <a:p>
-            <a:r>
-              <a:rPr lang="en-US" sz="2400" dirty="0">
-                <a:solidFill>
-                  <a:schemeClr val="tx1"/>
-                </a:solidFill>
-              </a:rPr>
-              <a:t>GIS MAP</a:t>
-            </a:r>
-          </a:p>
-        </p:txBody>
-      </p:sp>
-      <p:sp>
-        <p:nvSpPr>
-          <p:cNvPr id="9" name="TextBox 8">
-            <a:extLst>
-              <a:ext uri="{FF2B5EF4-FFF2-40B4-BE49-F238E27FC236}">
-                <a16:creationId xmlns:a16="http://schemas.microsoft.com/office/drawing/2014/main" id="{D807F127-C2EB-554A-833E-4EC2175CAD7E}"/>
-              </a:ext>
-            </a:extLst>
-          </p:cNvPr>
-          <p:cNvSpPr txBox="1"/>
-          <p:nvPr/>
-        </p:nvSpPr>
-        <p:spPr>
-          <a:xfrm>
-            <a:off x="628650" y="2187843"/>
-            <a:ext cx="2859717" cy="1323439"/>
-          </a:xfrm>
-          <a:prstGeom prst="rect">
-            <a:avLst/>
-          </a:prstGeom>
-          <a:noFill/>
-        </p:spPr>
-        <p:txBody>
-          <a:bodyPr wrap="square" rtlCol="0">
-            <a:spAutoFit/>
-          </a:bodyPr>
-          <a:lstStyle/>
-          <a:p>
-            <a:pPr algn="l"/>
-            <a:r>
-              <a:rPr lang="en-US" sz="1600" dirty="0">
-                <a:solidFill>
-                  <a:schemeClr val="tx1"/>
-                </a:solidFill>
-              </a:rPr>
-              <a:t>1.Import database </a:t>
-            </a:r>
-          </a:p>
-          <a:p>
-            <a:pPr algn="l"/>
-            <a:endParaRPr lang="en-US" sz="1600" dirty="0">
+        <p:style>
+          <a:lnRef idx="2">
+            <a:schemeClr val="accent1">
+              <a:shade val="50000"/>
+            </a:schemeClr>
+          </a:lnRef>
+          <a:fillRef idx="1">
+            <a:schemeClr val="accent1"/>
+          </a:fillRef>
+          <a:effectRef idx="0">
+            <a:schemeClr val="accent1"/>
+          </a:effectRef>
+          <a:fontRef idx="minor">
+            <a:schemeClr val="lt1"/>
+          </a:fontRef>
+        </p:style>
+        <p:txBody>
+          <a:bodyPr rtlCol="0" anchor="ctr"/>
+          <a:lstStyle/>
+          <a:p>
+            <a:pPr algn="ctr"/>
+            <a:endParaRPr lang="en-US">
               <a:solidFill>
                 <a:schemeClr val="tx1"/>
               </a:solidFill>
             </a:endParaRPr>
           </a:p>
-          <a:p>
-            <a:pPr algn="l"/>
-            <a:endParaRPr lang="en-US" sz="1600" dirty="0">
-              <a:solidFill>
-                <a:schemeClr val="tx1"/>
-              </a:solidFill>
-            </a:endParaRPr>
-          </a:p>
-          <a:p>
-            <a:pPr algn="l"/>
-            <a:r>
-              <a:rPr lang="en-US" sz="1600" dirty="0">
-                <a:solidFill>
-                  <a:schemeClr val="tx1"/>
-                </a:solidFill>
+        </p:txBody>
+      </p:sp>
+      <p:sp>
+        <p:nvSpPr>
+          <p:cNvPr id="11" name="Title 1">
+            <a:extLst>
+              <a:ext uri="{FF2B5EF4-FFF2-40B4-BE49-F238E27FC236}">
+                <a16:creationId xmlns:a16="http://schemas.microsoft.com/office/drawing/2014/main" id="{C6566DDD-EE1C-3643-8DE6-042C829601FB}"/>
+              </a:ext>
+            </a:extLst>
+          </p:cNvPr>
+          <p:cNvSpPr>
+            <a:spLocks noGrp="1"/>
+          </p:cNvSpPr>
+          <p:nvPr>
+            <p:ph type="title"/>
+          </p:nvPr>
+        </p:nvSpPr>
+        <p:spPr>
+          <a:xfrm>
+            <a:off x="628650" y="365126"/>
+            <a:ext cx="7886700" cy="1325563"/>
+          </a:xfrm>
+        </p:spPr>
+        <p:txBody>
+          <a:bodyPr/>
+          <a:lstStyle/>
+          <a:p>
+            <a:r>
+              <a:rPr lang="en-US" dirty="0">
+                <a:latin typeface="Times New Roman" panose="02020603050405020304" pitchFamily="18" charset="0"/>
+                <a:cs typeface="Times New Roman" panose="02020603050405020304" pitchFamily="18" charset="0"/>
               </a:rPr>
-              <a:t>2.Locate distributor and customers</a:t>
+              <a:t>Order</a:t>
             </a:r>
           </a:p>
         </p:txBody>
@@ -10091,7 +10139,7 @@
     </p:spTree>
     <p:extLst>
       <p:ext uri="{BB962C8B-B14F-4D97-AF65-F5344CB8AC3E}">
-        <p14:creationId xmlns:p14="http://schemas.microsoft.com/office/powerpoint/2010/main" val="756127279"/>
+        <p14:creationId xmlns:p14="http://schemas.microsoft.com/office/powerpoint/2010/main" val="3909437071"/>
       </p:ext>
     </p:extLst>
   </p:cSld>
@@ -10120,114 +10168,7 @@
       </p:grpSpPr>
       <p:sp>
         <p:nvSpPr>
-          <p:cNvPr id="3" name="Content Placeholder 2">
-            <a:extLst>
-              <a:ext uri="{FF2B5EF4-FFF2-40B4-BE49-F238E27FC236}">
-                <a16:creationId xmlns:a16="http://schemas.microsoft.com/office/drawing/2014/main" id="{389682B3-B26F-0743-BF1E-29F67FD2289E}"/>
-              </a:ext>
-            </a:extLst>
-          </p:cNvPr>
-          <p:cNvSpPr>
-            <a:spLocks noGrp="1"/>
-          </p:cNvSpPr>
-          <p:nvPr>
-            <p:ph idx="1"/>
-          </p:nvPr>
-        </p:nvSpPr>
-        <p:spPr>
-          <a:xfrm>
-            <a:off x="2918209" y="1600200"/>
-            <a:ext cx="3539741" cy="4351338"/>
-          </a:xfrm>
-        </p:spPr>
-        <p:txBody>
-          <a:bodyPr>
-            <a:normAutofit/>
-          </a:bodyPr>
-          <a:lstStyle/>
-          <a:p>
-            <a:pPr algn="just">
-              <a:buFont typeface="Wingdings" pitchFamily="2" charset="2"/>
-              <a:buChar char="v"/>
-            </a:pPr>
-            <a:r>
-              <a:rPr lang="en-US" sz="3200" dirty="0">
-                <a:latin typeface="Times New Roman" panose="02020603050405020304" pitchFamily="18" charset="0"/>
-                <a:cs typeface="Times New Roman" panose="02020603050405020304" pitchFamily="18" charset="0"/>
-              </a:rPr>
-              <a:t>Background</a:t>
-            </a:r>
-          </a:p>
-          <a:p>
-            <a:pPr algn="just">
-              <a:buFont typeface="Wingdings" pitchFamily="2" charset="2"/>
-              <a:buChar char="v"/>
-            </a:pPr>
-            <a:r>
-              <a:rPr lang="en-US" sz="3200" dirty="0">
-                <a:latin typeface="Times New Roman" panose="02020603050405020304" pitchFamily="18" charset="0"/>
-                <a:cs typeface="Times New Roman" panose="02020603050405020304" pitchFamily="18" charset="0"/>
-              </a:rPr>
-              <a:t>Math Model</a:t>
-            </a:r>
-          </a:p>
-          <a:p>
-            <a:pPr algn="just">
-              <a:buFont typeface="Wingdings" pitchFamily="2" charset="2"/>
-              <a:buChar char="v"/>
-            </a:pPr>
-            <a:r>
-              <a:rPr lang="en-US" sz="3200" dirty="0" err="1">
-                <a:latin typeface="Times New Roman" panose="02020603050405020304" pitchFamily="18" charset="0"/>
-                <a:cs typeface="Times New Roman" panose="02020603050405020304" pitchFamily="18" charset="0"/>
-              </a:rPr>
-              <a:t>Anylogic</a:t>
-            </a:r>
-            <a:r>
-              <a:rPr lang="en-US" sz="3200" dirty="0">
-                <a:latin typeface="Times New Roman" panose="02020603050405020304" pitchFamily="18" charset="0"/>
-                <a:cs typeface="Times New Roman" panose="02020603050405020304" pitchFamily="18" charset="0"/>
-              </a:rPr>
-              <a:t> Model</a:t>
-            </a:r>
-          </a:p>
-          <a:p>
-            <a:pPr algn="just">
-              <a:buFont typeface="Wingdings" pitchFamily="2" charset="2"/>
-              <a:buChar char="v"/>
-            </a:pPr>
-            <a:r>
-              <a:rPr lang="en-US" sz="3200" dirty="0">
-                <a:latin typeface="Times New Roman" panose="02020603050405020304" pitchFamily="18" charset="0"/>
-                <a:cs typeface="Times New Roman" panose="02020603050405020304" pitchFamily="18" charset="0"/>
-              </a:rPr>
-              <a:t>How we code</a:t>
-            </a:r>
-          </a:p>
-          <a:p>
-            <a:pPr algn="just">
-              <a:buFont typeface="Wingdings" pitchFamily="2" charset="2"/>
-              <a:buChar char="v"/>
-            </a:pPr>
-            <a:r>
-              <a:rPr lang="en-US" sz="3200" dirty="0">
-                <a:latin typeface="Times New Roman" panose="02020603050405020304" pitchFamily="18" charset="0"/>
-                <a:cs typeface="Times New Roman" panose="02020603050405020304" pitchFamily="18" charset="0"/>
-              </a:rPr>
-              <a:t>Future to Do</a:t>
-            </a:r>
-          </a:p>
-        </p:txBody>
-      </p:sp>
-      <p:sp>
-        <p:nvSpPr>
-          <p:cNvPr id="4" name="Date Placeholder 3">
-            <a:extLst>
-              <a:ext uri="{FF2B5EF4-FFF2-40B4-BE49-F238E27FC236}">
-                <a16:creationId xmlns:a16="http://schemas.microsoft.com/office/drawing/2014/main" id="{28700CEE-D210-A54E-A86F-6756C9222534}"/>
-              </a:ext>
-            </a:extLst>
-          </p:cNvPr>
+          <p:cNvPr id="4" name="Date Placeholder 3"/>
           <p:cNvSpPr>
             <a:spLocks noGrp="1"/>
           </p:cNvSpPr>
@@ -10253,13 +10194,7 @@
       </p:sp>
       <p:sp>
         <p:nvSpPr>
-          <p:cNvPr id="5" name="Footer Placeholder 4">
-            <a:extLst>
-              <a:ext uri="{FF2B5EF4-FFF2-40B4-BE49-F238E27FC236}">
-                <a16:creationId xmlns:a16="http://schemas.microsoft.com/office/drawing/2014/main" id="{AB888A8D-7A13-9F42-B066-497653C207B2}"/>
-              </a:ext>
-            </a:extLst>
-          </p:cNvPr>
+          <p:cNvPr id="5" name="Footer Placeholder 4"/>
           <p:cNvSpPr>
             <a:spLocks noGrp="1"/>
           </p:cNvSpPr>
@@ -10285,13 +10220,7 @@
       </p:sp>
       <p:sp>
         <p:nvSpPr>
-          <p:cNvPr id="6" name="Slide Number Placeholder 5">
-            <a:extLst>
-              <a:ext uri="{FF2B5EF4-FFF2-40B4-BE49-F238E27FC236}">
-                <a16:creationId xmlns:a16="http://schemas.microsoft.com/office/drawing/2014/main" id="{F32B01CD-8B39-1042-8F68-C3F09BCB4830}"/>
-              </a:ext>
-            </a:extLst>
-          </p:cNvPr>
+          <p:cNvPr id="6" name="Slide Number Placeholder 5"/>
           <p:cNvSpPr>
             <a:spLocks noGrp="1"/>
           </p:cNvSpPr>
@@ -10318,10 +10247,70 @@
           </a:p>
         </p:txBody>
       </p:sp>
+      <p:pic>
+        <p:nvPicPr>
+          <p:cNvPr id="7" name="Picture 6"/>
+          <p:cNvPicPr>
+            <a:picLocks noChangeAspect="1"/>
+          </p:cNvPicPr>
+          <p:nvPr/>
+        </p:nvPicPr>
+        <p:blipFill>
+          <a:blip r:embed="rId2">
+            <a:extLst>
+              <a:ext uri="{28A0092B-C50C-407E-A947-70E740481C1C}">
+                <a14:useLocalDpi xmlns:a14="http://schemas.microsoft.com/office/drawing/2010/main" val="0"/>
+              </a:ext>
+            </a:extLst>
+          </a:blip>
+          <a:stretch>
+            <a:fillRect/>
+          </a:stretch>
+        </p:blipFill>
+        <p:spPr>
+          <a:xfrm>
+            <a:off x="942975" y="1447800"/>
+            <a:ext cx="7258050" cy="4181475"/>
+          </a:xfrm>
+          <a:prstGeom prst="rect">
+            <a:avLst/>
+          </a:prstGeom>
+        </p:spPr>
+      </p:pic>
+      <p:pic>
+        <p:nvPicPr>
+          <p:cNvPr id="8" name="Picture 7"/>
+          <p:cNvPicPr>
+            <a:picLocks noChangeAspect="1"/>
+          </p:cNvPicPr>
+          <p:nvPr/>
+        </p:nvPicPr>
+        <p:blipFill>
+          <a:blip r:embed="rId3" cstate="print">
+            <a:extLst>
+              <a:ext uri="{28A0092B-C50C-407E-A947-70E740481C1C}">
+                <a14:useLocalDpi xmlns:a14="http://schemas.microsoft.com/office/drawing/2010/main" val="0"/>
+              </a:ext>
+            </a:extLst>
+          </a:blip>
+          <a:stretch>
+            <a:fillRect/>
+          </a:stretch>
+        </p:blipFill>
+        <p:spPr>
+          <a:xfrm>
+            <a:off x="685800" y="179753"/>
+            <a:ext cx="1581150" cy="904509"/>
+          </a:xfrm>
+          <a:prstGeom prst="rect">
+            <a:avLst/>
+          </a:prstGeom>
+        </p:spPr>
+      </p:pic>
     </p:spTree>
     <p:extLst>
       <p:ext uri="{BB962C8B-B14F-4D97-AF65-F5344CB8AC3E}">
-        <p14:creationId xmlns:p14="http://schemas.microsoft.com/office/powerpoint/2010/main" val="3848857456"/>
+        <p14:creationId xmlns:p14="http://schemas.microsoft.com/office/powerpoint/2010/main" val="3699359942"/>
       </p:ext>
     </p:extLst>
   </p:cSld>
@@ -10348,47 +10337,12 @@
           <a:chExt cx="0" cy="0"/>
         </a:xfrm>
       </p:grpSpPr>
-      <p:pic>
-        <p:nvPicPr>
-          <p:cNvPr id="8" name="Content Placeholder 7">
-            <a:extLst>
-              <a:ext uri="{FF2B5EF4-FFF2-40B4-BE49-F238E27FC236}">
-                <a16:creationId xmlns:a16="http://schemas.microsoft.com/office/drawing/2014/main" id="{DF7399EF-C691-1449-A1D9-1FAEA929598B}"/>
-              </a:ext>
-            </a:extLst>
-          </p:cNvPr>
-          <p:cNvPicPr>
-            <a:picLocks noGrp="1" noChangeAspect="1"/>
-          </p:cNvPicPr>
-          <p:nvPr>
-            <p:ph idx="1"/>
-          </p:nvPr>
-        </p:nvPicPr>
-        <p:blipFill>
-          <a:blip r:embed="rId2">
-            <a:extLst>
-              <a:ext uri="{28A0092B-C50C-407E-A947-70E740481C1C}">
-                <a14:useLocalDpi xmlns:a14="http://schemas.microsoft.com/office/drawing/2010/main" val="0"/>
-              </a:ext>
-            </a:extLst>
-          </a:blip>
-          <a:stretch>
-            <a:fillRect/>
-          </a:stretch>
-        </p:blipFill>
-        <p:spPr>
-          <a:xfrm>
-            <a:off x="3099104" y="3657600"/>
-            <a:ext cx="5611424" cy="2133600"/>
-          </a:xfrm>
-        </p:spPr>
-      </p:pic>
       <p:sp>
         <p:nvSpPr>
           <p:cNvPr id="4" name="Date Placeholder 3">
             <a:extLst>
               <a:ext uri="{FF2B5EF4-FFF2-40B4-BE49-F238E27FC236}">
-                <a16:creationId xmlns:a16="http://schemas.microsoft.com/office/drawing/2014/main" id="{B37AD6BC-DF90-0145-8853-6CE5BDB680E5}"/>
+                <a16:creationId xmlns:a16="http://schemas.microsoft.com/office/drawing/2014/main" id="{EC59AA18-4379-4E4B-9B81-84584F09F7FA}"/>
               </a:ext>
             </a:extLst>
           </p:cNvPr>
@@ -10420,7 +10374,7 @@
           <p:cNvPr id="5" name="Footer Placeholder 4">
             <a:extLst>
               <a:ext uri="{FF2B5EF4-FFF2-40B4-BE49-F238E27FC236}">
-                <a16:creationId xmlns:a16="http://schemas.microsoft.com/office/drawing/2014/main" id="{F0FAF232-ED08-B846-B812-D67CD68ECF8C}"/>
+                <a16:creationId xmlns:a16="http://schemas.microsoft.com/office/drawing/2014/main" id="{C14FA9A5-6859-4046-8B01-1FD02FD822CC}"/>
               </a:ext>
             </a:extLst>
           </p:cNvPr>
@@ -10452,7 +10406,7 @@
           <p:cNvPr id="6" name="Slide Number Placeholder 5">
             <a:extLst>
               <a:ext uri="{FF2B5EF4-FFF2-40B4-BE49-F238E27FC236}">
-                <a16:creationId xmlns:a16="http://schemas.microsoft.com/office/drawing/2014/main" id="{81FE772E-0350-4A4D-B828-F6E3424DBC63}"/>
+                <a16:creationId xmlns:a16="http://schemas.microsoft.com/office/drawing/2014/main" id="{DA6528F0-5BA8-874A-B0B5-B611D762E8D9}"/>
               </a:ext>
             </a:extLst>
           </p:cNvPr>
@@ -10487,7 +10441,7 @@
           <p:cNvPr id="3" name="Picture 2">
             <a:extLst>
               <a:ext uri="{FF2B5EF4-FFF2-40B4-BE49-F238E27FC236}">
-                <a16:creationId xmlns:a16="http://schemas.microsoft.com/office/drawing/2014/main" id="{883F52B0-832B-2544-92FB-05A07540B2F4}"/>
+                <a16:creationId xmlns:a16="http://schemas.microsoft.com/office/drawing/2014/main" id="{F1AD5176-C47B-0549-B80D-E0C4939DC37A}"/>
               </a:ext>
             </a:extLst>
           </p:cNvPr>
@@ -10497,7 +10451,7 @@
           <p:nvPr/>
         </p:nvPicPr>
         <p:blipFill>
-          <a:blip r:embed="rId3">
+          <a:blip r:embed="rId2">
             <a:extLst>
               <a:ext uri="{28A0092B-C50C-407E-A947-70E740481C1C}">
                 <a14:useLocalDpi xmlns:a14="http://schemas.microsoft.com/office/drawing/2010/main" val="0"/>
@@ -10510,8 +10464,8 @@
         </p:blipFill>
         <p:spPr>
           <a:xfrm>
-            <a:off x="927484" y="1427291"/>
-            <a:ext cx="4202932" cy="2230309"/>
+            <a:off x="3028950" y="685800"/>
+            <a:ext cx="5754303" cy="5181600"/>
           </a:xfrm>
           <a:prstGeom prst="rect">
             <a:avLst/>
@@ -10520,60 +10474,10 @@
       </p:pic>
       <p:sp>
         <p:nvSpPr>
-          <p:cNvPr id="7" name="Bent Arrow 6">
-            <a:extLst>
-              <a:ext uri="{FF2B5EF4-FFF2-40B4-BE49-F238E27FC236}">
-                <a16:creationId xmlns:a16="http://schemas.microsoft.com/office/drawing/2014/main" id="{ECF69785-EB3D-7546-BEE0-408AA0DBE3FB}"/>
-              </a:ext>
-            </a:extLst>
-          </p:cNvPr>
-          <p:cNvSpPr/>
-          <p:nvPr/>
-        </p:nvSpPr>
-        <p:spPr>
-          <a:xfrm rot="5400000">
-            <a:off x="5486400" y="2209800"/>
-            <a:ext cx="762000" cy="1143000"/>
-          </a:xfrm>
-          <a:prstGeom prst="bentArrow">
-            <a:avLst/>
-          </a:prstGeom>
-        </p:spPr>
-        <p:style>
-          <a:lnRef idx="2">
-            <a:schemeClr val="accent1">
-              <a:shade val="50000"/>
-            </a:schemeClr>
-          </a:lnRef>
-          <a:fillRef idx="1">
-            <a:schemeClr val="accent1"/>
-          </a:fillRef>
-          <a:effectRef idx="0">
-            <a:schemeClr val="accent1"/>
-          </a:effectRef>
-          <a:fontRef idx="minor">
-            <a:schemeClr val="lt1"/>
-          </a:fontRef>
-        </p:style>
-        <p:txBody>
-          <a:bodyPr rtlCol="0" anchor="ctr"/>
-          <a:lstStyle/>
-          <a:p>
-            <a:pPr algn="ctr"/>
-            <a:endParaRPr lang="en-US">
-              <a:solidFill>
-                <a:schemeClr val="tx1"/>
-              </a:solidFill>
-            </a:endParaRPr>
-          </a:p>
-        </p:txBody>
-      </p:sp>
-      <p:sp>
-        <p:nvSpPr>
-          <p:cNvPr id="11" name="Title 1">
-            <a:extLst>
-              <a:ext uri="{FF2B5EF4-FFF2-40B4-BE49-F238E27FC236}">
-                <a16:creationId xmlns:a16="http://schemas.microsoft.com/office/drawing/2014/main" id="{C6566DDD-EE1C-3643-8DE6-042C829601FB}"/>
+          <p:cNvPr id="10" name="Title 1">
+            <a:extLst>
+              <a:ext uri="{FF2B5EF4-FFF2-40B4-BE49-F238E27FC236}">
+                <a16:creationId xmlns:a16="http://schemas.microsoft.com/office/drawing/2014/main" id="{40C27B82-15DD-F44B-ABF4-275C62A021DB}"/>
               </a:ext>
             </a:extLst>
           </p:cNvPr>
@@ -10599,7 +10503,7 @@
                 <a:latin typeface="Times New Roman" panose="02020603050405020304" pitchFamily="18" charset="0"/>
                 <a:cs typeface="Times New Roman" panose="02020603050405020304" pitchFamily="18" charset="0"/>
               </a:rPr>
-              <a:t>Order</a:t>
+              <a:t>Truck</a:t>
             </a:r>
           </a:p>
         </p:txBody>
@@ -10607,7 +10511,7 @@
     </p:spTree>
     <p:extLst>
       <p:ext uri="{BB962C8B-B14F-4D97-AF65-F5344CB8AC3E}">
-        <p14:creationId xmlns:p14="http://schemas.microsoft.com/office/powerpoint/2010/main" val="3909437071"/>
+        <p14:creationId xmlns:p14="http://schemas.microsoft.com/office/powerpoint/2010/main" val="2991445453"/>
       </p:ext>
     </p:extLst>
   </p:cSld>
@@ -10639,7 +10543,7 @@
           <p:cNvPr id="4" name="Date Placeholder 3">
             <a:extLst>
               <a:ext uri="{FF2B5EF4-FFF2-40B4-BE49-F238E27FC236}">
-                <a16:creationId xmlns:a16="http://schemas.microsoft.com/office/drawing/2014/main" id="{EC59AA18-4379-4E4B-9B81-84584F09F7FA}"/>
+                <a16:creationId xmlns:a16="http://schemas.microsoft.com/office/drawing/2014/main" id="{2619DAF6-3469-7C4E-8628-5AD80FF3865F}"/>
               </a:ext>
             </a:extLst>
           </p:cNvPr>
@@ -10671,7 +10575,7 @@
           <p:cNvPr id="5" name="Footer Placeholder 4">
             <a:extLst>
               <a:ext uri="{FF2B5EF4-FFF2-40B4-BE49-F238E27FC236}">
-                <a16:creationId xmlns:a16="http://schemas.microsoft.com/office/drawing/2014/main" id="{C14FA9A5-6859-4046-8B01-1FD02FD822CC}"/>
+                <a16:creationId xmlns:a16="http://schemas.microsoft.com/office/drawing/2014/main" id="{7DC83BDD-5B46-6347-8181-E0C862A5497D}"/>
               </a:ext>
             </a:extLst>
           </p:cNvPr>
@@ -10703,7 +10607,7 @@
           <p:cNvPr id="6" name="Slide Number Placeholder 5">
             <a:extLst>
               <a:ext uri="{FF2B5EF4-FFF2-40B4-BE49-F238E27FC236}">
-                <a16:creationId xmlns:a16="http://schemas.microsoft.com/office/drawing/2014/main" id="{DA6528F0-5BA8-874A-B0B5-B611D762E8D9}"/>
+                <a16:creationId xmlns:a16="http://schemas.microsoft.com/office/drawing/2014/main" id="{2DC6747C-C0E2-E14E-89EA-08B04906B353}"/>
               </a:ext>
             </a:extLst>
           </p:cNvPr>
@@ -10735,17 +10639,19 @@
       </p:sp>
       <p:pic>
         <p:nvPicPr>
-          <p:cNvPr id="3" name="Picture 2">
-            <a:extLst>
-              <a:ext uri="{FF2B5EF4-FFF2-40B4-BE49-F238E27FC236}">
-                <a16:creationId xmlns:a16="http://schemas.microsoft.com/office/drawing/2014/main" id="{F1AD5176-C47B-0549-B80D-E0C4939DC37A}"/>
+          <p:cNvPr id="7" name="Content Placeholder 6">
+            <a:extLst>
+              <a:ext uri="{FF2B5EF4-FFF2-40B4-BE49-F238E27FC236}">
+                <a16:creationId xmlns:a16="http://schemas.microsoft.com/office/drawing/2014/main" id="{75DFF42F-21A2-774F-A658-6B9E2E824CBB}"/>
               </a:ext>
             </a:extLst>
           </p:cNvPr>
           <p:cNvPicPr>
-            <a:picLocks noChangeAspect="1"/>
+            <a:picLocks noGrp="1" noChangeAspect="1"/>
           </p:cNvPicPr>
-          <p:nvPr/>
+          <p:nvPr>
+            <p:ph idx="1"/>
+          </p:nvPr>
         </p:nvPicPr>
         <p:blipFill>
           <a:blip r:embed="rId2">
@@ -10761,8 +10667,8 @@
         </p:blipFill>
         <p:spPr>
           <a:xfrm>
-            <a:off x="3028950" y="685800"/>
-            <a:ext cx="5754303" cy="5181600"/>
+            <a:off x="1073963" y="1825625"/>
+            <a:ext cx="6996073" cy="4351338"/>
           </a:xfrm>
           <a:prstGeom prst="rect">
             <a:avLst/>
@@ -10771,10 +10677,10 @@
       </p:pic>
       <p:sp>
         <p:nvSpPr>
-          <p:cNvPr id="10" name="Title 1">
-            <a:extLst>
-              <a:ext uri="{FF2B5EF4-FFF2-40B4-BE49-F238E27FC236}">
-                <a16:creationId xmlns:a16="http://schemas.microsoft.com/office/drawing/2014/main" id="{40C27B82-15DD-F44B-ABF4-275C62A021DB}"/>
+          <p:cNvPr id="8" name="Title 1">
+            <a:extLst>
+              <a:ext uri="{FF2B5EF4-FFF2-40B4-BE49-F238E27FC236}">
+                <a16:creationId xmlns:a16="http://schemas.microsoft.com/office/drawing/2014/main" id="{927329C3-E87F-264E-A54A-6CBDEC67BC18}"/>
               </a:ext>
             </a:extLst>
           </p:cNvPr>
@@ -10800,7 +10706,7 @@
                 <a:latin typeface="Times New Roman" panose="02020603050405020304" pitchFamily="18" charset="0"/>
                 <a:cs typeface="Times New Roman" panose="02020603050405020304" pitchFamily="18" charset="0"/>
               </a:rPr>
-              <a:t>Truck</a:t>
+              <a:t>Distributor</a:t>
             </a:r>
           </a:p>
         </p:txBody>
@@ -10808,7 +10714,7 @@
     </p:spTree>
     <p:extLst>
       <p:ext uri="{BB962C8B-B14F-4D97-AF65-F5344CB8AC3E}">
-        <p14:creationId xmlns:p14="http://schemas.microsoft.com/office/powerpoint/2010/main" val="2991445453"/>
+        <p14:creationId xmlns:p14="http://schemas.microsoft.com/office/powerpoint/2010/main" val="3755246327"/>
       </p:ext>
     </p:extLst>
   </p:cSld>
@@ -10837,10 +10743,38 @@
       </p:grpSpPr>
       <p:sp>
         <p:nvSpPr>
+          <p:cNvPr id="2" name="Title 1">
+            <a:extLst>
+              <a:ext uri="{FF2B5EF4-FFF2-40B4-BE49-F238E27FC236}">
+                <a16:creationId xmlns:a16="http://schemas.microsoft.com/office/drawing/2014/main" id="{F75067D9-46B9-0644-A9C3-828BFC191A52}"/>
+              </a:ext>
+            </a:extLst>
+          </p:cNvPr>
+          <p:cNvSpPr>
+            <a:spLocks noGrp="1"/>
+          </p:cNvSpPr>
+          <p:nvPr>
+            <p:ph type="title"/>
+          </p:nvPr>
+        </p:nvSpPr>
+        <p:spPr/>
+        <p:txBody>
+          <a:bodyPr/>
+          <a:lstStyle/>
+          <a:p>
+            <a:r>
+              <a:rPr lang="en-US" dirty="0"/>
+              <a:t>Variables</a:t>
+            </a:r>
+          </a:p>
+        </p:txBody>
+      </p:sp>
+      <p:sp>
+        <p:nvSpPr>
           <p:cNvPr id="4" name="Date Placeholder 3">
             <a:extLst>
               <a:ext uri="{FF2B5EF4-FFF2-40B4-BE49-F238E27FC236}">
-                <a16:creationId xmlns:a16="http://schemas.microsoft.com/office/drawing/2014/main" id="{2619DAF6-3469-7C4E-8628-5AD80FF3865F}"/>
+                <a16:creationId xmlns:a16="http://schemas.microsoft.com/office/drawing/2014/main" id="{ABE95DFC-AC29-C545-B2CC-2C1DF7E3BD8E}"/>
               </a:ext>
             </a:extLst>
           </p:cNvPr>
@@ -10872,7 +10806,7 @@
           <p:cNvPr id="5" name="Footer Placeholder 4">
             <a:extLst>
               <a:ext uri="{FF2B5EF4-FFF2-40B4-BE49-F238E27FC236}">
-                <a16:creationId xmlns:a16="http://schemas.microsoft.com/office/drawing/2014/main" id="{7DC83BDD-5B46-6347-8181-E0C862A5497D}"/>
+                <a16:creationId xmlns:a16="http://schemas.microsoft.com/office/drawing/2014/main" id="{21DB1EBE-CA1D-FC47-8283-930FBA3D4167}"/>
               </a:ext>
             </a:extLst>
           </p:cNvPr>
@@ -10904,7 +10838,7 @@
           <p:cNvPr id="6" name="Slide Number Placeholder 5">
             <a:extLst>
               <a:ext uri="{FF2B5EF4-FFF2-40B4-BE49-F238E27FC236}">
-                <a16:creationId xmlns:a16="http://schemas.microsoft.com/office/drawing/2014/main" id="{2DC6747C-C0E2-E14E-89EA-08B04906B353}"/>
+                <a16:creationId xmlns:a16="http://schemas.microsoft.com/office/drawing/2014/main" id="{7FEB1957-84F5-9C45-8512-FD3CF577A24B}"/>
               </a:ext>
             </a:extLst>
           </p:cNvPr>
@@ -10929,237 +10863,6 @@
                 <a:defRPr/>
               </a:pPr>
               <a:t>22</a:t>
-            </a:fld>
-            <a:endParaRPr lang="en-US" dirty="0"/>
-          </a:p>
-        </p:txBody>
-      </p:sp>
-      <p:pic>
-        <p:nvPicPr>
-          <p:cNvPr id="7" name="Content Placeholder 6">
-            <a:extLst>
-              <a:ext uri="{FF2B5EF4-FFF2-40B4-BE49-F238E27FC236}">
-                <a16:creationId xmlns:a16="http://schemas.microsoft.com/office/drawing/2014/main" id="{75DFF42F-21A2-774F-A658-6B9E2E824CBB}"/>
-              </a:ext>
-            </a:extLst>
-          </p:cNvPr>
-          <p:cNvPicPr>
-            <a:picLocks noGrp="1" noChangeAspect="1"/>
-          </p:cNvPicPr>
-          <p:nvPr>
-            <p:ph idx="1"/>
-          </p:nvPr>
-        </p:nvPicPr>
-        <p:blipFill>
-          <a:blip r:embed="rId2">
-            <a:extLst>
-              <a:ext uri="{28A0092B-C50C-407E-A947-70E740481C1C}">
-                <a14:useLocalDpi xmlns:a14="http://schemas.microsoft.com/office/drawing/2010/main" val="0"/>
-              </a:ext>
-            </a:extLst>
-          </a:blip>
-          <a:stretch>
-            <a:fillRect/>
-          </a:stretch>
-        </p:blipFill>
-        <p:spPr>
-          <a:xfrm>
-            <a:off x="1073963" y="1825625"/>
-            <a:ext cx="6996073" cy="4351338"/>
-          </a:xfrm>
-          <a:prstGeom prst="rect">
-            <a:avLst/>
-          </a:prstGeom>
-        </p:spPr>
-      </p:pic>
-      <p:sp>
-        <p:nvSpPr>
-          <p:cNvPr id="8" name="Title 1">
-            <a:extLst>
-              <a:ext uri="{FF2B5EF4-FFF2-40B4-BE49-F238E27FC236}">
-                <a16:creationId xmlns:a16="http://schemas.microsoft.com/office/drawing/2014/main" id="{927329C3-E87F-264E-A54A-6CBDEC67BC18}"/>
-              </a:ext>
-            </a:extLst>
-          </p:cNvPr>
-          <p:cNvSpPr>
-            <a:spLocks noGrp="1"/>
-          </p:cNvSpPr>
-          <p:nvPr>
-            <p:ph type="title"/>
-          </p:nvPr>
-        </p:nvSpPr>
-        <p:spPr>
-          <a:xfrm>
-            <a:off x="628650" y="365126"/>
-            <a:ext cx="7886700" cy="1325563"/>
-          </a:xfrm>
-        </p:spPr>
-        <p:txBody>
-          <a:bodyPr/>
-          <a:lstStyle/>
-          <a:p>
-            <a:r>
-              <a:rPr lang="en-US" dirty="0">
-                <a:latin typeface="Times New Roman" panose="02020603050405020304" pitchFamily="18" charset="0"/>
-                <a:cs typeface="Times New Roman" panose="02020603050405020304" pitchFamily="18" charset="0"/>
-              </a:rPr>
-              <a:t>Distributor</a:t>
-            </a:r>
-          </a:p>
-        </p:txBody>
-      </p:sp>
-    </p:spTree>
-    <p:extLst>
-      <p:ext uri="{BB962C8B-B14F-4D97-AF65-F5344CB8AC3E}">
-        <p14:creationId xmlns:p14="http://schemas.microsoft.com/office/powerpoint/2010/main" val="3755246327"/>
-      </p:ext>
-    </p:extLst>
-  </p:cSld>
-  <p:clrMapOvr>
-    <a:masterClrMapping/>
-  </p:clrMapOvr>
-</p:sld>
-</file>
-
-<file path=ppt/slides/slide23.xml><?xml version="1.0" encoding="utf-8"?>
-<p:sld xmlns:a="http://schemas.openxmlformats.org/drawingml/2006/main" xmlns:r="http://schemas.openxmlformats.org/officeDocument/2006/relationships" xmlns:p="http://schemas.openxmlformats.org/presentationml/2006/main">
-  <p:cSld>
-    <p:spTree>
-      <p:nvGrpSpPr>
-        <p:cNvPr id="1" name=""/>
-        <p:cNvGrpSpPr/>
-        <p:nvPr/>
-      </p:nvGrpSpPr>
-      <p:grpSpPr>
-        <a:xfrm>
-          <a:off x="0" y="0"/>
-          <a:ext cx="0" cy="0"/>
-          <a:chOff x="0" y="0"/>
-          <a:chExt cx="0" cy="0"/>
-        </a:xfrm>
-      </p:grpSpPr>
-      <p:sp>
-        <p:nvSpPr>
-          <p:cNvPr id="2" name="Title 1">
-            <a:extLst>
-              <a:ext uri="{FF2B5EF4-FFF2-40B4-BE49-F238E27FC236}">
-                <a16:creationId xmlns:a16="http://schemas.microsoft.com/office/drawing/2014/main" id="{F75067D9-46B9-0644-A9C3-828BFC191A52}"/>
-              </a:ext>
-            </a:extLst>
-          </p:cNvPr>
-          <p:cNvSpPr>
-            <a:spLocks noGrp="1"/>
-          </p:cNvSpPr>
-          <p:nvPr>
-            <p:ph type="title"/>
-          </p:nvPr>
-        </p:nvSpPr>
-        <p:spPr/>
-        <p:txBody>
-          <a:bodyPr/>
-          <a:lstStyle/>
-          <a:p>
-            <a:r>
-              <a:rPr lang="en-US" dirty="0"/>
-              <a:t>Variables</a:t>
-            </a:r>
-          </a:p>
-        </p:txBody>
-      </p:sp>
-      <p:sp>
-        <p:nvSpPr>
-          <p:cNvPr id="4" name="Date Placeholder 3">
-            <a:extLst>
-              <a:ext uri="{FF2B5EF4-FFF2-40B4-BE49-F238E27FC236}">
-                <a16:creationId xmlns:a16="http://schemas.microsoft.com/office/drawing/2014/main" id="{ABE95DFC-AC29-C545-B2CC-2C1DF7E3BD8E}"/>
-              </a:ext>
-            </a:extLst>
-          </p:cNvPr>
-          <p:cNvSpPr>
-            <a:spLocks noGrp="1"/>
-          </p:cNvSpPr>
-          <p:nvPr>
-            <p:ph type="dt" sz="half" idx="10"/>
-          </p:nvPr>
-        </p:nvSpPr>
-        <p:spPr/>
-        <p:txBody>
-          <a:bodyPr/>
-          <a:lstStyle/>
-          <a:p>
-            <a:pPr>
-              <a:defRPr/>
-            </a:pPr>
-            <a:r>
-              <a:rPr lang="en-US"/>
-              <a:t>November 26</a:t>
-            </a:r>
-            <a:endParaRPr lang="en-US" dirty="0"/>
-          </a:p>
-        </p:txBody>
-      </p:sp>
-      <p:sp>
-        <p:nvSpPr>
-          <p:cNvPr id="5" name="Footer Placeholder 4">
-            <a:extLst>
-              <a:ext uri="{FF2B5EF4-FFF2-40B4-BE49-F238E27FC236}">
-                <a16:creationId xmlns:a16="http://schemas.microsoft.com/office/drawing/2014/main" id="{21DB1EBE-CA1D-FC47-8283-930FBA3D4167}"/>
-              </a:ext>
-            </a:extLst>
-          </p:cNvPr>
-          <p:cNvSpPr>
-            <a:spLocks noGrp="1"/>
-          </p:cNvSpPr>
-          <p:nvPr>
-            <p:ph type="ftr" sz="quarter" idx="11"/>
-          </p:nvPr>
-        </p:nvSpPr>
-        <p:spPr/>
-        <p:txBody>
-          <a:bodyPr/>
-          <a:lstStyle/>
-          <a:p>
-            <a:pPr>
-              <a:defRPr/>
-            </a:pPr>
-            <a:r>
-              <a:rPr lang="en-US"/>
-              <a:t>IE 526  Final Project</a:t>
-            </a:r>
-            <a:endParaRPr lang="en-US" dirty="0"/>
-          </a:p>
-        </p:txBody>
-      </p:sp>
-      <p:sp>
-        <p:nvSpPr>
-          <p:cNvPr id="6" name="Slide Number Placeholder 5">
-            <a:extLst>
-              <a:ext uri="{FF2B5EF4-FFF2-40B4-BE49-F238E27FC236}">
-                <a16:creationId xmlns:a16="http://schemas.microsoft.com/office/drawing/2014/main" id="{7FEB1957-84F5-9C45-8512-FD3CF577A24B}"/>
-              </a:ext>
-            </a:extLst>
-          </p:cNvPr>
-          <p:cNvSpPr>
-            <a:spLocks noGrp="1"/>
-          </p:cNvSpPr>
-          <p:nvPr>
-            <p:ph type="sldNum" sz="quarter" idx="12"/>
-          </p:nvPr>
-        </p:nvSpPr>
-        <p:spPr/>
-        <p:txBody>
-          <a:bodyPr/>
-          <a:lstStyle/>
-          <a:p>
-            <a:pPr>
-              <a:defRPr/>
-            </a:pPr>
-            <a:fld id="{61875079-2EDC-4E24-99D6-3E823A45791C}" type="slidenum">
-              <a:rPr lang="en-US" smtClean="0"/>
-              <a:pPr>
-                <a:defRPr/>
-              </a:pPr>
-              <a:t>23</a:t>
             </a:fld>
             <a:endParaRPr lang="en-US" dirty="0"/>
           </a:p>
@@ -11214,7 +10917,7 @@
 </p:sld>
 </file>
 
-<file path=ppt/slides/slide24.xml><?xml version="1.0" encoding="utf-8"?>
+<file path=ppt/slides/slide23.xml><?xml version="1.0" encoding="utf-8"?>
 <p:sld xmlns:a="http://schemas.openxmlformats.org/drawingml/2006/main" xmlns:r="http://schemas.openxmlformats.org/officeDocument/2006/relationships" xmlns:p="http://schemas.openxmlformats.org/presentationml/2006/main">
   <p:cSld>
     <p:spTree>
@@ -11236,7 +10939,7 @@
           <p:cNvPr id="2" name="Title 1">
             <a:extLst>
               <a:ext uri="{FF2B5EF4-FFF2-40B4-BE49-F238E27FC236}">
-                <a16:creationId xmlns:a16="http://schemas.microsoft.com/office/drawing/2014/main" id="{E609BDEF-CB22-0D44-9AAF-2AF341FCBD7D}"/>
+                <a16:creationId xmlns:a16="http://schemas.microsoft.com/office/drawing/2014/main" id="{CD187B58-EFAA-454B-A723-3DD6F0D749EB}"/>
               </a:ext>
             </a:extLst>
           </p:cNvPr>
@@ -11257,7 +10960,7 @@
                 <a:latin typeface="Times New Roman" panose="02020603050405020304" pitchFamily="18" charset="0"/>
                 <a:cs typeface="Times New Roman" panose="02020603050405020304" pitchFamily="18" charset="0"/>
               </a:rPr>
-              <a:t>How we code</a:t>
+              <a:t>Future to Do</a:t>
             </a:r>
           </a:p>
         </p:txBody>
@@ -11267,7 +10970,7 @@
           <p:cNvPr id="3" name="Content Placeholder 2">
             <a:extLst>
               <a:ext uri="{FF2B5EF4-FFF2-40B4-BE49-F238E27FC236}">
-                <a16:creationId xmlns:a16="http://schemas.microsoft.com/office/drawing/2014/main" id="{0BDCEDBC-80DF-C443-8882-203FDD6A04FC}"/>
+                <a16:creationId xmlns:a16="http://schemas.microsoft.com/office/drawing/2014/main" id="{291699FF-0094-534D-AF59-E4A8ADC58988}"/>
               </a:ext>
             </a:extLst>
           </p:cNvPr>
@@ -11283,12 +10986,40 @@
           <a:bodyPr/>
           <a:lstStyle/>
           <a:p>
-            <a:pPr lvl="1"/>
+            <a:r>
+              <a:rPr lang="en-US" dirty="0">
+                <a:latin typeface="Times New Roman" panose="02020603050405020304" pitchFamily="18" charset="0"/>
+                <a:cs typeface="Times New Roman" panose="02020603050405020304" pitchFamily="18" charset="0"/>
+              </a:rPr>
+              <a:t>Import optimal route into </a:t>
+            </a:r>
+            <a:r>
+              <a:rPr lang="en-US" dirty="0" err="1">
+                <a:latin typeface="Times New Roman" panose="02020603050405020304" pitchFamily="18" charset="0"/>
+                <a:cs typeface="Times New Roman" panose="02020603050405020304" pitchFamily="18" charset="0"/>
+              </a:rPr>
+              <a:t>AnyLogic</a:t>
+            </a:r>
             <a:endParaRPr lang="en-US" dirty="0">
               <a:latin typeface="Times New Roman" panose="02020603050405020304" pitchFamily="18" charset="0"/>
               <a:cs typeface="Times New Roman" panose="02020603050405020304" pitchFamily="18" charset="0"/>
             </a:endParaRPr>
           </a:p>
+          <a:p>
+            <a:r>
+              <a:rPr lang="en-US" dirty="0">
+                <a:latin typeface="Times New Roman" panose="02020603050405020304" pitchFamily="18" charset="0"/>
+                <a:cs typeface="Times New Roman" panose="02020603050405020304" pitchFamily="18" charset="0"/>
+              </a:rPr>
+              <a:t>Get minimize total cost</a:t>
+            </a:r>
+          </a:p>
+          <a:p>
+            <a:endParaRPr lang="en-US" dirty="0">
+              <a:latin typeface="Times New Roman" panose="02020603050405020304" pitchFamily="18" charset="0"/>
+              <a:cs typeface="Times New Roman" panose="02020603050405020304" pitchFamily="18" charset="0"/>
+            </a:endParaRPr>
+          </a:p>
         </p:txBody>
       </p:sp>
       <p:sp>
@@ -11296,7 +11027,7 @@
           <p:cNvPr id="4" name="Date Placeholder 3">
             <a:extLst>
               <a:ext uri="{FF2B5EF4-FFF2-40B4-BE49-F238E27FC236}">
-                <a16:creationId xmlns:a16="http://schemas.microsoft.com/office/drawing/2014/main" id="{D6A29B40-3E9D-9841-9BFA-53657C7C8BC8}"/>
+                <a16:creationId xmlns:a16="http://schemas.microsoft.com/office/drawing/2014/main" id="{F7F48297-E556-584E-B51B-26D045520445}"/>
               </a:ext>
             </a:extLst>
           </p:cNvPr>
@@ -11332,7 +11063,7 @@
           <p:cNvPr id="5" name="Footer Placeholder 4">
             <a:extLst>
               <a:ext uri="{FF2B5EF4-FFF2-40B4-BE49-F238E27FC236}">
-                <a16:creationId xmlns:a16="http://schemas.microsoft.com/office/drawing/2014/main" id="{6D96B1D3-B6EF-934A-875D-748C13B19D0C}"/>
+                <a16:creationId xmlns:a16="http://schemas.microsoft.com/office/drawing/2014/main" id="{6C6C34C9-231C-F540-A288-A62EEA1B24F2}"/>
               </a:ext>
             </a:extLst>
           </p:cNvPr>
@@ -11368,7 +11099,7 @@
           <p:cNvPr id="6" name="Slide Number Placeholder 5">
             <a:extLst>
               <a:ext uri="{FF2B5EF4-FFF2-40B4-BE49-F238E27FC236}">
-                <a16:creationId xmlns:a16="http://schemas.microsoft.com/office/drawing/2014/main" id="{06D86E0D-E688-4F4D-9F15-8D29A8AEC416}"/>
+                <a16:creationId xmlns:a16="http://schemas.microsoft.com/office/drawing/2014/main" id="{766A8F86-F61F-5049-81EB-D2697F65F428}"/>
               </a:ext>
             </a:extLst>
           </p:cNvPr>
@@ -11394,207 +11125,7 @@
               <a:pPr>
                 <a:defRPr/>
               </a:pPr>
-              <a:t>24</a:t>
-            </a:fld>
-            <a:endParaRPr lang="en-US" dirty="0">
-              <a:cs typeface="Times New Roman" panose="02020603050405020304" pitchFamily="18" charset="0"/>
-            </a:endParaRPr>
-          </a:p>
-        </p:txBody>
-      </p:sp>
-    </p:spTree>
-    <p:extLst>
-      <p:ext uri="{BB962C8B-B14F-4D97-AF65-F5344CB8AC3E}">
-        <p14:creationId xmlns:p14="http://schemas.microsoft.com/office/powerpoint/2010/main" val="2125910472"/>
-      </p:ext>
-    </p:extLst>
-  </p:cSld>
-  <p:clrMapOvr>
-    <a:masterClrMapping/>
-  </p:clrMapOvr>
-</p:sld>
-</file>
-
-<file path=ppt/slides/slide25.xml><?xml version="1.0" encoding="utf-8"?>
-<p:sld xmlns:a="http://schemas.openxmlformats.org/drawingml/2006/main" xmlns:r="http://schemas.openxmlformats.org/officeDocument/2006/relationships" xmlns:p="http://schemas.openxmlformats.org/presentationml/2006/main">
-  <p:cSld>
-    <p:spTree>
-      <p:nvGrpSpPr>
-        <p:cNvPr id="1" name=""/>
-        <p:cNvGrpSpPr/>
-        <p:nvPr/>
-      </p:nvGrpSpPr>
-      <p:grpSpPr>
-        <a:xfrm>
-          <a:off x="0" y="0"/>
-          <a:ext cx="0" cy="0"/>
-          <a:chOff x="0" y="0"/>
-          <a:chExt cx="0" cy="0"/>
-        </a:xfrm>
-      </p:grpSpPr>
-      <p:sp>
-        <p:nvSpPr>
-          <p:cNvPr id="2" name="Title 1">
-            <a:extLst>
-              <a:ext uri="{FF2B5EF4-FFF2-40B4-BE49-F238E27FC236}">
-                <a16:creationId xmlns:a16="http://schemas.microsoft.com/office/drawing/2014/main" id="{CD187B58-EFAA-454B-A723-3DD6F0D749EB}"/>
-              </a:ext>
-            </a:extLst>
-          </p:cNvPr>
-          <p:cNvSpPr>
-            <a:spLocks noGrp="1"/>
-          </p:cNvSpPr>
-          <p:nvPr>
-            <p:ph type="title"/>
-          </p:nvPr>
-        </p:nvSpPr>
-        <p:spPr/>
-        <p:txBody>
-          <a:bodyPr/>
-          <a:lstStyle/>
-          <a:p>
-            <a:r>
-              <a:rPr lang="en-US" dirty="0">
-                <a:latin typeface="Times New Roman" panose="02020603050405020304" pitchFamily="18" charset="0"/>
-                <a:cs typeface="Times New Roman" panose="02020603050405020304" pitchFamily="18" charset="0"/>
-              </a:rPr>
-              <a:t>Future to Do</a:t>
-            </a:r>
-          </a:p>
-        </p:txBody>
-      </p:sp>
-      <p:sp>
-        <p:nvSpPr>
-          <p:cNvPr id="3" name="Content Placeholder 2">
-            <a:extLst>
-              <a:ext uri="{FF2B5EF4-FFF2-40B4-BE49-F238E27FC236}">
-                <a16:creationId xmlns:a16="http://schemas.microsoft.com/office/drawing/2014/main" id="{291699FF-0094-534D-AF59-E4A8ADC58988}"/>
-              </a:ext>
-            </a:extLst>
-          </p:cNvPr>
-          <p:cNvSpPr>
-            <a:spLocks noGrp="1"/>
-          </p:cNvSpPr>
-          <p:nvPr>
-            <p:ph idx="1"/>
-          </p:nvPr>
-        </p:nvSpPr>
-        <p:spPr/>
-        <p:txBody>
-          <a:bodyPr/>
-          <a:lstStyle/>
-          <a:p>
-            <a:endParaRPr lang="en-US" dirty="0">
-              <a:latin typeface="Times New Roman" panose="02020603050405020304" pitchFamily="18" charset="0"/>
-              <a:cs typeface="Times New Roman" panose="02020603050405020304" pitchFamily="18" charset="0"/>
-            </a:endParaRPr>
-          </a:p>
-        </p:txBody>
-      </p:sp>
-      <p:sp>
-        <p:nvSpPr>
-          <p:cNvPr id="4" name="Date Placeholder 3">
-            <a:extLst>
-              <a:ext uri="{FF2B5EF4-FFF2-40B4-BE49-F238E27FC236}">
-                <a16:creationId xmlns:a16="http://schemas.microsoft.com/office/drawing/2014/main" id="{F7F48297-E556-584E-B51B-26D045520445}"/>
-              </a:ext>
-            </a:extLst>
-          </p:cNvPr>
-          <p:cNvSpPr>
-            <a:spLocks noGrp="1"/>
-          </p:cNvSpPr>
-          <p:nvPr>
-            <p:ph type="dt" sz="half" idx="10"/>
-          </p:nvPr>
-        </p:nvSpPr>
-        <p:spPr/>
-        <p:txBody>
-          <a:bodyPr/>
-          <a:lstStyle/>
-          <a:p>
-            <a:pPr>
-              <a:defRPr/>
-            </a:pPr>
-            <a:r>
-              <a:rPr lang="en-US">
-                <a:cs typeface="Times New Roman" panose="02020603050405020304" pitchFamily="18" charset="0"/>
-              </a:rPr>
-              <a:t>November 26</a:t>
-            </a:r>
-            <a:endParaRPr lang="en-US" dirty="0">
-              <a:cs typeface="Times New Roman" panose="02020603050405020304" pitchFamily="18" charset="0"/>
-            </a:endParaRPr>
-          </a:p>
-        </p:txBody>
-      </p:sp>
-      <p:sp>
-        <p:nvSpPr>
-          <p:cNvPr id="5" name="Footer Placeholder 4">
-            <a:extLst>
-              <a:ext uri="{FF2B5EF4-FFF2-40B4-BE49-F238E27FC236}">
-                <a16:creationId xmlns:a16="http://schemas.microsoft.com/office/drawing/2014/main" id="{6C6C34C9-231C-F540-A288-A62EEA1B24F2}"/>
-              </a:ext>
-            </a:extLst>
-          </p:cNvPr>
-          <p:cNvSpPr>
-            <a:spLocks noGrp="1"/>
-          </p:cNvSpPr>
-          <p:nvPr>
-            <p:ph type="ftr" sz="quarter" idx="11"/>
-          </p:nvPr>
-        </p:nvSpPr>
-        <p:spPr/>
-        <p:txBody>
-          <a:bodyPr/>
-          <a:lstStyle/>
-          <a:p>
-            <a:pPr>
-              <a:defRPr/>
-            </a:pPr>
-            <a:r>
-              <a:rPr lang="en-US">
-                <a:cs typeface="Times New Roman" panose="02020603050405020304" pitchFamily="18" charset="0"/>
-              </a:rPr>
-              <a:t>IE 526  Final Project</a:t>
-            </a:r>
-            <a:endParaRPr lang="en-US" dirty="0">
-              <a:cs typeface="Times New Roman" panose="02020603050405020304" pitchFamily="18" charset="0"/>
-            </a:endParaRPr>
-          </a:p>
-        </p:txBody>
-      </p:sp>
-      <p:sp>
-        <p:nvSpPr>
-          <p:cNvPr id="6" name="Slide Number Placeholder 5">
-            <a:extLst>
-              <a:ext uri="{FF2B5EF4-FFF2-40B4-BE49-F238E27FC236}">
-                <a16:creationId xmlns:a16="http://schemas.microsoft.com/office/drawing/2014/main" id="{766A8F86-F61F-5049-81EB-D2697F65F428}"/>
-              </a:ext>
-            </a:extLst>
-          </p:cNvPr>
-          <p:cNvSpPr>
-            <a:spLocks noGrp="1"/>
-          </p:cNvSpPr>
-          <p:nvPr>
-            <p:ph type="sldNum" sz="quarter" idx="12"/>
-          </p:nvPr>
-        </p:nvSpPr>
-        <p:spPr/>
-        <p:txBody>
-          <a:bodyPr/>
-          <a:lstStyle/>
-          <a:p>
-            <a:pPr>
-              <a:defRPr/>
-            </a:pPr>
-            <a:fld id="{61875079-2EDC-4E24-99D6-3E823A45791C}" type="slidenum">
-              <a:rPr lang="en-US" smtClean="0">
-                <a:cs typeface="Times New Roman" panose="02020603050405020304" pitchFamily="18" charset="0"/>
-              </a:rPr>
-              <a:pPr>
-                <a:defRPr/>
-              </a:pPr>
-              <a:t>25</a:t>
+              <a:t>23</a:t>
             </a:fld>
             <a:endParaRPr lang="en-US" dirty="0">
               <a:cs typeface="Times New Roman" panose="02020603050405020304" pitchFamily="18" charset="0"/>
@@ -11715,177 +11246,6 @@
       </p:sp>
       <p:pic>
         <p:nvPicPr>
-          <p:cNvPr id="7" name="Picture 6"/>
-          <p:cNvPicPr>
-            <a:picLocks noChangeAspect="1"/>
-          </p:cNvPicPr>
-          <p:nvPr/>
-        </p:nvPicPr>
-        <p:blipFill>
-          <a:blip r:embed="rId2">
-            <a:extLst>
-              <a:ext uri="{28A0092B-C50C-407E-A947-70E740481C1C}">
-                <a14:useLocalDpi xmlns:a14="http://schemas.microsoft.com/office/drawing/2010/main" val="0"/>
-              </a:ext>
-            </a:extLst>
-          </a:blip>
-          <a:stretch>
-            <a:fillRect/>
-          </a:stretch>
-        </p:blipFill>
-        <p:spPr>
-          <a:xfrm>
-            <a:off x="942975" y="1447800"/>
-            <a:ext cx="7258050" cy="4181475"/>
-          </a:xfrm>
-          <a:prstGeom prst="rect">
-            <a:avLst/>
-          </a:prstGeom>
-        </p:spPr>
-      </p:pic>
-      <p:pic>
-        <p:nvPicPr>
-          <p:cNvPr id="8" name="Picture 7"/>
-          <p:cNvPicPr>
-            <a:picLocks noChangeAspect="1"/>
-          </p:cNvPicPr>
-          <p:nvPr/>
-        </p:nvPicPr>
-        <p:blipFill>
-          <a:blip r:embed="rId3" cstate="print">
-            <a:extLst>
-              <a:ext uri="{28A0092B-C50C-407E-A947-70E740481C1C}">
-                <a14:useLocalDpi xmlns:a14="http://schemas.microsoft.com/office/drawing/2010/main" val="0"/>
-              </a:ext>
-            </a:extLst>
-          </a:blip>
-          <a:stretch>
-            <a:fillRect/>
-          </a:stretch>
-        </p:blipFill>
-        <p:spPr>
-          <a:xfrm>
-            <a:off x="685800" y="179753"/>
-            <a:ext cx="1581150" cy="904509"/>
-          </a:xfrm>
-          <a:prstGeom prst="rect">
-            <a:avLst/>
-          </a:prstGeom>
-        </p:spPr>
-      </p:pic>
-    </p:spTree>
-    <p:extLst>
-      <p:ext uri="{BB962C8B-B14F-4D97-AF65-F5344CB8AC3E}">
-        <p14:creationId xmlns:p14="http://schemas.microsoft.com/office/powerpoint/2010/main" val="3699359942"/>
-      </p:ext>
-    </p:extLst>
-  </p:cSld>
-  <p:clrMapOvr>
-    <a:masterClrMapping/>
-  </p:clrMapOvr>
-</p:sld>
-</file>
-
-<file path=ppt/slides/slide4.xml><?xml version="1.0" encoding="utf-8"?>
-<p:sld xmlns:a="http://schemas.openxmlformats.org/drawingml/2006/main" xmlns:r="http://schemas.openxmlformats.org/officeDocument/2006/relationships" xmlns:p="http://schemas.openxmlformats.org/presentationml/2006/main">
-  <p:cSld>
-    <p:spTree>
-      <p:nvGrpSpPr>
-        <p:cNvPr id="1" name=""/>
-        <p:cNvGrpSpPr/>
-        <p:nvPr/>
-      </p:nvGrpSpPr>
-      <p:grpSpPr>
-        <a:xfrm>
-          <a:off x="0" y="0"/>
-          <a:ext cx="0" cy="0"/>
-          <a:chOff x="0" y="0"/>
-          <a:chExt cx="0" cy="0"/>
-        </a:xfrm>
-      </p:grpSpPr>
-      <p:sp>
-        <p:nvSpPr>
-          <p:cNvPr id="4" name="Date Placeholder 3"/>
-          <p:cNvSpPr>
-            <a:spLocks noGrp="1"/>
-          </p:cNvSpPr>
-          <p:nvPr>
-            <p:ph type="dt" sz="half" idx="10"/>
-          </p:nvPr>
-        </p:nvSpPr>
-        <p:spPr/>
-        <p:txBody>
-          <a:bodyPr/>
-          <a:lstStyle/>
-          <a:p>
-            <a:pPr>
-              <a:defRPr/>
-            </a:pPr>
-            <a:r>
-              <a:rPr lang="en-US"/>
-              <a:t>November 26</a:t>
-            </a:r>
-            <a:endParaRPr lang="en-US" dirty="0"/>
-          </a:p>
-        </p:txBody>
-      </p:sp>
-      <p:sp>
-        <p:nvSpPr>
-          <p:cNvPr id="5" name="Footer Placeholder 4"/>
-          <p:cNvSpPr>
-            <a:spLocks noGrp="1"/>
-          </p:cNvSpPr>
-          <p:nvPr>
-            <p:ph type="ftr" sz="quarter" idx="11"/>
-          </p:nvPr>
-        </p:nvSpPr>
-        <p:spPr/>
-        <p:txBody>
-          <a:bodyPr/>
-          <a:lstStyle/>
-          <a:p>
-            <a:pPr>
-              <a:defRPr/>
-            </a:pPr>
-            <a:r>
-              <a:rPr lang="en-US"/>
-              <a:t>IE 526  Final Project</a:t>
-            </a:r>
-            <a:endParaRPr lang="en-US" dirty="0"/>
-          </a:p>
-        </p:txBody>
-      </p:sp>
-      <p:sp>
-        <p:nvSpPr>
-          <p:cNvPr id="6" name="Slide Number Placeholder 5"/>
-          <p:cNvSpPr>
-            <a:spLocks noGrp="1"/>
-          </p:cNvSpPr>
-          <p:nvPr>
-            <p:ph type="sldNum" sz="quarter" idx="12"/>
-          </p:nvPr>
-        </p:nvSpPr>
-        <p:spPr/>
-        <p:txBody>
-          <a:bodyPr/>
-          <a:lstStyle/>
-          <a:p>
-            <a:pPr>
-              <a:defRPr/>
-            </a:pPr>
-            <a:fld id="{61875079-2EDC-4E24-99D6-3E823A45791C}" type="slidenum">
-              <a:rPr lang="en-US" smtClean="0"/>
-              <a:pPr>
-                <a:defRPr/>
-              </a:pPr>
-              <a:t>4</a:t>
-            </a:fld>
-            <a:endParaRPr lang="en-US" dirty="0"/>
-          </a:p>
-        </p:txBody>
-      </p:sp>
-      <p:pic>
-        <p:nvPicPr>
           <p:cNvPr id="10" name="Content Placeholder 9"/>
           <p:cNvPicPr>
             <a:picLocks noGrp="1" noChangeAspect="1"/>
@@ -11956,7 +11316,7 @@
 </p:sld>
 </file>
 
-<file path=ppt/slides/slide5.xml><?xml version="1.0" encoding="utf-8"?>
+<file path=ppt/slides/slide4.xml><?xml version="1.0" encoding="utf-8"?>
 <p:sld xmlns:a="http://schemas.openxmlformats.org/drawingml/2006/main" xmlns:r="http://schemas.openxmlformats.org/officeDocument/2006/relationships" xmlns:p="http://schemas.openxmlformats.org/presentationml/2006/main">
   <p:cSld>
     <p:spTree>
@@ -12048,7 +11408,7 @@
               <a:pPr>
                 <a:defRPr/>
               </a:pPr>
-              <a:t>5</a:t>
+              <a:t>4</a:t>
             </a:fld>
             <a:endParaRPr lang="en-US" dirty="0"/>
           </a:p>
@@ -12097,6 +11457,211 @@
 </p:sld>
 </file>
 
+<file path=ppt/slides/slide5.xml><?xml version="1.0" encoding="utf-8"?>
+<p:sld xmlns:a="http://schemas.openxmlformats.org/drawingml/2006/main" xmlns:r="http://schemas.openxmlformats.org/officeDocument/2006/relationships" xmlns:p="http://schemas.openxmlformats.org/presentationml/2006/main">
+  <p:cSld>
+    <p:spTree>
+      <p:nvGrpSpPr>
+        <p:cNvPr id="1" name=""/>
+        <p:cNvGrpSpPr/>
+        <p:nvPr/>
+      </p:nvGrpSpPr>
+      <p:grpSpPr>
+        <a:xfrm>
+          <a:off x="0" y="0"/>
+          <a:ext cx="0" cy="0"/>
+          <a:chOff x="0" y="0"/>
+          <a:chExt cx="0" cy="0"/>
+        </a:xfrm>
+      </p:grpSpPr>
+      <p:sp>
+        <p:nvSpPr>
+          <p:cNvPr id="3" name="Content Placeholder 2"/>
+          <p:cNvSpPr>
+            <a:spLocks noGrp="1"/>
+          </p:cNvSpPr>
+          <p:nvPr>
+            <p:ph idx="1"/>
+          </p:nvPr>
+        </p:nvSpPr>
+        <p:spPr>
+          <a:xfrm>
+            <a:off x="628650" y="1700753"/>
+            <a:ext cx="7886700" cy="2718847"/>
+          </a:xfrm>
+        </p:spPr>
+        <p:txBody>
+          <a:bodyPr/>
+          <a:lstStyle/>
+          <a:p>
+            <a:r>
+              <a:rPr lang="en-US" dirty="0"/>
+              <a:t>10 billion yuan in 125 seconds ($ 1.4 billion)</a:t>
+            </a:r>
+          </a:p>
+          <a:p>
+            <a:r>
+              <a:rPr lang="en-US" dirty="0"/>
+              <a:t>213.5 billion yuan in 24 hours ($ 30.5 billion)</a:t>
+            </a:r>
+          </a:p>
+          <a:p>
+            <a:r>
+              <a:rPr lang="en-US" dirty="0"/>
+              <a:t>812 million goods</a:t>
+            </a:r>
+          </a:p>
+          <a:p>
+            <a:r>
+              <a:rPr lang="en-US" dirty="0"/>
+              <a:t>2 - 7 days (no shipping fee)</a:t>
+            </a:r>
+          </a:p>
+          <a:p>
+            <a:r>
+              <a:rPr lang="en-US" dirty="0"/>
+              <a:t>1 - 2 days ($ 2)</a:t>
+            </a:r>
+          </a:p>
+          <a:p>
+            <a:pPr marL="0" indent="0">
+              <a:buNone/>
+            </a:pPr>
+            <a:endParaRPr lang="en-US" dirty="0"/>
+          </a:p>
+        </p:txBody>
+      </p:sp>
+      <p:sp>
+        <p:nvSpPr>
+          <p:cNvPr id="4" name="Date Placeholder 3"/>
+          <p:cNvSpPr>
+            <a:spLocks noGrp="1"/>
+          </p:cNvSpPr>
+          <p:nvPr>
+            <p:ph type="dt" sz="half" idx="10"/>
+          </p:nvPr>
+        </p:nvSpPr>
+        <p:spPr/>
+        <p:txBody>
+          <a:bodyPr/>
+          <a:lstStyle/>
+          <a:p>
+            <a:pPr>
+              <a:defRPr/>
+            </a:pPr>
+            <a:r>
+              <a:rPr lang="en-US"/>
+              <a:t>November 26</a:t>
+            </a:r>
+            <a:endParaRPr lang="en-US" dirty="0"/>
+          </a:p>
+        </p:txBody>
+      </p:sp>
+      <p:sp>
+        <p:nvSpPr>
+          <p:cNvPr id="5" name="Footer Placeholder 4"/>
+          <p:cNvSpPr>
+            <a:spLocks noGrp="1"/>
+          </p:cNvSpPr>
+          <p:nvPr>
+            <p:ph type="ftr" sz="quarter" idx="11"/>
+          </p:nvPr>
+        </p:nvSpPr>
+        <p:spPr/>
+        <p:txBody>
+          <a:bodyPr/>
+          <a:lstStyle/>
+          <a:p>
+            <a:pPr>
+              <a:defRPr/>
+            </a:pPr>
+            <a:r>
+              <a:rPr lang="en-US"/>
+              <a:t>IE 526  Final Project</a:t>
+            </a:r>
+            <a:endParaRPr lang="en-US" dirty="0"/>
+          </a:p>
+        </p:txBody>
+      </p:sp>
+      <p:sp>
+        <p:nvSpPr>
+          <p:cNvPr id="6" name="Slide Number Placeholder 5"/>
+          <p:cNvSpPr>
+            <a:spLocks noGrp="1"/>
+          </p:cNvSpPr>
+          <p:nvPr>
+            <p:ph type="sldNum" sz="quarter" idx="12"/>
+          </p:nvPr>
+        </p:nvSpPr>
+        <p:spPr/>
+        <p:txBody>
+          <a:bodyPr/>
+          <a:lstStyle/>
+          <a:p>
+            <a:pPr>
+              <a:defRPr/>
+            </a:pPr>
+            <a:fld id="{61875079-2EDC-4E24-99D6-3E823A45791C}" type="slidenum">
+              <a:rPr lang="en-US" smtClean="0"/>
+              <a:pPr>
+                <a:defRPr/>
+              </a:pPr>
+              <a:t>5</a:t>
+            </a:fld>
+            <a:endParaRPr lang="en-US" dirty="0"/>
+          </a:p>
+        </p:txBody>
+      </p:sp>
+      <p:sp>
+        <p:nvSpPr>
+          <p:cNvPr id="7" name="Title 1">
+            <a:extLst>
+              <a:ext uri="{FF2B5EF4-FFF2-40B4-BE49-F238E27FC236}">
+                <a16:creationId xmlns:a16="http://schemas.microsoft.com/office/drawing/2014/main" id="{6DB6E857-C20D-6541-BF3E-4DF0865E12C0}"/>
+              </a:ext>
+            </a:extLst>
+          </p:cNvPr>
+          <p:cNvSpPr>
+            <a:spLocks noGrp="1"/>
+          </p:cNvSpPr>
+          <p:nvPr>
+            <p:ph type="title"/>
+          </p:nvPr>
+        </p:nvSpPr>
+        <p:spPr>
+          <a:xfrm>
+            <a:off x="628650" y="365126"/>
+            <a:ext cx="7886700" cy="1325563"/>
+          </a:xfrm>
+        </p:spPr>
+        <p:txBody>
+          <a:bodyPr/>
+          <a:lstStyle/>
+          <a:p>
+            <a:pPr algn="just"/>
+            <a:r>
+              <a:rPr lang="en-US" dirty="0">
+                <a:latin typeface="Times New Roman" panose="02020603050405020304" pitchFamily="18" charset="0"/>
+                <a:cs typeface="Times New Roman" panose="02020603050405020304" pitchFamily="18" charset="0"/>
+              </a:rPr>
+              <a:t>Double Eleven</a:t>
+            </a:r>
+          </a:p>
+        </p:txBody>
+      </p:sp>
+    </p:spTree>
+    <p:extLst>
+      <p:ext uri="{BB962C8B-B14F-4D97-AF65-F5344CB8AC3E}">
+        <p14:creationId xmlns:p14="http://schemas.microsoft.com/office/powerpoint/2010/main" val="631034884"/>
+      </p:ext>
+    </p:extLst>
+  </p:cSld>
+  <p:clrMapOvr>
+    <a:masterClrMapping/>
+  </p:clrMapOvr>
+</p:sld>
+</file>
+
 <file path=ppt/slides/slide6.xml><?xml version="1.0" encoding="utf-8"?>
 <p:sld xmlns:a="http://schemas.openxmlformats.org/drawingml/2006/main" xmlns:r="http://schemas.openxmlformats.org/officeDocument/2006/relationships" xmlns:p="http://schemas.openxmlformats.org/presentationml/2006/main">
   <p:cSld>
@@ -12116,211 +11681,6 @@
       </p:grpSpPr>
       <p:sp>
         <p:nvSpPr>
-          <p:cNvPr id="3" name="Content Placeholder 2"/>
-          <p:cNvSpPr>
-            <a:spLocks noGrp="1"/>
-          </p:cNvSpPr>
-          <p:nvPr>
-            <p:ph idx="1"/>
-          </p:nvPr>
-        </p:nvSpPr>
-        <p:spPr>
-          <a:xfrm>
-            <a:off x="628650" y="1700753"/>
-            <a:ext cx="7886700" cy="2718847"/>
-          </a:xfrm>
-        </p:spPr>
-        <p:txBody>
-          <a:bodyPr/>
-          <a:lstStyle/>
-          <a:p>
-            <a:r>
-              <a:rPr lang="en-US" dirty="0"/>
-              <a:t>10 billion yuan in 125 seconds ($ 1.4 billion)</a:t>
-            </a:r>
-          </a:p>
-          <a:p>
-            <a:r>
-              <a:rPr lang="en-US" dirty="0"/>
-              <a:t>213.5 billion yuan in 24 hours ($ 30.5 billion)</a:t>
-            </a:r>
-          </a:p>
-          <a:p>
-            <a:r>
-              <a:rPr lang="en-US" dirty="0"/>
-              <a:t>812 million goods</a:t>
-            </a:r>
-          </a:p>
-          <a:p>
-            <a:r>
-              <a:rPr lang="en-US" dirty="0"/>
-              <a:t>2 - 7 days (no shipping fee)</a:t>
-            </a:r>
-          </a:p>
-          <a:p>
-            <a:r>
-              <a:rPr lang="en-US" dirty="0"/>
-              <a:t>1 - 2 days ($ 2)</a:t>
-            </a:r>
-          </a:p>
-          <a:p>
-            <a:pPr marL="0" indent="0">
-              <a:buNone/>
-            </a:pPr>
-            <a:endParaRPr lang="en-US" dirty="0"/>
-          </a:p>
-        </p:txBody>
-      </p:sp>
-      <p:sp>
-        <p:nvSpPr>
-          <p:cNvPr id="4" name="Date Placeholder 3"/>
-          <p:cNvSpPr>
-            <a:spLocks noGrp="1"/>
-          </p:cNvSpPr>
-          <p:nvPr>
-            <p:ph type="dt" sz="half" idx="10"/>
-          </p:nvPr>
-        </p:nvSpPr>
-        <p:spPr/>
-        <p:txBody>
-          <a:bodyPr/>
-          <a:lstStyle/>
-          <a:p>
-            <a:pPr>
-              <a:defRPr/>
-            </a:pPr>
-            <a:r>
-              <a:rPr lang="en-US"/>
-              <a:t>November 26</a:t>
-            </a:r>
-            <a:endParaRPr lang="en-US" dirty="0"/>
-          </a:p>
-        </p:txBody>
-      </p:sp>
-      <p:sp>
-        <p:nvSpPr>
-          <p:cNvPr id="5" name="Footer Placeholder 4"/>
-          <p:cNvSpPr>
-            <a:spLocks noGrp="1"/>
-          </p:cNvSpPr>
-          <p:nvPr>
-            <p:ph type="ftr" sz="quarter" idx="11"/>
-          </p:nvPr>
-        </p:nvSpPr>
-        <p:spPr/>
-        <p:txBody>
-          <a:bodyPr/>
-          <a:lstStyle/>
-          <a:p>
-            <a:pPr>
-              <a:defRPr/>
-            </a:pPr>
-            <a:r>
-              <a:rPr lang="en-US"/>
-              <a:t>IE 526  Final Project</a:t>
-            </a:r>
-            <a:endParaRPr lang="en-US" dirty="0"/>
-          </a:p>
-        </p:txBody>
-      </p:sp>
-      <p:sp>
-        <p:nvSpPr>
-          <p:cNvPr id="6" name="Slide Number Placeholder 5"/>
-          <p:cNvSpPr>
-            <a:spLocks noGrp="1"/>
-          </p:cNvSpPr>
-          <p:nvPr>
-            <p:ph type="sldNum" sz="quarter" idx="12"/>
-          </p:nvPr>
-        </p:nvSpPr>
-        <p:spPr/>
-        <p:txBody>
-          <a:bodyPr/>
-          <a:lstStyle/>
-          <a:p>
-            <a:pPr>
-              <a:defRPr/>
-            </a:pPr>
-            <a:fld id="{61875079-2EDC-4E24-99D6-3E823A45791C}" type="slidenum">
-              <a:rPr lang="en-US" smtClean="0"/>
-              <a:pPr>
-                <a:defRPr/>
-              </a:pPr>
-              <a:t>6</a:t>
-            </a:fld>
-            <a:endParaRPr lang="en-US" dirty="0"/>
-          </a:p>
-        </p:txBody>
-      </p:sp>
-      <p:sp>
-        <p:nvSpPr>
-          <p:cNvPr id="7" name="Title 1">
-            <a:extLst>
-              <a:ext uri="{FF2B5EF4-FFF2-40B4-BE49-F238E27FC236}">
-                <a16:creationId xmlns:a16="http://schemas.microsoft.com/office/drawing/2014/main" id="{6DB6E857-C20D-6541-BF3E-4DF0865E12C0}"/>
-              </a:ext>
-            </a:extLst>
-          </p:cNvPr>
-          <p:cNvSpPr>
-            <a:spLocks noGrp="1"/>
-          </p:cNvSpPr>
-          <p:nvPr>
-            <p:ph type="title"/>
-          </p:nvPr>
-        </p:nvSpPr>
-        <p:spPr>
-          <a:xfrm>
-            <a:off x="628650" y="365126"/>
-            <a:ext cx="7886700" cy="1325563"/>
-          </a:xfrm>
-        </p:spPr>
-        <p:txBody>
-          <a:bodyPr/>
-          <a:lstStyle/>
-          <a:p>
-            <a:pPr algn="just"/>
-            <a:r>
-              <a:rPr lang="en-US" dirty="0">
-                <a:latin typeface="Times New Roman" panose="02020603050405020304" pitchFamily="18" charset="0"/>
-                <a:cs typeface="Times New Roman" panose="02020603050405020304" pitchFamily="18" charset="0"/>
-              </a:rPr>
-              <a:t>Double Eleven</a:t>
-            </a:r>
-          </a:p>
-        </p:txBody>
-      </p:sp>
-    </p:spTree>
-    <p:extLst>
-      <p:ext uri="{BB962C8B-B14F-4D97-AF65-F5344CB8AC3E}">
-        <p14:creationId xmlns:p14="http://schemas.microsoft.com/office/powerpoint/2010/main" val="631034884"/>
-      </p:ext>
-    </p:extLst>
-  </p:cSld>
-  <p:clrMapOvr>
-    <a:masterClrMapping/>
-  </p:clrMapOvr>
-</p:sld>
-</file>
-
-<file path=ppt/slides/slide7.xml><?xml version="1.0" encoding="utf-8"?>
-<p:sld xmlns:a="http://schemas.openxmlformats.org/drawingml/2006/main" xmlns:r="http://schemas.openxmlformats.org/officeDocument/2006/relationships" xmlns:p="http://schemas.openxmlformats.org/presentationml/2006/main">
-  <p:cSld>
-    <p:spTree>
-      <p:nvGrpSpPr>
-        <p:cNvPr id="1" name=""/>
-        <p:cNvGrpSpPr/>
-        <p:nvPr/>
-      </p:nvGrpSpPr>
-      <p:grpSpPr>
-        <a:xfrm>
-          <a:off x="0" y="0"/>
-          <a:ext cx="0" cy="0"/>
-          <a:chOff x="0" y="0"/>
-          <a:chExt cx="0" cy="0"/>
-        </a:xfrm>
-      </p:grpSpPr>
-      <p:sp>
-        <p:nvSpPr>
           <p:cNvPr id="2" name="Title 1">
             <a:extLst>
               <a:ext uri="{FF2B5EF4-FFF2-40B4-BE49-F238E27FC236}">
@@ -12498,7 +11858,7 @@
               <a:pPr>
                 <a:defRPr/>
               </a:pPr>
-              <a:t>7</a:t>
+              <a:t>6</a:t>
             </a:fld>
             <a:endParaRPr lang="en-US" dirty="0">
               <a:cs typeface="Times New Roman" panose="02020603050405020304" pitchFamily="18" charset="0"/>
@@ -12555,7 +11915,7 @@
 </p:sld>
 </file>
 
-<file path=ppt/slides/slide8.xml><?xml version="1.0" encoding="utf-8"?>
+<file path=ppt/slides/slide7.xml><?xml version="1.0" encoding="utf-8"?>
 <p:sld xmlns:a="http://schemas.openxmlformats.org/drawingml/2006/main" xmlns:r="http://schemas.openxmlformats.org/officeDocument/2006/relationships" xmlns:p="http://schemas.openxmlformats.org/presentationml/2006/main">
   <p:cSld>
     <p:spTree>
@@ -12706,7 +12066,7 @@
               <a:pPr>
                 <a:defRPr/>
               </a:pPr>
-              <a:t>8</a:t>
+              <a:t>7</a:t>
             </a:fld>
             <a:endParaRPr lang="en-US" dirty="0">
               <a:cs typeface="Times New Roman" panose="02020603050405020304" pitchFamily="18" charset="0"/>
@@ -13057,7 +12417,7 @@
 </p:sld>
 </file>
 
-<file path=ppt/slides/slide9.xml><?xml version="1.0" encoding="utf-8"?>
+<file path=ppt/slides/slide8.xml><?xml version="1.0" encoding="utf-8"?>
 <p:sld xmlns:a="http://schemas.openxmlformats.org/drawingml/2006/main" xmlns:r="http://schemas.openxmlformats.org/officeDocument/2006/relationships" xmlns:p="http://schemas.openxmlformats.org/presentationml/2006/main">
   <p:cSld>
     <p:spTree>
@@ -13177,7 +12537,7 @@
               <a:pPr>
                 <a:defRPr/>
               </a:pPr>
-              <a:t>9</a:t>
+              <a:t>8</a:t>
             </a:fld>
             <a:endParaRPr lang="en-US" dirty="0">
               <a:cs typeface="Times New Roman" panose="02020603050405020304" pitchFamily="18" charset="0"/>
@@ -13757,6 +13117,242 @@
     <p:extLst>
       <p:ext uri="{BB962C8B-B14F-4D97-AF65-F5344CB8AC3E}">
         <p14:creationId xmlns:p14="http://schemas.microsoft.com/office/powerpoint/2010/main" val="2795746341"/>
+      </p:ext>
+    </p:extLst>
+  </p:cSld>
+  <p:clrMapOvr>
+    <a:masterClrMapping/>
+  </p:clrMapOvr>
+</p:sld>
+</file>
+
+<file path=ppt/slides/slide9.xml><?xml version="1.0" encoding="utf-8"?>
+<p:sld xmlns:a="http://schemas.openxmlformats.org/drawingml/2006/main" xmlns:r="http://schemas.openxmlformats.org/officeDocument/2006/relationships" xmlns:p="http://schemas.openxmlformats.org/presentationml/2006/main">
+  <p:cSld>
+    <p:spTree>
+      <p:nvGrpSpPr>
+        <p:cNvPr id="1" name=""/>
+        <p:cNvGrpSpPr/>
+        <p:nvPr/>
+      </p:nvGrpSpPr>
+      <p:grpSpPr>
+        <a:xfrm>
+          <a:off x="0" y="0"/>
+          <a:ext cx="0" cy="0"/>
+          <a:chOff x="0" y="0"/>
+          <a:chExt cx="0" cy="0"/>
+        </a:xfrm>
+      </p:grpSpPr>
+      <p:sp>
+        <p:nvSpPr>
+          <p:cNvPr id="4" name="Date Placeholder 3">
+            <a:extLst>
+              <a:ext uri="{FF2B5EF4-FFF2-40B4-BE49-F238E27FC236}">
+                <a16:creationId xmlns:a16="http://schemas.microsoft.com/office/drawing/2014/main" id="{77BEF33A-F531-6247-9939-5613E17FF30A}"/>
+              </a:ext>
+            </a:extLst>
+          </p:cNvPr>
+          <p:cNvSpPr>
+            <a:spLocks noGrp="1"/>
+          </p:cNvSpPr>
+          <p:nvPr>
+            <p:ph type="dt" sz="half" idx="10"/>
+          </p:nvPr>
+        </p:nvSpPr>
+        <p:spPr/>
+        <p:txBody>
+          <a:bodyPr/>
+          <a:lstStyle/>
+          <a:p>
+            <a:pPr>
+              <a:defRPr/>
+            </a:pPr>
+            <a:r>
+              <a:rPr lang="en-US"/>
+              <a:t>November 26</a:t>
+            </a:r>
+            <a:endParaRPr lang="en-US" dirty="0"/>
+          </a:p>
+        </p:txBody>
+      </p:sp>
+      <p:sp>
+        <p:nvSpPr>
+          <p:cNvPr id="5" name="Footer Placeholder 4">
+            <a:extLst>
+              <a:ext uri="{FF2B5EF4-FFF2-40B4-BE49-F238E27FC236}">
+                <a16:creationId xmlns:a16="http://schemas.microsoft.com/office/drawing/2014/main" id="{8BE8F01A-419E-E849-A195-4D2C941AC143}"/>
+              </a:ext>
+            </a:extLst>
+          </p:cNvPr>
+          <p:cNvSpPr>
+            <a:spLocks noGrp="1"/>
+          </p:cNvSpPr>
+          <p:nvPr>
+            <p:ph type="ftr" sz="quarter" idx="11"/>
+          </p:nvPr>
+        </p:nvSpPr>
+        <p:spPr/>
+        <p:txBody>
+          <a:bodyPr/>
+          <a:lstStyle/>
+          <a:p>
+            <a:pPr>
+              <a:defRPr/>
+            </a:pPr>
+            <a:r>
+              <a:rPr lang="en-US"/>
+              <a:t>IE 526  Final Project</a:t>
+            </a:r>
+            <a:endParaRPr lang="en-US" dirty="0"/>
+          </a:p>
+        </p:txBody>
+      </p:sp>
+      <p:sp>
+        <p:nvSpPr>
+          <p:cNvPr id="6" name="Slide Number Placeholder 5">
+            <a:extLst>
+              <a:ext uri="{FF2B5EF4-FFF2-40B4-BE49-F238E27FC236}">
+                <a16:creationId xmlns:a16="http://schemas.microsoft.com/office/drawing/2014/main" id="{DB7DAC8E-DD91-DA4F-AF10-EDBEE45489C2}"/>
+              </a:ext>
+            </a:extLst>
+          </p:cNvPr>
+          <p:cNvSpPr>
+            <a:spLocks noGrp="1"/>
+          </p:cNvSpPr>
+          <p:nvPr>
+            <p:ph type="sldNum" sz="quarter" idx="12"/>
+          </p:nvPr>
+        </p:nvSpPr>
+        <p:spPr/>
+        <p:txBody>
+          <a:bodyPr/>
+          <a:lstStyle/>
+          <a:p>
+            <a:pPr>
+              <a:defRPr/>
+            </a:pPr>
+            <a:fld id="{61875079-2EDC-4E24-99D6-3E823A45791C}" type="slidenum">
+              <a:rPr lang="en-US" smtClean="0"/>
+              <a:pPr>
+                <a:defRPr/>
+              </a:pPr>
+              <a:t>9</a:t>
+            </a:fld>
+            <a:endParaRPr lang="en-US" dirty="0"/>
+          </a:p>
+        </p:txBody>
+      </p:sp>
+      <p:pic>
+        <p:nvPicPr>
+          <p:cNvPr id="13" name="Picture 12">
+            <a:extLst>
+              <a:ext uri="{FF2B5EF4-FFF2-40B4-BE49-F238E27FC236}">
+                <a16:creationId xmlns:a16="http://schemas.microsoft.com/office/drawing/2014/main" id="{420FF920-A628-B548-BC0B-55727334C58F}"/>
+              </a:ext>
+            </a:extLst>
+          </p:cNvPr>
+          <p:cNvPicPr>
+            <a:picLocks noChangeAspect="1"/>
+          </p:cNvPicPr>
+          <p:nvPr/>
+        </p:nvPicPr>
+        <p:blipFill>
+          <a:blip r:embed="rId2">
+            <a:extLst>
+              <a:ext uri="{28A0092B-C50C-407E-A947-70E740481C1C}">
+                <a14:useLocalDpi xmlns:a14="http://schemas.microsoft.com/office/drawing/2010/main" val="0"/>
+              </a:ext>
+            </a:extLst>
+          </a:blip>
+          <a:stretch>
+            <a:fillRect/>
+          </a:stretch>
+        </p:blipFill>
+        <p:spPr>
+          <a:xfrm>
+            <a:off x="0" y="0"/>
+            <a:ext cx="8839200" cy="2155903"/>
+          </a:xfrm>
+          <a:prstGeom prst="rect">
+            <a:avLst/>
+          </a:prstGeom>
+        </p:spPr>
+      </p:pic>
+      <p:pic>
+        <p:nvPicPr>
+          <p:cNvPr id="15" name="Picture 14">
+            <a:extLst>
+              <a:ext uri="{FF2B5EF4-FFF2-40B4-BE49-F238E27FC236}">
+                <a16:creationId xmlns:a16="http://schemas.microsoft.com/office/drawing/2014/main" id="{434C63CC-4B18-7D43-B74E-ACDE29BC5A4F}"/>
+              </a:ext>
+            </a:extLst>
+          </p:cNvPr>
+          <p:cNvPicPr>
+            <a:picLocks noChangeAspect="1"/>
+          </p:cNvPicPr>
+          <p:nvPr/>
+        </p:nvPicPr>
+        <p:blipFill rotWithShape="1">
+          <a:blip r:embed="rId3">
+            <a:extLst>
+              <a:ext uri="{28A0092B-C50C-407E-A947-70E740481C1C}">
+                <a14:useLocalDpi xmlns:a14="http://schemas.microsoft.com/office/drawing/2010/main" val="0"/>
+              </a:ext>
+            </a:extLst>
+          </a:blip>
+          <a:srcRect t="1744"/>
+          <a:stretch/>
+        </p:blipFill>
+        <p:spPr>
+          <a:xfrm>
+            <a:off x="228600" y="2283670"/>
+            <a:ext cx="8839200" cy="2773008"/>
+          </a:xfrm>
+          <a:prstGeom prst="rect">
+            <a:avLst/>
+          </a:prstGeom>
+        </p:spPr>
+      </p:pic>
+      <p:pic>
+        <p:nvPicPr>
+          <p:cNvPr id="17" name="Picture 16">
+            <a:extLst>
+              <a:ext uri="{FF2B5EF4-FFF2-40B4-BE49-F238E27FC236}">
+                <a16:creationId xmlns:a16="http://schemas.microsoft.com/office/drawing/2014/main" id="{13BF1EF9-2AE9-C743-8CD0-685342660545}"/>
+              </a:ext>
+            </a:extLst>
+          </p:cNvPr>
+          <p:cNvPicPr>
+            <a:picLocks noChangeAspect="1"/>
+          </p:cNvPicPr>
+          <p:nvPr/>
+        </p:nvPicPr>
+        <p:blipFill>
+          <a:blip r:embed="rId4">
+            <a:extLst>
+              <a:ext uri="{28A0092B-C50C-407E-A947-70E740481C1C}">
+                <a14:useLocalDpi xmlns:a14="http://schemas.microsoft.com/office/drawing/2010/main" val="0"/>
+              </a:ext>
+            </a:extLst>
+          </a:blip>
+          <a:stretch>
+            <a:fillRect/>
+          </a:stretch>
+        </p:blipFill>
+        <p:spPr>
+          <a:xfrm>
+            <a:off x="0" y="5074736"/>
+            <a:ext cx="8915400" cy="1682383"/>
+          </a:xfrm>
+          <a:prstGeom prst="rect">
+            <a:avLst/>
+          </a:prstGeom>
+        </p:spPr>
+      </p:pic>
+    </p:spTree>
+    <p:extLst>
+      <p:ext uri="{BB962C8B-B14F-4D97-AF65-F5344CB8AC3E}">
+        <p14:creationId xmlns:p14="http://schemas.microsoft.com/office/powerpoint/2010/main" val="1192125799"/>
       </p:ext>
     </p:extLst>
   </p:cSld>

--- a/Lzy/Slides/simulation final project.pptx
+++ b/Lzy/Slides/simulation final project.pptx
@@ -5,35 +5,34 @@
     <p:sldMasterId id="2147483698" r:id="rId1"/>
   </p:sldMasterIdLst>
   <p:notesMasterIdLst>
-    <p:notesMasterId r:id="rId25"/>
+    <p:notesMasterId r:id="rId24"/>
   </p:notesMasterIdLst>
   <p:handoutMasterIdLst>
-    <p:handoutMasterId r:id="rId26"/>
+    <p:handoutMasterId r:id="rId25"/>
   </p:handoutMasterIdLst>
   <p:sldIdLst>
     <p:sldId id="330" r:id="rId2"/>
-    <p:sldId id="342" r:id="rId3"/>
-    <p:sldId id="343" r:id="rId4"/>
-    <p:sldId id="345" r:id="rId5"/>
-    <p:sldId id="346" r:id="rId6"/>
-    <p:sldId id="331" r:id="rId7"/>
-    <p:sldId id="337" r:id="rId8"/>
-    <p:sldId id="332" r:id="rId9"/>
-    <p:sldId id="351" r:id="rId10"/>
-    <p:sldId id="347" r:id="rId11"/>
-    <p:sldId id="348" r:id="rId12"/>
-    <p:sldId id="354" r:id="rId13"/>
-    <p:sldId id="355" r:id="rId14"/>
-    <p:sldId id="356" r:id="rId15"/>
-    <p:sldId id="357" r:id="rId16"/>
-    <p:sldId id="358" r:id="rId17"/>
-    <p:sldId id="359" r:id="rId18"/>
-    <p:sldId id="349" r:id="rId19"/>
-    <p:sldId id="344" r:id="rId20"/>
-    <p:sldId id="350" r:id="rId21"/>
-    <p:sldId id="352" r:id="rId22"/>
-    <p:sldId id="353" r:id="rId23"/>
-    <p:sldId id="339" r:id="rId24"/>
+    <p:sldId id="343" r:id="rId3"/>
+    <p:sldId id="342" r:id="rId4"/>
+    <p:sldId id="346" r:id="rId5"/>
+    <p:sldId id="331" r:id="rId6"/>
+    <p:sldId id="337" r:id="rId7"/>
+    <p:sldId id="332" r:id="rId8"/>
+    <p:sldId id="347" r:id="rId9"/>
+    <p:sldId id="348" r:id="rId10"/>
+    <p:sldId id="351" r:id="rId11"/>
+    <p:sldId id="354" r:id="rId12"/>
+    <p:sldId id="355" r:id="rId13"/>
+    <p:sldId id="356" r:id="rId14"/>
+    <p:sldId id="357" r:id="rId15"/>
+    <p:sldId id="358" r:id="rId16"/>
+    <p:sldId id="359" r:id="rId17"/>
+    <p:sldId id="349" r:id="rId18"/>
+    <p:sldId id="344" r:id="rId19"/>
+    <p:sldId id="350" r:id="rId20"/>
+    <p:sldId id="352" r:id="rId21"/>
+    <p:sldId id="353" r:id="rId22"/>
+    <p:sldId id="339" r:id="rId23"/>
   </p:sldIdLst>
   <p:sldSz cx="9144000" cy="6858000" type="screen4x3"/>
   <p:notesSz cx="7010400" cy="9296400"/>
@@ -4677,2010 +4676,13 @@
       </p:grpSpPr>
       <p:sp>
         <p:nvSpPr>
-          <p:cNvPr id="2" name="Title 1"/>
-          <p:cNvSpPr>
-            <a:spLocks noGrp="1"/>
-          </p:cNvSpPr>
-          <p:nvPr>
-            <p:ph type="title"/>
-          </p:nvPr>
-        </p:nvSpPr>
-        <p:spPr/>
-        <p:txBody>
-          <a:bodyPr/>
-          <a:lstStyle/>
-          <a:p>
-            <a:r>
-              <a:rPr lang="en-US" dirty="0">
-                <a:latin typeface="Times New Roman" panose="02020603050405020304" pitchFamily="18" charset="0"/>
-                <a:cs typeface="Times New Roman" panose="02020603050405020304" pitchFamily="18" charset="0"/>
-              </a:rPr>
-              <a:t>Data sample</a:t>
-            </a:r>
-          </a:p>
-        </p:txBody>
-      </p:sp>
-      <p:graphicFrame>
-        <p:nvGraphicFramePr>
-          <p:cNvPr id="8" name="Content Placeholder 7"/>
-          <p:cNvGraphicFramePr>
-            <a:graphicFrameLocks noGrp="1"/>
-          </p:cNvGraphicFramePr>
-          <p:nvPr>
-            <p:ph idx="1"/>
-            <p:extLst>
-              <p:ext uri="{D42A27DB-BD31-4B8C-83A1-F6EECF244321}">
-                <p14:modId xmlns:p14="http://schemas.microsoft.com/office/powerpoint/2010/main" val="4268693390"/>
-              </p:ext>
-            </p:extLst>
-          </p:nvPr>
-        </p:nvGraphicFramePr>
-        <p:xfrm>
-          <a:off x="631525" y="1600200"/>
-          <a:ext cx="7924799" cy="4267199"/>
-        </p:xfrm>
-        <a:graphic>
-          <a:graphicData uri="http://schemas.openxmlformats.org/drawingml/2006/table">
-            <a:tbl>
-              <a:tblPr firstRow="1" firstCol="1" bandRow="1">
-                <a:tableStyleId>{0505E3EF-67EA-436B-97B2-0124C06EBD24}</a:tableStyleId>
-              </a:tblPr>
-              <a:tblGrid>
-                <a:gridCol w="588945">
-                  <a:extLst>
-                    <a:ext uri="{9D8B030D-6E8A-4147-A177-3AD203B41FA5}">
-                      <a16:colId xmlns:a16="http://schemas.microsoft.com/office/drawing/2014/main" val="988413258"/>
-                    </a:ext>
-                  </a:extLst>
-                </a:gridCol>
-                <a:gridCol w="1260824">
-                  <a:extLst>
-                    <a:ext uri="{9D8B030D-6E8A-4147-A177-3AD203B41FA5}">
-                      <a16:colId xmlns:a16="http://schemas.microsoft.com/office/drawing/2014/main" val="4063265800"/>
-                    </a:ext>
-                  </a:extLst>
-                </a:gridCol>
-                <a:gridCol w="1168275">
-                  <a:extLst>
-                    <a:ext uri="{9D8B030D-6E8A-4147-A177-3AD203B41FA5}">
-                      <a16:colId xmlns:a16="http://schemas.microsoft.com/office/drawing/2014/main" val="2879980063"/>
-                    </a:ext>
-                  </a:extLst>
-                </a:gridCol>
-                <a:gridCol w="1177875">
-                  <a:extLst>
-                    <a:ext uri="{9D8B030D-6E8A-4147-A177-3AD203B41FA5}">
-                      <a16:colId xmlns:a16="http://schemas.microsoft.com/office/drawing/2014/main" val="476008408"/>
-                    </a:ext>
-                  </a:extLst>
-                </a:gridCol>
-                <a:gridCol w="1359926">
-                  <a:extLst>
-                    <a:ext uri="{9D8B030D-6E8A-4147-A177-3AD203B41FA5}">
-                      <a16:colId xmlns:a16="http://schemas.microsoft.com/office/drawing/2014/main" val="3062488762"/>
-                    </a:ext>
-                  </a:extLst>
-                </a:gridCol>
-                <a:gridCol w="1159766">
-                  <a:extLst>
-                    <a:ext uri="{9D8B030D-6E8A-4147-A177-3AD203B41FA5}">
-                      <a16:colId xmlns:a16="http://schemas.microsoft.com/office/drawing/2014/main" val="1706207236"/>
-                    </a:ext>
-                  </a:extLst>
-                </a:gridCol>
-                <a:gridCol w="1209188">
-                  <a:extLst>
-                    <a:ext uri="{9D8B030D-6E8A-4147-A177-3AD203B41FA5}">
-                      <a16:colId xmlns:a16="http://schemas.microsoft.com/office/drawing/2014/main" val="3908668402"/>
-                    </a:ext>
-                  </a:extLst>
-                </a:gridCol>
-              </a:tblGrid>
-              <a:tr h="794096">
-                <a:tc>
-                  <a:txBody>
-                    <a:bodyPr/>
-                    <a:lstStyle/>
-                    <a:p>
-                      <a:pPr marL="0" marR="0" algn="ctr">
-                        <a:lnSpc>
-                          <a:spcPct val="107000"/>
-                        </a:lnSpc>
-                        <a:spcBef>
-                          <a:spcPts val="0"/>
-                        </a:spcBef>
-                        <a:spcAft>
-                          <a:spcPts val="0"/>
-                        </a:spcAft>
-                      </a:pPr>
-                      <a:r>
-                        <a:rPr lang="en-US" sz="1400" dirty="0">
-                          <a:effectLst/>
-                        </a:rPr>
-                        <a:t>Node  ID</a:t>
-                      </a:r>
-                      <a:endParaRPr lang="en-US" sz="1800" dirty="0">
-                        <a:effectLst/>
-                        <a:latin typeface="Times New Roman" panose="02020603050405020304" pitchFamily="18" charset="0"/>
-                        <a:ea typeface="Calibri" panose="020F0502020204030204" pitchFamily="34" charset="0"/>
-                        <a:cs typeface="Times New Roman" panose="02020603050405020304" pitchFamily="18" charset="0"/>
-                      </a:endParaRPr>
-                    </a:p>
-                  </a:txBody>
-                  <a:tcPr marL="68580" marR="68580" marT="0" marB="0" anchor="ctr"/>
-                </a:tc>
-                <a:tc>
-                  <a:txBody>
-                    <a:bodyPr/>
-                    <a:lstStyle/>
-                    <a:p>
-                      <a:pPr marL="0" marR="0" algn="ctr">
-                        <a:lnSpc>
-                          <a:spcPct val="107000"/>
-                        </a:lnSpc>
-                        <a:spcBef>
-                          <a:spcPts val="0"/>
-                        </a:spcBef>
-                        <a:spcAft>
-                          <a:spcPts val="0"/>
-                        </a:spcAft>
-                      </a:pPr>
-                      <a:r>
-                        <a:rPr lang="en-US" sz="1400" dirty="0">
-                          <a:effectLst/>
-                        </a:rPr>
-                        <a:t>Longitude</a:t>
-                      </a:r>
-                      <a:endParaRPr lang="en-US" sz="1800" dirty="0">
-                        <a:effectLst/>
-                        <a:latin typeface="Times New Roman" panose="02020603050405020304" pitchFamily="18" charset="0"/>
-                        <a:ea typeface="Calibri" panose="020F0502020204030204" pitchFamily="34" charset="0"/>
-                        <a:cs typeface="Times New Roman" panose="02020603050405020304" pitchFamily="18" charset="0"/>
-                      </a:endParaRPr>
-                    </a:p>
-                  </a:txBody>
-                  <a:tcPr marL="68580" marR="68580" marT="0" marB="0" anchor="ctr"/>
-                </a:tc>
-                <a:tc>
-                  <a:txBody>
-                    <a:bodyPr/>
-                    <a:lstStyle/>
-                    <a:p>
-                      <a:pPr marL="0" marR="0" algn="ctr">
-                        <a:lnSpc>
-                          <a:spcPct val="107000"/>
-                        </a:lnSpc>
-                        <a:spcBef>
-                          <a:spcPts val="0"/>
-                        </a:spcBef>
-                        <a:spcAft>
-                          <a:spcPts val="0"/>
-                        </a:spcAft>
-                      </a:pPr>
-                      <a:r>
-                        <a:rPr lang="en-US" sz="1400" dirty="0">
-                          <a:effectLst/>
-                        </a:rPr>
-                        <a:t>Latitude</a:t>
-                      </a:r>
-                      <a:endParaRPr lang="en-US" sz="1800" dirty="0">
-                        <a:effectLst/>
-                        <a:latin typeface="Times New Roman" panose="02020603050405020304" pitchFamily="18" charset="0"/>
-                        <a:ea typeface="Calibri" panose="020F0502020204030204" pitchFamily="34" charset="0"/>
-                        <a:cs typeface="Times New Roman" panose="02020603050405020304" pitchFamily="18" charset="0"/>
-                      </a:endParaRPr>
-                    </a:p>
-                  </a:txBody>
-                  <a:tcPr marL="68580" marR="68580" marT="0" marB="0" anchor="ctr"/>
-                </a:tc>
-                <a:tc>
-                  <a:txBody>
-                    <a:bodyPr/>
-                    <a:lstStyle/>
-                    <a:p>
-                      <a:pPr marL="0" marR="0" algn="ctr">
-                        <a:lnSpc>
-                          <a:spcPct val="107000"/>
-                        </a:lnSpc>
-                        <a:spcBef>
-                          <a:spcPts val="0"/>
-                        </a:spcBef>
-                        <a:spcAft>
-                          <a:spcPts val="0"/>
-                        </a:spcAft>
-                      </a:pPr>
-                      <a:r>
-                        <a:rPr lang="en-US" sz="1400" dirty="0">
-                          <a:effectLst/>
-                        </a:rPr>
-                        <a:t>Package Weight</a:t>
-                      </a:r>
-                      <a:endParaRPr lang="en-US" sz="1800" dirty="0">
-                        <a:effectLst/>
-                      </a:endParaRPr>
-                    </a:p>
-                    <a:p>
-                      <a:pPr marL="0" marR="0" algn="ctr">
-                        <a:lnSpc>
-                          <a:spcPct val="107000"/>
-                        </a:lnSpc>
-                        <a:spcBef>
-                          <a:spcPts val="0"/>
-                        </a:spcBef>
-                        <a:spcAft>
-                          <a:spcPts val="0"/>
-                        </a:spcAft>
-                      </a:pPr>
-                      <a:r>
-                        <a:rPr lang="en-US" sz="1400" dirty="0">
-                          <a:effectLst/>
-                        </a:rPr>
-                        <a:t>(tons)</a:t>
-                      </a:r>
-                      <a:endParaRPr lang="en-US" sz="1800" dirty="0">
-                        <a:effectLst/>
-                        <a:latin typeface="Times New Roman" panose="02020603050405020304" pitchFamily="18" charset="0"/>
-                        <a:ea typeface="Calibri" panose="020F0502020204030204" pitchFamily="34" charset="0"/>
-                        <a:cs typeface="Times New Roman" panose="02020603050405020304" pitchFamily="18" charset="0"/>
-                      </a:endParaRPr>
-                    </a:p>
-                  </a:txBody>
-                  <a:tcPr marL="68580" marR="68580" marT="0" marB="0" anchor="ctr"/>
-                </a:tc>
-                <a:tc>
-                  <a:txBody>
-                    <a:bodyPr/>
-                    <a:lstStyle/>
-                    <a:p>
-                      <a:pPr marL="0" marR="0" algn="ctr">
-                        <a:lnSpc>
-                          <a:spcPct val="107000"/>
-                        </a:lnSpc>
-                        <a:spcBef>
-                          <a:spcPts val="0"/>
-                        </a:spcBef>
-                        <a:spcAft>
-                          <a:spcPts val="0"/>
-                        </a:spcAft>
-                      </a:pPr>
-                      <a:r>
-                        <a:rPr lang="en-US" sz="1400" dirty="0">
-                          <a:effectLst/>
-                        </a:rPr>
-                        <a:t>Package Volume</a:t>
-                      </a:r>
-                      <a:endParaRPr lang="en-US" sz="1800" dirty="0">
-                        <a:effectLst/>
-                      </a:endParaRPr>
-                    </a:p>
-                    <a:p>
-                      <a:pPr marL="0" marR="0" algn="ctr">
-                        <a:lnSpc>
-                          <a:spcPct val="107000"/>
-                        </a:lnSpc>
-                        <a:spcBef>
-                          <a:spcPts val="0"/>
-                        </a:spcBef>
-                        <a:spcAft>
-                          <a:spcPts val="0"/>
-                        </a:spcAft>
-                      </a:pPr>
-                      <a:r>
-                        <a:rPr lang="en-US" sz="1400" dirty="0">
-                          <a:effectLst/>
-                        </a:rPr>
-                        <a:t>(cubic meters)</a:t>
-                      </a:r>
-                      <a:endParaRPr lang="en-US" sz="1800" dirty="0">
-                        <a:effectLst/>
-                        <a:latin typeface="Times New Roman" panose="02020603050405020304" pitchFamily="18" charset="0"/>
-                        <a:ea typeface="Calibri" panose="020F0502020204030204" pitchFamily="34" charset="0"/>
-                        <a:cs typeface="Times New Roman" panose="02020603050405020304" pitchFamily="18" charset="0"/>
-                      </a:endParaRPr>
-                    </a:p>
-                  </a:txBody>
-                  <a:tcPr marL="68580" marR="68580" marT="0" marB="0" anchor="ctr"/>
-                </a:tc>
-                <a:tc>
-                  <a:txBody>
-                    <a:bodyPr/>
-                    <a:lstStyle/>
-                    <a:p>
-                      <a:pPr marL="0" marR="0" algn="ctr">
-                        <a:lnSpc>
-                          <a:spcPct val="107000"/>
-                        </a:lnSpc>
-                        <a:spcBef>
-                          <a:spcPts val="0"/>
-                        </a:spcBef>
-                        <a:spcAft>
-                          <a:spcPts val="0"/>
-                        </a:spcAft>
-                      </a:pPr>
-                      <a:r>
-                        <a:rPr lang="en-US" sz="1400" dirty="0">
-                          <a:effectLst/>
-                        </a:rPr>
-                        <a:t>Earliest Time</a:t>
-                      </a:r>
-                      <a:endParaRPr lang="en-US" sz="1800" dirty="0">
-                        <a:effectLst/>
-                        <a:latin typeface="Times New Roman" panose="02020603050405020304" pitchFamily="18" charset="0"/>
-                        <a:ea typeface="Calibri" panose="020F0502020204030204" pitchFamily="34" charset="0"/>
-                        <a:cs typeface="Times New Roman" panose="02020603050405020304" pitchFamily="18" charset="0"/>
-                      </a:endParaRPr>
-                    </a:p>
-                  </a:txBody>
-                  <a:tcPr marL="68580" marR="68580" marT="0" marB="0" anchor="ctr"/>
-                </a:tc>
-                <a:tc>
-                  <a:txBody>
-                    <a:bodyPr/>
-                    <a:lstStyle/>
-                    <a:p>
-                      <a:pPr marL="0" marR="0" algn="ctr">
-                        <a:lnSpc>
-                          <a:spcPct val="107000"/>
-                        </a:lnSpc>
-                        <a:spcBef>
-                          <a:spcPts val="0"/>
-                        </a:spcBef>
-                        <a:spcAft>
-                          <a:spcPts val="0"/>
-                        </a:spcAft>
-                      </a:pPr>
-                      <a:r>
-                        <a:rPr lang="en-US" sz="1400" dirty="0">
-                          <a:effectLst/>
-                        </a:rPr>
-                        <a:t>Latest Time</a:t>
-                      </a:r>
-                      <a:endParaRPr lang="en-US" sz="1800" dirty="0">
-                        <a:effectLst/>
-                        <a:latin typeface="Times New Roman" panose="02020603050405020304" pitchFamily="18" charset="0"/>
-                        <a:ea typeface="Calibri" panose="020F0502020204030204" pitchFamily="34" charset="0"/>
-                        <a:cs typeface="Times New Roman" panose="02020603050405020304" pitchFamily="18" charset="0"/>
-                      </a:endParaRPr>
-                    </a:p>
-                  </a:txBody>
-                  <a:tcPr marL="68580" marR="68580" marT="0" marB="0" anchor="ctr"/>
-                </a:tc>
-                <a:extLst>
-                  <a:ext uri="{0D108BD9-81ED-4DB2-BD59-A6C34878D82A}">
-                    <a16:rowId xmlns:a16="http://schemas.microsoft.com/office/drawing/2014/main" val="662974602"/>
-                  </a:ext>
-                </a:extLst>
-              </a:tr>
-              <a:tr h="500513">
-                <a:tc>
-                  <a:txBody>
-                    <a:bodyPr/>
-                    <a:lstStyle/>
-                    <a:p>
-                      <a:pPr marL="0" marR="0" algn="ctr">
-                        <a:lnSpc>
-                          <a:spcPct val="107000"/>
-                        </a:lnSpc>
-                        <a:spcBef>
-                          <a:spcPts val="0"/>
-                        </a:spcBef>
-                        <a:spcAft>
-                          <a:spcPts val="0"/>
-                        </a:spcAft>
-                      </a:pPr>
-                      <a:r>
-                        <a:rPr lang="en-US" sz="1600" dirty="0">
-                          <a:effectLst/>
-                        </a:rPr>
-                        <a:t>1</a:t>
-                      </a:r>
-                      <a:endParaRPr lang="en-US" sz="1600" dirty="0">
-                        <a:effectLst/>
-                        <a:latin typeface="Times New Roman" panose="02020603050405020304" pitchFamily="18" charset="0"/>
-                        <a:ea typeface="Calibri" panose="020F0502020204030204" pitchFamily="34" charset="0"/>
-                        <a:cs typeface="Times New Roman" panose="02020603050405020304" pitchFamily="18" charset="0"/>
-                      </a:endParaRPr>
-                    </a:p>
-                  </a:txBody>
-                  <a:tcPr marL="68580" marR="68580" marT="0" marB="0" anchor="ctr"/>
-                </a:tc>
-                <a:tc>
-                  <a:txBody>
-                    <a:bodyPr/>
-                    <a:lstStyle/>
-                    <a:p>
-                      <a:pPr marL="0" marR="0" algn="ctr">
-                        <a:lnSpc>
-                          <a:spcPct val="107000"/>
-                        </a:lnSpc>
-                        <a:spcBef>
-                          <a:spcPts val="0"/>
-                        </a:spcBef>
-                        <a:spcAft>
-                          <a:spcPts val="0"/>
-                        </a:spcAft>
-                      </a:pPr>
-                      <a:r>
-                        <a:rPr lang="en-US" sz="1600" dirty="0">
-                          <a:effectLst/>
-                        </a:rPr>
-                        <a:t>116.242043</a:t>
-                      </a:r>
-                      <a:endParaRPr lang="en-US" sz="1600" dirty="0">
-                        <a:effectLst/>
-                        <a:latin typeface="Times New Roman" panose="02020603050405020304" pitchFamily="18" charset="0"/>
-                        <a:ea typeface="Calibri" panose="020F0502020204030204" pitchFamily="34" charset="0"/>
-                        <a:cs typeface="Times New Roman" panose="02020603050405020304" pitchFamily="18" charset="0"/>
-                      </a:endParaRPr>
-                    </a:p>
-                  </a:txBody>
-                  <a:tcPr marL="68580" marR="68580" marT="0" marB="0" anchor="ctr"/>
-                </a:tc>
-                <a:tc>
-                  <a:txBody>
-                    <a:bodyPr/>
-                    <a:lstStyle/>
-                    <a:p>
-                      <a:pPr marL="0" marR="0" algn="ctr">
-                        <a:lnSpc>
-                          <a:spcPct val="107000"/>
-                        </a:lnSpc>
-                        <a:spcBef>
-                          <a:spcPts val="0"/>
-                        </a:spcBef>
-                        <a:spcAft>
-                          <a:spcPts val="0"/>
-                        </a:spcAft>
-                      </a:pPr>
-                      <a:r>
-                        <a:rPr lang="en-US" sz="1600" dirty="0">
-                          <a:effectLst/>
-                        </a:rPr>
-                        <a:t>40.072630</a:t>
-                      </a:r>
-                      <a:endParaRPr lang="en-US" sz="1600" dirty="0">
-                        <a:effectLst/>
-                        <a:latin typeface="Times New Roman" panose="02020603050405020304" pitchFamily="18" charset="0"/>
-                        <a:ea typeface="Calibri" panose="020F0502020204030204" pitchFamily="34" charset="0"/>
-                        <a:cs typeface="Times New Roman" panose="02020603050405020304" pitchFamily="18" charset="0"/>
-                      </a:endParaRPr>
-                    </a:p>
-                  </a:txBody>
-                  <a:tcPr marL="68580" marR="68580" marT="0" marB="0" anchor="ctr"/>
-                </a:tc>
-                <a:tc>
-                  <a:txBody>
-                    <a:bodyPr/>
-                    <a:lstStyle/>
-                    <a:p>
-                      <a:pPr marL="0" marR="0" algn="ctr">
-                        <a:lnSpc>
-                          <a:spcPct val="107000"/>
-                        </a:lnSpc>
-                        <a:spcBef>
-                          <a:spcPts val="0"/>
-                        </a:spcBef>
-                        <a:spcAft>
-                          <a:spcPts val="0"/>
-                        </a:spcAft>
-                      </a:pPr>
-                      <a:r>
-                        <a:rPr lang="en-US" sz="1600" dirty="0">
-                          <a:effectLst/>
-                        </a:rPr>
-                        <a:t>0.20760</a:t>
-                      </a:r>
-                      <a:endParaRPr lang="en-US" sz="1600" dirty="0">
-                        <a:effectLst/>
-                        <a:latin typeface="Times New Roman" panose="02020603050405020304" pitchFamily="18" charset="0"/>
-                        <a:ea typeface="Calibri" panose="020F0502020204030204" pitchFamily="34" charset="0"/>
-                        <a:cs typeface="Times New Roman" panose="02020603050405020304" pitchFamily="18" charset="0"/>
-                      </a:endParaRPr>
-                    </a:p>
-                  </a:txBody>
-                  <a:tcPr marL="68580" marR="68580" marT="0" marB="0" anchor="ctr"/>
-                </a:tc>
-                <a:tc>
-                  <a:txBody>
-                    <a:bodyPr/>
-                    <a:lstStyle/>
-                    <a:p>
-                      <a:pPr marL="0" marR="0" algn="ctr">
-                        <a:lnSpc>
-                          <a:spcPct val="107000"/>
-                        </a:lnSpc>
-                        <a:spcBef>
-                          <a:spcPts val="0"/>
-                        </a:spcBef>
-                        <a:spcAft>
-                          <a:spcPts val="0"/>
-                        </a:spcAft>
-                      </a:pPr>
-                      <a:r>
-                        <a:rPr lang="en-US" sz="1600">
-                          <a:effectLst/>
-                        </a:rPr>
-                        <a:t>0.3666</a:t>
-                      </a:r>
-                      <a:endParaRPr lang="en-US" sz="1600">
-                        <a:effectLst/>
-                        <a:latin typeface="Times New Roman" panose="02020603050405020304" pitchFamily="18" charset="0"/>
-                        <a:ea typeface="Calibri" panose="020F0502020204030204" pitchFamily="34" charset="0"/>
-                        <a:cs typeface="Times New Roman" panose="02020603050405020304" pitchFamily="18" charset="0"/>
-                      </a:endParaRPr>
-                    </a:p>
-                  </a:txBody>
-                  <a:tcPr marL="68580" marR="68580" marT="0" marB="0" anchor="ctr"/>
-                </a:tc>
-                <a:tc>
-                  <a:txBody>
-                    <a:bodyPr/>
-                    <a:lstStyle/>
-                    <a:p>
-                      <a:pPr marL="0" marR="0" algn="ctr">
-                        <a:lnSpc>
-                          <a:spcPct val="107000"/>
-                        </a:lnSpc>
-                        <a:spcBef>
-                          <a:spcPts val="0"/>
-                        </a:spcBef>
-                        <a:spcAft>
-                          <a:spcPts val="0"/>
-                        </a:spcAft>
-                      </a:pPr>
-                      <a:r>
-                        <a:rPr lang="en-US" sz="1600">
-                          <a:effectLst/>
-                        </a:rPr>
-                        <a:t>09:00</a:t>
-                      </a:r>
-                      <a:endParaRPr lang="en-US" sz="1600">
-                        <a:effectLst/>
-                        <a:latin typeface="Times New Roman" panose="02020603050405020304" pitchFamily="18" charset="0"/>
-                        <a:ea typeface="Calibri" panose="020F0502020204030204" pitchFamily="34" charset="0"/>
-                        <a:cs typeface="Times New Roman" panose="02020603050405020304" pitchFamily="18" charset="0"/>
-                      </a:endParaRPr>
-                    </a:p>
-                  </a:txBody>
-                  <a:tcPr marL="68580" marR="68580" marT="0" marB="0" anchor="ctr"/>
-                </a:tc>
-                <a:tc>
-                  <a:txBody>
-                    <a:bodyPr/>
-                    <a:lstStyle/>
-                    <a:p>
-                      <a:pPr marL="0" marR="0" algn="ctr">
-                        <a:lnSpc>
-                          <a:spcPct val="107000"/>
-                        </a:lnSpc>
-                        <a:spcBef>
-                          <a:spcPts val="0"/>
-                        </a:spcBef>
-                        <a:spcAft>
-                          <a:spcPts val="0"/>
-                        </a:spcAft>
-                      </a:pPr>
-                      <a:r>
-                        <a:rPr lang="en-US" sz="1600">
-                          <a:effectLst/>
-                        </a:rPr>
-                        <a:t>12:00</a:t>
-                      </a:r>
-                      <a:endParaRPr lang="en-US" sz="1600">
-                        <a:effectLst/>
-                        <a:latin typeface="Times New Roman" panose="02020603050405020304" pitchFamily="18" charset="0"/>
-                        <a:ea typeface="Calibri" panose="020F0502020204030204" pitchFamily="34" charset="0"/>
-                        <a:cs typeface="Times New Roman" panose="02020603050405020304" pitchFamily="18" charset="0"/>
-                      </a:endParaRPr>
-                    </a:p>
-                  </a:txBody>
-                  <a:tcPr marL="68580" marR="68580" marT="0" marB="0" anchor="ctr"/>
-                </a:tc>
-                <a:extLst>
-                  <a:ext uri="{0D108BD9-81ED-4DB2-BD59-A6C34878D82A}">
-                    <a16:rowId xmlns:a16="http://schemas.microsoft.com/office/drawing/2014/main" val="2430375793"/>
-                  </a:ext>
-                </a:extLst>
-              </a:tr>
-              <a:tr h="500513">
-                <a:tc>
-                  <a:txBody>
-                    <a:bodyPr/>
-                    <a:lstStyle/>
-                    <a:p>
-                      <a:pPr marL="0" marR="0" algn="ctr">
-                        <a:lnSpc>
-                          <a:spcPct val="107000"/>
-                        </a:lnSpc>
-                        <a:spcBef>
-                          <a:spcPts val="0"/>
-                        </a:spcBef>
-                        <a:spcAft>
-                          <a:spcPts val="0"/>
-                        </a:spcAft>
-                      </a:pPr>
-                      <a:r>
-                        <a:rPr lang="en-US" sz="1600">
-                          <a:effectLst/>
-                        </a:rPr>
-                        <a:t>2</a:t>
-                      </a:r>
-                      <a:endParaRPr lang="en-US" sz="1600">
-                        <a:effectLst/>
-                        <a:latin typeface="Times New Roman" panose="02020603050405020304" pitchFamily="18" charset="0"/>
-                        <a:ea typeface="Calibri" panose="020F0502020204030204" pitchFamily="34" charset="0"/>
-                        <a:cs typeface="Times New Roman" panose="02020603050405020304" pitchFamily="18" charset="0"/>
-                      </a:endParaRPr>
-                    </a:p>
-                  </a:txBody>
-                  <a:tcPr marL="68580" marR="68580" marT="0" marB="0" anchor="ctr"/>
-                </a:tc>
-                <a:tc>
-                  <a:txBody>
-                    <a:bodyPr/>
-                    <a:lstStyle/>
-                    <a:p>
-                      <a:pPr marL="0" marR="0" algn="ctr">
-                        <a:lnSpc>
-                          <a:spcPct val="107000"/>
-                        </a:lnSpc>
-                        <a:spcBef>
-                          <a:spcPts val="0"/>
-                        </a:spcBef>
-                        <a:spcAft>
-                          <a:spcPts val="0"/>
-                        </a:spcAft>
-                      </a:pPr>
-                      <a:r>
-                        <a:rPr lang="en-US" sz="1600" dirty="0">
-                          <a:effectLst/>
-                        </a:rPr>
-                        <a:t>116.403595</a:t>
-                      </a:r>
-                      <a:endParaRPr lang="en-US" sz="1600" dirty="0">
-                        <a:effectLst/>
-                        <a:latin typeface="Times New Roman" panose="02020603050405020304" pitchFamily="18" charset="0"/>
-                        <a:ea typeface="Calibri" panose="020F0502020204030204" pitchFamily="34" charset="0"/>
-                        <a:cs typeface="Times New Roman" panose="02020603050405020304" pitchFamily="18" charset="0"/>
-                      </a:endParaRPr>
-                    </a:p>
-                  </a:txBody>
-                  <a:tcPr marL="68580" marR="68580" marT="0" marB="0" anchor="ctr"/>
-                </a:tc>
-                <a:tc>
-                  <a:txBody>
-                    <a:bodyPr/>
-                    <a:lstStyle/>
-                    <a:p>
-                      <a:pPr marL="0" marR="0" algn="ctr">
-                        <a:lnSpc>
-                          <a:spcPct val="107000"/>
-                        </a:lnSpc>
-                        <a:spcBef>
-                          <a:spcPts val="0"/>
-                        </a:spcBef>
-                        <a:spcAft>
-                          <a:spcPts val="0"/>
-                        </a:spcAft>
-                      </a:pPr>
-                      <a:r>
-                        <a:rPr lang="en-US" sz="1600" dirty="0">
-                          <a:effectLst/>
-                        </a:rPr>
-                        <a:t>39.872945</a:t>
-                      </a:r>
-                      <a:endParaRPr lang="en-US" sz="1600" dirty="0">
-                        <a:effectLst/>
-                        <a:latin typeface="Times New Roman" panose="02020603050405020304" pitchFamily="18" charset="0"/>
-                        <a:ea typeface="Calibri" panose="020F0502020204030204" pitchFamily="34" charset="0"/>
-                        <a:cs typeface="Times New Roman" panose="02020603050405020304" pitchFamily="18" charset="0"/>
-                      </a:endParaRPr>
-                    </a:p>
-                  </a:txBody>
-                  <a:tcPr marL="68580" marR="68580" marT="0" marB="0" anchor="ctr"/>
-                </a:tc>
-                <a:tc>
-                  <a:txBody>
-                    <a:bodyPr/>
-                    <a:lstStyle/>
-                    <a:p>
-                      <a:pPr marL="0" marR="0" algn="ctr">
-                        <a:lnSpc>
-                          <a:spcPct val="107000"/>
-                        </a:lnSpc>
-                        <a:spcBef>
-                          <a:spcPts val="0"/>
-                        </a:spcBef>
-                        <a:spcAft>
-                          <a:spcPts val="0"/>
-                        </a:spcAft>
-                      </a:pPr>
-                      <a:r>
-                        <a:rPr lang="en-US" sz="1600" dirty="0">
-                          <a:effectLst/>
-                        </a:rPr>
-                        <a:t>0.05863</a:t>
-                      </a:r>
-                      <a:endParaRPr lang="en-US" sz="1600" dirty="0">
-                        <a:effectLst/>
-                        <a:latin typeface="Times New Roman" panose="02020603050405020304" pitchFamily="18" charset="0"/>
-                        <a:ea typeface="Calibri" panose="020F0502020204030204" pitchFamily="34" charset="0"/>
-                        <a:cs typeface="Times New Roman" panose="02020603050405020304" pitchFamily="18" charset="0"/>
-                      </a:endParaRPr>
-                    </a:p>
-                  </a:txBody>
-                  <a:tcPr marL="68580" marR="68580" marT="0" marB="0" anchor="ctr"/>
-                </a:tc>
-                <a:tc>
-                  <a:txBody>
-                    <a:bodyPr/>
-                    <a:lstStyle/>
-                    <a:p>
-                      <a:pPr marL="0" marR="0" algn="ctr">
-                        <a:lnSpc>
-                          <a:spcPct val="107000"/>
-                        </a:lnSpc>
-                        <a:spcBef>
-                          <a:spcPts val="0"/>
-                        </a:spcBef>
-                        <a:spcAft>
-                          <a:spcPts val="0"/>
-                        </a:spcAft>
-                      </a:pPr>
-                      <a:r>
-                        <a:rPr lang="en-US" sz="1600">
-                          <a:effectLst/>
-                        </a:rPr>
-                        <a:t>0.1687</a:t>
-                      </a:r>
-                      <a:endParaRPr lang="en-US" sz="1600">
-                        <a:effectLst/>
-                        <a:latin typeface="Times New Roman" panose="02020603050405020304" pitchFamily="18" charset="0"/>
-                        <a:ea typeface="Calibri" panose="020F0502020204030204" pitchFamily="34" charset="0"/>
-                        <a:cs typeface="Times New Roman" panose="02020603050405020304" pitchFamily="18" charset="0"/>
-                      </a:endParaRPr>
-                    </a:p>
-                  </a:txBody>
-                  <a:tcPr marL="68580" marR="68580" marT="0" marB="0" anchor="ctr"/>
-                </a:tc>
-                <a:tc>
-                  <a:txBody>
-                    <a:bodyPr/>
-                    <a:lstStyle/>
-                    <a:p>
-                      <a:pPr marL="0" marR="0" algn="ctr">
-                        <a:lnSpc>
-                          <a:spcPct val="107000"/>
-                        </a:lnSpc>
-                        <a:spcBef>
-                          <a:spcPts val="0"/>
-                        </a:spcBef>
-                        <a:spcAft>
-                          <a:spcPts val="0"/>
-                        </a:spcAft>
-                      </a:pPr>
-                      <a:r>
-                        <a:rPr lang="en-US" sz="1600">
-                          <a:effectLst/>
-                        </a:rPr>
-                        <a:t>13:30</a:t>
-                      </a:r>
-                      <a:endParaRPr lang="en-US" sz="1600">
-                        <a:effectLst/>
-                        <a:latin typeface="Times New Roman" panose="02020603050405020304" pitchFamily="18" charset="0"/>
-                        <a:ea typeface="Calibri" panose="020F0502020204030204" pitchFamily="34" charset="0"/>
-                        <a:cs typeface="Times New Roman" panose="02020603050405020304" pitchFamily="18" charset="0"/>
-                      </a:endParaRPr>
-                    </a:p>
-                  </a:txBody>
-                  <a:tcPr marL="68580" marR="68580" marT="0" marB="0" anchor="ctr"/>
-                </a:tc>
-                <a:tc>
-                  <a:txBody>
-                    <a:bodyPr/>
-                    <a:lstStyle/>
-                    <a:p>
-                      <a:pPr marL="0" marR="0" algn="ctr">
-                        <a:lnSpc>
-                          <a:spcPct val="107000"/>
-                        </a:lnSpc>
-                        <a:spcBef>
-                          <a:spcPts val="0"/>
-                        </a:spcBef>
-                        <a:spcAft>
-                          <a:spcPts val="0"/>
-                        </a:spcAft>
-                      </a:pPr>
-                      <a:r>
-                        <a:rPr lang="en-US" sz="1600">
-                          <a:effectLst/>
-                        </a:rPr>
-                        <a:t>14:00</a:t>
-                      </a:r>
-                      <a:endParaRPr lang="en-US" sz="1600">
-                        <a:effectLst/>
-                        <a:latin typeface="Times New Roman" panose="02020603050405020304" pitchFamily="18" charset="0"/>
-                        <a:ea typeface="Calibri" panose="020F0502020204030204" pitchFamily="34" charset="0"/>
-                        <a:cs typeface="Times New Roman" panose="02020603050405020304" pitchFamily="18" charset="0"/>
-                      </a:endParaRPr>
-                    </a:p>
-                  </a:txBody>
-                  <a:tcPr marL="68580" marR="68580" marT="0" marB="0" anchor="ctr"/>
-                </a:tc>
-                <a:extLst>
-                  <a:ext uri="{0D108BD9-81ED-4DB2-BD59-A6C34878D82A}">
-                    <a16:rowId xmlns:a16="http://schemas.microsoft.com/office/drawing/2014/main" val="2932769028"/>
-                  </a:ext>
-                </a:extLst>
-              </a:tr>
-              <a:tr h="500513">
-                <a:tc>
-                  <a:txBody>
-                    <a:bodyPr/>
-                    <a:lstStyle/>
-                    <a:p>
-                      <a:pPr marL="0" marR="0" algn="ctr">
-                        <a:lnSpc>
-                          <a:spcPct val="107000"/>
-                        </a:lnSpc>
-                        <a:spcBef>
-                          <a:spcPts val="0"/>
-                        </a:spcBef>
-                        <a:spcAft>
-                          <a:spcPts val="0"/>
-                        </a:spcAft>
-                      </a:pPr>
-                      <a:r>
-                        <a:rPr lang="en-US" sz="1600">
-                          <a:effectLst/>
-                        </a:rPr>
-                        <a:t>3</a:t>
-                      </a:r>
-                      <a:endParaRPr lang="en-US" sz="1600">
-                        <a:effectLst/>
-                        <a:latin typeface="Times New Roman" panose="02020603050405020304" pitchFamily="18" charset="0"/>
-                        <a:ea typeface="Calibri" panose="020F0502020204030204" pitchFamily="34" charset="0"/>
-                        <a:cs typeface="Times New Roman" panose="02020603050405020304" pitchFamily="18" charset="0"/>
-                      </a:endParaRPr>
-                    </a:p>
-                  </a:txBody>
-                  <a:tcPr marL="68580" marR="68580" marT="0" marB="0" anchor="ctr"/>
-                </a:tc>
-                <a:tc>
-                  <a:txBody>
-                    <a:bodyPr/>
-                    <a:lstStyle/>
-                    <a:p>
-                      <a:pPr marL="0" marR="0" algn="ctr">
-                        <a:lnSpc>
-                          <a:spcPct val="107000"/>
-                        </a:lnSpc>
-                        <a:spcBef>
-                          <a:spcPts val="0"/>
-                        </a:spcBef>
-                        <a:spcAft>
-                          <a:spcPts val="0"/>
-                        </a:spcAft>
-                      </a:pPr>
-                      <a:r>
-                        <a:rPr lang="en-US" sz="1600">
-                          <a:effectLst/>
-                        </a:rPr>
-                        <a:t>116.186289</a:t>
-                      </a:r>
-                      <a:endParaRPr lang="en-US" sz="1600">
-                        <a:effectLst/>
-                        <a:latin typeface="Times New Roman" panose="02020603050405020304" pitchFamily="18" charset="0"/>
-                        <a:ea typeface="Calibri" panose="020F0502020204030204" pitchFamily="34" charset="0"/>
-                        <a:cs typeface="Times New Roman" panose="02020603050405020304" pitchFamily="18" charset="0"/>
-                      </a:endParaRPr>
-                    </a:p>
-                  </a:txBody>
-                  <a:tcPr marL="68580" marR="68580" marT="0" marB="0" anchor="ctr"/>
-                </a:tc>
-                <a:tc>
-                  <a:txBody>
-                    <a:bodyPr/>
-                    <a:lstStyle/>
-                    <a:p>
-                      <a:pPr marL="0" marR="0" algn="ctr">
-                        <a:lnSpc>
-                          <a:spcPct val="107000"/>
-                        </a:lnSpc>
-                        <a:spcBef>
-                          <a:spcPts val="0"/>
-                        </a:spcBef>
-                        <a:spcAft>
-                          <a:spcPts val="0"/>
-                        </a:spcAft>
-                      </a:pPr>
-                      <a:r>
-                        <a:rPr lang="en-US" sz="1600">
-                          <a:effectLst/>
-                        </a:rPr>
-                        <a:t>40.016361</a:t>
-                      </a:r>
-                      <a:endParaRPr lang="en-US" sz="1600">
-                        <a:effectLst/>
-                        <a:latin typeface="Times New Roman" panose="02020603050405020304" pitchFamily="18" charset="0"/>
-                        <a:ea typeface="Calibri" panose="020F0502020204030204" pitchFamily="34" charset="0"/>
-                        <a:cs typeface="Times New Roman" panose="02020603050405020304" pitchFamily="18" charset="0"/>
-                      </a:endParaRPr>
-                    </a:p>
-                  </a:txBody>
-                  <a:tcPr marL="68580" marR="68580" marT="0" marB="0" anchor="ctr"/>
-                </a:tc>
-                <a:tc>
-                  <a:txBody>
-                    <a:bodyPr/>
-                    <a:lstStyle/>
-                    <a:p>
-                      <a:pPr marL="0" marR="0" algn="ctr">
-                        <a:lnSpc>
-                          <a:spcPct val="107000"/>
-                        </a:lnSpc>
-                        <a:spcBef>
-                          <a:spcPts val="0"/>
-                        </a:spcBef>
-                        <a:spcAft>
-                          <a:spcPts val="0"/>
-                        </a:spcAft>
-                      </a:pPr>
-                      <a:r>
-                        <a:rPr lang="en-US" sz="1600" dirty="0">
-                          <a:effectLst/>
-                        </a:rPr>
-                        <a:t>0.03645</a:t>
-                      </a:r>
-                      <a:endParaRPr lang="en-US" sz="1600" dirty="0">
-                        <a:effectLst/>
-                        <a:latin typeface="Times New Roman" panose="02020603050405020304" pitchFamily="18" charset="0"/>
-                        <a:ea typeface="Calibri" panose="020F0502020204030204" pitchFamily="34" charset="0"/>
-                        <a:cs typeface="Times New Roman" panose="02020603050405020304" pitchFamily="18" charset="0"/>
-                      </a:endParaRPr>
-                    </a:p>
-                  </a:txBody>
-                  <a:tcPr marL="68580" marR="68580" marT="0" marB="0" anchor="ctr"/>
-                </a:tc>
-                <a:tc>
-                  <a:txBody>
-                    <a:bodyPr/>
-                    <a:lstStyle/>
-                    <a:p>
-                      <a:pPr marL="0" marR="0" algn="ctr">
-                        <a:lnSpc>
-                          <a:spcPct val="107000"/>
-                        </a:lnSpc>
-                        <a:spcBef>
-                          <a:spcPts val="0"/>
-                        </a:spcBef>
-                        <a:spcAft>
-                          <a:spcPts val="0"/>
-                        </a:spcAft>
-                      </a:pPr>
-                      <a:r>
-                        <a:rPr lang="en-US" sz="1600" dirty="0">
-                          <a:effectLst/>
-                        </a:rPr>
-                        <a:t>0.0745</a:t>
-                      </a:r>
-                      <a:endParaRPr lang="en-US" sz="1600" dirty="0">
-                        <a:effectLst/>
-                        <a:latin typeface="Times New Roman" panose="02020603050405020304" pitchFamily="18" charset="0"/>
-                        <a:ea typeface="Calibri" panose="020F0502020204030204" pitchFamily="34" charset="0"/>
-                        <a:cs typeface="Times New Roman" panose="02020603050405020304" pitchFamily="18" charset="0"/>
-                      </a:endParaRPr>
-                    </a:p>
-                  </a:txBody>
-                  <a:tcPr marL="68580" marR="68580" marT="0" marB="0" anchor="ctr"/>
-                </a:tc>
-                <a:tc>
-                  <a:txBody>
-                    <a:bodyPr/>
-                    <a:lstStyle/>
-                    <a:p>
-                      <a:pPr marL="0" marR="0" algn="ctr">
-                        <a:lnSpc>
-                          <a:spcPct val="107000"/>
-                        </a:lnSpc>
-                        <a:spcBef>
-                          <a:spcPts val="0"/>
-                        </a:spcBef>
-                        <a:spcAft>
-                          <a:spcPts val="0"/>
-                        </a:spcAft>
-                      </a:pPr>
-                      <a:r>
-                        <a:rPr lang="en-US" sz="1600">
-                          <a:effectLst/>
-                        </a:rPr>
-                        <a:t>13:00</a:t>
-                      </a:r>
-                      <a:endParaRPr lang="en-US" sz="1600">
-                        <a:effectLst/>
-                        <a:latin typeface="Times New Roman" panose="02020603050405020304" pitchFamily="18" charset="0"/>
-                        <a:ea typeface="Calibri" panose="020F0502020204030204" pitchFamily="34" charset="0"/>
-                        <a:cs typeface="Times New Roman" panose="02020603050405020304" pitchFamily="18" charset="0"/>
-                      </a:endParaRPr>
-                    </a:p>
-                  </a:txBody>
-                  <a:tcPr marL="68580" marR="68580" marT="0" marB="0" anchor="ctr"/>
-                </a:tc>
-                <a:tc>
-                  <a:txBody>
-                    <a:bodyPr/>
-                    <a:lstStyle/>
-                    <a:p>
-                      <a:pPr marL="0" marR="0" algn="ctr">
-                        <a:lnSpc>
-                          <a:spcPct val="107000"/>
-                        </a:lnSpc>
-                        <a:spcBef>
-                          <a:spcPts val="0"/>
-                        </a:spcBef>
-                        <a:spcAft>
-                          <a:spcPts val="0"/>
-                        </a:spcAft>
-                      </a:pPr>
-                      <a:r>
-                        <a:rPr lang="en-US" sz="1600">
-                          <a:effectLst/>
-                        </a:rPr>
-                        <a:t>15:00</a:t>
-                      </a:r>
-                      <a:endParaRPr lang="en-US" sz="1600">
-                        <a:effectLst/>
-                        <a:latin typeface="Times New Roman" panose="02020603050405020304" pitchFamily="18" charset="0"/>
-                        <a:ea typeface="Calibri" panose="020F0502020204030204" pitchFamily="34" charset="0"/>
-                        <a:cs typeface="Times New Roman" panose="02020603050405020304" pitchFamily="18" charset="0"/>
-                      </a:endParaRPr>
-                    </a:p>
-                  </a:txBody>
-                  <a:tcPr marL="68580" marR="68580" marT="0" marB="0" anchor="ctr"/>
-                </a:tc>
-                <a:extLst>
-                  <a:ext uri="{0D108BD9-81ED-4DB2-BD59-A6C34878D82A}">
-                    <a16:rowId xmlns:a16="http://schemas.microsoft.com/office/drawing/2014/main" val="1441784158"/>
-                  </a:ext>
-                </a:extLst>
-              </a:tr>
-              <a:tr h="500513">
-                <a:tc>
-                  <a:txBody>
-                    <a:bodyPr/>
-                    <a:lstStyle/>
-                    <a:p>
-                      <a:pPr marL="0" marR="0" algn="ctr">
-                        <a:lnSpc>
-                          <a:spcPct val="107000"/>
-                        </a:lnSpc>
-                        <a:spcBef>
-                          <a:spcPts val="0"/>
-                        </a:spcBef>
-                        <a:spcAft>
-                          <a:spcPts val="0"/>
-                        </a:spcAft>
-                      </a:pPr>
-                      <a:r>
-                        <a:rPr lang="en-US" sz="1600">
-                          <a:effectLst/>
-                        </a:rPr>
-                        <a:t>4</a:t>
-                      </a:r>
-                      <a:endParaRPr lang="en-US" sz="1600">
-                        <a:effectLst/>
-                        <a:latin typeface="Times New Roman" panose="02020603050405020304" pitchFamily="18" charset="0"/>
-                        <a:ea typeface="Calibri" panose="020F0502020204030204" pitchFamily="34" charset="0"/>
-                        <a:cs typeface="Times New Roman" panose="02020603050405020304" pitchFamily="18" charset="0"/>
-                      </a:endParaRPr>
-                    </a:p>
-                  </a:txBody>
-                  <a:tcPr marL="68580" marR="68580" marT="0" marB="0" anchor="ctr"/>
-                </a:tc>
-                <a:tc>
-                  <a:txBody>
-                    <a:bodyPr/>
-                    <a:lstStyle/>
-                    <a:p>
-                      <a:pPr marL="0" marR="0" algn="ctr">
-                        <a:lnSpc>
-                          <a:spcPct val="107000"/>
-                        </a:lnSpc>
-                        <a:spcBef>
-                          <a:spcPts val="0"/>
-                        </a:spcBef>
-                        <a:spcAft>
-                          <a:spcPts val="0"/>
-                        </a:spcAft>
-                      </a:pPr>
-                      <a:r>
-                        <a:rPr lang="en-US" sz="1600">
-                          <a:effectLst/>
-                        </a:rPr>
-                        <a:t>116.508011</a:t>
-                      </a:r>
-                      <a:endParaRPr lang="en-US" sz="1600">
-                        <a:effectLst/>
-                        <a:latin typeface="Times New Roman" panose="02020603050405020304" pitchFamily="18" charset="0"/>
-                        <a:ea typeface="Calibri" panose="020F0502020204030204" pitchFamily="34" charset="0"/>
-                        <a:cs typeface="Times New Roman" panose="02020603050405020304" pitchFamily="18" charset="0"/>
-                      </a:endParaRPr>
-                    </a:p>
-                  </a:txBody>
-                  <a:tcPr marL="68580" marR="68580" marT="0" marB="0" anchor="ctr"/>
-                </a:tc>
-                <a:tc>
-                  <a:txBody>
-                    <a:bodyPr/>
-                    <a:lstStyle/>
-                    <a:p>
-                      <a:pPr marL="0" marR="0" algn="ctr">
-                        <a:lnSpc>
-                          <a:spcPct val="107000"/>
-                        </a:lnSpc>
-                        <a:spcBef>
-                          <a:spcPts val="0"/>
-                        </a:spcBef>
-                        <a:spcAft>
-                          <a:spcPts val="0"/>
-                        </a:spcAft>
-                      </a:pPr>
-                      <a:r>
-                        <a:rPr lang="en-US" sz="1600">
-                          <a:effectLst/>
-                        </a:rPr>
-                        <a:t>39.826296</a:t>
-                      </a:r>
-                      <a:endParaRPr lang="en-US" sz="1600">
-                        <a:effectLst/>
-                        <a:latin typeface="Times New Roman" panose="02020603050405020304" pitchFamily="18" charset="0"/>
-                        <a:ea typeface="Calibri" panose="020F0502020204030204" pitchFamily="34" charset="0"/>
-                        <a:cs typeface="Times New Roman" panose="02020603050405020304" pitchFamily="18" charset="0"/>
-                      </a:endParaRPr>
-                    </a:p>
-                  </a:txBody>
-                  <a:tcPr marL="68580" marR="68580" marT="0" marB="0" anchor="ctr"/>
-                </a:tc>
-                <a:tc>
-                  <a:txBody>
-                    <a:bodyPr/>
-                    <a:lstStyle/>
-                    <a:p>
-                      <a:pPr marL="0" marR="0" algn="ctr">
-                        <a:lnSpc>
-                          <a:spcPct val="107000"/>
-                        </a:lnSpc>
-                        <a:spcBef>
-                          <a:spcPts val="0"/>
-                        </a:spcBef>
-                        <a:spcAft>
-                          <a:spcPts val="0"/>
-                        </a:spcAft>
-                      </a:pPr>
-                      <a:r>
-                        <a:rPr lang="en-US" sz="1600">
-                          <a:effectLst/>
-                        </a:rPr>
-                        <a:t>0.02595</a:t>
-                      </a:r>
-                      <a:endParaRPr lang="en-US" sz="1600">
-                        <a:effectLst/>
-                        <a:latin typeface="Times New Roman" panose="02020603050405020304" pitchFamily="18" charset="0"/>
-                        <a:ea typeface="Calibri" panose="020F0502020204030204" pitchFamily="34" charset="0"/>
-                        <a:cs typeface="Times New Roman" panose="02020603050405020304" pitchFamily="18" charset="0"/>
-                      </a:endParaRPr>
-                    </a:p>
-                  </a:txBody>
-                  <a:tcPr marL="68580" marR="68580" marT="0" marB="0" anchor="ctr"/>
-                </a:tc>
-                <a:tc>
-                  <a:txBody>
-                    <a:bodyPr/>
-                    <a:lstStyle/>
-                    <a:p>
-                      <a:pPr marL="0" marR="0" algn="ctr">
-                        <a:lnSpc>
-                          <a:spcPct val="107000"/>
-                        </a:lnSpc>
-                        <a:spcBef>
-                          <a:spcPts val="0"/>
-                        </a:spcBef>
-                        <a:spcAft>
-                          <a:spcPts val="0"/>
-                        </a:spcAft>
-                      </a:pPr>
-                      <a:r>
-                        <a:rPr lang="en-US" sz="1600" dirty="0">
-                          <a:effectLst/>
-                        </a:rPr>
-                        <a:t>0.0542</a:t>
-                      </a:r>
-                      <a:endParaRPr lang="en-US" sz="1600" dirty="0">
-                        <a:effectLst/>
-                        <a:latin typeface="Times New Roman" panose="02020603050405020304" pitchFamily="18" charset="0"/>
-                        <a:ea typeface="Calibri" panose="020F0502020204030204" pitchFamily="34" charset="0"/>
-                        <a:cs typeface="Times New Roman" panose="02020603050405020304" pitchFamily="18" charset="0"/>
-                      </a:endParaRPr>
-                    </a:p>
-                  </a:txBody>
-                  <a:tcPr marL="68580" marR="68580" marT="0" marB="0" anchor="ctr"/>
-                </a:tc>
-                <a:tc>
-                  <a:txBody>
-                    <a:bodyPr/>
-                    <a:lstStyle/>
-                    <a:p>
-                      <a:pPr marL="0" marR="0" algn="ctr">
-                        <a:lnSpc>
-                          <a:spcPct val="107000"/>
-                        </a:lnSpc>
-                        <a:spcBef>
-                          <a:spcPts val="0"/>
-                        </a:spcBef>
-                        <a:spcAft>
-                          <a:spcPts val="0"/>
-                        </a:spcAft>
-                      </a:pPr>
-                      <a:r>
-                        <a:rPr lang="en-US" sz="1600">
-                          <a:effectLst/>
-                        </a:rPr>
-                        <a:t>09:00</a:t>
-                      </a:r>
-                      <a:endParaRPr lang="en-US" sz="1600">
-                        <a:effectLst/>
-                        <a:latin typeface="Times New Roman" panose="02020603050405020304" pitchFamily="18" charset="0"/>
-                        <a:ea typeface="Calibri" panose="020F0502020204030204" pitchFamily="34" charset="0"/>
-                        <a:cs typeface="Times New Roman" panose="02020603050405020304" pitchFamily="18" charset="0"/>
-                      </a:endParaRPr>
-                    </a:p>
-                  </a:txBody>
-                  <a:tcPr marL="68580" marR="68580" marT="0" marB="0" anchor="ctr"/>
-                </a:tc>
-                <a:tc>
-                  <a:txBody>
-                    <a:bodyPr/>
-                    <a:lstStyle/>
-                    <a:p>
-                      <a:pPr marL="0" marR="0" algn="ctr">
-                        <a:lnSpc>
-                          <a:spcPct val="107000"/>
-                        </a:lnSpc>
-                        <a:spcBef>
-                          <a:spcPts val="0"/>
-                        </a:spcBef>
-                        <a:spcAft>
-                          <a:spcPts val="0"/>
-                        </a:spcAft>
-                      </a:pPr>
-                      <a:r>
-                        <a:rPr lang="en-US" sz="1600">
-                          <a:effectLst/>
-                        </a:rPr>
-                        <a:t>10:00</a:t>
-                      </a:r>
-                      <a:endParaRPr lang="en-US" sz="1600">
-                        <a:effectLst/>
-                        <a:latin typeface="Times New Roman" panose="02020603050405020304" pitchFamily="18" charset="0"/>
-                        <a:ea typeface="Calibri" panose="020F0502020204030204" pitchFamily="34" charset="0"/>
-                        <a:cs typeface="Times New Roman" panose="02020603050405020304" pitchFamily="18" charset="0"/>
-                      </a:endParaRPr>
-                    </a:p>
-                  </a:txBody>
-                  <a:tcPr marL="68580" marR="68580" marT="0" marB="0" anchor="ctr"/>
-                </a:tc>
-                <a:extLst>
-                  <a:ext uri="{0D108BD9-81ED-4DB2-BD59-A6C34878D82A}">
-                    <a16:rowId xmlns:a16="http://schemas.microsoft.com/office/drawing/2014/main" val="659605874"/>
-                  </a:ext>
-                </a:extLst>
-              </a:tr>
-              <a:tr h="500513">
-                <a:tc>
-                  <a:txBody>
-                    <a:bodyPr/>
-                    <a:lstStyle/>
-                    <a:p>
-                      <a:pPr marL="0" marR="0" algn="ctr">
-                        <a:lnSpc>
-                          <a:spcPct val="107000"/>
-                        </a:lnSpc>
-                        <a:spcBef>
-                          <a:spcPts val="0"/>
-                        </a:spcBef>
-                        <a:spcAft>
-                          <a:spcPts val="0"/>
-                        </a:spcAft>
-                      </a:pPr>
-                      <a:r>
-                        <a:rPr lang="en-US" sz="1600">
-                          <a:effectLst/>
-                        </a:rPr>
-                        <a:t>5</a:t>
-                      </a:r>
-                      <a:endParaRPr lang="en-US" sz="1600">
-                        <a:effectLst/>
-                        <a:latin typeface="Times New Roman" panose="02020603050405020304" pitchFamily="18" charset="0"/>
-                        <a:ea typeface="Calibri" panose="020F0502020204030204" pitchFamily="34" charset="0"/>
-                        <a:cs typeface="Times New Roman" panose="02020603050405020304" pitchFamily="18" charset="0"/>
-                      </a:endParaRPr>
-                    </a:p>
-                  </a:txBody>
-                  <a:tcPr marL="68580" marR="68580" marT="0" marB="0" anchor="ctr"/>
-                </a:tc>
-                <a:tc>
-                  <a:txBody>
-                    <a:bodyPr/>
-                    <a:lstStyle/>
-                    <a:p>
-                      <a:pPr marL="0" marR="0" algn="ctr">
-                        <a:lnSpc>
-                          <a:spcPct val="107000"/>
-                        </a:lnSpc>
-                        <a:spcBef>
-                          <a:spcPts val="0"/>
-                        </a:spcBef>
-                        <a:spcAft>
-                          <a:spcPts val="0"/>
-                        </a:spcAft>
-                      </a:pPr>
-                      <a:r>
-                        <a:rPr lang="en-US" sz="1600">
-                          <a:effectLst/>
-                        </a:rPr>
-                        <a:t>116.130997</a:t>
-                      </a:r>
-                      <a:endParaRPr lang="en-US" sz="1600">
-                        <a:effectLst/>
-                        <a:latin typeface="Times New Roman" panose="02020603050405020304" pitchFamily="18" charset="0"/>
-                        <a:ea typeface="Calibri" panose="020F0502020204030204" pitchFamily="34" charset="0"/>
-                        <a:cs typeface="Times New Roman" panose="02020603050405020304" pitchFamily="18" charset="0"/>
-                      </a:endParaRPr>
-                    </a:p>
-                  </a:txBody>
-                  <a:tcPr marL="68580" marR="68580" marT="0" marB="0" anchor="ctr"/>
-                </a:tc>
-                <a:tc>
-                  <a:txBody>
-                    <a:bodyPr/>
-                    <a:lstStyle/>
-                    <a:p>
-                      <a:pPr marL="0" marR="0" algn="ctr">
-                        <a:lnSpc>
-                          <a:spcPct val="107000"/>
-                        </a:lnSpc>
-                        <a:spcBef>
-                          <a:spcPts val="0"/>
-                        </a:spcBef>
-                        <a:spcAft>
-                          <a:spcPts val="0"/>
-                        </a:spcAft>
-                      </a:pPr>
-                      <a:r>
-                        <a:rPr lang="en-US" sz="1600">
-                          <a:effectLst/>
-                        </a:rPr>
-                        <a:t>39.825921</a:t>
-                      </a:r>
-                      <a:endParaRPr lang="en-US" sz="1600">
-                        <a:effectLst/>
-                        <a:latin typeface="Times New Roman" panose="02020603050405020304" pitchFamily="18" charset="0"/>
-                        <a:ea typeface="Calibri" panose="020F0502020204030204" pitchFamily="34" charset="0"/>
-                        <a:cs typeface="Times New Roman" panose="02020603050405020304" pitchFamily="18" charset="0"/>
-                      </a:endParaRPr>
-                    </a:p>
-                  </a:txBody>
-                  <a:tcPr marL="68580" marR="68580" marT="0" marB="0" anchor="ctr"/>
-                </a:tc>
-                <a:tc>
-                  <a:txBody>
-                    <a:bodyPr/>
-                    <a:lstStyle/>
-                    <a:p>
-                      <a:pPr marL="0" marR="0" algn="ctr">
-                        <a:lnSpc>
-                          <a:spcPct val="107000"/>
-                        </a:lnSpc>
-                        <a:spcBef>
-                          <a:spcPts val="0"/>
-                        </a:spcBef>
-                        <a:spcAft>
-                          <a:spcPts val="0"/>
-                        </a:spcAft>
-                      </a:pPr>
-                      <a:r>
-                        <a:rPr lang="en-US" sz="1600">
-                          <a:effectLst/>
-                        </a:rPr>
-                        <a:t>0.0198</a:t>
-                      </a:r>
-                      <a:endParaRPr lang="en-US" sz="1600">
-                        <a:effectLst/>
-                        <a:latin typeface="Times New Roman" panose="02020603050405020304" pitchFamily="18" charset="0"/>
-                        <a:ea typeface="Calibri" panose="020F0502020204030204" pitchFamily="34" charset="0"/>
-                        <a:cs typeface="Times New Roman" panose="02020603050405020304" pitchFamily="18" charset="0"/>
-                      </a:endParaRPr>
-                    </a:p>
-                  </a:txBody>
-                  <a:tcPr marL="68580" marR="68580" marT="0" marB="0" anchor="ctr"/>
-                </a:tc>
-                <a:tc>
-                  <a:txBody>
-                    <a:bodyPr/>
-                    <a:lstStyle/>
-                    <a:p>
-                      <a:pPr marL="0" marR="0" algn="ctr">
-                        <a:lnSpc>
-                          <a:spcPct val="107000"/>
-                        </a:lnSpc>
-                        <a:spcBef>
-                          <a:spcPts val="0"/>
-                        </a:spcBef>
-                        <a:spcAft>
-                          <a:spcPts val="0"/>
-                        </a:spcAft>
-                      </a:pPr>
-                      <a:r>
-                        <a:rPr lang="en-US" sz="1600" dirty="0">
-                          <a:effectLst/>
-                        </a:rPr>
-                        <a:t>0.1117</a:t>
-                      </a:r>
-                      <a:endParaRPr lang="en-US" sz="1600" dirty="0">
-                        <a:effectLst/>
-                        <a:latin typeface="Times New Roman" panose="02020603050405020304" pitchFamily="18" charset="0"/>
-                        <a:ea typeface="Calibri" panose="020F0502020204030204" pitchFamily="34" charset="0"/>
-                        <a:cs typeface="Times New Roman" panose="02020603050405020304" pitchFamily="18" charset="0"/>
-                      </a:endParaRPr>
-                    </a:p>
-                  </a:txBody>
-                  <a:tcPr marL="68580" marR="68580" marT="0" marB="0" anchor="ctr"/>
-                </a:tc>
-                <a:tc>
-                  <a:txBody>
-                    <a:bodyPr/>
-                    <a:lstStyle/>
-                    <a:p>
-                      <a:pPr marL="0" marR="0" algn="ctr">
-                        <a:lnSpc>
-                          <a:spcPct val="107000"/>
-                        </a:lnSpc>
-                        <a:spcBef>
-                          <a:spcPts val="0"/>
-                        </a:spcBef>
-                        <a:spcAft>
-                          <a:spcPts val="0"/>
-                        </a:spcAft>
-                      </a:pPr>
-                      <a:r>
-                        <a:rPr lang="en-US" sz="1600" dirty="0">
-                          <a:effectLst/>
-                        </a:rPr>
-                        <a:t>11:00</a:t>
-                      </a:r>
-                      <a:endParaRPr lang="en-US" sz="1600" dirty="0">
-                        <a:effectLst/>
-                        <a:latin typeface="Times New Roman" panose="02020603050405020304" pitchFamily="18" charset="0"/>
-                        <a:ea typeface="Calibri" panose="020F0502020204030204" pitchFamily="34" charset="0"/>
-                        <a:cs typeface="Times New Roman" panose="02020603050405020304" pitchFamily="18" charset="0"/>
-                      </a:endParaRPr>
-                    </a:p>
-                  </a:txBody>
-                  <a:tcPr marL="68580" marR="68580" marT="0" marB="0" anchor="ctr"/>
-                </a:tc>
-                <a:tc>
-                  <a:txBody>
-                    <a:bodyPr/>
-                    <a:lstStyle/>
-                    <a:p>
-                      <a:pPr marL="0" marR="0" algn="ctr">
-                        <a:lnSpc>
-                          <a:spcPct val="107000"/>
-                        </a:lnSpc>
-                        <a:spcBef>
-                          <a:spcPts val="0"/>
-                        </a:spcBef>
-                        <a:spcAft>
-                          <a:spcPts val="0"/>
-                        </a:spcAft>
-                      </a:pPr>
-                      <a:r>
-                        <a:rPr lang="en-US" sz="1600">
-                          <a:effectLst/>
-                        </a:rPr>
-                        <a:t>13:30</a:t>
-                      </a:r>
-                      <a:endParaRPr lang="en-US" sz="1600">
-                        <a:effectLst/>
-                        <a:latin typeface="Times New Roman" panose="02020603050405020304" pitchFamily="18" charset="0"/>
-                        <a:ea typeface="Calibri" panose="020F0502020204030204" pitchFamily="34" charset="0"/>
-                        <a:cs typeface="Times New Roman" panose="02020603050405020304" pitchFamily="18" charset="0"/>
-                      </a:endParaRPr>
-                    </a:p>
-                  </a:txBody>
-                  <a:tcPr marL="68580" marR="68580" marT="0" marB="0" anchor="ctr"/>
-                </a:tc>
-                <a:extLst>
-                  <a:ext uri="{0D108BD9-81ED-4DB2-BD59-A6C34878D82A}">
-                    <a16:rowId xmlns:a16="http://schemas.microsoft.com/office/drawing/2014/main" val="2509272945"/>
-                  </a:ext>
-                </a:extLst>
-              </a:tr>
-              <a:tr h="470025">
-                <a:tc>
-                  <a:txBody>
-                    <a:bodyPr/>
-                    <a:lstStyle/>
-                    <a:p>
-                      <a:pPr marL="0" marR="0" algn="ctr">
-                        <a:lnSpc>
-                          <a:spcPct val="107000"/>
-                        </a:lnSpc>
-                        <a:spcBef>
-                          <a:spcPts val="0"/>
-                        </a:spcBef>
-                        <a:spcAft>
-                          <a:spcPts val="0"/>
-                        </a:spcAft>
-                      </a:pPr>
-                      <a:r>
-                        <a:rPr lang="en-US" sz="1600">
-                          <a:effectLst/>
-                        </a:rPr>
-                        <a:t>…</a:t>
-                      </a:r>
-                      <a:endParaRPr lang="en-US" sz="1600">
-                        <a:effectLst/>
-                        <a:latin typeface="Times New Roman" panose="02020603050405020304" pitchFamily="18" charset="0"/>
-                        <a:ea typeface="Calibri" panose="020F0502020204030204" pitchFamily="34" charset="0"/>
-                        <a:cs typeface="Times New Roman" panose="02020603050405020304" pitchFamily="18" charset="0"/>
-                      </a:endParaRPr>
-                    </a:p>
-                  </a:txBody>
-                  <a:tcPr marL="68580" marR="68580" marT="0" marB="0" anchor="ctr"/>
-                </a:tc>
-                <a:tc>
-                  <a:txBody>
-                    <a:bodyPr/>
-                    <a:lstStyle/>
-                    <a:p>
-                      <a:pPr marL="0" marR="0" algn="ctr">
-                        <a:lnSpc>
-                          <a:spcPct val="107000"/>
-                        </a:lnSpc>
-                        <a:spcBef>
-                          <a:spcPts val="0"/>
-                        </a:spcBef>
-                        <a:spcAft>
-                          <a:spcPts val="0"/>
-                        </a:spcAft>
-                      </a:pPr>
-                      <a:r>
-                        <a:rPr lang="en-US" sz="1600">
-                          <a:effectLst/>
-                        </a:rPr>
-                        <a:t>…</a:t>
-                      </a:r>
-                      <a:endParaRPr lang="en-US" sz="1600">
-                        <a:effectLst/>
-                        <a:latin typeface="Times New Roman" panose="02020603050405020304" pitchFamily="18" charset="0"/>
-                        <a:ea typeface="Calibri" panose="020F0502020204030204" pitchFamily="34" charset="0"/>
-                        <a:cs typeface="Times New Roman" panose="02020603050405020304" pitchFamily="18" charset="0"/>
-                      </a:endParaRPr>
-                    </a:p>
-                  </a:txBody>
-                  <a:tcPr marL="68580" marR="68580" marT="0" marB="0" anchor="ctr"/>
-                </a:tc>
-                <a:tc>
-                  <a:txBody>
-                    <a:bodyPr/>
-                    <a:lstStyle/>
-                    <a:p>
-                      <a:pPr marL="0" marR="0" algn="ctr">
-                        <a:lnSpc>
-                          <a:spcPct val="107000"/>
-                        </a:lnSpc>
-                        <a:spcBef>
-                          <a:spcPts val="0"/>
-                        </a:spcBef>
-                        <a:spcAft>
-                          <a:spcPts val="0"/>
-                        </a:spcAft>
-                      </a:pPr>
-                      <a:r>
-                        <a:rPr lang="en-US" sz="1600">
-                          <a:effectLst/>
-                        </a:rPr>
-                        <a:t>…</a:t>
-                      </a:r>
-                      <a:endParaRPr lang="en-US" sz="1600">
-                        <a:effectLst/>
-                        <a:latin typeface="Times New Roman" panose="02020603050405020304" pitchFamily="18" charset="0"/>
-                        <a:ea typeface="Calibri" panose="020F0502020204030204" pitchFamily="34" charset="0"/>
-                        <a:cs typeface="Times New Roman" panose="02020603050405020304" pitchFamily="18" charset="0"/>
-                      </a:endParaRPr>
-                    </a:p>
-                  </a:txBody>
-                  <a:tcPr marL="68580" marR="68580" marT="0" marB="0" anchor="ctr"/>
-                </a:tc>
-                <a:tc>
-                  <a:txBody>
-                    <a:bodyPr/>
-                    <a:lstStyle/>
-                    <a:p>
-                      <a:pPr marL="0" marR="0" algn="ctr">
-                        <a:lnSpc>
-                          <a:spcPct val="107000"/>
-                        </a:lnSpc>
-                        <a:spcBef>
-                          <a:spcPts val="0"/>
-                        </a:spcBef>
-                        <a:spcAft>
-                          <a:spcPts val="0"/>
-                        </a:spcAft>
-                      </a:pPr>
-                      <a:r>
-                        <a:rPr lang="en-US" sz="1600">
-                          <a:effectLst/>
-                        </a:rPr>
-                        <a:t>…</a:t>
-                      </a:r>
-                      <a:endParaRPr lang="en-US" sz="1600">
-                        <a:effectLst/>
-                        <a:latin typeface="Times New Roman" panose="02020603050405020304" pitchFamily="18" charset="0"/>
-                        <a:ea typeface="Calibri" panose="020F0502020204030204" pitchFamily="34" charset="0"/>
-                        <a:cs typeface="Times New Roman" panose="02020603050405020304" pitchFamily="18" charset="0"/>
-                      </a:endParaRPr>
-                    </a:p>
-                  </a:txBody>
-                  <a:tcPr marL="68580" marR="68580" marT="0" marB="0" anchor="ctr"/>
-                </a:tc>
-                <a:tc>
-                  <a:txBody>
-                    <a:bodyPr/>
-                    <a:lstStyle/>
-                    <a:p>
-                      <a:pPr marL="0" marR="0" algn="ctr">
-                        <a:lnSpc>
-                          <a:spcPct val="107000"/>
-                        </a:lnSpc>
-                        <a:spcBef>
-                          <a:spcPts val="0"/>
-                        </a:spcBef>
-                        <a:spcAft>
-                          <a:spcPts val="0"/>
-                        </a:spcAft>
-                      </a:pPr>
-                      <a:r>
-                        <a:rPr lang="en-US" sz="1600">
-                          <a:effectLst/>
-                        </a:rPr>
-                        <a:t>…</a:t>
-                      </a:r>
-                      <a:endParaRPr lang="en-US" sz="1600">
-                        <a:effectLst/>
-                        <a:latin typeface="Times New Roman" panose="02020603050405020304" pitchFamily="18" charset="0"/>
-                        <a:ea typeface="Calibri" panose="020F0502020204030204" pitchFamily="34" charset="0"/>
-                        <a:cs typeface="Times New Roman" panose="02020603050405020304" pitchFamily="18" charset="0"/>
-                      </a:endParaRPr>
-                    </a:p>
-                  </a:txBody>
-                  <a:tcPr marL="68580" marR="68580" marT="0" marB="0" anchor="ctr"/>
-                </a:tc>
-                <a:tc>
-                  <a:txBody>
-                    <a:bodyPr/>
-                    <a:lstStyle/>
-                    <a:p>
-                      <a:pPr marL="0" marR="0" algn="ctr">
-                        <a:lnSpc>
-                          <a:spcPct val="107000"/>
-                        </a:lnSpc>
-                        <a:spcBef>
-                          <a:spcPts val="0"/>
-                        </a:spcBef>
-                        <a:spcAft>
-                          <a:spcPts val="0"/>
-                        </a:spcAft>
-                      </a:pPr>
-                      <a:r>
-                        <a:rPr lang="en-US" sz="1600" dirty="0">
-                          <a:effectLst/>
-                        </a:rPr>
-                        <a:t>…</a:t>
-                      </a:r>
-                      <a:endParaRPr lang="en-US" sz="1600" dirty="0">
-                        <a:effectLst/>
-                        <a:latin typeface="Times New Roman" panose="02020603050405020304" pitchFamily="18" charset="0"/>
-                        <a:ea typeface="Calibri" panose="020F0502020204030204" pitchFamily="34" charset="0"/>
-                        <a:cs typeface="Times New Roman" panose="02020603050405020304" pitchFamily="18" charset="0"/>
-                      </a:endParaRPr>
-                    </a:p>
-                  </a:txBody>
-                  <a:tcPr marL="68580" marR="68580" marT="0" marB="0" anchor="ctr"/>
-                </a:tc>
-                <a:tc>
-                  <a:txBody>
-                    <a:bodyPr/>
-                    <a:lstStyle/>
-                    <a:p>
-                      <a:pPr marL="0" marR="0" algn="ctr">
-                        <a:lnSpc>
-                          <a:spcPct val="107000"/>
-                        </a:lnSpc>
-                        <a:spcBef>
-                          <a:spcPts val="0"/>
-                        </a:spcBef>
-                        <a:spcAft>
-                          <a:spcPts val="0"/>
-                        </a:spcAft>
-                      </a:pPr>
-                      <a:r>
-                        <a:rPr lang="en-US" sz="1600" dirty="0">
-                          <a:effectLst/>
-                        </a:rPr>
-                        <a:t>…</a:t>
-                      </a:r>
-                      <a:endParaRPr lang="en-US" sz="1600" dirty="0">
-                        <a:effectLst/>
-                        <a:latin typeface="Times New Roman" panose="02020603050405020304" pitchFamily="18" charset="0"/>
-                        <a:ea typeface="Calibri" panose="020F0502020204030204" pitchFamily="34" charset="0"/>
-                        <a:cs typeface="Times New Roman" panose="02020603050405020304" pitchFamily="18" charset="0"/>
-                      </a:endParaRPr>
-                    </a:p>
-                  </a:txBody>
-                  <a:tcPr marL="68580" marR="68580" marT="0" marB="0" anchor="ctr"/>
-                </a:tc>
-                <a:extLst>
-                  <a:ext uri="{0D108BD9-81ED-4DB2-BD59-A6C34878D82A}">
-                    <a16:rowId xmlns:a16="http://schemas.microsoft.com/office/drawing/2014/main" val="1184390986"/>
-                  </a:ext>
-                </a:extLst>
-              </a:tr>
-              <a:tr h="500513">
-                <a:tc>
-                  <a:txBody>
-                    <a:bodyPr/>
-                    <a:lstStyle/>
-                    <a:p>
-                      <a:pPr marL="0" marR="0" algn="ctr">
-                        <a:lnSpc>
-                          <a:spcPct val="107000"/>
-                        </a:lnSpc>
-                        <a:spcBef>
-                          <a:spcPts val="0"/>
-                        </a:spcBef>
-                        <a:spcAft>
-                          <a:spcPts val="0"/>
-                        </a:spcAft>
-                      </a:pPr>
-                      <a:r>
-                        <a:rPr lang="en-US" sz="1600" dirty="0">
-                          <a:solidFill>
-                            <a:srgbClr val="FF0000"/>
-                          </a:solidFill>
-                          <a:effectLst/>
-                        </a:rPr>
-                        <a:t>50</a:t>
-                      </a:r>
-                      <a:endParaRPr lang="en-US" sz="1600" dirty="0">
-                        <a:solidFill>
-                          <a:srgbClr val="FF0000"/>
-                        </a:solidFill>
-                        <a:effectLst/>
-                        <a:latin typeface="Times New Roman" panose="02020603050405020304" pitchFamily="18" charset="0"/>
-                        <a:ea typeface="Calibri" panose="020F0502020204030204" pitchFamily="34" charset="0"/>
-                        <a:cs typeface="Times New Roman" panose="02020603050405020304" pitchFamily="18" charset="0"/>
-                      </a:endParaRPr>
-                    </a:p>
-                  </a:txBody>
-                  <a:tcPr marL="68580" marR="68580" marT="0" marB="0" anchor="ctr"/>
-                </a:tc>
-                <a:tc>
-                  <a:txBody>
-                    <a:bodyPr/>
-                    <a:lstStyle/>
-                    <a:p>
-                      <a:pPr marL="0" marR="0" algn="ctr">
-                        <a:lnSpc>
-                          <a:spcPct val="107000"/>
-                        </a:lnSpc>
-                        <a:spcBef>
-                          <a:spcPts val="0"/>
-                        </a:spcBef>
-                        <a:spcAft>
-                          <a:spcPts val="0"/>
-                        </a:spcAft>
-                      </a:pPr>
-                      <a:r>
-                        <a:rPr lang="en-US" sz="1600" dirty="0">
-                          <a:effectLst/>
-                        </a:rPr>
-                        <a:t>116.214509</a:t>
-                      </a:r>
-                      <a:endParaRPr lang="en-US" sz="1600" dirty="0">
-                        <a:effectLst/>
-                        <a:latin typeface="Times New Roman" panose="02020603050405020304" pitchFamily="18" charset="0"/>
-                        <a:ea typeface="Calibri" panose="020F0502020204030204" pitchFamily="34" charset="0"/>
-                        <a:cs typeface="Times New Roman" panose="02020603050405020304" pitchFamily="18" charset="0"/>
-                      </a:endParaRPr>
-                    </a:p>
-                  </a:txBody>
-                  <a:tcPr marL="68580" marR="68580" marT="0" marB="0" anchor="ctr"/>
-                </a:tc>
-                <a:tc>
-                  <a:txBody>
-                    <a:bodyPr/>
-                    <a:lstStyle/>
-                    <a:p>
-                      <a:pPr marL="0" marR="0" algn="ctr">
-                        <a:lnSpc>
-                          <a:spcPct val="107000"/>
-                        </a:lnSpc>
-                        <a:spcBef>
-                          <a:spcPts val="0"/>
-                        </a:spcBef>
-                        <a:spcAft>
-                          <a:spcPts val="0"/>
-                        </a:spcAft>
-                      </a:pPr>
-                      <a:r>
-                        <a:rPr lang="en-US" sz="1600" dirty="0">
-                          <a:effectLst/>
-                        </a:rPr>
-                        <a:t>40.122890</a:t>
-                      </a:r>
-                      <a:endParaRPr lang="en-US" sz="1600" dirty="0">
-                        <a:effectLst/>
-                        <a:latin typeface="Times New Roman" panose="02020603050405020304" pitchFamily="18" charset="0"/>
-                        <a:ea typeface="Calibri" panose="020F0502020204030204" pitchFamily="34" charset="0"/>
-                        <a:cs typeface="Times New Roman" panose="02020603050405020304" pitchFamily="18" charset="0"/>
-                      </a:endParaRPr>
-                    </a:p>
-                  </a:txBody>
-                  <a:tcPr marL="68580" marR="68580" marT="0" marB="0" anchor="ctr"/>
-                </a:tc>
-                <a:tc>
-                  <a:txBody>
-                    <a:bodyPr/>
-                    <a:lstStyle/>
-                    <a:p>
-                      <a:pPr marL="0" marR="0" algn="ctr">
-                        <a:lnSpc>
-                          <a:spcPct val="107000"/>
-                        </a:lnSpc>
-                        <a:spcBef>
-                          <a:spcPts val="0"/>
-                        </a:spcBef>
-                        <a:spcAft>
-                          <a:spcPts val="0"/>
-                        </a:spcAft>
-                      </a:pPr>
-                      <a:r>
-                        <a:rPr lang="en-US" sz="1600">
-                          <a:effectLst/>
-                        </a:rPr>
-                        <a:t>0.01697</a:t>
-                      </a:r>
-                      <a:endParaRPr lang="en-US" sz="1600">
-                        <a:effectLst/>
-                        <a:latin typeface="Times New Roman" panose="02020603050405020304" pitchFamily="18" charset="0"/>
-                        <a:ea typeface="Calibri" panose="020F0502020204030204" pitchFamily="34" charset="0"/>
-                        <a:cs typeface="Times New Roman" panose="02020603050405020304" pitchFamily="18" charset="0"/>
-                      </a:endParaRPr>
-                    </a:p>
-                  </a:txBody>
-                  <a:tcPr marL="68580" marR="68580" marT="0" marB="0" anchor="ctr"/>
-                </a:tc>
-                <a:tc>
-                  <a:txBody>
-                    <a:bodyPr/>
-                    <a:lstStyle/>
-                    <a:p>
-                      <a:pPr marL="0" marR="0" algn="ctr">
-                        <a:lnSpc>
-                          <a:spcPct val="107000"/>
-                        </a:lnSpc>
-                        <a:spcBef>
-                          <a:spcPts val="0"/>
-                        </a:spcBef>
-                        <a:spcAft>
-                          <a:spcPts val="0"/>
-                        </a:spcAft>
-                      </a:pPr>
-                      <a:r>
-                        <a:rPr lang="en-US" sz="1600">
-                          <a:effectLst/>
-                        </a:rPr>
-                        <a:t>0.0260</a:t>
-                      </a:r>
-                      <a:endParaRPr lang="en-US" sz="1600">
-                        <a:effectLst/>
-                        <a:latin typeface="Times New Roman" panose="02020603050405020304" pitchFamily="18" charset="0"/>
-                        <a:ea typeface="Calibri" panose="020F0502020204030204" pitchFamily="34" charset="0"/>
-                        <a:cs typeface="Times New Roman" panose="02020603050405020304" pitchFamily="18" charset="0"/>
-                      </a:endParaRPr>
-                    </a:p>
-                  </a:txBody>
-                  <a:tcPr marL="68580" marR="68580" marT="0" marB="0" anchor="ctr"/>
-                </a:tc>
-                <a:tc>
-                  <a:txBody>
-                    <a:bodyPr/>
-                    <a:lstStyle/>
-                    <a:p>
-                      <a:pPr marL="0" marR="0" algn="ctr">
-                        <a:lnSpc>
-                          <a:spcPct val="107000"/>
-                        </a:lnSpc>
-                        <a:spcBef>
-                          <a:spcPts val="0"/>
-                        </a:spcBef>
-                        <a:spcAft>
-                          <a:spcPts val="0"/>
-                        </a:spcAft>
-                      </a:pPr>
-                      <a:r>
-                        <a:rPr lang="en-US" sz="1600">
-                          <a:effectLst/>
-                        </a:rPr>
-                        <a:t>11:00</a:t>
-                      </a:r>
-                      <a:endParaRPr lang="en-US" sz="1600">
-                        <a:effectLst/>
-                        <a:latin typeface="Times New Roman" panose="02020603050405020304" pitchFamily="18" charset="0"/>
-                        <a:ea typeface="Calibri" panose="020F0502020204030204" pitchFamily="34" charset="0"/>
-                        <a:cs typeface="Times New Roman" panose="02020603050405020304" pitchFamily="18" charset="0"/>
-                      </a:endParaRPr>
-                    </a:p>
-                  </a:txBody>
-                  <a:tcPr marL="68580" marR="68580" marT="0" marB="0" anchor="ctr"/>
-                </a:tc>
-                <a:tc>
-                  <a:txBody>
-                    <a:bodyPr/>
-                    <a:lstStyle/>
-                    <a:p>
-                      <a:pPr marL="0" marR="0" algn="ctr">
-                        <a:lnSpc>
-                          <a:spcPct val="107000"/>
-                        </a:lnSpc>
-                        <a:spcBef>
-                          <a:spcPts val="0"/>
-                        </a:spcBef>
-                        <a:spcAft>
-                          <a:spcPts val="0"/>
-                        </a:spcAft>
-                      </a:pPr>
-                      <a:r>
-                        <a:rPr lang="en-US" sz="1600" dirty="0">
-                          <a:effectLst/>
-                        </a:rPr>
-                        <a:t>12:00</a:t>
-                      </a:r>
-                      <a:endParaRPr lang="en-US" sz="1600" dirty="0">
-                        <a:effectLst/>
-                        <a:latin typeface="Times New Roman" panose="02020603050405020304" pitchFamily="18" charset="0"/>
-                        <a:ea typeface="Calibri" panose="020F0502020204030204" pitchFamily="34" charset="0"/>
-                        <a:cs typeface="Times New Roman" panose="02020603050405020304" pitchFamily="18" charset="0"/>
-                      </a:endParaRPr>
-                    </a:p>
-                  </a:txBody>
-                  <a:tcPr marL="68580" marR="68580" marT="0" marB="0" anchor="ctr"/>
-                </a:tc>
-                <a:extLst>
-                  <a:ext uri="{0D108BD9-81ED-4DB2-BD59-A6C34878D82A}">
-                    <a16:rowId xmlns:a16="http://schemas.microsoft.com/office/drawing/2014/main" val="3402876790"/>
-                  </a:ext>
-                </a:extLst>
-              </a:tr>
-            </a:tbl>
-          </a:graphicData>
-        </a:graphic>
-      </p:graphicFrame>
-      <p:sp>
-        <p:nvSpPr>
-          <p:cNvPr id="4" name="Date Placeholder 3"/>
+          <p:cNvPr id="4" name="Date Placeholder 3">
+            <a:extLst>
+              <a:ext uri="{FF2B5EF4-FFF2-40B4-BE49-F238E27FC236}">
+                <a16:creationId xmlns:a16="http://schemas.microsoft.com/office/drawing/2014/main" id="{77BEF33A-F531-6247-9939-5613E17FF30A}"/>
+              </a:ext>
+            </a:extLst>
+          </p:cNvPr>
           <p:cNvSpPr>
             <a:spLocks noGrp="1"/>
           </p:cNvSpPr>
@@ -6706,7 +4708,13 @@
       </p:sp>
       <p:sp>
         <p:nvSpPr>
-          <p:cNvPr id="5" name="Footer Placeholder 4"/>
+          <p:cNvPr id="5" name="Footer Placeholder 4">
+            <a:extLst>
+              <a:ext uri="{FF2B5EF4-FFF2-40B4-BE49-F238E27FC236}">
+                <a16:creationId xmlns:a16="http://schemas.microsoft.com/office/drawing/2014/main" id="{8BE8F01A-419E-E849-A195-4D2C941AC143}"/>
+              </a:ext>
+            </a:extLst>
+          </p:cNvPr>
           <p:cNvSpPr>
             <a:spLocks noGrp="1"/>
           </p:cNvSpPr>
@@ -6732,7 +4740,13 @@
       </p:sp>
       <p:sp>
         <p:nvSpPr>
-          <p:cNvPr id="6" name="Slide Number Placeholder 5"/>
+          <p:cNvPr id="6" name="Slide Number Placeholder 5">
+            <a:extLst>
+              <a:ext uri="{FF2B5EF4-FFF2-40B4-BE49-F238E27FC236}">
+                <a16:creationId xmlns:a16="http://schemas.microsoft.com/office/drawing/2014/main" id="{DB7DAC8E-DD91-DA4F-AF10-EDBEE45489C2}"/>
+              </a:ext>
+            </a:extLst>
+          </p:cNvPr>
           <p:cNvSpPr>
             <a:spLocks noGrp="1"/>
           </p:cNvSpPr>
@@ -6759,10 +4773,103 @@
           </a:p>
         </p:txBody>
       </p:sp>
+      <p:sp>
+        <p:nvSpPr>
+          <p:cNvPr id="8" name="Title 9">
+            <a:extLst>
+              <a:ext uri="{FF2B5EF4-FFF2-40B4-BE49-F238E27FC236}">
+                <a16:creationId xmlns:a16="http://schemas.microsoft.com/office/drawing/2014/main" id="{6CCE9938-1107-3145-A83E-6AD3397EF90B}"/>
+              </a:ext>
+            </a:extLst>
+          </p:cNvPr>
+          <p:cNvSpPr>
+            <a:spLocks noGrp="1"/>
+          </p:cNvSpPr>
+          <p:nvPr>
+            <p:ph type="title"/>
+          </p:nvPr>
+        </p:nvSpPr>
+        <p:spPr>
+          <a:xfrm>
+            <a:off x="628650" y="685800"/>
+            <a:ext cx="7886700" cy="1325563"/>
+          </a:xfrm>
+        </p:spPr>
+        <p:txBody>
+          <a:bodyPr/>
+          <a:lstStyle/>
+          <a:p>
+            <a:r>
+              <a:rPr lang="en-US" altLang="zh-CN" dirty="0">
+                <a:latin typeface="Times New Roman" panose="02020603050405020304" pitchFamily="18" charset="0"/>
+                <a:cs typeface="Times New Roman" panose="02020603050405020304" pitchFamily="18" charset="0"/>
+              </a:rPr>
+              <a:t>Mathematic</a:t>
+            </a:r>
+            <a:r>
+              <a:rPr lang="en-US" dirty="0">
+                <a:latin typeface="Times New Roman" panose="02020603050405020304" pitchFamily="18" charset="0"/>
+                <a:cs typeface="Times New Roman" panose="02020603050405020304" pitchFamily="18" charset="0"/>
+              </a:rPr>
+              <a:t> </a:t>
+            </a:r>
+            <a:r>
+              <a:rPr lang="en-US" altLang="zh-CN" dirty="0">
+                <a:latin typeface="Times New Roman" panose="02020603050405020304" pitchFamily="18" charset="0"/>
+                <a:cs typeface="Times New Roman" panose="02020603050405020304" pitchFamily="18" charset="0"/>
+              </a:rPr>
+              <a:t>model</a:t>
+            </a:r>
+            <a:br>
+              <a:rPr lang="en-US" dirty="0">
+                <a:latin typeface="Times New Roman" panose="02020603050405020304" pitchFamily="18" charset="0"/>
+                <a:cs typeface="Times New Roman" panose="02020603050405020304" pitchFamily="18" charset="0"/>
+              </a:rPr>
+            </a:br>
+            <a:endParaRPr lang="en-US" dirty="0"/>
+          </a:p>
+        </p:txBody>
+      </p:sp>
+      <p:pic>
+        <p:nvPicPr>
+          <p:cNvPr id="3" name="Picture 2" descr="A close up of text on a white background&#13;&#10;&#13;&#10;Description automatically generated">
+            <a:extLst>
+              <a:ext uri="{FF2B5EF4-FFF2-40B4-BE49-F238E27FC236}">
+                <a16:creationId xmlns:a16="http://schemas.microsoft.com/office/drawing/2014/main" id="{AF5EECD5-BAB6-3B4A-9356-D8323BAC3441}"/>
+              </a:ext>
+            </a:extLst>
+          </p:cNvPr>
+          <p:cNvPicPr>
+            <a:picLocks noChangeAspect="1"/>
+          </p:cNvPicPr>
+          <p:nvPr/>
+        </p:nvPicPr>
+        <p:blipFill>
+          <a:blip r:embed="rId2">
+            <a:extLst>
+              <a:ext uri="{28A0092B-C50C-407E-A947-70E740481C1C}">
+                <a14:useLocalDpi xmlns:a14="http://schemas.microsoft.com/office/drawing/2010/main" val="0"/>
+              </a:ext>
+            </a:extLst>
+          </a:blip>
+          <a:stretch>
+            <a:fillRect/>
+          </a:stretch>
+        </p:blipFill>
+        <p:spPr>
+          <a:xfrm>
+            <a:off x="1507694" y="1403090"/>
+            <a:ext cx="6128611" cy="4953261"/>
+          </a:xfrm>
+          <a:prstGeom prst="rect">
+            <a:avLst/>
+          </a:prstGeom>
+        </p:spPr>
+      </p:pic>
     </p:spTree>
     <p:extLst>
       <p:ext uri="{BB962C8B-B14F-4D97-AF65-F5344CB8AC3E}">
-        <p14:creationId xmlns:p14="http://schemas.microsoft.com/office/powerpoint/2010/main" val="3485964811"/>
+        <p14:creationId xmlns:p14="http://schemas.microsoft.com/office/powerpoint/2010/main" val="1192125799"/>
       </p:ext>
     </p:extLst>
   </p:cSld>
@@ -6773,1184 +4880,6 @@
 </file>
 
 <file path=ppt/slides/slide11.xml><?xml version="1.0" encoding="utf-8"?>
-<p:sld xmlns:a="http://schemas.openxmlformats.org/drawingml/2006/main" xmlns:r="http://schemas.openxmlformats.org/officeDocument/2006/relationships" xmlns:p="http://schemas.openxmlformats.org/presentationml/2006/main">
-  <p:cSld>
-    <p:spTree>
-      <p:nvGrpSpPr>
-        <p:cNvPr id="1" name=""/>
-        <p:cNvGrpSpPr/>
-        <p:nvPr/>
-      </p:nvGrpSpPr>
-      <p:grpSpPr>
-        <a:xfrm>
-          <a:off x="0" y="0"/>
-          <a:ext cx="0" cy="0"/>
-          <a:chOff x="0" y="0"/>
-          <a:chExt cx="0" cy="0"/>
-        </a:xfrm>
-      </p:grpSpPr>
-      <p:sp>
-        <p:nvSpPr>
-          <p:cNvPr id="2" name="Title 1"/>
-          <p:cNvSpPr>
-            <a:spLocks noGrp="1"/>
-          </p:cNvSpPr>
-          <p:nvPr>
-            <p:ph type="title"/>
-          </p:nvPr>
-        </p:nvSpPr>
-        <p:spPr/>
-        <p:txBody>
-          <a:bodyPr/>
-          <a:lstStyle/>
-          <a:p>
-            <a:r>
-              <a:rPr lang="en-US" dirty="0">
-                <a:latin typeface="Times New Roman" panose="02020603050405020304" pitchFamily="18" charset="0"/>
-                <a:cs typeface="Times New Roman" panose="02020603050405020304" pitchFamily="18" charset="0"/>
-              </a:rPr>
-              <a:t>Data sample</a:t>
-            </a:r>
-          </a:p>
-        </p:txBody>
-      </p:sp>
-      <p:graphicFrame>
-        <p:nvGraphicFramePr>
-          <p:cNvPr id="7" name="Content Placeholder 6"/>
-          <p:cNvGraphicFramePr>
-            <a:graphicFrameLocks noGrp="1"/>
-          </p:cNvGraphicFramePr>
-          <p:nvPr>
-            <p:ph idx="1"/>
-            <p:extLst>
-              <p:ext uri="{D42A27DB-BD31-4B8C-83A1-F6EECF244321}">
-                <p14:modId xmlns:p14="http://schemas.microsoft.com/office/powerpoint/2010/main" val="2156341432"/>
-              </p:ext>
-            </p:extLst>
-          </p:nvPr>
-        </p:nvGraphicFramePr>
-        <p:xfrm>
-          <a:off x="628650" y="1600200"/>
-          <a:ext cx="7315200" cy="4038602"/>
-        </p:xfrm>
-        <a:graphic>
-          <a:graphicData uri="http://schemas.openxmlformats.org/drawingml/2006/table">
-            <a:tbl>
-              <a:tblPr firstRow="1" firstCol="1" bandRow="1">
-                <a:tableStyleId>{0505E3EF-67EA-436B-97B2-0124C06EBD24}</a:tableStyleId>
-              </a:tblPr>
-              <a:tblGrid>
-                <a:gridCol w="1645817">
-                  <a:extLst>
-                    <a:ext uri="{9D8B030D-6E8A-4147-A177-3AD203B41FA5}">
-                      <a16:colId xmlns:a16="http://schemas.microsoft.com/office/drawing/2014/main" val="1449701457"/>
-                    </a:ext>
-                  </a:extLst>
-                </a:gridCol>
-                <a:gridCol w="1645817">
-                  <a:extLst>
-                    <a:ext uri="{9D8B030D-6E8A-4147-A177-3AD203B41FA5}">
-                      <a16:colId xmlns:a16="http://schemas.microsoft.com/office/drawing/2014/main" val="1442554566"/>
-                    </a:ext>
-                  </a:extLst>
-                </a:gridCol>
-                <a:gridCol w="2103583">
-                  <a:extLst>
-                    <a:ext uri="{9D8B030D-6E8A-4147-A177-3AD203B41FA5}">
-                      <a16:colId xmlns:a16="http://schemas.microsoft.com/office/drawing/2014/main" val="3609414737"/>
-                    </a:ext>
-                  </a:extLst>
-                </a:gridCol>
-                <a:gridCol w="1919983">
-                  <a:extLst>
-                    <a:ext uri="{9D8B030D-6E8A-4147-A177-3AD203B41FA5}">
-                      <a16:colId xmlns:a16="http://schemas.microsoft.com/office/drawing/2014/main" val="1064152435"/>
-                    </a:ext>
-                  </a:extLst>
-                </a:gridCol>
-              </a:tblGrid>
-              <a:tr h="1020980">
-                <a:tc>
-                  <a:txBody>
-                    <a:bodyPr/>
-                    <a:lstStyle/>
-                    <a:p>
-                      <a:pPr marL="0" marR="0" algn="ctr">
-                        <a:lnSpc>
-                          <a:spcPct val="107000"/>
-                        </a:lnSpc>
-                        <a:spcBef>
-                          <a:spcPts val="0"/>
-                        </a:spcBef>
-                        <a:spcAft>
-                          <a:spcPts val="0"/>
-                        </a:spcAft>
-                      </a:pPr>
-                      <a:r>
-                        <a:rPr lang="en-US" sz="1400" dirty="0">
-                          <a:effectLst/>
-                        </a:rPr>
-                        <a:t>From Node</a:t>
-                      </a:r>
-                      <a:endParaRPr lang="en-US" sz="1400" dirty="0">
-                        <a:effectLst/>
-                        <a:latin typeface="Times New Roman" panose="02020603050405020304" pitchFamily="18" charset="0"/>
-                        <a:ea typeface="Calibri" panose="020F0502020204030204" pitchFamily="34" charset="0"/>
-                        <a:cs typeface="Times New Roman" panose="02020603050405020304" pitchFamily="18" charset="0"/>
-                      </a:endParaRPr>
-                    </a:p>
-                  </a:txBody>
-                  <a:tcPr marL="68580" marR="68580" marT="0" marB="0" anchor="ctr"/>
-                </a:tc>
-                <a:tc>
-                  <a:txBody>
-                    <a:bodyPr/>
-                    <a:lstStyle/>
-                    <a:p>
-                      <a:pPr marL="0" marR="0" algn="ctr">
-                        <a:lnSpc>
-                          <a:spcPct val="107000"/>
-                        </a:lnSpc>
-                        <a:spcBef>
-                          <a:spcPts val="0"/>
-                        </a:spcBef>
-                        <a:spcAft>
-                          <a:spcPts val="0"/>
-                        </a:spcAft>
-                      </a:pPr>
-                      <a:r>
-                        <a:rPr lang="en-US" sz="1400" dirty="0">
-                          <a:effectLst/>
-                        </a:rPr>
-                        <a:t>To Node</a:t>
-                      </a:r>
-                      <a:endParaRPr lang="en-US" sz="1400" dirty="0">
-                        <a:effectLst/>
-                        <a:latin typeface="Times New Roman" panose="02020603050405020304" pitchFamily="18" charset="0"/>
-                        <a:ea typeface="Calibri" panose="020F0502020204030204" pitchFamily="34" charset="0"/>
-                        <a:cs typeface="Times New Roman" panose="02020603050405020304" pitchFamily="18" charset="0"/>
-                      </a:endParaRPr>
-                    </a:p>
-                  </a:txBody>
-                  <a:tcPr marL="68580" marR="68580" marT="0" marB="0" anchor="ctr"/>
-                </a:tc>
-                <a:tc>
-                  <a:txBody>
-                    <a:bodyPr/>
-                    <a:lstStyle/>
-                    <a:p>
-                      <a:pPr marL="0" marR="0" algn="ctr">
-                        <a:lnSpc>
-                          <a:spcPct val="107000"/>
-                        </a:lnSpc>
-                        <a:spcBef>
-                          <a:spcPts val="0"/>
-                        </a:spcBef>
-                        <a:spcAft>
-                          <a:spcPts val="0"/>
-                        </a:spcAft>
-                      </a:pPr>
-                      <a:r>
-                        <a:rPr lang="en-US" sz="1400" dirty="0">
-                          <a:effectLst/>
-                        </a:rPr>
-                        <a:t>Distance</a:t>
-                      </a:r>
-                    </a:p>
-                    <a:p>
-                      <a:pPr marL="0" marR="0" algn="ctr">
-                        <a:lnSpc>
-                          <a:spcPct val="107000"/>
-                        </a:lnSpc>
-                        <a:spcBef>
-                          <a:spcPts val="0"/>
-                        </a:spcBef>
-                        <a:spcAft>
-                          <a:spcPts val="0"/>
-                        </a:spcAft>
-                      </a:pPr>
-                      <a:r>
-                        <a:rPr lang="en-US" sz="1400" dirty="0">
-                          <a:effectLst/>
-                        </a:rPr>
-                        <a:t>(kilometers)</a:t>
-                      </a:r>
-                      <a:endParaRPr lang="en-US" sz="1400" dirty="0">
-                        <a:effectLst/>
-                        <a:latin typeface="Times New Roman" panose="02020603050405020304" pitchFamily="18" charset="0"/>
-                        <a:ea typeface="Calibri" panose="020F0502020204030204" pitchFamily="34" charset="0"/>
-                        <a:cs typeface="Times New Roman" panose="02020603050405020304" pitchFamily="18" charset="0"/>
-                      </a:endParaRPr>
-                    </a:p>
-                  </a:txBody>
-                  <a:tcPr marL="68580" marR="68580" marT="0" marB="0" anchor="ctr"/>
-                </a:tc>
-                <a:tc>
-                  <a:txBody>
-                    <a:bodyPr/>
-                    <a:lstStyle/>
-                    <a:p>
-                      <a:pPr marL="0" marR="0" algn="ctr">
-                        <a:lnSpc>
-                          <a:spcPct val="107000"/>
-                        </a:lnSpc>
-                        <a:spcBef>
-                          <a:spcPts val="0"/>
-                        </a:spcBef>
-                        <a:spcAft>
-                          <a:spcPts val="0"/>
-                        </a:spcAft>
-                      </a:pPr>
-                      <a:r>
-                        <a:rPr lang="en-US" sz="1400" dirty="0">
-                          <a:effectLst/>
-                        </a:rPr>
-                        <a:t>Transport Time</a:t>
-                      </a:r>
-                    </a:p>
-                    <a:p>
-                      <a:pPr marL="0" marR="0" algn="ctr">
-                        <a:lnSpc>
-                          <a:spcPct val="107000"/>
-                        </a:lnSpc>
-                        <a:spcBef>
-                          <a:spcPts val="0"/>
-                        </a:spcBef>
-                        <a:spcAft>
-                          <a:spcPts val="0"/>
-                        </a:spcAft>
-                      </a:pPr>
-                      <a:r>
-                        <a:rPr lang="en-US" sz="1400" dirty="0">
-                          <a:effectLst/>
-                        </a:rPr>
-                        <a:t>(minutes)</a:t>
-                      </a:r>
-                      <a:endParaRPr lang="en-US" sz="1400" dirty="0">
-                        <a:effectLst/>
-                        <a:latin typeface="Times New Roman" panose="02020603050405020304" pitchFamily="18" charset="0"/>
-                        <a:ea typeface="Calibri" panose="020F0502020204030204" pitchFamily="34" charset="0"/>
-                        <a:cs typeface="Times New Roman" panose="02020603050405020304" pitchFamily="18" charset="0"/>
-                      </a:endParaRPr>
-                    </a:p>
-                  </a:txBody>
-                  <a:tcPr marL="68580" marR="68580" marT="0" marB="0" anchor="ctr"/>
-                </a:tc>
-                <a:extLst>
-                  <a:ext uri="{0D108BD9-81ED-4DB2-BD59-A6C34878D82A}">
-                    <a16:rowId xmlns:a16="http://schemas.microsoft.com/office/drawing/2014/main" val="742062856"/>
-                  </a:ext>
-                </a:extLst>
-              </a:tr>
-              <a:tr h="502937">
-                <a:tc>
-                  <a:txBody>
-                    <a:bodyPr/>
-                    <a:lstStyle/>
-                    <a:p>
-                      <a:pPr marL="0" marR="0" algn="ctr">
-                        <a:lnSpc>
-                          <a:spcPct val="107000"/>
-                        </a:lnSpc>
-                        <a:spcBef>
-                          <a:spcPts val="0"/>
-                        </a:spcBef>
-                        <a:spcAft>
-                          <a:spcPts val="0"/>
-                        </a:spcAft>
-                      </a:pPr>
-                      <a:r>
-                        <a:rPr lang="en-US" sz="1400" dirty="0">
-                          <a:effectLst/>
-                        </a:rPr>
-                        <a:t>0</a:t>
-                      </a:r>
-                      <a:endParaRPr lang="en-US" sz="1400" dirty="0">
-                        <a:effectLst/>
-                        <a:latin typeface="Times New Roman" panose="02020603050405020304" pitchFamily="18" charset="0"/>
-                        <a:ea typeface="Calibri" panose="020F0502020204030204" pitchFamily="34" charset="0"/>
-                        <a:cs typeface="Times New Roman" panose="02020603050405020304" pitchFamily="18" charset="0"/>
-                      </a:endParaRPr>
-                    </a:p>
-                  </a:txBody>
-                  <a:tcPr marL="68580" marR="68580" marT="0" marB="0" anchor="ctr"/>
-                </a:tc>
-                <a:tc>
-                  <a:txBody>
-                    <a:bodyPr/>
-                    <a:lstStyle/>
-                    <a:p>
-                      <a:pPr marL="0" marR="0" algn="ctr">
-                        <a:lnSpc>
-                          <a:spcPct val="107000"/>
-                        </a:lnSpc>
-                        <a:spcBef>
-                          <a:spcPts val="0"/>
-                        </a:spcBef>
-                        <a:spcAft>
-                          <a:spcPts val="0"/>
-                        </a:spcAft>
-                      </a:pPr>
-                      <a:r>
-                        <a:rPr lang="en-US" sz="1600" dirty="0">
-                          <a:effectLst/>
-                        </a:rPr>
-                        <a:t>1</a:t>
-                      </a:r>
-                      <a:endParaRPr lang="en-US" sz="2400" dirty="0">
-                        <a:effectLst/>
-                        <a:latin typeface="Times New Roman" panose="02020603050405020304" pitchFamily="18" charset="0"/>
-                        <a:ea typeface="Calibri" panose="020F0502020204030204" pitchFamily="34" charset="0"/>
-                        <a:cs typeface="Times New Roman" panose="02020603050405020304" pitchFamily="18" charset="0"/>
-                      </a:endParaRPr>
-                    </a:p>
-                  </a:txBody>
-                  <a:tcPr marL="68580" marR="68580" marT="0" marB="0" anchor="ctr"/>
-                </a:tc>
-                <a:tc>
-                  <a:txBody>
-                    <a:bodyPr/>
-                    <a:lstStyle/>
-                    <a:p>
-                      <a:pPr marL="0" marR="0" algn="ctr">
-                        <a:lnSpc>
-                          <a:spcPct val="107000"/>
-                        </a:lnSpc>
-                        <a:spcBef>
-                          <a:spcPts val="0"/>
-                        </a:spcBef>
-                        <a:spcAft>
-                          <a:spcPts val="0"/>
-                        </a:spcAft>
-                      </a:pPr>
-                      <a:r>
-                        <a:rPr lang="en-US" sz="1600" dirty="0">
-                          <a:effectLst/>
-                        </a:rPr>
-                        <a:t>63536</a:t>
-                      </a:r>
-                      <a:endParaRPr lang="en-US" sz="2400" dirty="0">
-                        <a:effectLst/>
-                        <a:latin typeface="Times New Roman" panose="02020603050405020304" pitchFamily="18" charset="0"/>
-                        <a:ea typeface="Calibri" panose="020F0502020204030204" pitchFamily="34" charset="0"/>
-                        <a:cs typeface="Times New Roman" panose="02020603050405020304" pitchFamily="18" charset="0"/>
-                      </a:endParaRPr>
-                    </a:p>
-                  </a:txBody>
-                  <a:tcPr marL="68580" marR="68580" marT="0" marB="0" anchor="ctr"/>
-                </a:tc>
-                <a:tc>
-                  <a:txBody>
-                    <a:bodyPr/>
-                    <a:lstStyle/>
-                    <a:p>
-                      <a:pPr marL="0" marR="0" algn="ctr">
-                        <a:lnSpc>
-                          <a:spcPct val="107000"/>
-                        </a:lnSpc>
-                        <a:spcBef>
-                          <a:spcPts val="0"/>
-                        </a:spcBef>
-                        <a:spcAft>
-                          <a:spcPts val="0"/>
-                        </a:spcAft>
-                      </a:pPr>
-                      <a:r>
-                        <a:rPr lang="en-US" sz="1600" dirty="0">
-                          <a:effectLst/>
-                        </a:rPr>
-                        <a:t>77</a:t>
-                      </a:r>
-                      <a:endParaRPr lang="en-US" sz="2400" dirty="0">
-                        <a:effectLst/>
-                        <a:latin typeface="Times New Roman" panose="02020603050405020304" pitchFamily="18" charset="0"/>
-                        <a:ea typeface="Calibri" panose="020F0502020204030204" pitchFamily="34" charset="0"/>
-                        <a:cs typeface="Times New Roman" panose="02020603050405020304" pitchFamily="18" charset="0"/>
-                      </a:endParaRPr>
-                    </a:p>
-                  </a:txBody>
-                  <a:tcPr marL="68580" marR="68580" marT="0" marB="0" anchor="ctr"/>
-                </a:tc>
-                <a:extLst>
-                  <a:ext uri="{0D108BD9-81ED-4DB2-BD59-A6C34878D82A}">
-                    <a16:rowId xmlns:a16="http://schemas.microsoft.com/office/drawing/2014/main" val="1670354604"/>
-                  </a:ext>
-                </a:extLst>
-              </a:tr>
-              <a:tr h="502937">
-                <a:tc>
-                  <a:txBody>
-                    <a:bodyPr/>
-                    <a:lstStyle/>
-                    <a:p>
-                      <a:pPr marL="0" marR="0" algn="ctr">
-                        <a:lnSpc>
-                          <a:spcPct val="107000"/>
-                        </a:lnSpc>
-                        <a:spcBef>
-                          <a:spcPts val="0"/>
-                        </a:spcBef>
-                        <a:spcAft>
-                          <a:spcPts val="0"/>
-                        </a:spcAft>
-                      </a:pPr>
-                      <a:r>
-                        <a:rPr lang="en-US" sz="1400" dirty="0">
-                          <a:effectLst/>
-                        </a:rPr>
-                        <a:t>0</a:t>
-                      </a:r>
-                      <a:endParaRPr lang="en-US" sz="1400" dirty="0">
-                        <a:effectLst/>
-                        <a:latin typeface="Times New Roman" panose="02020603050405020304" pitchFamily="18" charset="0"/>
-                        <a:ea typeface="Calibri" panose="020F0502020204030204" pitchFamily="34" charset="0"/>
-                        <a:cs typeface="Times New Roman" panose="02020603050405020304" pitchFamily="18" charset="0"/>
-                      </a:endParaRPr>
-                    </a:p>
-                  </a:txBody>
-                  <a:tcPr marL="68580" marR="68580" marT="0" marB="0" anchor="ctr"/>
-                </a:tc>
-                <a:tc>
-                  <a:txBody>
-                    <a:bodyPr/>
-                    <a:lstStyle/>
-                    <a:p>
-                      <a:pPr marL="0" marR="0" algn="ctr">
-                        <a:lnSpc>
-                          <a:spcPct val="107000"/>
-                        </a:lnSpc>
-                        <a:spcBef>
-                          <a:spcPts val="0"/>
-                        </a:spcBef>
-                        <a:spcAft>
-                          <a:spcPts val="0"/>
-                        </a:spcAft>
-                      </a:pPr>
-                      <a:r>
-                        <a:rPr lang="en-US" sz="1600" dirty="0">
-                          <a:effectLst/>
-                        </a:rPr>
-                        <a:t>2</a:t>
-                      </a:r>
-                      <a:endParaRPr lang="en-US" sz="2400" dirty="0">
-                        <a:effectLst/>
-                        <a:latin typeface="Times New Roman" panose="02020603050405020304" pitchFamily="18" charset="0"/>
-                        <a:ea typeface="Calibri" panose="020F0502020204030204" pitchFamily="34" charset="0"/>
-                        <a:cs typeface="Times New Roman" panose="02020603050405020304" pitchFamily="18" charset="0"/>
-                      </a:endParaRPr>
-                    </a:p>
-                  </a:txBody>
-                  <a:tcPr marL="68580" marR="68580" marT="0" marB="0" anchor="ctr"/>
-                </a:tc>
-                <a:tc>
-                  <a:txBody>
-                    <a:bodyPr/>
-                    <a:lstStyle/>
-                    <a:p>
-                      <a:pPr marL="0" marR="0" algn="ctr">
-                        <a:lnSpc>
-                          <a:spcPct val="107000"/>
-                        </a:lnSpc>
-                        <a:spcBef>
-                          <a:spcPts val="0"/>
-                        </a:spcBef>
-                        <a:spcAft>
-                          <a:spcPts val="0"/>
-                        </a:spcAft>
-                      </a:pPr>
-                      <a:r>
-                        <a:rPr lang="en-US" sz="1600" dirty="0">
-                          <a:effectLst/>
-                        </a:rPr>
-                        <a:t>27489</a:t>
-                      </a:r>
-                      <a:endParaRPr lang="en-US" sz="2400" dirty="0">
-                        <a:effectLst/>
-                        <a:latin typeface="Times New Roman" panose="02020603050405020304" pitchFamily="18" charset="0"/>
-                        <a:ea typeface="Calibri" panose="020F0502020204030204" pitchFamily="34" charset="0"/>
-                        <a:cs typeface="Times New Roman" panose="02020603050405020304" pitchFamily="18" charset="0"/>
-                      </a:endParaRPr>
-                    </a:p>
-                  </a:txBody>
-                  <a:tcPr marL="68580" marR="68580" marT="0" marB="0" anchor="ctr"/>
-                </a:tc>
-                <a:tc>
-                  <a:txBody>
-                    <a:bodyPr/>
-                    <a:lstStyle/>
-                    <a:p>
-                      <a:pPr marL="0" marR="0" algn="ctr">
-                        <a:lnSpc>
-                          <a:spcPct val="107000"/>
-                        </a:lnSpc>
-                        <a:spcBef>
-                          <a:spcPts val="0"/>
-                        </a:spcBef>
-                        <a:spcAft>
-                          <a:spcPts val="0"/>
-                        </a:spcAft>
-                      </a:pPr>
-                      <a:r>
-                        <a:rPr lang="en-US" sz="1600" dirty="0">
-                          <a:effectLst/>
-                        </a:rPr>
-                        <a:t>33</a:t>
-                      </a:r>
-                      <a:endParaRPr lang="en-US" sz="2400" dirty="0">
-                        <a:effectLst/>
-                        <a:latin typeface="Times New Roman" panose="02020603050405020304" pitchFamily="18" charset="0"/>
-                        <a:ea typeface="Calibri" panose="020F0502020204030204" pitchFamily="34" charset="0"/>
-                        <a:cs typeface="Times New Roman" panose="02020603050405020304" pitchFamily="18" charset="0"/>
-                      </a:endParaRPr>
-                    </a:p>
-                  </a:txBody>
-                  <a:tcPr marL="68580" marR="68580" marT="0" marB="0" anchor="ctr"/>
-                </a:tc>
-                <a:extLst>
-                  <a:ext uri="{0D108BD9-81ED-4DB2-BD59-A6C34878D82A}">
-                    <a16:rowId xmlns:a16="http://schemas.microsoft.com/office/drawing/2014/main" val="859502791"/>
-                  </a:ext>
-                </a:extLst>
-              </a:tr>
-              <a:tr h="502937">
-                <a:tc>
-                  <a:txBody>
-                    <a:bodyPr/>
-                    <a:lstStyle/>
-                    <a:p>
-                      <a:pPr marL="0" marR="0" algn="ctr">
-                        <a:lnSpc>
-                          <a:spcPct val="107000"/>
-                        </a:lnSpc>
-                        <a:spcBef>
-                          <a:spcPts val="0"/>
-                        </a:spcBef>
-                        <a:spcAft>
-                          <a:spcPts val="0"/>
-                        </a:spcAft>
-                      </a:pPr>
-                      <a:r>
-                        <a:rPr lang="en-US" sz="1400" dirty="0">
-                          <a:effectLst/>
-                        </a:rPr>
-                        <a:t>0</a:t>
-                      </a:r>
-                      <a:endParaRPr lang="en-US" sz="1400" dirty="0">
-                        <a:effectLst/>
-                        <a:latin typeface="Times New Roman" panose="02020603050405020304" pitchFamily="18" charset="0"/>
-                        <a:ea typeface="Calibri" panose="020F0502020204030204" pitchFamily="34" charset="0"/>
-                        <a:cs typeface="Times New Roman" panose="02020603050405020304" pitchFamily="18" charset="0"/>
-                      </a:endParaRPr>
-                    </a:p>
-                  </a:txBody>
-                  <a:tcPr marL="68580" marR="68580" marT="0" marB="0" anchor="ctr"/>
-                </a:tc>
-                <a:tc>
-                  <a:txBody>
-                    <a:bodyPr/>
-                    <a:lstStyle/>
-                    <a:p>
-                      <a:pPr marL="0" marR="0" algn="ctr">
-                        <a:lnSpc>
-                          <a:spcPct val="107000"/>
-                        </a:lnSpc>
-                        <a:spcBef>
-                          <a:spcPts val="0"/>
-                        </a:spcBef>
-                        <a:spcAft>
-                          <a:spcPts val="0"/>
-                        </a:spcAft>
-                      </a:pPr>
-                      <a:r>
-                        <a:rPr lang="en-US" sz="1600">
-                          <a:effectLst/>
-                        </a:rPr>
-                        <a:t>3</a:t>
-                      </a:r>
-                      <a:endParaRPr lang="en-US" sz="2400">
-                        <a:effectLst/>
-                        <a:latin typeface="Times New Roman" panose="02020603050405020304" pitchFamily="18" charset="0"/>
-                        <a:ea typeface="Calibri" panose="020F0502020204030204" pitchFamily="34" charset="0"/>
-                        <a:cs typeface="Times New Roman" panose="02020603050405020304" pitchFamily="18" charset="0"/>
-                      </a:endParaRPr>
-                    </a:p>
-                  </a:txBody>
-                  <a:tcPr marL="68580" marR="68580" marT="0" marB="0" anchor="ctr"/>
-                </a:tc>
-                <a:tc>
-                  <a:txBody>
-                    <a:bodyPr/>
-                    <a:lstStyle/>
-                    <a:p>
-                      <a:pPr marL="0" marR="0" algn="ctr">
-                        <a:lnSpc>
-                          <a:spcPct val="107000"/>
-                        </a:lnSpc>
-                        <a:spcBef>
-                          <a:spcPts val="0"/>
-                        </a:spcBef>
-                        <a:spcAft>
-                          <a:spcPts val="0"/>
-                        </a:spcAft>
-                      </a:pPr>
-                      <a:r>
-                        <a:rPr lang="en-US" sz="1600" dirty="0">
-                          <a:effectLst/>
-                        </a:rPr>
-                        <a:t>62041</a:t>
-                      </a:r>
-                      <a:endParaRPr lang="en-US" sz="2400" dirty="0">
-                        <a:effectLst/>
-                        <a:latin typeface="Times New Roman" panose="02020603050405020304" pitchFamily="18" charset="0"/>
-                        <a:ea typeface="Calibri" panose="020F0502020204030204" pitchFamily="34" charset="0"/>
-                        <a:cs typeface="Times New Roman" panose="02020603050405020304" pitchFamily="18" charset="0"/>
-                      </a:endParaRPr>
-                    </a:p>
-                  </a:txBody>
-                  <a:tcPr marL="68580" marR="68580" marT="0" marB="0" anchor="ctr"/>
-                </a:tc>
-                <a:tc>
-                  <a:txBody>
-                    <a:bodyPr/>
-                    <a:lstStyle/>
-                    <a:p>
-                      <a:pPr marL="0" marR="0" algn="ctr">
-                        <a:lnSpc>
-                          <a:spcPct val="107000"/>
-                        </a:lnSpc>
-                        <a:spcBef>
-                          <a:spcPts val="0"/>
-                        </a:spcBef>
-                        <a:spcAft>
-                          <a:spcPts val="0"/>
-                        </a:spcAft>
-                      </a:pPr>
-                      <a:r>
-                        <a:rPr lang="en-US" sz="1600" dirty="0">
-                          <a:effectLst/>
-                        </a:rPr>
-                        <a:t>75</a:t>
-                      </a:r>
-                      <a:endParaRPr lang="en-US" sz="2400" dirty="0">
-                        <a:effectLst/>
-                        <a:latin typeface="Times New Roman" panose="02020603050405020304" pitchFamily="18" charset="0"/>
-                        <a:ea typeface="Calibri" panose="020F0502020204030204" pitchFamily="34" charset="0"/>
-                        <a:cs typeface="Times New Roman" panose="02020603050405020304" pitchFamily="18" charset="0"/>
-                      </a:endParaRPr>
-                    </a:p>
-                  </a:txBody>
-                  <a:tcPr marL="68580" marR="68580" marT="0" marB="0" anchor="ctr"/>
-                </a:tc>
-                <a:extLst>
-                  <a:ext uri="{0D108BD9-81ED-4DB2-BD59-A6C34878D82A}">
-                    <a16:rowId xmlns:a16="http://schemas.microsoft.com/office/drawing/2014/main" val="1610572912"/>
-                  </a:ext>
-                </a:extLst>
-              </a:tr>
-              <a:tr h="502937">
-                <a:tc>
-                  <a:txBody>
-                    <a:bodyPr/>
-                    <a:lstStyle/>
-                    <a:p>
-                      <a:pPr marL="0" marR="0" algn="ctr">
-                        <a:lnSpc>
-                          <a:spcPct val="107000"/>
-                        </a:lnSpc>
-                        <a:spcBef>
-                          <a:spcPts val="0"/>
-                        </a:spcBef>
-                        <a:spcAft>
-                          <a:spcPts val="0"/>
-                        </a:spcAft>
-                      </a:pPr>
-                      <a:r>
-                        <a:rPr lang="en-US" sz="1400" dirty="0">
-                          <a:effectLst/>
-                        </a:rPr>
-                        <a:t>0</a:t>
-                      </a:r>
-                      <a:endParaRPr lang="en-US" sz="1400" dirty="0">
-                        <a:effectLst/>
-                        <a:latin typeface="Times New Roman" panose="02020603050405020304" pitchFamily="18" charset="0"/>
-                        <a:ea typeface="Calibri" panose="020F0502020204030204" pitchFamily="34" charset="0"/>
-                        <a:cs typeface="Times New Roman" panose="02020603050405020304" pitchFamily="18" charset="0"/>
-                      </a:endParaRPr>
-                    </a:p>
-                  </a:txBody>
-                  <a:tcPr marL="68580" marR="68580" marT="0" marB="0" anchor="ctr"/>
-                </a:tc>
-                <a:tc>
-                  <a:txBody>
-                    <a:bodyPr/>
-                    <a:lstStyle/>
-                    <a:p>
-                      <a:pPr marL="0" marR="0" algn="ctr">
-                        <a:lnSpc>
-                          <a:spcPct val="107000"/>
-                        </a:lnSpc>
-                        <a:spcBef>
-                          <a:spcPts val="0"/>
-                        </a:spcBef>
-                        <a:spcAft>
-                          <a:spcPts val="0"/>
-                        </a:spcAft>
-                      </a:pPr>
-                      <a:r>
-                        <a:rPr lang="en-US" sz="1600">
-                          <a:effectLst/>
-                        </a:rPr>
-                        <a:t>4</a:t>
-                      </a:r>
-                      <a:endParaRPr lang="en-US" sz="2400">
-                        <a:effectLst/>
-                        <a:latin typeface="Times New Roman" panose="02020603050405020304" pitchFamily="18" charset="0"/>
-                        <a:ea typeface="Calibri" panose="020F0502020204030204" pitchFamily="34" charset="0"/>
-                        <a:cs typeface="Times New Roman" panose="02020603050405020304" pitchFamily="18" charset="0"/>
-                      </a:endParaRPr>
-                    </a:p>
-                  </a:txBody>
-                  <a:tcPr marL="68580" marR="68580" marT="0" marB="0" anchor="ctr"/>
-                </a:tc>
-                <a:tc>
-                  <a:txBody>
-                    <a:bodyPr/>
-                    <a:lstStyle/>
-                    <a:p>
-                      <a:pPr marL="0" marR="0" algn="ctr">
-                        <a:lnSpc>
-                          <a:spcPct val="107000"/>
-                        </a:lnSpc>
-                        <a:spcBef>
-                          <a:spcPts val="0"/>
-                        </a:spcBef>
-                        <a:spcAft>
-                          <a:spcPts val="0"/>
-                        </a:spcAft>
-                      </a:pPr>
-                      <a:r>
-                        <a:rPr lang="en-US" sz="1600" dirty="0">
-                          <a:effectLst/>
-                        </a:rPr>
-                        <a:t>13365</a:t>
-                      </a:r>
-                      <a:endParaRPr lang="en-US" sz="2400" dirty="0">
-                        <a:effectLst/>
-                        <a:latin typeface="Times New Roman" panose="02020603050405020304" pitchFamily="18" charset="0"/>
-                        <a:ea typeface="Calibri" panose="020F0502020204030204" pitchFamily="34" charset="0"/>
-                        <a:cs typeface="Times New Roman" panose="02020603050405020304" pitchFamily="18" charset="0"/>
-                      </a:endParaRPr>
-                    </a:p>
-                  </a:txBody>
-                  <a:tcPr marL="68580" marR="68580" marT="0" marB="0" anchor="ctr"/>
-                </a:tc>
-                <a:tc>
-                  <a:txBody>
-                    <a:bodyPr/>
-                    <a:lstStyle/>
-                    <a:p>
-                      <a:pPr marL="0" marR="0" algn="ctr">
-                        <a:lnSpc>
-                          <a:spcPct val="107000"/>
-                        </a:lnSpc>
-                        <a:spcBef>
-                          <a:spcPts val="0"/>
-                        </a:spcBef>
-                        <a:spcAft>
-                          <a:spcPts val="0"/>
-                        </a:spcAft>
-                      </a:pPr>
-                      <a:r>
-                        <a:rPr lang="en-US" sz="1600" dirty="0">
-                          <a:effectLst/>
-                        </a:rPr>
-                        <a:t>17</a:t>
-                      </a:r>
-                      <a:endParaRPr lang="en-US" sz="2400" dirty="0">
-                        <a:effectLst/>
-                        <a:latin typeface="Times New Roman" panose="02020603050405020304" pitchFamily="18" charset="0"/>
-                        <a:ea typeface="Calibri" panose="020F0502020204030204" pitchFamily="34" charset="0"/>
-                        <a:cs typeface="Times New Roman" panose="02020603050405020304" pitchFamily="18" charset="0"/>
-                      </a:endParaRPr>
-                    </a:p>
-                  </a:txBody>
-                  <a:tcPr marL="68580" marR="68580" marT="0" marB="0" anchor="ctr"/>
-                </a:tc>
-                <a:extLst>
-                  <a:ext uri="{0D108BD9-81ED-4DB2-BD59-A6C34878D82A}">
-                    <a16:rowId xmlns:a16="http://schemas.microsoft.com/office/drawing/2014/main" val="3753934314"/>
-                  </a:ext>
-                </a:extLst>
-              </a:tr>
-              <a:tr h="502937">
-                <a:tc>
-                  <a:txBody>
-                    <a:bodyPr/>
-                    <a:lstStyle/>
-                    <a:p>
-                      <a:pPr marL="0" marR="0" algn="ctr">
-                        <a:lnSpc>
-                          <a:spcPct val="107000"/>
-                        </a:lnSpc>
-                        <a:spcBef>
-                          <a:spcPts val="0"/>
-                        </a:spcBef>
-                        <a:spcAft>
-                          <a:spcPts val="0"/>
-                        </a:spcAft>
-                      </a:pPr>
-                      <a:r>
-                        <a:rPr lang="en-US" sz="1400" dirty="0">
-                          <a:effectLst/>
-                        </a:rPr>
-                        <a:t>0</a:t>
-                      </a:r>
-                      <a:endParaRPr lang="en-US" sz="1400" dirty="0">
-                        <a:effectLst/>
-                        <a:latin typeface="Times New Roman" panose="02020603050405020304" pitchFamily="18" charset="0"/>
-                        <a:ea typeface="Calibri" panose="020F0502020204030204" pitchFamily="34" charset="0"/>
-                        <a:cs typeface="Times New Roman" panose="02020603050405020304" pitchFamily="18" charset="0"/>
-                      </a:endParaRPr>
-                    </a:p>
-                  </a:txBody>
-                  <a:tcPr marL="68580" marR="68580" marT="0" marB="0" anchor="ctr"/>
-                </a:tc>
-                <a:tc>
-                  <a:txBody>
-                    <a:bodyPr/>
-                    <a:lstStyle/>
-                    <a:p>
-                      <a:pPr marL="0" marR="0" algn="ctr">
-                        <a:lnSpc>
-                          <a:spcPct val="107000"/>
-                        </a:lnSpc>
-                        <a:spcBef>
-                          <a:spcPts val="0"/>
-                        </a:spcBef>
-                        <a:spcAft>
-                          <a:spcPts val="0"/>
-                        </a:spcAft>
-                      </a:pPr>
-                      <a:r>
-                        <a:rPr lang="en-US" sz="1600">
-                          <a:effectLst/>
-                        </a:rPr>
-                        <a:t>5</a:t>
-                      </a:r>
-                      <a:endParaRPr lang="en-US" sz="2400">
-                        <a:effectLst/>
-                        <a:latin typeface="Times New Roman" panose="02020603050405020304" pitchFamily="18" charset="0"/>
-                        <a:ea typeface="Calibri" panose="020F0502020204030204" pitchFamily="34" charset="0"/>
-                        <a:cs typeface="Times New Roman" panose="02020603050405020304" pitchFamily="18" charset="0"/>
-                      </a:endParaRPr>
-                    </a:p>
-                  </a:txBody>
-                  <a:tcPr marL="68580" marR="68580" marT="0" marB="0" anchor="ctr"/>
-                </a:tc>
-                <a:tc>
-                  <a:txBody>
-                    <a:bodyPr/>
-                    <a:lstStyle/>
-                    <a:p>
-                      <a:pPr marL="0" marR="0" algn="ctr">
-                        <a:lnSpc>
-                          <a:spcPct val="107000"/>
-                        </a:lnSpc>
-                        <a:spcBef>
-                          <a:spcPts val="0"/>
-                        </a:spcBef>
-                        <a:spcAft>
-                          <a:spcPts val="0"/>
-                        </a:spcAft>
-                      </a:pPr>
-                      <a:r>
-                        <a:rPr lang="en-US" sz="1600">
-                          <a:effectLst/>
-                        </a:rPr>
-                        <a:t>45570</a:t>
-                      </a:r>
-                      <a:endParaRPr lang="en-US" sz="2400">
-                        <a:effectLst/>
-                        <a:latin typeface="Times New Roman" panose="02020603050405020304" pitchFamily="18" charset="0"/>
-                        <a:ea typeface="Calibri" panose="020F0502020204030204" pitchFamily="34" charset="0"/>
-                        <a:cs typeface="Times New Roman" panose="02020603050405020304" pitchFamily="18" charset="0"/>
-                      </a:endParaRPr>
-                    </a:p>
-                  </a:txBody>
-                  <a:tcPr marL="68580" marR="68580" marT="0" marB="0" anchor="ctr"/>
-                </a:tc>
-                <a:tc>
-                  <a:txBody>
-                    <a:bodyPr/>
-                    <a:lstStyle/>
-                    <a:p>
-                      <a:pPr marL="0" marR="0" algn="ctr">
-                        <a:lnSpc>
-                          <a:spcPct val="107000"/>
-                        </a:lnSpc>
-                        <a:spcBef>
-                          <a:spcPts val="0"/>
-                        </a:spcBef>
-                        <a:spcAft>
-                          <a:spcPts val="0"/>
-                        </a:spcAft>
-                      </a:pPr>
-                      <a:r>
-                        <a:rPr lang="en-US" sz="1600" dirty="0">
-                          <a:effectLst/>
-                        </a:rPr>
-                        <a:t>55</a:t>
-                      </a:r>
-                      <a:endParaRPr lang="en-US" sz="2400" dirty="0">
-                        <a:effectLst/>
-                        <a:latin typeface="Times New Roman" panose="02020603050405020304" pitchFamily="18" charset="0"/>
-                        <a:ea typeface="Calibri" panose="020F0502020204030204" pitchFamily="34" charset="0"/>
-                        <a:cs typeface="Times New Roman" panose="02020603050405020304" pitchFamily="18" charset="0"/>
-                      </a:endParaRPr>
-                    </a:p>
-                  </a:txBody>
-                  <a:tcPr marL="68580" marR="68580" marT="0" marB="0" anchor="ctr"/>
-                </a:tc>
-                <a:extLst>
-                  <a:ext uri="{0D108BD9-81ED-4DB2-BD59-A6C34878D82A}">
-                    <a16:rowId xmlns:a16="http://schemas.microsoft.com/office/drawing/2014/main" val="900318546"/>
-                  </a:ext>
-                </a:extLst>
-              </a:tr>
-              <a:tr h="502937">
-                <a:tc>
-                  <a:txBody>
-                    <a:bodyPr/>
-                    <a:lstStyle/>
-                    <a:p>
-                      <a:pPr marL="0" marR="0" algn="ctr">
-                        <a:lnSpc>
-                          <a:spcPct val="107000"/>
-                        </a:lnSpc>
-                        <a:spcBef>
-                          <a:spcPts val="0"/>
-                        </a:spcBef>
-                        <a:spcAft>
-                          <a:spcPts val="0"/>
-                        </a:spcAft>
-                      </a:pPr>
-                      <a:r>
-                        <a:rPr lang="en-US" sz="1400" dirty="0">
-                          <a:effectLst/>
-                        </a:rPr>
-                        <a:t>…</a:t>
-                      </a:r>
-                      <a:endParaRPr lang="en-US" sz="1400" dirty="0">
-                        <a:effectLst/>
-                        <a:latin typeface="Times New Roman" panose="02020603050405020304" pitchFamily="18" charset="0"/>
-                        <a:ea typeface="Calibri" panose="020F0502020204030204" pitchFamily="34" charset="0"/>
-                        <a:cs typeface="Times New Roman" panose="02020603050405020304" pitchFamily="18" charset="0"/>
-                      </a:endParaRPr>
-                    </a:p>
-                  </a:txBody>
-                  <a:tcPr marL="68580" marR="68580" marT="0" marB="0" anchor="ctr"/>
-                </a:tc>
-                <a:tc>
-                  <a:txBody>
-                    <a:bodyPr/>
-                    <a:lstStyle/>
-                    <a:p>
-                      <a:pPr marL="0" marR="0" algn="ctr">
-                        <a:lnSpc>
-                          <a:spcPct val="107000"/>
-                        </a:lnSpc>
-                        <a:spcBef>
-                          <a:spcPts val="0"/>
-                        </a:spcBef>
-                        <a:spcAft>
-                          <a:spcPts val="0"/>
-                        </a:spcAft>
-                      </a:pPr>
-                      <a:r>
-                        <a:rPr lang="en-US" sz="1600">
-                          <a:effectLst/>
-                        </a:rPr>
-                        <a:t>…</a:t>
-                      </a:r>
-                      <a:endParaRPr lang="en-US" sz="2400">
-                        <a:effectLst/>
-                        <a:latin typeface="Times New Roman" panose="02020603050405020304" pitchFamily="18" charset="0"/>
-                        <a:ea typeface="Calibri" panose="020F0502020204030204" pitchFamily="34" charset="0"/>
-                        <a:cs typeface="Times New Roman" panose="02020603050405020304" pitchFamily="18" charset="0"/>
-                      </a:endParaRPr>
-                    </a:p>
-                  </a:txBody>
-                  <a:tcPr marL="68580" marR="68580" marT="0" marB="0" anchor="ctr"/>
-                </a:tc>
-                <a:tc>
-                  <a:txBody>
-                    <a:bodyPr/>
-                    <a:lstStyle/>
-                    <a:p>
-                      <a:pPr marL="0" marR="0" algn="ctr">
-                        <a:lnSpc>
-                          <a:spcPct val="107000"/>
-                        </a:lnSpc>
-                        <a:spcBef>
-                          <a:spcPts val="0"/>
-                        </a:spcBef>
-                        <a:spcAft>
-                          <a:spcPts val="0"/>
-                        </a:spcAft>
-                      </a:pPr>
-                      <a:r>
-                        <a:rPr lang="en-US" sz="1600">
-                          <a:effectLst/>
-                        </a:rPr>
-                        <a:t>…</a:t>
-                      </a:r>
-                      <a:endParaRPr lang="en-US" sz="2400">
-                        <a:effectLst/>
-                        <a:latin typeface="Times New Roman" panose="02020603050405020304" pitchFamily="18" charset="0"/>
-                        <a:ea typeface="Calibri" panose="020F0502020204030204" pitchFamily="34" charset="0"/>
-                        <a:cs typeface="Times New Roman" panose="02020603050405020304" pitchFamily="18" charset="0"/>
-                      </a:endParaRPr>
-                    </a:p>
-                  </a:txBody>
-                  <a:tcPr marL="68580" marR="68580" marT="0" marB="0" anchor="ctr"/>
-                </a:tc>
-                <a:tc>
-                  <a:txBody>
-                    <a:bodyPr/>
-                    <a:lstStyle/>
-                    <a:p>
-                      <a:pPr marL="0" marR="0" algn="ctr">
-                        <a:lnSpc>
-                          <a:spcPct val="107000"/>
-                        </a:lnSpc>
-                        <a:spcBef>
-                          <a:spcPts val="0"/>
-                        </a:spcBef>
-                        <a:spcAft>
-                          <a:spcPts val="0"/>
-                        </a:spcAft>
-                      </a:pPr>
-                      <a:r>
-                        <a:rPr lang="en-US" sz="1600" dirty="0">
-                          <a:effectLst/>
-                        </a:rPr>
-                        <a:t>…</a:t>
-                      </a:r>
-                      <a:endParaRPr lang="en-US" sz="2400" dirty="0">
-                        <a:effectLst/>
-                        <a:latin typeface="Times New Roman" panose="02020603050405020304" pitchFamily="18" charset="0"/>
-                        <a:ea typeface="Calibri" panose="020F0502020204030204" pitchFamily="34" charset="0"/>
-                        <a:cs typeface="Times New Roman" panose="02020603050405020304" pitchFamily="18" charset="0"/>
-                      </a:endParaRPr>
-                    </a:p>
-                  </a:txBody>
-                  <a:tcPr marL="68580" marR="68580" marT="0" marB="0" anchor="ctr"/>
-                </a:tc>
-                <a:extLst>
-                  <a:ext uri="{0D108BD9-81ED-4DB2-BD59-A6C34878D82A}">
-                    <a16:rowId xmlns:a16="http://schemas.microsoft.com/office/drawing/2014/main" val="689783555"/>
-                  </a:ext>
-                </a:extLst>
-              </a:tr>
-            </a:tbl>
-          </a:graphicData>
-        </a:graphic>
-      </p:graphicFrame>
-      <p:sp>
-        <p:nvSpPr>
-          <p:cNvPr id="4" name="Date Placeholder 3"/>
-          <p:cNvSpPr>
-            <a:spLocks noGrp="1"/>
-          </p:cNvSpPr>
-          <p:nvPr>
-            <p:ph type="dt" sz="half" idx="10"/>
-          </p:nvPr>
-        </p:nvSpPr>
-        <p:spPr/>
-        <p:txBody>
-          <a:bodyPr/>
-          <a:lstStyle/>
-          <a:p>
-            <a:pPr>
-              <a:defRPr/>
-            </a:pPr>
-            <a:r>
-              <a:rPr lang="en-US"/>
-              <a:t>November 26</a:t>
-            </a:r>
-            <a:endParaRPr lang="en-US" dirty="0"/>
-          </a:p>
-        </p:txBody>
-      </p:sp>
-      <p:sp>
-        <p:nvSpPr>
-          <p:cNvPr id="5" name="Footer Placeholder 4"/>
-          <p:cNvSpPr>
-            <a:spLocks noGrp="1"/>
-          </p:cNvSpPr>
-          <p:nvPr>
-            <p:ph type="ftr" sz="quarter" idx="11"/>
-          </p:nvPr>
-        </p:nvSpPr>
-        <p:spPr/>
-        <p:txBody>
-          <a:bodyPr/>
-          <a:lstStyle/>
-          <a:p>
-            <a:pPr>
-              <a:defRPr/>
-            </a:pPr>
-            <a:r>
-              <a:rPr lang="en-US"/>
-              <a:t>IE 526  Final Project</a:t>
-            </a:r>
-            <a:endParaRPr lang="en-US" dirty="0"/>
-          </a:p>
-        </p:txBody>
-      </p:sp>
-      <p:sp>
-        <p:nvSpPr>
-          <p:cNvPr id="6" name="Slide Number Placeholder 5"/>
-          <p:cNvSpPr>
-            <a:spLocks noGrp="1"/>
-          </p:cNvSpPr>
-          <p:nvPr>
-            <p:ph type="sldNum" sz="quarter" idx="12"/>
-          </p:nvPr>
-        </p:nvSpPr>
-        <p:spPr/>
-        <p:txBody>
-          <a:bodyPr/>
-          <a:lstStyle/>
-          <a:p>
-            <a:pPr>
-              <a:defRPr/>
-            </a:pPr>
-            <a:fld id="{61875079-2EDC-4E24-99D6-3E823A45791C}" type="slidenum">
-              <a:rPr lang="en-US" smtClean="0"/>
-              <a:pPr>
-                <a:defRPr/>
-              </a:pPr>
-              <a:t>11</a:t>
-            </a:fld>
-            <a:endParaRPr lang="en-US" dirty="0"/>
-          </a:p>
-        </p:txBody>
-      </p:sp>
-    </p:spTree>
-    <p:extLst>
-      <p:ext uri="{BB962C8B-B14F-4D97-AF65-F5344CB8AC3E}">
-        <p14:creationId xmlns:p14="http://schemas.microsoft.com/office/powerpoint/2010/main" val="2400429615"/>
-      </p:ext>
-    </p:extLst>
-  </p:cSld>
-  <p:clrMapOvr>
-    <a:masterClrMapping/>
-  </p:clrMapOvr>
-</p:sld>
-</file>
-
-<file path=ppt/slides/slide12.xml><?xml version="1.0" encoding="utf-8"?>
 <p:sld xmlns:a="http://schemas.openxmlformats.org/drawingml/2006/main" xmlns:r="http://schemas.openxmlformats.org/officeDocument/2006/relationships" xmlns:p="http://schemas.openxmlformats.org/presentationml/2006/main">
   <p:cSld>
     <p:spTree>
@@ -8304,7 +5233,7 @@
               <a:pPr>
                 <a:defRPr/>
               </a:pPr>
-              <a:t>12</a:t>
+              <a:t>11</a:t>
             </a:fld>
             <a:endParaRPr lang="en-US" dirty="0"/>
           </a:p>
@@ -8323,7 +5252,7 @@
 </p:sld>
 </file>
 
-<file path=ppt/slides/slide13.xml><?xml version="1.0" encoding="utf-8"?>
+<file path=ppt/slides/slide12.xml><?xml version="1.0" encoding="utf-8"?>
 <p:sld xmlns:a="http://schemas.openxmlformats.org/drawingml/2006/main" xmlns:r="http://schemas.openxmlformats.org/officeDocument/2006/relationships" xmlns:p="http://schemas.openxmlformats.org/presentationml/2006/main">
   <p:cSld>
     <p:spTree>
@@ -8618,7 +5547,7 @@
               <a:pPr>
                 <a:defRPr/>
               </a:pPr>
-              <a:t>13</a:t>
+              <a:t>12</a:t>
             </a:fld>
             <a:endParaRPr lang="en-US" dirty="0"/>
           </a:p>
@@ -8628,6 +5557,215 @@
     <p:extLst>
       <p:ext uri="{BB962C8B-B14F-4D97-AF65-F5344CB8AC3E}">
         <p14:creationId xmlns:p14="http://schemas.microsoft.com/office/powerpoint/2010/main" val="2539412344"/>
+      </p:ext>
+    </p:extLst>
+  </p:cSld>
+  <p:clrMapOvr>
+    <a:masterClrMapping/>
+  </p:clrMapOvr>
+</p:sld>
+</file>
+
+<file path=ppt/slides/slide13.xml><?xml version="1.0" encoding="utf-8"?>
+<p:sld xmlns:a="http://schemas.openxmlformats.org/drawingml/2006/main" xmlns:r="http://schemas.openxmlformats.org/officeDocument/2006/relationships" xmlns:p="http://schemas.openxmlformats.org/presentationml/2006/main">
+  <p:cSld>
+    <p:spTree>
+      <p:nvGrpSpPr>
+        <p:cNvPr id="1" name=""/>
+        <p:cNvGrpSpPr/>
+        <p:nvPr/>
+      </p:nvGrpSpPr>
+      <p:grpSpPr>
+        <a:xfrm>
+          <a:off x="0" y="0"/>
+          <a:ext cx="0" cy="0"/>
+          <a:chOff x="0" y="0"/>
+          <a:chExt cx="0" cy="0"/>
+        </a:xfrm>
+      </p:grpSpPr>
+      <p:sp>
+        <p:nvSpPr>
+          <p:cNvPr id="2" name="Title 1">
+            <a:extLst>
+              <a:ext uri="{FF2B5EF4-FFF2-40B4-BE49-F238E27FC236}">
+                <a16:creationId xmlns:a16="http://schemas.microsoft.com/office/drawing/2014/main" id="{4A5E5E59-97A2-DF46-81C2-9218F68DB55F}"/>
+              </a:ext>
+            </a:extLst>
+          </p:cNvPr>
+          <p:cNvSpPr>
+            <a:spLocks noGrp="1"/>
+          </p:cNvSpPr>
+          <p:nvPr>
+            <p:ph type="title"/>
+          </p:nvPr>
+        </p:nvSpPr>
+        <p:spPr/>
+        <p:txBody>
+          <a:bodyPr/>
+          <a:lstStyle/>
+          <a:p>
+            <a:r>
+              <a:rPr lang="en-US" dirty="0">
+                <a:latin typeface="Times New Roman" panose="02020603050405020304" pitchFamily="18" charset="0"/>
+                <a:cs typeface="Times New Roman" panose="02020603050405020304" pitchFamily="18" charset="0"/>
+              </a:rPr>
+              <a:t>To simplify</a:t>
+            </a:r>
+          </a:p>
+        </p:txBody>
+      </p:sp>
+      <p:sp>
+        <p:nvSpPr>
+          <p:cNvPr id="3" name="Content Placeholder 2">
+            <a:extLst>
+              <a:ext uri="{FF2B5EF4-FFF2-40B4-BE49-F238E27FC236}">
+                <a16:creationId xmlns:a16="http://schemas.microsoft.com/office/drawing/2014/main" id="{754B84DA-7354-C64C-A35D-D4C3C76A71FC}"/>
+              </a:ext>
+            </a:extLst>
+          </p:cNvPr>
+          <p:cNvSpPr>
+            <a:spLocks noGrp="1"/>
+          </p:cNvSpPr>
+          <p:nvPr>
+            <p:ph idx="1"/>
+          </p:nvPr>
+        </p:nvSpPr>
+        <p:spPr/>
+        <p:txBody>
+          <a:bodyPr/>
+          <a:lstStyle/>
+          <a:p>
+            <a:r>
+              <a:rPr lang="en-US" dirty="0">
+                <a:latin typeface="Times New Roman" panose="02020603050405020304" pitchFamily="18" charset="0"/>
+                <a:cs typeface="Times New Roman" panose="02020603050405020304" pitchFamily="18" charset="0"/>
+              </a:rPr>
+              <a:t>Sampling data;</a:t>
+            </a:r>
+          </a:p>
+          <a:p>
+            <a:pPr marL="0" indent="0">
+              <a:buNone/>
+            </a:pPr>
+            <a:endParaRPr lang="en-US" dirty="0">
+              <a:latin typeface="Times New Roman" panose="02020603050405020304" pitchFamily="18" charset="0"/>
+              <a:cs typeface="Times New Roman" panose="02020603050405020304" pitchFamily="18" charset="0"/>
+            </a:endParaRPr>
+          </a:p>
+          <a:p>
+            <a:r>
+              <a:rPr lang="en-US" dirty="0">
+                <a:latin typeface="Times New Roman" panose="02020603050405020304" pitchFamily="18" charset="0"/>
+                <a:cs typeface="Times New Roman" panose="02020603050405020304" pitchFamily="18" charset="0"/>
+              </a:rPr>
+              <a:t>Using another solver.</a:t>
+            </a:r>
+          </a:p>
+        </p:txBody>
+      </p:sp>
+      <p:sp>
+        <p:nvSpPr>
+          <p:cNvPr id="4" name="Date Placeholder 3">
+            <a:extLst>
+              <a:ext uri="{FF2B5EF4-FFF2-40B4-BE49-F238E27FC236}">
+                <a16:creationId xmlns:a16="http://schemas.microsoft.com/office/drawing/2014/main" id="{5FAF45AD-7D73-774D-9B34-BD8287C28122}"/>
+              </a:ext>
+            </a:extLst>
+          </p:cNvPr>
+          <p:cNvSpPr>
+            <a:spLocks noGrp="1"/>
+          </p:cNvSpPr>
+          <p:nvPr>
+            <p:ph type="dt" sz="half" idx="10"/>
+          </p:nvPr>
+        </p:nvSpPr>
+        <p:spPr/>
+        <p:txBody>
+          <a:bodyPr/>
+          <a:lstStyle/>
+          <a:p>
+            <a:pPr>
+              <a:defRPr/>
+            </a:pPr>
+            <a:r>
+              <a:rPr lang="en-US"/>
+              <a:t>November 26</a:t>
+            </a:r>
+            <a:endParaRPr lang="en-US" dirty="0"/>
+          </a:p>
+        </p:txBody>
+      </p:sp>
+      <p:sp>
+        <p:nvSpPr>
+          <p:cNvPr id="5" name="Footer Placeholder 4">
+            <a:extLst>
+              <a:ext uri="{FF2B5EF4-FFF2-40B4-BE49-F238E27FC236}">
+                <a16:creationId xmlns:a16="http://schemas.microsoft.com/office/drawing/2014/main" id="{BF386D38-0542-804F-9683-7E7D0C2364C2}"/>
+              </a:ext>
+            </a:extLst>
+          </p:cNvPr>
+          <p:cNvSpPr>
+            <a:spLocks noGrp="1"/>
+          </p:cNvSpPr>
+          <p:nvPr>
+            <p:ph type="ftr" sz="quarter" idx="11"/>
+          </p:nvPr>
+        </p:nvSpPr>
+        <p:spPr/>
+        <p:txBody>
+          <a:bodyPr/>
+          <a:lstStyle/>
+          <a:p>
+            <a:pPr>
+              <a:defRPr/>
+            </a:pPr>
+            <a:r>
+              <a:rPr lang="en-US"/>
+              <a:t>IE 526  Final Project</a:t>
+            </a:r>
+            <a:endParaRPr lang="en-US" dirty="0"/>
+          </a:p>
+        </p:txBody>
+      </p:sp>
+      <p:sp>
+        <p:nvSpPr>
+          <p:cNvPr id="6" name="Slide Number Placeholder 5">
+            <a:extLst>
+              <a:ext uri="{FF2B5EF4-FFF2-40B4-BE49-F238E27FC236}">
+                <a16:creationId xmlns:a16="http://schemas.microsoft.com/office/drawing/2014/main" id="{118A9A0E-246F-6548-9F42-A368463B69BD}"/>
+              </a:ext>
+            </a:extLst>
+          </p:cNvPr>
+          <p:cNvSpPr>
+            <a:spLocks noGrp="1"/>
+          </p:cNvSpPr>
+          <p:nvPr>
+            <p:ph type="sldNum" sz="quarter" idx="12"/>
+          </p:nvPr>
+        </p:nvSpPr>
+        <p:spPr/>
+        <p:txBody>
+          <a:bodyPr/>
+          <a:lstStyle/>
+          <a:p>
+            <a:pPr>
+              <a:defRPr/>
+            </a:pPr>
+            <a:fld id="{61875079-2EDC-4E24-99D6-3E823A45791C}" type="slidenum">
+              <a:rPr lang="en-US" smtClean="0"/>
+              <a:pPr>
+                <a:defRPr/>
+              </a:pPr>
+              <a:t>13</a:t>
+            </a:fld>
+            <a:endParaRPr lang="en-US" dirty="0"/>
+          </a:p>
+        </p:txBody>
+      </p:sp>
+    </p:spTree>
+    <p:extLst>
+      <p:ext uri="{BB962C8B-B14F-4D97-AF65-F5344CB8AC3E}">
+        <p14:creationId xmlns:p14="http://schemas.microsoft.com/office/powerpoint/2010/main" val="3180878793"/>
       </p:ext>
     </p:extLst>
   </p:cSld>
@@ -8659,7 +5797,7 @@
           <p:cNvPr id="2" name="Title 1">
             <a:extLst>
               <a:ext uri="{FF2B5EF4-FFF2-40B4-BE49-F238E27FC236}">
-                <a16:creationId xmlns:a16="http://schemas.microsoft.com/office/drawing/2014/main" id="{4A5E5E59-97A2-DF46-81C2-9218F68DB55F}"/>
+                <a16:creationId xmlns:a16="http://schemas.microsoft.com/office/drawing/2014/main" id="{9210993B-D132-A247-9568-0821E0E3149C}"/>
               </a:ext>
             </a:extLst>
           </p:cNvPr>
@@ -8680,7 +5818,7 @@
                 <a:latin typeface="Times New Roman" panose="02020603050405020304" pitchFamily="18" charset="0"/>
                 <a:cs typeface="Times New Roman" panose="02020603050405020304" pitchFamily="18" charset="0"/>
               </a:rPr>
-              <a:t>To simplify</a:t>
+              <a:t>Sampling</a:t>
             </a:r>
           </a:p>
         </p:txBody>
@@ -8690,7 +5828,7 @@
           <p:cNvPr id="3" name="Content Placeholder 2">
             <a:extLst>
               <a:ext uri="{FF2B5EF4-FFF2-40B4-BE49-F238E27FC236}">
-                <a16:creationId xmlns:a16="http://schemas.microsoft.com/office/drawing/2014/main" id="{754B84DA-7354-C64C-A35D-D4C3C76A71FC}"/>
+                <a16:creationId xmlns:a16="http://schemas.microsoft.com/office/drawing/2014/main" id="{F451DD55-1506-0642-86B7-20B770370ACD}"/>
               </a:ext>
             </a:extLst>
           </p:cNvPr>
@@ -8711,8 +5849,43 @@
                 <a:latin typeface="Times New Roman" panose="02020603050405020304" pitchFamily="18" charset="0"/>
                 <a:cs typeface="Times New Roman" panose="02020603050405020304" pitchFamily="18" charset="0"/>
               </a:rPr>
-              <a:t>Sampling data;</a:t>
-            </a:r>
+              <a:t>R (version 3.5.1);</a:t>
+            </a:r>
+          </a:p>
+          <a:p>
+            <a:r>
+              <a:rPr lang="en-US" dirty="0">
+                <a:latin typeface="Times New Roman" panose="02020603050405020304" pitchFamily="18" charset="0"/>
+                <a:cs typeface="Times New Roman" panose="02020603050405020304" pitchFamily="18" charset="0"/>
+              </a:rPr>
+              <a:t>Taking 50 customer locations:</a:t>
+            </a:r>
+          </a:p>
+          <a:p>
+            <a:pPr marL="0" indent="0">
+              <a:buNone/>
+            </a:pPr>
+            <a:r>
+              <a:rPr lang="en-US" dirty="0">
+                <a:latin typeface="Times New Roman" panose="02020603050405020304" pitchFamily="18" charset="0"/>
+                <a:cs typeface="Times New Roman" panose="02020603050405020304" pitchFamily="18" charset="0"/>
+              </a:rPr>
+              <a:t>	 with corresponding “distance”, “travel time”, etc.</a:t>
+            </a:r>
+          </a:p>
+          <a:p>
+            <a:r>
+              <a:rPr lang="en-US" dirty="0">
+                <a:latin typeface="Times New Roman" panose="02020603050405020304" pitchFamily="18" charset="0"/>
+                <a:cs typeface="Times New Roman" panose="02020603050405020304" pitchFamily="18" charset="0"/>
+                <a:hlinkClick r:id="rId2"/>
+              </a:rPr>
+              <a:t>R Code</a:t>
+            </a:r>
+            <a:endParaRPr lang="en-US" dirty="0">
+              <a:latin typeface="Times New Roman" panose="02020603050405020304" pitchFamily="18" charset="0"/>
+              <a:cs typeface="Times New Roman" panose="02020603050405020304" pitchFamily="18" charset="0"/>
+            </a:endParaRPr>
           </a:p>
           <a:p>
             <a:pPr marL="0" indent="0">
@@ -8723,15 +5896,6 @@
               <a:cs typeface="Times New Roman" panose="02020603050405020304" pitchFamily="18" charset="0"/>
             </a:endParaRPr>
           </a:p>
-          <a:p>
-            <a:r>
-              <a:rPr lang="en-US" dirty="0">
-                <a:latin typeface="Times New Roman" panose="02020603050405020304" pitchFamily="18" charset="0"/>
-                <a:cs typeface="Times New Roman" panose="02020603050405020304" pitchFamily="18" charset="0"/>
-              </a:rPr>
-              <a:t>Using another solver.</a:t>
-            </a:r>
-          </a:p>
         </p:txBody>
       </p:sp>
       <p:sp>
@@ -8739,7 +5903,7 @@
           <p:cNvPr id="4" name="Date Placeholder 3">
             <a:extLst>
               <a:ext uri="{FF2B5EF4-FFF2-40B4-BE49-F238E27FC236}">
-                <a16:creationId xmlns:a16="http://schemas.microsoft.com/office/drawing/2014/main" id="{5FAF45AD-7D73-774D-9B34-BD8287C28122}"/>
+                <a16:creationId xmlns:a16="http://schemas.microsoft.com/office/drawing/2014/main" id="{E7056494-5E49-2844-B843-4346ED1789E4}"/>
               </a:ext>
             </a:extLst>
           </p:cNvPr>
@@ -8771,7 +5935,7 @@
           <p:cNvPr id="5" name="Footer Placeholder 4">
             <a:extLst>
               <a:ext uri="{FF2B5EF4-FFF2-40B4-BE49-F238E27FC236}">
-                <a16:creationId xmlns:a16="http://schemas.microsoft.com/office/drawing/2014/main" id="{BF386D38-0542-804F-9683-7E7D0C2364C2}"/>
+                <a16:creationId xmlns:a16="http://schemas.microsoft.com/office/drawing/2014/main" id="{2CDFFD5C-A7C0-FE4B-9E0A-9A3927D6573E}"/>
               </a:ext>
             </a:extLst>
           </p:cNvPr>
@@ -8803,7 +5967,7 @@
           <p:cNvPr id="6" name="Slide Number Placeholder 5">
             <a:extLst>
               <a:ext uri="{FF2B5EF4-FFF2-40B4-BE49-F238E27FC236}">
-                <a16:creationId xmlns:a16="http://schemas.microsoft.com/office/drawing/2014/main" id="{118A9A0E-246F-6548-9F42-A368463B69BD}"/>
+                <a16:creationId xmlns:a16="http://schemas.microsoft.com/office/drawing/2014/main" id="{B675B3DE-F8C9-9643-B753-FDEC26C54FA4}"/>
               </a:ext>
             </a:extLst>
           </p:cNvPr>
@@ -8836,7 +6000,7 @@
     </p:spTree>
     <p:extLst>
       <p:ext uri="{BB962C8B-B14F-4D97-AF65-F5344CB8AC3E}">
-        <p14:creationId xmlns:p14="http://schemas.microsoft.com/office/powerpoint/2010/main" val="3180878793"/>
+        <p14:creationId xmlns:p14="http://schemas.microsoft.com/office/powerpoint/2010/main" val="581022003"/>
       </p:ext>
     </p:extLst>
   </p:cSld>
@@ -8868,7 +6032,7 @@
           <p:cNvPr id="2" name="Title 1">
             <a:extLst>
               <a:ext uri="{FF2B5EF4-FFF2-40B4-BE49-F238E27FC236}">
-                <a16:creationId xmlns:a16="http://schemas.microsoft.com/office/drawing/2014/main" id="{9210993B-D132-A247-9568-0821E0E3149C}"/>
+                <a16:creationId xmlns:a16="http://schemas.microsoft.com/office/drawing/2014/main" id="{95D0FC01-3C95-CE4B-8A89-EC9257461163}"/>
               </a:ext>
             </a:extLst>
           </p:cNvPr>
@@ -8889,7 +6053,7 @@
                 <a:latin typeface="Times New Roman" panose="02020603050405020304" pitchFamily="18" charset="0"/>
                 <a:cs typeface="Times New Roman" panose="02020603050405020304" pitchFamily="18" charset="0"/>
               </a:rPr>
-              <a:t>Sampling</a:t>
+              <a:t>Solving</a:t>
             </a:r>
           </a:p>
         </p:txBody>
@@ -8899,7 +6063,7 @@
           <p:cNvPr id="3" name="Content Placeholder 2">
             <a:extLst>
               <a:ext uri="{FF2B5EF4-FFF2-40B4-BE49-F238E27FC236}">
-                <a16:creationId xmlns:a16="http://schemas.microsoft.com/office/drawing/2014/main" id="{F451DD55-1506-0642-86B7-20B770370ACD}"/>
+                <a16:creationId xmlns:a16="http://schemas.microsoft.com/office/drawing/2014/main" id="{BA55EA25-08F2-654C-87C4-BEAFFA8A245F}"/>
               </a:ext>
             </a:extLst>
           </p:cNvPr>
@@ -8915,58 +6079,88 @@
           <a:bodyPr/>
           <a:lstStyle/>
           <a:p>
+            <a:r>
+              <a:rPr lang="en-US" dirty="0" err="1">
+                <a:latin typeface="Times New Roman" panose="02020603050405020304" pitchFamily="18" charset="0"/>
+                <a:cs typeface="Times New Roman" panose="02020603050405020304" pitchFamily="18" charset="0"/>
+              </a:rPr>
+              <a:t>Cplex</a:t>
+            </a:r>
             <a:r>
               <a:rPr lang="en-US" dirty="0">
                 <a:latin typeface="Times New Roman" panose="02020603050405020304" pitchFamily="18" charset="0"/>
                 <a:cs typeface="Times New Roman" panose="02020603050405020304" pitchFamily="18" charset="0"/>
               </a:rPr>
-              <a:t>R (version 3.5.1);</a:t>
-            </a:r>
-          </a:p>
-          <a:p>
+              <a:t> (version 12.8)</a:t>
+            </a:r>
+          </a:p>
+          <a:p>
+            <a:pPr marL="0" indent="0">
+              <a:buNone/>
+            </a:pPr>
             <a:r>
               <a:rPr lang="en-US" dirty="0">
                 <a:latin typeface="Times New Roman" panose="02020603050405020304" pitchFamily="18" charset="0"/>
                 <a:cs typeface="Times New Roman" panose="02020603050405020304" pitchFamily="18" charset="0"/>
               </a:rPr>
-              <a:t>Taking 50 customer locations:</a:t>
-            </a:r>
-          </a:p>
-          <a:p>
-            <a:pPr marL="0" indent="0">
-              <a:buNone/>
-            </a:pPr>
+              <a:t>	with Python (version 3.6.5) API;</a:t>
+            </a:r>
+          </a:p>
+          <a:p>
+            <a:endParaRPr lang="en-US" dirty="0">
+              <a:latin typeface="Times New Roman" panose="02020603050405020304" pitchFamily="18" charset="0"/>
+              <a:cs typeface="Times New Roman" panose="02020603050405020304" pitchFamily="18" charset="0"/>
+            </a:endParaRPr>
+          </a:p>
+          <a:p>
             <a:r>
               <a:rPr lang="en-US" dirty="0">
                 <a:latin typeface="Times New Roman" panose="02020603050405020304" pitchFamily="18" charset="0"/>
                 <a:cs typeface="Times New Roman" panose="02020603050405020304" pitchFamily="18" charset="0"/>
               </a:rPr>
-              <a:t>	 with corresponding “distance”, “travel time”, etc.</a:t>
-            </a:r>
-          </a:p>
-          <a:p>
+              <a:t>Python Code:</a:t>
+            </a:r>
+          </a:p>
+          <a:p>
+            <a:pPr lvl="1"/>
             <a:r>
               <a:rPr lang="en-US" dirty="0">
                 <a:latin typeface="Times New Roman" panose="02020603050405020304" pitchFamily="18" charset="0"/>
                 <a:cs typeface="Times New Roman" panose="02020603050405020304" pitchFamily="18" charset="0"/>
                 <a:hlinkClick r:id="rId2"/>
               </a:rPr>
-              <a:t>R Code</a:t>
+              <a:t>Main</a:t>
+            </a:r>
+            <a:r>
+              <a:rPr lang="en-US" dirty="0">
+                <a:latin typeface="Times New Roman" panose="02020603050405020304" pitchFamily="18" charset="0"/>
+                <a:cs typeface="Times New Roman" panose="02020603050405020304" pitchFamily="18" charset="0"/>
+              </a:rPr>
+              <a:t>;</a:t>
+            </a:r>
+          </a:p>
+          <a:p>
+            <a:pPr lvl="1"/>
+            <a:r>
+              <a:rPr lang="en-US">
+                <a:latin typeface="Times New Roman" panose="02020603050405020304" pitchFamily="18" charset="0"/>
+                <a:cs typeface="Times New Roman" panose="02020603050405020304" pitchFamily="18" charset="0"/>
+                <a:hlinkClick r:id="rId3"/>
+              </a:rPr>
+              <a:t>Model</a:t>
+            </a:r>
+            <a:r>
+              <a:rPr lang="en-US">
+                <a:latin typeface="Times New Roman" panose="02020603050405020304" pitchFamily="18" charset="0"/>
+                <a:cs typeface="Times New Roman" panose="02020603050405020304" pitchFamily="18" charset="0"/>
+              </a:rPr>
+              <a:t>.</a:t>
             </a:r>
             <a:endParaRPr lang="en-US" dirty="0">
               <a:latin typeface="Times New Roman" panose="02020603050405020304" pitchFamily="18" charset="0"/>
               <a:cs typeface="Times New Roman" panose="02020603050405020304" pitchFamily="18" charset="0"/>
             </a:endParaRPr>
           </a:p>
-          <a:p>
-            <a:pPr marL="0" indent="0">
-              <a:buNone/>
-            </a:pPr>
-            <a:endParaRPr lang="en-US" dirty="0">
-              <a:latin typeface="Times New Roman" panose="02020603050405020304" pitchFamily="18" charset="0"/>
-              <a:cs typeface="Times New Roman" panose="02020603050405020304" pitchFamily="18" charset="0"/>
-            </a:endParaRPr>
-          </a:p>
         </p:txBody>
       </p:sp>
       <p:sp>
@@ -8974,7 +6168,7 @@
           <p:cNvPr id="4" name="Date Placeholder 3">
             <a:extLst>
               <a:ext uri="{FF2B5EF4-FFF2-40B4-BE49-F238E27FC236}">
-                <a16:creationId xmlns:a16="http://schemas.microsoft.com/office/drawing/2014/main" id="{E7056494-5E49-2844-B843-4346ED1789E4}"/>
+                <a16:creationId xmlns:a16="http://schemas.microsoft.com/office/drawing/2014/main" id="{79F69208-592E-754D-A34C-A0D7FF146A1C}"/>
               </a:ext>
             </a:extLst>
           </p:cNvPr>
@@ -9006,7 +6200,7 @@
           <p:cNvPr id="5" name="Footer Placeholder 4">
             <a:extLst>
               <a:ext uri="{FF2B5EF4-FFF2-40B4-BE49-F238E27FC236}">
-                <a16:creationId xmlns:a16="http://schemas.microsoft.com/office/drawing/2014/main" id="{2CDFFD5C-A7C0-FE4B-9E0A-9A3927D6573E}"/>
+                <a16:creationId xmlns:a16="http://schemas.microsoft.com/office/drawing/2014/main" id="{ED72E35C-D905-1142-88DD-7CC6D9992FB7}"/>
               </a:ext>
             </a:extLst>
           </p:cNvPr>
@@ -9038,7 +6232,7 @@
           <p:cNvPr id="6" name="Slide Number Placeholder 5">
             <a:extLst>
               <a:ext uri="{FF2B5EF4-FFF2-40B4-BE49-F238E27FC236}">
-                <a16:creationId xmlns:a16="http://schemas.microsoft.com/office/drawing/2014/main" id="{B675B3DE-F8C9-9643-B753-FDEC26C54FA4}"/>
+                <a16:creationId xmlns:a16="http://schemas.microsoft.com/office/drawing/2014/main" id="{F8705F87-5334-6B43-8C5F-14BFABB67FD7}"/>
               </a:ext>
             </a:extLst>
           </p:cNvPr>
@@ -9071,7 +6265,7 @@
     </p:spTree>
     <p:extLst>
       <p:ext uri="{BB962C8B-B14F-4D97-AF65-F5344CB8AC3E}">
-        <p14:creationId xmlns:p14="http://schemas.microsoft.com/office/powerpoint/2010/main" val="581022003"/>
+        <p14:creationId xmlns:p14="http://schemas.microsoft.com/office/powerpoint/2010/main" val="3267548130"/>
       </p:ext>
     </p:extLst>
   </p:cSld>
@@ -9103,7 +6297,7 @@
           <p:cNvPr id="2" name="Title 1">
             <a:extLst>
               <a:ext uri="{FF2B5EF4-FFF2-40B4-BE49-F238E27FC236}">
-                <a16:creationId xmlns:a16="http://schemas.microsoft.com/office/drawing/2014/main" id="{95D0FC01-3C95-CE4B-8A89-EC9257461163}"/>
+                <a16:creationId xmlns:a16="http://schemas.microsoft.com/office/drawing/2014/main" id="{A74CC8C8-3058-924B-9EE7-C8AF0A624042}"/>
               </a:ext>
             </a:extLst>
           </p:cNvPr>
@@ -9124,7 +6318,7 @@
                 <a:latin typeface="Times New Roman" panose="02020603050405020304" pitchFamily="18" charset="0"/>
                 <a:cs typeface="Times New Roman" panose="02020603050405020304" pitchFamily="18" charset="0"/>
               </a:rPr>
-              <a:t>Solving</a:t>
+              <a:t>Solutions</a:t>
             </a:r>
           </a:p>
         </p:txBody>
@@ -9134,7 +6328,7 @@
           <p:cNvPr id="3" name="Content Placeholder 2">
             <a:extLst>
               <a:ext uri="{FF2B5EF4-FFF2-40B4-BE49-F238E27FC236}">
-                <a16:creationId xmlns:a16="http://schemas.microsoft.com/office/drawing/2014/main" id="{BA55EA25-08F2-654C-87C4-BEAFFA8A245F}"/>
+                <a16:creationId xmlns:a16="http://schemas.microsoft.com/office/drawing/2014/main" id="{AADD8674-9E7F-1949-A7D9-8CA3EF244B79}"/>
               </a:ext>
             </a:extLst>
           </p:cNvPr>
@@ -9150,82 +6344,13 @@
           <a:bodyPr/>
           <a:lstStyle/>
           <a:p>
-            <a:r>
-              <a:rPr lang="en-US" dirty="0" err="1">
-                <a:latin typeface="Times New Roman" panose="02020603050405020304" pitchFamily="18" charset="0"/>
-                <a:cs typeface="Times New Roman" panose="02020603050405020304" pitchFamily="18" charset="0"/>
-              </a:rPr>
-              <a:t>Cplex</a:t>
-            </a:r>
-            <a:r>
-              <a:rPr lang="en-US" dirty="0">
-                <a:latin typeface="Times New Roman" panose="02020603050405020304" pitchFamily="18" charset="0"/>
-                <a:cs typeface="Times New Roman" panose="02020603050405020304" pitchFamily="18" charset="0"/>
-              </a:rPr>
-              <a:t> (version 12.8)</a:t>
-            </a:r>
-          </a:p>
-          <a:p>
-            <a:pPr marL="0" indent="0">
-              <a:buNone/>
-            </a:pPr>
-            <a:r>
-              <a:rPr lang="en-US" dirty="0">
-                <a:latin typeface="Times New Roman" panose="02020603050405020304" pitchFamily="18" charset="0"/>
-                <a:cs typeface="Times New Roman" panose="02020603050405020304" pitchFamily="18" charset="0"/>
-              </a:rPr>
-              <a:t>	with Python (version 3.6.5) API;</a:t>
-            </a:r>
-          </a:p>
-          <a:p>
-            <a:endParaRPr lang="en-US" dirty="0">
-              <a:latin typeface="Times New Roman" panose="02020603050405020304" pitchFamily="18" charset="0"/>
-              <a:cs typeface="Times New Roman" panose="02020603050405020304" pitchFamily="18" charset="0"/>
-            </a:endParaRPr>
-          </a:p>
-          <a:p>
-            <a:r>
-              <a:rPr lang="en-US" dirty="0">
-                <a:latin typeface="Times New Roman" panose="02020603050405020304" pitchFamily="18" charset="0"/>
-                <a:cs typeface="Times New Roman" panose="02020603050405020304" pitchFamily="18" charset="0"/>
-              </a:rPr>
-              <a:t>Python Code:</a:t>
-            </a:r>
-          </a:p>
-          <a:p>
-            <a:pPr lvl="1"/>
             <a:r>
               <a:rPr lang="en-US" dirty="0">
                 <a:latin typeface="Times New Roman" panose="02020603050405020304" pitchFamily="18" charset="0"/>
                 <a:cs typeface="Times New Roman" panose="02020603050405020304" pitchFamily="18" charset="0"/>
                 <a:hlinkClick r:id="rId2"/>
               </a:rPr>
-              <a:t>Main</a:t>
-            </a:r>
-            <a:r>
-              <a:rPr lang="en-US" dirty="0">
-                <a:latin typeface="Times New Roman" panose="02020603050405020304" pitchFamily="18" charset="0"/>
-                <a:cs typeface="Times New Roman" panose="02020603050405020304" pitchFamily="18" charset="0"/>
-              </a:rPr>
-              <a:t>;</a:t>
-            </a:r>
-          </a:p>
-          <a:p>
-            <a:pPr lvl="1"/>
-            <a:r>
-              <a:rPr lang="en-US">
-                <a:latin typeface="Times New Roman" panose="02020603050405020304" pitchFamily="18" charset="0"/>
-                <a:cs typeface="Times New Roman" panose="02020603050405020304" pitchFamily="18" charset="0"/>
-                <a:hlinkClick r:id="rId3"/>
-              </a:rPr>
-              <a:t>Model</a:t>
-            </a:r>
-            <a:r>
-              <a:rPr lang="en-US">
-                <a:latin typeface="Times New Roman" panose="02020603050405020304" pitchFamily="18" charset="0"/>
-                <a:cs typeface="Times New Roman" panose="02020603050405020304" pitchFamily="18" charset="0"/>
-              </a:rPr>
-              <a:t>.</a:t>
+              <a:t>Solution File</a:t>
             </a:r>
             <a:endParaRPr lang="en-US" dirty="0">
               <a:latin typeface="Times New Roman" panose="02020603050405020304" pitchFamily="18" charset="0"/>
@@ -9239,7 +6364,7 @@
           <p:cNvPr id="4" name="Date Placeholder 3">
             <a:extLst>
               <a:ext uri="{FF2B5EF4-FFF2-40B4-BE49-F238E27FC236}">
-                <a16:creationId xmlns:a16="http://schemas.microsoft.com/office/drawing/2014/main" id="{79F69208-592E-754D-A34C-A0D7FF146A1C}"/>
+                <a16:creationId xmlns:a16="http://schemas.microsoft.com/office/drawing/2014/main" id="{3183625A-DEBC-7749-ACB7-B69A1D92DB27}"/>
               </a:ext>
             </a:extLst>
           </p:cNvPr>
@@ -9271,7 +6396,7 @@
           <p:cNvPr id="5" name="Footer Placeholder 4">
             <a:extLst>
               <a:ext uri="{FF2B5EF4-FFF2-40B4-BE49-F238E27FC236}">
-                <a16:creationId xmlns:a16="http://schemas.microsoft.com/office/drawing/2014/main" id="{ED72E35C-D905-1142-88DD-7CC6D9992FB7}"/>
+                <a16:creationId xmlns:a16="http://schemas.microsoft.com/office/drawing/2014/main" id="{6E9198A2-45FC-AF4C-9C41-CE1BD8D0CF0F}"/>
               </a:ext>
             </a:extLst>
           </p:cNvPr>
@@ -9303,7 +6428,7 @@
           <p:cNvPr id="6" name="Slide Number Placeholder 5">
             <a:extLst>
               <a:ext uri="{FF2B5EF4-FFF2-40B4-BE49-F238E27FC236}">
-                <a16:creationId xmlns:a16="http://schemas.microsoft.com/office/drawing/2014/main" id="{F8705F87-5334-6B43-8C5F-14BFABB67FD7}"/>
+                <a16:creationId xmlns:a16="http://schemas.microsoft.com/office/drawing/2014/main" id="{E8C01078-00EE-2140-AEA6-9A09CDF65EE2}"/>
               </a:ext>
             </a:extLst>
           </p:cNvPr>
@@ -9336,7 +6461,7 @@
     </p:spTree>
     <p:extLst>
       <p:ext uri="{BB962C8B-B14F-4D97-AF65-F5344CB8AC3E}">
-        <p14:creationId xmlns:p14="http://schemas.microsoft.com/office/powerpoint/2010/main" val="3267548130"/>
+        <p14:creationId xmlns:p14="http://schemas.microsoft.com/office/powerpoint/2010/main" val="56359873"/>
       </p:ext>
     </p:extLst>
   </p:cSld>
@@ -9368,7 +6493,7 @@
           <p:cNvPr id="2" name="Title 1">
             <a:extLst>
               <a:ext uri="{FF2B5EF4-FFF2-40B4-BE49-F238E27FC236}">
-                <a16:creationId xmlns:a16="http://schemas.microsoft.com/office/drawing/2014/main" id="{A74CC8C8-3058-924B-9EE7-C8AF0A624042}"/>
+                <a16:creationId xmlns:a16="http://schemas.microsoft.com/office/drawing/2014/main" id="{BBC6688A-9401-274D-8DB3-E46426D33EBB}"/>
               </a:ext>
             </a:extLst>
           </p:cNvPr>
@@ -9384,49 +6509,20 @@
           <a:bodyPr/>
           <a:lstStyle/>
           <a:p>
+            <a:r>
+              <a:rPr lang="en-US" dirty="0" err="1">
+                <a:latin typeface="Times New Roman" panose="02020603050405020304" pitchFamily="18" charset="0"/>
+                <a:cs typeface="Times New Roman" panose="02020603050405020304" pitchFamily="18" charset="0"/>
+              </a:rPr>
+              <a:t>Anylogic</a:t>
+            </a:r>
             <a:r>
               <a:rPr lang="en-US" dirty="0">
                 <a:latin typeface="Times New Roman" panose="02020603050405020304" pitchFamily="18" charset="0"/>
                 <a:cs typeface="Times New Roman" panose="02020603050405020304" pitchFamily="18" charset="0"/>
               </a:rPr>
-              <a:t>Solutions</a:t>
-            </a:r>
-          </a:p>
-        </p:txBody>
-      </p:sp>
-      <p:sp>
-        <p:nvSpPr>
-          <p:cNvPr id="3" name="Content Placeholder 2">
-            <a:extLst>
-              <a:ext uri="{FF2B5EF4-FFF2-40B4-BE49-F238E27FC236}">
-                <a16:creationId xmlns:a16="http://schemas.microsoft.com/office/drawing/2014/main" id="{AADD8674-9E7F-1949-A7D9-8CA3EF244B79}"/>
-              </a:ext>
-            </a:extLst>
-          </p:cNvPr>
-          <p:cNvSpPr>
-            <a:spLocks noGrp="1"/>
-          </p:cNvSpPr>
-          <p:nvPr>
-            <p:ph idx="1"/>
-          </p:nvPr>
-        </p:nvSpPr>
-        <p:spPr/>
-        <p:txBody>
-          <a:bodyPr/>
-          <a:lstStyle/>
-          <a:p>
-            <a:r>
-              <a:rPr lang="en-US" dirty="0">
-                <a:latin typeface="Times New Roman" panose="02020603050405020304" pitchFamily="18" charset="0"/>
-                <a:cs typeface="Times New Roman" panose="02020603050405020304" pitchFamily="18" charset="0"/>
-                <a:hlinkClick r:id="rId2"/>
-              </a:rPr>
-              <a:t>Solution File</a:t>
-            </a:r>
-            <a:endParaRPr lang="en-US" dirty="0">
-              <a:latin typeface="Times New Roman" panose="02020603050405020304" pitchFamily="18" charset="0"/>
-              <a:cs typeface="Times New Roman" panose="02020603050405020304" pitchFamily="18" charset="0"/>
-            </a:endParaRPr>
+              <a:t> Model</a:t>
+            </a:r>
           </a:p>
         </p:txBody>
       </p:sp>
@@ -9435,7 +6531,7 @@
           <p:cNvPr id="4" name="Date Placeholder 3">
             <a:extLst>
               <a:ext uri="{FF2B5EF4-FFF2-40B4-BE49-F238E27FC236}">
-                <a16:creationId xmlns:a16="http://schemas.microsoft.com/office/drawing/2014/main" id="{3183625A-DEBC-7749-ACB7-B69A1D92DB27}"/>
+                <a16:creationId xmlns:a16="http://schemas.microsoft.com/office/drawing/2014/main" id="{65AE9C51-D29A-A047-A19F-0BAB9B12E9F3}"/>
               </a:ext>
             </a:extLst>
           </p:cNvPr>
@@ -9455,10 +6551,14 @@
               <a:defRPr/>
             </a:pPr>
             <a:r>
-              <a:rPr lang="en-US"/>
+              <a:rPr lang="en-US">
+                <a:cs typeface="Times New Roman" panose="02020603050405020304" pitchFamily="18" charset="0"/>
+              </a:rPr>
               <a:t>November 26</a:t>
             </a:r>
-            <a:endParaRPr lang="en-US" dirty="0"/>
+            <a:endParaRPr lang="en-US" dirty="0">
+              <a:cs typeface="Times New Roman" panose="02020603050405020304" pitchFamily="18" charset="0"/>
+            </a:endParaRPr>
           </a:p>
         </p:txBody>
       </p:sp>
@@ -9467,7 +6567,7 @@
           <p:cNvPr id="5" name="Footer Placeholder 4">
             <a:extLst>
               <a:ext uri="{FF2B5EF4-FFF2-40B4-BE49-F238E27FC236}">
-                <a16:creationId xmlns:a16="http://schemas.microsoft.com/office/drawing/2014/main" id="{6E9198A2-45FC-AF4C-9C41-CE1BD8D0CF0F}"/>
+                <a16:creationId xmlns:a16="http://schemas.microsoft.com/office/drawing/2014/main" id="{9F991618-3828-3B41-BD69-42998E16B464}"/>
               </a:ext>
             </a:extLst>
           </p:cNvPr>
@@ -9487,10 +6587,14 @@
               <a:defRPr/>
             </a:pPr>
             <a:r>
-              <a:rPr lang="en-US"/>
+              <a:rPr lang="en-US">
+                <a:cs typeface="Times New Roman" panose="02020603050405020304" pitchFamily="18" charset="0"/>
+              </a:rPr>
               <a:t>IE 526  Final Project</a:t>
             </a:r>
-            <a:endParaRPr lang="en-US" dirty="0"/>
+            <a:endParaRPr lang="en-US" dirty="0">
+              <a:cs typeface="Times New Roman" panose="02020603050405020304" pitchFamily="18" charset="0"/>
+            </a:endParaRPr>
           </a:p>
         </p:txBody>
       </p:sp>
@@ -9499,7 +6603,7 @@
           <p:cNvPr id="6" name="Slide Number Placeholder 5">
             <a:extLst>
               <a:ext uri="{FF2B5EF4-FFF2-40B4-BE49-F238E27FC236}">
-                <a16:creationId xmlns:a16="http://schemas.microsoft.com/office/drawing/2014/main" id="{E8C01078-00EE-2140-AEA6-9A09CDF65EE2}"/>
+                <a16:creationId xmlns:a16="http://schemas.microsoft.com/office/drawing/2014/main" id="{176615A9-FE84-7444-BCCF-CEE3E3D3E7BC}"/>
               </a:ext>
             </a:extLst>
           </p:cNvPr>
@@ -9519,20 +6623,166 @@
               <a:defRPr/>
             </a:pPr>
             <a:fld id="{61875079-2EDC-4E24-99D6-3E823A45791C}" type="slidenum">
-              <a:rPr lang="en-US" smtClean="0"/>
+              <a:rPr lang="en-US" smtClean="0">
+                <a:cs typeface="Times New Roman" panose="02020603050405020304" pitchFamily="18" charset="0"/>
+              </a:rPr>
               <a:pPr>
                 <a:defRPr/>
               </a:pPr>
               <a:t>17</a:t>
             </a:fld>
-            <a:endParaRPr lang="en-US" dirty="0"/>
+            <a:endParaRPr lang="en-US" dirty="0">
+              <a:cs typeface="Times New Roman" panose="02020603050405020304" pitchFamily="18" charset="0"/>
+            </a:endParaRPr>
+          </a:p>
+        </p:txBody>
+      </p:sp>
+      <p:pic>
+        <p:nvPicPr>
+          <p:cNvPr id="7" name="Picture 6">
+            <a:extLst>
+              <a:ext uri="{FF2B5EF4-FFF2-40B4-BE49-F238E27FC236}">
+                <a16:creationId xmlns:a16="http://schemas.microsoft.com/office/drawing/2014/main" id="{4543C318-4F71-9047-B4DA-6071CDFB7700}"/>
+              </a:ext>
+            </a:extLst>
+          </p:cNvPr>
+          <p:cNvPicPr>
+            <a:picLocks noChangeAspect="1"/>
+          </p:cNvPicPr>
+          <p:nvPr/>
+        </p:nvPicPr>
+        <p:blipFill>
+          <a:blip r:embed="rId2">
+            <a:extLst>
+              <a:ext uri="{28A0092B-C50C-407E-A947-70E740481C1C}">
+                <a14:useLocalDpi xmlns:a14="http://schemas.microsoft.com/office/drawing/2010/main" val="0"/>
+              </a:ext>
+            </a:extLst>
+          </a:blip>
+          <a:stretch>
+            <a:fillRect/>
+          </a:stretch>
+        </p:blipFill>
+        <p:spPr>
+          <a:xfrm>
+            <a:off x="3352800" y="1524000"/>
+            <a:ext cx="4663369" cy="4417045"/>
+          </a:xfrm>
+          <a:prstGeom prst="rect">
+            <a:avLst/>
+          </a:prstGeom>
+        </p:spPr>
+      </p:pic>
+      <p:sp>
+        <p:nvSpPr>
+          <p:cNvPr id="8" name="TextBox 7">
+            <a:extLst>
+              <a:ext uri="{FF2B5EF4-FFF2-40B4-BE49-F238E27FC236}">
+                <a16:creationId xmlns:a16="http://schemas.microsoft.com/office/drawing/2014/main" id="{9B983E29-553B-5041-BA3E-5E34548D3869}"/>
+              </a:ext>
+            </a:extLst>
+          </p:cNvPr>
+          <p:cNvSpPr txBox="1"/>
+          <p:nvPr/>
+        </p:nvSpPr>
+        <p:spPr>
+          <a:xfrm>
+            <a:off x="4800600" y="1062335"/>
+            <a:ext cx="1492716" cy="461665"/>
+          </a:xfrm>
+          <a:prstGeom prst="rect">
+            <a:avLst/>
+          </a:prstGeom>
+          <a:noFill/>
+        </p:spPr>
+        <p:txBody>
+          <a:bodyPr wrap="none" rtlCol="0">
+            <a:spAutoFit/>
+          </a:bodyPr>
+          <a:lstStyle/>
+          <a:p>
+            <a:r>
+              <a:rPr lang="en-US" sz="2400" dirty="0">
+                <a:solidFill>
+                  <a:schemeClr val="tx1"/>
+                </a:solidFill>
+              </a:rPr>
+              <a:t>GIS MAP</a:t>
+            </a:r>
+          </a:p>
+        </p:txBody>
+      </p:sp>
+      <p:sp>
+        <p:nvSpPr>
+          <p:cNvPr id="9" name="TextBox 8">
+            <a:extLst>
+              <a:ext uri="{FF2B5EF4-FFF2-40B4-BE49-F238E27FC236}">
+                <a16:creationId xmlns:a16="http://schemas.microsoft.com/office/drawing/2014/main" id="{D807F127-C2EB-554A-833E-4EC2175CAD7E}"/>
+              </a:ext>
+            </a:extLst>
+          </p:cNvPr>
+          <p:cNvSpPr txBox="1"/>
+          <p:nvPr/>
+        </p:nvSpPr>
+        <p:spPr>
+          <a:xfrm>
+            <a:off x="628650" y="2187843"/>
+            <a:ext cx="2859717" cy="1323439"/>
+          </a:xfrm>
+          <a:prstGeom prst="rect">
+            <a:avLst/>
+          </a:prstGeom>
+          <a:noFill/>
+        </p:spPr>
+        <p:txBody>
+          <a:bodyPr wrap="square" rtlCol="0">
+            <a:spAutoFit/>
+          </a:bodyPr>
+          <a:lstStyle/>
+          <a:p>
+            <a:pPr algn="l"/>
+            <a:r>
+              <a:rPr lang="en-US" sz="1600" dirty="0">
+                <a:solidFill>
+                  <a:schemeClr val="tx1"/>
+                </a:solidFill>
+              </a:rPr>
+              <a:t>1.Import database </a:t>
+            </a:r>
+          </a:p>
+          <a:p>
+            <a:pPr algn="l"/>
+            <a:endParaRPr lang="en-US" sz="1600" dirty="0">
+              <a:solidFill>
+                <a:schemeClr val="tx1"/>
+              </a:solidFill>
+            </a:endParaRPr>
+          </a:p>
+          <a:p>
+            <a:pPr algn="l"/>
+            <a:endParaRPr lang="en-US" sz="1600" dirty="0">
+              <a:solidFill>
+                <a:schemeClr val="tx1"/>
+              </a:solidFill>
+            </a:endParaRPr>
+          </a:p>
+          <a:p>
+            <a:pPr algn="l"/>
+            <a:r>
+              <a:rPr lang="en-US" sz="1600" dirty="0">
+                <a:solidFill>
+                  <a:schemeClr val="tx1"/>
+                </a:solidFill>
+              </a:rPr>
+              <a:t>2.Locate distributor and customers</a:t>
+            </a:r>
           </a:p>
         </p:txBody>
       </p:sp>
     </p:spTree>
     <p:extLst>
       <p:ext uri="{BB962C8B-B14F-4D97-AF65-F5344CB8AC3E}">
-        <p14:creationId xmlns:p14="http://schemas.microsoft.com/office/powerpoint/2010/main" val="56359873"/>
+        <p14:creationId xmlns:p14="http://schemas.microsoft.com/office/powerpoint/2010/main" val="756127279"/>
       </p:ext>
     </p:extLst>
   </p:cSld>
@@ -9559,168 +6809,21 @@
           <a:chExt cx="0" cy="0"/>
         </a:xfrm>
       </p:grpSpPr>
-      <p:sp>
-        <p:nvSpPr>
-          <p:cNvPr id="2" name="Title 1">
-            <a:extLst>
-              <a:ext uri="{FF2B5EF4-FFF2-40B4-BE49-F238E27FC236}">
-                <a16:creationId xmlns:a16="http://schemas.microsoft.com/office/drawing/2014/main" id="{BBC6688A-9401-274D-8DB3-E46426D33EBB}"/>
-              </a:ext>
-            </a:extLst>
-          </p:cNvPr>
-          <p:cNvSpPr>
-            <a:spLocks noGrp="1"/>
-          </p:cNvSpPr>
-          <p:nvPr>
-            <p:ph type="title"/>
-          </p:nvPr>
-        </p:nvSpPr>
-        <p:spPr/>
-        <p:txBody>
-          <a:bodyPr/>
-          <a:lstStyle/>
-          <a:p>
-            <a:r>
-              <a:rPr lang="en-US" dirty="0" err="1">
-                <a:latin typeface="Times New Roman" panose="02020603050405020304" pitchFamily="18" charset="0"/>
-                <a:cs typeface="Times New Roman" panose="02020603050405020304" pitchFamily="18" charset="0"/>
-              </a:rPr>
-              <a:t>Anylogic</a:t>
-            </a:r>
-            <a:r>
-              <a:rPr lang="en-US" dirty="0">
-                <a:latin typeface="Times New Roman" panose="02020603050405020304" pitchFamily="18" charset="0"/>
-                <a:cs typeface="Times New Roman" panose="02020603050405020304" pitchFamily="18" charset="0"/>
-              </a:rPr>
-              <a:t> Model</a:t>
-            </a:r>
-          </a:p>
-        </p:txBody>
-      </p:sp>
-      <p:sp>
-        <p:nvSpPr>
-          <p:cNvPr id="4" name="Date Placeholder 3">
-            <a:extLst>
-              <a:ext uri="{FF2B5EF4-FFF2-40B4-BE49-F238E27FC236}">
-                <a16:creationId xmlns:a16="http://schemas.microsoft.com/office/drawing/2014/main" id="{65AE9C51-D29A-A047-A19F-0BAB9B12E9F3}"/>
-              </a:ext>
-            </a:extLst>
-          </p:cNvPr>
-          <p:cNvSpPr>
-            <a:spLocks noGrp="1"/>
-          </p:cNvSpPr>
-          <p:nvPr>
-            <p:ph type="dt" sz="half" idx="10"/>
-          </p:nvPr>
-        </p:nvSpPr>
-        <p:spPr/>
-        <p:txBody>
-          <a:bodyPr/>
-          <a:lstStyle/>
-          <a:p>
-            <a:pPr>
-              <a:defRPr/>
-            </a:pPr>
-            <a:r>
-              <a:rPr lang="en-US">
-                <a:cs typeface="Times New Roman" panose="02020603050405020304" pitchFamily="18" charset="0"/>
-              </a:rPr>
-              <a:t>November 26</a:t>
-            </a:r>
-            <a:endParaRPr lang="en-US" dirty="0">
-              <a:cs typeface="Times New Roman" panose="02020603050405020304" pitchFamily="18" charset="0"/>
-            </a:endParaRPr>
-          </a:p>
-        </p:txBody>
-      </p:sp>
-      <p:sp>
-        <p:nvSpPr>
-          <p:cNvPr id="5" name="Footer Placeholder 4">
-            <a:extLst>
-              <a:ext uri="{FF2B5EF4-FFF2-40B4-BE49-F238E27FC236}">
-                <a16:creationId xmlns:a16="http://schemas.microsoft.com/office/drawing/2014/main" id="{9F991618-3828-3B41-BD69-42998E16B464}"/>
-              </a:ext>
-            </a:extLst>
-          </p:cNvPr>
-          <p:cNvSpPr>
-            <a:spLocks noGrp="1"/>
-          </p:cNvSpPr>
-          <p:nvPr>
-            <p:ph type="ftr" sz="quarter" idx="11"/>
-          </p:nvPr>
-        </p:nvSpPr>
-        <p:spPr/>
-        <p:txBody>
-          <a:bodyPr/>
-          <a:lstStyle/>
-          <a:p>
-            <a:pPr>
-              <a:defRPr/>
-            </a:pPr>
-            <a:r>
-              <a:rPr lang="en-US">
-                <a:cs typeface="Times New Roman" panose="02020603050405020304" pitchFamily="18" charset="0"/>
-              </a:rPr>
-              <a:t>IE 526  Final Project</a:t>
-            </a:r>
-            <a:endParaRPr lang="en-US" dirty="0">
-              <a:cs typeface="Times New Roman" panose="02020603050405020304" pitchFamily="18" charset="0"/>
-            </a:endParaRPr>
-          </a:p>
-        </p:txBody>
-      </p:sp>
-      <p:sp>
-        <p:nvSpPr>
-          <p:cNvPr id="6" name="Slide Number Placeholder 5">
-            <a:extLst>
-              <a:ext uri="{FF2B5EF4-FFF2-40B4-BE49-F238E27FC236}">
-                <a16:creationId xmlns:a16="http://schemas.microsoft.com/office/drawing/2014/main" id="{176615A9-FE84-7444-BCCF-CEE3E3D3E7BC}"/>
-              </a:ext>
-            </a:extLst>
-          </p:cNvPr>
-          <p:cNvSpPr>
-            <a:spLocks noGrp="1"/>
-          </p:cNvSpPr>
-          <p:nvPr>
-            <p:ph type="sldNum" sz="quarter" idx="12"/>
-          </p:nvPr>
-        </p:nvSpPr>
-        <p:spPr/>
-        <p:txBody>
-          <a:bodyPr/>
-          <a:lstStyle/>
-          <a:p>
-            <a:pPr>
-              <a:defRPr/>
-            </a:pPr>
-            <a:fld id="{61875079-2EDC-4E24-99D6-3E823A45791C}" type="slidenum">
-              <a:rPr lang="en-US" smtClean="0">
-                <a:cs typeface="Times New Roman" panose="02020603050405020304" pitchFamily="18" charset="0"/>
-              </a:rPr>
-              <a:pPr>
-                <a:defRPr/>
-              </a:pPr>
-              <a:t>18</a:t>
-            </a:fld>
-            <a:endParaRPr lang="en-US" dirty="0">
-              <a:cs typeface="Times New Roman" panose="02020603050405020304" pitchFamily="18" charset="0"/>
-            </a:endParaRPr>
-          </a:p>
-        </p:txBody>
-      </p:sp>
       <p:pic>
         <p:nvPicPr>
-          <p:cNvPr id="7" name="Picture 6">
-            <a:extLst>
-              <a:ext uri="{FF2B5EF4-FFF2-40B4-BE49-F238E27FC236}">
-                <a16:creationId xmlns:a16="http://schemas.microsoft.com/office/drawing/2014/main" id="{4543C318-4F71-9047-B4DA-6071CDFB7700}"/>
+          <p:cNvPr id="8" name="Content Placeholder 7">
+            <a:extLst>
+              <a:ext uri="{FF2B5EF4-FFF2-40B4-BE49-F238E27FC236}">
+                <a16:creationId xmlns:a16="http://schemas.microsoft.com/office/drawing/2014/main" id="{DF7399EF-C691-1449-A1D9-1FAEA929598B}"/>
               </a:ext>
             </a:extLst>
           </p:cNvPr>
           <p:cNvPicPr>
-            <a:picLocks noChangeAspect="1"/>
+            <a:picLocks noGrp="1" noChangeAspect="1"/>
           </p:cNvPicPr>
-          <p:nvPr/>
+          <p:nvPr>
+            <p:ph idx="1"/>
+          </p:nvPr>
         </p:nvPicPr>
         <p:blipFill>
           <a:blip r:embed="rId2">
@@ -9736,8 +6839,140 @@
         </p:blipFill>
         <p:spPr>
           <a:xfrm>
-            <a:off x="3352800" y="1524000"/>
-            <a:ext cx="4663369" cy="4417045"/>
+            <a:off x="3099104" y="3657600"/>
+            <a:ext cx="5611424" cy="2133600"/>
+          </a:xfrm>
+        </p:spPr>
+      </p:pic>
+      <p:sp>
+        <p:nvSpPr>
+          <p:cNvPr id="4" name="Date Placeholder 3">
+            <a:extLst>
+              <a:ext uri="{FF2B5EF4-FFF2-40B4-BE49-F238E27FC236}">
+                <a16:creationId xmlns:a16="http://schemas.microsoft.com/office/drawing/2014/main" id="{B37AD6BC-DF90-0145-8853-6CE5BDB680E5}"/>
+              </a:ext>
+            </a:extLst>
+          </p:cNvPr>
+          <p:cNvSpPr>
+            <a:spLocks noGrp="1"/>
+          </p:cNvSpPr>
+          <p:nvPr>
+            <p:ph type="dt" sz="half" idx="10"/>
+          </p:nvPr>
+        </p:nvSpPr>
+        <p:spPr/>
+        <p:txBody>
+          <a:bodyPr/>
+          <a:lstStyle/>
+          <a:p>
+            <a:pPr>
+              <a:defRPr/>
+            </a:pPr>
+            <a:r>
+              <a:rPr lang="en-US"/>
+              <a:t>November 26</a:t>
+            </a:r>
+            <a:endParaRPr lang="en-US" dirty="0"/>
+          </a:p>
+        </p:txBody>
+      </p:sp>
+      <p:sp>
+        <p:nvSpPr>
+          <p:cNvPr id="5" name="Footer Placeholder 4">
+            <a:extLst>
+              <a:ext uri="{FF2B5EF4-FFF2-40B4-BE49-F238E27FC236}">
+                <a16:creationId xmlns:a16="http://schemas.microsoft.com/office/drawing/2014/main" id="{F0FAF232-ED08-B846-B812-D67CD68ECF8C}"/>
+              </a:ext>
+            </a:extLst>
+          </p:cNvPr>
+          <p:cNvSpPr>
+            <a:spLocks noGrp="1"/>
+          </p:cNvSpPr>
+          <p:nvPr>
+            <p:ph type="ftr" sz="quarter" idx="11"/>
+          </p:nvPr>
+        </p:nvSpPr>
+        <p:spPr/>
+        <p:txBody>
+          <a:bodyPr/>
+          <a:lstStyle/>
+          <a:p>
+            <a:pPr>
+              <a:defRPr/>
+            </a:pPr>
+            <a:r>
+              <a:rPr lang="en-US"/>
+              <a:t>IE 526  Final Project</a:t>
+            </a:r>
+            <a:endParaRPr lang="en-US" dirty="0"/>
+          </a:p>
+        </p:txBody>
+      </p:sp>
+      <p:sp>
+        <p:nvSpPr>
+          <p:cNvPr id="6" name="Slide Number Placeholder 5">
+            <a:extLst>
+              <a:ext uri="{FF2B5EF4-FFF2-40B4-BE49-F238E27FC236}">
+                <a16:creationId xmlns:a16="http://schemas.microsoft.com/office/drawing/2014/main" id="{81FE772E-0350-4A4D-B828-F6E3424DBC63}"/>
+              </a:ext>
+            </a:extLst>
+          </p:cNvPr>
+          <p:cNvSpPr>
+            <a:spLocks noGrp="1"/>
+          </p:cNvSpPr>
+          <p:nvPr>
+            <p:ph type="sldNum" sz="quarter" idx="12"/>
+          </p:nvPr>
+        </p:nvSpPr>
+        <p:spPr/>
+        <p:txBody>
+          <a:bodyPr/>
+          <a:lstStyle/>
+          <a:p>
+            <a:pPr>
+              <a:defRPr/>
+            </a:pPr>
+            <a:fld id="{61875079-2EDC-4E24-99D6-3E823A45791C}" type="slidenum">
+              <a:rPr lang="en-US" smtClean="0"/>
+              <a:pPr>
+                <a:defRPr/>
+              </a:pPr>
+              <a:t>18</a:t>
+            </a:fld>
+            <a:endParaRPr lang="en-US" dirty="0"/>
+          </a:p>
+        </p:txBody>
+      </p:sp>
+      <p:pic>
+        <p:nvPicPr>
+          <p:cNvPr id="3" name="Picture 2">
+            <a:extLst>
+              <a:ext uri="{FF2B5EF4-FFF2-40B4-BE49-F238E27FC236}">
+                <a16:creationId xmlns:a16="http://schemas.microsoft.com/office/drawing/2014/main" id="{883F52B0-832B-2544-92FB-05A07540B2F4}"/>
+              </a:ext>
+            </a:extLst>
+          </p:cNvPr>
+          <p:cNvPicPr>
+            <a:picLocks noChangeAspect="1"/>
+          </p:cNvPicPr>
+          <p:nvPr/>
+        </p:nvPicPr>
+        <p:blipFill>
+          <a:blip r:embed="rId3">
+            <a:extLst>
+              <a:ext uri="{28A0092B-C50C-407E-A947-70E740481C1C}">
+                <a14:useLocalDpi xmlns:a14="http://schemas.microsoft.com/office/drawing/2010/main" val="0"/>
+              </a:ext>
+            </a:extLst>
+          </a:blip>
+          <a:stretch>
+            <a:fillRect/>
+          </a:stretch>
+        </p:blipFill>
+        <p:spPr>
+          <a:xfrm>
+            <a:off x="927484" y="1427291"/>
+            <a:ext cx="4202932" cy="2230309"/>
           </a:xfrm>
           <a:prstGeom prst="rect">
             <a:avLst/>
@@ -9746,106 +6981,86 @@
       </p:pic>
       <p:sp>
         <p:nvSpPr>
-          <p:cNvPr id="8" name="TextBox 7">
-            <a:extLst>
-              <a:ext uri="{FF2B5EF4-FFF2-40B4-BE49-F238E27FC236}">
-                <a16:creationId xmlns:a16="http://schemas.microsoft.com/office/drawing/2014/main" id="{9B983E29-553B-5041-BA3E-5E34548D3869}"/>
-              </a:ext>
-            </a:extLst>
-          </p:cNvPr>
-          <p:cNvSpPr txBox="1"/>
+          <p:cNvPr id="7" name="Bent Arrow 6">
+            <a:extLst>
+              <a:ext uri="{FF2B5EF4-FFF2-40B4-BE49-F238E27FC236}">
+                <a16:creationId xmlns:a16="http://schemas.microsoft.com/office/drawing/2014/main" id="{ECF69785-EB3D-7546-BEE0-408AA0DBE3FB}"/>
+              </a:ext>
+            </a:extLst>
+          </p:cNvPr>
+          <p:cNvSpPr/>
           <p:nvPr/>
         </p:nvSpPr>
         <p:spPr>
-          <a:xfrm>
-            <a:off x="4800600" y="1062335"/>
-            <a:ext cx="1492716" cy="461665"/>
+          <a:xfrm rot="5400000">
+            <a:off x="5486400" y="2209800"/>
+            <a:ext cx="762000" cy="1143000"/>
           </a:xfrm>
-          <a:prstGeom prst="rect">
+          <a:prstGeom prst="bentArrow">
             <a:avLst/>
           </a:prstGeom>
-          <a:noFill/>
         </p:spPr>
-        <p:txBody>
-          <a:bodyPr wrap="none" rtlCol="0">
-            <a:spAutoFit/>
-          </a:bodyPr>
-          <a:lstStyle/>
-          <a:p>
-            <a:r>
-              <a:rPr lang="en-US" sz="2400" dirty="0">
-                <a:solidFill>
-                  <a:schemeClr val="tx1"/>
-                </a:solidFill>
-              </a:rPr>
-              <a:t>GIS MAP</a:t>
-            </a:r>
-          </a:p>
-        </p:txBody>
-      </p:sp>
-      <p:sp>
-        <p:nvSpPr>
-          <p:cNvPr id="9" name="TextBox 8">
-            <a:extLst>
-              <a:ext uri="{FF2B5EF4-FFF2-40B4-BE49-F238E27FC236}">
-                <a16:creationId xmlns:a16="http://schemas.microsoft.com/office/drawing/2014/main" id="{D807F127-C2EB-554A-833E-4EC2175CAD7E}"/>
-              </a:ext>
-            </a:extLst>
-          </p:cNvPr>
-          <p:cNvSpPr txBox="1"/>
-          <p:nvPr/>
-        </p:nvSpPr>
-        <p:spPr>
-          <a:xfrm>
-            <a:off x="628650" y="2187843"/>
-            <a:ext cx="2859717" cy="1323439"/>
-          </a:xfrm>
-          <a:prstGeom prst="rect">
-            <a:avLst/>
-          </a:prstGeom>
-          <a:noFill/>
-        </p:spPr>
-        <p:txBody>
-          <a:bodyPr wrap="square" rtlCol="0">
-            <a:spAutoFit/>
-          </a:bodyPr>
-          <a:lstStyle/>
-          <a:p>
-            <a:pPr algn="l"/>
-            <a:r>
-              <a:rPr lang="en-US" sz="1600" dirty="0">
-                <a:solidFill>
-                  <a:schemeClr val="tx1"/>
-                </a:solidFill>
-              </a:rPr>
-              <a:t>1.Import database </a:t>
-            </a:r>
-          </a:p>
-          <a:p>
-            <a:pPr algn="l"/>
-            <a:endParaRPr lang="en-US" sz="1600" dirty="0">
+        <p:style>
+          <a:lnRef idx="2">
+            <a:schemeClr val="accent1">
+              <a:shade val="50000"/>
+            </a:schemeClr>
+          </a:lnRef>
+          <a:fillRef idx="1">
+            <a:schemeClr val="accent1"/>
+          </a:fillRef>
+          <a:effectRef idx="0">
+            <a:schemeClr val="accent1"/>
+          </a:effectRef>
+          <a:fontRef idx="minor">
+            <a:schemeClr val="lt1"/>
+          </a:fontRef>
+        </p:style>
+        <p:txBody>
+          <a:bodyPr rtlCol="0" anchor="ctr"/>
+          <a:lstStyle/>
+          <a:p>
+            <a:pPr algn="ctr"/>
+            <a:endParaRPr lang="en-US">
               <a:solidFill>
                 <a:schemeClr val="tx1"/>
               </a:solidFill>
             </a:endParaRPr>
           </a:p>
-          <a:p>
-            <a:pPr algn="l"/>
-            <a:endParaRPr lang="en-US" sz="1600" dirty="0">
-              <a:solidFill>
-                <a:schemeClr val="tx1"/>
-              </a:solidFill>
-            </a:endParaRPr>
-          </a:p>
-          <a:p>
-            <a:pPr algn="l"/>
-            <a:r>
-              <a:rPr lang="en-US" sz="1600" dirty="0">
-                <a:solidFill>
-                  <a:schemeClr val="tx1"/>
-                </a:solidFill>
+        </p:txBody>
+      </p:sp>
+      <p:sp>
+        <p:nvSpPr>
+          <p:cNvPr id="11" name="Title 1">
+            <a:extLst>
+              <a:ext uri="{FF2B5EF4-FFF2-40B4-BE49-F238E27FC236}">
+                <a16:creationId xmlns:a16="http://schemas.microsoft.com/office/drawing/2014/main" id="{C6566DDD-EE1C-3643-8DE6-042C829601FB}"/>
+              </a:ext>
+            </a:extLst>
+          </p:cNvPr>
+          <p:cNvSpPr>
+            <a:spLocks noGrp="1"/>
+          </p:cNvSpPr>
+          <p:nvPr>
+            <p:ph type="title"/>
+          </p:nvPr>
+        </p:nvSpPr>
+        <p:spPr>
+          <a:xfrm>
+            <a:off x="628650" y="365126"/>
+            <a:ext cx="7886700" cy="1325563"/>
+          </a:xfrm>
+        </p:spPr>
+        <p:txBody>
+          <a:bodyPr/>
+          <a:lstStyle/>
+          <a:p>
+            <a:r>
+              <a:rPr lang="en-US" dirty="0">
+                <a:latin typeface="Times New Roman" panose="02020603050405020304" pitchFamily="18" charset="0"/>
+                <a:cs typeface="Times New Roman" panose="02020603050405020304" pitchFamily="18" charset="0"/>
               </a:rPr>
-              <a:t>2.Locate distributor and customers</a:t>
+              <a:t>Order</a:t>
             </a:r>
           </a:p>
         </p:txBody>
@@ -9853,7 +7068,7 @@
     </p:spTree>
     <p:extLst>
       <p:ext uri="{BB962C8B-B14F-4D97-AF65-F5344CB8AC3E}">
-        <p14:creationId xmlns:p14="http://schemas.microsoft.com/office/powerpoint/2010/main" val="756127279"/>
+        <p14:creationId xmlns:p14="http://schemas.microsoft.com/office/powerpoint/2010/main" val="3909437071"/>
       </p:ext>
     </p:extLst>
   </p:cSld>
@@ -9880,47 +7095,12 @@
           <a:chExt cx="0" cy="0"/>
         </a:xfrm>
       </p:grpSpPr>
-      <p:pic>
-        <p:nvPicPr>
-          <p:cNvPr id="8" name="Content Placeholder 7">
-            <a:extLst>
-              <a:ext uri="{FF2B5EF4-FFF2-40B4-BE49-F238E27FC236}">
-                <a16:creationId xmlns:a16="http://schemas.microsoft.com/office/drawing/2014/main" id="{DF7399EF-C691-1449-A1D9-1FAEA929598B}"/>
-              </a:ext>
-            </a:extLst>
-          </p:cNvPr>
-          <p:cNvPicPr>
-            <a:picLocks noGrp="1" noChangeAspect="1"/>
-          </p:cNvPicPr>
-          <p:nvPr>
-            <p:ph idx="1"/>
-          </p:nvPr>
-        </p:nvPicPr>
-        <p:blipFill>
-          <a:blip r:embed="rId2">
-            <a:extLst>
-              <a:ext uri="{28A0092B-C50C-407E-A947-70E740481C1C}">
-                <a14:useLocalDpi xmlns:a14="http://schemas.microsoft.com/office/drawing/2010/main" val="0"/>
-              </a:ext>
-            </a:extLst>
-          </a:blip>
-          <a:stretch>
-            <a:fillRect/>
-          </a:stretch>
-        </p:blipFill>
-        <p:spPr>
-          <a:xfrm>
-            <a:off x="3099104" y="3657600"/>
-            <a:ext cx="5611424" cy="2133600"/>
-          </a:xfrm>
-        </p:spPr>
-      </p:pic>
       <p:sp>
         <p:nvSpPr>
           <p:cNvPr id="4" name="Date Placeholder 3">
             <a:extLst>
               <a:ext uri="{FF2B5EF4-FFF2-40B4-BE49-F238E27FC236}">
-                <a16:creationId xmlns:a16="http://schemas.microsoft.com/office/drawing/2014/main" id="{B37AD6BC-DF90-0145-8853-6CE5BDB680E5}"/>
+                <a16:creationId xmlns:a16="http://schemas.microsoft.com/office/drawing/2014/main" id="{EC59AA18-4379-4E4B-9B81-84584F09F7FA}"/>
               </a:ext>
             </a:extLst>
           </p:cNvPr>
@@ -9952,7 +7132,7 @@
           <p:cNvPr id="5" name="Footer Placeholder 4">
             <a:extLst>
               <a:ext uri="{FF2B5EF4-FFF2-40B4-BE49-F238E27FC236}">
-                <a16:creationId xmlns:a16="http://schemas.microsoft.com/office/drawing/2014/main" id="{F0FAF232-ED08-B846-B812-D67CD68ECF8C}"/>
+                <a16:creationId xmlns:a16="http://schemas.microsoft.com/office/drawing/2014/main" id="{C14FA9A5-6859-4046-8B01-1FD02FD822CC}"/>
               </a:ext>
             </a:extLst>
           </p:cNvPr>
@@ -9984,7 +7164,7 @@
           <p:cNvPr id="6" name="Slide Number Placeholder 5">
             <a:extLst>
               <a:ext uri="{FF2B5EF4-FFF2-40B4-BE49-F238E27FC236}">
-                <a16:creationId xmlns:a16="http://schemas.microsoft.com/office/drawing/2014/main" id="{81FE772E-0350-4A4D-B828-F6E3424DBC63}"/>
+                <a16:creationId xmlns:a16="http://schemas.microsoft.com/office/drawing/2014/main" id="{DA6528F0-5BA8-874A-B0B5-B611D762E8D9}"/>
               </a:ext>
             </a:extLst>
           </p:cNvPr>
@@ -10019,7 +7199,7 @@
           <p:cNvPr id="3" name="Picture 2">
             <a:extLst>
               <a:ext uri="{FF2B5EF4-FFF2-40B4-BE49-F238E27FC236}">
-                <a16:creationId xmlns:a16="http://schemas.microsoft.com/office/drawing/2014/main" id="{883F52B0-832B-2544-92FB-05A07540B2F4}"/>
+                <a16:creationId xmlns:a16="http://schemas.microsoft.com/office/drawing/2014/main" id="{F1AD5176-C47B-0549-B80D-E0C4939DC37A}"/>
               </a:ext>
             </a:extLst>
           </p:cNvPr>
@@ -10029,7 +7209,7 @@
           <p:nvPr/>
         </p:nvPicPr>
         <p:blipFill>
-          <a:blip r:embed="rId3">
+          <a:blip r:embed="rId2">
             <a:extLst>
               <a:ext uri="{28A0092B-C50C-407E-A947-70E740481C1C}">
                 <a14:useLocalDpi xmlns:a14="http://schemas.microsoft.com/office/drawing/2010/main" val="0"/>
@@ -10042,8 +7222,8 @@
         </p:blipFill>
         <p:spPr>
           <a:xfrm>
-            <a:off x="927484" y="1427291"/>
-            <a:ext cx="4202932" cy="2230309"/>
+            <a:off x="3028950" y="685800"/>
+            <a:ext cx="5754303" cy="5181600"/>
           </a:xfrm>
           <a:prstGeom prst="rect">
             <a:avLst/>
@@ -10052,60 +7232,10 @@
       </p:pic>
       <p:sp>
         <p:nvSpPr>
-          <p:cNvPr id="7" name="Bent Arrow 6">
-            <a:extLst>
-              <a:ext uri="{FF2B5EF4-FFF2-40B4-BE49-F238E27FC236}">
-                <a16:creationId xmlns:a16="http://schemas.microsoft.com/office/drawing/2014/main" id="{ECF69785-EB3D-7546-BEE0-408AA0DBE3FB}"/>
-              </a:ext>
-            </a:extLst>
-          </p:cNvPr>
-          <p:cNvSpPr/>
-          <p:nvPr/>
-        </p:nvSpPr>
-        <p:spPr>
-          <a:xfrm rot="5400000">
-            <a:off x="5486400" y="2209800"/>
-            <a:ext cx="762000" cy="1143000"/>
-          </a:xfrm>
-          <a:prstGeom prst="bentArrow">
-            <a:avLst/>
-          </a:prstGeom>
-        </p:spPr>
-        <p:style>
-          <a:lnRef idx="2">
-            <a:schemeClr val="accent1">
-              <a:shade val="50000"/>
-            </a:schemeClr>
-          </a:lnRef>
-          <a:fillRef idx="1">
-            <a:schemeClr val="accent1"/>
-          </a:fillRef>
-          <a:effectRef idx="0">
-            <a:schemeClr val="accent1"/>
-          </a:effectRef>
-          <a:fontRef idx="minor">
-            <a:schemeClr val="lt1"/>
-          </a:fontRef>
-        </p:style>
-        <p:txBody>
-          <a:bodyPr rtlCol="0" anchor="ctr"/>
-          <a:lstStyle/>
-          <a:p>
-            <a:pPr algn="ctr"/>
-            <a:endParaRPr lang="en-US">
-              <a:solidFill>
-                <a:schemeClr val="tx1"/>
-              </a:solidFill>
-            </a:endParaRPr>
-          </a:p>
-        </p:txBody>
-      </p:sp>
-      <p:sp>
-        <p:nvSpPr>
-          <p:cNvPr id="11" name="Title 1">
-            <a:extLst>
-              <a:ext uri="{FF2B5EF4-FFF2-40B4-BE49-F238E27FC236}">
-                <a16:creationId xmlns:a16="http://schemas.microsoft.com/office/drawing/2014/main" id="{C6566DDD-EE1C-3643-8DE6-042C829601FB}"/>
+          <p:cNvPr id="10" name="Title 1">
+            <a:extLst>
+              <a:ext uri="{FF2B5EF4-FFF2-40B4-BE49-F238E27FC236}">
+                <a16:creationId xmlns:a16="http://schemas.microsoft.com/office/drawing/2014/main" id="{40C27B82-15DD-F44B-ABF4-275C62A021DB}"/>
               </a:ext>
             </a:extLst>
           </p:cNvPr>
@@ -10131,7 +7261,7 @@
                 <a:latin typeface="Times New Roman" panose="02020603050405020304" pitchFamily="18" charset="0"/>
                 <a:cs typeface="Times New Roman" panose="02020603050405020304" pitchFamily="18" charset="0"/>
               </a:rPr>
-              <a:t>Order</a:t>
+              <a:t>Truck</a:t>
             </a:r>
           </a:p>
         </p:txBody>
@@ -10139,7 +7269,7 @@
     </p:spTree>
     <p:extLst>
       <p:ext uri="{BB962C8B-B14F-4D97-AF65-F5344CB8AC3E}">
-        <p14:creationId xmlns:p14="http://schemas.microsoft.com/office/powerpoint/2010/main" val="3909437071"/>
+        <p14:creationId xmlns:p14="http://schemas.microsoft.com/office/powerpoint/2010/main" val="2991445453"/>
       </p:ext>
     </p:extLst>
   </p:cSld>
@@ -10249,6 +7379,35 @@
       </p:sp>
       <p:pic>
         <p:nvPicPr>
+          <p:cNvPr id="10" name="Content Placeholder 9"/>
+          <p:cNvPicPr>
+            <a:picLocks noGrp="1" noChangeAspect="1"/>
+          </p:cNvPicPr>
+          <p:nvPr>
+            <p:ph idx="1"/>
+          </p:nvPr>
+        </p:nvPicPr>
+        <p:blipFill>
+          <a:blip r:embed="rId2">
+            <a:extLst>
+              <a:ext uri="{28A0092B-C50C-407E-A947-70E740481C1C}">
+                <a14:useLocalDpi xmlns:a14="http://schemas.microsoft.com/office/drawing/2010/main" val="0"/>
+              </a:ext>
+            </a:extLst>
+          </a:blip>
+          <a:stretch>
+            <a:fillRect/>
+          </a:stretch>
+        </p:blipFill>
+        <p:spPr>
+          <a:xfrm>
+            <a:off x="703706" y="1371600"/>
+            <a:ext cx="7736587" cy="4191000"/>
+          </a:xfrm>
+        </p:spPr>
+      </p:pic>
+      <p:pic>
+        <p:nvPicPr>
           <p:cNvPr id="7" name="Picture 6"/>
           <p:cNvPicPr>
             <a:picLocks noChangeAspect="1"/>
@@ -10256,7 +7415,7 @@
           <p:nvPr/>
         </p:nvPicPr>
         <p:blipFill>
-          <a:blip r:embed="rId2">
+          <a:blip r:embed="rId3" cstate="print">
             <a:extLst>
               <a:ext uri="{28A0092B-C50C-407E-A947-70E740481C1C}">
                 <a14:useLocalDpi xmlns:a14="http://schemas.microsoft.com/office/drawing/2010/main" val="0"/>
@@ -10269,38 +7428,8 @@
         </p:blipFill>
         <p:spPr>
           <a:xfrm>
-            <a:off x="942975" y="1447800"/>
-            <a:ext cx="7258050" cy="4181475"/>
-          </a:xfrm>
-          <a:prstGeom prst="rect">
-            <a:avLst/>
-          </a:prstGeom>
-        </p:spPr>
-      </p:pic>
-      <p:pic>
-        <p:nvPicPr>
-          <p:cNvPr id="8" name="Picture 7"/>
-          <p:cNvPicPr>
-            <a:picLocks noChangeAspect="1"/>
-          </p:cNvPicPr>
-          <p:nvPr/>
-        </p:nvPicPr>
-        <p:blipFill>
-          <a:blip r:embed="rId3" cstate="print">
-            <a:extLst>
-              <a:ext uri="{28A0092B-C50C-407E-A947-70E740481C1C}">
-                <a14:useLocalDpi xmlns:a14="http://schemas.microsoft.com/office/drawing/2010/main" val="0"/>
-              </a:ext>
-            </a:extLst>
-          </a:blip>
-          <a:stretch>
-            <a:fillRect/>
-          </a:stretch>
-        </p:blipFill>
-        <p:spPr>
-          <a:xfrm>
-            <a:off x="685800" y="179753"/>
-            <a:ext cx="1581150" cy="904509"/>
+            <a:off x="5559044" y="3962399"/>
+            <a:ext cx="2881249" cy="1600201"/>
           </a:xfrm>
           <a:prstGeom prst="rect">
             <a:avLst/>
@@ -10310,7 +7439,7 @@
     </p:spTree>
     <p:extLst>
       <p:ext uri="{BB962C8B-B14F-4D97-AF65-F5344CB8AC3E}">
-        <p14:creationId xmlns:p14="http://schemas.microsoft.com/office/powerpoint/2010/main" val="3699359942"/>
+        <p14:creationId xmlns:p14="http://schemas.microsoft.com/office/powerpoint/2010/main" val="2425930238"/>
       </p:ext>
     </p:extLst>
   </p:cSld>
@@ -10342,7 +7471,7 @@
           <p:cNvPr id="4" name="Date Placeholder 3">
             <a:extLst>
               <a:ext uri="{FF2B5EF4-FFF2-40B4-BE49-F238E27FC236}">
-                <a16:creationId xmlns:a16="http://schemas.microsoft.com/office/drawing/2014/main" id="{EC59AA18-4379-4E4B-9B81-84584F09F7FA}"/>
+                <a16:creationId xmlns:a16="http://schemas.microsoft.com/office/drawing/2014/main" id="{2619DAF6-3469-7C4E-8628-5AD80FF3865F}"/>
               </a:ext>
             </a:extLst>
           </p:cNvPr>
@@ -10374,7 +7503,7 @@
           <p:cNvPr id="5" name="Footer Placeholder 4">
             <a:extLst>
               <a:ext uri="{FF2B5EF4-FFF2-40B4-BE49-F238E27FC236}">
-                <a16:creationId xmlns:a16="http://schemas.microsoft.com/office/drawing/2014/main" id="{C14FA9A5-6859-4046-8B01-1FD02FD822CC}"/>
+                <a16:creationId xmlns:a16="http://schemas.microsoft.com/office/drawing/2014/main" id="{7DC83BDD-5B46-6347-8181-E0C862A5497D}"/>
               </a:ext>
             </a:extLst>
           </p:cNvPr>
@@ -10406,7 +7535,7 @@
           <p:cNvPr id="6" name="Slide Number Placeholder 5">
             <a:extLst>
               <a:ext uri="{FF2B5EF4-FFF2-40B4-BE49-F238E27FC236}">
-                <a16:creationId xmlns:a16="http://schemas.microsoft.com/office/drawing/2014/main" id="{DA6528F0-5BA8-874A-B0B5-B611D762E8D9}"/>
+                <a16:creationId xmlns:a16="http://schemas.microsoft.com/office/drawing/2014/main" id="{2DC6747C-C0E2-E14E-89EA-08B04906B353}"/>
               </a:ext>
             </a:extLst>
           </p:cNvPr>
@@ -10438,17 +7567,19 @@
       </p:sp>
       <p:pic>
         <p:nvPicPr>
-          <p:cNvPr id="3" name="Picture 2">
-            <a:extLst>
-              <a:ext uri="{FF2B5EF4-FFF2-40B4-BE49-F238E27FC236}">
-                <a16:creationId xmlns:a16="http://schemas.microsoft.com/office/drawing/2014/main" id="{F1AD5176-C47B-0549-B80D-E0C4939DC37A}"/>
+          <p:cNvPr id="7" name="Content Placeholder 6">
+            <a:extLst>
+              <a:ext uri="{FF2B5EF4-FFF2-40B4-BE49-F238E27FC236}">
+                <a16:creationId xmlns:a16="http://schemas.microsoft.com/office/drawing/2014/main" id="{75DFF42F-21A2-774F-A658-6B9E2E824CBB}"/>
               </a:ext>
             </a:extLst>
           </p:cNvPr>
           <p:cNvPicPr>
-            <a:picLocks noChangeAspect="1"/>
+            <a:picLocks noGrp="1" noChangeAspect="1"/>
           </p:cNvPicPr>
-          <p:nvPr/>
+          <p:nvPr>
+            <p:ph idx="1"/>
+          </p:nvPr>
         </p:nvPicPr>
         <p:blipFill>
           <a:blip r:embed="rId2">
@@ -10464,8 +7595,8 @@
         </p:blipFill>
         <p:spPr>
           <a:xfrm>
-            <a:off x="3028950" y="685800"/>
-            <a:ext cx="5754303" cy="5181600"/>
+            <a:off x="1073963" y="1825625"/>
+            <a:ext cx="6996073" cy="4351338"/>
           </a:xfrm>
           <a:prstGeom prst="rect">
             <a:avLst/>
@@ -10474,10 +7605,10 @@
       </p:pic>
       <p:sp>
         <p:nvSpPr>
-          <p:cNvPr id="10" name="Title 1">
-            <a:extLst>
-              <a:ext uri="{FF2B5EF4-FFF2-40B4-BE49-F238E27FC236}">
-                <a16:creationId xmlns:a16="http://schemas.microsoft.com/office/drawing/2014/main" id="{40C27B82-15DD-F44B-ABF4-275C62A021DB}"/>
+          <p:cNvPr id="8" name="Title 1">
+            <a:extLst>
+              <a:ext uri="{FF2B5EF4-FFF2-40B4-BE49-F238E27FC236}">
+                <a16:creationId xmlns:a16="http://schemas.microsoft.com/office/drawing/2014/main" id="{927329C3-E87F-264E-A54A-6CBDEC67BC18}"/>
               </a:ext>
             </a:extLst>
           </p:cNvPr>
@@ -10503,7 +7634,7 @@
                 <a:latin typeface="Times New Roman" panose="02020603050405020304" pitchFamily="18" charset="0"/>
                 <a:cs typeface="Times New Roman" panose="02020603050405020304" pitchFamily="18" charset="0"/>
               </a:rPr>
-              <a:t>Truck</a:t>
+              <a:t>Distributor</a:t>
             </a:r>
           </a:p>
         </p:txBody>
@@ -10511,7 +7642,7 @@
     </p:spTree>
     <p:extLst>
       <p:ext uri="{BB962C8B-B14F-4D97-AF65-F5344CB8AC3E}">
-        <p14:creationId xmlns:p14="http://schemas.microsoft.com/office/powerpoint/2010/main" val="2991445453"/>
+        <p14:creationId xmlns:p14="http://schemas.microsoft.com/office/powerpoint/2010/main" val="3755246327"/>
       </p:ext>
     </p:extLst>
   </p:cSld>
@@ -10540,10 +7671,38 @@
       </p:grpSpPr>
       <p:sp>
         <p:nvSpPr>
+          <p:cNvPr id="2" name="Title 1">
+            <a:extLst>
+              <a:ext uri="{FF2B5EF4-FFF2-40B4-BE49-F238E27FC236}">
+                <a16:creationId xmlns:a16="http://schemas.microsoft.com/office/drawing/2014/main" id="{F75067D9-46B9-0644-A9C3-828BFC191A52}"/>
+              </a:ext>
+            </a:extLst>
+          </p:cNvPr>
+          <p:cNvSpPr>
+            <a:spLocks noGrp="1"/>
+          </p:cNvSpPr>
+          <p:nvPr>
+            <p:ph type="title"/>
+          </p:nvPr>
+        </p:nvSpPr>
+        <p:spPr/>
+        <p:txBody>
+          <a:bodyPr/>
+          <a:lstStyle/>
+          <a:p>
+            <a:r>
+              <a:rPr lang="en-US" dirty="0"/>
+              <a:t>Variables</a:t>
+            </a:r>
+          </a:p>
+        </p:txBody>
+      </p:sp>
+      <p:sp>
+        <p:nvSpPr>
           <p:cNvPr id="4" name="Date Placeholder 3">
             <a:extLst>
               <a:ext uri="{FF2B5EF4-FFF2-40B4-BE49-F238E27FC236}">
-                <a16:creationId xmlns:a16="http://schemas.microsoft.com/office/drawing/2014/main" id="{2619DAF6-3469-7C4E-8628-5AD80FF3865F}"/>
+                <a16:creationId xmlns:a16="http://schemas.microsoft.com/office/drawing/2014/main" id="{ABE95DFC-AC29-C545-B2CC-2C1DF7E3BD8E}"/>
               </a:ext>
             </a:extLst>
           </p:cNvPr>
@@ -10575,7 +7734,7 @@
           <p:cNvPr id="5" name="Footer Placeholder 4">
             <a:extLst>
               <a:ext uri="{FF2B5EF4-FFF2-40B4-BE49-F238E27FC236}">
-                <a16:creationId xmlns:a16="http://schemas.microsoft.com/office/drawing/2014/main" id="{7DC83BDD-5B46-6347-8181-E0C862A5497D}"/>
+                <a16:creationId xmlns:a16="http://schemas.microsoft.com/office/drawing/2014/main" id="{21DB1EBE-CA1D-FC47-8283-930FBA3D4167}"/>
               </a:ext>
             </a:extLst>
           </p:cNvPr>
@@ -10607,7 +7766,7 @@
           <p:cNvPr id="6" name="Slide Number Placeholder 5">
             <a:extLst>
               <a:ext uri="{FF2B5EF4-FFF2-40B4-BE49-F238E27FC236}">
-                <a16:creationId xmlns:a16="http://schemas.microsoft.com/office/drawing/2014/main" id="{2DC6747C-C0E2-E14E-89EA-08B04906B353}"/>
+                <a16:creationId xmlns:a16="http://schemas.microsoft.com/office/drawing/2014/main" id="{7FEB1957-84F5-9C45-8512-FD3CF577A24B}"/>
               </a:ext>
             </a:extLst>
           </p:cNvPr>
@@ -10632,237 +7791,6 @@
                 <a:defRPr/>
               </a:pPr>
               <a:t>21</a:t>
-            </a:fld>
-            <a:endParaRPr lang="en-US" dirty="0"/>
-          </a:p>
-        </p:txBody>
-      </p:sp>
-      <p:pic>
-        <p:nvPicPr>
-          <p:cNvPr id="7" name="Content Placeholder 6">
-            <a:extLst>
-              <a:ext uri="{FF2B5EF4-FFF2-40B4-BE49-F238E27FC236}">
-                <a16:creationId xmlns:a16="http://schemas.microsoft.com/office/drawing/2014/main" id="{75DFF42F-21A2-774F-A658-6B9E2E824CBB}"/>
-              </a:ext>
-            </a:extLst>
-          </p:cNvPr>
-          <p:cNvPicPr>
-            <a:picLocks noGrp="1" noChangeAspect="1"/>
-          </p:cNvPicPr>
-          <p:nvPr>
-            <p:ph idx="1"/>
-          </p:nvPr>
-        </p:nvPicPr>
-        <p:blipFill>
-          <a:blip r:embed="rId2">
-            <a:extLst>
-              <a:ext uri="{28A0092B-C50C-407E-A947-70E740481C1C}">
-                <a14:useLocalDpi xmlns:a14="http://schemas.microsoft.com/office/drawing/2010/main" val="0"/>
-              </a:ext>
-            </a:extLst>
-          </a:blip>
-          <a:stretch>
-            <a:fillRect/>
-          </a:stretch>
-        </p:blipFill>
-        <p:spPr>
-          <a:xfrm>
-            <a:off x="1073963" y="1825625"/>
-            <a:ext cx="6996073" cy="4351338"/>
-          </a:xfrm>
-          <a:prstGeom prst="rect">
-            <a:avLst/>
-          </a:prstGeom>
-        </p:spPr>
-      </p:pic>
-      <p:sp>
-        <p:nvSpPr>
-          <p:cNvPr id="8" name="Title 1">
-            <a:extLst>
-              <a:ext uri="{FF2B5EF4-FFF2-40B4-BE49-F238E27FC236}">
-                <a16:creationId xmlns:a16="http://schemas.microsoft.com/office/drawing/2014/main" id="{927329C3-E87F-264E-A54A-6CBDEC67BC18}"/>
-              </a:ext>
-            </a:extLst>
-          </p:cNvPr>
-          <p:cNvSpPr>
-            <a:spLocks noGrp="1"/>
-          </p:cNvSpPr>
-          <p:nvPr>
-            <p:ph type="title"/>
-          </p:nvPr>
-        </p:nvSpPr>
-        <p:spPr>
-          <a:xfrm>
-            <a:off x="628650" y="365126"/>
-            <a:ext cx="7886700" cy="1325563"/>
-          </a:xfrm>
-        </p:spPr>
-        <p:txBody>
-          <a:bodyPr/>
-          <a:lstStyle/>
-          <a:p>
-            <a:r>
-              <a:rPr lang="en-US" dirty="0">
-                <a:latin typeface="Times New Roman" panose="02020603050405020304" pitchFamily="18" charset="0"/>
-                <a:cs typeface="Times New Roman" panose="02020603050405020304" pitchFamily="18" charset="0"/>
-              </a:rPr>
-              <a:t>Distributor</a:t>
-            </a:r>
-          </a:p>
-        </p:txBody>
-      </p:sp>
-    </p:spTree>
-    <p:extLst>
-      <p:ext uri="{BB962C8B-B14F-4D97-AF65-F5344CB8AC3E}">
-        <p14:creationId xmlns:p14="http://schemas.microsoft.com/office/powerpoint/2010/main" val="3755246327"/>
-      </p:ext>
-    </p:extLst>
-  </p:cSld>
-  <p:clrMapOvr>
-    <a:masterClrMapping/>
-  </p:clrMapOvr>
-</p:sld>
-</file>
-
-<file path=ppt/slides/slide22.xml><?xml version="1.0" encoding="utf-8"?>
-<p:sld xmlns:a="http://schemas.openxmlformats.org/drawingml/2006/main" xmlns:r="http://schemas.openxmlformats.org/officeDocument/2006/relationships" xmlns:p="http://schemas.openxmlformats.org/presentationml/2006/main">
-  <p:cSld>
-    <p:spTree>
-      <p:nvGrpSpPr>
-        <p:cNvPr id="1" name=""/>
-        <p:cNvGrpSpPr/>
-        <p:nvPr/>
-      </p:nvGrpSpPr>
-      <p:grpSpPr>
-        <a:xfrm>
-          <a:off x="0" y="0"/>
-          <a:ext cx="0" cy="0"/>
-          <a:chOff x="0" y="0"/>
-          <a:chExt cx="0" cy="0"/>
-        </a:xfrm>
-      </p:grpSpPr>
-      <p:sp>
-        <p:nvSpPr>
-          <p:cNvPr id="2" name="Title 1">
-            <a:extLst>
-              <a:ext uri="{FF2B5EF4-FFF2-40B4-BE49-F238E27FC236}">
-                <a16:creationId xmlns:a16="http://schemas.microsoft.com/office/drawing/2014/main" id="{F75067D9-46B9-0644-A9C3-828BFC191A52}"/>
-              </a:ext>
-            </a:extLst>
-          </p:cNvPr>
-          <p:cNvSpPr>
-            <a:spLocks noGrp="1"/>
-          </p:cNvSpPr>
-          <p:nvPr>
-            <p:ph type="title"/>
-          </p:nvPr>
-        </p:nvSpPr>
-        <p:spPr/>
-        <p:txBody>
-          <a:bodyPr/>
-          <a:lstStyle/>
-          <a:p>
-            <a:r>
-              <a:rPr lang="en-US" dirty="0"/>
-              <a:t>Variables</a:t>
-            </a:r>
-          </a:p>
-        </p:txBody>
-      </p:sp>
-      <p:sp>
-        <p:nvSpPr>
-          <p:cNvPr id="4" name="Date Placeholder 3">
-            <a:extLst>
-              <a:ext uri="{FF2B5EF4-FFF2-40B4-BE49-F238E27FC236}">
-                <a16:creationId xmlns:a16="http://schemas.microsoft.com/office/drawing/2014/main" id="{ABE95DFC-AC29-C545-B2CC-2C1DF7E3BD8E}"/>
-              </a:ext>
-            </a:extLst>
-          </p:cNvPr>
-          <p:cNvSpPr>
-            <a:spLocks noGrp="1"/>
-          </p:cNvSpPr>
-          <p:nvPr>
-            <p:ph type="dt" sz="half" idx="10"/>
-          </p:nvPr>
-        </p:nvSpPr>
-        <p:spPr/>
-        <p:txBody>
-          <a:bodyPr/>
-          <a:lstStyle/>
-          <a:p>
-            <a:pPr>
-              <a:defRPr/>
-            </a:pPr>
-            <a:r>
-              <a:rPr lang="en-US"/>
-              <a:t>November 26</a:t>
-            </a:r>
-            <a:endParaRPr lang="en-US" dirty="0"/>
-          </a:p>
-        </p:txBody>
-      </p:sp>
-      <p:sp>
-        <p:nvSpPr>
-          <p:cNvPr id="5" name="Footer Placeholder 4">
-            <a:extLst>
-              <a:ext uri="{FF2B5EF4-FFF2-40B4-BE49-F238E27FC236}">
-                <a16:creationId xmlns:a16="http://schemas.microsoft.com/office/drawing/2014/main" id="{21DB1EBE-CA1D-FC47-8283-930FBA3D4167}"/>
-              </a:ext>
-            </a:extLst>
-          </p:cNvPr>
-          <p:cNvSpPr>
-            <a:spLocks noGrp="1"/>
-          </p:cNvSpPr>
-          <p:nvPr>
-            <p:ph type="ftr" sz="quarter" idx="11"/>
-          </p:nvPr>
-        </p:nvSpPr>
-        <p:spPr/>
-        <p:txBody>
-          <a:bodyPr/>
-          <a:lstStyle/>
-          <a:p>
-            <a:pPr>
-              <a:defRPr/>
-            </a:pPr>
-            <a:r>
-              <a:rPr lang="en-US"/>
-              <a:t>IE 526  Final Project</a:t>
-            </a:r>
-            <a:endParaRPr lang="en-US" dirty="0"/>
-          </a:p>
-        </p:txBody>
-      </p:sp>
-      <p:sp>
-        <p:nvSpPr>
-          <p:cNvPr id="6" name="Slide Number Placeholder 5">
-            <a:extLst>
-              <a:ext uri="{FF2B5EF4-FFF2-40B4-BE49-F238E27FC236}">
-                <a16:creationId xmlns:a16="http://schemas.microsoft.com/office/drawing/2014/main" id="{7FEB1957-84F5-9C45-8512-FD3CF577A24B}"/>
-              </a:ext>
-            </a:extLst>
-          </p:cNvPr>
-          <p:cNvSpPr>
-            <a:spLocks noGrp="1"/>
-          </p:cNvSpPr>
-          <p:nvPr>
-            <p:ph type="sldNum" sz="quarter" idx="12"/>
-          </p:nvPr>
-        </p:nvSpPr>
-        <p:spPr/>
-        <p:txBody>
-          <a:bodyPr/>
-          <a:lstStyle/>
-          <a:p>
-            <a:pPr>
-              <a:defRPr/>
-            </a:pPr>
-            <a:fld id="{61875079-2EDC-4E24-99D6-3E823A45791C}" type="slidenum">
-              <a:rPr lang="en-US" smtClean="0"/>
-              <a:pPr>
-                <a:defRPr/>
-              </a:pPr>
-              <a:t>22</a:t>
             </a:fld>
             <a:endParaRPr lang="en-US" dirty="0"/>
           </a:p>
@@ -10917,7 +7845,7 @@
 </p:sld>
 </file>
 
-<file path=ppt/slides/slide23.xml><?xml version="1.0" encoding="utf-8"?>
+<file path=ppt/slides/slide22.xml><?xml version="1.0" encoding="utf-8"?>
 <p:sld xmlns:a="http://schemas.openxmlformats.org/drawingml/2006/main" xmlns:r="http://schemas.openxmlformats.org/officeDocument/2006/relationships" xmlns:p="http://schemas.openxmlformats.org/presentationml/2006/main">
   <p:cSld>
     <p:spTree>
@@ -11125,7 +8053,7 @@
               <a:pPr>
                 <a:defRPr/>
               </a:pPr>
-              <a:t>23</a:t>
+              <a:t>22</a:t>
             </a:fld>
             <a:endParaRPr lang="en-US" dirty="0">
               <a:cs typeface="Times New Roman" panose="02020603050405020304" pitchFamily="18" charset="0"/>
@@ -11246,13 +8174,11 @@
       </p:sp>
       <p:pic>
         <p:nvPicPr>
-          <p:cNvPr id="10" name="Content Placeholder 9"/>
+          <p:cNvPr id="7" name="Picture 6"/>
           <p:cNvPicPr>
-            <a:picLocks noGrp="1" noChangeAspect="1"/>
+            <a:picLocks noChangeAspect="1"/>
           </p:cNvPicPr>
-          <p:nvPr>
-            <p:ph idx="1"/>
-          </p:nvPr>
+          <p:nvPr/>
         </p:nvPicPr>
         <p:blipFill>
           <a:blip r:embed="rId2">
@@ -11268,14 +8194,17 @@
         </p:blipFill>
         <p:spPr>
           <a:xfrm>
-            <a:off x="703706" y="1371600"/>
-            <a:ext cx="7736587" cy="4191000"/>
+            <a:off x="942975" y="1447800"/>
+            <a:ext cx="7258050" cy="4181475"/>
           </a:xfrm>
+          <a:prstGeom prst="rect">
+            <a:avLst/>
+          </a:prstGeom>
         </p:spPr>
       </p:pic>
       <p:pic>
         <p:nvPicPr>
-          <p:cNvPr id="7" name="Picture 6"/>
+          <p:cNvPr id="8" name="Picture 7"/>
           <p:cNvPicPr>
             <a:picLocks noChangeAspect="1"/>
           </p:cNvPicPr>
@@ -11295,8 +8224,8 @@
         </p:blipFill>
         <p:spPr>
           <a:xfrm>
-            <a:off x="5559044" y="3962399"/>
-            <a:ext cx="2881249" cy="1600201"/>
+            <a:off x="685800" y="179753"/>
+            <a:ext cx="1581150" cy="904509"/>
           </a:xfrm>
           <a:prstGeom prst="rect">
             <a:avLst/>
@@ -11306,7 +8235,7 @@
     </p:spTree>
     <p:extLst>
       <p:ext uri="{BB962C8B-B14F-4D97-AF65-F5344CB8AC3E}">
-        <p14:creationId xmlns:p14="http://schemas.microsoft.com/office/powerpoint/2010/main" val="2425930238"/>
+        <p14:creationId xmlns:p14="http://schemas.microsoft.com/office/powerpoint/2010/main" val="3699359942"/>
       </p:ext>
     </p:extLst>
   </p:cSld>
@@ -11335,6 +8264,63 @@
       </p:grpSpPr>
       <p:sp>
         <p:nvSpPr>
+          <p:cNvPr id="3" name="Content Placeholder 2"/>
+          <p:cNvSpPr>
+            <a:spLocks noGrp="1"/>
+          </p:cNvSpPr>
+          <p:nvPr>
+            <p:ph idx="1"/>
+          </p:nvPr>
+        </p:nvSpPr>
+        <p:spPr>
+          <a:xfrm>
+            <a:off x="628650" y="1700753"/>
+            <a:ext cx="7886700" cy="2718847"/>
+          </a:xfrm>
+        </p:spPr>
+        <p:txBody>
+          <a:bodyPr/>
+          <a:lstStyle/>
+          <a:p>
+            <a:r>
+              <a:rPr lang="en-US" dirty="0"/>
+              <a:t>10 billion yuan in 125 seconds ($ 1.4 billion)</a:t>
+            </a:r>
+          </a:p>
+          <a:p>
+            <a:r>
+              <a:rPr lang="en-US" dirty="0"/>
+              <a:t>213.5 billion yuan in 24 hours ($ 30.5 billion)</a:t>
+            </a:r>
+          </a:p>
+          <a:p>
+            <a:r>
+              <a:rPr lang="en-US" dirty="0"/>
+              <a:t>812 million goods</a:t>
+            </a:r>
+          </a:p>
+          <a:p>
+            <a:r>
+              <a:rPr lang="en-US" dirty="0"/>
+              <a:t>2 - 7 days (no shipping fee)</a:t>
+            </a:r>
+          </a:p>
+          <a:p>
+            <a:r>
+              <a:rPr lang="en-US" dirty="0"/>
+              <a:t>1 - 2 days ($ 2)</a:t>
+            </a:r>
+          </a:p>
+          <a:p>
+            <a:pPr marL="0" indent="0">
+              <a:buNone/>
+            </a:pPr>
+            <a:endParaRPr lang="en-US" dirty="0"/>
+          </a:p>
+        </p:txBody>
+      </p:sp>
+      <p:sp>
+        <p:nvSpPr>
           <p:cNvPr id="4" name="Date Placeholder 3"/>
           <p:cNvSpPr>
             <a:spLocks noGrp="1"/>
@@ -11414,40 +8400,47 @@
           </a:p>
         </p:txBody>
       </p:sp>
-      <p:pic>
-        <p:nvPicPr>
-          <p:cNvPr id="7" name="Picture 6"/>
-          <p:cNvPicPr>
-            <a:picLocks noChangeAspect="1"/>
-          </p:cNvPicPr>
-          <p:nvPr/>
-        </p:nvPicPr>
-        <p:blipFill>
-          <a:blip r:embed="rId2">
-            <a:extLst>
-              <a:ext uri="{28A0092B-C50C-407E-A947-70E740481C1C}">
-                <a14:useLocalDpi xmlns:a14="http://schemas.microsoft.com/office/drawing/2010/main" val="0"/>
-              </a:ext>
-            </a:extLst>
-          </a:blip>
-          <a:stretch>
-            <a:fillRect/>
-          </a:stretch>
-        </p:blipFill>
+      <p:sp>
+        <p:nvSpPr>
+          <p:cNvPr id="7" name="Title 1">
+            <a:extLst>
+              <a:ext uri="{FF2B5EF4-FFF2-40B4-BE49-F238E27FC236}">
+                <a16:creationId xmlns:a16="http://schemas.microsoft.com/office/drawing/2014/main" id="{6DB6E857-C20D-6541-BF3E-4DF0865E12C0}"/>
+              </a:ext>
+            </a:extLst>
+          </p:cNvPr>
+          <p:cNvSpPr>
+            <a:spLocks noGrp="1"/>
+          </p:cNvSpPr>
+          <p:nvPr>
+            <p:ph type="title"/>
+          </p:nvPr>
+        </p:nvSpPr>
         <p:spPr>
           <a:xfrm>
-            <a:off x="762000" y="1066800"/>
-            <a:ext cx="7316982" cy="4874821"/>
+            <a:off x="628650" y="365126"/>
+            <a:ext cx="7886700" cy="1325563"/>
           </a:xfrm>
-          <a:prstGeom prst="rect">
-            <a:avLst/>
-          </a:prstGeom>
         </p:spPr>
-      </p:pic>
+        <p:txBody>
+          <a:bodyPr/>
+          <a:lstStyle/>
+          <a:p>
+            <a:pPr algn="just"/>
+            <a:r>
+              <a:rPr lang="en-US" dirty="0">
+                <a:latin typeface="Times New Roman" panose="02020603050405020304" pitchFamily="18" charset="0"/>
+                <a:cs typeface="Times New Roman" panose="02020603050405020304" pitchFamily="18" charset="0"/>
+              </a:rPr>
+              <a:t>Double Eleven</a:t>
+            </a:r>
+          </a:p>
+        </p:txBody>
+      </p:sp>
     </p:spTree>
     <p:extLst>
       <p:ext uri="{BB962C8B-B14F-4D97-AF65-F5344CB8AC3E}">
-        <p14:creationId xmlns:p14="http://schemas.microsoft.com/office/powerpoint/2010/main" val="2771258310"/>
+        <p14:creationId xmlns:p14="http://schemas.microsoft.com/office/powerpoint/2010/main" val="631034884"/>
       </p:ext>
     </p:extLst>
   </p:cSld>
@@ -11476,211 +8469,6 @@
       </p:grpSpPr>
       <p:sp>
         <p:nvSpPr>
-          <p:cNvPr id="3" name="Content Placeholder 2"/>
-          <p:cNvSpPr>
-            <a:spLocks noGrp="1"/>
-          </p:cNvSpPr>
-          <p:nvPr>
-            <p:ph idx="1"/>
-          </p:nvPr>
-        </p:nvSpPr>
-        <p:spPr>
-          <a:xfrm>
-            <a:off x="628650" y="1700753"/>
-            <a:ext cx="7886700" cy="2718847"/>
-          </a:xfrm>
-        </p:spPr>
-        <p:txBody>
-          <a:bodyPr/>
-          <a:lstStyle/>
-          <a:p>
-            <a:r>
-              <a:rPr lang="en-US" dirty="0"/>
-              <a:t>10 billion yuan in 125 seconds ($ 1.4 billion)</a:t>
-            </a:r>
-          </a:p>
-          <a:p>
-            <a:r>
-              <a:rPr lang="en-US" dirty="0"/>
-              <a:t>213.5 billion yuan in 24 hours ($ 30.5 billion)</a:t>
-            </a:r>
-          </a:p>
-          <a:p>
-            <a:r>
-              <a:rPr lang="en-US" dirty="0"/>
-              <a:t>812 million goods</a:t>
-            </a:r>
-          </a:p>
-          <a:p>
-            <a:r>
-              <a:rPr lang="en-US" dirty="0"/>
-              <a:t>2 - 7 days (no shipping fee)</a:t>
-            </a:r>
-          </a:p>
-          <a:p>
-            <a:r>
-              <a:rPr lang="en-US" dirty="0"/>
-              <a:t>1 - 2 days ($ 2)</a:t>
-            </a:r>
-          </a:p>
-          <a:p>
-            <a:pPr marL="0" indent="0">
-              <a:buNone/>
-            </a:pPr>
-            <a:endParaRPr lang="en-US" dirty="0"/>
-          </a:p>
-        </p:txBody>
-      </p:sp>
-      <p:sp>
-        <p:nvSpPr>
-          <p:cNvPr id="4" name="Date Placeholder 3"/>
-          <p:cNvSpPr>
-            <a:spLocks noGrp="1"/>
-          </p:cNvSpPr>
-          <p:nvPr>
-            <p:ph type="dt" sz="half" idx="10"/>
-          </p:nvPr>
-        </p:nvSpPr>
-        <p:spPr/>
-        <p:txBody>
-          <a:bodyPr/>
-          <a:lstStyle/>
-          <a:p>
-            <a:pPr>
-              <a:defRPr/>
-            </a:pPr>
-            <a:r>
-              <a:rPr lang="en-US"/>
-              <a:t>November 26</a:t>
-            </a:r>
-            <a:endParaRPr lang="en-US" dirty="0"/>
-          </a:p>
-        </p:txBody>
-      </p:sp>
-      <p:sp>
-        <p:nvSpPr>
-          <p:cNvPr id="5" name="Footer Placeholder 4"/>
-          <p:cNvSpPr>
-            <a:spLocks noGrp="1"/>
-          </p:cNvSpPr>
-          <p:nvPr>
-            <p:ph type="ftr" sz="quarter" idx="11"/>
-          </p:nvPr>
-        </p:nvSpPr>
-        <p:spPr/>
-        <p:txBody>
-          <a:bodyPr/>
-          <a:lstStyle/>
-          <a:p>
-            <a:pPr>
-              <a:defRPr/>
-            </a:pPr>
-            <a:r>
-              <a:rPr lang="en-US"/>
-              <a:t>IE 526  Final Project</a:t>
-            </a:r>
-            <a:endParaRPr lang="en-US" dirty="0"/>
-          </a:p>
-        </p:txBody>
-      </p:sp>
-      <p:sp>
-        <p:nvSpPr>
-          <p:cNvPr id="6" name="Slide Number Placeholder 5"/>
-          <p:cNvSpPr>
-            <a:spLocks noGrp="1"/>
-          </p:cNvSpPr>
-          <p:nvPr>
-            <p:ph type="sldNum" sz="quarter" idx="12"/>
-          </p:nvPr>
-        </p:nvSpPr>
-        <p:spPr/>
-        <p:txBody>
-          <a:bodyPr/>
-          <a:lstStyle/>
-          <a:p>
-            <a:pPr>
-              <a:defRPr/>
-            </a:pPr>
-            <a:fld id="{61875079-2EDC-4E24-99D6-3E823A45791C}" type="slidenum">
-              <a:rPr lang="en-US" smtClean="0"/>
-              <a:pPr>
-                <a:defRPr/>
-              </a:pPr>
-              <a:t>5</a:t>
-            </a:fld>
-            <a:endParaRPr lang="en-US" dirty="0"/>
-          </a:p>
-        </p:txBody>
-      </p:sp>
-      <p:sp>
-        <p:nvSpPr>
-          <p:cNvPr id="7" name="Title 1">
-            <a:extLst>
-              <a:ext uri="{FF2B5EF4-FFF2-40B4-BE49-F238E27FC236}">
-                <a16:creationId xmlns:a16="http://schemas.microsoft.com/office/drawing/2014/main" id="{6DB6E857-C20D-6541-BF3E-4DF0865E12C0}"/>
-              </a:ext>
-            </a:extLst>
-          </p:cNvPr>
-          <p:cNvSpPr>
-            <a:spLocks noGrp="1"/>
-          </p:cNvSpPr>
-          <p:nvPr>
-            <p:ph type="title"/>
-          </p:nvPr>
-        </p:nvSpPr>
-        <p:spPr>
-          <a:xfrm>
-            <a:off x="628650" y="365126"/>
-            <a:ext cx="7886700" cy="1325563"/>
-          </a:xfrm>
-        </p:spPr>
-        <p:txBody>
-          <a:bodyPr/>
-          <a:lstStyle/>
-          <a:p>
-            <a:pPr algn="just"/>
-            <a:r>
-              <a:rPr lang="en-US" dirty="0">
-                <a:latin typeface="Times New Roman" panose="02020603050405020304" pitchFamily="18" charset="0"/>
-                <a:cs typeface="Times New Roman" panose="02020603050405020304" pitchFamily="18" charset="0"/>
-              </a:rPr>
-              <a:t>Double Eleven</a:t>
-            </a:r>
-          </a:p>
-        </p:txBody>
-      </p:sp>
-    </p:spTree>
-    <p:extLst>
-      <p:ext uri="{BB962C8B-B14F-4D97-AF65-F5344CB8AC3E}">
-        <p14:creationId xmlns:p14="http://schemas.microsoft.com/office/powerpoint/2010/main" val="631034884"/>
-      </p:ext>
-    </p:extLst>
-  </p:cSld>
-  <p:clrMapOvr>
-    <a:masterClrMapping/>
-  </p:clrMapOvr>
-</p:sld>
-</file>
-
-<file path=ppt/slides/slide6.xml><?xml version="1.0" encoding="utf-8"?>
-<p:sld xmlns:a="http://schemas.openxmlformats.org/drawingml/2006/main" xmlns:r="http://schemas.openxmlformats.org/officeDocument/2006/relationships" xmlns:p="http://schemas.openxmlformats.org/presentationml/2006/main">
-  <p:cSld>
-    <p:spTree>
-      <p:nvGrpSpPr>
-        <p:cNvPr id="1" name=""/>
-        <p:cNvGrpSpPr/>
-        <p:nvPr/>
-      </p:nvGrpSpPr>
-      <p:grpSpPr>
-        <a:xfrm>
-          <a:off x="0" y="0"/>
-          <a:ext cx="0" cy="0"/>
-          <a:chOff x="0" y="0"/>
-          <a:chExt cx="0" cy="0"/>
-        </a:xfrm>
-      </p:grpSpPr>
-      <p:sp>
-        <p:nvSpPr>
           <p:cNvPr id="2" name="Title 1">
             <a:extLst>
               <a:ext uri="{FF2B5EF4-FFF2-40B4-BE49-F238E27FC236}">
@@ -11858,7 +8646,7 @@
               <a:pPr>
                 <a:defRPr/>
               </a:pPr>
-              <a:t>6</a:t>
+              <a:t>5</a:t>
             </a:fld>
             <a:endParaRPr lang="en-US" dirty="0">
               <a:cs typeface="Times New Roman" panose="02020603050405020304" pitchFamily="18" charset="0"/>
@@ -11915,7 +8703,7 @@
 </p:sld>
 </file>
 
-<file path=ppt/slides/slide7.xml><?xml version="1.0" encoding="utf-8"?>
+<file path=ppt/slides/slide6.xml><?xml version="1.0" encoding="utf-8"?>
 <p:sld xmlns:a="http://schemas.openxmlformats.org/drawingml/2006/main" xmlns:r="http://schemas.openxmlformats.org/officeDocument/2006/relationships" xmlns:p="http://schemas.openxmlformats.org/presentationml/2006/main">
   <p:cSld>
     <p:spTree>
@@ -12066,7 +8854,7 @@
               <a:pPr>
                 <a:defRPr/>
               </a:pPr>
-              <a:t>7</a:t>
+              <a:t>6</a:t>
             </a:fld>
             <a:endParaRPr lang="en-US" dirty="0">
               <a:cs typeface="Times New Roman" panose="02020603050405020304" pitchFamily="18" charset="0"/>
@@ -12417,7 +9205,7 @@
 </p:sld>
 </file>
 
-<file path=ppt/slides/slide8.xml><?xml version="1.0" encoding="utf-8"?>
+<file path=ppt/slides/slide7.xml><?xml version="1.0" encoding="utf-8"?>
 <p:sld xmlns:a="http://schemas.openxmlformats.org/drawingml/2006/main" xmlns:r="http://schemas.openxmlformats.org/officeDocument/2006/relationships" xmlns:p="http://schemas.openxmlformats.org/presentationml/2006/main">
   <p:cSld>
     <p:spTree>
@@ -12537,7 +9325,7 @@
               <a:pPr>
                 <a:defRPr/>
               </a:pPr>
-              <a:t>8</a:t>
+              <a:t>7</a:t>
             </a:fld>
             <a:endParaRPr lang="en-US" dirty="0">
               <a:cs typeface="Times New Roman" panose="02020603050405020304" pitchFamily="18" charset="0"/>
@@ -13126,6 +9914,2120 @@
 </p:sld>
 </file>
 
+<file path=ppt/slides/slide8.xml><?xml version="1.0" encoding="utf-8"?>
+<p:sld xmlns:a="http://schemas.openxmlformats.org/drawingml/2006/main" xmlns:r="http://schemas.openxmlformats.org/officeDocument/2006/relationships" xmlns:p="http://schemas.openxmlformats.org/presentationml/2006/main">
+  <p:cSld>
+    <p:spTree>
+      <p:nvGrpSpPr>
+        <p:cNvPr id="1" name=""/>
+        <p:cNvGrpSpPr/>
+        <p:nvPr/>
+      </p:nvGrpSpPr>
+      <p:grpSpPr>
+        <a:xfrm>
+          <a:off x="0" y="0"/>
+          <a:ext cx="0" cy="0"/>
+          <a:chOff x="0" y="0"/>
+          <a:chExt cx="0" cy="0"/>
+        </a:xfrm>
+      </p:grpSpPr>
+      <p:sp>
+        <p:nvSpPr>
+          <p:cNvPr id="2" name="Title 1"/>
+          <p:cNvSpPr>
+            <a:spLocks noGrp="1"/>
+          </p:cNvSpPr>
+          <p:nvPr>
+            <p:ph type="title"/>
+          </p:nvPr>
+        </p:nvSpPr>
+        <p:spPr/>
+        <p:txBody>
+          <a:bodyPr/>
+          <a:lstStyle/>
+          <a:p>
+            <a:r>
+              <a:rPr lang="en-US" dirty="0">
+                <a:latin typeface="Times New Roman" panose="02020603050405020304" pitchFamily="18" charset="0"/>
+                <a:cs typeface="Times New Roman" panose="02020603050405020304" pitchFamily="18" charset="0"/>
+              </a:rPr>
+              <a:t>Data sample</a:t>
+            </a:r>
+          </a:p>
+        </p:txBody>
+      </p:sp>
+      <p:graphicFrame>
+        <p:nvGraphicFramePr>
+          <p:cNvPr id="8" name="Content Placeholder 7"/>
+          <p:cNvGraphicFramePr>
+            <a:graphicFrameLocks noGrp="1"/>
+          </p:cNvGraphicFramePr>
+          <p:nvPr>
+            <p:ph idx="1"/>
+            <p:extLst>
+              <p:ext uri="{D42A27DB-BD31-4B8C-83A1-F6EECF244321}">
+                <p14:modId xmlns:p14="http://schemas.microsoft.com/office/powerpoint/2010/main" val="4268693390"/>
+              </p:ext>
+            </p:extLst>
+          </p:nvPr>
+        </p:nvGraphicFramePr>
+        <p:xfrm>
+          <a:off x="631525" y="1600200"/>
+          <a:ext cx="7924799" cy="4267199"/>
+        </p:xfrm>
+        <a:graphic>
+          <a:graphicData uri="http://schemas.openxmlformats.org/drawingml/2006/table">
+            <a:tbl>
+              <a:tblPr firstRow="1" firstCol="1" bandRow="1">
+                <a:tableStyleId>{0505E3EF-67EA-436B-97B2-0124C06EBD24}</a:tableStyleId>
+              </a:tblPr>
+              <a:tblGrid>
+                <a:gridCol w="588945">
+                  <a:extLst>
+                    <a:ext uri="{9D8B030D-6E8A-4147-A177-3AD203B41FA5}">
+                      <a16:colId xmlns:a16="http://schemas.microsoft.com/office/drawing/2014/main" val="988413258"/>
+                    </a:ext>
+                  </a:extLst>
+                </a:gridCol>
+                <a:gridCol w="1260824">
+                  <a:extLst>
+                    <a:ext uri="{9D8B030D-6E8A-4147-A177-3AD203B41FA5}">
+                      <a16:colId xmlns:a16="http://schemas.microsoft.com/office/drawing/2014/main" val="4063265800"/>
+                    </a:ext>
+                  </a:extLst>
+                </a:gridCol>
+                <a:gridCol w="1168275">
+                  <a:extLst>
+                    <a:ext uri="{9D8B030D-6E8A-4147-A177-3AD203B41FA5}">
+                      <a16:colId xmlns:a16="http://schemas.microsoft.com/office/drawing/2014/main" val="2879980063"/>
+                    </a:ext>
+                  </a:extLst>
+                </a:gridCol>
+                <a:gridCol w="1177875">
+                  <a:extLst>
+                    <a:ext uri="{9D8B030D-6E8A-4147-A177-3AD203B41FA5}">
+                      <a16:colId xmlns:a16="http://schemas.microsoft.com/office/drawing/2014/main" val="476008408"/>
+                    </a:ext>
+                  </a:extLst>
+                </a:gridCol>
+                <a:gridCol w="1359926">
+                  <a:extLst>
+                    <a:ext uri="{9D8B030D-6E8A-4147-A177-3AD203B41FA5}">
+                      <a16:colId xmlns:a16="http://schemas.microsoft.com/office/drawing/2014/main" val="3062488762"/>
+                    </a:ext>
+                  </a:extLst>
+                </a:gridCol>
+                <a:gridCol w="1159766">
+                  <a:extLst>
+                    <a:ext uri="{9D8B030D-6E8A-4147-A177-3AD203B41FA5}">
+                      <a16:colId xmlns:a16="http://schemas.microsoft.com/office/drawing/2014/main" val="1706207236"/>
+                    </a:ext>
+                  </a:extLst>
+                </a:gridCol>
+                <a:gridCol w="1209188">
+                  <a:extLst>
+                    <a:ext uri="{9D8B030D-6E8A-4147-A177-3AD203B41FA5}">
+                      <a16:colId xmlns:a16="http://schemas.microsoft.com/office/drawing/2014/main" val="3908668402"/>
+                    </a:ext>
+                  </a:extLst>
+                </a:gridCol>
+              </a:tblGrid>
+              <a:tr h="794096">
+                <a:tc>
+                  <a:txBody>
+                    <a:bodyPr/>
+                    <a:lstStyle/>
+                    <a:p>
+                      <a:pPr marL="0" marR="0" algn="ctr">
+                        <a:lnSpc>
+                          <a:spcPct val="107000"/>
+                        </a:lnSpc>
+                        <a:spcBef>
+                          <a:spcPts val="0"/>
+                        </a:spcBef>
+                        <a:spcAft>
+                          <a:spcPts val="0"/>
+                        </a:spcAft>
+                      </a:pPr>
+                      <a:r>
+                        <a:rPr lang="en-US" sz="1400" dirty="0">
+                          <a:effectLst/>
+                        </a:rPr>
+                        <a:t>Node  ID</a:t>
+                      </a:r>
+                      <a:endParaRPr lang="en-US" sz="1800" dirty="0">
+                        <a:effectLst/>
+                        <a:latin typeface="Times New Roman" panose="02020603050405020304" pitchFamily="18" charset="0"/>
+                        <a:ea typeface="Calibri" panose="020F0502020204030204" pitchFamily="34" charset="0"/>
+                        <a:cs typeface="Times New Roman" panose="02020603050405020304" pitchFamily="18" charset="0"/>
+                      </a:endParaRPr>
+                    </a:p>
+                  </a:txBody>
+                  <a:tcPr marL="68580" marR="68580" marT="0" marB="0" anchor="ctr"/>
+                </a:tc>
+                <a:tc>
+                  <a:txBody>
+                    <a:bodyPr/>
+                    <a:lstStyle/>
+                    <a:p>
+                      <a:pPr marL="0" marR="0" algn="ctr">
+                        <a:lnSpc>
+                          <a:spcPct val="107000"/>
+                        </a:lnSpc>
+                        <a:spcBef>
+                          <a:spcPts val="0"/>
+                        </a:spcBef>
+                        <a:spcAft>
+                          <a:spcPts val="0"/>
+                        </a:spcAft>
+                      </a:pPr>
+                      <a:r>
+                        <a:rPr lang="en-US" sz="1400" dirty="0">
+                          <a:effectLst/>
+                        </a:rPr>
+                        <a:t>Longitude</a:t>
+                      </a:r>
+                      <a:endParaRPr lang="en-US" sz="1800" dirty="0">
+                        <a:effectLst/>
+                        <a:latin typeface="Times New Roman" panose="02020603050405020304" pitchFamily="18" charset="0"/>
+                        <a:ea typeface="Calibri" panose="020F0502020204030204" pitchFamily="34" charset="0"/>
+                        <a:cs typeface="Times New Roman" panose="02020603050405020304" pitchFamily="18" charset="0"/>
+                      </a:endParaRPr>
+                    </a:p>
+                  </a:txBody>
+                  <a:tcPr marL="68580" marR="68580" marT="0" marB="0" anchor="ctr"/>
+                </a:tc>
+                <a:tc>
+                  <a:txBody>
+                    <a:bodyPr/>
+                    <a:lstStyle/>
+                    <a:p>
+                      <a:pPr marL="0" marR="0" algn="ctr">
+                        <a:lnSpc>
+                          <a:spcPct val="107000"/>
+                        </a:lnSpc>
+                        <a:spcBef>
+                          <a:spcPts val="0"/>
+                        </a:spcBef>
+                        <a:spcAft>
+                          <a:spcPts val="0"/>
+                        </a:spcAft>
+                      </a:pPr>
+                      <a:r>
+                        <a:rPr lang="en-US" sz="1400" dirty="0">
+                          <a:effectLst/>
+                        </a:rPr>
+                        <a:t>Latitude</a:t>
+                      </a:r>
+                      <a:endParaRPr lang="en-US" sz="1800" dirty="0">
+                        <a:effectLst/>
+                        <a:latin typeface="Times New Roman" panose="02020603050405020304" pitchFamily="18" charset="0"/>
+                        <a:ea typeface="Calibri" panose="020F0502020204030204" pitchFamily="34" charset="0"/>
+                        <a:cs typeface="Times New Roman" panose="02020603050405020304" pitchFamily="18" charset="0"/>
+                      </a:endParaRPr>
+                    </a:p>
+                  </a:txBody>
+                  <a:tcPr marL="68580" marR="68580" marT="0" marB="0" anchor="ctr"/>
+                </a:tc>
+                <a:tc>
+                  <a:txBody>
+                    <a:bodyPr/>
+                    <a:lstStyle/>
+                    <a:p>
+                      <a:pPr marL="0" marR="0" algn="ctr">
+                        <a:lnSpc>
+                          <a:spcPct val="107000"/>
+                        </a:lnSpc>
+                        <a:spcBef>
+                          <a:spcPts val="0"/>
+                        </a:spcBef>
+                        <a:spcAft>
+                          <a:spcPts val="0"/>
+                        </a:spcAft>
+                      </a:pPr>
+                      <a:r>
+                        <a:rPr lang="en-US" sz="1400" dirty="0">
+                          <a:effectLst/>
+                        </a:rPr>
+                        <a:t>Package Weight</a:t>
+                      </a:r>
+                      <a:endParaRPr lang="en-US" sz="1800" dirty="0">
+                        <a:effectLst/>
+                      </a:endParaRPr>
+                    </a:p>
+                    <a:p>
+                      <a:pPr marL="0" marR="0" algn="ctr">
+                        <a:lnSpc>
+                          <a:spcPct val="107000"/>
+                        </a:lnSpc>
+                        <a:spcBef>
+                          <a:spcPts val="0"/>
+                        </a:spcBef>
+                        <a:spcAft>
+                          <a:spcPts val="0"/>
+                        </a:spcAft>
+                      </a:pPr>
+                      <a:r>
+                        <a:rPr lang="en-US" sz="1400" dirty="0">
+                          <a:effectLst/>
+                        </a:rPr>
+                        <a:t>(tons)</a:t>
+                      </a:r>
+                      <a:endParaRPr lang="en-US" sz="1800" dirty="0">
+                        <a:effectLst/>
+                        <a:latin typeface="Times New Roman" panose="02020603050405020304" pitchFamily="18" charset="0"/>
+                        <a:ea typeface="Calibri" panose="020F0502020204030204" pitchFamily="34" charset="0"/>
+                        <a:cs typeface="Times New Roman" panose="02020603050405020304" pitchFamily="18" charset="0"/>
+                      </a:endParaRPr>
+                    </a:p>
+                  </a:txBody>
+                  <a:tcPr marL="68580" marR="68580" marT="0" marB="0" anchor="ctr"/>
+                </a:tc>
+                <a:tc>
+                  <a:txBody>
+                    <a:bodyPr/>
+                    <a:lstStyle/>
+                    <a:p>
+                      <a:pPr marL="0" marR="0" algn="ctr">
+                        <a:lnSpc>
+                          <a:spcPct val="107000"/>
+                        </a:lnSpc>
+                        <a:spcBef>
+                          <a:spcPts val="0"/>
+                        </a:spcBef>
+                        <a:spcAft>
+                          <a:spcPts val="0"/>
+                        </a:spcAft>
+                      </a:pPr>
+                      <a:r>
+                        <a:rPr lang="en-US" sz="1400" dirty="0">
+                          <a:effectLst/>
+                        </a:rPr>
+                        <a:t>Package Volume</a:t>
+                      </a:r>
+                      <a:endParaRPr lang="en-US" sz="1800" dirty="0">
+                        <a:effectLst/>
+                      </a:endParaRPr>
+                    </a:p>
+                    <a:p>
+                      <a:pPr marL="0" marR="0" algn="ctr">
+                        <a:lnSpc>
+                          <a:spcPct val="107000"/>
+                        </a:lnSpc>
+                        <a:spcBef>
+                          <a:spcPts val="0"/>
+                        </a:spcBef>
+                        <a:spcAft>
+                          <a:spcPts val="0"/>
+                        </a:spcAft>
+                      </a:pPr>
+                      <a:r>
+                        <a:rPr lang="en-US" sz="1400" dirty="0">
+                          <a:effectLst/>
+                        </a:rPr>
+                        <a:t>(cubic meters)</a:t>
+                      </a:r>
+                      <a:endParaRPr lang="en-US" sz="1800" dirty="0">
+                        <a:effectLst/>
+                        <a:latin typeface="Times New Roman" panose="02020603050405020304" pitchFamily="18" charset="0"/>
+                        <a:ea typeface="Calibri" panose="020F0502020204030204" pitchFamily="34" charset="0"/>
+                        <a:cs typeface="Times New Roman" panose="02020603050405020304" pitchFamily="18" charset="0"/>
+                      </a:endParaRPr>
+                    </a:p>
+                  </a:txBody>
+                  <a:tcPr marL="68580" marR="68580" marT="0" marB="0" anchor="ctr"/>
+                </a:tc>
+                <a:tc>
+                  <a:txBody>
+                    <a:bodyPr/>
+                    <a:lstStyle/>
+                    <a:p>
+                      <a:pPr marL="0" marR="0" algn="ctr">
+                        <a:lnSpc>
+                          <a:spcPct val="107000"/>
+                        </a:lnSpc>
+                        <a:spcBef>
+                          <a:spcPts val="0"/>
+                        </a:spcBef>
+                        <a:spcAft>
+                          <a:spcPts val="0"/>
+                        </a:spcAft>
+                      </a:pPr>
+                      <a:r>
+                        <a:rPr lang="en-US" sz="1400" dirty="0">
+                          <a:effectLst/>
+                        </a:rPr>
+                        <a:t>Earliest Time</a:t>
+                      </a:r>
+                      <a:endParaRPr lang="en-US" sz="1800" dirty="0">
+                        <a:effectLst/>
+                        <a:latin typeface="Times New Roman" panose="02020603050405020304" pitchFamily="18" charset="0"/>
+                        <a:ea typeface="Calibri" panose="020F0502020204030204" pitchFamily="34" charset="0"/>
+                        <a:cs typeface="Times New Roman" panose="02020603050405020304" pitchFamily="18" charset="0"/>
+                      </a:endParaRPr>
+                    </a:p>
+                  </a:txBody>
+                  <a:tcPr marL="68580" marR="68580" marT="0" marB="0" anchor="ctr"/>
+                </a:tc>
+                <a:tc>
+                  <a:txBody>
+                    <a:bodyPr/>
+                    <a:lstStyle/>
+                    <a:p>
+                      <a:pPr marL="0" marR="0" algn="ctr">
+                        <a:lnSpc>
+                          <a:spcPct val="107000"/>
+                        </a:lnSpc>
+                        <a:spcBef>
+                          <a:spcPts val="0"/>
+                        </a:spcBef>
+                        <a:spcAft>
+                          <a:spcPts val="0"/>
+                        </a:spcAft>
+                      </a:pPr>
+                      <a:r>
+                        <a:rPr lang="en-US" sz="1400" dirty="0">
+                          <a:effectLst/>
+                        </a:rPr>
+                        <a:t>Latest Time</a:t>
+                      </a:r>
+                      <a:endParaRPr lang="en-US" sz="1800" dirty="0">
+                        <a:effectLst/>
+                        <a:latin typeface="Times New Roman" panose="02020603050405020304" pitchFamily="18" charset="0"/>
+                        <a:ea typeface="Calibri" panose="020F0502020204030204" pitchFamily="34" charset="0"/>
+                        <a:cs typeface="Times New Roman" panose="02020603050405020304" pitchFamily="18" charset="0"/>
+                      </a:endParaRPr>
+                    </a:p>
+                  </a:txBody>
+                  <a:tcPr marL="68580" marR="68580" marT="0" marB="0" anchor="ctr"/>
+                </a:tc>
+                <a:extLst>
+                  <a:ext uri="{0D108BD9-81ED-4DB2-BD59-A6C34878D82A}">
+                    <a16:rowId xmlns:a16="http://schemas.microsoft.com/office/drawing/2014/main" val="662974602"/>
+                  </a:ext>
+                </a:extLst>
+              </a:tr>
+              <a:tr h="500513">
+                <a:tc>
+                  <a:txBody>
+                    <a:bodyPr/>
+                    <a:lstStyle/>
+                    <a:p>
+                      <a:pPr marL="0" marR="0" algn="ctr">
+                        <a:lnSpc>
+                          <a:spcPct val="107000"/>
+                        </a:lnSpc>
+                        <a:spcBef>
+                          <a:spcPts val="0"/>
+                        </a:spcBef>
+                        <a:spcAft>
+                          <a:spcPts val="0"/>
+                        </a:spcAft>
+                      </a:pPr>
+                      <a:r>
+                        <a:rPr lang="en-US" sz="1600" dirty="0">
+                          <a:effectLst/>
+                        </a:rPr>
+                        <a:t>1</a:t>
+                      </a:r>
+                      <a:endParaRPr lang="en-US" sz="1600" dirty="0">
+                        <a:effectLst/>
+                        <a:latin typeface="Times New Roman" panose="02020603050405020304" pitchFamily="18" charset="0"/>
+                        <a:ea typeface="Calibri" panose="020F0502020204030204" pitchFamily="34" charset="0"/>
+                        <a:cs typeface="Times New Roman" panose="02020603050405020304" pitchFamily="18" charset="0"/>
+                      </a:endParaRPr>
+                    </a:p>
+                  </a:txBody>
+                  <a:tcPr marL="68580" marR="68580" marT="0" marB="0" anchor="ctr"/>
+                </a:tc>
+                <a:tc>
+                  <a:txBody>
+                    <a:bodyPr/>
+                    <a:lstStyle/>
+                    <a:p>
+                      <a:pPr marL="0" marR="0" algn="ctr">
+                        <a:lnSpc>
+                          <a:spcPct val="107000"/>
+                        </a:lnSpc>
+                        <a:spcBef>
+                          <a:spcPts val="0"/>
+                        </a:spcBef>
+                        <a:spcAft>
+                          <a:spcPts val="0"/>
+                        </a:spcAft>
+                      </a:pPr>
+                      <a:r>
+                        <a:rPr lang="en-US" sz="1600" dirty="0">
+                          <a:effectLst/>
+                        </a:rPr>
+                        <a:t>116.242043</a:t>
+                      </a:r>
+                      <a:endParaRPr lang="en-US" sz="1600" dirty="0">
+                        <a:effectLst/>
+                        <a:latin typeface="Times New Roman" panose="02020603050405020304" pitchFamily="18" charset="0"/>
+                        <a:ea typeface="Calibri" panose="020F0502020204030204" pitchFamily="34" charset="0"/>
+                        <a:cs typeface="Times New Roman" panose="02020603050405020304" pitchFamily="18" charset="0"/>
+                      </a:endParaRPr>
+                    </a:p>
+                  </a:txBody>
+                  <a:tcPr marL="68580" marR="68580" marT="0" marB="0" anchor="ctr"/>
+                </a:tc>
+                <a:tc>
+                  <a:txBody>
+                    <a:bodyPr/>
+                    <a:lstStyle/>
+                    <a:p>
+                      <a:pPr marL="0" marR="0" algn="ctr">
+                        <a:lnSpc>
+                          <a:spcPct val="107000"/>
+                        </a:lnSpc>
+                        <a:spcBef>
+                          <a:spcPts val="0"/>
+                        </a:spcBef>
+                        <a:spcAft>
+                          <a:spcPts val="0"/>
+                        </a:spcAft>
+                      </a:pPr>
+                      <a:r>
+                        <a:rPr lang="en-US" sz="1600" dirty="0">
+                          <a:effectLst/>
+                        </a:rPr>
+                        <a:t>40.072630</a:t>
+                      </a:r>
+                      <a:endParaRPr lang="en-US" sz="1600" dirty="0">
+                        <a:effectLst/>
+                        <a:latin typeface="Times New Roman" panose="02020603050405020304" pitchFamily="18" charset="0"/>
+                        <a:ea typeface="Calibri" panose="020F0502020204030204" pitchFamily="34" charset="0"/>
+                        <a:cs typeface="Times New Roman" panose="02020603050405020304" pitchFamily="18" charset="0"/>
+                      </a:endParaRPr>
+                    </a:p>
+                  </a:txBody>
+                  <a:tcPr marL="68580" marR="68580" marT="0" marB="0" anchor="ctr"/>
+                </a:tc>
+                <a:tc>
+                  <a:txBody>
+                    <a:bodyPr/>
+                    <a:lstStyle/>
+                    <a:p>
+                      <a:pPr marL="0" marR="0" algn="ctr">
+                        <a:lnSpc>
+                          <a:spcPct val="107000"/>
+                        </a:lnSpc>
+                        <a:spcBef>
+                          <a:spcPts val="0"/>
+                        </a:spcBef>
+                        <a:spcAft>
+                          <a:spcPts val="0"/>
+                        </a:spcAft>
+                      </a:pPr>
+                      <a:r>
+                        <a:rPr lang="en-US" sz="1600" dirty="0">
+                          <a:effectLst/>
+                        </a:rPr>
+                        <a:t>0.20760</a:t>
+                      </a:r>
+                      <a:endParaRPr lang="en-US" sz="1600" dirty="0">
+                        <a:effectLst/>
+                        <a:latin typeface="Times New Roman" panose="02020603050405020304" pitchFamily="18" charset="0"/>
+                        <a:ea typeface="Calibri" panose="020F0502020204030204" pitchFamily="34" charset="0"/>
+                        <a:cs typeface="Times New Roman" panose="02020603050405020304" pitchFamily="18" charset="0"/>
+                      </a:endParaRPr>
+                    </a:p>
+                  </a:txBody>
+                  <a:tcPr marL="68580" marR="68580" marT="0" marB="0" anchor="ctr"/>
+                </a:tc>
+                <a:tc>
+                  <a:txBody>
+                    <a:bodyPr/>
+                    <a:lstStyle/>
+                    <a:p>
+                      <a:pPr marL="0" marR="0" algn="ctr">
+                        <a:lnSpc>
+                          <a:spcPct val="107000"/>
+                        </a:lnSpc>
+                        <a:spcBef>
+                          <a:spcPts val="0"/>
+                        </a:spcBef>
+                        <a:spcAft>
+                          <a:spcPts val="0"/>
+                        </a:spcAft>
+                      </a:pPr>
+                      <a:r>
+                        <a:rPr lang="en-US" sz="1600">
+                          <a:effectLst/>
+                        </a:rPr>
+                        <a:t>0.3666</a:t>
+                      </a:r>
+                      <a:endParaRPr lang="en-US" sz="1600">
+                        <a:effectLst/>
+                        <a:latin typeface="Times New Roman" panose="02020603050405020304" pitchFamily="18" charset="0"/>
+                        <a:ea typeface="Calibri" panose="020F0502020204030204" pitchFamily="34" charset="0"/>
+                        <a:cs typeface="Times New Roman" panose="02020603050405020304" pitchFamily="18" charset="0"/>
+                      </a:endParaRPr>
+                    </a:p>
+                  </a:txBody>
+                  <a:tcPr marL="68580" marR="68580" marT="0" marB="0" anchor="ctr"/>
+                </a:tc>
+                <a:tc>
+                  <a:txBody>
+                    <a:bodyPr/>
+                    <a:lstStyle/>
+                    <a:p>
+                      <a:pPr marL="0" marR="0" algn="ctr">
+                        <a:lnSpc>
+                          <a:spcPct val="107000"/>
+                        </a:lnSpc>
+                        <a:spcBef>
+                          <a:spcPts val="0"/>
+                        </a:spcBef>
+                        <a:spcAft>
+                          <a:spcPts val="0"/>
+                        </a:spcAft>
+                      </a:pPr>
+                      <a:r>
+                        <a:rPr lang="en-US" sz="1600">
+                          <a:effectLst/>
+                        </a:rPr>
+                        <a:t>09:00</a:t>
+                      </a:r>
+                      <a:endParaRPr lang="en-US" sz="1600">
+                        <a:effectLst/>
+                        <a:latin typeface="Times New Roman" panose="02020603050405020304" pitchFamily="18" charset="0"/>
+                        <a:ea typeface="Calibri" panose="020F0502020204030204" pitchFamily="34" charset="0"/>
+                        <a:cs typeface="Times New Roman" panose="02020603050405020304" pitchFamily="18" charset="0"/>
+                      </a:endParaRPr>
+                    </a:p>
+                  </a:txBody>
+                  <a:tcPr marL="68580" marR="68580" marT="0" marB="0" anchor="ctr"/>
+                </a:tc>
+                <a:tc>
+                  <a:txBody>
+                    <a:bodyPr/>
+                    <a:lstStyle/>
+                    <a:p>
+                      <a:pPr marL="0" marR="0" algn="ctr">
+                        <a:lnSpc>
+                          <a:spcPct val="107000"/>
+                        </a:lnSpc>
+                        <a:spcBef>
+                          <a:spcPts val="0"/>
+                        </a:spcBef>
+                        <a:spcAft>
+                          <a:spcPts val="0"/>
+                        </a:spcAft>
+                      </a:pPr>
+                      <a:r>
+                        <a:rPr lang="en-US" sz="1600">
+                          <a:effectLst/>
+                        </a:rPr>
+                        <a:t>12:00</a:t>
+                      </a:r>
+                      <a:endParaRPr lang="en-US" sz="1600">
+                        <a:effectLst/>
+                        <a:latin typeface="Times New Roman" panose="02020603050405020304" pitchFamily="18" charset="0"/>
+                        <a:ea typeface="Calibri" panose="020F0502020204030204" pitchFamily="34" charset="0"/>
+                        <a:cs typeface="Times New Roman" panose="02020603050405020304" pitchFamily="18" charset="0"/>
+                      </a:endParaRPr>
+                    </a:p>
+                  </a:txBody>
+                  <a:tcPr marL="68580" marR="68580" marT="0" marB="0" anchor="ctr"/>
+                </a:tc>
+                <a:extLst>
+                  <a:ext uri="{0D108BD9-81ED-4DB2-BD59-A6C34878D82A}">
+                    <a16:rowId xmlns:a16="http://schemas.microsoft.com/office/drawing/2014/main" val="2430375793"/>
+                  </a:ext>
+                </a:extLst>
+              </a:tr>
+              <a:tr h="500513">
+                <a:tc>
+                  <a:txBody>
+                    <a:bodyPr/>
+                    <a:lstStyle/>
+                    <a:p>
+                      <a:pPr marL="0" marR="0" algn="ctr">
+                        <a:lnSpc>
+                          <a:spcPct val="107000"/>
+                        </a:lnSpc>
+                        <a:spcBef>
+                          <a:spcPts val="0"/>
+                        </a:spcBef>
+                        <a:spcAft>
+                          <a:spcPts val="0"/>
+                        </a:spcAft>
+                      </a:pPr>
+                      <a:r>
+                        <a:rPr lang="en-US" sz="1600">
+                          <a:effectLst/>
+                        </a:rPr>
+                        <a:t>2</a:t>
+                      </a:r>
+                      <a:endParaRPr lang="en-US" sz="1600">
+                        <a:effectLst/>
+                        <a:latin typeface="Times New Roman" panose="02020603050405020304" pitchFamily="18" charset="0"/>
+                        <a:ea typeface="Calibri" panose="020F0502020204030204" pitchFamily="34" charset="0"/>
+                        <a:cs typeface="Times New Roman" panose="02020603050405020304" pitchFamily="18" charset="0"/>
+                      </a:endParaRPr>
+                    </a:p>
+                  </a:txBody>
+                  <a:tcPr marL="68580" marR="68580" marT="0" marB="0" anchor="ctr"/>
+                </a:tc>
+                <a:tc>
+                  <a:txBody>
+                    <a:bodyPr/>
+                    <a:lstStyle/>
+                    <a:p>
+                      <a:pPr marL="0" marR="0" algn="ctr">
+                        <a:lnSpc>
+                          <a:spcPct val="107000"/>
+                        </a:lnSpc>
+                        <a:spcBef>
+                          <a:spcPts val="0"/>
+                        </a:spcBef>
+                        <a:spcAft>
+                          <a:spcPts val="0"/>
+                        </a:spcAft>
+                      </a:pPr>
+                      <a:r>
+                        <a:rPr lang="en-US" sz="1600" dirty="0">
+                          <a:effectLst/>
+                        </a:rPr>
+                        <a:t>116.403595</a:t>
+                      </a:r>
+                      <a:endParaRPr lang="en-US" sz="1600" dirty="0">
+                        <a:effectLst/>
+                        <a:latin typeface="Times New Roman" panose="02020603050405020304" pitchFamily="18" charset="0"/>
+                        <a:ea typeface="Calibri" panose="020F0502020204030204" pitchFamily="34" charset="0"/>
+                        <a:cs typeface="Times New Roman" panose="02020603050405020304" pitchFamily="18" charset="0"/>
+                      </a:endParaRPr>
+                    </a:p>
+                  </a:txBody>
+                  <a:tcPr marL="68580" marR="68580" marT="0" marB="0" anchor="ctr"/>
+                </a:tc>
+                <a:tc>
+                  <a:txBody>
+                    <a:bodyPr/>
+                    <a:lstStyle/>
+                    <a:p>
+                      <a:pPr marL="0" marR="0" algn="ctr">
+                        <a:lnSpc>
+                          <a:spcPct val="107000"/>
+                        </a:lnSpc>
+                        <a:spcBef>
+                          <a:spcPts val="0"/>
+                        </a:spcBef>
+                        <a:spcAft>
+                          <a:spcPts val="0"/>
+                        </a:spcAft>
+                      </a:pPr>
+                      <a:r>
+                        <a:rPr lang="en-US" sz="1600" dirty="0">
+                          <a:effectLst/>
+                        </a:rPr>
+                        <a:t>39.872945</a:t>
+                      </a:r>
+                      <a:endParaRPr lang="en-US" sz="1600" dirty="0">
+                        <a:effectLst/>
+                        <a:latin typeface="Times New Roman" panose="02020603050405020304" pitchFamily="18" charset="0"/>
+                        <a:ea typeface="Calibri" panose="020F0502020204030204" pitchFamily="34" charset="0"/>
+                        <a:cs typeface="Times New Roman" panose="02020603050405020304" pitchFamily="18" charset="0"/>
+                      </a:endParaRPr>
+                    </a:p>
+                  </a:txBody>
+                  <a:tcPr marL="68580" marR="68580" marT="0" marB="0" anchor="ctr"/>
+                </a:tc>
+                <a:tc>
+                  <a:txBody>
+                    <a:bodyPr/>
+                    <a:lstStyle/>
+                    <a:p>
+                      <a:pPr marL="0" marR="0" algn="ctr">
+                        <a:lnSpc>
+                          <a:spcPct val="107000"/>
+                        </a:lnSpc>
+                        <a:spcBef>
+                          <a:spcPts val="0"/>
+                        </a:spcBef>
+                        <a:spcAft>
+                          <a:spcPts val="0"/>
+                        </a:spcAft>
+                      </a:pPr>
+                      <a:r>
+                        <a:rPr lang="en-US" sz="1600" dirty="0">
+                          <a:effectLst/>
+                        </a:rPr>
+                        <a:t>0.05863</a:t>
+                      </a:r>
+                      <a:endParaRPr lang="en-US" sz="1600" dirty="0">
+                        <a:effectLst/>
+                        <a:latin typeface="Times New Roman" panose="02020603050405020304" pitchFamily="18" charset="0"/>
+                        <a:ea typeface="Calibri" panose="020F0502020204030204" pitchFamily="34" charset="0"/>
+                        <a:cs typeface="Times New Roman" panose="02020603050405020304" pitchFamily="18" charset="0"/>
+                      </a:endParaRPr>
+                    </a:p>
+                  </a:txBody>
+                  <a:tcPr marL="68580" marR="68580" marT="0" marB="0" anchor="ctr"/>
+                </a:tc>
+                <a:tc>
+                  <a:txBody>
+                    <a:bodyPr/>
+                    <a:lstStyle/>
+                    <a:p>
+                      <a:pPr marL="0" marR="0" algn="ctr">
+                        <a:lnSpc>
+                          <a:spcPct val="107000"/>
+                        </a:lnSpc>
+                        <a:spcBef>
+                          <a:spcPts val="0"/>
+                        </a:spcBef>
+                        <a:spcAft>
+                          <a:spcPts val="0"/>
+                        </a:spcAft>
+                      </a:pPr>
+                      <a:r>
+                        <a:rPr lang="en-US" sz="1600">
+                          <a:effectLst/>
+                        </a:rPr>
+                        <a:t>0.1687</a:t>
+                      </a:r>
+                      <a:endParaRPr lang="en-US" sz="1600">
+                        <a:effectLst/>
+                        <a:latin typeface="Times New Roman" panose="02020603050405020304" pitchFamily="18" charset="0"/>
+                        <a:ea typeface="Calibri" panose="020F0502020204030204" pitchFamily="34" charset="0"/>
+                        <a:cs typeface="Times New Roman" panose="02020603050405020304" pitchFamily="18" charset="0"/>
+                      </a:endParaRPr>
+                    </a:p>
+                  </a:txBody>
+                  <a:tcPr marL="68580" marR="68580" marT="0" marB="0" anchor="ctr"/>
+                </a:tc>
+                <a:tc>
+                  <a:txBody>
+                    <a:bodyPr/>
+                    <a:lstStyle/>
+                    <a:p>
+                      <a:pPr marL="0" marR="0" algn="ctr">
+                        <a:lnSpc>
+                          <a:spcPct val="107000"/>
+                        </a:lnSpc>
+                        <a:spcBef>
+                          <a:spcPts val="0"/>
+                        </a:spcBef>
+                        <a:spcAft>
+                          <a:spcPts val="0"/>
+                        </a:spcAft>
+                      </a:pPr>
+                      <a:r>
+                        <a:rPr lang="en-US" sz="1600">
+                          <a:effectLst/>
+                        </a:rPr>
+                        <a:t>13:30</a:t>
+                      </a:r>
+                      <a:endParaRPr lang="en-US" sz="1600">
+                        <a:effectLst/>
+                        <a:latin typeface="Times New Roman" panose="02020603050405020304" pitchFamily="18" charset="0"/>
+                        <a:ea typeface="Calibri" panose="020F0502020204030204" pitchFamily="34" charset="0"/>
+                        <a:cs typeface="Times New Roman" panose="02020603050405020304" pitchFamily="18" charset="0"/>
+                      </a:endParaRPr>
+                    </a:p>
+                  </a:txBody>
+                  <a:tcPr marL="68580" marR="68580" marT="0" marB="0" anchor="ctr"/>
+                </a:tc>
+                <a:tc>
+                  <a:txBody>
+                    <a:bodyPr/>
+                    <a:lstStyle/>
+                    <a:p>
+                      <a:pPr marL="0" marR="0" algn="ctr">
+                        <a:lnSpc>
+                          <a:spcPct val="107000"/>
+                        </a:lnSpc>
+                        <a:spcBef>
+                          <a:spcPts val="0"/>
+                        </a:spcBef>
+                        <a:spcAft>
+                          <a:spcPts val="0"/>
+                        </a:spcAft>
+                      </a:pPr>
+                      <a:r>
+                        <a:rPr lang="en-US" sz="1600">
+                          <a:effectLst/>
+                        </a:rPr>
+                        <a:t>14:00</a:t>
+                      </a:r>
+                      <a:endParaRPr lang="en-US" sz="1600">
+                        <a:effectLst/>
+                        <a:latin typeface="Times New Roman" panose="02020603050405020304" pitchFamily="18" charset="0"/>
+                        <a:ea typeface="Calibri" panose="020F0502020204030204" pitchFamily="34" charset="0"/>
+                        <a:cs typeface="Times New Roman" panose="02020603050405020304" pitchFamily="18" charset="0"/>
+                      </a:endParaRPr>
+                    </a:p>
+                  </a:txBody>
+                  <a:tcPr marL="68580" marR="68580" marT="0" marB="0" anchor="ctr"/>
+                </a:tc>
+                <a:extLst>
+                  <a:ext uri="{0D108BD9-81ED-4DB2-BD59-A6C34878D82A}">
+                    <a16:rowId xmlns:a16="http://schemas.microsoft.com/office/drawing/2014/main" val="2932769028"/>
+                  </a:ext>
+                </a:extLst>
+              </a:tr>
+              <a:tr h="500513">
+                <a:tc>
+                  <a:txBody>
+                    <a:bodyPr/>
+                    <a:lstStyle/>
+                    <a:p>
+                      <a:pPr marL="0" marR="0" algn="ctr">
+                        <a:lnSpc>
+                          <a:spcPct val="107000"/>
+                        </a:lnSpc>
+                        <a:spcBef>
+                          <a:spcPts val="0"/>
+                        </a:spcBef>
+                        <a:spcAft>
+                          <a:spcPts val="0"/>
+                        </a:spcAft>
+                      </a:pPr>
+                      <a:r>
+                        <a:rPr lang="en-US" sz="1600">
+                          <a:effectLst/>
+                        </a:rPr>
+                        <a:t>3</a:t>
+                      </a:r>
+                      <a:endParaRPr lang="en-US" sz="1600">
+                        <a:effectLst/>
+                        <a:latin typeface="Times New Roman" panose="02020603050405020304" pitchFamily="18" charset="0"/>
+                        <a:ea typeface="Calibri" panose="020F0502020204030204" pitchFamily="34" charset="0"/>
+                        <a:cs typeface="Times New Roman" panose="02020603050405020304" pitchFamily="18" charset="0"/>
+                      </a:endParaRPr>
+                    </a:p>
+                  </a:txBody>
+                  <a:tcPr marL="68580" marR="68580" marT="0" marB="0" anchor="ctr"/>
+                </a:tc>
+                <a:tc>
+                  <a:txBody>
+                    <a:bodyPr/>
+                    <a:lstStyle/>
+                    <a:p>
+                      <a:pPr marL="0" marR="0" algn="ctr">
+                        <a:lnSpc>
+                          <a:spcPct val="107000"/>
+                        </a:lnSpc>
+                        <a:spcBef>
+                          <a:spcPts val="0"/>
+                        </a:spcBef>
+                        <a:spcAft>
+                          <a:spcPts val="0"/>
+                        </a:spcAft>
+                      </a:pPr>
+                      <a:r>
+                        <a:rPr lang="en-US" sz="1600">
+                          <a:effectLst/>
+                        </a:rPr>
+                        <a:t>116.186289</a:t>
+                      </a:r>
+                      <a:endParaRPr lang="en-US" sz="1600">
+                        <a:effectLst/>
+                        <a:latin typeface="Times New Roman" panose="02020603050405020304" pitchFamily="18" charset="0"/>
+                        <a:ea typeface="Calibri" panose="020F0502020204030204" pitchFamily="34" charset="0"/>
+                        <a:cs typeface="Times New Roman" panose="02020603050405020304" pitchFamily="18" charset="0"/>
+                      </a:endParaRPr>
+                    </a:p>
+                  </a:txBody>
+                  <a:tcPr marL="68580" marR="68580" marT="0" marB="0" anchor="ctr"/>
+                </a:tc>
+                <a:tc>
+                  <a:txBody>
+                    <a:bodyPr/>
+                    <a:lstStyle/>
+                    <a:p>
+                      <a:pPr marL="0" marR="0" algn="ctr">
+                        <a:lnSpc>
+                          <a:spcPct val="107000"/>
+                        </a:lnSpc>
+                        <a:spcBef>
+                          <a:spcPts val="0"/>
+                        </a:spcBef>
+                        <a:spcAft>
+                          <a:spcPts val="0"/>
+                        </a:spcAft>
+                      </a:pPr>
+                      <a:r>
+                        <a:rPr lang="en-US" sz="1600">
+                          <a:effectLst/>
+                        </a:rPr>
+                        <a:t>40.016361</a:t>
+                      </a:r>
+                      <a:endParaRPr lang="en-US" sz="1600">
+                        <a:effectLst/>
+                        <a:latin typeface="Times New Roman" panose="02020603050405020304" pitchFamily="18" charset="0"/>
+                        <a:ea typeface="Calibri" panose="020F0502020204030204" pitchFamily="34" charset="0"/>
+                        <a:cs typeface="Times New Roman" panose="02020603050405020304" pitchFamily="18" charset="0"/>
+                      </a:endParaRPr>
+                    </a:p>
+                  </a:txBody>
+                  <a:tcPr marL="68580" marR="68580" marT="0" marB="0" anchor="ctr"/>
+                </a:tc>
+                <a:tc>
+                  <a:txBody>
+                    <a:bodyPr/>
+                    <a:lstStyle/>
+                    <a:p>
+                      <a:pPr marL="0" marR="0" algn="ctr">
+                        <a:lnSpc>
+                          <a:spcPct val="107000"/>
+                        </a:lnSpc>
+                        <a:spcBef>
+                          <a:spcPts val="0"/>
+                        </a:spcBef>
+                        <a:spcAft>
+                          <a:spcPts val="0"/>
+                        </a:spcAft>
+                      </a:pPr>
+                      <a:r>
+                        <a:rPr lang="en-US" sz="1600" dirty="0">
+                          <a:effectLst/>
+                        </a:rPr>
+                        <a:t>0.03645</a:t>
+                      </a:r>
+                      <a:endParaRPr lang="en-US" sz="1600" dirty="0">
+                        <a:effectLst/>
+                        <a:latin typeface="Times New Roman" panose="02020603050405020304" pitchFamily="18" charset="0"/>
+                        <a:ea typeface="Calibri" panose="020F0502020204030204" pitchFamily="34" charset="0"/>
+                        <a:cs typeface="Times New Roman" panose="02020603050405020304" pitchFamily="18" charset="0"/>
+                      </a:endParaRPr>
+                    </a:p>
+                  </a:txBody>
+                  <a:tcPr marL="68580" marR="68580" marT="0" marB="0" anchor="ctr"/>
+                </a:tc>
+                <a:tc>
+                  <a:txBody>
+                    <a:bodyPr/>
+                    <a:lstStyle/>
+                    <a:p>
+                      <a:pPr marL="0" marR="0" algn="ctr">
+                        <a:lnSpc>
+                          <a:spcPct val="107000"/>
+                        </a:lnSpc>
+                        <a:spcBef>
+                          <a:spcPts val="0"/>
+                        </a:spcBef>
+                        <a:spcAft>
+                          <a:spcPts val="0"/>
+                        </a:spcAft>
+                      </a:pPr>
+                      <a:r>
+                        <a:rPr lang="en-US" sz="1600" dirty="0">
+                          <a:effectLst/>
+                        </a:rPr>
+                        <a:t>0.0745</a:t>
+                      </a:r>
+                      <a:endParaRPr lang="en-US" sz="1600" dirty="0">
+                        <a:effectLst/>
+                        <a:latin typeface="Times New Roman" panose="02020603050405020304" pitchFamily="18" charset="0"/>
+                        <a:ea typeface="Calibri" panose="020F0502020204030204" pitchFamily="34" charset="0"/>
+                        <a:cs typeface="Times New Roman" panose="02020603050405020304" pitchFamily="18" charset="0"/>
+                      </a:endParaRPr>
+                    </a:p>
+                  </a:txBody>
+                  <a:tcPr marL="68580" marR="68580" marT="0" marB="0" anchor="ctr"/>
+                </a:tc>
+                <a:tc>
+                  <a:txBody>
+                    <a:bodyPr/>
+                    <a:lstStyle/>
+                    <a:p>
+                      <a:pPr marL="0" marR="0" algn="ctr">
+                        <a:lnSpc>
+                          <a:spcPct val="107000"/>
+                        </a:lnSpc>
+                        <a:spcBef>
+                          <a:spcPts val="0"/>
+                        </a:spcBef>
+                        <a:spcAft>
+                          <a:spcPts val="0"/>
+                        </a:spcAft>
+                      </a:pPr>
+                      <a:r>
+                        <a:rPr lang="en-US" sz="1600">
+                          <a:effectLst/>
+                        </a:rPr>
+                        <a:t>13:00</a:t>
+                      </a:r>
+                      <a:endParaRPr lang="en-US" sz="1600">
+                        <a:effectLst/>
+                        <a:latin typeface="Times New Roman" panose="02020603050405020304" pitchFamily="18" charset="0"/>
+                        <a:ea typeface="Calibri" panose="020F0502020204030204" pitchFamily="34" charset="0"/>
+                        <a:cs typeface="Times New Roman" panose="02020603050405020304" pitchFamily="18" charset="0"/>
+                      </a:endParaRPr>
+                    </a:p>
+                  </a:txBody>
+                  <a:tcPr marL="68580" marR="68580" marT="0" marB="0" anchor="ctr"/>
+                </a:tc>
+                <a:tc>
+                  <a:txBody>
+                    <a:bodyPr/>
+                    <a:lstStyle/>
+                    <a:p>
+                      <a:pPr marL="0" marR="0" algn="ctr">
+                        <a:lnSpc>
+                          <a:spcPct val="107000"/>
+                        </a:lnSpc>
+                        <a:spcBef>
+                          <a:spcPts val="0"/>
+                        </a:spcBef>
+                        <a:spcAft>
+                          <a:spcPts val="0"/>
+                        </a:spcAft>
+                      </a:pPr>
+                      <a:r>
+                        <a:rPr lang="en-US" sz="1600">
+                          <a:effectLst/>
+                        </a:rPr>
+                        <a:t>15:00</a:t>
+                      </a:r>
+                      <a:endParaRPr lang="en-US" sz="1600">
+                        <a:effectLst/>
+                        <a:latin typeface="Times New Roman" panose="02020603050405020304" pitchFamily="18" charset="0"/>
+                        <a:ea typeface="Calibri" panose="020F0502020204030204" pitchFamily="34" charset="0"/>
+                        <a:cs typeface="Times New Roman" panose="02020603050405020304" pitchFamily="18" charset="0"/>
+                      </a:endParaRPr>
+                    </a:p>
+                  </a:txBody>
+                  <a:tcPr marL="68580" marR="68580" marT="0" marB="0" anchor="ctr"/>
+                </a:tc>
+                <a:extLst>
+                  <a:ext uri="{0D108BD9-81ED-4DB2-BD59-A6C34878D82A}">
+                    <a16:rowId xmlns:a16="http://schemas.microsoft.com/office/drawing/2014/main" val="1441784158"/>
+                  </a:ext>
+                </a:extLst>
+              </a:tr>
+              <a:tr h="500513">
+                <a:tc>
+                  <a:txBody>
+                    <a:bodyPr/>
+                    <a:lstStyle/>
+                    <a:p>
+                      <a:pPr marL="0" marR="0" algn="ctr">
+                        <a:lnSpc>
+                          <a:spcPct val="107000"/>
+                        </a:lnSpc>
+                        <a:spcBef>
+                          <a:spcPts val="0"/>
+                        </a:spcBef>
+                        <a:spcAft>
+                          <a:spcPts val="0"/>
+                        </a:spcAft>
+                      </a:pPr>
+                      <a:r>
+                        <a:rPr lang="en-US" sz="1600">
+                          <a:effectLst/>
+                        </a:rPr>
+                        <a:t>4</a:t>
+                      </a:r>
+                      <a:endParaRPr lang="en-US" sz="1600">
+                        <a:effectLst/>
+                        <a:latin typeface="Times New Roman" panose="02020603050405020304" pitchFamily="18" charset="0"/>
+                        <a:ea typeface="Calibri" panose="020F0502020204030204" pitchFamily="34" charset="0"/>
+                        <a:cs typeface="Times New Roman" panose="02020603050405020304" pitchFamily="18" charset="0"/>
+                      </a:endParaRPr>
+                    </a:p>
+                  </a:txBody>
+                  <a:tcPr marL="68580" marR="68580" marT="0" marB="0" anchor="ctr"/>
+                </a:tc>
+                <a:tc>
+                  <a:txBody>
+                    <a:bodyPr/>
+                    <a:lstStyle/>
+                    <a:p>
+                      <a:pPr marL="0" marR="0" algn="ctr">
+                        <a:lnSpc>
+                          <a:spcPct val="107000"/>
+                        </a:lnSpc>
+                        <a:spcBef>
+                          <a:spcPts val="0"/>
+                        </a:spcBef>
+                        <a:spcAft>
+                          <a:spcPts val="0"/>
+                        </a:spcAft>
+                      </a:pPr>
+                      <a:r>
+                        <a:rPr lang="en-US" sz="1600">
+                          <a:effectLst/>
+                        </a:rPr>
+                        <a:t>116.508011</a:t>
+                      </a:r>
+                      <a:endParaRPr lang="en-US" sz="1600">
+                        <a:effectLst/>
+                        <a:latin typeface="Times New Roman" panose="02020603050405020304" pitchFamily="18" charset="0"/>
+                        <a:ea typeface="Calibri" panose="020F0502020204030204" pitchFamily="34" charset="0"/>
+                        <a:cs typeface="Times New Roman" panose="02020603050405020304" pitchFamily="18" charset="0"/>
+                      </a:endParaRPr>
+                    </a:p>
+                  </a:txBody>
+                  <a:tcPr marL="68580" marR="68580" marT="0" marB="0" anchor="ctr"/>
+                </a:tc>
+                <a:tc>
+                  <a:txBody>
+                    <a:bodyPr/>
+                    <a:lstStyle/>
+                    <a:p>
+                      <a:pPr marL="0" marR="0" algn="ctr">
+                        <a:lnSpc>
+                          <a:spcPct val="107000"/>
+                        </a:lnSpc>
+                        <a:spcBef>
+                          <a:spcPts val="0"/>
+                        </a:spcBef>
+                        <a:spcAft>
+                          <a:spcPts val="0"/>
+                        </a:spcAft>
+                      </a:pPr>
+                      <a:r>
+                        <a:rPr lang="en-US" sz="1600">
+                          <a:effectLst/>
+                        </a:rPr>
+                        <a:t>39.826296</a:t>
+                      </a:r>
+                      <a:endParaRPr lang="en-US" sz="1600">
+                        <a:effectLst/>
+                        <a:latin typeface="Times New Roman" panose="02020603050405020304" pitchFamily="18" charset="0"/>
+                        <a:ea typeface="Calibri" panose="020F0502020204030204" pitchFamily="34" charset="0"/>
+                        <a:cs typeface="Times New Roman" panose="02020603050405020304" pitchFamily="18" charset="0"/>
+                      </a:endParaRPr>
+                    </a:p>
+                  </a:txBody>
+                  <a:tcPr marL="68580" marR="68580" marT="0" marB="0" anchor="ctr"/>
+                </a:tc>
+                <a:tc>
+                  <a:txBody>
+                    <a:bodyPr/>
+                    <a:lstStyle/>
+                    <a:p>
+                      <a:pPr marL="0" marR="0" algn="ctr">
+                        <a:lnSpc>
+                          <a:spcPct val="107000"/>
+                        </a:lnSpc>
+                        <a:spcBef>
+                          <a:spcPts val="0"/>
+                        </a:spcBef>
+                        <a:spcAft>
+                          <a:spcPts val="0"/>
+                        </a:spcAft>
+                      </a:pPr>
+                      <a:r>
+                        <a:rPr lang="en-US" sz="1600">
+                          <a:effectLst/>
+                        </a:rPr>
+                        <a:t>0.02595</a:t>
+                      </a:r>
+                      <a:endParaRPr lang="en-US" sz="1600">
+                        <a:effectLst/>
+                        <a:latin typeface="Times New Roman" panose="02020603050405020304" pitchFamily="18" charset="0"/>
+                        <a:ea typeface="Calibri" panose="020F0502020204030204" pitchFamily="34" charset="0"/>
+                        <a:cs typeface="Times New Roman" panose="02020603050405020304" pitchFamily="18" charset="0"/>
+                      </a:endParaRPr>
+                    </a:p>
+                  </a:txBody>
+                  <a:tcPr marL="68580" marR="68580" marT="0" marB="0" anchor="ctr"/>
+                </a:tc>
+                <a:tc>
+                  <a:txBody>
+                    <a:bodyPr/>
+                    <a:lstStyle/>
+                    <a:p>
+                      <a:pPr marL="0" marR="0" algn="ctr">
+                        <a:lnSpc>
+                          <a:spcPct val="107000"/>
+                        </a:lnSpc>
+                        <a:spcBef>
+                          <a:spcPts val="0"/>
+                        </a:spcBef>
+                        <a:spcAft>
+                          <a:spcPts val="0"/>
+                        </a:spcAft>
+                      </a:pPr>
+                      <a:r>
+                        <a:rPr lang="en-US" sz="1600" dirty="0">
+                          <a:effectLst/>
+                        </a:rPr>
+                        <a:t>0.0542</a:t>
+                      </a:r>
+                      <a:endParaRPr lang="en-US" sz="1600" dirty="0">
+                        <a:effectLst/>
+                        <a:latin typeface="Times New Roman" panose="02020603050405020304" pitchFamily="18" charset="0"/>
+                        <a:ea typeface="Calibri" panose="020F0502020204030204" pitchFamily="34" charset="0"/>
+                        <a:cs typeface="Times New Roman" panose="02020603050405020304" pitchFamily="18" charset="0"/>
+                      </a:endParaRPr>
+                    </a:p>
+                  </a:txBody>
+                  <a:tcPr marL="68580" marR="68580" marT="0" marB="0" anchor="ctr"/>
+                </a:tc>
+                <a:tc>
+                  <a:txBody>
+                    <a:bodyPr/>
+                    <a:lstStyle/>
+                    <a:p>
+                      <a:pPr marL="0" marR="0" algn="ctr">
+                        <a:lnSpc>
+                          <a:spcPct val="107000"/>
+                        </a:lnSpc>
+                        <a:spcBef>
+                          <a:spcPts val="0"/>
+                        </a:spcBef>
+                        <a:spcAft>
+                          <a:spcPts val="0"/>
+                        </a:spcAft>
+                      </a:pPr>
+                      <a:r>
+                        <a:rPr lang="en-US" sz="1600">
+                          <a:effectLst/>
+                        </a:rPr>
+                        <a:t>09:00</a:t>
+                      </a:r>
+                      <a:endParaRPr lang="en-US" sz="1600">
+                        <a:effectLst/>
+                        <a:latin typeface="Times New Roman" panose="02020603050405020304" pitchFamily="18" charset="0"/>
+                        <a:ea typeface="Calibri" panose="020F0502020204030204" pitchFamily="34" charset="0"/>
+                        <a:cs typeface="Times New Roman" panose="02020603050405020304" pitchFamily="18" charset="0"/>
+                      </a:endParaRPr>
+                    </a:p>
+                  </a:txBody>
+                  <a:tcPr marL="68580" marR="68580" marT="0" marB="0" anchor="ctr"/>
+                </a:tc>
+                <a:tc>
+                  <a:txBody>
+                    <a:bodyPr/>
+                    <a:lstStyle/>
+                    <a:p>
+                      <a:pPr marL="0" marR="0" algn="ctr">
+                        <a:lnSpc>
+                          <a:spcPct val="107000"/>
+                        </a:lnSpc>
+                        <a:spcBef>
+                          <a:spcPts val="0"/>
+                        </a:spcBef>
+                        <a:spcAft>
+                          <a:spcPts val="0"/>
+                        </a:spcAft>
+                      </a:pPr>
+                      <a:r>
+                        <a:rPr lang="en-US" sz="1600">
+                          <a:effectLst/>
+                        </a:rPr>
+                        <a:t>10:00</a:t>
+                      </a:r>
+                      <a:endParaRPr lang="en-US" sz="1600">
+                        <a:effectLst/>
+                        <a:latin typeface="Times New Roman" panose="02020603050405020304" pitchFamily="18" charset="0"/>
+                        <a:ea typeface="Calibri" panose="020F0502020204030204" pitchFamily="34" charset="0"/>
+                        <a:cs typeface="Times New Roman" panose="02020603050405020304" pitchFamily="18" charset="0"/>
+                      </a:endParaRPr>
+                    </a:p>
+                  </a:txBody>
+                  <a:tcPr marL="68580" marR="68580" marT="0" marB="0" anchor="ctr"/>
+                </a:tc>
+                <a:extLst>
+                  <a:ext uri="{0D108BD9-81ED-4DB2-BD59-A6C34878D82A}">
+                    <a16:rowId xmlns:a16="http://schemas.microsoft.com/office/drawing/2014/main" val="659605874"/>
+                  </a:ext>
+                </a:extLst>
+              </a:tr>
+              <a:tr h="500513">
+                <a:tc>
+                  <a:txBody>
+                    <a:bodyPr/>
+                    <a:lstStyle/>
+                    <a:p>
+                      <a:pPr marL="0" marR="0" algn="ctr">
+                        <a:lnSpc>
+                          <a:spcPct val="107000"/>
+                        </a:lnSpc>
+                        <a:spcBef>
+                          <a:spcPts val="0"/>
+                        </a:spcBef>
+                        <a:spcAft>
+                          <a:spcPts val="0"/>
+                        </a:spcAft>
+                      </a:pPr>
+                      <a:r>
+                        <a:rPr lang="en-US" sz="1600">
+                          <a:effectLst/>
+                        </a:rPr>
+                        <a:t>5</a:t>
+                      </a:r>
+                      <a:endParaRPr lang="en-US" sz="1600">
+                        <a:effectLst/>
+                        <a:latin typeface="Times New Roman" panose="02020603050405020304" pitchFamily="18" charset="0"/>
+                        <a:ea typeface="Calibri" panose="020F0502020204030204" pitchFamily="34" charset="0"/>
+                        <a:cs typeface="Times New Roman" panose="02020603050405020304" pitchFamily="18" charset="0"/>
+                      </a:endParaRPr>
+                    </a:p>
+                  </a:txBody>
+                  <a:tcPr marL="68580" marR="68580" marT="0" marB="0" anchor="ctr"/>
+                </a:tc>
+                <a:tc>
+                  <a:txBody>
+                    <a:bodyPr/>
+                    <a:lstStyle/>
+                    <a:p>
+                      <a:pPr marL="0" marR="0" algn="ctr">
+                        <a:lnSpc>
+                          <a:spcPct val="107000"/>
+                        </a:lnSpc>
+                        <a:spcBef>
+                          <a:spcPts val="0"/>
+                        </a:spcBef>
+                        <a:spcAft>
+                          <a:spcPts val="0"/>
+                        </a:spcAft>
+                      </a:pPr>
+                      <a:r>
+                        <a:rPr lang="en-US" sz="1600">
+                          <a:effectLst/>
+                        </a:rPr>
+                        <a:t>116.130997</a:t>
+                      </a:r>
+                      <a:endParaRPr lang="en-US" sz="1600">
+                        <a:effectLst/>
+                        <a:latin typeface="Times New Roman" panose="02020603050405020304" pitchFamily="18" charset="0"/>
+                        <a:ea typeface="Calibri" panose="020F0502020204030204" pitchFamily="34" charset="0"/>
+                        <a:cs typeface="Times New Roman" panose="02020603050405020304" pitchFamily="18" charset="0"/>
+                      </a:endParaRPr>
+                    </a:p>
+                  </a:txBody>
+                  <a:tcPr marL="68580" marR="68580" marT="0" marB="0" anchor="ctr"/>
+                </a:tc>
+                <a:tc>
+                  <a:txBody>
+                    <a:bodyPr/>
+                    <a:lstStyle/>
+                    <a:p>
+                      <a:pPr marL="0" marR="0" algn="ctr">
+                        <a:lnSpc>
+                          <a:spcPct val="107000"/>
+                        </a:lnSpc>
+                        <a:spcBef>
+                          <a:spcPts val="0"/>
+                        </a:spcBef>
+                        <a:spcAft>
+                          <a:spcPts val="0"/>
+                        </a:spcAft>
+                      </a:pPr>
+                      <a:r>
+                        <a:rPr lang="en-US" sz="1600">
+                          <a:effectLst/>
+                        </a:rPr>
+                        <a:t>39.825921</a:t>
+                      </a:r>
+                      <a:endParaRPr lang="en-US" sz="1600">
+                        <a:effectLst/>
+                        <a:latin typeface="Times New Roman" panose="02020603050405020304" pitchFamily="18" charset="0"/>
+                        <a:ea typeface="Calibri" panose="020F0502020204030204" pitchFamily="34" charset="0"/>
+                        <a:cs typeface="Times New Roman" panose="02020603050405020304" pitchFamily="18" charset="0"/>
+                      </a:endParaRPr>
+                    </a:p>
+                  </a:txBody>
+                  <a:tcPr marL="68580" marR="68580" marT="0" marB="0" anchor="ctr"/>
+                </a:tc>
+                <a:tc>
+                  <a:txBody>
+                    <a:bodyPr/>
+                    <a:lstStyle/>
+                    <a:p>
+                      <a:pPr marL="0" marR="0" algn="ctr">
+                        <a:lnSpc>
+                          <a:spcPct val="107000"/>
+                        </a:lnSpc>
+                        <a:spcBef>
+                          <a:spcPts val="0"/>
+                        </a:spcBef>
+                        <a:spcAft>
+                          <a:spcPts val="0"/>
+                        </a:spcAft>
+                      </a:pPr>
+                      <a:r>
+                        <a:rPr lang="en-US" sz="1600">
+                          <a:effectLst/>
+                        </a:rPr>
+                        <a:t>0.0198</a:t>
+                      </a:r>
+                      <a:endParaRPr lang="en-US" sz="1600">
+                        <a:effectLst/>
+                        <a:latin typeface="Times New Roman" panose="02020603050405020304" pitchFamily="18" charset="0"/>
+                        <a:ea typeface="Calibri" panose="020F0502020204030204" pitchFamily="34" charset="0"/>
+                        <a:cs typeface="Times New Roman" panose="02020603050405020304" pitchFamily="18" charset="0"/>
+                      </a:endParaRPr>
+                    </a:p>
+                  </a:txBody>
+                  <a:tcPr marL="68580" marR="68580" marT="0" marB="0" anchor="ctr"/>
+                </a:tc>
+                <a:tc>
+                  <a:txBody>
+                    <a:bodyPr/>
+                    <a:lstStyle/>
+                    <a:p>
+                      <a:pPr marL="0" marR="0" algn="ctr">
+                        <a:lnSpc>
+                          <a:spcPct val="107000"/>
+                        </a:lnSpc>
+                        <a:spcBef>
+                          <a:spcPts val="0"/>
+                        </a:spcBef>
+                        <a:spcAft>
+                          <a:spcPts val="0"/>
+                        </a:spcAft>
+                      </a:pPr>
+                      <a:r>
+                        <a:rPr lang="en-US" sz="1600" dirty="0">
+                          <a:effectLst/>
+                        </a:rPr>
+                        <a:t>0.1117</a:t>
+                      </a:r>
+                      <a:endParaRPr lang="en-US" sz="1600" dirty="0">
+                        <a:effectLst/>
+                        <a:latin typeface="Times New Roman" panose="02020603050405020304" pitchFamily="18" charset="0"/>
+                        <a:ea typeface="Calibri" panose="020F0502020204030204" pitchFamily="34" charset="0"/>
+                        <a:cs typeface="Times New Roman" panose="02020603050405020304" pitchFamily="18" charset="0"/>
+                      </a:endParaRPr>
+                    </a:p>
+                  </a:txBody>
+                  <a:tcPr marL="68580" marR="68580" marT="0" marB="0" anchor="ctr"/>
+                </a:tc>
+                <a:tc>
+                  <a:txBody>
+                    <a:bodyPr/>
+                    <a:lstStyle/>
+                    <a:p>
+                      <a:pPr marL="0" marR="0" algn="ctr">
+                        <a:lnSpc>
+                          <a:spcPct val="107000"/>
+                        </a:lnSpc>
+                        <a:spcBef>
+                          <a:spcPts val="0"/>
+                        </a:spcBef>
+                        <a:spcAft>
+                          <a:spcPts val="0"/>
+                        </a:spcAft>
+                      </a:pPr>
+                      <a:r>
+                        <a:rPr lang="en-US" sz="1600" dirty="0">
+                          <a:effectLst/>
+                        </a:rPr>
+                        <a:t>11:00</a:t>
+                      </a:r>
+                      <a:endParaRPr lang="en-US" sz="1600" dirty="0">
+                        <a:effectLst/>
+                        <a:latin typeface="Times New Roman" panose="02020603050405020304" pitchFamily="18" charset="0"/>
+                        <a:ea typeface="Calibri" panose="020F0502020204030204" pitchFamily="34" charset="0"/>
+                        <a:cs typeface="Times New Roman" panose="02020603050405020304" pitchFamily="18" charset="0"/>
+                      </a:endParaRPr>
+                    </a:p>
+                  </a:txBody>
+                  <a:tcPr marL="68580" marR="68580" marT="0" marB="0" anchor="ctr"/>
+                </a:tc>
+                <a:tc>
+                  <a:txBody>
+                    <a:bodyPr/>
+                    <a:lstStyle/>
+                    <a:p>
+                      <a:pPr marL="0" marR="0" algn="ctr">
+                        <a:lnSpc>
+                          <a:spcPct val="107000"/>
+                        </a:lnSpc>
+                        <a:spcBef>
+                          <a:spcPts val="0"/>
+                        </a:spcBef>
+                        <a:spcAft>
+                          <a:spcPts val="0"/>
+                        </a:spcAft>
+                      </a:pPr>
+                      <a:r>
+                        <a:rPr lang="en-US" sz="1600">
+                          <a:effectLst/>
+                        </a:rPr>
+                        <a:t>13:30</a:t>
+                      </a:r>
+                      <a:endParaRPr lang="en-US" sz="1600">
+                        <a:effectLst/>
+                        <a:latin typeface="Times New Roman" panose="02020603050405020304" pitchFamily="18" charset="0"/>
+                        <a:ea typeface="Calibri" panose="020F0502020204030204" pitchFamily="34" charset="0"/>
+                        <a:cs typeface="Times New Roman" panose="02020603050405020304" pitchFamily="18" charset="0"/>
+                      </a:endParaRPr>
+                    </a:p>
+                  </a:txBody>
+                  <a:tcPr marL="68580" marR="68580" marT="0" marB="0" anchor="ctr"/>
+                </a:tc>
+                <a:extLst>
+                  <a:ext uri="{0D108BD9-81ED-4DB2-BD59-A6C34878D82A}">
+                    <a16:rowId xmlns:a16="http://schemas.microsoft.com/office/drawing/2014/main" val="2509272945"/>
+                  </a:ext>
+                </a:extLst>
+              </a:tr>
+              <a:tr h="470025">
+                <a:tc>
+                  <a:txBody>
+                    <a:bodyPr/>
+                    <a:lstStyle/>
+                    <a:p>
+                      <a:pPr marL="0" marR="0" algn="ctr">
+                        <a:lnSpc>
+                          <a:spcPct val="107000"/>
+                        </a:lnSpc>
+                        <a:spcBef>
+                          <a:spcPts val="0"/>
+                        </a:spcBef>
+                        <a:spcAft>
+                          <a:spcPts val="0"/>
+                        </a:spcAft>
+                      </a:pPr>
+                      <a:r>
+                        <a:rPr lang="en-US" sz="1600">
+                          <a:effectLst/>
+                        </a:rPr>
+                        <a:t>…</a:t>
+                      </a:r>
+                      <a:endParaRPr lang="en-US" sz="1600">
+                        <a:effectLst/>
+                        <a:latin typeface="Times New Roman" panose="02020603050405020304" pitchFamily="18" charset="0"/>
+                        <a:ea typeface="Calibri" panose="020F0502020204030204" pitchFamily="34" charset="0"/>
+                        <a:cs typeface="Times New Roman" panose="02020603050405020304" pitchFamily="18" charset="0"/>
+                      </a:endParaRPr>
+                    </a:p>
+                  </a:txBody>
+                  <a:tcPr marL="68580" marR="68580" marT="0" marB="0" anchor="ctr"/>
+                </a:tc>
+                <a:tc>
+                  <a:txBody>
+                    <a:bodyPr/>
+                    <a:lstStyle/>
+                    <a:p>
+                      <a:pPr marL="0" marR="0" algn="ctr">
+                        <a:lnSpc>
+                          <a:spcPct val="107000"/>
+                        </a:lnSpc>
+                        <a:spcBef>
+                          <a:spcPts val="0"/>
+                        </a:spcBef>
+                        <a:spcAft>
+                          <a:spcPts val="0"/>
+                        </a:spcAft>
+                      </a:pPr>
+                      <a:r>
+                        <a:rPr lang="en-US" sz="1600">
+                          <a:effectLst/>
+                        </a:rPr>
+                        <a:t>…</a:t>
+                      </a:r>
+                      <a:endParaRPr lang="en-US" sz="1600">
+                        <a:effectLst/>
+                        <a:latin typeface="Times New Roman" panose="02020603050405020304" pitchFamily="18" charset="0"/>
+                        <a:ea typeface="Calibri" panose="020F0502020204030204" pitchFamily="34" charset="0"/>
+                        <a:cs typeface="Times New Roman" panose="02020603050405020304" pitchFamily="18" charset="0"/>
+                      </a:endParaRPr>
+                    </a:p>
+                  </a:txBody>
+                  <a:tcPr marL="68580" marR="68580" marT="0" marB="0" anchor="ctr"/>
+                </a:tc>
+                <a:tc>
+                  <a:txBody>
+                    <a:bodyPr/>
+                    <a:lstStyle/>
+                    <a:p>
+                      <a:pPr marL="0" marR="0" algn="ctr">
+                        <a:lnSpc>
+                          <a:spcPct val="107000"/>
+                        </a:lnSpc>
+                        <a:spcBef>
+                          <a:spcPts val="0"/>
+                        </a:spcBef>
+                        <a:spcAft>
+                          <a:spcPts val="0"/>
+                        </a:spcAft>
+                      </a:pPr>
+                      <a:r>
+                        <a:rPr lang="en-US" sz="1600">
+                          <a:effectLst/>
+                        </a:rPr>
+                        <a:t>…</a:t>
+                      </a:r>
+                      <a:endParaRPr lang="en-US" sz="1600">
+                        <a:effectLst/>
+                        <a:latin typeface="Times New Roman" panose="02020603050405020304" pitchFamily="18" charset="0"/>
+                        <a:ea typeface="Calibri" panose="020F0502020204030204" pitchFamily="34" charset="0"/>
+                        <a:cs typeface="Times New Roman" panose="02020603050405020304" pitchFamily="18" charset="0"/>
+                      </a:endParaRPr>
+                    </a:p>
+                  </a:txBody>
+                  <a:tcPr marL="68580" marR="68580" marT="0" marB="0" anchor="ctr"/>
+                </a:tc>
+                <a:tc>
+                  <a:txBody>
+                    <a:bodyPr/>
+                    <a:lstStyle/>
+                    <a:p>
+                      <a:pPr marL="0" marR="0" algn="ctr">
+                        <a:lnSpc>
+                          <a:spcPct val="107000"/>
+                        </a:lnSpc>
+                        <a:spcBef>
+                          <a:spcPts val="0"/>
+                        </a:spcBef>
+                        <a:spcAft>
+                          <a:spcPts val="0"/>
+                        </a:spcAft>
+                      </a:pPr>
+                      <a:r>
+                        <a:rPr lang="en-US" sz="1600">
+                          <a:effectLst/>
+                        </a:rPr>
+                        <a:t>…</a:t>
+                      </a:r>
+                      <a:endParaRPr lang="en-US" sz="1600">
+                        <a:effectLst/>
+                        <a:latin typeface="Times New Roman" panose="02020603050405020304" pitchFamily="18" charset="0"/>
+                        <a:ea typeface="Calibri" panose="020F0502020204030204" pitchFamily="34" charset="0"/>
+                        <a:cs typeface="Times New Roman" panose="02020603050405020304" pitchFamily="18" charset="0"/>
+                      </a:endParaRPr>
+                    </a:p>
+                  </a:txBody>
+                  <a:tcPr marL="68580" marR="68580" marT="0" marB="0" anchor="ctr"/>
+                </a:tc>
+                <a:tc>
+                  <a:txBody>
+                    <a:bodyPr/>
+                    <a:lstStyle/>
+                    <a:p>
+                      <a:pPr marL="0" marR="0" algn="ctr">
+                        <a:lnSpc>
+                          <a:spcPct val="107000"/>
+                        </a:lnSpc>
+                        <a:spcBef>
+                          <a:spcPts val="0"/>
+                        </a:spcBef>
+                        <a:spcAft>
+                          <a:spcPts val="0"/>
+                        </a:spcAft>
+                      </a:pPr>
+                      <a:r>
+                        <a:rPr lang="en-US" sz="1600">
+                          <a:effectLst/>
+                        </a:rPr>
+                        <a:t>…</a:t>
+                      </a:r>
+                      <a:endParaRPr lang="en-US" sz="1600">
+                        <a:effectLst/>
+                        <a:latin typeface="Times New Roman" panose="02020603050405020304" pitchFamily="18" charset="0"/>
+                        <a:ea typeface="Calibri" panose="020F0502020204030204" pitchFamily="34" charset="0"/>
+                        <a:cs typeface="Times New Roman" panose="02020603050405020304" pitchFamily="18" charset="0"/>
+                      </a:endParaRPr>
+                    </a:p>
+                  </a:txBody>
+                  <a:tcPr marL="68580" marR="68580" marT="0" marB="0" anchor="ctr"/>
+                </a:tc>
+                <a:tc>
+                  <a:txBody>
+                    <a:bodyPr/>
+                    <a:lstStyle/>
+                    <a:p>
+                      <a:pPr marL="0" marR="0" algn="ctr">
+                        <a:lnSpc>
+                          <a:spcPct val="107000"/>
+                        </a:lnSpc>
+                        <a:spcBef>
+                          <a:spcPts val="0"/>
+                        </a:spcBef>
+                        <a:spcAft>
+                          <a:spcPts val="0"/>
+                        </a:spcAft>
+                      </a:pPr>
+                      <a:r>
+                        <a:rPr lang="en-US" sz="1600" dirty="0">
+                          <a:effectLst/>
+                        </a:rPr>
+                        <a:t>…</a:t>
+                      </a:r>
+                      <a:endParaRPr lang="en-US" sz="1600" dirty="0">
+                        <a:effectLst/>
+                        <a:latin typeface="Times New Roman" panose="02020603050405020304" pitchFamily="18" charset="0"/>
+                        <a:ea typeface="Calibri" panose="020F0502020204030204" pitchFamily="34" charset="0"/>
+                        <a:cs typeface="Times New Roman" panose="02020603050405020304" pitchFamily="18" charset="0"/>
+                      </a:endParaRPr>
+                    </a:p>
+                  </a:txBody>
+                  <a:tcPr marL="68580" marR="68580" marT="0" marB="0" anchor="ctr"/>
+                </a:tc>
+                <a:tc>
+                  <a:txBody>
+                    <a:bodyPr/>
+                    <a:lstStyle/>
+                    <a:p>
+                      <a:pPr marL="0" marR="0" algn="ctr">
+                        <a:lnSpc>
+                          <a:spcPct val="107000"/>
+                        </a:lnSpc>
+                        <a:spcBef>
+                          <a:spcPts val="0"/>
+                        </a:spcBef>
+                        <a:spcAft>
+                          <a:spcPts val="0"/>
+                        </a:spcAft>
+                      </a:pPr>
+                      <a:r>
+                        <a:rPr lang="en-US" sz="1600" dirty="0">
+                          <a:effectLst/>
+                        </a:rPr>
+                        <a:t>…</a:t>
+                      </a:r>
+                      <a:endParaRPr lang="en-US" sz="1600" dirty="0">
+                        <a:effectLst/>
+                        <a:latin typeface="Times New Roman" panose="02020603050405020304" pitchFamily="18" charset="0"/>
+                        <a:ea typeface="Calibri" panose="020F0502020204030204" pitchFamily="34" charset="0"/>
+                        <a:cs typeface="Times New Roman" panose="02020603050405020304" pitchFamily="18" charset="0"/>
+                      </a:endParaRPr>
+                    </a:p>
+                  </a:txBody>
+                  <a:tcPr marL="68580" marR="68580" marT="0" marB="0" anchor="ctr"/>
+                </a:tc>
+                <a:extLst>
+                  <a:ext uri="{0D108BD9-81ED-4DB2-BD59-A6C34878D82A}">
+                    <a16:rowId xmlns:a16="http://schemas.microsoft.com/office/drawing/2014/main" val="1184390986"/>
+                  </a:ext>
+                </a:extLst>
+              </a:tr>
+              <a:tr h="500513">
+                <a:tc>
+                  <a:txBody>
+                    <a:bodyPr/>
+                    <a:lstStyle/>
+                    <a:p>
+                      <a:pPr marL="0" marR="0" algn="ctr">
+                        <a:lnSpc>
+                          <a:spcPct val="107000"/>
+                        </a:lnSpc>
+                        <a:spcBef>
+                          <a:spcPts val="0"/>
+                        </a:spcBef>
+                        <a:spcAft>
+                          <a:spcPts val="0"/>
+                        </a:spcAft>
+                      </a:pPr>
+                      <a:r>
+                        <a:rPr lang="en-US" sz="1600" dirty="0">
+                          <a:solidFill>
+                            <a:srgbClr val="FF0000"/>
+                          </a:solidFill>
+                          <a:effectLst/>
+                        </a:rPr>
+                        <a:t>50</a:t>
+                      </a:r>
+                      <a:endParaRPr lang="en-US" sz="1600" dirty="0">
+                        <a:solidFill>
+                          <a:srgbClr val="FF0000"/>
+                        </a:solidFill>
+                        <a:effectLst/>
+                        <a:latin typeface="Times New Roman" panose="02020603050405020304" pitchFamily="18" charset="0"/>
+                        <a:ea typeface="Calibri" panose="020F0502020204030204" pitchFamily="34" charset="0"/>
+                        <a:cs typeface="Times New Roman" panose="02020603050405020304" pitchFamily="18" charset="0"/>
+                      </a:endParaRPr>
+                    </a:p>
+                  </a:txBody>
+                  <a:tcPr marL="68580" marR="68580" marT="0" marB="0" anchor="ctr"/>
+                </a:tc>
+                <a:tc>
+                  <a:txBody>
+                    <a:bodyPr/>
+                    <a:lstStyle/>
+                    <a:p>
+                      <a:pPr marL="0" marR="0" algn="ctr">
+                        <a:lnSpc>
+                          <a:spcPct val="107000"/>
+                        </a:lnSpc>
+                        <a:spcBef>
+                          <a:spcPts val="0"/>
+                        </a:spcBef>
+                        <a:spcAft>
+                          <a:spcPts val="0"/>
+                        </a:spcAft>
+                      </a:pPr>
+                      <a:r>
+                        <a:rPr lang="en-US" sz="1600" dirty="0">
+                          <a:effectLst/>
+                        </a:rPr>
+                        <a:t>116.214509</a:t>
+                      </a:r>
+                      <a:endParaRPr lang="en-US" sz="1600" dirty="0">
+                        <a:effectLst/>
+                        <a:latin typeface="Times New Roman" panose="02020603050405020304" pitchFamily="18" charset="0"/>
+                        <a:ea typeface="Calibri" panose="020F0502020204030204" pitchFamily="34" charset="0"/>
+                        <a:cs typeface="Times New Roman" panose="02020603050405020304" pitchFamily="18" charset="0"/>
+                      </a:endParaRPr>
+                    </a:p>
+                  </a:txBody>
+                  <a:tcPr marL="68580" marR="68580" marT="0" marB="0" anchor="ctr"/>
+                </a:tc>
+                <a:tc>
+                  <a:txBody>
+                    <a:bodyPr/>
+                    <a:lstStyle/>
+                    <a:p>
+                      <a:pPr marL="0" marR="0" algn="ctr">
+                        <a:lnSpc>
+                          <a:spcPct val="107000"/>
+                        </a:lnSpc>
+                        <a:spcBef>
+                          <a:spcPts val="0"/>
+                        </a:spcBef>
+                        <a:spcAft>
+                          <a:spcPts val="0"/>
+                        </a:spcAft>
+                      </a:pPr>
+                      <a:r>
+                        <a:rPr lang="en-US" sz="1600" dirty="0">
+                          <a:effectLst/>
+                        </a:rPr>
+                        <a:t>40.122890</a:t>
+                      </a:r>
+                      <a:endParaRPr lang="en-US" sz="1600" dirty="0">
+                        <a:effectLst/>
+                        <a:latin typeface="Times New Roman" panose="02020603050405020304" pitchFamily="18" charset="0"/>
+                        <a:ea typeface="Calibri" panose="020F0502020204030204" pitchFamily="34" charset="0"/>
+                        <a:cs typeface="Times New Roman" panose="02020603050405020304" pitchFamily="18" charset="0"/>
+                      </a:endParaRPr>
+                    </a:p>
+                  </a:txBody>
+                  <a:tcPr marL="68580" marR="68580" marT="0" marB="0" anchor="ctr"/>
+                </a:tc>
+                <a:tc>
+                  <a:txBody>
+                    <a:bodyPr/>
+                    <a:lstStyle/>
+                    <a:p>
+                      <a:pPr marL="0" marR="0" algn="ctr">
+                        <a:lnSpc>
+                          <a:spcPct val="107000"/>
+                        </a:lnSpc>
+                        <a:spcBef>
+                          <a:spcPts val="0"/>
+                        </a:spcBef>
+                        <a:spcAft>
+                          <a:spcPts val="0"/>
+                        </a:spcAft>
+                      </a:pPr>
+                      <a:r>
+                        <a:rPr lang="en-US" sz="1600">
+                          <a:effectLst/>
+                        </a:rPr>
+                        <a:t>0.01697</a:t>
+                      </a:r>
+                      <a:endParaRPr lang="en-US" sz="1600">
+                        <a:effectLst/>
+                        <a:latin typeface="Times New Roman" panose="02020603050405020304" pitchFamily="18" charset="0"/>
+                        <a:ea typeface="Calibri" panose="020F0502020204030204" pitchFamily="34" charset="0"/>
+                        <a:cs typeface="Times New Roman" panose="02020603050405020304" pitchFamily="18" charset="0"/>
+                      </a:endParaRPr>
+                    </a:p>
+                  </a:txBody>
+                  <a:tcPr marL="68580" marR="68580" marT="0" marB="0" anchor="ctr"/>
+                </a:tc>
+                <a:tc>
+                  <a:txBody>
+                    <a:bodyPr/>
+                    <a:lstStyle/>
+                    <a:p>
+                      <a:pPr marL="0" marR="0" algn="ctr">
+                        <a:lnSpc>
+                          <a:spcPct val="107000"/>
+                        </a:lnSpc>
+                        <a:spcBef>
+                          <a:spcPts val="0"/>
+                        </a:spcBef>
+                        <a:spcAft>
+                          <a:spcPts val="0"/>
+                        </a:spcAft>
+                      </a:pPr>
+                      <a:r>
+                        <a:rPr lang="en-US" sz="1600">
+                          <a:effectLst/>
+                        </a:rPr>
+                        <a:t>0.0260</a:t>
+                      </a:r>
+                      <a:endParaRPr lang="en-US" sz="1600">
+                        <a:effectLst/>
+                        <a:latin typeface="Times New Roman" panose="02020603050405020304" pitchFamily="18" charset="0"/>
+                        <a:ea typeface="Calibri" panose="020F0502020204030204" pitchFamily="34" charset="0"/>
+                        <a:cs typeface="Times New Roman" panose="02020603050405020304" pitchFamily="18" charset="0"/>
+                      </a:endParaRPr>
+                    </a:p>
+                  </a:txBody>
+                  <a:tcPr marL="68580" marR="68580" marT="0" marB="0" anchor="ctr"/>
+                </a:tc>
+                <a:tc>
+                  <a:txBody>
+                    <a:bodyPr/>
+                    <a:lstStyle/>
+                    <a:p>
+                      <a:pPr marL="0" marR="0" algn="ctr">
+                        <a:lnSpc>
+                          <a:spcPct val="107000"/>
+                        </a:lnSpc>
+                        <a:spcBef>
+                          <a:spcPts val="0"/>
+                        </a:spcBef>
+                        <a:spcAft>
+                          <a:spcPts val="0"/>
+                        </a:spcAft>
+                      </a:pPr>
+                      <a:r>
+                        <a:rPr lang="en-US" sz="1600">
+                          <a:effectLst/>
+                        </a:rPr>
+                        <a:t>11:00</a:t>
+                      </a:r>
+                      <a:endParaRPr lang="en-US" sz="1600">
+                        <a:effectLst/>
+                        <a:latin typeface="Times New Roman" panose="02020603050405020304" pitchFamily="18" charset="0"/>
+                        <a:ea typeface="Calibri" panose="020F0502020204030204" pitchFamily="34" charset="0"/>
+                        <a:cs typeface="Times New Roman" panose="02020603050405020304" pitchFamily="18" charset="0"/>
+                      </a:endParaRPr>
+                    </a:p>
+                  </a:txBody>
+                  <a:tcPr marL="68580" marR="68580" marT="0" marB="0" anchor="ctr"/>
+                </a:tc>
+                <a:tc>
+                  <a:txBody>
+                    <a:bodyPr/>
+                    <a:lstStyle/>
+                    <a:p>
+                      <a:pPr marL="0" marR="0" algn="ctr">
+                        <a:lnSpc>
+                          <a:spcPct val="107000"/>
+                        </a:lnSpc>
+                        <a:spcBef>
+                          <a:spcPts val="0"/>
+                        </a:spcBef>
+                        <a:spcAft>
+                          <a:spcPts val="0"/>
+                        </a:spcAft>
+                      </a:pPr>
+                      <a:r>
+                        <a:rPr lang="en-US" sz="1600" dirty="0">
+                          <a:effectLst/>
+                        </a:rPr>
+                        <a:t>12:00</a:t>
+                      </a:r>
+                      <a:endParaRPr lang="en-US" sz="1600" dirty="0">
+                        <a:effectLst/>
+                        <a:latin typeface="Times New Roman" panose="02020603050405020304" pitchFamily="18" charset="0"/>
+                        <a:ea typeface="Calibri" panose="020F0502020204030204" pitchFamily="34" charset="0"/>
+                        <a:cs typeface="Times New Roman" panose="02020603050405020304" pitchFamily="18" charset="0"/>
+                      </a:endParaRPr>
+                    </a:p>
+                  </a:txBody>
+                  <a:tcPr marL="68580" marR="68580" marT="0" marB="0" anchor="ctr"/>
+                </a:tc>
+                <a:extLst>
+                  <a:ext uri="{0D108BD9-81ED-4DB2-BD59-A6C34878D82A}">
+                    <a16:rowId xmlns:a16="http://schemas.microsoft.com/office/drawing/2014/main" val="3402876790"/>
+                  </a:ext>
+                </a:extLst>
+              </a:tr>
+            </a:tbl>
+          </a:graphicData>
+        </a:graphic>
+      </p:graphicFrame>
+      <p:sp>
+        <p:nvSpPr>
+          <p:cNvPr id="4" name="Date Placeholder 3"/>
+          <p:cNvSpPr>
+            <a:spLocks noGrp="1"/>
+          </p:cNvSpPr>
+          <p:nvPr>
+            <p:ph type="dt" sz="half" idx="10"/>
+          </p:nvPr>
+        </p:nvSpPr>
+        <p:spPr/>
+        <p:txBody>
+          <a:bodyPr/>
+          <a:lstStyle/>
+          <a:p>
+            <a:pPr>
+              <a:defRPr/>
+            </a:pPr>
+            <a:r>
+              <a:rPr lang="en-US"/>
+              <a:t>November 26</a:t>
+            </a:r>
+            <a:endParaRPr lang="en-US" dirty="0"/>
+          </a:p>
+        </p:txBody>
+      </p:sp>
+      <p:sp>
+        <p:nvSpPr>
+          <p:cNvPr id="5" name="Footer Placeholder 4"/>
+          <p:cNvSpPr>
+            <a:spLocks noGrp="1"/>
+          </p:cNvSpPr>
+          <p:nvPr>
+            <p:ph type="ftr" sz="quarter" idx="11"/>
+          </p:nvPr>
+        </p:nvSpPr>
+        <p:spPr/>
+        <p:txBody>
+          <a:bodyPr/>
+          <a:lstStyle/>
+          <a:p>
+            <a:pPr>
+              <a:defRPr/>
+            </a:pPr>
+            <a:r>
+              <a:rPr lang="en-US"/>
+              <a:t>IE 526  Final Project</a:t>
+            </a:r>
+            <a:endParaRPr lang="en-US" dirty="0"/>
+          </a:p>
+        </p:txBody>
+      </p:sp>
+      <p:sp>
+        <p:nvSpPr>
+          <p:cNvPr id="6" name="Slide Number Placeholder 5"/>
+          <p:cNvSpPr>
+            <a:spLocks noGrp="1"/>
+          </p:cNvSpPr>
+          <p:nvPr>
+            <p:ph type="sldNum" sz="quarter" idx="12"/>
+          </p:nvPr>
+        </p:nvSpPr>
+        <p:spPr/>
+        <p:txBody>
+          <a:bodyPr/>
+          <a:lstStyle/>
+          <a:p>
+            <a:pPr>
+              <a:defRPr/>
+            </a:pPr>
+            <a:fld id="{61875079-2EDC-4E24-99D6-3E823A45791C}" type="slidenum">
+              <a:rPr lang="en-US" smtClean="0"/>
+              <a:pPr>
+                <a:defRPr/>
+              </a:pPr>
+              <a:t>8</a:t>
+            </a:fld>
+            <a:endParaRPr lang="en-US" dirty="0"/>
+          </a:p>
+        </p:txBody>
+      </p:sp>
+    </p:spTree>
+    <p:extLst>
+      <p:ext uri="{BB962C8B-B14F-4D97-AF65-F5344CB8AC3E}">
+        <p14:creationId xmlns:p14="http://schemas.microsoft.com/office/powerpoint/2010/main" val="3485964811"/>
+      </p:ext>
+    </p:extLst>
+  </p:cSld>
+  <p:clrMapOvr>
+    <a:masterClrMapping/>
+  </p:clrMapOvr>
+</p:sld>
+</file>
+
 <file path=ppt/slides/slide9.xml><?xml version="1.0" encoding="utf-8"?>
 <p:sld xmlns:a="http://schemas.openxmlformats.org/drawingml/2006/main" xmlns:r="http://schemas.openxmlformats.org/officeDocument/2006/relationships" xmlns:p="http://schemas.openxmlformats.org/presentationml/2006/main">
   <p:cSld>
@@ -13145,13 +12047,1074 @@
       </p:grpSpPr>
       <p:sp>
         <p:nvSpPr>
-          <p:cNvPr id="4" name="Date Placeholder 3">
-            <a:extLst>
-              <a:ext uri="{FF2B5EF4-FFF2-40B4-BE49-F238E27FC236}">
-                <a16:creationId xmlns:a16="http://schemas.microsoft.com/office/drawing/2014/main" id="{77BEF33A-F531-6247-9939-5613E17FF30A}"/>
-              </a:ext>
-            </a:extLst>
-          </p:cNvPr>
+          <p:cNvPr id="2" name="Title 1"/>
+          <p:cNvSpPr>
+            <a:spLocks noGrp="1"/>
+          </p:cNvSpPr>
+          <p:nvPr>
+            <p:ph type="title"/>
+          </p:nvPr>
+        </p:nvSpPr>
+        <p:spPr/>
+        <p:txBody>
+          <a:bodyPr/>
+          <a:lstStyle/>
+          <a:p>
+            <a:r>
+              <a:rPr lang="en-US" dirty="0">
+                <a:latin typeface="Times New Roman" panose="02020603050405020304" pitchFamily="18" charset="0"/>
+                <a:cs typeface="Times New Roman" panose="02020603050405020304" pitchFamily="18" charset="0"/>
+              </a:rPr>
+              <a:t>Data sample</a:t>
+            </a:r>
+          </a:p>
+        </p:txBody>
+      </p:sp>
+      <p:graphicFrame>
+        <p:nvGraphicFramePr>
+          <p:cNvPr id="7" name="Content Placeholder 6"/>
+          <p:cNvGraphicFramePr>
+            <a:graphicFrameLocks noGrp="1"/>
+          </p:cNvGraphicFramePr>
+          <p:nvPr>
+            <p:ph idx="1"/>
+            <p:extLst>
+              <p:ext uri="{D42A27DB-BD31-4B8C-83A1-F6EECF244321}">
+                <p14:modId xmlns:p14="http://schemas.microsoft.com/office/powerpoint/2010/main" val="2156341432"/>
+              </p:ext>
+            </p:extLst>
+          </p:nvPr>
+        </p:nvGraphicFramePr>
+        <p:xfrm>
+          <a:off x="628650" y="1600200"/>
+          <a:ext cx="7315200" cy="4038602"/>
+        </p:xfrm>
+        <a:graphic>
+          <a:graphicData uri="http://schemas.openxmlformats.org/drawingml/2006/table">
+            <a:tbl>
+              <a:tblPr firstRow="1" firstCol="1" bandRow="1">
+                <a:tableStyleId>{0505E3EF-67EA-436B-97B2-0124C06EBD24}</a:tableStyleId>
+              </a:tblPr>
+              <a:tblGrid>
+                <a:gridCol w="1645817">
+                  <a:extLst>
+                    <a:ext uri="{9D8B030D-6E8A-4147-A177-3AD203B41FA5}">
+                      <a16:colId xmlns:a16="http://schemas.microsoft.com/office/drawing/2014/main" val="1449701457"/>
+                    </a:ext>
+                  </a:extLst>
+                </a:gridCol>
+                <a:gridCol w="1645817">
+                  <a:extLst>
+                    <a:ext uri="{9D8B030D-6E8A-4147-A177-3AD203B41FA5}">
+                      <a16:colId xmlns:a16="http://schemas.microsoft.com/office/drawing/2014/main" val="1442554566"/>
+                    </a:ext>
+                  </a:extLst>
+                </a:gridCol>
+                <a:gridCol w="2103583">
+                  <a:extLst>
+                    <a:ext uri="{9D8B030D-6E8A-4147-A177-3AD203B41FA5}">
+                      <a16:colId xmlns:a16="http://schemas.microsoft.com/office/drawing/2014/main" val="3609414737"/>
+                    </a:ext>
+                  </a:extLst>
+                </a:gridCol>
+                <a:gridCol w="1919983">
+                  <a:extLst>
+                    <a:ext uri="{9D8B030D-6E8A-4147-A177-3AD203B41FA5}">
+                      <a16:colId xmlns:a16="http://schemas.microsoft.com/office/drawing/2014/main" val="1064152435"/>
+                    </a:ext>
+                  </a:extLst>
+                </a:gridCol>
+              </a:tblGrid>
+              <a:tr h="1020980">
+                <a:tc>
+                  <a:txBody>
+                    <a:bodyPr/>
+                    <a:lstStyle/>
+                    <a:p>
+                      <a:pPr marL="0" marR="0" algn="ctr">
+                        <a:lnSpc>
+                          <a:spcPct val="107000"/>
+                        </a:lnSpc>
+                        <a:spcBef>
+                          <a:spcPts val="0"/>
+                        </a:spcBef>
+                        <a:spcAft>
+                          <a:spcPts val="0"/>
+                        </a:spcAft>
+                      </a:pPr>
+                      <a:r>
+                        <a:rPr lang="en-US" sz="1400" dirty="0">
+                          <a:effectLst/>
+                        </a:rPr>
+                        <a:t>From Node</a:t>
+                      </a:r>
+                      <a:endParaRPr lang="en-US" sz="1400" dirty="0">
+                        <a:effectLst/>
+                        <a:latin typeface="Times New Roman" panose="02020603050405020304" pitchFamily="18" charset="0"/>
+                        <a:ea typeface="Calibri" panose="020F0502020204030204" pitchFamily="34" charset="0"/>
+                        <a:cs typeface="Times New Roman" panose="02020603050405020304" pitchFamily="18" charset="0"/>
+                      </a:endParaRPr>
+                    </a:p>
+                  </a:txBody>
+                  <a:tcPr marL="68580" marR="68580" marT="0" marB="0" anchor="ctr"/>
+                </a:tc>
+                <a:tc>
+                  <a:txBody>
+                    <a:bodyPr/>
+                    <a:lstStyle/>
+                    <a:p>
+                      <a:pPr marL="0" marR="0" algn="ctr">
+                        <a:lnSpc>
+                          <a:spcPct val="107000"/>
+                        </a:lnSpc>
+                        <a:spcBef>
+                          <a:spcPts val="0"/>
+                        </a:spcBef>
+                        <a:spcAft>
+                          <a:spcPts val="0"/>
+                        </a:spcAft>
+                      </a:pPr>
+                      <a:r>
+                        <a:rPr lang="en-US" sz="1400" dirty="0">
+                          <a:effectLst/>
+                        </a:rPr>
+                        <a:t>To Node</a:t>
+                      </a:r>
+                      <a:endParaRPr lang="en-US" sz="1400" dirty="0">
+                        <a:effectLst/>
+                        <a:latin typeface="Times New Roman" panose="02020603050405020304" pitchFamily="18" charset="0"/>
+                        <a:ea typeface="Calibri" panose="020F0502020204030204" pitchFamily="34" charset="0"/>
+                        <a:cs typeface="Times New Roman" panose="02020603050405020304" pitchFamily="18" charset="0"/>
+                      </a:endParaRPr>
+                    </a:p>
+                  </a:txBody>
+                  <a:tcPr marL="68580" marR="68580" marT="0" marB="0" anchor="ctr"/>
+                </a:tc>
+                <a:tc>
+                  <a:txBody>
+                    <a:bodyPr/>
+                    <a:lstStyle/>
+                    <a:p>
+                      <a:pPr marL="0" marR="0" algn="ctr">
+                        <a:lnSpc>
+                          <a:spcPct val="107000"/>
+                        </a:lnSpc>
+                        <a:spcBef>
+                          <a:spcPts val="0"/>
+                        </a:spcBef>
+                        <a:spcAft>
+                          <a:spcPts val="0"/>
+                        </a:spcAft>
+                      </a:pPr>
+                      <a:r>
+                        <a:rPr lang="en-US" sz="1400" dirty="0">
+                          <a:effectLst/>
+                        </a:rPr>
+                        <a:t>Distance</a:t>
+                      </a:r>
+                    </a:p>
+                    <a:p>
+                      <a:pPr marL="0" marR="0" algn="ctr">
+                        <a:lnSpc>
+                          <a:spcPct val="107000"/>
+                        </a:lnSpc>
+                        <a:spcBef>
+                          <a:spcPts val="0"/>
+                        </a:spcBef>
+                        <a:spcAft>
+                          <a:spcPts val="0"/>
+                        </a:spcAft>
+                      </a:pPr>
+                      <a:r>
+                        <a:rPr lang="en-US" sz="1400" dirty="0">
+                          <a:effectLst/>
+                        </a:rPr>
+                        <a:t>(kilometers)</a:t>
+                      </a:r>
+                      <a:endParaRPr lang="en-US" sz="1400" dirty="0">
+                        <a:effectLst/>
+                        <a:latin typeface="Times New Roman" panose="02020603050405020304" pitchFamily="18" charset="0"/>
+                        <a:ea typeface="Calibri" panose="020F0502020204030204" pitchFamily="34" charset="0"/>
+                        <a:cs typeface="Times New Roman" panose="02020603050405020304" pitchFamily="18" charset="0"/>
+                      </a:endParaRPr>
+                    </a:p>
+                  </a:txBody>
+                  <a:tcPr marL="68580" marR="68580" marT="0" marB="0" anchor="ctr"/>
+                </a:tc>
+                <a:tc>
+                  <a:txBody>
+                    <a:bodyPr/>
+                    <a:lstStyle/>
+                    <a:p>
+                      <a:pPr marL="0" marR="0" algn="ctr">
+                        <a:lnSpc>
+                          <a:spcPct val="107000"/>
+                        </a:lnSpc>
+                        <a:spcBef>
+                          <a:spcPts val="0"/>
+                        </a:spcBef>
+                        <a:spcAft>
+                          <a:spcPts val="0"/>
+                        </a:spcAft>
+                      </a:pPr>
+                      <a:r>
+                        <a:rPr lang="en-US" sz="1400" dirty="0">
+                          <a:effectLst/>
+                        </a:rPr>
+                        <a:t>Transport Time</a:t>
+                      </a:r>
+                    </a:p>
+                    <a:p>
+                      <a:pPr marL="0" marR="0" algn="ctr">
+                        <a:lnSpc>
+                          <a:spcPct val="107000"/>
+                        </a:lnSpc>
+                        <a:spcBef>
+                          <a:spcPts val="0"/>
+                        </a:spcBef>
+                        <a:spcAft>
+                          <a:spcPts val="0"/>
+                        </a:spcAft>
+                      </a:pPr>
+                      <a:r>
+                        <a:rPr lang="en-US" sz="1400" dirty="0">
+                          <a:effectLst/>
+                        </a:rPr>
+                        <a:t>(minutes)</a:t>
+                      </a:r>
+                      <a:endParaRPr lang="en-US" sz="1400" dirty="0">
+                        <a:effectLst/>
+                        <a:latin typeface="Times New Roman" panose="02020603050405020304" pitchFamily="18" charset="0"/>
+                        <a:ea typeface="Calibri" panose="020F0502020204030204" pitchFamily="34" charset="0"/>
+                        <a:cs typeface="Times New Roman" panose="02020603050405020304" pitchFamily="18" charset="0"/>
+                      </a:endParaRPr>
+                    </a:p>
+                  </a:txBody>
+                  <a:tcPr marL="68580" marR="68580" marT="0" marB="0" anchor="ctr"/>
+                </a:tc>
+                <a:extLst>
+                  <a:ext uri="{0D108BD9-81ED-4DB2-BD59-A6C34878D82A}">
+                    <a16:rowId xmlns:a16="http://schemas.microsoft.com/office/drawing/2014/main" val="742062856"/>
+                  </a:ext>
+                </a:extLst>
+              </a:tr>
+              <a:tr h="502937">
+                <a:tc>
+                  <a:txBody>
+                    <a:bodyPr/>
+                    <a:lstStyle/>
+                    <a:p>
+                      <a:pPr marL="0" marR="0" algn="ctr">
+                        <a:lnSpc>
+                          <a:spcPct val="107000"/>
+                        </a:lnSpc>
+                        <a:spcBef>
+                          <a:spcPts val="0"/>
+                        </a:spcBef>
+                        <a:spcAft>
+                          <a:spcPts val="0"/>
+                        </a:spcAft>
+                      </a:pPr>
+                      <a:r>
+                        <a:rPr lang="en-US" sz="1400" dirty="0">
+                          <a:effectLst/>
+                        </a:rPr>
+                        <a:t>0</a:t>
+                      </a:r>
+                      <a:endParaRPr lang="en-US" sz="1400" dirty="0">
+                        <a:effectLst/>
+                        <a:latin typeface="Times New Roman" panose="02020603050405020304" pitchFamily="18" charset="0"/>
+                        <a:ea typeface="Calibri" panose="020F0502020204030204" pitchFamily="34" charset="0"/>
+                        <a:cs typeface="Times New Roman" panose="02020603050405020304" pitchFamily="18" charset="0"/>
+                      </a:endParaRPr>
+                    </a:p>
+                  </a:txBody>
+                  <a:tcPr marL="68580" marR="68580" marT="0" marB="0" anchor="ctr"/>
+                </a:tc>
+                <a:tc>
+                  <a:txBody>
+                    <a:bodyPr/>
+                    <a:lstStyle/>
+                    <a:p>
+                      <a:pPr marL="0" marR="0" algn="ctr">
+                        <a:lnSpc>
+                          <a:spcPct val="107000"/>
+                        </a:lnSpc>
+                        <a:spcBef>
+                          <a:spcPts val="0"/>
+                        </a:spcBef>
+                        <a:spcAft>
+                          <a:spcPts val="0"/>
+                        </a:spcAft>
+                      </a:pPr>
+                      <a:r>
+                        <a:rPr lang="en-US" sz="1600" dirty="0">
+                          <a:effectLst/>
+                        </a:rPr>
+                        <a:t>1</a:t>
+                      </a:r>
+                      <a:endParaRPr lang="en-US" sz="2400" dirty="0">
+                        <a:effectLst/>
+                        <a:latin typeface="Times New Roman" panose="02020603050405020304" pitchFamily="18" charset="0"/>
+                        <a:ea typeface="Calibri" panose="020F0502020204030204" pitchFamily="34" charset="0"/>
+                        <a:cs typeface="Times New Roman" panose="02020603050405020304" pitchFamily="18" charset="0"/>
+                      </a:endParaRPr>
+                    </a:p>
+                  </a:txBody>
+                  <a:tcPr marL="68580" marR="68580" marT="0" marB="0" anchor="ctr"/>
+                </a:tc>
+                <a:tc>
+                  <a:txBody>
+                    <a:bodyPr/>
+                    <a:lstStyle/>
+                    <a:p>
+                      <a:pPr marL="0" marR="0" algn="ctr">
+                        <a:lnSpc>
+                          <a:spcPct val="107000"/>
+                        </a:lnSpc>
+                        <a:spcBef>
+                          <a:spcPts val="0"/>
+                        </a:spcBef>
+                        <a:spcAft>
+                          <a:spcPts val="0"/>
+                        </a:spcAft>
+                      </a:pPr>
+                      <a:r>
+                        <a:rPr lang="en-US" sz="1600" dirty="0">
+                          <a:effectLst/>
+                        </a:rPr>
+                        <a:t>63536</a:t>
+                      </a:r>
+                      <a:endParaRPr lang="en-US" sz="2400" dirty="0">
+                        <a:effectLst/>
+                        <a:latin typeface="Times New Roman" panose="02020603050405020304" pitchFamily="18" charset="0"/>
+                        <a:ea typeface="Calibri" panose="020F0502020204030204" pitchFamily="34" charset="0"/>
+                        <a:cs typeface="Times New Roman" panose="02020603050405020304" pitchFamily="18" charset="0"/>
+                      </a:endParaRPr>
+                    </a:p>
+                  </a:txBody>
+                  <a:tcPr marL="68580" marR="68580" marT="0" marB="0" anchor="ctr"/>
+                </a:tc>
+                <a:tc>
+                  <a:txBody>
+                    <a:bodyPr/>
+                    <a:lstStyle/>
+                    <a:p>
+                      <a:pPr marL="0" marR="0" algn="ctr">
+                        <a:lnSpc>
+                          <a:spcPct val="107000"/>
+                        </a:lnSpc>
+                        <a:spcBef>
+                          <a:spcPts val="0"/>
+                        </a:spcBef>
+                        <a:spcAft>
+                          <a:spcPts val="0"/>
+                        </a:spcAft>
+                      </a:pPr>
+                      <a:r>
+                        <a:rPr lang="en-US" sz="1600" dirty="0">
+                          <a:effectLst/>
+                        </a:rPr>
+                        <a:t>77</a:t>
+                      </a:r>
+                      <a:endParaRPr lang="en-US" sz="2400" dirty="0">
+                        <a:effectLst/>
+                        <a:latin typeface="Times New Roman" panose="02020603050405020304" pitchFamily="18" charset="0"/>
+                        <a:ea typeface="Calibri" panose="020F0502020204030204" pitchFamily="34" charset="0"/>
+                        <a:cs typeface="Times New Roman" panose="02020603050405020304" pitchFamily="18" charset="0"/>
+                      </a:endParaRPr>
+                    </a:p>
+                  </a:txBody>
+                  <a:tcPr marL="68580" marR="68580" marT="0" marB="0" anchor="ctr"/>
+                </a:tc>
+                <a:extLst>
+                  <a:ext uri="{0D108BD9-81ED-4DB2-BD59-A6C34878D82A}">
+                    <a16:rowId xmlns:a16="http://schemas.microsoft.com/office/drawing/2014/main" val="1670354604"/>
+                  </a:ext>
+                </a:extLst>
+              </a:tr>
+              <a:tr h="502937">
+                <a:tc>
+                  <a:txBody>
+                    <a:bodyPr/>
+                    <a:lstStyle/>
+                    <a:p>
+                      <a:pPr marL="0" marR="0" algn="ctr">
+                        <a:lnSpc>
+                          <a:spcPct val="107000"/>
+                        </a:lnSpc>
+                        <a:spcBef>
+                          <a:spcPts val="0"/>
+                        </a:spcBef>
+                        <a:spcAft>
+                          <a:spcPts val="0"/>
+                        </a:spcAft>
+                      </a:pPr>
+                      <a:r>
+                        <a:rPr lang="en-US" sz="1400" dirty="0">
+                          <a:effectLst/>
+                        </a:rPr>
+                        <a:t>0</a:t>
+                      </a:r>
+                      <a:endParaRPr lang="en-US" sz="1400" dirty="0">
+                        <a:effectLst/>
+                        <a:latin typeface="Times New Roman" panose="02020603050405020304" pitchFamily="18" charset="0"/>
+                        <a:ea typeface="Calibri" panose="020F0502020204030204" pitchFamily="34" charset="0"/>
+                        <a:cs typeface="Times New Roman" panose="02020603050405020304" pitchFamily="18" charset="0"/>
+                      </a:endParaRPr>
+                    </a:p>
+                  </a:txBody>
+                  <a:tcPr marL="68580" marR="68580" marT="0" marB="0" anchor="ctr"/>
+                </a:tc>
+                <a:tc>
+                  <a:txBody>
+                    <a:bodyPr/>
+                    <a:lstStyle/>
+                    <a:p>
+                      <a:pPr marL="0" marR="0" algn="ctr">
+                        <a:lnSpc>
+                          <a:spcPct val="107000"/>
+                        </a:lnSpc>
+                        <a:spcBef>
+                          <a:spcPts val="0"/>
+                        </a:spcBef>
+                        <a:spcAft>
+                          <a:spcPts val="0"/>
+                        </a:spcAft>
+                      </a:pPr>
+                      <a:r>
+                        <a:rPr lang="en-US" sz="1600" dirty="0">
+                          <a:effectLst/>
+                        </a:rPr>
+                        <a:t>2</a:t>
+                      </a:r>
+                      <a:endParaRPr lang="en-US" sz="2400" dirty="0">
+                        <a:effectLst/>
+                        <a:latin typeface="Times New Roman" panose="02020603050405020304" pitchFamily="18" charset="0"/>
+                        <a:ea typeface="Calibri" panose="020F0502020204030204" pitchFamily="34" charset="0"/>
+                        <a:cs typeface="Times New Roman" panose="02020603050405020304" pitchFamily="18" charset="0"/>
+                      </a:endParaRPr>
+                    </a:p>
+                  </a:txBody>
+                  <a:tcPr marL="68580" marR="68580" marT="0" marB="0" anchor="ctr"/>
+                </a:tc>
+                <a:tc>
+                  <a:txBody>
+                    <a:bodyPr/>
+                    <a:lstStyle/>
+                    <a:p>
+                      <a:pPr marL="0" marR="0" algn="ctr">
+                        <a:lnSpc>
+                          <a:spcPct val="107000"/>
+                        </a:lnSpc>
+                        <a:spcBef>
+                          <a:spcPts val="0"/>
+                        </a:spcBef>
+                        <a:spcAft>
+                          <a:spcPts val="0"/>
+                        </a:spcAft>
+                      </a:pPr>
+                      <a:r>
+                        <a:rPr lang="en-US" sz="1600" dirty="0">
+                          <a:effectLst/>
+                        </a:rPr>
+                        <a:t>27489</a:t>
+                      </a:r>
+                      <a:endParaRPr lang="en-US" sz="2400" dirty="0">
+                        <a:effectLst/>
+                        <a:latin typeface="Times New Roman" panose="02020603050405020304" pitchFamily="18" charset="0"/>
+                        <a:ea typeface="Calibri" panose="020F0502020204030204" pitchFamily="34" charset="0"/>
+                        <a:cs typeface="Times New Roman" panose="02020603050405020304" pitchFamily="18" charset="0"/>
+                      </a:endParaRPr>
+                    </a:p>
+                  </a:txBody>
+                  <a:tcPr marL="68580" marR="68580" marT="0" marB="0" anchor="ctr"/>
+                </a:tc>
+                <a:tc>
+                  <a:txBody>
+                    <a:bodyPr/>
+                    <a:lstStyle/>
+                    <a:p>
+                      <a:pPr marL="0" marR="0" algn="ctr">
+                        <a:lnSpc>
+                          <a:spcPct val="107000"/>
+                        </a:lnSpc>
+                        <a:spcBef>
+                          <a:spcPts val="0"/>
+                        </a:spcBef>
+                        <a:spcAft>
+                          <a:spcPts val="0"/>
+                        </a:spcAft>
+                      </a:pPr>
+                      <a:r>
+                        <a:rPr lang="en-US" sz="1600" dirty="0">
+                          <a:effectLst/>
+                        </a:rPr>
+                        <a:t>33</a:t>
+                      </a:r>
+                      <a:endParaRPr lang="en-US" sz="2400" dirty="0">
+                        <a:effectLst/>
+                        <a:latin typeface="Times New Roman" panose="02020603050405020304" pitchFamily="18" charset="0"/>
+                        <a:ea typeface="Calibri" panose="020F0502020204030204" pitchFamily="34" charset="0"/>
+                        <a:cs typeface="Times New Roman" panose="02020603050405020304" pitchFamily="18" charset="0"/>
+                      </a:endParaRPr>
+                    </a:p>
+                  </a:txBody>
+                  <a:tcPr marL="68580" marR="68580" marT="0" marB="0" anchor="ctr"/>
+                </a:tc>
+                <a:extLst>
+                  <a:ext uri="{0D108BD9-81ED-4DB2-BD59-A6C34878D82A}">
+                    <a16:rowId xmlns:a16="http://schemas.microsoft.com/office/drawing/2014/main" val="859502791"/>
+                  </a:ext>
+                </a:extLst>
+              </a:tr>
+              <a:tr h="502937">
+                <a:tc>
+                  <a:txBody>
+                    <a:bodyPr/>
+                    <a:lstStyle/>
+                    <a:p>
+                      <a:pPr marL="0" marR="0" algn="ctr">
+                        <a:lnSpc>
+                          <a:spcPct val="107000"/>
+                        </a:lnSpc>
+                        <a:spcBef>
+                          <a:spcPts val="0"/>
+                        </a:spcBef>
+                        <a:spcAft>
+                          <a:spcPts val="0"/>
+                        </a:spcAft>
+                      </a:pPr>
+                      <a:r>
+                        <a:rPr lang="en-US" sz="1400" dirty="0">
+                          <a:effectLst/>
+                        </a:rPr>
+                        <a:t>0</a:t>
+                      </a:r>
+                      <a:endParaRPr lang="en-US" sz="1400" dirty="0">
+                        <a:effectLst/>
+                        <a:latin typeface="Times New Roman" panose="02020603050405020304" pitchFamily="18" charset="0"/>
+                        <a:ea typeface="Calibri" panose="020F0502020204030204" pitchFamily="34" charset="0"/>
+                        <a:cs typeface="Times New Roman" panose="02020603050405020304" pitchFamily="18" charset="0"/>
+                      </a:endParaRPr>
+                    </a:p>
+                  </a:txBody>
+                  <a:tcPr marL="68580" marR="68580" marT="0" marB="0" anchor="ctr"/>
+                </a:tc>
+                <a:tc>
+                  <a:txBody>
+                    <a:bodyPr/>
+                    <a:lstStyle/>
+                    <a:p>
+                      <a:pPr marL="0" marR="0" algn="ctr">
+                        <a:lnSpc>
+                          <a:spcPct val="107000"/>
+                        </a:lnSpc>
+                        <a:spcBef>
+                          <a:spcPts val="0"/>
+                        </a:spcBef>
+                        <a:spcAft>
+                          <a:spcPts val="0"/>
+                        </a:spcAft>
+                      </a:pPr>
+                      <a:r>
+                        <a:rPr lang="en-US" sz="1600">
+                          <a:effectLst/>
+                        </a:rPr>
+                        <a:t>3</a:t>
+                      </a:r>
+                      <a:endParaRPr lang="en-US" sz="2400">
+                        <a:effectLst/>
+                        <a:latin typeface="Times New Roman" panose="02020603050405020304" pitchFamily="18" charset="0"/>
+                        <a:ea typeface="Calibri" panose="020F0502020204030204" pitchFamily="34" charset="0"/>
+                        <a:cs typeface="Times New Roman" panose="02020603050405020304" pitchFamily="18" charset="0"/>
+                      </a:endParaRPr>
+                    </a:p>
+                  </a:txBody>
+                  <a:tcPr marL="68580" marR="68580" marT="0" marB="0" anchor="ctr"/>
+                </a:tc>
+                <a:tc>
+                  <a:txBody>
+                    <a:bodyPr/>
+                    <a:lstStyle/>
+                    <a:p>
+                      <a:pPr marL="0" marR="0" algn="ctr">
+                        <a:lnSpc>
+                          <a:spcPct val="107000"/>
+                        </a:lnSpc>
+                        <a:spcBef>
+                          <a:spcPts val="0"/>
+                        </a:spcBef>
+                        <a:spcAft>
+                          <a:spcPts val="0"/>
+                        </a:spcAft>
+                      </a:pPr>
+                      <a:r>
+                        <a:rPr lang="en-US" sz="1600" dirty="0">
+                          <a:effectLst/>
+                        </a:rPr>
+                        <a:t>62041</a:t>
+                      </a:r>
+                      <a:endParaRPr lang="en-US" sz="2400" dirty="0">
+                        <a:effectLst/>
+                        <a:latin typeface="Times New Roman" panose="02020603050405020304" pitchFamily="18" charset="0"/>
+                        <a:ea typeface="Calibri" panose="020F0502020204030204" pitchFamily="34" charset="0"/>
+                        <a:cs typeface="Times New Roman" panose="02020603050405020304" pitchFamily="18" charset="0"/>
+                      </a:endParaRPr>
+                    </a:p>
+                  </a:txBody>
+                  <a:tcPr marL="68580" marR="68580" marT="0" marB="0" anchor="ctr"/>
+                </a:tc>
+                <a:tc>
+                  <a:txBody>
+                    <a:bodyPr/>
+                    <a:lstStyle/>
+                    <a:p>
+                      <a:pPr marL="0" marR="0" algn="ctr">
+                        <a:lnSpc>
+                          <a:spcPct val="107000"/>
+                        </a:lnSpc>
+                        <a:spcBef>
+                          <a:spcPts val="0"/>
+                        </a:spcBef>
+                        <a:spcAft>
+                          <a:spcPts val="0"/>
+                        </a:spcAft>
+                      </a:pPr>
+                      <a:r>
+                        <a:rPr lang="en-US" sz="1600" dirty="0">
+                          <a:effectLst/>
+                        </a:rPr>
+                        <a:t>75</a:t>
+                      </a:r>
+                      <a:endParaRPr lang="en-US" sz="2400" dirty="0">
+                        <a:effectLst/>
+                        <a:latin typeface="Times New Roman" panose="02020603050405020304" pitchFamily="18" charset="0"/>
+                        <a:ea typeface="Calibri" panose="020F0502020204030204" pitchFamily="34" charset="0"/>
+                        <a:cs typeface="Times New Roman" panose="02020603050405020304" pitchFamily="18" charset="0"/>
+                      </a:endParaRPr>
+                    </a:p>
+                  </a:txBody>
+                  <a:tcPr marL="68580" marR="68580" marT="0" marB="0" anchor="ctr"/>
+                </a:tc>
+                <a:extLst>
+                  <a:ext uri="{0D108BD9-81ED-4DB2-BD59-A6C34878D82A}">
+                    <a16:rowId xmlns:a16="http://schemas.microsoft.com/office/drawing/2014/main" val="1610572912"/>
+                  </a:ext>
+                </a:extLst>
+              </a:tr>
+              <a:tr h="502937">
+                <a:tc>
+                  <a:txBody>
+                    <a:bodyPr/>
+                    <a:lstStyle/>
+                    <a:p>
+                      <a:pPr marL="0" marR="0" algn="ctr">
+                        <a:lnSpc>
+                          <a:spcPct val="107000"/>
+                        </a:lnSpc>
+                        <a:spcBef>
+                          <a:spcPts val="0"/>
+                        </a:spcBef>
+                        <a:spcAft>
+                          <a:spcPts val="0"/>
+                        </a:spcAft>
+                      </a:pPr>
+                      <a:r>
+                        <a:rPr lang="en-US" sz="1400" dirty="0">
+                          <a:effectLst/>
+                        </a:rPr>
+                        <a:t>0</a:t>
+                      </a:r>
+                      <a:endParaRPr lang="en-US" sz="1400" dirty="0">
+                        <a:effectLst/>
+                        <a:latin typeface="Times New Roman" panose="02020603050405020304" pitchFamily="18" charset="0"/>
+                        <a:ea typeface="Calibri" panose="020F0502020204030204" pitchFamily="34" charset="0"/>
+                        <a:cs typeface="Times New Roman" panose="02020603050405020304" pitchFamily="18" charset="0"/>
+                      </a:endParaRPr>
+                    </a:p>
+                  </a:txBody>
+                  <a:tcPr marL="68580" marR="68580" marT="0" marB="0" anchor="ctr"/>
+                </a:tc>
+                <a:tc>
+                  <a:txBody>
+                    <a:bodyPr/>
+                    <a:lstStyle/>
+                    <a:p>
+                      <a:pPr marL="0" marR="0" algn="ctr">
+                        <a:lnSpc>
+                          <a:spcPct val="107000"/>
+                        </a:lnSpc>
+                        <a:spcBef>
+                          <a:spcPts val="0"/>
+                        </a:spcBef>
+                        <a:spcAft>
+                          <a:spcPts val="0"/>
+                        </a:spcAft>
+                      </a:pPr>
+                      <a:r>
+                        <a:rPr lang="en-US" sz="1600">
+                          <a:effectLst/>
+                        </a:rPr>
+                        <a:t>4</a:t>
+                      </a:r>
+                      <a:endParaRPr lang="en-US" sz="2400">
+                        <a:effectLst/>
+                        <a:latin typeface="Times New Roman" panose="02020603050405020304" pitchFamily="18" charset="0"/>
+                        <a:ea typeface="Calibri" panose="020F0502020204030204" pitchFamily="34" charset="0"/>
+                        <a:cs typeface="Times New Roman" panose="02020603050405020304" pitchFamily="18" charset="0"/>
+                      </a:endParaRPr>
+                    </a:p>
+                  </a:txBody>
+                  <a:tcPr marL="68580" marR="68580" marT="0" marB="0" anchor="ctr"/>
+                </a:tc>
+                <a:tc>
+                  <a:txBody>
+                    <a:bodyPr/>
+                    <a:lstStyle/>
+                    <a:p>
+                      <a:pPr marL="0" marR="0" algn="ctr">
+                        <a:lnSpc>
+                          <a:spcPct val="107000"/>
+                        </a:lnSpc>
+                        <a:spcBef>
+                          <a:spcPts val="0"/>
+                        </a:spcBef>
+                        <a:spcAft>
+                          <a:spcPts val="0"/>
+                        </a:spcAft>
+                      </a:pPr>
+                      <a:r>
+                        <a:rPr lang="en-US" sz="1600" dirty="0">
+                          <a:effectLst/>
+                        </a:rPr>
+                        <a:t>13365</a:t>
+                      </a:r>
+                      <a:endParaRPr lang="en-US" sz="2400" dirty="0">
+                        <a:effectLst/>
+                        <a:latin typeface="Times New Roman" panose="02020603050405020304" pitchFamily="18" charset="0"/>
+                        <a:ea typeface="Calibri" panose="020F0502020204030204" pitchFamily="34" charset="0"/>
+                        <a:cs typeface="Times New Roman" panose="02020603050405020304" pitchFamily="18" charset="0"/>
+                      </a:endParaRPr>
+                    </a:p>
+                  </a:txBody>
+                  <a:tcPr marL="68580" marR="68580" marT="0" marB="0" anchor="ctr"/>
+                </a:tc>
+                <a:tc>
+                  <a:txBody>
+                    <a:bodyPr/>
+                    <a:lstStyle/>
+                    <a:p>
+                      <a:pPr marL="0" marR="0" algn="ctr">
+                        <a:lnSpc>
+                          <a:spcPct val="107000"/>
+                        </a:lnSpc>
+                        <a:spcBef>
+                          <a:spcPts val="0"/>
+                        </a:spcBef>
+                        <a:spcAft>
+                          <a:spcPts val="0"/>
+                        </a:spcAft>
+                      </a:pPr>
+                      <a:r>
+                        <a:rPr lang="en-US" sz="1600" dirty="0">
+                          <a:effectLst/>
+                        </a:rPr>
+                        <a:t>17</a:t>
+                      </a:r>
+                      <a:endParaRPr lang="en-US" sz="2400" dirty="0">
+                        <a:effectLst/>
+                        <a:latin typeface="Times New Roman" panose="02020603050405020304" pitchFamily="18" charset="0"/>
+                        <a:ea typeface="Calibri" panose="020F0502020204030204" pitchFamily="34" charset="0"/>
+                        <a:cs typeface="Times New Roman" panose="02020603050405020304" pitchFamily="18" charset="0"/>
+                      </a:endParaRPr>
+                    </a:p>
+                  </a:txBody>
+                  <a:tcPr marL="68580" marR="68580" marT="0" marB="0" anchor="ctr"/>
+                </a:tc>
+                <a:extLst>
+                  <a:ext uri="{0D108BD9-81ED-4DB2-BD59-A6C34878D82A}">
+                    <a16:rowId xmlns:a16="http://schemas.microsoft.com/office/drawing/2014/main" val="3753934314"/>
+                  </a:ext>
+                </a:extLst>
+              </a:tr>
+              <a:tr h="502937">
+                <a:tc>
+                  <a:txBody>
+                    <a:bodyPr/>
+                    <a:lstStyle/>
+                    <a:p>
+                      <a:pPr marL="0" marR="0" algn="ctr">
+                        <a:lnSpc>
+                          <a:spcPct val="107000"/>
+                        </a:lnSpc>
+                        <a:spcBef>
+                          <a:spcPts val="0"/>
+                        </a:spcBef>
+                        <a:spcAft>
+                          <a:spcPts val="0"/>
+                        </a:spcAft>
+                      </a:pPr>
+                      <a:r>
+                        <a:rPr lang="en-US" sz="1400" dirty="0">
+                          <a:effectLst/>
+                        </a:rPr>
+                        <a:t>0</a:t>
+                      </a:r>
+                      <a:endParaRPr lang="en-US" sz="1400" dirty="0">
+                        <a:effectLst/>
+                        <a:latin typeface="Times New Roman" panose="02020603050405020304" pitchFamily="18" charset="0"/>
+                        <a:ea typeface="Calibri" panose="020F0502020204030204" pitchFamily="34" charset="0"/>
+                        <a:cs typeface="Times New Roman" panose="02020603050405020304" pitchFamily="18" charset="0"/>
+                      </a:endParaRPr>
+                    </a:p>
+                  </a:txBody>
+                  <a:tcPr marL="68580" marR="68580" marT="0" marB="0" anchor="ctr"/>
+                </a:tc>
+                <a:tc>
+                  <a:txBody>
+                    <a:bodyPr/>
+                    <a:lstStyle/>
+                    <a:p>
+                      <a:pPr marL="0" marR="0" algn="ctr">
+                        <a:lnSpc>
+                          <a:spcPct val="107000"/>
+                        </a:lnSpc>
+                        <a:spcBef>
+                          <a:spcPts val="0"/>
+                        </a:spcBef>
+                        <a:spcAft>
+                          <a:spcPts val="0"/>
+                        </a:spcAft>
+                      </a:pPr>
+                      <a:r>
+                        <a:rPr lang="en-US" sz="1600">
+                          <a:effectLst/>
+                        </a:rPr>
+                        <a:t>5</a:t>
+                      </a:r>
+                      <a:endParaRPr lang="en-US" sz="2400">
+                        <a:effectLst/>
+                        <a:latin typeface="Times New Roman" panose="02020603050405020304" pitchFamily="18" charset="0"/>
+                        <a:ea typeface="Calibri" panose="020F0502020204030204" pitchFamily="34" charset="0"/>
+                        <a:cs typeface="Times New Roman" panose="02020603050405020304" pitchFamily="18" charset="0"/>
+                      </a:endParaRPr>
+                    </a:p>
+                  </a:txBody>
+                  <a:tcPr marL="68580" marR="68580" marT="0" marB="0" anchor="ctr"/>
+                </a:tc>
+                <a:tc>
+                  <a:txBody>
+                    <a:bodyPr/>
+                    <a:lstStyle/>
+                    <a:p>
+                      <a:pPr marL="0" marR="0" algn="ctr">
+                        <a:lnSpc>
+                          <a:spcPct val="107000"/>
+                        </a:lnSpc>
+                        <a:spcBef>
+                          <a:spcPts val="0"/>
+                        </a:spcBef>
+                        <a:spcAft>
+                          <a:spcPts val="0"/>
+                        </a:spcAft>
+                      </a:pPr>
+                      <a:r>
+                        <a:rPr lang="en-US" sz="1600">
+                          <a:effectLst/>
+                        </a:rPr>
+                        <a:t>45570</a:t>
+                      </a:r>
+                      <a:endParaRPr lang="en-US" sz="2400">
+                        <a:effectLst/>
+                        <a:latin typeface="Times New Roman" panose="02020603050405020304" pitchFamily="18" charset="0"/>
+                        <a:ea typeface="Calibri" panose="020F0502020204030204" pitchFamily="34" charset="0"/>
+                        <a:cs typeface="Times New Roman" panose="02020603050405020304" pitchFamily="18" charset="0"/>
+                      </a:endParaRPr>
+                    </a:p>
+                  </a:txBody>
+                  <a:tcPr marL="68580" marR="68580" marT="0" marB="0" anchor="ctr"/>
+                </a:tc>
+                <a:tc>
+                  <a:txBody>
+                    <a:bodyPr/>
+                    <a:lstStyle/>
+                    <a:p>
+                      <a:pPr marL="0" marR="0" algn="ctr">
+                        <a:lnSpc>
+                          <a:spcPct val="107000"/>
+                        </a:lnSpc>
+                        <a:spcBef>
+                          <a:spcPts val="0"/>
+                        </a:spcBef>
+                        <a:spcAft>
+                          <a:spcPts val="0"/>
+                        </a:spcAft>
+                      </a:pPr>
+                      <a:r>
+                        <a:rPr lang="en-US" sz="1600" dirty="0">
+                          <a:effectLst/>
+                        </a:rPr>
+                        <a:t>55</a:t>
+                      </a:r>
+                      <a:endParaRPr lang="en-US" sz="2400" dirty="0">
+                        <a:effectLst/>
+                        <a:latin typeface="Times New Roman" panose="02020603050405020304" pitchFamily="18" charset="0"/>
+                        <a:ea typeface="Calibri" panose="020F0502020204030204" pitchFamily="34" charset="0"/>
+                        <a:cs typeface="Times New Roman" panose="02020603050405020304" pitchFamily="18" charset="0"/>
+                      </a:endParaRPr>
+                    </a:p>
+                  </a:txBody>
+                  <a:tcPr marL="68580" marR="68580" marT="0" marB="0" anchor="ctr"/>
+                </a:tc>
+                <a:extLst>
+                  <a:ext uri="{0D108BD9-81ED-4DB2-BD59-A6C34878D82A}">
+                    <a16:rowId xmlns:a16="http://schemas.microsoft.com/office/drawing/2014/main" val="900318546"/>
+                  </a:ext>
+                </a:extLst>
+              </a:tr>
+              <a:tr h="502937">
+                <a:tc>
+                  <a:txBody>
+                    <a:bodyPr/>
+                    <a:lstStyle/>
+                    <a:p>
+                      <a:pPr marL="0" marR="0" algn="ctr">
+                        <a:lnSpc>
+                          <a:spcPct val="107000"/>
+                        </a:lnSpc>
+                        <a:spcBef>
+                          <a:spcPts val="0"/>
+                        </a:spcBef>
+                        <a:spcAft>
+                          <a:spcPts val="0"/>
+                        </a:spcAft>
+                      </a:pPr>
+                      <a:r>
+                        <a:rPr lang="en-US" sz="1400" dirty="0">
+                          <a:effectLst/>
+                        </a:rPr>
+                        <a:t>…</a:t>
+                      </a:r>
+                      <a:endParaRPr lang="en-US" sz="1400" dirty="0">
+                        <a:effectLst/>
+                        <a:latin typeface="Times New Roman" panose="02020603050405020304" pitchFamily="18" charset="0"/>
+                        <a:ea typeface="Calibri" panose="020F0502020204030204" pitchFamily="34" charset="0"/>
+                        <a:cs typeface="Times New Roman" panose="02020603050405020304" pitchFamily="18" charset="0"/>
+                      </a:endParaRPr>
+                    </a:p>
+                  </a:txBody>
+                  <a:tcPr marL="68580" marR="68580" marT="0" marB="0" anchor="ctr"/>
+                </a:tc>
+                <a:tc>
+                  <a:txBody>
+                    <a:bodyPr/>
+                    <a:lstStyle/>
+                    <a:p>
+                      <a:pPr marL="0" marR="0" algn="ctr">
+                        <a:lnSpc>
+                          <a:spcPct val="107000"/>
+                        </a:lnSpc>
+                        <a:spcBef>
+                          <a:spcPts val="0"/>
+                        </a:spcBef>
+                        <a:spcAft>
+                          <a:spcPts val="0"/>
+                        </a:spcAft>
+                      </a:pPr>
+                      <a:r>
+                        <a:rPr lang="en-US" sz="1600">
+                          <a:effectLst/>
+                        </a:rPr>
+                        <a:t>…</a:t>
+                      </a:r>
+                      <a:endParaRPr lang="en-US" sz="2400">
+                        <a:effectLst/>
+                        <a:latin typeface="Times New Roman" panose="02020603050405020304" pitchFamily="18" charset="0"/>
+                        <a:ea typeface="Calibri" panose="020F0502020204030204" pitchFamily="34" charset="0"/>
+                        <a:cs typeface="Times New Roman" panose="02020603050405020304" pitchFamily="18" charset="0"/>
+                      </a:endParaRPr>
+                    </a:p>
+                  </a:txBody>
+                  <a:tcPr marL="68580" marR="68580" marT="0" marB="0" anchor="ctr"/>
+                </a:tc>
+                <a:tc>
+                  <a:txBody>
+                    <a:bodyPr/>
+                    <a:lstStyle/>
+                    <a:p>
+                      <a:pPr marL="0" marR="0" algn="ctr">
+                        <a:lnSpc>
+                          <a:spcPct val="107000"/>
+                        </a:lnSpc>
+                        <a:spcBef>
+                          <a:spcPts val="0"/>
+                        </a:spcBef>
+                        <a:spcAft>
+                          <a:spcPts val="0"/>
+                        </a:spcAft>
+                      </a:pPr>
+                      <a:r>
+                        <a:rPr lang="en-US" sz="1600">
+                          <a:effectLst/>
+                        </a:rPr>
+                        <a:t>…</a:t>
+                      </a:r>
+                      <a:endParaRPr lang="en-US" sz="2400">
+                        <a:effectLst/>
+                        <a:latin typeface="Times New Roman" panose="02020603050405020304" pitchFamily="18" charset="0"/>
+                        <a:ea typeface="Calibri" panose="020F0502020204030204" pitchFamily="34" charset="0"/>
+                        <a:cs typeface="Times New Roman" panose="02020603050405020304" pitchFamily="18" charset="0"/>
+                      </a:endParaRPr>
+                    </a:p>
+                  </a:txBody>
+                  <a:tcPr marL="68580" marR="68580" marT="0" marB="0" anchor="ctr"/>
+                </a:tc>
+                <a:tc>
+                  <a:txBody>
+                    <a:bodyPr/>
+                    <a:lstStyle/>
+                    <a:p>
+                      <a:pPr marL="0" marR="0" algn="ctr">
+                        <a:lnSpc>
+                          <a:spcPct val="107000"/>
+                        </a:lnSpc>
+                        <a:spcBef>
+                          <a:spcPts val="0"/>
+                        </a:spcBef>
+                        <a:spcAft>
+                          <a:spcPts val="0"/>
+                        </a:spcAft>
+                      </a:pPr>
+                      <a:r>
+                        <a:rPr lang="en-US" sz="1600" dirty="0">
+                          <a:effectLst/>
+                        </a:rPr>
+                        <a:t>…</a:t>
+                      </a:r>
+                      <a:endParaRPr lang="en-US" sz="2400" dirty="0">
+                        <a:effectLst/>
+                        <a:latin typeface="Times New Roman" panose="02020603050405020304" pitchFamily="18" charset="0"/>
+                        <a:ea typeface="Calibri" panose="020F0502020204030204" pitchFamily="34" charset="0"/>
+                        <a:cs typeface="Times New Roman" panose="02020603050405020304" pitchFamily="18" charset="0"/>
+                      </a:endParaRPr>
+                    </a:p>
+                  </a:txBody>
+                  <a:tcPr marL="68580" marR="68580" marT="0" marB="0" anchor="ctr"/>
+                </a:tc>
+                <a:extLst>
+                  <a:ext uri="{0D108BD9-81ED-4DB2-BD59-A6C34878D82A}">
+                    <a16:rowId xmlns:a16="http://schemas.microsoft.com/office/drawing/2014/main" val="689783555"/>
+                  </a:ext>
+                </a:extLst>
+              </a:tr>
+            </a:tbl>
+          </a:graphicData>
+        </a:graphic>
+      </p:graphicFrame>
+      <p:sp>
+        <p:nvSpPr>
+          <p:cNvPr id="4" name="Date Placeholder 3"/>
           <p:cNvSpPr>
             <a:spLocks noGrp="1"/>
           </p:cNvSpPr>
@@ -13177,13 +13140,7 @@
       </p:sp>
       <p:sp>
         <p:nvSpPr>
-          <p:cNvPr id="5" name="Footer Placeholder 4">
-            <a:extLst>
-              <a:ext uri="{FF2B5EF4-FFF2-40B4-BE49-F238E27FC236}">
-                <a16:creationId xmlns:a16="http://schemas.microsoft.com/office/drawing/2014/main" id="{8BE8F01A-419E-E849-A195-4D2C941AC143}"/>
-              </a:ext>
-            </a:extLst>
-          </p:cNvPr>
+          <p:cNvPr id="5" name="Footer Placeholder 4"/>
           <p:cNvSpPr>
             <a:spLocks noGrp="1"/>
           </p:cNvSpPr>
@@ -13209,13 +13166,7 @@
       </p:sp>
       <p:sp>
         <p:nvSpPr>
-          <p:cNvPr id="6" name="Slide Number Placeholder 5">
-            <a:extLst>
-              <a:ext uri="{FF2B5EF4-FFF2-40B4-BE49-F238E27FC236}">
-                <a16:creationId xmlns:a16="http://schemas.microsoft.com/office/drawing/2014/main" id="{DB7DAC8E-DD91-DA4F-AF10-EDBEE45489C2}"/>
-              </a:ext>
-            </a:extLst>
-          </p:cNvPr>
+          <p:cNvPr id="6" name="Slide Number Placeholder 5"/>
           <p:cNvSpPr>
             <a:spLocks noGrp="1"/>
           </p:cNvSpPr>
@@ -13242,117 +13193,10 @@
           </a:p>
         </p:txBody>
       </p:sp>
-      <p:pic>
-        <p:nvPicPr>
-          <p:cNvPr id="13" name="Picture 12">
-            <a:extLst>
-              <a:ext uri="{FF2B5EF4-FFF2-40B4-BE49-F238E27FC236}">
-                <a16:creationId xmlns:a16="http://schemas.microsoft.com/office/drawing/2014/main" id="{420FF920-A628-B548-BC0B-55727334C58F}"/>
-              </a:ext>
-            </a:extLst>
-          </p:cNvPr>
-          <p:cNvPicPr>
-            <a:picLocks noChangeAspect="1"/>
-          </p:cNvPicPr>
-          <p:nvPr/>
-        </p:nvPicPr>
-        <p:blipFill>
-          <a:blip r:embed="rId2">
-            <a:extLst>
-              <a:ext uri="{28A0092B-C50C-407E-A947-70E740481C1C}">
-                <a14:useLocalDpi xmlns:a14="http://schemas.microsoft.com/office/drawing/2010/main" val="0"/>
-              </a:ext>
-            </a:extLst>
-          </a:blip>
-          <a:stretch>
-            <a:fillRect/>
-          </a:stretch>
-        </p:blipFill>
-        <p:spPr>
-          <a:xfrm>
-            <a:off x="0" y="0"/>
-            <a:ext cx="8839200" cy="2155903"/>
-          </a:xfrm>
-          <a:prstGeom prst="rect">
-            <a:avLst/>
-          </a:prstGeom>
-        </p:spPr>
-      </p:pic>
-      <p:pic>
-        <p:nvPicPr>
-          <p:cNvPr id="15" name="Picture 14">
-            <a:extLst>
-              <a:ext uri="{FF2B5EF4-FFF2-40B4-BE49-F238E27FC236}">
-                <a16:creationId xmlns:a16="http://schemas.microsoft.com/office/drawing/2014/main" id="{434C63CC-4B18-7D43-B74E-ACDE29BC5A4F}"/>
-              </a:ext>
-            </a:extLst>
-          </p:cNvPr>
-          <p:cNvPicPr>
-            <a:picLocks noChangeAspect="1"/>
-          </p:cNvPicPr>
-          <p:nvPr/>
-        </p:nvPicPr>
-        <p:blipFill rotWithShape="1">
-          <a:blip r:embed="rId3">
-            <a:extLst>
-              <a:ext uri="{28A0092B-C50C-407E-A947-70E740481C1C}">
-                <a14:useLocalDpi xmlns:a14="http://schemas.microsoft.com/office/drawing/2010/main" val="0"/>
-              </a:ext>
-            </a:extLst>
-          </a:blip>
-          <a:srcRect t="1744"/>
-          <a:stretch/>
-        </p:blipFill>
-        <p:spPr>
-          <a:xfrm>
-            <a:off x="228600" y="2283670"/>
-            <a:ext cx="8839200" cy="2773008"/>
-          </a:xfrm>
-          <a:prstGeom prst="rect">
-            <a:avLst/>
-          </a:prstGeom>
-        </p:spPr>
-      </p:pic>
-      <p:pic>
-        <p:nvPicPr>
-          <p:cNvPr id="17" name="Picture 16">
-            <a:extLst>
-              <a:ext uri="{FF2B5EF4-FFF2-40B4-BE49-F238E27FC236}">
-                <a16:creationId xmlns:a16="http://schemas.microsoft.com/office/drawing/2014/main" id="{13BF1EF9-2AE9-C743-8CD0-685342660545}"/>
-              </a:ext>
-            </a:extLst>
-          </p:cNvPr>
-          <p:cNvPicPr>
-            <a:picLocks noChangeAspect="1"/>
-          </p:cNvPicPr>
-          <p:nvPr/>
-        </p:nvPicPr>
-        <p:blipFill>
-          <a:blip r:embed="rId4">
-            <a:extLst>
-              <a:ext uri="{28A0092B-C50C-407E-A947-70E740481C1C}">
-                <a14:useLocalDpi xmlns:a14="http://schemas.microsoft.com/office/drawing/2010/main" val="0"/>
-              </a:ext>
-            </a:extLst>
-          </a:blip>
-          <a:stretch>
-            <a:fillRect/>
-          </a:stretch>
-        </p:blipFill>
-        <p:spPr>
-          <a:xfrm>
-            <a:off x="0" y="5074736"/>
-            <a:ext cx="8915400" cy="1682383"/>
-          </a:xfrm>
-          <a:prstGeom prst="rect">
-            <a:avLst/>
-          </a:prstGeom>
-        </p:spPr>
-      </p:pic>
     </p:spTree>
     <p:extLst>
       <p:ext uri="{BB962C8B-B14F-4D97-AF65-F5344CB8AC3E}">
-        <p14:creationId xmlns:p14="http://schemas.microsoft.com/office/powerpoint/2010/main" val="1192125799"/>
+        <p14:creationId xmlns:p14="http://schemas.microsoft.com/office/powerpoint/2010/main" val="2400429615"/>
       </p:ext>
     </p:extLst>
   </p:cSld>

--- a/Lzy/Slides/simulation final project.pptx
+++ b/Lzy/Slides/simulation final project.pptx
@@ -5,10 +5,10 @@
     <p:sldMasterId id="2147483698" r:id="rId1"/>
   </p:sldMasterIdLst>
   <p:notesMasterIdLst>
-    <p:notesMasterId r:id="rId24"/>
+    <p:notesMasterId r:id="rId25"/>
   </p:notesMasterIdLst>
   <p:handoutMasterIdLst>
-    <p:handoutMasterId r:id="rId25"/>
+    <p:handoutMasterId r:id="rId26"/>
   </p:handoutMasterIdLst>
   <p:sldIdLst>
     <p:sldId id="330" r:id="rId2"/>
@@ -28,11 +28,12 @@
     <p:sldId id="358" r:id="rId16"/>
     <p:sldId id="359" r:id="rId17"/>
     <p:sldId id="349" r:id="rId18"/>
-    <p:sldId id="344" r:id="rId19"/>
-    <p:sldId id="350" r:id="rId20"/>
-    <p:sldId id="352" r:id="rId21"/>
-    <p:sldId id="353" r:id="rId22"/>
-    <p:sldId id="339" r:id="rId23"/>
+    <p:sldId id="350" r:id="rId19"/>
+    <p:sldId id="352" r:id="rId20"/>
+    <p:sldId id="344" r:id="rId21"/>
+    <p:sldId id="360" r:id="rId22"/>
+    <p:sldId id="353" r:id="rId23"/>
+    <p:sldId id="339" r:id="rId24"/>
   </p:sldIdLst>
   <p:sldSz cx="9144000" cy="6858000" type="screen4x3"/>
   <p:notesSz cx="7010400" cy="9296400"/>
@@ -6809,47 +6810,12 @@
           <a:chExt cx="0" cy="0"/>
         </a:xfrm>
       </p:grpSpPr>
-      <p:pic>
-        <p:nvPicPr>
-          <p:cNvPr id="8" name="Content Placeholder 7">
-            <a:extLst>
-              <a:ext uri="{FF2B5EF4-FFF2-40B4-BE49-F238E27FC236}">
-                <a16:creationId xmlns:a16="http://schemas.microsoft.com/office/drawing/2014/main" id="{DF7399EF-C691-1449-A1D9-1FAEA929598B}"/>
-              </a:ext>
-            </a:extLst>
-          </p:cNvPr>
-          <p:cNvPicPr>
-            <a:picLocks noGrp="1" noChangeAspect="1"/>
-          </p:cNvPicPr>
-          <p:nvPr>
-            <p:ph idx="1"/>
-          </p:nvPr>
-        </p:nvPicPr>
-        <p:blipFill>
-          <a:blip r:embed="rId2">
-            <a:extLst>
-              <a:ext uri="{28A0092B-C50C-407E-A947-70E740481C1C}">
-                <a14:useLocalDpi xmlns:a14="http://schemas.microsoft.com/office/drawing/2010/main" val="0"/>
-              </a:ext>
-            </a:extLst>
-          </a:blip>
-          <a:stretch>
-            <a:fillRect/>
-          </a:stretch>
-        </p:blipFill>
-        <p:spPr>
-          <a:xfrm>
-            <a:off x="3099104" y="3657600"/>
-            <a:ext cx="5611424" cy="2133600"/>
-          </a:xfrm>
-        </p:spPr>
-      </p:pic>
       <p:sp>
         <p:nvSpPr>
           <p:cNvPr id="4" name="Date Placeholder 3">
             <a:extLst>
               <a:ext uri="{FF2B5EF4-FFF2-40B4-BE49-F238E27FC236}">
-                <a16:creationId xmlns:a16="http://schemas.microsoft.com/office/drawing/2014/main" id="{B37AD6BC-DF90-0145-8853-6CE5BDB680E5}"/>
+                <a16:creationId xmlns:a16="http://schemas.microsoft.com/office/drawing/2014/main" id="{EC59AA18-4379-4E4B-9B81-84584F09F7FA}"/>
               </a:ext>
             </a:extLst>
           </p:cNvPr>
@@ -6881,7 +6847,7 @@
           <p:cNvPr id="5" name="Footer Placeholder 4">
             <a:extLst>
               <a:ext uri="{FF2B5EF4-FFF2-40B4-BE49-F238E27FC236}">
-                <a16:creationId xmlns:a16="http://schemas.microsoft.com/office/drawing/2014/main" id="{F0FAF232-ED08-B846-B812-D67CD68ECF8C}"/>
+                <a16:creationId xmlns:a16="http://schemas.microsoft.com/office/drawing/2014/main" id="{C14FA9A5-6859-4046-8B01-1FD02FD822CC}"/>
               </a:ext>
             </a:extLst>
           </p:cNvPr>
@@ -6913,7 +6879,7 @@
           <p:cNvPr id="6" name="Slide Number Placeholder 5">
             <a:extLst>
               <a:ext uri="{FF2B5EF4-FFF2-40B4-BE49-F238E27FC236}">
-                <a16:creationId xmlns:a16="http://schemas.microsoft.com/office/drawing/2014/main" id="{81FE772E-0350-4A4D-B828-F6E3424DBC63}"/>
+                <a16:creationId xmlns:a16="http://schemas.microsoft.com/office/drawing/2014/main" id="{DA6528F0-5BA8-874A-B0B5-B611D762E8D9}"/>
               </a:ext>
             </a:extLst>
           </p:cNvPr>
@@ -6948,7 +6914,7 @@
           <p:cNvPr id="3" name="Picture 2">
             <a:extLst>
               <a:ext uri="{FF2B5EF4-FFF2-40B4-BE49-F238E27FC236}">
-                <a16:creationId xmlns:a16="http://schemas.microsoft.com/office/drawing/2014/main" id="{883F52B0-832B-2544-92FB-05A07540B2F4}"/>
+                <a16:creationId xmlns:a16="http://schemas.microsoft.com/office/drawing/2014/main" id="{F1AD5176-C47B-0549-B80D-E0C4939DC37A}"/>
               </a:ext>
             </a:extLst>
           </p:cNvPr>
@@ -6958,7 +6924,7 @@
           <p:nvPr/>
         </p:nvPicPr>
         <p:blipFill>
-          <a:blip r:embed="rId3">
+          <a:blip r:embed="rId2">
             <a:extLst>
               <a:ext uri="{28A0092B-C50C-407E-A947-70E740481C1C}">
                 <a14:useLocalDpi xmlns:a14="http://schemas.microsoft.com/office/drawing/2010/main" val="0"/>
@@ -6971,8 +6937,8 @@
         </p:blipFill>
         <p:spPr>
           <a:xfrm>
-            <a:off x="927484" y="1427291"/>
-            <a:ext cx="4202932" cy="2230309"/>
+            <a:off x="3028950" y="685800"/>
+            <a:ext cx="5754303" cy="5181600"/>
           </a:xfrm>
           <a:prstGeom prst="rect">
             <a:avLst/>
@@ -6981,60 +6947,10 @@
       </p:pic>
       <p:sp>
         <p:nvSpPr>
-          <p:cNvPr id="7" name="Bent Arrow 6">
-            <a:extLst>
-              <a:ext uri="{FF2B5EF4-FFF2-40B4-BE49-F238E27FC236}">
-                <a16:creationId xmlns:a16="http://schemas.microsoft.com/office/drawing/2014/main" id="{ECF69785-EB3D-7546-BEE0-408AA0DBE3FB}"/>
-              </a:ext>
-            </a:extLst>
-          </p:cNvPr>
-          <p:cNvSpPr/>
-          <p:nvPr/>
-        </p:nvSpPr>
-        <p:spPr>
-          <a:xfrm rot="5400000">
-            <a:off x="5486400" y="2209800"/>
-            <a:ext cx="762000" cy="1143000"/>
-          </a:xfrm>
-          <a:prstGeom prst="bentArrow">
-            <a:avLst/>
-          </a:prstGeom>
-        </p:spPr>
-        <p:style>
-          <a:lnRef idx="2">
-            <a:schemeClr val="accent1">
-              <a:shade val="50000"/>
-            </a:schemeClr>
-          </a:lnRef>
-          <a:fillRef idx="1">
-            <a:schemeClr val="accent1"/>
-          </a:fillRef>
-          <a:effectRef idx="0">
-            <a:schemeClr val="accent1"/>
-          </a:effectRef>
-          <a:fontRef idx="minor">
-            <a:schemeClr val="lt1"/>
-          </a:fontRef>
-        </p:style>
-        <p:txBody>
-          <a:bodyPr rtlCol="0" anchor="ctr"/>
-          <a:lstStyle/>
-          <a:p>
-            <a:pPr algn="ctr"/>
-            <a:endParaRPr lang="en-US">
-              <a:solidFill>
-                <a:schemeClr val="tx1"/>
-              </a:solidFill>
-            </a:endParaRPr>
-          </a:p>
-        </p:txBody>
-      </p:sp>
-      <p:sp>
-        <p:nvSpPr>
-          <p:cNvPr id="11" name="Title 1">
-            <a:extLst>
-              <a:ext uri="{FF2B5EF4-FFF2-40B4-BE49-F238E27FC236}">
-                <a16:creationId xmlns:a16="http://schemas.microsoft.com/office/drawing/2014/main" id="{C6566DDD-EE1C-3643-8DE6-042C829601FB}"/>
+          <p:cNvPr id="10" name="Title 1">
+            <a:extLst>
+              <a:ext uri="{FF2B5EF4-FFF2-40B4-BE49-F238E27FC236}">
+                <a16:creationId xmlns:a16="http://schemas.microsoft.com/office/drawing/2014/main" id="{40C27B82-15DD-F44B-ABF4-275C62A021DB}"/>
               </a:ext>
             </a:extLst>
           </p:cNvPr>
@@ -7060,7 +6976,7 @@
                 <a:latin typeface="Times New Roman" panose="02020603050405020304" pitchFamily="18" charset="0"/>
                 <a:cs typeface="Times New Roman" panose="02020603050405020304" pitchFamily="18" charset="0"/>
               </a:rPr>
-              <a:t>Order</a:t>
+              <a:t>Truck</a:t>
             </a:r>
           </a:p>
         </p:txBody>
@@ -7068,7 +6984,7 @@
     </p:spTree>
     <p:extLst>
       <p:ext uri="{BB962C8B-B14F-4D97-AF65-F5344CB8AC3E}">
-        <p14:creationId xmlns:p14="http://schemas.microsoft.com/office/powerpoint/2010/main" val="3909437071"/>
+        <p14:creationId xmlns:p14="http://schemas.microsoft.com/office/powerpoint/2010/main" val="2991445453"/>
       </p:ext>
     </p:extLst>
   </p:cSld>
@@ -7100,7 +7016,7 @@
           <p:cNvPr id="4" name="Date Placeholder 3">
             <a:extLst>
               <a:ext uri="{FF2B5EF4-FFF2-40B4-BE49-F238E27FC236}">
-                <a16:creationId xmlns:a16="http://schemas.microsoft.com/office/drawing/2014/main" id="{EC59AA18-4379-4E4B-9B81-84584F09F7FA}"/>
+                <a16:creationId xmlns:a16="http://schemas.microsoft.com/office/drawing/2014/main" id="{2619DAF6-3469-7C4E-8628-5AD80FF3865F}"/>
               </a:ext>
             </a:extLst>
           </p:cNvPr>
@@ -7132,7 +7048,7 @@
           <p:cNvPr id="5" name="Footer Placeholder 4">
             <a:extLst>
               <a:ext uri="{FF2B5EF4-FFF2-40B4-BE49-F238E27FC236}">
-                <a16:creationId xmlns:a16="http://schemas.microsoft.com/office/drawing/2014/main" id="{C14FA9A5-6859-4046-8B01-1FD02FD822CC}"/>
+                <a16:creationId xmlns:a16="http://schemas.microsoft.com/office/drawing/2014/main" id="{7DC83BDD-5B46-6347-8181-E0C862A5497D}"/>
               </a:ext>
             </a:extLst>
           </p:cNvPr>
@@ -7164,7 +7080,7 @@
           <p:cNvPr id="6" name="Slide Number Placeholder 5">
             <a:extLst>
               <a:ext uri="{FF2B5EF4-FFF2-40B4-BE49-F238E27FC236}">
-                <a16:creationId xmlns:a16="http://schemas.microsoft.com/office/drawing/2014/main" id="{DA6528F0-5BA8-874A-B0B5-B611D762E8D9}"/>
+                <a16:creationId xmlns:a16="http://schemas.microsoft.com/office/drawing/2014/main" id="{2DC6747C-C0E2-E14E-89EA-08B04906B353}"/>
               </a:ext>
             </a:extLst>
           </p:cNvPr>
@@ -7196,17 +7112,19 @@
       </p:sp>
       <p:pic>
         <p:nvPicPr>
-          <p:cNvPr id="3" name="Picture 2">
-            <a:extLst>
-              <a:ext uri="{FF2B5EF4-FFF2-40B4-BE49-F238E27FC236}">
-                <a16:creationId xmlns:a16="http://schemas.microsoft.com/office/drawing/2014/main" id="{F1AD5176-C47B-0549-B80D-E0C4939DC37A}"/>
+          <p:cNvPr id="7" name="Content Placeholder 6">
+            <a:extLst>
+              <a:ext uri="{FF2B5EF4-FFF2-40B4-BE49-F238E27FC236}">
+                <a16:creationId xmlns:a16="http://schemas.microsoft.com/office/drawing/2014/main" id="{75DFF42F-21A2-774F-A658-6B9E2E824CBB}"/>
               </a:ext>
             </a:extLst>
           </p:cNvPr>
           <p:cNvPicPr>
-            <a:picLocks noChangeAspect="1"/>
+            <a:picLocks noGrp="1" noChangeAspect="1"/>
           </p:cNvPicPr>
-          <p:nvPr/>
+          <p:nvPr>
+            <p:ph idx="1"/>
+          </p:nvPr>
         </p:nvPicPr>
         <p:blipFill>
           <a:blip r:embed="rId2">
@@ -7222,8 +7140,8 @@
         </p:blipFill>
         <p:spPr>
           <a:xfrm>
-            <a:off x="3028950" y="685800"/>
-            <a:ext cx="5754303" cy="5181600"/>
+            <a:off x="1073963" y="1825625"/>
+            <a:ext cx="6996073" cy="4351338"/>
           </a:xfrm>
           <a:prstGeom prst="rect">
             <a:avLst/>
@@ -7232,10 +7150,10 @@
       </p:pic>
       <p:sp>
         <p:nvSpPr>
-          <p:cNvPr id="10" name="Title 1">
-            <a:extLst>
-              <a:ext uri="{FF2B5EF4-FFF2-40B4-BE49-F238E27FC236}">
-                <a16:creationId xmlns:a16="http://schemas.microsoft.com/office/drawing/2014/main" id="{40C27B82-15DD-F44B-ABF4-275C62A021DB}"/>
+          <p:cNvPr id="8" name="Title 1">
+            <a:extLst>
+              <a:ext uri="{FF2B5EF4-FFF2-40B4-BE49-F238E27FC236}">
+                <a16:creationId xmlns:a16="http://schemas.microsoft.com/office/drawing/2014/main" id="{927329C3-E87F-264E-A54A-6CBDEC67BC18}"/>
               </a:ext>
             </a:extLst>
           </p:cNvPr>
@@ -7261,7 +7179,7 @@
                 <a:latin typeface="Times New Roman" panose="02020603050405020304" pitchFamily="18" charset="0"/>
                 <a:cs typeface="Times New Roman" panose="02020603050405020304" pitchFamily="18" charset="0"/>
               </a:rPr>
-              <a:t>Truck</a:t>
+              <a:t>Distributor</a:t>
             </a:r>
           </a:p>
         </p:txBody>
@@ -7269,7 +7187,7 @@
     </p:spTree>
     <p:extLst>
       <p:ext uri="{BB962C8B-B14F-4D97-AF65-F5344CB8AC3E}">
-        <p14:creationId xmlns:p14="http://schemas.microsoft.com/office/powerpoint/2010/main" val="2991445453"/>
+        <p14:creationId xmlns:p14="http://schemas.microsoft.com/office/powerpoint/2010/main" val="3755246327"/>
       </p:ext>
     </p:extLst>
   </p:cSld>
@@ -7466,12 +7384,47 @@
           <a:chExt cx="0" cy="0"/>
         </a:xfrm>
       </p:grpSpPr>
+      <p:pic>
+        <p:nvPicPr>
+          <p:cNvPr id="8" name="Content Placeholder 7">
+            <a:extLst>
+              <a:ext uri="{FF2B5EF4-FFF2-40B4-BE49-F238E27FC236}">
+                <a16:creationId xmlns:a16="http://schemas.microsoft.com/office/drawing/2014/main" id="{DF7399EF-C691-1449-A1D9-1FAEA929598B}"/>
+              </a:ext>
+            </a:extLst>
+          </p:cNvPr>
+          <p:cNvPicPr>
+            <a:picLocks noGrp="1" noChangeAspect="1"/>
+          </p:cNvPicPr>
+          <p:nvPr>
+            <p:ph idx="1"/>
+          </p:nvPr>
+        </p:nvPicPr>
+        <p:blipFill>
+          <a:blip r:embed="rId2">
+            <a:extLst>
+              <a:ext uri="{28A0092B-C50C-407E-A947-70E740481C1C}">
+                <a14:useLocalDpi xmlns:a14="http://schemas.microsoft.com/office/drawing/2010/main" val="0"/>
+              </a:ext>
+            </a:extLst>
+          </a:blip>
+          <a:stretch>
+            <a:fillRect/>
+          </a:stretch>
+        </p:blipFill>
+        <p:spPr>
+          <a:xfrm>
+            <a:off x="3099104" y="3657600"/>
+            <a:ext cx="5611424" cy="2133600"/>
+          </a:xfrm>
+        </p:spPr>
+      </p:pic>
       <p:sp>
         <p:nvSpPr>
           <p:cNvPr id="4" name="Date Placeholder 3">
             <a:extLst>
               <a:ext uri="{FF2B5EF4-FFF2-40B4-BE49-F238E27FC236}">
-                <a16:creationId xmlns:a16="http://schemas.microsoft.com/office/drawing/2014/main" id="{2619DAF6-3469-7C4E-8628-5AD80FF3865F}"/>
+                <a16:creationId xmlns:a16="http://schemas.microsoft.com/office/drawing/2014/main" id="{B37AD6BC-DF90-0145-8853-6CE5BDB680E5}"/>
               </a:ext>
             </a:extLst>
           </p:cNvPr>
@@ -7503,7 +7456,7 @@
           <p:cNvPr id="5" name="Footer Placeholder 4">
             <a:extLst>
               <a:ext uri="{FF2B5EF4-FFF2-40B4-BE49-F238E27FC236}">
-                <a16:creationId xmlns:a16="http://schemas.microsoft.com/office/drawing/2014/main" id="{7DC83BDD-5B46-6347-8181-E0C862A5497D}"/>
+                <a16:creationId xmlns:a16="http://schemas.microsoft.com/office/drawing/2014/main" id="{F0FAF232-ED08-B846-B812-D67CD68ECF8C}"/>
               </a:ext>
             </a:extLst>
           </p:cNvPr>
@@ -7535,7 +7488,7 @@
           <p:cNvPr id="6" name="Slide Number Placeholder 5">
             <a:extLst>
               <a:ext uri="{FF2B5EF4-FFF2-40B4-BE49-F238E27FC236}">
-                <a16:creationId xmlns:a16="http://schemas.microsoft.com/office/drawing/2014/main" id="{2DC6747C-C0E2-E14E-89EA-08B04906B353}"/>
+                <a16:creationId xmlns:a16="http://schemas.microsoft.com/office/drawing/2014/main" id="{81FE772E-0350-4A4D-B828-F6E3424DBC63}"/>
               </a:ext>
             </a:extLst>
           </p:cNvPr>
@@ -7567,22 +7520,20 @@
       </p:sp>
       <p:pic>
         <p:nvPicPr>
-          <p:cNvPr id="7" name="Content Placeholder 6">
-            <a:extLst>
-              <a:ext uri="{FF2B5EF4-FFF2-40B4-BE49-F238E27FC236}">
-                <a16:creationId xmlns:a16="http://schemas.microsoft.com/office/drawing/2014/main" id="{75DFF42F-21A2-774F-A658-6B9E2E824CBB}"/>
+          <p:cNvPr id="3" name="Picture 2">
+            <a:extLst>
+              <a:ext uri="{FF2B5EF4-FFF2-40B4-BE49-F238E27FC236}">
+                <a16:creationId xmlns:a16="http://schemas.microsoft.com/office/drawing/2014/main" id="{883F52B0-832B-2544-92FB-05A07540B2F4}"/>
               </a:ext>
             </a:extLst>
           </p:cNvPr>
           <p:cNvPicPr>
-            <a:picLocks noGrp="1" noChangeAspect="1"/>
+            <a:picLocks noChangeAspect="1"/>
           </p:cNvPicPr>
-          <p:nvPr>
-            <p:ph idx="1"/>
-          </p:nvPr>
+          <p:nvPr/>
         </p:nvPicPr>
         <p:blipFill>
-          <a:blip r:embed="rId2">
+          <a:blip r:embed="rId3">
             <a:extLst>
               <a:ext uri="{28A0092B-C50C-407E-A947-70E740481C1C}">
                 <a14:useLocalDpi xmlns:a14="http://schemas.microsoft.com/office/drawing/2010/main" val="0"/>
@@ -7595,8 +7546,8 @@
         </p:blipFill>
         <p:spPr>
           <a:xfrm>
-            <a:off x="1073963" y="1825625"/>
-            <a:ext cx="6996073" cy="4351338"/>
+            <a:off x="927484" y="1427291"/>
+            <a:ext cx="4202932" cy="2230309"/>
           </a:xfrm>
           <a:prstGeom prst="rect">
             <a:avLst/>
@@ -7605,10 +7556,60 @@
       </p:pic>
       <p:sp>
         <p:nvSpPr>
-          <p:cNvPr id="8" name="Title 1">
-            <a:extLst>
-              <a:ext uri="{FF2B5EF4-FFF2-40B4-BE49-F238E27FC236}">
-                <a16:creationId xmlns:a16="http://schemas.microsoft.com/office/drawing/2014/main" id="{927329C3-E87F-264E-A54A-6CBDEC67BC18}"/>
+          <p:cNvPr id="7" name="Bent Arrow 6">
+            <a:extLst>
+              <a:ext uri="{FF2B5EF4-FFF2-40B4-BE49-F238E27FC236}">
+                <a16:creationId xmlns:a16="http://schemas.microsoft.com/office/drawing/2014/main" id="{ECF69785-EB3D-7546-BEE0-408AA0DBE3FB}"/>
+              </a:ext>
+            </a:extLst>
+          </p:cNvPr>
+          <p:cNvSpPr/>
+          <p:nvPr/>
+        </p:nvSpPr>
+        <p:spPr>
+          <a:xfrm rot="5400000">
+            <a:off x="5486400" y="2209800"/>
+            <a:ext cx="762000" cy="1143000"/>
+          </a:xfrm>
+          <a:prstGeom prst="bentArrow">
+            <a:avLst/>
+          </a:prstGeom>
+        </p:spPr>
+        <p:style>
+          <a:lnRef idx="2">
+            <a:schemeClr val="accent1">
+              <a:shade val="50000"/>
+            </a:schemeClr>
+          </a:lnRef>
+          <a:fillRef idx="1">
+            <a:schemeClr val="accent1"/>
+          </a:fillRef>
+          <a:effectRef idx="0">
+            <a:schemeClr val="accent1"/>
+          </a:effectRef>
+          <a:fontRef idx="minor">
+            <a:schemeClr val="lt1"/>
+          </a:fontRef>
+        </p:style>
+        <p:txBody>
+          <a:bodyPr rtlCol="0" anchor="ctr"/>
+          <a:lstStyle/>
+          <a:p>
+            <a:pPr algn="ctr"/>
+            <a:endParaRPr lang="en-US">
+              <a:solidFill>
+                <a:schemeClr val="tx1"/>
+              </a:solidFill>
+            </a:endParaRPr>
+          </a:p>
+        </p:txBody>
+      </p:sp>
+      <p:sp>
+        <p:nvSpPr>
+          <p:cNvPr id="11" name="Title 1">
+            <a:extLst>
+              <a:ext uri="{FF2B5EF4-FFF2-40B4-BE49-F238E27FC236}">
+                <a16:creationId xmlns:a16="http://schemas.microsoft.com/office/drawing/2014/main" id="{C6566DDD-EE1C-3643-8DE6-042C829601FB}"/>
               </a:ext>
             </a:extLst>
           </p:cNvPr>
@@ -7634,7 +7635,7 @@
                 <a:latin typeface="Times New Roman" panose="02020603050405020304" pitchFamily="18" charset="0"/>
                 <a:cs typeface="Times New Roman" panose="02020603050405020304" pitchFamily="18" charset="0"/>
               </a:rPr>
-              <a:t>Distributor</a:t>
+              <a:t>Order</a:t>
             </a:r>
           </a:p>
         </p:txBody>
@@ -7642,7 +7643,7 @@
     </p:spTree>
     <p:extLst>
       <p:ext uri="{BB962C8B-B14F-4D97-AF65-F5344CB8AC3E}">
-        <p14:creationId xmlns:p14="http://schemas.microsoft.com/office/powerpoint/2010/main" val="3755246327"/>
+        <p14:creationId xmlns:p14="http://schemas.microsoft.com/office/powerpoint/2010/main" val="3909437071"/>
       </p:ext>
     </p:extLst>
   </p:cSld>
@@ -7674,7 +7675,7 @@
           <p:cNvPr id="2" name="Title 1">
             <a:extLst>
               <a:ext uri="{FF2B5EF4-FFF2-40B4-BE49-F238E27FC236}">
-                <a16:creationId xmlns:a16="http://schemas.microsoft.com/office/drawing/2014/main" id="{F75067D9-46B9-0644-A9C3-828BFC191A52}"/>
+                <a16:creationId xmlns:a16="http://schemas.microsoft.com/office/drawing/2014/main" id="{8F14E20F-CB35-7C46-BD2F-E0E62CE09FCE}"/>
               </a:ext>
             </a:extLst>
           </p:cNvPr>
@@ -7692,17 +7693,52 @@
           <a:p>
             <a:r>
               <a:rPr lang="en-US" dirty="0"/>
-              <a:t>Variables</a:t>
-            </a:r>
-          </a:p>
-        </p:txBody>
-      </p:sp>
+              <a:t>Customer</a:t>
+            </a:r>
+          </a:p>
+        </p:txBody>
+      </p:sp>
+      <p:pic>
+        <p:nvPicPr>
+          <p:cNvPr id="8" name="Content Placeholder 7">
+            <a:extLst>
+              <a:ext uri="{FF2B5EF4-FFF2-40B4-BE49-F238E27FC236}">
+                <a16:creationId xmlns:a16="http://schemas.microsoft.com/office/drawing/2014/main" id="{E8C05315-6711-3246-A066-489BE05756A8}"/>
+              </a:ext>
+            </a:extLst>
+          </p:cNvPr>
+          <p:cNvPicPr>
+            <a:picLocks noGrp="1" noChangeAspect="1"/>
+          </p:cNvPicPr>
+          <p:nvPr>
+            <p:ph idx="1"/>
+          </p:nvPr>
+        </p:nvPicPr>
+        <p:blipFill>
+          <a:blip r:embed="rId2">
+            <a:extLst>
+              <a:ext uri="{28A0092B-C50C-407E-A947-70E740481C1C}">
+                <a14:useLocalDpi xmlns:a14="http://schemas.microsoft.com/office/drawing/2010/main" val="0"/>
+              </a:ext>
+            </a:extLst>
+          </a:blip>
+          <a:stretch>
+            <a:fillRect/>
+          </a:stretch>
+        </p:blipFill>
+        <p:spPr>
+          <a:xfrm>
+            <a:off x="1625530" y="1600200"/>
+            <a:ext cx="5783140" cy="4351338"/>
+          </a:xfrm>
+        </p:spPr>
+      </p:pic>
       <p:sp>
         <p:nvSpPr>
           <p:cNvPr id="4" name="Date Placeholder 3">
             <a:extLst>
               <a:ext uri="{FF2B5EF4-FFF2-40B4-BE49-F238E27FC236}">
-                <a16:creationId xmlns:a16="http://schemas.microsoft.com/office/drawing/2014/main" id="{ABE95DFC-AC29-C545-B2CC-2C1DF7E3BD8E}"/>
+                <a16:creationId xmlns:a16="http://schemas.microsoft.com/office/drawing/2014/main" id="{7709194F-39AD-8F4B-AA61-A1B403025EE0}"/>
               </a:ext>
             </a:extLst>
           </p:cNvPr>
@@ -7734,7 +7770,7 @@
           <p:cNvPr id="5" name="Footer Placeholder 4">
             <a:extLst>
               <a:ext uri="{FF2B5EF4-FFF2-40B4-BE49-F238E27FC236}">
-                <a16:creationId xmlns:a16="http://schemas.microsoft.com/office/drawing/2014/main" id="{21DB1EBE-CA1D-FC47-8283-930FBA3D4167}"/>
+                <a16:creationId xmlns:a16="http://schemas.microsoft.com/office/drawing/2014/main" id="{2EDF2EAF-3548-7F42-AEB2-1B461A227FCE}"/>
               </a:ext>
             </a:extLst>
           </p:cNvPr>
@@ -7766,7 +7802,7 @@
           <p:cNvPr id="6" name="Slide Number Placeholder 5">
             <a:extLst>
               <a:ext uri="{FF2B5EF4-FFF2-40B4-BE49-F238E27FC236}">
-                <a16:creationId xmlns:a16="http://schemas.microsoft.com/office/drawing/2014/main" id="{7FEB1957-84F5-9C45-8512-FD3CF577A24B}"/>
+                <a16:creationId xmlns:a16="http://schemas.microsoft.com/office/drawing/2014/main" id="{12515C9E-2504-174B-8387-9AC1EB2DC04A}"/>
               </a:ext>
             </a:extLst>
           </p:cNvPr>
@@ -7791,6 +7827,163 @@
                 <a:defRPr/>
               </a:pPr>
               <a:t>21</a:t>
+            </a:fld>
+            <a:endParaRPr lang="en-US" dirty="0"/>
+          </a:p>
+        </p:txBody>
+      </p:sp>
+    </p:spTree>
+    <p:extLst>
+      <p:ext uri="{BB962C8B-B14F-4D97-AF65-F5344CB8AC3E}">
+        <p14:creationId xmlns:p14="http://schemas.microsoft.com/office/powerpoint/2010/main" val="1473019552"/>
+      </p:ext>
+    </p:extLst>
+  </p:cSld>
+  <p:clrMapOvr>
+    <a:masterClrMapping/>
+  </p:clrMapOvr>
+</p:sld>
+</file>
+
+<file path=ppt/slides/slide22.xml><?xml version="1.0" encoding="utf-8"?>
+<p:sld xmlns:a="http://schemas.openxmlformats.org/drawingml/2006/main" xmlns:r="http://schemas.openxmlformats.org/officeDocument/2006/relationships" xmlns:p="http://schemas.openxmlformats.org/presentationml/2006/main">
+  <p:cSld>
+    <p:spTree>
+      <p:nvGrpSpPr>
+        <p:cNvPr id="1" name=""/>
+        <p:cNvGrpSpPr/>
+        <p:nvPr/>
+      </p:nvGrpSpPr>
+      <p:grpSpPr>
+        <a:xfrm>
+          <a:off x="0" y="0"/>
+          <a:ext cx="0" cy="0"/>
+          <a:chOff x="0" y="0"/>
+          <a:chExt cx="0" cy="0"/>
+        </a:xfrm>
+      </p:grpSpPr>
+      <p:sp>
+        <p:nvSpPr>
+          <p:cNvPr id="2" name="Title 1">
+            <a:extLst>
+              <a:ext uri="{FF2B5EF4-FFF2-40B4-BE49-F238E27FC236}">
+                <a16:creationId xmlns:a16="http://schemas.microsoft.com/office/drawing/2014/main" id="{F75067D9-46B9-0644-A9C3-828BFC191A52}"/>
+              </a:ext>
+            </a:extLst>
+          </p:cNvPr>
+          <p:cNvSpPr>
+            <a:spLocks noGrp="1"/>
+          </p:cNvSpPr>
+          <p:nvPr>
+            <p:ph type="title"/>
+          </p:nvPr>
+        </p:nvSpPr>
+        <p:spPr/>
+        <p:txBody>
+          <a:bodyPr/>
+          <a:lstStyle/>
+          <a:p>
+            <a:r>
+              <a:rPr lang="en-US" dirty="0"/>
+              <a:t>Variables</a:t>
+            </a:r>
+          </a:p>
+        </p:txBody>
+      </p:sp>
+      <p:sp>
+        <p:nvSpPr>
+          <p:cNvPr id="4" name="Date Placeholder 3">
+            <a:extLst>
+              <a:ext uri="{FF2B5EF4-FFF2-40B4-BE49-F238E27FC236}">
+                <a16:creationId xmlns:a16="http://schemas.microsoft.com/office/drawing/2014/main" id="{ABE95DFC-AC29-C545-B2CC-2C1DF7E3BD8E}"/>
+              </a:ext>
+            </a:extLst>
+          </p:cNvPr>
+          <p:cNvSpPr>
+            <a:spLocks noGrp="1"/>
+          </p:cNvSpPr>
+          <p:nvPr>
+            <p:ph type="dt" sz="half" idx="10"/>
+          </p:nvPr>
+        </p:nvSpPr>
+        <p:spPr/>
+        <p:txBody>
+          <a:bodyPr/>
+          <a:lstStyle/>
+          <a:p>
+            <a:pPr>
+              <a:defRPr/>
+            </a:pPr>
+            <a:r>
+              <a:rPr lang="en-US"/>
+              <a:t>November 26</a:t>
+            </a:r>
+            <a:endParaRPr lang="en-US" dirty="0"/>
+          </a:p>
+        </p:txBody>
+      </p:sp>
+      <p:sp>
+        <p:nvSpPr>
+          <p:cNvPr id="5" name="Footer Placeholder 4">
+            <a:extLst>
+              <a:ext uri="{FF2B5EF4-FFF2-40B4-BE49-F238E27FC236}">
+                <a16:creationId xmlns:a16="http://schemas.microsoft.com/office/drawing/2014/main" id="{21DB1EBE-CA1D-FC47-8283-930FBA3D4167}"/>
+              </a:ext>
+            </a:extLst>
+          </p:cNvPr>
+          <p:cNvSpPr>
+            <a:spLocks noGrp="1"/>
+          </p:cNvSpPr>
+          <p:nvPr>
+            <p:ph type="ftr" sz="quarter" idx="11"/>
+          </p:nvPr>
+        </p:nvSpPr>
+        <p:spPr/>
+        <p:txBody>
+          <a:bodyPr/>
+          <a:lstStyle/>
+          <a:p>
+            <a:pPr>
+              <a:defRPr/>
+            </a:pPr>
+            <a:r>
+              <a:rPr lang="en-US"/>
+              <a:t>IE 526  Final Project</a:t>
+            </a:r>
+            <a:endParaRPr lang="en-US" dirty="0"/>
+          </a:p>
+        </p:txBody>
+      </p:sp>
+      <p:sp>
+        <p:nvSpPr>
+          <p:cNvPr id="6" name="Slide Number Placeholder 5">
+            <a:extLst>
+              <a:ext uri="{FF2B5EF4-FFF2-40B4-BE49-F238E27FC236}">
+                <a16:creationId xmlns:a16="http://schemas.microsoft.com/office/drawing/2014/main" id="{7FEB1957-84F5-9C45-8512-FD3CF577A24B}"/>
+              </a:ext>
+            </a:extLst>
+          </p:cNvPr>
+          <p:cNvSpPr>
+            <a:spLocks noGrp="1"/>
+          </p:cNvSpPr>
+          <p:nvPr>
+            <p:ph type="sldNum" sz="quarter" idx="12"/>
+          </p:nvPr>
+        </p:nvSpPr>
+        <p:spPr/>
+        <p:txBody>
+          <a:bodyPr/>
+          <a:lstStyle/>
+          <a:p>
+            <a:pPr>
+              <a:defRPr/>
+            </a:pPr>
+            <a:fld id="{61875079-2EDC-4E24-99D6-3E823A45791C}" type="slidenum">
+              <a:rPr lang="en-US" smtClean="0"/>
+              <a:pPr>
+                <a:defRPr/>
+              </a:pPr>
+              <a:t>22</a:t>
             </a:fld>
             <a:endParaRPr lang="en-US" dirty="0"/>
           </a:p>
@@ -7845,7 +8038,7 @@
 </p:sld>
 </file>
 
-<file path=ppt/slides/slide22.xml><?xml version="1.0" encoding="utf-8"?>
+<file path=ppt/slides/slide23.xml><?xml version="1.0" encoding="utf-8"?>
 <p:sld xmlns:a="http://schemas.openxmlformats.org/drawingml/2006/main" xmlns:r="http://schemas.openxmlformats.org/officeDocument/2006/relationships" xmlns:p="http://schemas.openxmlformats.org/presentationml/2006/main">
   <p:cSld>
     <p:spTree>
@@ -8053,7 +8246,7 @@
               <a:pPr>
                 <a:defRPr/>
               </a:pPr>
-              <a:t>22</a:t>
+              <a:t>23</a:t>
             </a:fld>
             <a:endParaRPr lang="en-US" dirty="0">
               <a:cs typeface="Times New Roman" panose="02020603050405020304" pitchFamily="18" charset="0"/>

--- a/Lzy/Slides/simulation final project.pptx
+++ b/Lzy/Slides/simulation final project.pptx
@@ -5,35 +5,36 @@
     <p:sldMasterId id="2147483698" r:id="rId1"/>
   </p:sldMasterIdLst>
   <p:notesMasterIdLst>
-    <p:notesMasterId r:id="rId25"/>
+    <p:notesMasterId r:id="rId26"/>
   </p:notesMasterIdLst>
   <p:handoutMasterIdLst>
-    <p:handoutMasterId r:id="rId26"/>
+    <p:handoutMasterId r:id="rId27"/>
   </p:handoutMasterIdLst>
   <p:sldIdLst>
     <p:sldId id="330" r:id="rId2"/>
-    <p:sldId id="343" r:id="rId3"/>
-    <p:sldId id="342" r:id="rId4"/>
-    <p:sldId id="346" r:id="rId5"/>
-    <p:sldId id="331" r:id="rId6"/>
-    <p:sldId id="337" r:id="rId7"/>
-    <p:sldId id="332" r:id="rId8"/>
-    <p:sldId id="347" r:id="rId9"/>
-    <p:sldId id="348" r:id="rId10"/>
-    <p:sldId id="351" r:id="rId11"/>
-    <p:sldId id="354" r:id="rId12"/>
-    <p:sldId id="355" r:id="rId13"/>
-    <p:sldId id="356" r:id="rId14"/>
-    <p:sldId id="357" r:id="rId15"/>
-    <p:sldId id="358" r:id="rId16"/>
-    <p:sldId id="359" r:id="rId17"/>
-    <p:sldId id="349" r:id="rId18"/>
-    <p:sldId id="350" r:id="rId19"/>
-    <p:sldId id="352" r:id="rId20"/>
-    <p:sldId id="344" r:id="rId21"/>
-    <p:sldId id="360" r:id="rId22"/>
-    <p:sldId id="353" r:id="rId23"/>
-    <p:sldId id="339" r:id="rId24"/>
+    <p:sldId id="342" r:id="rId3"/>
+    <p:sldId id="343" r:id="rId4"/>
+    <p:sldId id="345" r:id="rId5"/>
+    <p:sldId id="346" r:id="rId6"/>
+    <p:sldId id="331" r:id="rId7"/>
+    <p:sldId id="337" r:id="rId8"/>
+    <p:sldId id="332" r:id="rId9"/>
+    <p:sldId id="351" r:id="rId10"/>
+    <p:sldId id="347" r:id="rId11"/>
+    <p:sldId id="348" r:id="rId12"/>
+    <p:sldId id="354" r:id="rId13"/>
+    <p:sldId id="355" r:id="rId14"/>
+    <p:sldId id="356" r:id="rId15"/>
+    <p:sldId id="357" r:id="rId16"/>
+    <p:sldId id="358" r:id="rId17"/>
+    <p:sldId id="359" r:id="rId18"/>
+    <p:sldId id="349" r:id="rId19"/>
+    <p:sldId id="350" r:id="rId20"/>
+    <p:sldId id="352" r:id="rId21"/>
+    <p:sldId id="344" r:id="rId22"/>
+    <p:sldId id="360" r:id="rId23"/>
+    <p:sldId id="353" r:id="rId24"/>
+    <p:sldId id="339" r:id="rId25"/>
   </p:sldIdLst>
   <p:sldSz cx="9144000" cy="6858000" type="screen4x3"/>
   <p:notesSz cx="7010400" cy="9296400"/>
@@ -4677,13 +4678,2010 @@
       </p:grpSpPr>
       <p:sp>
         <p:nvSpPr>
-          <p:cNvPr id="4" name="Date Placeholder 3">
-            <a:extLst>
-              <a:ext uri="{FF2B5EF4-FFF2-40B4-BE49-F238E27FC236}">
-                <a16:creationId xmlns:a16="http://schemas.microsoft.com/office/drawing/2014/main" id="{77BEF33A-F531-6247-9939-5613E17FF30A}"/>
-              </a:ext>
-            </a:extLst>
-          </p:cNvPr>
+          <p:cNvPr id="2" name="Title 1"/>
+          <p:cNvSpPr>
+            <a:spLocks noGrp="1"/>
+          </p:cNvSpPr>
+          <p:nvPr>
+            <p:ph type="title"/>
+          </p:nvPr>
+        </p:nvSpPr>
+        <p:spPr/>
+        <p:txBody>
+          <a:bodyPr/>
+          <a:lstStyle/>
+          <a:p>
+            <a:r>
+              <a:rPr lang="en-US" dirty="0">
+                <a:latin typeface="Times New Roman" panose="02020603050405020304" pitchFamily="18" charset="0"/>
+                <a:cs typeface="Times New Roman" panose="02020603050405020304" pitchFamily="18" charset="0"/>
+              </a:rPr>
+              <a:t>Data sample</a:t>
+            </a:r>
+          </a:p>
+        </p:txBody>
+      </p:sp>
+      <p:graphicFrame>
+        <p:nvGraphicFramePr>
+          <p:cNvPr id="8" name="Content Placeholder 7"/>
+          <p:cNvGraphicFramePr>
+            <a:graphicFrameLocks noGrp="1"/>
+          </p:cNvGraphicFramePr>
+          <p:nvPr>
+            <p:ph idx="1"/>
+            <p:extLst>
+              <p:ext uri="{D42A27DB-BD31-4B8C-83A1-F6EECF244321}">
+                <p14:modId xmlns:p14="http://schemas.microsoft.com/office/powerpoint/2010/main" val="4268693390"/>
+              </p:ext>
+            </p:extLst>
+          </p:nvPr>
+        </p:nvGraphicFramePr>
+        <p:xfrm>
+          <a:off x="631525" y="1600200"/>
+          <a:ext cx="7924799" cy="4267199"/>
+        </p:xfrm>
+        <a:graphic>
+          <a:graphicData uri="http://schemas.openxmlformats.org/drawingml/2006/table">
+            <a:tbl>
+              <a:tblPr firstRow="1" firstCol="1" bandRow="1">
+                <a:tableStyleId>{0505E3EF-67EA-436B-97B2-0124C06EBD24}</a:tableStyleId>
+              </a:tblPr>
+              <a:tblGrid>
+                <a:gridCol w="588945">
+                  <a:extLst>
+                    <a:ext uri="{9D8B030D-6E8A-4147-A177-3AD203B41FA5}">
+                      <a16:colId xmlns:a16="http://schemas.microsoft.com/office/drawing/2014/main" val="988413258"/>
+                    </a:ext>
+                  </a:extLst>
+                </a:gridCol>
+                <a:gridCol w="1260824">
+                  <a:extLst>
+                    <a:ext uri="{9D8B030D-6E8A-4147-A177-3AD203B41FA5}">
+                      <a16:colId xmlns:a16="http://schemas.microsoft.com/office/drawing/2014/main" val="4063265800"/>
+                    </a:ext>
+                  </a:extLst>
+                </a:gridCol>
+                <a:gridCol w="1168275">
+                  <a:extLst>
+                    <a:ext uri="{9D8B030D-6E8A-4147-A177-3AD203B41FA5}">
+                      <a16:colId xmlns:a16="http://schemas.microsoft.com/office/drawing/2014/main" val="2879980063"/>
+                    </a:ext>
+                  </a:extLst>
+                </a:gridCol>
+                <a:gridCol w="1177875">
+                  <a:extLst>
+                    <a:ext uri="{9D8B030D-6E8A-4147-A177-3AD203B41FA5}">
+                      <a16:colId xmlns:a16="http://schemas.microsoft.com/office/drawing/2014/main" val="476008408"/>
+                    </a:ext>
+                  </a:extLst>
+                </a:gridCol>
+                <a:gridCol w="1359926">
+                  <a:extLst>
+                    <a:ext uri="{9D8B030D-6E8A-4147-A177-3AD203B41FA5}">
+                      <a16:colId xmlns:a16="http://schemas.microsoft.com/office/drawing/2014/main" val="3062488762"/>
+                    </a:ext>
+                  </a:extLst>
+                </a:gridCol>
+                <a:gridCol w="1159766">
+                  <a:extLst>
+                    <a:ext uri="{9D8B030D-6E8A-4147-A177-3AD203B41FA5}">
+                      <a16:colId xmlns:a16="http://schemas.microsoft.com/office/drawing/2014/main" val="1706207236"/>
+                    </a:ext>
+                  </a:extLst>
+                </a:gridCol>
+                <a:gridCol w="1209188">
+                  <a:extLst>
+                    <a:ext uri="{9D8B030D-6E8A-4147-A177-3AD203B41FA5}">
+                      <a16:colId xmlns:a16="http://schemas.microsoft.com/office/drawing/2014/main" val="3908668402"/>
+                    </a:ext>
+                  </a:extLst>
+                </a:gridCol>
+              </a:tblGrid>
+              <a:tr h="794096">
+                <a:tc>
+                  <a:txBody>
+                    <a:bodyPr/>
+                    <a:lstStyle/>
+                    <a:p>
+                      <a:pPr marL="0" marR="0" algn="ctr">
+                        <a:lnSpc>
+                          <a:spcPct val="107000"/>
+                        </a:lnSpc>
+                        <a:spcBef>
+                          <a:spcPts val="0"/>
+                        </a:spcBef>
+                        <a:spcAft>
+                          <a:spcPts val="0"/>
+                        </a:spcAft>
+                      </a:pPr>
+                      <a:r>
+                        <a:rPr lang="en-US" sz="1400" dirty="0">
+                          <a:effectLst/>
+                        </a:rPr>
+                        <a:t>Node  ID</a:t>
+                      </a:r>
+                      <a:endParaRPr lang="en-US" sz="1800" dirty="0">
+                        <a:effectLst/>
+                        <a:latin typeface="Times New Roman" panose="02020603050405020304" pitchFamily="18" charset="0"/>
+                        <a:ea typeface="Calibri" panose="020F0502020204030204" pitchFamily="34" charset="0"/>
+                        <a:cs typeface="Times New Roman" panose="02020603050405020304" pitchFamily="18" charset="0"/>
+                      </a:endParaRPr>
+                    </a:p>
+                  </a:txBody>
+                  <a:tcPr marL="68580" marR="68580" marT="0" marB="0" anchor="ctr"/>
+                </a:tc>
+                <a:tc>
+                  <a:txBody>
+                    <a:bodyPr/>
+                    <a:lstStyle/>
+                    <a:p>
+                      <a:pPr marL="0" marR="0" algn="ctr">
+                        <a:lnSpc>
+                          <a:spcPct val="107000"/>
+                        </a:lnSpc>
+                        <a:spcBef>
+                          <a:spcPts val="0"/>
+                        </a:spcBef>
+                        <a:spcAft>
+                          <a:spcPts val="0"/>
+                        </a:spcAft>
+                      </a:pPr>
+                      <a:r>
+                        <a:rPr lang="en-US" sz="1400" dirty="0">
+                          <a:effectLst/>
+                        </a:rPr>
+                        <a:t>Longitude</a:t>
+                      </a:r>
+                      <a:endParaRPr lang="en-US" sz="1800" dirty="0">
+                        <a:effectLst/>
+                        <a:latin typeface="Times New Roman" panose="02020603050405020304" pitchFamily="18" charset="0"/>
+                        <a:ea typeface="Calibri" panose="020F0502020204030204" pitchFamily="34" charset="0"/>
+                        <a:cs typeface="Times New Roman" panose="02020603050405020304" pitchFamily="18" charset="0"/>
+                      </a:endParaRPr>
+                    </a:p>
+                  </a:txBody>
+                  <a:tcPr marL="68580" marR="68580" marT="0" marB="0" anchor="ctr"/>
+                </a:tc>
+                <a:tc>
+                  <a:txBody>
+                    <a:bodyPr/>
+                    <a:lstStyle/>
+                    <a:p>
+                      <a:pPr marL="0" marR="0" algn="ctr">
+                        <a:lnSpc>
+                          <a:spcPct val="107000"/>
+                        </a:lnSpc>
+                        <a:spcBef>
+                          <a:spcPts val="0"/>
+                        </a:spcBef>
+                        <a:spcAft>
+                          <a:spcPts val="0"/>
+                        </a:spcAft>
+                      </a:pPr>
+                      <a:r>
+                        <a:rPr lang="en-US" sz="1400" dirty="0">
+                          <a:effectLst/>
+                        </a:rPr>
+                        <a:t>Latitude</a:t>
+                      </a:r>
+                      <a:endParaRPr lang="en-US" sz="1800" dirty="0">
+                        <a:effectLst/>
+                        <a:latin typeface="Times New Roman" panose="02020603050405020304" pitchFamily="18" charset="0"/>
+                        <a:ea typeface="Calibri" panose="020F0502020204030204" pitchFamily="34" charset="0"/>
+                        <a:cs typeface="Times New Roman" panose="02020603050405020304" pitchFamily="18" charset="0"/>
+                      </a:endParaRPr>
+                    </a:p>
+                  </a:txBody>
+                  <a:tcPr marL="68580" marR="68580" marT="0" marB="0" anchor="ctr"/>
+                </a:tc>
+                <a:tc>
+                  <a:txBody>
+                    <a:bodyPr/>
+                    <a:lstStyle/>
+                    <a:p>
+                      <a:pPr marL="0" marR="0" algn="ctr">
+                        <a:lnSpc>
+                          <a:spcPct val="107000"/>
+                        </a:lnSpc>
+                        <a:spcBef>
+                          <a:spcPts val="0"/>
+                        </a:spcBef>
+                        <a:spcAft>
+                          <a:spcPts val="0"/>
+                        </a:spcAft>
+                      </a:pPr>
+                      <a:r>
+                        <a:rPr lang="en-US" sz="1400" dirty="0">
+                          <a:effectLst/>
+                        </a:rPr>
+                        <a:t>Package Weight</a:t>
+                      </a:r>
+                      <a:endParaRPr lang="en-US" sz="1800" dirty="0">
+                        <a:effectLst/>
+                      </a:endParaRPr>
+                    </a:p>
+                    <a:p>
+                      <a:pPr marL="0" marR="0" algn="ctr">
+                        <a:lnSpc>
+                          <a:spcPct val="107000"/>
+                        </a:lnSpc>
+                        <a:spcBef>
+                          <a:spcPts val="0"/>
+                        </a:spcBef>
+                        <a:spcAft>
+                          <a:spcPts val="0"/>
+                        </a:spcAft>
+                      </a:pPr>
+                      <a:r>
+                        <a:rPr lang="en-US" sz="1400" dirty="0">
+                          <a:effectLst/>
+                        </a:rPr>
+                        <a:t>(tons)</a:t>
+                      </a:r>
+                      <a:endParaRPr lang="en-US" sz="1800" dirty="0">
+                        <a:effectLst/>
+                        <a:latin typeface="Times New Roman" panose="02020603050405020304" pitchFamily="18" charset="0"/>
+                        <a:ea typeface="Calibri" panose="020F0502020204030204" pitchFamily="34" charset="0"/>
+                        <a:cs typeface="Times New Roman" panose="02020603050405020304" pitchFamily="18" charset="0"/>
+                      </a:endParaRPr>
+                    </a:p>
+                  </a:txBody>
+                  <a:tcPr marL="68580" marR="68580" marT="0" marB="0" anchor="ctr"/>
+                </a:tc>
+                <a:tc>
+                  <a:txBody>
+                    <a:bodyPr/>
+                    <a:lstStyle/>
+                    <a:p>
+                      <a:pPr marL="0" marR="0" algn="ctr">
+                        <a:lnSpc>
+                          <a:spcPct val="107000"/>
+                        </a:lnSpc>
+                        <a:spcBef>
+                          <a:spcPts val="0"/>
+                        </a:spcBef>
+                        <a:spcAft>
+                          <a:spcPts val="0"/>
+                        </a:spcAft>
+                      </a:pPr>
+                      <a:r>
+                        <a:rPr lang="en-US" sz="1400" dirty="0">
+                          <a:effectLst/>
+                        </a:rPr>
+                        <a:t>Package Volume</a:t>
+                      </a:r>
+                      <a:endParaRPr lang="en-US" sz="1800" dirty="0">
+                        <a:effectLst/>
+                      </a:endParaRPr>
+                    </a:p>
+                    <a:p>
+                      <a:pPr marL="0" marR="0" algn="ctr">
+                        <a:lnSpc>
+                          <a:spcPct val="107000"/>
+                        </a:lnSpc>
+                        <a:spcBef>
+                          <a:spcPts val="0"/>
+                        </a:spcBef>
+                        <a:spcAft>
+                          <a:spcPts val="0"/>
+                        </a:spcAft>
+                      </a:pPr>
+                      <a:r>
+                        <a:rPr lang="en-US" sz="1400" dirty="0">
+                          <a:effectLst/>
+                        </a:rPr>
+                        <a:t>(cubic meters)</a:t>
+                      </a:r>
+                      <a:endParaRPr lang="en-US" sz="1800" dirty="0">
+                        <a:effectLst/>
+                        <a:latin typeface="Times New Roman" panose="02020603050405020304" pitchFamily="18" charset="0"/>
+                        <a:ea typeface="Calibri" panose="020F0502020204030204" pitchFamily="34" charset="0"/>
+                        <a:cs typeface="Times New Roman" panose="02020603050405020304" pitchFamily="18" charset="0"/>
+                      </a:endParaRPr>
+                    </a:p>
+                  </a:txBody>
+                  <a:tcPr marL="68580" marR="68580" marT="0" marB="0" anchor="ctr"/>
+                </a:tc>
+                <a:tc>
+                  <a:txBody>
+                    <a:bodyPr/>
+                    <a:lstStyle/>
+                    <a:p>
+                      <a:pPr marL="0" marR="0" algn="ctr">
+                        <a:lnSpc>
+                          <a:spcPct val="107000"/>
+                        </a:lnSpc>
+                        <a:spcBef>
+                          <a:spcPts val="0"/>
+                        </a:spcBef>
+                        <a:spcAft>
+                          <a:spcPts val="0"/>
+                        </a:spcAft>
+                      </a:pPr>
+                      <a:r>
+                        <a:rPr lang="en-US" sz="1400" dirty="0">
+                          <a:effectLst/>
+                        </a:rPr>
+                        <a:t>Earliest Time</a:t>
+                      </a:r>
+                      <a:endParaRPr lang="en-US" sz="1800" dirty="0">
+                        <a:effectLst/>
+                        <a:latin typeface="Times New Roman" panose="02020603050405020304" pitchFamily="18" charset="0"/>
+                        <a:ea typeface="Calibri" panose="020F0502020204030204" pitchFamily="34" charset="0"/>
+                        <a:cs typeface="Times New Roman" panose="02020603050405020304" pitchFamily="18" charset="0"/>
+                      </a:endParaRPr>
+                    </a:p>
+                  </a:txBody>
+                  <a:tcPr marL="68580" marR="68580" marT="0" marB="0" anchor="ctr"/>
+                </a:tc>
+                <a:tc>
+                  <a:txBody>
+                    <a:bodyPr/>
+                    <a:lstStyle/>
+                    <a:p>
+                      <a:pPr marL="0" marR="0" algn="ctr">
+                        <a:lnSpc>
+                          <a:spcPct val="107000"/>
+                        </a:lnSpc>
+                        <a:spcBef>
+                          <a:spcPts val="0"/>
+                        </a:spcBef>
+                        <a:spcAft>
+                          <a:spcPts val="0"/>
+                        </a:spcAft>
+                      </a:pPr>
+                      <a:r>
+                        <a:rPr lang="en-US" sz="1400" dirty="0">
+                          <a:effectLst/>
+                        </a:rPr>
+                        <a:t>Latest Time</a:t>
+                      </a:r>
+                      <a:endParaRPr lang="en-US" sz="1800" dirty="0">
+                        <a:effectLst/>
+                        <a:latin typeface="Times New Roman" panose="02020603050405020304" pitchFamily="18" charset="0"/>
+                        <a:ea typeface="Calibri" panose="020F0502020204030204" pitchFamily="34" charset="0"/>
+                        <a:cs typeface="Times New Roman" panose="02020603050405020304" pitchFamily="18" charset="0"/>
+                      </a:endParaRPr>
+                    </a:p>
+                  </a:txBody>
+                  <a:tcPr marL="68580" marR="68580" marT="0" marB="0" anchor="ctr"/>
+                </a:tc>
+                <a:extLst>
+                  <a:ext uri="{0D108BD9-81ED-4DB2-BD59-A6C34878D82A}">
+                    <a16:rowId xmlns:a16="http://schemas.microsoft.com/office/drawing/2014/main" val="662974602"/>
+                  </a:ext>
+                </a:extLst>
+              </a:tr>
+              <a:tr h="500513">
+                <a:tc>
+                  <a:txBody>
+                    <a:bodyPr/>
+                    <a:lstStyle/>
+                    <a:p>
+                      <a:pPr marL="0" marR="0" algn="ctr">
+                        <a:lnSpc>
+                          <a:spcPct val="107000"/>
+                        </a:lnSpc>
+                        <a:spcBef>
+                          <a:spcPts val="0"/>
+                        </a:spcBef>
+                        <a:spcAft>
+                          <a:spcPts val="0"/>
+                        </a:spcAft>
+                      </a:pPr>
+                      <a:r>
+                        <a:rPr lang="en-US" sz="1600" dirty="0">
+                          <a:effectLst/>
+                        </a:rPr>
+                        <a:t>1</a:t>
+                      </a:r>
+                      <a:endParaRPr lang="en-US" sz="1600" dirty="0">
+                        <a:effectLst/>
+                        <a:latin typeface="Times New Roman" panose="02020603050405020304" pitchFamily="18" charset="0"/>
+                        <a:ea typeface="Calibri" panose="020F0502020204030204" pitchFamily="34" charset="0"/>
+                        <a:cs typeface="Times New Roman" panose="02020603050405020304" pitchFamily="18" charset="0"/>
+                      </a:endParaRPr>
+                    </a:p>
+                  </a:txBody>
+                  <a:tcPr marL="68580" marR="68580" marT="0" marB="0" anchor="ctr"/>
+                </a:tc>
+                <a:tc>
+                  <a:txBody>
+                    <a:bodyPr/>
+                    <a:lstStyle/>
+                    <a:p>
+                      <a:pPr marL="0" marR="0" algn="ctr">
+                        <a:lnSpc>
+                          <a:spcPct val="107000"/>
+                        </a:lnSpc>
+                        <a:spcBef>
+                          <a:spcPts val="0"/>
+                        </a:spcBef>
+                        <a:spcAft>
+                          <a:spcPts val="0"/>
+                        </a:spcAft>
+                      </a:pPr>
+                      <a:r>
+                        <a:rPr lang="en-US" sz="1600" dirty="0">
+                          <a:effectLst/>
+                        </a:rPr>
+                        <a:t>116.242043</a:t>
+                      </a:r>
+                      <a:endParaRPr lang="en-US" sz="1600" dirty="0">
+                        <a:effectLst/>
+                        <a:latin typeface="Times New Roman" panose="02020603050405020304" pitchFamily="18" charset="0"/>
+                        <a:ea typeface="Calibri" panose="020F0502020204030204" pitchFamily="34" charset="0"/>
+                        <a:cs typeface="Times New Roman" panose="02020603050405020304" pitchFamily="18" charset="0"/>
+                      </a:endParaRPr>
+                    </a:p>
+                  </a:txBody>
+                  <a:tcPr marL="68580" marR="68580" marT="0" marB="0" anchor="ctr"/>
+                </a:tc>
+                <a:tc>
+                  <a:txBody>
+                    <a:bodyPr/>
+                    <a:lstStyle/>
+                    <a:p>
+                      <a:pPr marL="0" marR="0" algn="ctr">
+                        <a:lnSpc>
+                          <a:spcPct val="107000"/>
+                        </a:lnSpc>
+                        <a:spcBef>
+                          <a:spcPts val="0"/>
+                        </a:spcBef>
+                        <a:spcAft>
+                          <a:spcPts val="0"/>
+                        </a:spcAft>
+                      </a:pPr>
+                      <a:r>
+                        <a:rPr lang="en-US" sz="1600" dirty="0">
+                          <a:effectLst/>
+                        </a:rPr>
+                        <a:t>40.072630</a:t>
+                      </a:r>
+                      <a:endParaRPr lang="en-US" sz="1600" dirty="0">
+                        <a:effectLst/>
+                        <a:latin typeface="Times New Roman" panose="02020603050405020304" pitchFamily="18" charset="0"/>
+                        <a:ea typeface="Calibri" panose="020F0502020204030204" pitchFamily="34" charset="0"/>
+                        <a:cs typeface="Times New Roman" panose="02020603050405020304" pitchFamily="18" charset="0"/>
+                      </a:endParaRPr>
+                    </a:p>
+                  </a:txBody>
+                  <a:tcPr marL="68580" marR="68580" marT="0" marB="0" anchor="ctr"/>
+                </a:tc>
+                <a:tc>
+                  <a:txBody>
+                    <a:bodyPr/>
+                    <a:lstStyle/>
+                    <a:p>
+                      <a:pPr marL="0" marR="0" algn="ctr">
+                        <a:lnSpc>
+                          <a:spcPct val="107000"/>
+                        </a:lnSpc>
+                        <a:spcBef>
+                          <a:spcPts val="0"/>
+                        </a:spcBef>
+                        <a:spcAft>
+                          <a:spcPts val="0"/>
+                        </a:spcAft>
+                      </a:pPr>
+                      <a:r>
+                        <a:rPr lang="en-US" sz="1600" dirty="0">
+                          <a:effectLst/>
+                        </a:rPr>
+                        <a:t>0.20760</a:t>
+                      </a:r>
+                      <a:endParaRPr lang="en-US" sz="1600" dirty="0">
+                        <a:effectLst/>
+                        <a:latin typeface="Times New Roman" panose="02020603050405020304" pitchFamily="18" charset="0"/>
+                        <a:ea typeface="Calibri" panose="020F0502020204030204" pitchFamily="34" charset="0"/>
+                        <a:cs typeface="Times New Roman" panose="02020603050405020304" pitchFamily="18" charset="0"/>
+                      </a:endParaRPr>
+                    </a:p>
+                  </a:txBody>
+                  <a:tcPr marL="68580" marR="68580" marT="0" marB="0" anchor="ctr"/>
+                </a:tc>
+                <a:tc>
+                  <a:txBody>
+                    <a:bodyPr/>
+                    <a:lstStyle/>
+                    <a:p>
+                      <a:pPr marL="0" marR="0" algn="ctr">
+                        <a:lnSpc>
+                          <a:spcPct val="107000"/>
+                        </a:lnSpc>
+                        <a:spcBef>
+                          <a:spcPts val="0"/>
+                        </a:spcBef>
+                        <a:spcAft>
+                          <a:spcPts val="0"/>
+                        </a:spcAft>
+                      </a:pPr>
+                      <a:r>
+                        <a:rPr lang="en-US" sz="1600">
+                          <a:effectLst/>
+                        </a:rPr>
+                        <a:t>0.3666</a:t>
+                      </a:r>
+                      <a:endParaRPr lang="en-US" sz="1600">
+                        <a:effectLst/>
+                        <a:latin typeface="Times New Roman" panose="02020603050405020304" pitchFamily="18" charset="0"/>
+                        <a:ea typeface="Calibri" panose="020F0502020204030204" pitchFamily="34" charset="0"/>
+                        <a:cs typeface="Times New Roman" panose="02020603050405020304" pitchFamily="18" charset="0"/>
+                      </a:endParaRPr>
+                    </a:p>
+                  </a:txBody>
+                  <a:tcPr marL="68580" marR="68580" marT="0" marB="0" anchor="ctr"/>
+                </a:tc>
+                <a:tc>
+                  <a:txBody>
+                    <a:bodyPr/>
+                    <a:lstStyle/>
+                    <a:p>
+                      <a:pPr marL="0" marR="0" algn="ctr">
+                        <a:lnSpc>
+                          <a:spcPct val="107000"/>
+                        </a:lnSpc>
+                        <a:spcBef>
+                          <a:spcPts val="0"/>
+                        </a:spcBef>
+                        <a:spcAft>
+                          <a:spcPts val="0"/>
+                        </a:spcAft>
+                      </a:pPr>
+                      <a:r>
+                        <a:rPr lang="en-US" sz="1600">
+                          <a:effectLst/>
+                        </a:rPr>
+                        <a:t>09:00</a:t>
+                      </a:r>
+                      <a:endParaRPr lang="en-US" sz="1600">
+                        <a:effectLst/>
+                        <a:latin typeface="Times New Roman" panose="02020603050405020304" pitchFamily="18" charset="0"/>
+                        <a:ea typeface="Calibri" panose="020F0502020204030204" pitchFamily="34" charset="0"/>
+                        <a:cs typeface="Times New Roman" panose="02020603050405020304" pitchFamily="18" charset="0"/>
+                      </a:endParaRPr>
+                    </a:p>
+                  </a:txBody>
+                  <a:tcPr marL="68580" marR="68580" marT="0" marB="0" anchor="ctr"/>
+                </a:tc>
+                <a:tc>
+                  <a:txBody>
+                    <a:bodyPr/>
+                    <a:lstStyle/>
+                    <a:p>
+                      <a:pPr marL="0" marR="0" algn="ctr">
+                        <a:lnSpc>
+                          <a:spcPct val="107000"/>
+                        </a:lnSpc>
+                        <a:spcBef>
+                          <a:spcPts val="0"/>
+                        </a:spcBef>
+                        <a:spcAft>
+                          <a:spcPts val="0"/>
+                        </a:spcAft>
+                      </a:pPr>
+                      <a:r>
+                        <a:rPr lang="en-US" sz="1600">
+                          <a:effectLst/>
+                        </a:rPr>
+                        <a:t>12:00</a:t>
+                      </a:r>
+                      <a:endParaRPr lang="en-US" sz="1600">
+                        <a:effectLst/>
+                        <a:latin typeface="Times New Roman" panose="02020603050405020304" pitchFamily="18" charset="0"/>
+                        <a:ea typeface="Calibri" panose="020F0502020204030204" pitchFamily="34" charset="0"/>
+                        <a:cs typeface="Times New Roman" panose="02020603050405020304" pitchFamily="18" charset="0"/>
+                      </a:endParaRPr>
+                    </a:p>
+                  </a:txBody>
+                  <a:tcPr marL="68580" marR="68580" marT="0" marB="0" anchor="ctr"/>
+                </a:tc>
+                <a:extLst>
+                  <a:ext uri="{0D108BD9-81ED-4DB2-BD59-A6C34878D82A}">
+                    <a16:rowId xmlns:a16="http://schemas.microsoft.com/office/drawing/2014/main" val="2430375793"/>
+                  </a:ext>
+                </a:extLst>
+              </a:tr>
+              <a:tr h="500513">
+                <a:tc>
+                  <a:txBody>
+                    <a:bodyPr/>
+                    <a:lstStyle/>
+                    <a:p>
+                      <a:pPr marL="0" marR="0" algn="ctr">
+                        <a:lnSpc>
+                          <a:spcPct val="107000"/>
+                        </a:lnSpc>
+                        <a:spcBef>
+                          <a:spcPts val="0"/>
+                        </a:spcBef>
+                        <a:spcAft>
+                          <a:spcPts val="0"/>
+                        </a:spcAft>
+                      </a:pPr>
+                      <a:r>
+                        <a:rPr lang="en-US" sz="1600">
+                          <a:effectLst/>
+                        </a:rPr>
+                        <a:t>2</a:t>
+                      </a:r>
+                      <a:endParaRPr lang="en-US" sz="1600">
+                        <a:effectLst/>
+                        <a:latin typeface="Times New Roman" panose="02020603050405020304" pitchFamily="18" charset="0"/>
+                        <a:ea typeface="Calibri" panose="020F0502020204030204" pitchFamily="34" charset="0"/>
+                        <a:cs typeface="Times New Roman" panose="02020603050405020304" pitchFamily="18" charset="0"/>
+                      </a:endParaRPr>
+                    </a:p>
+                  </a:txBody>
+                  <a:tcPr marL="68580" marR="68580" marT="0" marB="0" anchor="ctr"/>
+                </a:tc>
+                <a:tc>
+                  <a:txBody>
+                    <a:bodyPr/>
+                    <a:lstStyle/>
+                    <a:p>
+                      <a:pPr marL="0" marR="0" algn="ctr">
+                        <a:lnSpc>
+                          <a:spcPct val="107000"/>
+                        </a:lnSpc>
+                        <a:spcBef>
+                          <a:spcPts val="0"/>
+                        </a:spcBef>
+                        <a:spcAft>
+                          <a:spcPts val="0"/>
+                        </a:spcAft>
+                      </a:pPr>
+                      <a:r>
+                        <a:rPr lang="en-US" sz="1600" dirty="0">
+                          <a:effectLst/>
+                        </a:rPr>
+                        <a:t>116.403595</a:t>
+                      </a:r>
+                      <a:endParaRPr lang="en-US" sz="1600" dirty="0">
+                        <a:effectLst/>
+                        <a:latin typeface="Times New Roman" panose="02020603050405020304" pitchFamily="18" charset="0"/>
+                        <a:ea typeface="Calibri" panose="020F0502020204030204" pitchFamily="34" charset="0"/>
+                        <a:cs typeface="Times New Roman" panose="02020603050405020304" pitchFamily="18" charset="0"/>
+                      </a:endParaRPr>
+                    </a:p>
+                  </a:txBody>
+                  <a:tcPr marL="68580" marR="68580" marT="0" marB="0" anchor="ctr"/>
+                </a:tc>
+                <a:tc>
+                  <a:txBody>
+                    <a:bodyPr/>
+                    <a:lstStyle/>
+                    <a:p>
+                      <a:pPr marL="0" marR="0" algn="ctr">
+                        <a:lnSpc>
+                          <a:spcPct val="107000"/>
+                        </a:lnSpc>
+                        <a:spcBef>
+                          <a:spcPts val="0"/>
+                        </a:spcBef>
+                        <a:spcAft>
+                          <a:spcPts val="0"/>
+                        </a:spcAft>
+                      </a:pPr>
+                      <a:r>
+                        <a:rPr lang="en-US" sz="1600" dirty="0">
+                          <a:effectLst/>
+                        </a:rPr>
+                        <a:t>39.872945</a:t>
+                      </a:r>
+                      <a:endParaRPr lang="en-US" sz="1600" dirty="0">
+                        <a:effectLst/>
+                        <a:latin typeface="Times New Roman" panose="02020603050405020304" pitchFamily="18" charset="0"/>
+                        <a:ea typeface="Calibri" panose="020F0502020204030204" pitchFamily="34" charset="0"/>
+                        <a:cs typeface="Times New Roman" panose="02020603050405020304" pitchFamily="18" charset="0"/>
+                      </a:endParaRPr>
+                    </a:p>
+                  </a:txBody>
+                  <a:tcPr marL="68580" marR="68580" marT="0" marB="0" anchor="ctr"/>
+                </a:tc>
+                <a:tc>
+                  <a:txBody>
+                    <a:bodyPr/>
+                    <a:lstStyle/>
+                    <a:p>
+                      <a:pPr marL="0" marR="0" algn="ctr">
+                        <a:lnSpc>
+                          <a:spcPct val="107000"/>
+                        </a:lnSpc>
+                        <a:spcBef>
+                          <a:spcPts val="0"/>
+                        </a:spcBef>
+                        <a:spcAft>
+                          <a:spcPts val="0"/>
+                        </a:spcAft>
+                      </a:pPr>
+                      <a:r>
+                        <a:rPr lang="en-US" sz="1600" dirty="0">
+                          <a:effectLst/>
+                        </a:rPr>
+                        <a:t>0.05863</a:t>
+                      </a:r>
+                      <a:endParaRPr lang="en-US" sz="1600" dirty="0">
+                        <a:effectLst/>
+                        <a:latin typeface="Times New Roman" panose="02020603050405020304" pitchFamily="18" charset="0"/>
+                        <a:ea typeface="Calibri" panose="020F0502020204030204" pitchFamily="34" charset="0"/>
+                        <a:cs typeface="Times New Roman" panose="02020603050405020304" pitchFamily="18" charset="0"/>
+                      </a:endParaRPr>
+                    </a:p>
+                  </a:txBody>
+                  <a:tcPr marL="68580" marR="68580" marT="0" marB="0" anchor="ctr"/>
+                </a:tc>
+                <a:tc>
+                  <a:txBody>
+                    <a:bodyPr/>
+                    <a:lstStyle/>
+                    <a:p>
+                      <a:pPr marL="0" marR="0" algn="ctr">
+                        <a:lnSpc>
+                          <a:spcPct val="107000"/>
+                        </a:lnSpc>
+                        <a:spcBef>
+                          <a:spcPts val="0"/>
+                        </a:spcBef>
+                        <a:spcAft>
+                          <a:spcPts val="0"/>
+                        </a:spcAft>
+                      </a:pPr>
+                      <a:r>
+                        <a:rPr lang="en-US" sz="1600">
+                          <a:effectLst/>
+                        </a:rPr>
+                        <a:t>0.1687</a:t>
+                      </a:r>
+                      <a:endParaRPr lang="en-US" sz="1600">
+                        <a:effectLst/>
+                        <a:latin typeface="Times New Roman" panose="02020603050405020304" pitchFamily="18" charset="0"/>
+                        <a:ea typeface="Calibri" panose="020F0502020204030204" pitchFamily="34" charset="0"/>
+                        <a:cs typeface="Times New Roman" panose="02020603050405020304" pitchFamily="18" charset="0"/>
+                      </a:endParaRPr>
+                    </a:p>
+                  </a:txBody>
+                  <a:tcPr marL="68580" marR="68580" marT="0" marB="0" anchor="ctr"/>
+                </a:tc>
+                <a:tc>
+                  <a:txBody>
+                    <a:bodyPr/>
+                    <a:lstStyle/>
+                    <a:p>
+                      <a:pPr marL="0" marR="0" algn="ctr">
+                        <a:lnSpc>
+                          <a:spcPct val="107000"/>
+                        </a:lnSpc>
+                        <a:spcBef>
+                          <a:spcPts val="0"/>
+                        </a:spcBef>
+                        <a:spcAft>
+                          <a:spcPts val="0"/>
+                        </a:spcAft>
+                      </a:pPr>
+                      <a:r>
+                        <a:rPr lang="en-US" sz="1600">
+                          <a:effectLst/>
+                        </a:rPr>
+                        <a:t>13:30</a:t>
+                      </a:r>
+                      <a:endParaRPr lang="en-US" sz="1600">
+                        <a:effectLst/>
+                        <a:latin typeface="Times New Roman" panose="02020603050405020304" pitchFamily="18" charset="0"/>
+                        <a:ea typeface="Calibri" panose="020F0502020204030204" pitchFamily="34" charset="0"/>
+                        <a:cs typeface="Times New Roman" panose="02020603050405020304" pitchFamily="18" charset="0"/>
+                      </a:endParaRPr>
+                    </a:p>
+                  </a:txBody>
+                  <a:tcPr marL="68580" marR="68580" marT="0" marB="0" anchor="ctr"/>
+                </a:tc>
+                <a:tc>
+                  <a:txBody>
+                    <a:bodyPr/>
+                    <a:lstStyle/>
+                    <a:p>
+                      <a:pPr marL="0" marR="0" algn="ctr">
+                        <a:lnSpc>
+                          <a:spcPct val="107000"/>
+                        </a:lnSpc>
+                        <a:spcBef>
+                          <a:spcPts val="0"/>
+                        </a:spcBef>
+                        <a:spcAft>
+                          <a:spcPts val="0"/>
+                        </a:spcAft>
+                      </a:pPr>
+                      <a:r>
+                        <a:rPr lang="en-US" sz="1600">
+                          <a:effectLst/>
+                        </a:rPr>
+                        <a:t>14:00</a:t>
+                      </a:r>
+                      <a:endParaRPr lang="en-US" sz="1600">
+                        <a:effectLst/>
+                        <a:latin typeface="Times New Roman" panose="02020603050405020304" pitchFamily="18" charset="0"/>
+                        <a:ea typeface="Calibri" panose="020F0502020204030204" pitchFamily="34" charset="0"/>
+                        <a:cs typeface="Times New Roman" panose="02020603050405020304" pitchFamily="18" charset="0"/>
+                      </a:endParaRPr>
+                    </a:p>
+                  </a:txBody>
+                  <a:tcPr marL="68580" marR="68580" marT="0" marB="0" anchor="ctr"/>
+                </a:tc>
+                <a:extLst>
+                  <a:ext uri="{0D108BD9-81ED-4DB2-BD59-A6C34878D82A}">
+                    <a16:rowId xmlns:a16="http://schemas.microsoft.com/office/drawing/2014/main" val="2932769028"/>
+                  </a:ext>
+                </a:extLst>
+              </a:tr>
+              <a:tr h="500513">
+                <a:tc>
+                  <a:txBody>
+                    <a:bodyPr/>
+                    <a:lstStyle/>
+                    <a:p>
+                      <a:pPr marL="0" marR="0" algn="ctr">
+                        <a:lnSpc>
+                          <a:spcPct val="107000"/>
+                        </a:lnSpc>
+                        <a:spcBef>
+                          <a:spcPts val="0"/>
+                        </a:spcBef>
+                        <a:spcAft>
+                          <a:spcPts val="0"/>
+                        </a:spcAft>
+                      </a:pPr>
+                      <a:r>
+                        <a:rPr lang="en-US" sz="1600">
+                          <a:effectLst/>
+                        </a:rPr>
+                        <a:t>3</a:t>
+                      </a:r>
+                      <a:endParaRPr lang="en-US" sz="1600">
+                        <a:effectLst/>
+                        <a:latin typeface="Times New Roman" panose="02020603050405020304" pitchFamily="18" charset="0"/>
+                        <a:ea typeface="Calibri" panose="020F0502020204030204" pitchFamily="34" charset="0"/>
+                        <a:cs typeface="Times New Roman" panose="02020603050405020304" pitchFamily="18" charset="0"/>
+                      </a:endParaRPr>
+                    </a:p>
+                  </a:txBody>
+                  <a:tcPr marL="68580" marR="68580" marT="0" marB="0" anchor="ctr"/>
+                </a:tc>
+                <a:tc>
+                  <a:txBody>
+                    <a:bodyPr/>
+                    <a:lstStyle/>
+                    <a:p>
+                      <a:pPr marL="0" marR="0" algn="ctr">
+                        <a:lnSpc>
+                          <a:spcPct val="107000"/>
+                        </a:lnSpc>
+                        <a:spcBef>
+                          <a:spcPts val="0"/>
+                        </a:spcBef>
+                        <a:spcAft>
+                          <a:spcPts val="0"/>
+                        </a:spcAft>
+                      </a:pPr>
+                      <a:r>
+                        <a:rPr lang="en-US" sz="1600">
+                          <a:effectLst/>
+                        </a:rPr>
+                        <a:t>116.186289</a:t>
+                      </a:r>
+                      <a:endParaRPr lang="en-US" sz="1600">
+                        <a:effectLst/>
+                        <a:latin typeface="Times New Roman" panose="02020603050405020304" pitchFamily="18" charset="0"/>
+                        <a:ea typeface="Calibri" panose="020F0502020204030204" pitchFamily="34" charset="0"/>
+                        <a:cs typeface="Times New Roman" panose="02020603050405020304" pitchFamily="18" charset="0"/>
+                      </a:endParaRPr>
+                    </a:p>
+                  </a:txBody>
+                  <a:tcPr marL="68580" marR="68580" marT="0" marB="0" anchor="ctr"/>
+                </a:tc>
+                <a:tc>
+                  <a:txBody>
+                    <a:bodyPr/>
+                    <a:lstStyle/>
+                    <a:p>
+                      <a:pPr marL="0" marR="0" algn="ctr">
+                        <a:lnSpc>
+                          <a:spcPct val="107000"/>
+                        </a:lnSpc>
+                        <a:spcBef>
+                          <a:spcPts val="0"/>
+                        </a:spcBef>
+                        <a:spcAft>
+                          <a:spcPts val="0"/>
+                        </a:spcAft>
+                      </a:pPr>
+                      <a:r>
+                        <a:rPr lang="en-US" sz="1600">
+                          <a:effectLst/>
+                        </a:rPr>
+                        <a:t>40.016361</a:t>
+                      </a:r>
+                      <a:endParaRPr lang="en-US" sz="1600">
+                        <a:effectLst/>
+                        <a:latin typeface="Times New Roman" panose="02020603050405020304" pitchFamily="18" charset="0"/>
+                        <a:ea typeface="Calibri" panose="020F0502020204030204" pitchFamily="34" charset="0"/>
+                        <a:cs typeface="Times New Roman" panose="02020603050405020304" pitchFamily="18" charset="0"/>
+                      </a:endParaRPr>
+                    </a:p>
+                  </a:txBody>
+                  <a:tcPr marL="68580" marR="68580" marT="0" marB="0" anchor="ctr"/>
+                </a:tc>
+                <a:tc>
+                  <a:txBody>
+                    <a:bodyPr/>
+                    <a:lstStyle/>
+                    <a:p>
+                      <a:pPr marL="0" marR="0" algn="ctr">
+                        <a:lnSpc>
+                          <a:spcPct val="107000"/>
+                        </a:lnSpc>
+                        <a:spcBef>
+                          <a:spcPts val="0"/>
+                        </a:spcBef>
+                        <a:spcAft>
+                          <a:spcPts val="0"/>
+                        </a:spcAft>
+                      </a:pPr>
+                      <a:r>
+                        <a:rPr lang="en-US" sz="1600" dirty="0">
+                          <a:effectLst/>
+                        </a:rPr>
+                        <a:t>0.03645</a:t>
+                      </a:r>
+                      <a:endParaRPr lang="en-US" sz="1600" dirty="0">
+                        <a:effectLst/>
+                        <a:latin typeface="Times New Roman" panose="02020603050405020304" pitchFamily="18" charset="0"/>
+                        <a:ea typeface="Calibri" panose="020F0502020204030204" pitchFamily="34" charset="0"/>
+                        <a:cs typeface="Times New Roman" panose="02020603050405020304" pitchFamily="18" charset="0"/>
+                      </a:endParaRPr>
+                    </a:p>
+                  </a:txBody>
+                  <a:tcPr marL="68580" marR="68580" marT="0" marB="0" anchor="ctr"/>
+                </a:tc>
+                <a:tc>
+                  <a:txBody>
+                    <a:bodyPr/>
+                    <a:lstStyle/>
+                    <a:p>
+                      <a:pPr marL="0" marR="0" algn="ctr">
+                        <a:lnSpc>
+                          <a:spcPct val="107000"/>
+                        </a:lnSpc>
+                        <a:spcBef>
+                          <a:spcPts val="0"/>
+                        </a:spcBef>
+                        <a:spcAft>
+                          <a:spcPts val="0"/>
+                        </a:spcAft>
+                      </a:pPr>
+                      <a:r>
+                        <a:rPr lang="en-US" sz="1600" dirty="0">
+                          <a:effectLst/>
+                        </a:rPr>
+                        <a:t>0.0745</a:t>
+                      </a:r>
+                      <a:endParaRPr lang="en-US" sz="1600" dirty="0">
+                        <a:effectLst/>
+                        <a:latin typeface="Times New Roman" panose="02020603050405020304" pitchFamily="18" charset="0"/>
+                        <a:ea typeface="Calibri" panose="020F0502020204030204" pitchFamily="34" charset="0"/>
+                        <a:cs typeface="Times New Roman" panose="02020603050405020304" pitchFamily="18" charset="0"/>
+                      </a:endParaRPr>
+                    </a:p>
+                  </a:txBody>
+                  <a:tcPr marL="68580" marR="68580" marT="0" marB="0" anchor="ctr"/>
+                </a:tc>
+                <a:tc>
+                  <a:txBody>
+                    <a:bodyPr/>
+                    <a:lstStyle/>
+                    <a:p>
+                      <a:pPr marL="0" marR="0" algn="ctr">
+                        <a:lnSpc>
+                          <a:spcPct val="107000"/>
+                        </a:lnSpc>
+                        <a:spcBef>
+                          <a:spcPts val="0"/>
+                        </a:spcBef>
+                        <a:spcAft>
+                          <a:spcPts val="0"/>
+                        </a:spcAft>
+                      </a:pPr>
+                      <a:r>
+                        <a:rPr lang="en-US" sz="1600">
+                          <a:effectLst/>
+                        </a:rPr>
+                        <a:t>13:00</a:t>
+                      </a:r>
+                      <a:endParaRPr lang="en-US" sz="1600">
+                        <a:effectLst/>
+                        <a:latin typeface="Times New Roman" panose="02020603050405020304" pitchFamily="18" charset="0"/>
+                        <a:ea typeface="Calibri" panose="020F0502020204030204" pitchFamily="34" charset="0"/>
+                        <a:cs typeface="Times New Roman" panose="02020603050405020304" pitchFamily="18" charset="0"/>
+                      </a:endParaRPr>
+                    </a:p>
+                  </a:txBody>
+                  <a:tcPr marL="68580" marR="68580" marT="0" marB="0" anchor="ctr"/>
+                </a:tc>
+                <a:tc>
+                  <a:txBody>
+                    <a:bodyPr/>
+                    <a:lstStyle/>
+                    <a:p>
+                      <a:pPr marL="0" marR="0" algn="ctr">
+                        <a:lnSpc>
+                          <a:spcPct val="107000"/>
+                        </a:lnSpc>
+                        <a:spcBef>
+                          <a:spcPts val="0"/>
+                        </a:spcBef>
+                        <a:spcAft>
+                          <a:spcPts val="0"/>
+                        </a:spcAft>
+                      </a:pPr>
+                      <a:r>
+                        <a:rPr lang="en-US" sz="1600">
+                          <a:effectLst/>
+                        </a:rPr>
+                        <a:t>15:00</a:t>
+                      </a:r>
+                      <a:endParaRPr lang="en-US" sz="1600">
+                        <a:effectLst/>
+                        <a:latin typeface="Times New Roman" panose="02020603050405020304" pitchFamily="18" charset="0"/>
+                        <a:ea typeface="Calibri" panose="020F0502020204030204" pitchFamily="34" charset="0"/>
+                        <a:cs typeface="Times New Roman" panose="02020603050405020304" pitchFamily="18" charset="0"/>
+                      </a:endParaRPr>
+                    </a:p>
+                  </a:txBody>
+                  <a:tcPr marL="68580" marR="68580" marT="0" marB="0" anchor="ctr"/>
+                </a:tc>
+                <a:extLst>
+                  <a:ext uri="{0D108BD9-81ED-4DB2-BD59-A6C34878D82A}">
+                    <a16:rowId xmlns:a16="http://schemas.microsoft.com/office/drawing/2014/main" val="1441784158"/>
+                  </a:ext>
+                </a:extLst>
+              </a:tr>
+              <a:tr h="500513">
+                <a:tc>
+                  <a:txBody>
+                    <a:bodyPr/>
+                    <a:lstStyle/>
+                    <a:p>
+                      <a:pPr marL="0" marR="0" algn="ctr">
+                        <a:lnSpc>
+                          <a:spcPct val="107000"/>
+                        </a:lnSpc>
+                        <a:spcBef>
+                          <a:spcPts val="0"/>
+                        </a:spcBef>
+                        <a:spcAft>
+                          <a:spcPts val="0"/>
+                        </a:spcAft>
+                      </a:pPr>
+                      <a:r>
+                        <a:rPr lang="en-US" sz="1600">
+                          <a:effectLst/>
+                        </a:rPr>
+                        <a:t>4</a:t>
+                      </a:r>
+                      <a:endParaRPr lang="en-US" sz="1600">
+                        <a:effectLst/>
+                        <a:latin typeface="Times New Roman" panose="02020603050405020304" pitchFamily="18" charset="0"/>
+                        <a:ea typeface="Calibri" panose="020F0502020204030204" pitchFamily="34" charset="0"/>
+                        <a:cs typeface="Times New Roman" panose="02020603050405020304" pitchFamily="18" charset="0"/>
+                      </a:endParaRPr>
+                    </a:p>
+                  </a:txBody>
+                  <a:tcPr marL="68580" marR="68580" marT="0" marB="0" anchor="ctr"/>
+                </a:tc>
+                <a:tc>
+                  <a:txBody>
+                    <a:bodyPr/>
+                    <a:lstStyle/>
+                    <a:p>
+                      <a:pPr marL="0" marR="0" algn="ctr">
+                        <a:lnSpc>
+                          <a:spcPct val="107000"/>
+                        </a:lnSpc>
+                        <a:spcBef>
+                          <a:spcPts val="0"/>
+                        </a:spcBef>
+                        <a:spcAft>
+                          <a:spcPts val="0"/>
+                        </a:spcAft>
+                      </a:pPr>
+                      <a:r>
+                        <a:rPr lang="en-US" sz="1600">
+                          <a:effectLst/>
+                        </a:rPr>
+                        <a:t>116.508011</a:t>
+                      </a:r>
+                      <a:endParaRPr lang="en-US" sz="1600">
+                        <a:effectLst/>
+                        <a:latin typeface="Times New Roman" panose="02020603050405020304" pitchFamily="18" charset="0"/>
+                        <a:ea typeface="Calibri" panose="020F0502020204030204" pitchFamily="34" charset="0"/>
+                        <a:cs typeface="Times New Roman" panose="02020603050405020304" pitchFamily="18" charset="0"/>
+                      </a:endParaRPr>
+                    </a:p>
+                  </a:txBody>
+                  <a:tcPr marL="68580" marR="68580" marT="0" marB="0" anchor="ctr"/>
+                </a:tc>
+                <a:tc>
+                  <a:txBody>
+                    <a:bodyPr/>
+                    <a:lstStyle/>
+                    <a:p>
+                      <a:pPr marL="0" marR="0" algn="ctr">
+                        <a:lnSpc>
+                          <a:spcPct val="107000"/>
+                        </a:lnSpc>
+                        <a:spcBef>
+                          <a:spcPts val="0"/>
+                        </a:spcBef>
+                        <a:spcAft>
+                          <a:spcPts val="0"/>
+                        </a:spcAft>
+                      </a:pPr>
+                      <a:r>
+                        <a:rPr lang="en-US" sz="1600">
+                          <a:effectLst/>
+                        </a:rPr>
+                        <a:t>39.826296</a:t>
+                      </a:r>
+                      <a:endParaRPr lang="en-US" sz="1600">
+                        <a:effectLst/>
+                        <a:latin typeface="Times New Roman" panose="02020603050405020304" pitchFamily="18" charset="0"/>
+                        <a:ea typeface="Calibri" panose="020F0502020204030204" pitchFamily="34" charset="0"/>
+                        <a:cs typeface="Times New Roman" panose="02020603050405020304" pitchFamily="18" charset="0"/>
+                      </a:endParaRPr>
+                    </a:p>
+                  </a:txBody>
+                  <a:tcPr marL="68580" marR="68580" marT="0" marB="0" anchor="ctr"/>
+                </a:tc>
+                <a:tc>
+                  <a:txBody>
+                    <a:bodyPr/>
+                    <a:lstStyle/>
+                    <a:p>
+                      <a:pPr marL="0" marR="0" algn="ctr">
+                        <a:lnSpc>
+                          <a:spcPct val="107000"/>
+                        </a:lnSpc>
+                        <a:spcBef>
+                          <a:spcPts val="0"/>
+                        </a:spcBef>
+                        <a:spcAft>
+                          <a:spcPts val="0"/>
+                        </a:spcAft>
+                      </a:pPr>
+                      <a:r>
+                        <a:rPr lang="en-US" sz="1600">
+                          <a:effectLst/>
+                        </a:rPr>
+                        <a:t>0.02595</a:t>
+                      </a:r>
+                      <a:endParaRPr lang="en-US" sz="1600">
+                        <a:effectLst/>
+                        <a:latin typeface="Times New Roman" panose="02020603050405020304" pitchFamily="18" charset="0"/>
+                        <a:ea typeface="Calibri" panose="020F0502020204030204" pitchFamily="34" charset="0"/>
+                        <a:cs typeface="Times New Roman" panose="02020603050405020304" pitchFamily="18" charset="0"/>
+                      </a:endParaRPr>
+                    </a:p>
+                  </a:txBody>
+                  <a:tcPr marL="68580" marR="68580" marT="0" marB="0" anchor="ctr"/>
+                </a:tc>
+                <a:tc>
+                  <a:txBody>
+                    <a:bodyPr/>
+                    <a:lstStyle/>
+                    <a:p>
+                      <a:pPr marL="0" marR="0" algn="ctr">
+                        <a:lnSpc>
+                          <a:spcPct val="107000"/>
+                        </a:lnSpc>
+                        <a:spcBef>
+                          <a:spcPts val="0"/>
+                        </a:spcBef>
+                        <a:spcAft>
+                          <a:spcPts val="0"/>
+                        </a:spcAft>
+                      </a:pPr>
+                      <a:r>
+                        <a:rPr lang="en-US" sz="1600" dirty="0">
+                          <a:effectLst/>
+                        </a:rPr>
+                        <a:t>0.0542</a:t>
+                      </a:r>
+                      <a:endParaRPr lang="en-US" sz="1600" dirty="0">
+                        <a:effectLst/>
+                        <a:latin typeface="Times New Roman" panose="02020603050405020304" pitchFamily="18" charset="0"/>
+                        <a:ea typeface="Calibri" panose="020F0502020204030204" pitchFamily="34" charset="0"/>
+                        <a:cs typeface="Times New Roman" panose="02020603050405020304" pitchFamily="18" charset="0"/>
+                      </a:endParaRPr>
+                    </a:p>
+                  </a:txBody>
+                  <a:tcPr marL="68580" marR="68580" marT="0" marB="0" anchor="ctr"/>
+                </a:tc>
+                <a:tc>
+                  <a:txBody>
+                    <a:bodyPr/>
+                    <a:lstStyle/>
+                    <a:p>
+                      <a:pPr marL="0" marR="0" algn="ctr">
+                        <a:lnSpc>
+                          <a:spcPct val="107000"/>
+                        </a:lnSpc>
+                        <a:spcBef>
+                          <a:spcPts val="0"/>
+                        </a:spcBef>
+                        <a:spcAft>
+                          <a:spcPts val="0"/>
+                        </a:spcAft>
+                      </a:pPr>
+                      <a:r>
+                        <a:rPr lang="en-US" sz="1600">
+                          <a:effectLst/>
+                        </a:rPr>
+                        <a:t>09:00</a:t>
+                      </a:r>
+                      <a:endParaRPr lang="en-US" sz="1600">
+                        <a:effectLst/>
+                        <a:latin typeface="Times New Roman" panose="02020603050405020304" pitchFamily="18" charset="0"/>
+                        <a:ea typeface="Calibri" panose="020F0502020204030204" pitchFamily="34" charset="0"/>
+                        <a:cs typeface="Times New Roman" panose="02020603050405020304" pitchFamily="18" charset="0"/>
+                      </a:endParaRPr>
+                    </a:p>
+                  </a:txBody>
+                  <a:tcPr marL="68580" marR="68580" marT="0" marB="0" anchor="ctr"/>
+                </a:tc>
+                <a:tc>
+                  <a:txBody>
+                    <a:bodyPr/>
+                    <a:lstStyle/>
+                    <a:p>
+                      <a:pPr marL="0" marR="0" algn="ctr">
+                        <a:lnSpc>
+                          <a:spcPct val="107000"/>
+                        </a:lnSpc>
+                        <a:spcBef>
+                          <a:spcPts val="0"/>
+                        </a:spcBef>
+                        <a:spcAft>
+                          <a:spcPts val="0"/>
+                        </a:spcAft>
+                      </a:pPr>
+                      <a:r>
+                        <a:rPr lang="en-US" sz="1600">
+                          <a:effectLst/>
+                        </a:rPr>
+                        <a:t>10:00</a:t>
+                      </a:r>
+                      <a:endParaRPr lang="en-US" sz="1600">
+                        <a:effectLst/>
+                        <a:latin typeface="Times New Roman" panose="02020603050405020304" pitchFamily="18" charset="0"/>
+                        <a:ea typeface="Calibri" panose="020F0502020204030204" pitchFamily="34" charset="0"/>
+                        <a:cs typeface="Times New Roman" panose="02020603050405020304" pitchFamily="18" charset="0"/>
+                      </a:endParaRPr>
+                    </a:p>
+                  </a:txBody>
+                  <a:tcPr marL="68580" marR="68580" marT="0" marB="0" anchor="ctr"/>
+                </a:tc>
+                <a:extLst>
+                  <a:ext uri="{0D108BD9-81ED-4DB2-BD59-A6C34878D82A}">
+                    <a16:rowId xmlns:a16="http://schemas.microsoft.com/office/drawing/2014/main" val="659605874"/>
+                  </a:ext>
+                </a:extLst>
+              </a:tr>
+              <a:tr h="500513">
+                <a:tc>
+                  <a:txBody>
+                    <a:bodyPr/>
+                    <a:lstStyle/>
+                    <a:p>
+                      <a:pPr marL="0" marR="0" algn="ctr">
+                        <a:lnSpc>
+                          <a:spcPct val="107000"/>
+                        </a:lnSpc>
+                        <a:spcBef>
+                          <a:spcPts val="0"/>
+                        </a:spcBef>
+                        <a:spcAft>
+                          <a:spcPts val="0"/>
+                        </a:spcAft>
+                      </a:pPr>
+                      <a:r>
+                        <a:rPr lang="en-US" sz="1600">
+                          <a:effectLst/>
+                        </a:rPr>
+                        <a:t>5</a:t>
+                      </a:r>
+                      <a:endParaRPr lang="en-US" sz="1600">
+                        <a:effectLst/>
+                        <a:latin typeface="Times New Roman" panose="02020603050405020304" pitchFamily="18" charset="0"/>
+                        <a:ea typeface="Calibri" panose="020F0502020204030204" pitchFamily="34" charset="0"/>
+                        <a:cs typeface="Times New Roman" panose="02020603050405020304" pitchFamily="18" charset="0"/>
+                      </a:endParaRPr>
+                    </a:p>
+                  </a:txBody>
+                  <a:tcPr marL="68580" marR="68580" marT="0" marB="0" anchor="ctr"/>
+                </a:tc>
+                <a:tc>
+                  <a:txBody>
+                    <a:bodyPr/>
+                    <a:lstStyle/>
+                    <a:p>
+                      <a:pPr marL="0" marR="0" algn="ctr">
+                        <a:lnSpc>
+                          <a:spcPct val="107000"/>
+                        </a:lnSpc>
+                        <a:spcBef>
+                          <a:spcPts val="0"/>
+                        </a:spcBef>
+                        <a:spcAft>
+                          <a:spcPts val="0"/>
+                        </a:spcAft>
+                      </a:pPr>
+                      <a:r>
+                        <a:rPr lang="en-US" sz="1600">
+                          <a:effectLst/>
+                        </a:rPr>
+                        <a:t>116.130997</a:t>
+                      </a:r>
+                      <a:endParaRPr lang="en-US" sz="1600">
+                        <a:effectLst/>
+                        <a:latin typeface="Times New Roman" panose="02020603050405020304" pitchFamily="18" charset="0"/>
+                        <a:ea typeface="Calibri" panose="020F0502020204030204" pitchFamily="34" charset="0"/>
+                        <a:cs typeface="Times New Roman" panose="02020603050405020304" pitchFamily="18" charset="0"/>
+                      </a:endParaRPr>
+                    </a:p>
+                  </a:txBody>
+                  <a:tcPr marL="68580" marR="68580" marT="0" marB="0" anchor="ctr"/>
+                </a:tc>
+                <a:tc>
+                  <a:txBody>
+                    <a:bodyPr/>
+                    <a:lstStyle/>
+                    <a:p>
+                      <a:pPr marL="0" marR="0" algn="ctr">
+                        <a:lnSpc>
+                          <a:spcPct val="107000"/>
+                        </a:lnSpc>
+                        <a:spcBef>
+                          <a:spcPts val="0"/>
+                        </a:spcBef>
+                        <a:spcAft>
+                          <a:spcPts val="0"/>
+                        </a:spcAft>
+                      </a:pPr>
+                      <a:r>
+                        <a:rPr lang="en-US" sz="1600">
+                          <a:effectLst/>
+                        </a:rPr>
+                        <a:t>39.825921</a:t>
+                      </a:r>
+                      <a:endParaRPr lang="en-US" sz="1600">
+                        <a:effectLst/>
+                        <a:latin typeface="Times New Roman" panose="02020603050405020304" pitchFamily="18" charset="0"/>
+                        <a:ea typeface="Calibri" panose="020F0502020204030204" pitchFamily="34" charset="0"/>
+                        <a:cs typeface="Times New Roman" panose="02020603050405020304" pitchFamily="18" charset="0"/>
+                      </a:endParaRPr>
+                    </a:p>
+                  </a:txBody>
+                  <a:tcPr marL="68580" marR="68580" marT="0" marB="0" anchor="ctr"/>
+                </a:tc>
+                <a:tc>
+                  <a:txBody>
+                    <a:bodyPr/>
+                    <a:lstStyle/>
+                    <a:p>
+                      <a:pPr marL="0" marR="0" algn="ctr">
+                        <a:lnSpc>
+                          <a:spcPct val="107000"/>
+                        </a:lnSpc>
+                        <a:spcBef>
+                          <a:spcPts val="0"/>
+                        </a:spcBef>
+                        <a:spcAft>
+                          <a:spcPts val="0"/>
+                        </a:spcAft>
+                      </a:pPr>
+                      <a:r>
+                        <a:rPr lang="en-US" sz="1600">
+                          <a:effectLst/>
+                        </a:rPr>
+                        <a:t>0.0198</a:t>
+                      </a:r>
+                      <a:endParaRPr lang="en-US" sz="1600">
+                        <a:effectLst/>
+                        <a:latin typeface="Times New Roman" panose="02020603050405020304" pitchFamily="18" charset="0"/>
+                        <a:ea typeface="Calibri" panose="020F0502020204030204" pitchFamily="34" charset="0"/>
+                        <a:cs typeface="Times New Roman" panose="02020603050405020304" pitchFamily="18" charset="0"/>
+                      </a:endParaRPr>
+                    </a:p>
+                  </a:txBody>
+                  <a:tcPr marL="68580" marR="68580" marT="0" marB="0" anchor="ctr"/>
+                </a:tc>
+                <a:tc>
+                  <a:txBody>
+                    <a:bodyPr/>
+                    <a:lstStyle/>
+                    <a:p>
+                      <a:pPr marL="0" marR="0" algn="ctr">
+                        <a:lnSpc>
+                          <a:spcPct val="107000"/>
+                        </a:lnSpc>
+                        <a:spcBef>
+                          <a:spcPts val="0"/>
+                        </a:spcBef>
+                        <a:spcAft>
+                          <a:spcPts val="0"/>
+                        </a:spcAft>
+                      </a:pPr>
+                      <a:r>
+                        <a:rPr lang="en-US" sz="1600" dirty="0">
+                          <a:effectLst/>
+                        </a:rPr>
+                        <a:t>0.1117</a:t>
+                      </a:r>
+                      <a:endParaRPr lang="en-US" sz="1600" dirty="0">
+                        <a:effectLst/>
+                        <a:latin typeface="Times New Roman" panose="02020603050405020304" pitchFamily="18" charset="0"/>
+                        <a:ea typeface="Calibri" panose="020F0502020204030204" pitchFamily="34" charset="0"/>
+                        <a:cs typeface="Times New Roman" panose="02020603050405020304" pitchFamily="18" charset="0"/>
+                      </a:endParaRPr>
+                    </a:p>
+                  </a:txBody>
+                  <a:tcPr marL="68580" marR="68580" marT="0" marB="0" anchor="ctr"/>
+                </a:tc>
+                <a:tc>
+                  <a:txBody>
+                    <a:bodyPr/>
+                    <a:lstStyle/>
+                    <a:p>
+                      <a:pPr marL="0" marR="0" algn="ctr">
+                        <a:lnSpc>
+                          <a:spcPct val="107000"/>
+                        </a:lnSpc>
+                        <a:spcBef>
+                          <a:spcPts val="0"/>
+                        </a:spcBef>
+                        <a:spcAft>
+                          <a:spcPts val="0"/>
+                        </a:spcAft>
+                      </a:pPr>
+                      <a:r>
+                        <a:rPr lang="en-US" sz="1600" dirty="0">
+                          <a:effectLst/>
+                        </a:rPr>
+                        <a:t>11:00</a:t>
+                      </a:r>
+                      <a:endParaRPr lang="en-US" sz="1600" dirty="0">
+                        <a:effectLst/>
+                        <a:latin typeface="Times New Roman" panose="02020603050405020304" pitchFamily="18" charset="0"/>
+                        <a:ea typeface="Calibri" panose="020F0502020204030204" pitchFamily="34" charset="0"/>
+                        <a:cs typeface="Times New Roman" panose="02020603050405020304" pitchFamily="18" charset="0"/>
+                      </a:endParaRPr>
+                    </a:p>
+                  </a:txBody>
+                  <a:tcPr marL="68580" marR="68580" marT="0" marB="0" anchor="ctr"/>
+                </a:tc>
+                <a:tc>
+                  <a:txBody>
+                    <a:bodyPr/>
+                    <a:lstStyle/>
+                    <a:p>
+                      <a:pPr marL="0" marR="0" algn="ctr">
+                        <a:lnSpc>
+                          <a:spcPct val="107000"/>
+                        </a:lnSpc>
+                        <a:spcBef>
+                          <a:spcPts val="0"/>
+                        </a:spcBef>
+                        <a:spcAft>
+                          <a:spcPts val="0"/>
+                        </a:spcAft>
+                      </a:pPr>
+                      <a:r>
+                        <a:rPr lang="en-US" sz="1600">
+                          <a:effectLst/>
+                        </a:rPr>
+                        <a:t>13:30</a:t>
+                      </a:r>
+                      <a:endParaRPr lang="en-US" sz="1600">
+                        <a:effectLst/>
+                        <a:latin typeface="Times New Roman" panose="02020603050405020304" pitchFamily="18" charset="0"/>
+                        <a:ea typeface="Calibri" panose="020F0502020204030204" pitchFamily="34" charset="0"/>
+                        <a:cs typeface="Times New Roman" panose="02020603050405020304" pitchFamily="18" charset="0"/>
+                      </a:endParaRPr>
+                    </a:p>
+                  </a:txBody>
+                  <a:tcPr marL="68580" marR="68580" marT="0" marB="0" anchor="ctr"/>
+                </a:tc>
+                <a:extLst>
+                  <a:ext uri="{0D108BD9-81ED-4DB2-BD59-A6C34878D82A}">
+                    <a16:rowId xmlns:a16="http://schemas.microsoft.com/office/drawing/2014/main" val="2509272945"/>
+                  </a:ext>
+                </a:extLst>
+              </a:tr>
+              <a:tr h="470025">
+                <a:tc>
+                  <a:txBody>
+                    <a:bodyPr/>
+                    <a:lstStyle/>
+                    <a:p>
+                      <a:pPr marL="0" marR="0" algn="ctr">
+                        <a:lnSpc>
+                          <a:spcPct val="107000"/>
+                        </a:lnSpc>
+                        <a:spcBef>
+                          <a:spcPts val="0"/>
+                        </a:spcBef>
+                        <a:spcAft>
+                          <a:spcPts val="0"/>
+                        </a:spcAft>
+                      </a:pPr>
+                      <a:r>
+                        <a:rPr lang="en-US" sz="1600">
+                          <a:effectLst/>
+                        </a:rPr>
+                        <a:t>…</a:t>
+                      </a:r>
+                      <a:endParaRPr lang="en-US" sz="1600">
+                        <a:effectLst/>
+                        <a:latin typeface="Times New Roman" panose="02020603050405020304" pitchFamily="18" charset="0"/>
+                        <a:ea typeface="Calibri" panose="020F0502020204030204" pitchFamily="34" charset="0"/>
+                        <a:cs typeface="Times New Roman" panose="02020603050405020304" pitchFamily="18" charset="0"/>
+                      </a:endParaRPr>
+                    </a:p>
+                  </a:txBody>
+                  <a:tcPr marL="68580" marR="68580" marT="0" marB="0" anchor="ctr"/>
+                </a:tc>
+                <a:tc>
+                  <a:txBody>
+                    <a:bodyPr/>
+                    <a:lstStyle/>
+                    <a:p>
+                      <a:pPr marL="0" marR="0" algn="ctr">
+                        <a:lnSpc>
+                          <a:spcPct val="107000"/>
+                        </a:lnSpc>
+                        <a:spcBef>
+                          <a:spcPts val="0"/>
+                        </a:spcBef>
+                        <a:spcAft>
+                          <a:spcPts val="0"/>
+                        </a:spcAft>
+                      </a:pPr>
+                      <a:r>
+                        <a:rPr lang="en-US" sz="1600">
+                          <a:effectLst/>
+                        </a:rPr>
+                        <a:t>…</a:t>
+                      </a:r>
+                      <a:endParaRPr lang="en-US" sz="1600">
+                        <a:effectLst/>
+                        <a:latin typeface="Times New Roman" panose="02020603050405020304" pitchFamily="18" charset="0"/>
+                        <a:ea typeface="Calibri" panose="020F0502020204030204" pitchFamily="34" charset="0"/>
+                        <a:cs typeface="Times New Roman" panose="02020603050405020304" pitchFamily="18" charset="0"/>
+                      </a:endParaRPr>
+                    </a:p>
+                  </a:txBody>
+                  <a:tcPr marL="68580" marR="68580" marT="0" marB="0" anchor="ctr"/>
+                </a:tc>
+                <a:tc>
+                  <a:txBody>
+                    <a:bodyPr/>
+                    <a:lstStyle/>
+                    <a:p>
+                      <a:pPr marL="0" marR="0" algn="ctr">
+                        <a:lnSpc>
+                          <a:spcPct val="107000"/>
+                        </a:lnSpc>
+                        <a:spcBef>
+                          <a:spcPts val="0"/>
+                        </a:spcBef>
+                        <a:spcAft>
+                          <a:spcPts val="0"/>
+                        </a:spcAft>
+                      </a:pPr>
+                      <a:r>
+                        <a:rPr lang="en-US" sz="1600">
+                          <a:effectLst/>
+                        </a:rPr>
+                        <a:t>…</a:t>
+                      </a:r>
+                      <a:endParaRPr lang="en-US" sz="1600">
+                        <a:effectLst/>
+                        <a:latin typeface="Times New Roman" panose="02020603050405020304" pitchFamily="18" charset="0"/>
+                        <a:ea typeface="Calibri" panose="020F0502020204030204" pitchFamily="34" charset="0"/>
+                        <a:cs typeface="Times New Roman" panose="02020603050405020304" pitchFamily="18" charset="0"/>
+                      </a:endParaRPr>
+                    </a:p>
+                  </a:txBody>
+                  <a:tcPr marL="68580" marR="68580" marT="0" marB="0" anchor="ctr"/>
+                </a:tc>
+                <a:tc>
+                  <a:txBody>
+                    <a:bodyPr/>
+                    <a:lstStyle/>
+                    <a:p>
+                      <a:pPr marL="0" marR="0" algn="ctr">
+                        <a:lnSpc>
+                          <a:spcPct val="107000"/>
+                        </a:lnSpc>
+                        <a:spcBef>
+                          <a:spcPts val="0"/>
+                        </a:spcBef>
+                        <a:spcAft>
+                          <a:spcPts val="0"/>
+                        </a:spcAft>
+                      </a:pPr>
+                      <a:r>
+                        <a:rPr lang="en-US" sz="1600">
+                          <a:effectLst/>
+                        </a:rPr>
+                        <a:t>…</a:t>
+                      </a:r>
+                      <a:endParaRPr lang="en-US" sz="1600">
+                        <a:effectLst/>
+                        <a:latin typeface="Times New Roman" panose="02020603050405020304" pitchFamily="18" charset="0"/>
+                        <a:ea typeface="Calibri" panose="020F0502020204030204" pitchFamily="34" charset="0"/>
+                        <a:cs typeface="Times New Roman" panose="02020603050405020304" pitchFamily="18" charset="0"/>
+                      </a:endParaRPr>
+                    </a:p>
+                  </a:txBody>
+                  <a:tcPr marL="68580" marR="68580" marT="0" marB="0" anchor="ctr"/>
+                </a:tc>
+                <a:tc>
+                  <a:txBody>
+                    <a:bodyPr/>
+                    <a:lstStyle/>
+                    <a:p>
+                      <a:pPr marL="0" marR="0" algn="ctr">
+                        <a:lnSpc>
+                          <a:spcPct val="107000"/>
+                        </a:lnSpc>
+                        <a:spcBef>
+                          <a:spcPts val="0"/>
+                        </a:spcBef>
+                        <a:spcAft>
+                          <a:spcPts val="0"/>
+                        </a:spcAft>
+                      </a:pPr>
+                      <a:r>
+                        <a:rPr lang="en-US" sz="1600">
+                          <a:effectLst/>
+                        </a:rPr>
+                        <a:t>…</a:t>
+                      </a:r>
+                      <a:endParaRPr lang="en-US" sz="1600">
+                        <a:effectLst/>
+                        <a:latin typeface="Times New Roman" panose="02020603050405020304" pitchFamily="18" charset="0"/>
+                        <a:ea typeface="Calibri" panose="020F0502020204030204" pitchFamily="34" charset="0"/>
+                        <a:cs typeface="Times New Roman" panose="02020603050405020304" pitchFamily="18" charset="0"/>
+                      </a:endParaRPr>
+                    </a:p>
+                  </a:txBody>
+                  <a:tcPr marL="68580" marR="68580" marT="0" marB="0" anchor="ctr"/>
+                </a:tc>
+                <a:tc>
+                  <a:txBody>
+                    <a:bodyPr/>
+                    <a:lstStyle/>
+                    <a:p>
+                      <a:pPr marL="0" marR="0" algn="ctr">
+                        <a:lnSpc>
+                          <a:spcPct val="107000"/>
+                        </a:lnSpc>
+                        <a:spcBef>
+                          <a:spcPts val="0"/>
+                        </a:spcBef>
+                        <a:spcAft>
+                          <a:spcPts val="0"/>
+                        </a:spcAft>
+                      </a:pPr>
+                      <a:r>
+                        <a:rPr lang="en-US" sz="1600" dirty="0">
+                          <a:effectLst/>
+                        </a:rPr>
+                        <a:t>…</a:t>
+                      </a:r>
+                      <a:endParaRPr lang="en-US" sz="1600" dirty="0">
+                        <a:effectLst/>
+                        <a:latin typeface="Times New Roman" panose="02020603050405020304" pitchFamily="18" charset="0"/>
+                        <a:ea typeface="Calibri" panose="020F0502020204030204" pitchFamily="34" charset="0"/>
+                        <a:cs typeface="Times New Roman" panose="02020603050405020304" pitchFamily="18" charset="0"/>
+                      </a:endParaRPr>
+                    </a:p>
+                  </a:txBody>
+                  <a:tcPr marL="68580" marR="68580" marT="0" marB="0" anchor="ctr"/>
+                </a:tc>
+                <a:tc>
+                  <a:txBody>
+                    <a:bodyPr/>
+                    <a:lstStyle/>
+                    <a:p>
+                      <a:pPr marL="0" marR="0" algn="ctr">
+                        <a:lnSpc>
+                          <a:spcPct val="107000"/>
+                        </a:lnSpc>
+                        <a:spcBef>
+                          <a:spcPts val="0"/>
+                        </a:spcBef>
+                        <a:spcAft>
+                          <a:spcPts val="0"/>
+                        </a:spcAft>
+                      </a:pPr>
+                      <a:r>
+                        <a:rPr lang="en-US" sz="1600" dirty="0">
+                          <a:effectLst/>
+                        </a:rPr>
+                        <a:t>…</a:t>
+                      </a:r>
+                      <a:endParaRPr lang="en-US" sz="1600" dirty="0">
+                        <a:effectLst/>
+                        <a:latin typeface="Times New Roman" panose="02020603050405020304" pitchFamily="18" charset="0"/>
+                        <a:ea typeface="Calibri" panose="020F0502020204030204" pitchFamily="34" charset="0"/>
+                        <a:cs typeface="Times New Roman" panose="02020603050405020304" pitchFamily="18" charset="0"/>
+                      </a:endParaRPr>
+                    </a:p>
+                  </a:txBody>
+                  <a:tcPr marL="68580" marR="68580" marT="0" marB="0" anchor="ctr"/>
+                </a:tc>
+                <a:extLst>
+                  <a:ext uri="{0D108BD9-81ED-4DB2-BD59-A6C34878D82A}">
+                    <a16:rowId xmlns:a16="http://schemas.microsoft.com/office/drawing/2014/main" val="1184390986"/>
+                  </a:ext>
+                </a:extLst>
+              </a:tr>
+              <a:tr h="500513">
+                <a:tc>
+                  <a:txBody>
+                    <a:bodyPr/>
+                    <a:lstStyle/>
+                    <a:p>
+                      <a:pPr marL="0" marR="0" algn="ctr">
+                        <a:lnSpc>
+                          <a:spcPct val="107000"/>
+                        </a:lnSpc>
+                        <a:spcBef>
+                          <a:spcPts val="0"/>
+                        </a:spcBef>
+                        <a:spcAft>
+                          <a:spcPts val="0"/>
+                        </a:spcAft>
+                      </a:pPr>
+                      <a:r>
+                        <a:rPr lang="en-US" sz="1600" dirty="0">
+                          <a:solidFill>
+                            <a:srgbClr val="FF0000"/>
+                          </a:solidFill>
+                          <a:effectLst/>
+                        </a:rPr>
+                        <a:t>50</a:t>
+                      </a:r>
+                      <a:endParaRPr lang="en-US" sz="1600" dirty="0">
+                        <a:solidFill>
+                          <a:srgbClr val="FF0000"/>
+                        </a:solidFill>
+                        <a:effectLst/>
+                        <a:latin typeface="Times New Roman" panose="02020603050405020304" pitchFamily="18" charset="0"/>
+                        <a:ea typeface="Calibri" panose="020F0502020204030204" pitchFamily="34" charset="0"/>
+                        <a:cs typeface="Times New Roman" panose="02020603050405020304" pitchFamily="18" charset="0"/>
+                      </a:endParaRPr>
+                    </a:p>
+                  </a:txBody>
+                  <a:tcPr marL="68580" marR="68580" marT="0" marB="0" anchor="ctr"/>
+                </a:tc>
+                <a:tc>
+                  <a:txBody>
+                    <a:bodyPr/>
+                    <a:lstStyle/>
+                    <a:p>
+                      <a:pPr marL="0" marR="0" algn="ctr">
+                        <a:lnSpc>
+                          <a:spcPct val="107000"/>
+                        </a:lnSpc>
+                        <a:spcBef>
+                          <a:spcPts val="0"/>
+                        </a:spcBef>
+                        <a:spcAft>
+                          <a:spcPts val="0"/>
+                        </a:spcAft>
+                      </a:pPr>
+                      <a:r>
+                        <a:rPr lang="en-US" sz="1600" dirty="0">
+                          <a:effectLst/>
+                        </a:rPr>
+                        <a:t>116.214509</a:t>
+                      </a:r>
+                      <a:endParaRPr lang="en-US" sz="1600" dirty="0">
+                        <a:effectLst/>
+                        <a:latin typeface="Times New Roman" panose="02020603050405020304" pitchFamily="18" charset="0"/>
+                        <a:ea typeface="Calibri" panose="020F0502020204030204" pitchFamily="34" charset="0"/>
+                        <a:cs typeface="Times New Roman" panose="02020603050405020304" pitchFamily="18" charset="0"/>
+                      </a:endParaRPr>
+                    </a:p>
+                  </a:txBody>
+                  <a:tcPr marL="68580" marR="68580" marT="0" marB="0" anchor="ctr"/>
+                </a:tc>
+                <a:tc>
+                  <a:txBody>
+                    <a:bodyPr/>
+                    <a:lstStyle/>
+                    <a:p>
+                      <a:pPr marL="0" marR="0" algn="ctr">
+                        <a:lnSpc>
+                          <a:spcPct val="107000"/>
+                        </a:lnSpc>
+                        <a:spcBef>
+                          <a:spcPts val="0"/>
+                        </a:spcBef>
+                        <a:spcAft>
+                          <a:spcPts val="0"/>
+                        </a:spcAft>
+                      </a:pPr>
+                      <a:r>
+                        <a:rPr lang="en-US" sz="1600" dirty="0">
+                          <a:effectLst/>
+                        </a:rPr>
+                        <a:t>40.122890</a:t>
+                      </a:r>
+                      <a:endParaRPr lang="en-US" sz="1600" dirty="0">
+                        <a:effectLst/>
+                        <a:latin typeface="Times New Roman" panose="02020603050405020304" pitchFamily="18" charset="0"/>
+                        <a:ea typeface="Calibri" panose="020F0502020204030204" pitchFamily="34" charset="0"/>
+                        <a:cs typeface="Times New Roman" panose="02020603050405020304" pitchFamily="18" charset="0"/>
+                      </a:endParaRPr>
+                    </a:p>
+                  </a:txBody>
+                  <a:tcPr marL="68580" marR="68580" marT="0" marB="0" anchor="ctr"/>
+                </a:tc>
+                <a:tc>
+                  <a:txBody>
+                    <a:bodyPr/>
+                    <a:lstStyle/>
+                    <a:p>
+                      <a:pPr marL="0" marR="0" algn="ctr">
+                        <a:lnSpc>
+                          <a:spcPct val="107000"/>
+                        </a:lnSpc>
+                        <a:spcBef>
+                          <a:spcPts val="0"/>
+                        </a:spcBef>
+                        <a:spcAft>
+                          <a:spcPts val="0"/>
+                        </a:spcAft>
+                      </a:pPr>
+                      <a:r>
+                        <a:rPr lang="en-US" sz="1600">
+                          <a:effectLst/>
+                        </a:rPr>
+                        <a:t>0.01697</a:t>
+                      </a:r>
+                      <a:endParaRPr lang="en-US" sz="1600">
+                        <a:effectLst/>
+                        <a:latin typeface="Times New Roman" panose="02020603050405020304" pitchFamily="18" charset="0"/>
+                        <a:ea typeface="Calibri" panose="020F0502020204030204" pitchFamily="34" charset="0"/>
+                        <a:cs typeface="Times New Roman" panose="02020603050405020304" pitchFamily="18" charset="0"/>
+                      </a:endParaRPr>
+                    </a:p>
+                  </a:txBody>
+                  <a:tcPr marL="68580" marR="68580" marT="0" marB="0" anchor="ctr"/>
+                </a:tc>
+                <a:tc>
+                  <a:txBody>
+                    <a:bodyPr/>
+                    <a:lstStyle/>
+                    <a:p>
+                      <a:pPr marL="0" marR="0" algn="ctr">
+                        <a:lnSpc>
+                          <a:spcPct val="107000"/>
+                        </a:lnSpc>
+                        <a:spcBef>
+                          <a:spcPts val="0"/>
+                        </a:spcBef>
+                        <a:spcAft>
+                          <a:spcPts val="0"/>
+                        </a:spcAft>
+                      </a:pPr>
+                      <a:r>
+                        <a:rPr lang="en-US" sz="1600">
+                          <a:effectLst/>
+                        </a:rPr>
+                        <a:t>0.0260</a:t>
+                      </a:r>
+                      <a:endParaRPr lang="en-US" sz="1600">
+                        <a:effectLst/>
+                        <a:latin typeface="Times New Roman" panose="02020603050405020304" pitchFamily="18" charset="0"/>
+                        <a:ea typeface="Calibri" panose="020F0502020204030204" pitchFamily="34" charset="0"/>
+                        <a:cs typeface="Times New Roman" panose="02020603050405020304" pitchFamily="18" charset="0"/>
+                      </a:endParaRPr>
+                    </a:p>
+                  </a:txBody>
+                  <a:tcPr marL="68580" marR="68580" marT="0" marB="0" anchor="ctr"/>
+                </a:tc>
+                <a:tc>
+                  <a:txBody>
+                    <a:bodyPr/>
+                    <a:lstStyle/>
+                    <a:p>
+                      <a:pPr marL="0" marR="0" algn="ctr">
+                        <a:lnSpc>
+                          <a:spcPct val="107000"/>
+                        </a:lnSpc>
+                        <a:spcBef>
+                          <a:spcPts val="0"/>
+                        </a:spcBef>
+                        <a:spcAft>
+                          <a:spcPts val="0"/>
+                        </a:spcAft>
+                      </a:pPr>
+                      <a:r>
+                        <a:rPr lang="en-US" sz="1600">
+                          <a:effectLst/>
+                        </a:rPr>
+                        <a:t>11:00</a:t>
+                      </a:r>
+                      <a:endParaRPr lang="en-US" sz="1600">
+                        <a:effectLst/>
+                        <a:latin typeface="Times New Roman" panose="02020603050405020304" pitchFamily="18" charset="0"/>
+                        <a:ea typeface="Calibri" panose="020F0502020204030204" pitchFamily="34" charset="0"/>
+                        <a:cs typeface="Times New Roman" panose="02020603050405020304" pitchFamily="18" charset="0"/>
+                      </a:endParaRPr>
+                    </a:p>
+                  </a:txBody>
+                  <a:tcPr marL="68580" marR="68580" marT="0" marB="0" anchor="ctr"/>
+                </a:tc>
+                <a:tc>
+                  <a:txBody>
+                    <a:bodyPr/>
+                    <a:lstStyle/>
+                    <a:p>
+                      <a:pPr marL="0" marR="0" algn="ctr">
+                        <a:lnSpc>
+                          <a:spcPct val="107000"/>
+                        </a:lnSpc>
+                        <a:spcBef>
+                          <a:spcPts val="0"/>
+                        </a:spcBef>
+                        <a:spcAft>
+                          <a:spcPts val="0"/>
+                        </a:spcAft>
+                      </a:pPr>
+                      <a:r>
+                        <a:rPr lang="en-US" sz="1600" dirty="0">
+                          <a:effectLst/>
+                        </a:rPr>
+                        <a:t>12:00</a:t>
+                      </a:r>
+                      <a:endParaRPr lang="en-US" sz="1600" dirty="0">
+                        <a:effectLst/>
+                        <a:latin typeface="Times New Roman" panose="02020603050405020304" pitchFamily="18" charset="0"/>
+                        <a:ea typeface="Calibri" panose="020F0502020204030204" pitchFamily="34" charset="0"/>
+                        <a:cs typeface="Times New Roman" panose="02020603050405020304" pitchFamily="18" charset="0"/>
+                      </a:endParaRPr>
+                    </a:p>
+                  </a:txBody>
+                  <a:tcPr marL="68580" marR="68580" marT="0" marB="0" anchor="ctr"/>
+                </a:tc>
+                <a:extLst>
+                  <a:ext uri="{0D108BD9-81ED-4DB2-BD59-A6C34878D82A}">
+                    <a16:rowId xmlns:a16="http://schemas.microsoft.com/office/drawing/2014/main" val="3402876790"/>
+                  </a:ext>
+                </a:extLst>
+              </a:tr>
+            </a:tbl>
+          </a:graphicData>
+        </a:graphic>
+      </p:graphicFrame>
+      <p:sp>
+        <p:nvSpPr>
+          <p:cNvPr id="4" name="Date Placeholder 3"/>
           <p:cNvSpPr>
             <a:spLocks noGrp="1"/>
           </p:cNvSpPr>
@@ -4709,13 +6707,7 @@
       </p:sp>
       <p:sp>
         <p:nvSpPr>
-          <p:cNvPr id="5" name="Footer Placeholder 4">
-            <a:extLst>
-              <a:ext uri="{FF2B5EF4-FFF2-40B4-BE49-F238E27FC236}">
-                <a16:creationId xmlns:a16="http://schemas.microsoft.com/office/drawing/2014/main" id="{8BE8F01A-419E-E849-A195-4D2C941AC143}"/>
-              </a:ext>
-            </a:extLst>
-          </p:cNvPr>
+          <p:cNvPr id="5" name="Footer Placeholder 4"/>
           <p:cNvSpPr>
             <a:spLocks noGrp="1"/>
           </p:cNvSpPr>
@@ -4741,13 +6733,7 @@
       </p:sp>
       <p:sp>
         <p:nvSpPr>
-          <p:cNvPr id="6" name="Slide Number Placeholder 5">
-            <a:extLst>
-              <a:ext uri="{FF2B5EF4-FFF2-40B4-BE49-F238E27FC236}">
-                <a16:creationId xmlns:a16="http://schemas.microsoft.com/office/drawing/2014/main" id="{DB7DAC8E-DD91-DA4F-AF10-EDBEE45489C2}"/>
-              </a:ext>
-            </a:extLst>
-          </p:cNvPr>
+          <p:cNvPr id="6" name="Slide Number Placeholder 5"/>
           <p:cNvSpPr>
             <a:spLocks noGrp="1"/>
           </p:cNvSpPr>
@@ -4774,103 +6760,10 @@
           </a:p>
         </p:txBody>
       </p:sp>
-      <p:sp>
-        <p:nvSpPr>
-          <p:cNvPr id="8" name="Title 9">
-            <a:extLst>
-              <a:ext uri="{FF2B5EF4-FFF2-40B4-BE49-F238E27FC236}">
-                <a16:creationId xmlns:a16="http://schemas.microsoft.com/office/drawing/2014/main" id="{6CCE9938-1107-3145-A83E-6AD3397EF90B}"/>
-              </a:ext>
-            </a:extLst>
-          </p:cNvPr>
-          <p:cNvSpPr>
-            <a:spLocks noGrp="1"/>
-          </p:cNvSpPr>
-          <p:nvPr>
-            <p:ph type="title"/>
-          </p:nvPr>
-        </p:nvSpPr>
-        <p:spPr>
-          <a:xfrm>
-            <a:off x="628650" y="685800"/>
-            <a:ext cx="7886700" cy="1325563"/>
-          </a:xfrm>
-        </p:spPr>
-        <p:txBody>
-          <a:bodyPr/>
-          <a:lstStyle/>
-          <a:p>
-            <a:r>
-              <a:rPr lang="en-US" altLang="zh-CN" dirty="0">
-                <a:latin typeface="Times New Roman" panose="02020603050405020304" pitchFamily="18" charset="0"/>
-                <a:cs typeface="Times New Roman" panose="02020603050405020304" pitchFamily="18" charset="0"/>
-              </a:rPr>
-              <a:t>Mathematic</a:t>
-            </a:r>
-            <a:r>
-              <a:rPr lang="en-US" dirty="0">
-                <a:latin typeface="Times New Roman" panose="02020603050405020304" pitchFamily="18" charset="0"/>
-                <a:cs typeface="Times New Roman" panose="02020603050405020304" pitchFamily="18" charset="0"/>
-              </a:rPr>
-              <a:t> </a:t>
-            </a:r>
-            <a:r>
-              <a:rPr lang="en-US" altLang="zh-CN" dirty="0">
-                <a:latin typeface="Times New Roman" panose="02020603050405020304" pitchFamily="18" charset="0"/>
-                <a:cs typeface="Times New Roman" panose="02020603050405020304" pitchFamily="18" charset="0"/>
-              </a:rPr>
-              <a:t>model</a:t>
-            </a:r>
-            <a:br>
-              <a:rPr lang="en-US" dirty="0">
-                <a:latin typeface="Times New Roman" panose="02020603050405020304" pitchFamily="18" charset="0"/>
-                <a:cs typeface="Times New Roman" panose="02020603050405020304" pitchFamily="18" charset="0"/>
-              </a:rPr>
-            </a:br>
-            <a:endParaRPr lang="en-US" dirty="0"/>
-          </a:p>
-        </p:txBody>
-      </p:sp>
-      <p:pic>
-        <p:nvPicPr>
-          <p:cNvPr id="3" name="Picture 2" descr="A close up of text on a white background&#13;&#10;&#13;&#10;Description automatically generated">
-            <a:extLst>
-              <a:ext uri="{FF2B5EF4-FFF2-40B4-BE49-F238E27FC236}">
-                <a16:creationId xmlns:a16="http://schemas.microsoft.com/office/drawing/2014/main" id="{AF5EECD5-BAB6-3B4A-9356-D8323BAC3441}"/>
-              </a:ext>
-            </a:extLst>
-          </p:cNvPr>
-          <p:cNvPicPr>
-            <a:picLocks noChangeAspect="1"/>
-          </p:cNvPicPr>
-          <p:nvPr/>
-        </p:nvPicPr>
-        <p:blipFill>
-          <a:blip r:embed="rId2">
-            <a:extLst>
-              <a:ext uri="{28A0092B-C50C-407E-A947-70E740481C1C}">
-                <a14:useLocalDpi xmlns:a14="http://schemas.microsoft.com/office/drawing/2010/main" val="0"/>
-              </a:ext>
-            </a:extLst>
-          </a:blip>
-          <a:stretch>
-            <a:fillRect/>
-          </a:stretch>
-        </p:blipFill>
-        <p:spPr>
-          <a:xfrm>
-            <a:off x="1507694" y="1403090"/>
-            <a:ext cx="6128611" cy="4953261"/>
-          </a:xfrm>
-          <a:prstGeom prst="rect">
-            <a:avLst/>
-          </a:prstGeom>
-        </p:spPr>
-      </p:pic>
     </p:spTree>
     <p:extLst>
       <p:ext uri="{BB962C8B-B14F-4D97-AF65-F5344CB8AC3E}">
-        <p14:creationId xmlns:p14="http://schemas.microsoft.com/office/powerpoint/2010/main" val="1192125799"/>
+        <p14:creationId xmlns:p14="http://schemas.microsoft.com/office/powerpoint/2010/main" val="3485964811"/>
       </p:ext>
     </p:extLst>
   </p:cSld>
@@ -4881,6 +6774,1184 @@
 </file>
 
 <file path=ppt/slides/slide11.xml><?xml version="1.0" encoding="utf-8"?>
+<p:sld xmlns:a="http://schemas.openxmlformats.org/drawingml/2006/main" xmlns:r="http://schemas.openxmlformats.org/officeDocument/2006/relationships" xmlns:p="http://schemas.openxmlformats.org/presentationml/2006/main">
+  <p:cSld>
+    <p:spTree>
+      <p:nvGrpSpPr>
+        <p:cNvPr id="1" name=""/>
+        <p:cNvGrpSpPr/>
+        <p:nvPr/>
+      </p:nvGrpSpPr>
+      <p:grpSpPr>
+        <a:xfrm>
+          <a:off x="0" y="0"/>
+          <a:ext cx="0" cy="0"/>
+          <a:chOff x="0" y="0"/>
+          <a:chExt cx="0" cy="0"/>
+        </a:xfrm>
+      </p:grpSpPr>
+      <p:sp>
+        <p:nvSpPr>
+          <p:cNvPr id="2" name="Title 1"/>
+          <p:cNvSpPr>
+            <a:spLocks noGrp="1"/>
+          </p:cNvSpPr>
+          <p:nvPr>
+            <p:ph type="title"/>
+          </p:nvPr>
+        </p:nvSpPr>
+        <p:spPr/>
+        <p:txBody>
+          <a:bodyPr/>
+          <a:lstStyle/>
+          <a:p>
+            <a:r>
+              <a:rPr lang="en-US" dirty="0">
+                <a:latin typeface="Times New Roman" panose="02020603050405020304" pitchFamily="18" charset="0"/>
+                <a:cs typeface="Times New Roman" panose="02020603050405020304" pitchFamily="18" charset="0"/>
+              </a:rPr>
+              <a:t>Data sample</a:t>
+            </a:r>
+          </a:p>
+        </p:txBody>
+      </p:sp>
+      <p:graphicFrame>
+        <p:nvGraphicFramePr>
+          <p:cNvPr id="7" name="Content Placeholder 6"/>
+          <p:cNvGraphicFramePr>
+            <a:graphicFrameLocks noGrp="1"/>
+          </p:cNvGraphicFramePr>
+          <p:nvPr>
+            <p:ph idx="1"/>
+            <p:extLst>
+              <p:ext uri="{D42A27DB-BD31-4B8C-83A1-F6EECF244321}">
+                <p14:modId xmlns:p14="http://schemas.microsoft.com/office/powerpoint/2010/main" val="2156341432"/>
+              </p:ext>
+            </p:extLst>
+          </p:nvPr>
+        </p:nvGraphicFramePr>
+        <p:xfrm>
+          <a:off x="628650" y="1600200"/>
+          <a:ext cx="7315200" cy="4038602"/>
+        </p:xfrm>
+        <a:graphic>
+          <a:graphicData uri="http://schemas.openxmlformats.org/drawingml/2006/table">
+            <a:tbl>
+              <a:tblPr firstRow="1" firstCol="1" bandRow="1">
+                <a:tableStyleId>{0505E3EF-67EA-436B-97B2-0124C06EBD24}</a:tableStyleId>
+              </a:tblPr>
+              <a:tblGrid>
+                <a:gridCol w="1645817">
+                  <a:extLst>
+                    <a:ext uri="{9D8B030D-6E8A-4147-A177-3AD203B41FA5}">
+                      <a16:colId xmlns:a16="http://schemas.microsoft.com/office/drawing/2014/main" val="1449701457"/>
+                    </a:ext>
+                  </a:extLst>
+                </a:gridCol>
+                <a:gridCol w="1645817">
+                  <a:extLst>
+                    <a:ext uri="{9D8B030D-6E8A-4147-A177-3AD203B41FA5}">
+                      <a16:colId xmlns:a16="http://schemas.microsoft.com/office/drawing/2014/main" val="1442554566"/>
+                    </a:ext>
+                  </a:extLst>
+                </a:gridCol>
+                <a:gridCol w="2103583">
+                  <a:extLst>
+                    <a:ext uri="{9D8B030D-6E8A-4147-A177-3AD203B41FA5}">
+                      <a16:colId xmlns:a16="http://schemas.microsoft.com/office/drawing/2014/main" val="3609414737"/>
+                    </a:ext>
+                  </a:extLst>
+                </a:gridCol>
+                <a:gridCol w="1919983">
+                  <a:extLst>
+                    <a:ext uri="{9D8B030D-6E8A-4147-A177-3AD203B41FA5}">
+                      <a16:colId xmlns:a16="http://schemas.microsoft.com/office/drawing/2014/main" val="1064152435"/>
+                    </a:ext>
+                  </a:extLst>
+                </a:gridCol>
+              </a:tblGrid>
+              <a:tr h="1020980">
+                <a:tc>
+                  <a:txBody>
+                    <a:bodyPr/>
+                    <a:lstStyle/>
+                    <a:p>
+                      <a:pPr marL="0" marR="0" algn="ctr">
+                        <a:lnSpc>
+                          <a:spcPct val="107000"/>
+                        </a:lnSpc>
+                        <a:spcBef>
+                          <a:spcPts val="0"/>
+                        </a:spcBef>
+                        <a:spcAft>
+                          <a:spcPts val="0"/>
+                        </a:spcAft>
+                      </a:pPr>
+                      <a:r>
+                        <a:rPr lang="en-US" sz="1400" dirty="0">
+                          <a:effectLst/>
+                        </a:rPr>
+                        <a:t>From Node</a:t>
+                      </a:r>
+                      <a:endParaRPr lang="en-US" sz="1400" dirty="0">
+                        <a:effectLst/>
+                        <a:latin typeface="Times New Roman" panose="02020603050405020304" pitchFamily="18" charset="0"/>
+                        <a:ea typeface="Calibri" panose="020F0502020204030204" pitchFamily="34" charset="0"/>
+                        <a:cs typeface="Times New Roman" panose="02020603050405020304" pitchFamily="18" charset="0"/>
+                      </a:endParaRPr>
+                    </a:p>
+                  </a:txBody>
+                  <a:tcPr marL="68580" marR="68580" marT="0" marB="0" anchor="ctr"/>
+                </a:tc>
+                <a:tc>
+                  <a:txBody>
+                    <a:bodyPr/>
+                    <a:lstStyle/>
+                    <a:p>
+                      <a:pPr marL="0" marR="0" algn="ctr">
+                        <a:lnSpc>
+                          <a:spcPct val="107000"/>
+                        </a:lnSpc>
+                        <a:spcBef>
+                          <a:spcPts val="0"/>
+                        </a:spcBef>
+                        <a:spcAft>
+                          <a:spcPts val="0"/>
+                        </a:spcAft>
+                      </a:pPr>
+                      <a:r>
+                        <a:rPr lang="en-US" sz="1400" dirty="0">
+                          <a:effectLst/>
+                        </a:rPr>
+                        <a:t>To Node</a:t>
+                      </a:r>
+                      <a:endParaRPr lang="en-US" sz="1400" dirty="0">
+                        <a:effectLst/>
+                        <a:latin typeface="Times New Roman" panose="02020603050405020304" pitchFamily="18" charset="0"/>
+                        <a:ea typeface="Calibri" panose="020F0502020204030204" pitchFamily="34" charset="0"/>
+                        <a:cs typeface="Times New Roman" panose="02020603050405020304" pitchFamily="18" charset="0"/>
+                      </a:endParaRPr>
+                    </a:p>
+                  </a:txBody>
+                  <a:tcPr marL="68580" marR="68580" marT="0" marB="0" anchor="ctr"/>
+                </a:tc>
+                <a:tc>
+                  <a:txBody>
+                    <a:bodyPr/>
+                    <a:lstStyle/>
+                    <a:p>
+                      <a:pPr marL="0" marR="0" algn="ctr">
+                        <a:lnSpc>
+                          <a:spcPct val="107000"/>
+                        </a:lnSpc>
+                        <a:spcBef>
+                          <a:spcPts val="0"/>
+                        </a:spcBef>
+                        <a:spcAft>
+                          <a:spcPts val="0"/>
+                        </a:spcAft>
+                      </a:pPr>
+                      <a:r>
+                        <a:rPr lang="en-US" sz="1400" dirty="0">
+                          <a:effectLst/>
+                        </a:rPr>
+                        <a:t>Distance</a:t>
+                      </a:r>
+                    </a:p>
+                    <a:p>
+                      <a:pPr marL="0" marR="0" algn="ctr">
+                        <a:lnSpc>
+                          <a:spcPct val="107000"/>
+                        </a:lnSpc>
+                        <a:spcBef>
+                          <a:spcPts val="0"/>
+                        </a:spcBef>
+                        <a:spcAft>
+                          <a:spcPts val="0"/>
+                        </a:spcAft>
+                      </a:pPr>
+                      <a:r>
+                        <a:rPr lang="en-US" sz="1400" dirty="0">
+                          <a:effectLst/>
+                        </a:rPr>
+                        <a:t>(kilometers)</a:t>
+                      </a:r>
+                      <a:endParaRPr lang="en-US" sz="1400" dirty="0">
+                        <a:effectLst/>
+                        <a:latin typeface="Times New Roman" panose="02020603050405020304" pitchFamily="18" charset="0"/>
+                        <a:ea typeface="Calibri" panose="020F0502020204030204" pitchFamily="34" charset="0"/>
+                        <a:cs typeface="Times New Roman" panose="02020603050405020304" pitchFamily="18" charset="0"/>
+                      </a:endParaRPr>
+                    </a:p>
+                  </a:txBody>
+                  <a:tcPr marL="68580" marR="68580" marT="0" marB="0" anchor="ctr"/>
+                </a:tc>
+                <a:tc>
+                  <a:txBody>
+                    <a:bodyPr/>
+                    <a:lstStyle/>
+                    <a:p>
+                      <a:pPr marL="0" marR="0" algn="ctr">
+                        <a:lnSpc>
+                          <a:spcPct val="107000"/>
+                        </a:lnSpc>
+                        <a:spcBef>
+                          <a:spcPts val="0"/>
+                        </a:spcBef>
+                        <a:spcAft>
+                          <a:spcPts val="0"/>
+                        </a:spcAft>
+                      </a:pPr>
+                      <a:r>
+                        <a:rPr lang="en-US" sz="1400" dirty="0">
+                          <a:effectLst/>
+                        </a:rPr>
+                        <a:t>Transport Time</a:t>
+                      </a:r>
+                    </a:p>
+                    <a:p>
+                      <a:pPr marL="0" marR="0" algn="ctr">
+                        <a:lnSpc>
+                          <a:spcPct val="107000"/>
+                        </a:lnSpc>
+                        <a:spcBef>
+                          <a:spcPts val="0"/>
+                        </a:spcBef>
+                        <a:spcAft>
+                          <a:spcPts val="0"/>
+                        </a:spcAft>
+                      </a:pPr>
+                      <a:r>
+                        <a:rPr lang="en-US" sz="1400" dirty="0">
+                          <a:effectLst/>
+                        </a:rPr>
+                        <a:t>(minutes)</a:t>
+                      </a:r>
+                      <a:endParaRPr lang="en-US" sz="1400" dirty="0">
+                        <a:effectLst/>
+                        <a:latin typeface="Times New Roman" panose="02020603050405020304" pitchFamily="18" charset="0"/>
+                        <a:ea typeface="Calibri" panose="020F0502020204030204" pitchFamily="34" charset="0"/>
+                        <a:cs typeface="Times New Roman" panose="02020603050405020304" pitchFamily="18" charset="0"/>
+                      </a:endParaRPr>
+                    </a:p>
+                  </a:txBody>
+                  <a:tcPr marL="68580" marR="68580" marT="0" marB="0" anchor="ctr"/>
+                </a:tc>
+                <a:extLst>
+                  <a:ext uri="{0D108BD9-81ED-4DB2-BD59-A6C34878D82A}">
+                    <a16:rowId xmlns:a16="http://schemas.microsoft.com/office/drawing/2014/main" val="742062856"/>
+                  </a:ext>
+                </a:extLst>
+              </a:tr>
+              <a:tr h="502937">
+                <a:tc>
+                  <a:txBody>
+                    <a:bodyPr/>
+                    <a:lstStyle/>
+                    <a:p>
+                      <a:pPr marL="0" marR="0" algn="ctr">
+                        <a:lnSpc>
+                          <a:spcPct val="107000"/>
+                        </a:lnSpc>
+                        <a:spcBef>
+                          <a:spcPts val="0"/>
+                        </a:spcBef>
+                        <a:spcAft>
+                          <a:spcPts val="0"/>
+                        </a:spcAft>
+                      </a:pPr>
+                      <a:r>
+                        <a:rPr lang="en-US" sz="1400" dirty="0">
+                          <a:effectLst/>
+                        </a:rPr>
+                        <a:t>0</a:t>
+                      </a:r>
+                      <a:endParaRPr lang="en-US" sz="1400" dirty="0">
+                        <a:effectLst/>
+                        <a:latin typeface="Times New Roman" panose="02020603050405020304" pitchFamily="18" charset="0"/>
+                        <a:ea typeface="Calibri" panose="020F0502020204030204" pitchFamily="34" charset="0"/>
+                        <a:cs typeface="Times New Roman" panose="02020603050405020304" pitchFamily="18" charset="0"/>
+                      </a:endParaRPr>
+                    </a:p>
+                  </a:txBody>
+                  <a:tcPr marL="68580" marR="68580" marT="0" marB="0" anchor="ctr"/>
+                </a:tc>
+                <a:tc>
+                  <a:txBody>
+                    <a:bodyPr/>
+                    <a:lstStyle/>
+                    <a:p>
+                      <a:pPr marL="0" marR="0" algn="ctr">
+                        <a:lnSpc>
+                          <a:spcPct val="107000"/>
+                        </a:lnSpc>
+                        <a:spcBef>
+                          <a:spcPts val="0"/>
+                        </a:spcBef>
+                        <a:spcAft>
+                          <a:spcPts val="0"/>
+                        </a:spcAft>
+                      </a:pPr>
+                      <a:r>
+                        <a:rPr lang="en-US" sz="1600" dirty="0">
+                          <a:effectLst/>
+                        </a:rPr>
+                        <a:t>1</a:t>
+                      </a:r>
+                      <a:endParaRPr lang="en-US" sz="2400" dirty="0">
+                        <a:effectLst/>
+                        <a:latin typeface="Times New Roman" panose="02020603050405020304" pitchFamily="18" charset="0"/>
+                        <a:ea typeface="Calibri" panose="020F0502020204030204" pitchFamily="34" charset="0"/>
+                        <a:cs typeface="Times New Roman" panose="02020603050405020304" pitchFamily="18" charset="0"/>
+                      </a:endParaRPr>
+                    </a:p>
+                  </a:txBody>
+                  <a:tcPr marL="68580" marR="68580" marT="0" marB="0" anchor="ctr"/>
+                </a:tc>
+                <a:tc>
+                  <a:txBody>
+                    <a:bodyPr/>
+                    <a:lstStyle/>
+                    <a:p>
+                      <a:pPr marL="0" marR="0" algn="ctr">
+                        <a:lnSpc>
+                          <a:spcPct val="107000"/>
+                        </a:lnSpc>
+                        <a:spcBef>
+                          <a:spcPts val="0"/>
+                        </a:spcBef>
+                        <a:spcAft>
+                          <a:spcPts val="0"/>
+                        </a:spcAft>
+                      </a:pPr>
+                      <a:r>
+                        <a:rPr lang="en-US" sz="1600" dirty="0">
+                          <a:effectLst/>
+                        </a:rPr>
+                        <a:t>63536</a:t>
+                      </a:r>
+                      <a:endParaRPr lang="en-US" sz="2400" dirty="0">
+                        <a:effectLst/>
+                        <a:latin typeface="Times New Roman" panose="02020603050405020304" pitchFamily="18" charset="0"/>
+                        <a:ea typeface="Calibri" panose="020F0502020204030204" pitchFamily="34" charset="0"/>
+                        <a:cs typeface="Times New Roman" panose="02020603050405020304" pitchFamily="18" charset="0"/>
+                      </a:endParaRPr>
+                    </a:p>
+                  </a:txBody>
+                  <a:tcPr marL="68580" marR="68580" marT="0" marB="0" anchor="ctr"/>
+                </a:tc>
+                <a:tc>
+                  <a:txBody>
+                    <a:bodyPr/>
+                    <a:lstStyle/>
+                    <a:p>
+                      <a:pPr marL="0" marR="0" algn="ctr">
+                        <a:lnSpc>
+                          <a:spcPct val="107000"/>
+                        </a:lnSpc>
+                        <a:spcBef>
+                          <a:spcPts val="0"/>
+                        </a:spcBef>
+                        <a:spcAft>
+                          <a:spcPts val="0"/>
+                        </a:spcAft>
+                      </a:pPr>
+                      <a:r>
+                        <a:rPr lang="en-US" sz="1600" dirty="0">
+                          <a:effectLst/>
+                        </a:rPr>
+                        <a:t>77</a:t>
+                      </a:r>
+                      <a:endParaRPr lang="en-US" sz="2400" dirty="0">
+                        <a:effectLst/>
+                        <a:latin typeface="Times New Roman" panose="02020603050405020304" pitchFamily="18" charset="0"/>
+                        <a:ea typeface="Calibri" panose="020F0502020204030204" pitchFamily="34" charset="0"/>
+                        <a:cs typeface="Times New Roman" panose="02020603050405020304" pitchFamily="18" charset="0"/>
+                      </a:endParaRPr>
+                    </a:p>
+                  </a:txBody>
+                  <a:tcPr marL="68580" marR="68580" marT="0" marB="0" anchor="ctr"/>
+                </a:tc>
+                <a:extLst>
+                  <a:ext uri="{0D108BD9-81ED-4DB2-BD59-A6C34878D82A}">
+                    <a16:rowId xmlns:a16="http://schemas.microsoft.com/office/drawing/2014/main" val="1670354604"/>
+                  </a:ext>
+                </a:extLst>
+              </a:tr>
+              <a:tr h="502937">
+                <a:tc>
+                  <a:txBody>
+                    <a:bodyPr/>
+                    <a:lstStyle/>
+                    <a:p>
+                      <a:pPr marL="0" marR="0" algn="ctr">
+                        <a:lnSpc>
+                          <a:spcPct val="107000"/>
+                        </a:lnSpc>
+                        <a:spcBef>
+                          <a:spcPts val="0"/>
+                        </a:spcBef>
+                        <a:spcAft>
+                          <a:spcPts val="0"/>
+                        </a:spcAft>
+                      </a:pPr>
+                      <a:r>
+                        <a:rPr lang="en-US" sz="1400" dirty="0">
+                          <a:effectLst/>
+                        </a:rPr>
+                        <a:t>0</a:t>
+                      </a:r>
+                      <a:endParaRPr lang="en-US" sz="1400" dirty="0">
+                        <a:effectLst/>
+                        <a:latin typeface="Times New Roman" panose="02020603050405020304" pitchFamily="18" charset="0"/>
+                        <a:ea typeface="Calibri" panose="020F0502020204030204" pitchFamily="34" charset="0"/>
+                        <a:cs typeface="Times New Roman" panose="02020603050405020304" pitchFamily="18" charset="0"/>
+                      </a:endParaRPr>
+                    </a:p>
+                  </a:txBody>
+                  <a:tcPr marL="68580" marR="68580" marT="0" marB="0" anchor="ctr"/>
+                </a:tc>
+                <a:tc>
+                  <a:txBody>
+                    <a:bodyPr/>
+                    <a:lstStyle/>
+                    <a:p>
+                      <a:pPr marL="0" marR="0" algn="ctr">
+                        <a:lnSpc>
+                          <a:spcPct val="107000"/>
+                        </a:lnSpc>
+                        <a:spcBef>
+                          <a:spcPts val="0"/>
+                        </a:spcBef>
+                        <a:spcAft>
+                          <a:spcPts val="0"/>
+                        </a:spcAft>
+                      </a:pPr>
+                      <a:r>
+                        <a:rPr lang="en-US" sz="1600" dirty="0">
+                          <a:effectLst/>
+                        </a:rPr>
+                        <a:t>2</a:t>
+                      </a:r>
+                      <a:endParaRPr lang="en-US" sz="2400" dirty="0">
+                        <a:effectLst/>
+                        <a:latin typeface="Times New Roman" panose="02020603050405020304" pitchFamily="18" charset="0"/>
+                        <a:ea typeface="Calibri" panose="020F0502020204030204" pitchFamily="34" charset="0"/>
+                        <a:cs typeface="Times New Roman" panose="02020603050405020304" pitchFamily="18" charset="0"/>
+                      </a:endParaRPr>
+                    </a:p>
+                  </a:txBody>
+                  <a:tcPr marL="68580" marR="68580" marT="0" marB="0" anchor="ctr"/>
+                </a:tc>
+                <a:tc>
+                  <a:txBody>
+                    <a:bodyPr/>
+                    <a:lstStyle/>
+                    <a:p>
+                      <a:pPr marL="0" marR="0" algn="ctr">
+                        <a:lnSpc>
+                          <a:spcPct val="107000"/>
+                        </a:lnSpc>
+                        <a:spcBef>
+                          <a:spcPts val="0"/>
+                        </a:spcBef>
+                        <a:spcAft>
+                          <a:spcPts val="0"/>
+                        </a:spcAft>
+                      </a:pPr>
+                      <a:r>
+                        <a:rPr lang="en-US" sz="1600" dirty="0">
+                          <a:effectLst/>
+                        </a:rPr>
+                        <a:t>27489</a:t>
+                      </a:r>
+                      <a:endParaRPr lang="en-US" sz="2400" dirty="0">
+                        <a:effectLst/>
+                        <a:latin typeface="Times New Roman" panose="02020603050405020304" pitchFamily="18" charset="0"/>
+                        <a:ea typeface="Calibri" panose="020F0502020204030204" pitchFamily="34" charset="0"/>
+                        <a:cs typeface="Times New Roman" panose="02020603050405020304" pitchFamily="18" charset="0"/>
+                      </a:endParaRPr>
+                    </a:p>
+                  </a:txBody>
+                  <a:tcPr marL="68580" marR="68580" marT="0" marB="0" anchor="ctr"/>
+                </a:tc>
+                <a:tc>
+                  <a:txBody>
+                    <a:bodyPr/>
+                    <a:lstStyle/>
+                    <a:p>
+                      <a:pPr marL="0" marR="0" algn="ctr">
+                        <a:lnSpc>
+                          <a:spcPct val="107000"/>
+                        </a:lnSpc>
+                        <a:spcBef>
+                          <a:spcPts val="0"/>
+                        </a:spcBef>
+                        <a:spcAft>
+                          <a:spcPts val="0"/>
+                        </a:spcAft>
+                      </a:pPr>
+                      <a:r>
+                        <a:rPr lang="en-US" sz="1600" dirty="0">
+                          <a:effectLst/>
+                        </a:rPr>
+                        <a:t>33</a:t>
+                      </a:r>
+                      <a:endParaRPr lang="en-US" sz="2400" dirty="0">
+                        <a:effectLst/>
+                        <a:latin typeface="Times New Roman" panose="02020603050405020304" pitchFamily="18" charset="0"/>
+                        <a:ea typeface="Calibri" panose="020F0502020204030204" pitchFamily="34" charset="0"/>
+                        <a:cs typeface="Times New Roman" panose="02020603050405020304" pitchFamily="18" charset="0"/>
+                      </a:endParaRPr>
+                    </a:p>
+                  </a:txBody>
+                  <a:tcPr marL="68580" marR="68580" marT="0" marB="0" anchor="ctr"/>
+                </a:tc>
+                <a:extLst>
+                  <a:ext uri="{0D108BD9-81ED-4DB2-BD59-A6C34878D82A}">
+                    <a16:rowId xmlns:a16="http://schemas.microsoft.com/office/drawing/2014/main" val="859502791"/>
+                  </a:ext>
+                </a:extLst>
+              </a:tr>
+              <a:tr h="502937">
+                <a:tc>
+                  <a:txBody>
+                    <a:bodyPr/>
+                    <a:lstStyle/>
+                    <a:p>
+                      <a:pPr marL="0" marR="0" algn="ctr">
+                        <a:lnSpc>
+                          <a:spcPct val="107000"/>
+                        </a:lnSpc>
+                        <a:spcBef>
+                          <a:spcPts val="0"/>
+                        </a:spcBef>
+                        <a:spcAft>
+                          <a:spcPts val="0"/>
+                        </a:spcAft>
+                      </a:pPr>
+                      <a:r>
+                        <a:rPr lang="en-US" sz="1400" dirty="0">
+                          <a:effectLst/>
+                        </a:rPr>
+                        <a:t>0</a:t>
+                      </a:r>
+                      <a:endParaRPr lang="en-US" sz="1400" dirty="0">
+                        <a:effectLst/>
+                        <a:latin typeface="Times New Roman" panose="02020603050405020304" pitchFamily="18" charset="0"/>
+                        <a:ea typeface="Calibri" panose="020F0502020204030204" pitchFamily="34" charset="0"/>
+                        <a:cs typeface="Times New Roman" panose="02020603050405020304" pitchFamily="18" charset="0"/>
+                      </a:endParaRPr>
+                    </a:p>
+                  </a:txBody>
+                  <a:tcPr marL="68580" marR="68580" marT="0" marB="0" anchor="ctr"/>
+                </a:tc>
+                <a:tc>
+                  <a:txBody>
+                    <a:bodyPr/>
+                    <a:lstStyle/>
+                    <a:p>
+                      <a:pPr marL="0" marR="0" algn="ctr">
+                        <a:lnSpc>
+                          <a:spcPct val="107000"/>
+                        </a:lnSpc>
+                        <a:spcBef>
+                          <a:spcPts val="0"/>
+                        </a:spcBef>
+                        <a:spcAft>
+                          <a:spcPts val="0"/>
+                        </a:spcAft>
+                      </a:pPr>
+                      <a:r>
+                        <a:rPr lang="en-US" sz="1600">
+                          <a:effectLst/>
+                        </a:rPr>
+                        <a:t>3</a:t>
+                      </a:r>
+                      <a:endParaRPr lang="en-US" sz="2400">
+                        <a:effectLst/>
+                        <a:latin typeface="Times New Roman" panose="02020603050405020304" pitchFamily="18" charset="0"/>
+                        <a:ea typeface="Calibri" panose="020F0502020204030204" pitchFamily="34" charset="0"/>
+                        <a:cs typeface="Times New Roman" panose="02020603050405020304" pitchFamily="18" charset="0"/>
+                      </a:endParaRPr>
+                    </a:p>
+                  </a:txBody>
+                  <a:tcPr marL="68580" marR="68580" marT="0" marB="0" anchor="ctr"/>
+                </a:tc>
+                <a:tc>
+                  <a:txBody>
+                    <a:bodyPr/>
+                    <a:lstStyle/>
+                    <a:p>
+                      <a:pPr marL="0" marR="0" algn="ctr">
+                        <a:lnSpc>
+                          <a:spcPct val="107000"/>
+                        </a:lnSpc>
+                        <a:spcBef>
+                          <a:spcPts val="0"/>
+                        </a:spcBef>
+                        <a:spcAft>
+                          <a:spcPts val="0"/>
+                        </a:spcAft>
+                      </a:pPr>
+                      <a:r>
+                        <a:rPr lang="en-US" sz="1600" dirty="0">
+                          <a:effectLst/>
+                        </a:rPr>
+                        <a:t>62041</a:t>
+                      </a:r>
+                      <a:endParaRPr lang="en-US" sz="2400" dirty="0">
+                        <a:effectLst/>
+                        <a:latin typeface="Times New Roman" panose="02020603050405020304" pitchFamily="18" charset="0"/>
+                        <a:ea typeface="Calibri" panose="020F0502020204030204" pitchFamily="34" charset="0"/>
+                        <a:cs typeface="Times New Roman" panose="02020603050405020304" pitchFamily="18" charset="0"/>
+                      </a:endParaRPr>
+                    </a:p>
+                  </a:txBody>
+                  <a:tcPr marL="68580" marR="68580" marT="0" marB="0" anchor="ctr"/>
+                </a:tc>
+                <a:tc>
+                  <a:txBody>
+                    <a:bodyPr/>
+                    <a:lstStyle/>
+                    <a:p>
+                      <a:pPr marL="0" marR="0" algn="ctr">
+                        <a:lnSpc>
+                          <a:spcPct val="107000"/>
+                        </a:lnSpc>
+                        <a:spcBef>
+                          <a:spcPts val="0"/>
+                        </a:spcBef>
+                        <a:spcAft>
+                          <a:spcPts val="0"/>
+                        </a:spcAft>
+                      </a:pPr>
+                      <a:r>
+                        <a:rPr lang="en-US" sz="1600" dirty="0">
+                          <a:effectLst/>
+                        </a:rPr>
+                        <a:t>75</a:t>
+                      </a:r>
+                      <a:endParaRPr lang="en-US" sz="2400" dirty="0">
+                        <a:effectLst/>
+                        <a:latin typeface="Times New Roman" panose="02020603050405020304" pitchFamily="18" charset="0"/>
+                        <a:ea typeface="Calibri" panose="020F0502020204030204" pitchFamily="34" charset="0"/>
+                        <a:cs typeface="Times New Roman" panose="02020603050405020304" pitchFamily="18" charset="0"/>
+                      </a:endParaRPr>
+                    </a:p>
+                  </a:txBody>
+                  <a:tcPr marL="68580" marR="68580" marT="0" marB="0" anchor="ctr"/>
+                </a:tc>
+                <a:extLst>
+                  <a:ext uri="{0D108BD9-81ED-4DB2-BD59-A6C34878D82A}">
+                    <a16:rowId xmlns:a16="http://schemas.microsoft.com/office/drawing/2014/main" val="1610572912"/>
+                  </a:ext>
+                </a:extLst>
+              </a:tr>
+              <a:tr h="502937">
+                <a:tc>
+                  <a:txBody>
+                    <a:bodyPr/>
+                    <a:lstStyle/>
+                    <a:p>
+                      <a:pPr marL="0" marR="0" algn="ctr">
+                        <a:lnSpc>
+                          <a:spcPct val="107000"/>
+                        </a:lnSpc>
+                        <a:spcBef>
+                          <a:spcPts val="0"/>
+                        </a:spcBef>
+                        <a:spcAft>
+                          <a:spcPts val="0"/>
+                        </a:spcAft>
+                      </a:pPr>
+                      <a:r>
+                        <a:rPr lang="en-US" sz="1400" dirty="0">
+                          <a:effectLst/>
+                        </a:rPr>
+                        <a:t>0</a:t>
+                      </a:r>
+                      <a:endParaRPr lang="en-US" sz="1400" dirty="0">
+                        <a:effectLst/>
+                        <a:latin typeface="Times New Roman" panose="02020603050405020304" pitchFamily="18" charset="0"/>
+                        <a:ea typeface="Calibri" panose="020F0502020204030204" pitchFamily="34" charset="0"/>
+                        <a:cs typeface="Times New Roman" panose="02020603050405020304" pitchFamily="18" charset="0"/>
+                      </a:endParaRPr>
+                    </a:p>
+                  </a:txBody>
+                  <a:tcPr marL="68580" marR="68580" marT="0" marB="0" anchor="ctr"/>
+                </a:tc>
+                <a:tc>
+                  <a:txBody>
+                    <a:bodyPr/>
+                    <a:lstStyle/>
+                    <a:p>
+                      <a:pPr marL="0" marR="0" algn="ctr">
+                        <a:lnSpc>
+                          <a:spcPct val="107000"/>
+                        </a:lnSpc>
+                        <a:spcBef>
+                          <a:spcPts val="0"/>
+                        </a:spcBef>
+                        <a:spcAft>
+                          <a:spcPts val="0"/>
+                        </a:spcAft>
+                      </a:pPr>
+                      <a:r>
+                        <a:rPr lang="en-US" sz="1600">
+                          <a:effectLst/>
+                        </a:rPr>
+                        <a:t>4</a:t>
+                      </a:r>
+                      <a:endParaRPr lang="en-US" sz="2400">
+                        <a:effectLst/>
+                        <a:latin typeface="Times New Roman" panose="02020603050405020304" pitchFamily="18" charset="0"/>
+                        <a:ea typeface="Calibri" panose="020F0502020204030204" pitchFamily="34" charset="0"/>
+                        <a:cs typeface="Times New Roman" panose="02020603050405020304" pitchFamily="18" charset="0"/>
+                      </a:endParaRPr>
+                    </a:p>
+                  </a:txBody>
+                  <a:tcPr marL="68580" marR="68580" marT="0" marB="0" anchor="ctr"/>
+                </a:tc>
+                <a:tc>
+                  <a:txBody>
+                    <a:bodyPr/>
+                    <a:lstStyle/>
+                    <a:p>
+                      <a:pPr marL="0" marR="0" algn="ctr">
+                        <a:lnSpc>
+                          <a:spcPct val="107000"/>
+                        </a:lnSpc>
+                        <a:spcBef>
+                          <a:spcPts val="0"/>
+                        </a:spcBef>
+                        <a:spcAft>
+                          <a:spcPts val="0"/>
+                        </a:spcAft>
+                      </a:pPr>
+                      <a:r>
+                        <a:rPr lang="en-US" sz="1600" dirty="0">
+                          <a:effectLst/>
+                        </a:rPr>
+                        <a:t>13365</a:t>
+                      </a:r>
+                      <a:endParaRPr lang="en-US" sz="2400" dirty="0">
+                        <a:effectLst/>
+                        <a:latin typeface="Times New Roman" panose="02020603050405020304" pitchFamily="18" charset="0"/>
+                        <a:ea typeface="Calibri" panose="020F0502020204030204" pitchFamily="34" charset="0"/>
+                        <a:cs typeface="Times New Roman" panose="02020603050405020304" pitchFamily="18" charset="0"/>
+                      </a:endParaRPr>
+                    </a:p>
+                  </a:txBody>
+                  <a:tcPr marL="68580" marR="68580" marT="0" marB="0" anchor="ctr"/>
+                </a:tc>
+                <a:tc>
+                  <a:txBody>
+                    <a:bodyPr/>
+                    <a:lstStyle/>
+                    <a:p>
+                      <a:pPr marL="0" marR="0" algn="ctr">
+                        <a:lnSpc>
+                          <a:spcPct val="107000"/>
+                        </a:lnSpc>
+                        <a:spcBef>
+                          <a:spcPts val="0"/>
+                        </a:spcBef>
+                        <a:spcAft>
+                          <a:spcPts val="0"/>
+                        </a:spcAft>
+                      </a:pPr>
+                      <a:r>
+                        <a:rPr lang="en-US" sz="1600" dirty="0">
+                          <a:effectLst/>
+                        </a:rPr>
+                        <a:t>17</a:t>
+                      </a:r>
+                      <a:endParaRPr lang="en-US" sz="2400" dirty="0">
+                        <a:effectLst/>
+                        <a:latin typeface="Times New Roman" panose="02020603050405020304" pitchFamily="18" charset="0"/>
+                        <a:ea typeface="Calibri" panose="020F0502020204030204" pitchFamily="34" charset="0"/>
+                        <a:cs typeface="Times New Roman" panose="02020603050405020304" pitchFamily="18" charset="0"/>
+                      </a:endParaRPr>
+                    </a:p>
+                  </a:txBody>
+                  <a:tcPr marL="68580" marR="68580" marT="0" marB="0" anchor="ctr"/>
+                </a:tc>
+                <a:extLst>
+                  <a:ext uri="{0D108BD9-81ED-4DB2-BD59-A6C34878D82A}">
+                    <a16:rowId xmlns:a16="http://schemas.microsoft.com/office/drawing/2014/main" val="3753934314"/>
+                  </a:ext>
+                </a:extLst>
+              </a:tr>
+              <a:tr h="502937">
+                <a:tc>
+                  <a:txBody>
+                    <a:bodyPr/>
+                    <a:lstStyle/>
+                    <a:p>
+                      <a:pPr marL="0" marR="0" algn="ctr">
+                        <a:lnSpc>
+                          <a:spcPct val="107000"/>
+                        </a:lnSpc>
+                        <a:spcBef>
+                          <a:spcPts val="0"/>
+                        </a:spcBef>
+                        <a:spcAft>
+                          <a:spcPts val="0"/>
+                        </a:spcAft>
+                      </a:pPr>
+                      <a:r>
+                        <a:rPr lang="en-US" sz="1400" dirty="0">
+                          <a:effectLst/>
+                        </a:rPr>
+                        <a:t>0</a:t>
+                      </a:r>
+                      <a:endParaRPr lang="en-US" sz="1400" dirty="0">
+                        <a:effectLst/>
+                        <a:latin typeface="Times New Roman" panose="02020603050405020304" pitchFamily="18" charset="0"/>
+                        <a:ea typeface="Calibri" panose="020F0502020204030204" pitchFamily="34" charset="0"/>
+                        <a:cs typeface="Times New Roman" panose="02020603050405020304" pitchFamily="18" charset="0"/>
+                      </a:endParaRPr>
+                    </a:p>
+                  </a:txBody>
+                  <a:tcPr marL="68580" marR="68580" marT="0" marB="0" anchor="ctr"/>
+                </a:tc>
+                <a:tc>
+                  <a:txBody>
+                    <a:bodyPr/>
+                    <a:lstStyle/>
+                    <a:p>
+                      <a:pPr marL="0" marR="0" algn="ctr">
+                        <a:lnSpc>
+                          <a:spcPct val="107000"/>
+                        </a:lnSpc>
+                        <a:spcBef>
+                          <a:spcPts val="0"/>
+                        </a:spcBef>
+                        <a:spcAft>
+                          <a:spcPts val="0"/>
+                        </a:spcAft>
+                      </a:pPr>
+                      <a:r>
+                        <a:rPr lang="en-US" sz="1600">
+                          <a:effectLst/>
+                        </a:rPr>
+                        <a:t>5</a:t>
+                      </a:r>
+                      <a:endParaRPr lang="en-US" sz="2400">
+                        <a:effectLst/>
+                        <a:latin typeface="Times New Roman" panose="02020603050405020304" pitchFamily="18" charset="0"/>
+                        <a:ea typeface="Calibri" panose="020F0502020204030204" pitchFamily="34" charset="0"/>
+                        <a:cs typeface="Times New Roman" panose="02020603050405020304" pitchFamily="18" charset="0"/>
+                      </a:endParaRPr>
+                    </a:p>
+                  </a:txBody>
+                  <a:tcPr marL="68580" marR="68580" marT="0" marB="0" anchor="ctr"/>
+                </a:tc>
+                <a:tc>
+                  <a:txBody>
+                    <a:bodyPr/>
+                    <a:lstStyle/>
+                    <a:p>
+                      <a:pPr marL="0" marR="0" algn="ctr">
+                        <a:lnSpc>
+                          <a:spcPct val="107000"/>
+                        </a:lnSpc>
+                        <a:spcBef>
+                          <a:spcPts val="0"/>
+                        </a:spcBef>
+                        <a:spcAft>
+                          <a:spcPts val="0"/>
+                        </a:spcAft>
+                      </a:pPr>
+                      <a:r>
+                        <a:rPr lang="en-US" sz="1600">
+                          <a:effectLst/>
+                        </a:rPr>
+                        <a:t>45570</a:t>
+                      </a:r>
+                      <a:endParaRPr lang="en-US" sz="2400">
+                        <a:effectLst/>
+                        <a:latin typeface="Times New Roman" panose="02020603050405020304" pitchFamily="18" charset="0"/>
+                        <a:ea typeface="Calibri" panose="020F0502020204030204" pitchFamily="34" charset="0"/>
+                        <a:cs typeface="Times New Roman" panose="02020603050405020304" pitchFamily="18" charset="0"/>
+                      </a:endParaRPr>
+                    </a:p>
+                  </a:txBody>
+                  <a:tcPr marL="68580" marR="68580" marT="0" marB="0" anchor="ctr"/>
+                </a:tc>
+                <a:tc>
+                  <a:txBody>
+                    <a:bodyPr/>
+                    <a:lstStyle/>
+                    <a:p>
+                      <a:pPr marL="0" marR="0" algn="ctr">
+                        <a:lnSpc>
+                          <a:spcPct val="107000"/>
+                        </a:lnSpc>
+                        <a:spcBef>
+                          <a:spcPts val="0"/>
+                        </a:spcBef>
+                        <a:spcAft>
+                          <a:spcPts val="0"/>
+                        </a:spcAft>
+                      </a:pPr>
+                      <a:r>
+                        <a:rPr lang="en-US" sz="1600" dirty="0">
+                          <a:effectLst/>
+                        </a:rPr>
+                        <a:t>55</a:t>
+                      </a:r>
+                      <a:endParaRPr lang="en-US" sz="2400" dirty="0">
+                        <a:effectLst/>
+                        <a:latin typeface="Times New Roman" panose="02020603050405020304" pitchFamily="18" charset="0"/>
+                        <a:ea typeface="Calibri" panose="020F0502020204030204" pitchFamily="34" charset="0"/>
+                        <a:cs typeface="Times New Roman" panose="02020603050405020304" pitchFamily="18" charset="0"/>
+                      </a:endParaRPr>
+                    </a:p>
+                  </a:txBody>
+                  <a:tcPr marL="68580" marR="68580" marT="0" marB="0" anchor="ctr"/>
+                </a:tc>
+                <a:extLst>
+                  <a:ext uri="{0D108BD9-81ED-4DB2-BD59-A6C34878D82A}">
+                    <a16:rowId xmlns:a16="http://schemas.microsoft.com/office/drawing/2014/main" val="900318546"/>
+                  </a:ext>
+                </a:extLst>
+              </a:tr>
+              <a:tr h="502937">
+                <a:tc>
+                  <a:txBody>
+                    <a:bodyPr/>
+                    <a:lstStyle/>
+                    <a:p>
+                      <a:pPr marL="0" marR="0" algn="ctr">
+                        <a:lnSpc>
+                          <a:spcPct val="107000"/>
+                        </a:lnSpc>
+                        <a:spcBef>
+                          <a:spcPts val="0"/>
+                        </a:spcBef>
+                        <a:spcAft>
+                          <a:spcPts val="0"/>
+                        </a:spcAft>
+                      </a:pPr>
+                      <a:r>
+                        <a:rPr lang="en-US" sz="1400" dirty="0">
+                          <a:effectLst/>
+                        </a:rPr>
+                        <a:t>…</a:t>
+                      </a:r>
+                      <a:endParaRPr lang="en-US" sz="1400" dirty="0">
+                        <a:effectLst/>
+                        <a:latin typeface="Times New Roman" panose="02020603050405020304" pitchFamily="18" charset="0"/>
+                        <a:ea typeface="Calibri" panose="020F0502020204030204" pitchFamily="34" charset="0"/>
+                        <a:cs typeface="Times New Roman" panose="02020603050405020304" pitchFamily="18" charset="0"/>
+                      </a:endParaRPr>
+                    </a:p>
+                  </a:txBody>
+                  <a:tcPr marL="68580" marR="68580" marT="0" marB="0" anchor="ctr"/>
+                </a:tc>
+                <a:tc>
+                  <a:txBody>
+                    <a:bodyPr/>
+                    <a:lstStyle/>
+                    <a:p>
+                      <a:pPr marL="0" marR="0" algn="ctr">
+                        <a:lnSpc>
+                          <a:spcPct val="107000"/>
+                        </a:lnSpc>
+                        <a:spcBef>
+                          <a:spcPts val="0"/>
+                        </a:spcBef>
+                        <a:spcAft>
+                          <a:spcPts val="0"/>
+                        </a:spcAft>
+                      </a:pPr>
+                      <a:r>
+                        <a:rPr lang="en-US" sz="1600">
+                          <a:effectLst/>
+                        </a:rPr>
+                        <a:t>…</a:t>
+                      </a:r>
+                      <a:endParaRPr lang="en-US" sz="2400">
+                        <a:effectLst/>
+                        <a:latin typeface="Times New Roman" panose="02020603050405020304" pitchFamily="18" charset="0"/>
+                        <a:ea typeface="Calibri" panose="020F0502020204030204" pitchFamily="34" charset="0"/>
+                        <a:cs typeface="Times New Roman" panose="02020603050405020304" pitchFamily="18" charset="0"/>
+                      </a:endParaRPr>
+                    </a:p>
+                  </a:txBody>
+                  <a:tcPr marL="68580" marR="68580" marT="0" marB="0" anchor="ctr"/>
+                </a:tc>
+                <a:tc>
+                  <a:txBody>
+                    <a:bodyPr/>
+                    <a:lstStyle/>
+                    <a:p>
+                      <a:pPr marL="0" marR="0" algn="ctr">
+                        <a:lnSpc>
+                          <a:spcPct val="107000"/>
+                        </a:lnSpc>
+                        <a:spcBef>
+                          <a:spcPts val="0"/>
+                        </a:spcBef>
+                        <a:spcAft>
+                          <a:spcPts val="0"/>
+                        </a:spcAft>
+                      </a:pPr>
+                      <a:r>
+                        <a:rPr lang="en-US" sz="1600">
+                          <a:effectLst/>
+                        </a:rPr>
+                        <a:t>…</a:t>
+                      </a:r>
+                      <a:endParaRPr lang="en-US" sz="2400">
+                        <a:effectLst/>
+                        <a:latin typeface="Times New Roman" panose="02020603050405020304" pitchFamily="18" charset="0"/>
+                        <a:ea typeface="Calibri" panose="020F0502020204030204" pitchFamily="34" charset="0"/>
+                        <a:cs typeface="Times New Roman" panose="02020603050405020304" pitchFamily="18" charset="0"/>
+                      </a:endParaRPr>
+                    </a:p>
+                  </a:txBody>
+                  <a:tcPr marL="68580" marR="68580" marT="0" marB="0" anchor="ctr"/>
+                </a:tc>
+                <a:tc>
+                  <a:txBody>
+                    <a:bodyPr/>
+                    <a:lstStyle/>
+                    <a:p>
+                      <a:pPr marL="0" marR="0" algn="ctr">
+                        <a:lnSpc>
+                          <a:spcPct val="107000"/>
+                        </a:lnSpc>
+                        <a:spcBef>
+                          <a:spcPts val="0"/>
+                        </a:spcBef>
+                        <a:spcAft>
+                          <a:spcPts val="0"/>
+                        </a:spcAft>
+                      </a:pPr>
+                      <a:r>
+                        <a:rPr lang="en-US" sz="1600" dirty="0">
+                          <a:effectLst/>
+                        </a:rPr>
+                        <a:t>…</a:t>
+                      </a:r>
+                      <a:endParaRPr lang="en-US" sz="2400" dirty="0">
+                        <a:effectLst/>
+                        <a:latin typeface="Times New Roman" panose="02020603050405020304" pitchFamily="18" charset="0"/>
+                        <a:ea typeface="Calibri" panose="020F0502020204030204" pitchFamily="34" charset="0"/>
+                        <a:cs typeface="Times New Roman" panose="02020603050405020304" pitchFamily="18" charset="0"/>
+                      </a:endParaRPr>
+                    </a:p>
+                  </a:txBody>
+                  <a:tcPr marL="68580" marR="68580" marT="0" marB="0" anchor="ctr"/>
+                </a:tc>
+                <a:extLst>
+                  <a:ext uri="{0D108BD9-81ED-4DB2-BD59-A6C34878D82A}">
+                    <a16:rowId xmlns:a16="http://schemas.microsoft.com/office/drawing/2014/main" val="689783555"/>
+                  </a:ext>
+                </a:extLst>
+              </a:tr>
+            </a:tbl>
+          </a:graphicData>
+        </a:graphic>
+      </p:graphicFrame>
+      <p:sp>
+        <p:nvSpPr>
+          <p:cNvPr id="4" name="Date Placeholder 3"/>
+          <p:cNvSpPr>
+            <a:spLocks noGrp="1"/>
+          </p:cNvSpPr>
+          <p:nvPr>
+            <p:ph type="dt" sz="half" idx="10"/>
+          </p:nvPr>
+        </p:nvSpPr>
+        <p:spPr/>
+        <p:txBody>
+          <a:bodyPr/>
+          <a:lstStyle/>
+          <a:p>
+            <a:pPr>
+              <a:defRPr/>
+            </a:pPr>
+            <a:r>
+              <a:rPr lang="en-US"/>
+              <a:t>November 26</a:t>
+            </a:r>
+            <a:endParaRPr lang="en-US" dirty="0"/>
+          </a:p>
+        </p:txBody>
+      </p:sp>
+      <p:sp>
+        <p:nvSpPr>
+          <p:cNvPr id="5" name="Footer Placeholder 4"/>
+          <p:cNvSpPr>
+            <a:spLocks noGrp="1"/>
+          </p:cNvSpPr>
+          <p:nvPr>
+            <p:ph type="ftr" sz="quarter" idx="11"/>
+          </p:nvPr>
+        </p:nvSpPr>
+        <p:spPr/>
+        <p:txBody>
+          <a:bodyPr/>
+          <a:lstStyle/>
+          <a:p>
+            <a:pPr>
+              <a:defRPr/>
+            </a:pPr>
+            <a:r>
+              <a:rPr lang="en-US"/>
+              <a:t>IE 526  Final Project</a:t>
+            </a:r>
+            <a:endParaRPr lang="en-US" dirty="0"/>
+          </a:p>
+        </p:txBody>
+      </p:sp>
+      <p:sp>
+        <p:nvSpPr>
+          <p:cNvPr id="6" name="Slide Number Placeholder 5"/>
+          <p:cNvSpPr>
+            <a:spLocks noGrp="1"/>
+          </p:cNvSpPr>
+          <p:nvPr>
+            <p:ph type="sldNum" sz="quarter" idx="12"/>
+          </p:nvPr>
+        </p:nvSpPr>
+        <p:spPr/>
+        <p:txBody>
+          <a:bodyPr/>
+          <a:lstStyle/>
+          <a:p>
+            <a:pPr>
+              <a:defRPr/>
+            </a:pPr>
+            <a:fld id="{61875079-2EDC-4E24-99D6-3E823A45791C}" type="slidenum">
+              <a:rPr lang="en-US" smtClean="0"/>
+              <a:pPr>
+                <a:defRPr/>
+              </a:pPr>
+              <a:t>11</a:t>
+            </a:fld>
+            <a:endParaRPr lang="en-US" dirty="0"/>
+          </a:p>
+        </p:txBody>
+      </p:sp>
+    </p:spTree>
+    <p:extLst>
+      <p:ext uri="{BB962C8B-B14F-4D97-AF65-F5344CB8AC3E}">
+        <p14:creationId xmlns:p14="http://schemas.microsoft.com/office/powerpoint/2010/main" val="2400429615"/>
+      </p:ext>
+    </p:extLst>
+  </p:cSld>
+  <p:clrMapOvr>
+    <a:masterClrMapping/>
+  </p:clrMapOvr>
+</p:sld>
+</file>
+
+<file path=ppt/slides/slide12.xml><?xml version="1.0" encoding="utf-8"?>
 <p:sld xmlns:a="http://schemas.openxmlformats.org/drawingml/2006/main" xmlns:r="http://schemas.openxmlformats.org/officeDocument/2006/relationships" xmlns:p="http://schemas.openxmlformats.org/presentationml/2006/main">
   <p:cSld>
     <p:spTree>
@@ -5234,7 +8305,7 @@
               <a:pPr>
                 <a:defRPr/>
               </a:pPr>
-              <a:t>11</a:t>
+              <a:t>12</a:t>
             </a:fld>
             <a:endParaRPr lang="en-US" dirty="0"/>
           </a:p>
@@ -5253,7 +8324,7 @@
 </p:sld>
 </file>
 
-<file path=ppt/slides/slide12.xml><?xml version="1.0" encoding="utf-8"?>
+<file path=ppt/slides/slide13.xml><?xml version="1.0" encoding="utf-8"?>
 <p:sld xmlns:a="http://schemas.openxmlformats.org/drawingml/2006/main" xmlns:r="http://schemas.openxmlformats.org/officeDocument/2006/relationships" xmlns:p="http://schemas.openxmlformats.org/presentationml/2006/main">
   <p:cSld>
     <p:spTree>
@@ -5548,7 +8619,7 @@
               <a:pPr>
                 <a:defRPr/>
               </a:pPr>
-              <a:t>12</a:t>
+              <a:t>13</a:t>
             </a:fld>
             <a:endParaRPr lang="en-US" dirty="0"/>
           </a:p>
@@ -5558,215 +8629,6 @@
     <p:extLst>
       <p:ext uri="{BB962C8B-B14F-4D97-AF65-F5344CB8AC3E}">
         <p14:creationId xmlns:p14="http://schemas.microsoft.com/office/powerpoint/2010/main" val="2539412344"/>
-      </p:ext>
-    </p:extLst>
-  </p:cSld>
-  <p:clrMapOvr>
-    <a:masterClrMapping/>
-  </p:clrMapOvr>
-</p:sld>
-</file>
-
-<file path=ppt/slides/slide13.xml><?xml version="1.0" encoding="utf-8"?>
-<p:sld xmlns:a="http://schemas.openxmlformats.org/drawingml/2006/main" xmlns:r="http://schemas.openxmlformats.org/officeDocument/2006/relationships" xmlns:p="http://schemas.openxmlformats.org/presentationml/2006/main">
-  <p:cSld>
-    <p:spTree>
-      <p:nvGrpSpPr>
-        <p:cNvPr id="1" name=""/>
-        <p:cNvGrpSpPr/>
-        <p:nvPr/>
-      </p:nvGrpSpPr>
-      <p:grpSpPr>
-        <a:xfrm>
-          <a:off x="0" y="0"/>
-          <a:ext cx="0" cy="0"/>
-          <a:chOff x="0" y="0"/>
-          <a:chExt cx="0" cy="0"/>
-        </a:xfrm>
-      </p:grpSpPr>
-      <p:sp>
-        <p:nvSpPr>
-          <p:cNvPr id="2" name="Title 1">
-            <a:extLst>
-              <a:ext uri="{FF2B5EF4-FFF2-40B4-BE49-F238E27FC236}">
-                <a16:creationId xmlns:a16="http://schemas.microsoft.com/office/drawing/2014/main" id="{4A5E5E59-97A2-DF46-81C2-9218F68DB55F}"/>
-              </a:ext>
-            </a:extLst>
-          </p:cNvPr>
-          <p:cNvSpPr>
-            <a:spLocks noGrp="1"/>
-          </p:cNvSpPr>
-          <p:nvPr>
-            <p:ph type="title"/>
-          </p:nvPr>
-        </p:nvSpPr>
-        <p:spPr/>
-        <p:txBody>
-          <a:bodyPr/>
-          <a:lstStyle/>
-          <a:p>
-            <a:r>
-              <a:rPr lang="en-US" dirty="0">
-                <a:latin typeface="Times New Roman" panose="02020603050405020304" pitchFamily="18" charset="0"/>
-                <a:cs typeface="Times New Roman" panose="02020603050405020304" pitchFamily="18" charset="0"/>
-              </a:rPr>
-              <a:t>To simplify</a:t>
-            </a:r>
-          </a:p>
-        </p:txBody>
-      </p:sp>
-      <p:sp>
-        <p:nvSpPr>
-          <p:cNvPr id="3" name="Content Placeholder 2">
-            <a:extLst>
-              <a:ext uri="{FF2B5EF4-FFF2-40B4-BE49-F238E27FC236}">
-                <a16:creationId xmlns:a16="http://schemas.microsoft.com/office/drawing/2014/main" id="{754B84DA-7354-C64C-A35D-D4C3C76A71FC}"/>
-              </a:ext>
-            </a:extLst>
-          </p:cNvPr>
-          <p:cNvSpPr>
-            <a:spLocks noGrp="1"/>
-          </p:cNvSpPr>
-          <p:nvPr>
-            <p:ph idx="1"/>
-          </p:nvPr>
-        </p:nvSpPr>
-        <p:spPr/>
-        <p:txBody>
-          <a:bodyPr/>
-          <a:lstStyle/>
-          <a:p>
-            <a:r>
-              <a:rPr lang="en-US" dirty="0">
-                <a:latin typeface="Times New Roman" panose="02020603050405020304" pitchFamily="18" charset="0"/>
-                <a:cs typeface="Times New Roman" panose="02020603050405020304" pitchFamily="18" charset="0"/>
-              </a:rPr>
-              <a:t>Sampling data;</a:t>
-            </a:r>
-          </a:p>
-          <a:p>
-            <a:pPr marL="0" indent="0">
-              <a:buNone/>
-            </a:pPr>
-            <a:endParaRPr lang="en-US" dirty="0">
-              <a:latin typeface="Times New Roman" panose="02020603050405020304" pitchFamily="18" charset="0"/>
-              <a:cs typeface="Times New Roman" panose="02020603050405020304" pitchFamily="18" charset="0"/>
-            </a:endParaRPr>
-          </a:p>
-          <a:p>
-            <a:r>
-              <a:rPr lang="en-US" dirty="0">
-                <a:latin typeface="Times New Roman" panose="02020603050405020304" pitchFamily="18" charset="0"/>
-                <a:cs typeface="Times New Roman" panose="02020603050405020304" pitchFamily="18" charset="0"/>
-              </a:rPr>
-              <a:t>Using another solver.</a:t>
-            </a:r>
-          </a:p>
-        </p:txBody>
-      </p:sp>
-      <p:sp>
-        <p:nvSpPr>
-          <p:cNvPr id="4" name="Date Placeholder 3">
-            <a:extLst>
-              <a:ext uri="{FF2B5EF4-FFF2-40B4-BE49-F238E27FC236}">
-                <a16:creationId xmlns:a16="http://schemas.microsoft.com/office/drawing/2014/main" id="{5FAF45AD-7D73-774D-9B34-BD8287C28122}"/>
-              </a:ext>
-            </a:extLst>
-          </p:cNvPr>
-          <p:cNvSpPr>
-            <a:spLocks noGrp="1"/>
-          </p:cNvSpPr>
-          <p:nvPr>
-            <p:ph type="dt" sz="half" idx="10"/>
-          </p:nvPr>
-        </p:nvSpPr>
-        <p:spPr/>
-        <p:txBody>
-          <a:bodyPr/>
-          <a:lstStyle/>
-          <a:p>
-            <a:pPr>
-              <a:defRPr/>
-            </a:pPr>
-            <a:r>
-              <a:rPr lang="en-US"/>
-              <a:t>November 26</a:t>
-            </a:r>
-            <a:endParaRPr lang="en-US" dirty="0"/>
-          </a:p>
-        </p:txBody>
-      </p:sp>
-      <p:sp>
-        <p:nvSpPr>
-          <p:cNvPr id="5" name="Footer Placeholder 4">
-            <a:extLst>
-              <a:ext uri="{FF2B5EF4-FFF2-40B4-BE49-F238E27FC236}">
-                <a16:creationId xmlns:a16="http://schemas.microsoft.com/office/drawing/2014/main" id="{BF386D38-0542-804F-9683-7E7D0C2364C2}"/>
-              </a:ext>
-            </a:extLst>
-          </p:cNvPr>
-          <p:cNvSpPr>
-            <a:spLocks noGrp="1"/>
-          </p:cNvSpPr>
-          <p:nvPr>
-            <p:ph type="ftr" sz="quarter" idx="11"/>
-          </p:nvPr>
-        </p:nvSpPr>
-        <p:spPr/>
-        <p:txBody>
-          <a:bodyPr/>
-          <a:lstStyle/>
-          <a:p>
-            <a:pPr>
-              <a:defRPr/>
-            </a:pPr>
-            <a:r>
-              <a:rPr lang="en-US"/>
-              <a:t>IE 526  Final Project</a:t>
-            </a:r>
-            <a:endParaRPr lang="en-US" dirty="0"/>
-          </a:p>
-        </p:txBody>
-      </p:sp>
-      <p:sp>
-        <p:nvSpPr>
-          <p:cNvPr id="6" name="Slide Number Placeholder 5">
-            <a:extLst>
-              <a:ext uri="{FF2B5EF4-FFF2-40B4-BE49-F238E27FC236}">
-                <a16:creationId xmlns:a16="http://schemas.microsoft.com/office/drawing/2014/main" id="{118A9A0E-246F-6548-9F42-A368463B69BD}"/>
-              </a:ext>
-            </a:extLst>
-          </p:cNvPr>
-          <p:cNvSpPr>
-            <a:spLocks noGrp="1"/>
-          </p:cNvSpPr>
-          <p:nvPr>
-            <p:ph type="sldNum" sz="quarter" idx="12"/>
-          </p:nvPr>
-        </p:nvSpPr>
-        <p:spPr/>
-        <p:txBody>
-          <a:bodyPr/>
-          <a:lstStyle/>
-          <a:p>
-            <a:pPr>
-              <a:defRPr/>
-            </a:pPr>
-            <a:fld id="{61875079-2EDC-4E24-99D6-3E823A45791C}" type="slidenum">
-              <a:rPr lang="en-US" smtClean="0"/>
-              <a:pPr>
-                <a:defRPr/>
-              </a:pPr>
-              <a:t>13</a:t>
-            </a:fld>
-            <a:endParaRPr lang="en-US" dirty="0"/>
-          </a:p>
-        </p:txBody>
-      </p:sp>
-    </p:spTree>
-    <p:extLst>
-      <p:ext uri="{BB962C8B-B14F-4D97-AF65-F5344CB8AC3E}">
-        <p14:creationId xmlns:p14="http://schemas.microsoft.com/office/powerpoint/2010/main" val="3180878793"/>
       </p:ext>
     </p:extLst>
   </p:cSld>
@@ -5798,7 +8660,7 @@
           <p:cNvPr id="2" name="Title 1">
             <a:extLst>
               <a:ext uri="{FF2B5EF4-FFF2-40B4-BE49-F238E27FC236}">
-                <a16:creationId xmlns:a16="http://schemas.microsoft.com/office/drawing/2014/main" id="{9210993B-D132-A247-9568-0821E0E3149C}"/>
+                <a16:creationId xmlns:a16="http://schemas.microsoft.com/office/drawing/2014/main" id="{4A5E5E59-97A2-DF46-81C2-9218F68DB55F}"/>
               </a:ext>
             </a:extLst>
           </p:cNvPr>
@@ -5819,7 +8681,7 @@
                 <a:latin typeface="Times New Roman" panose="02020603050405020304" pitchFamily="18" charset="0"/>
                 <a:cs typeface="Times New Roman" panose="02020603050405020304" pitchFamily="18" charset="0"/>
               </a:rPr>
-              <a:t>Sampling</a:t>
+              <a:t>To simplify</a:t>
             </a:r>
           </a:p>
         </p:txBody>
@@ -5829,7 +8691,7 @@
           <p:cNvPr id="3" name="Content Placeholder 2">
             <a:extLst>
               <a:ext uri="{FF2B5EF4-FFF2-40B4-BE49-F238E27FC236}">
-                <a16:creationId xmlns:a16="http://schemas.microsoft.com/office/drawing/2014/main" id="{F451DD55-1506-0642-86B7-20B770370ACD}"/>
+                <a16:creationId xmlns:a16="http://schemas.microsoft.com/office/drawing/2014/main" id="{754B84DA-7354-C64C-A35D-D4C3C76A71FC}"/>
               </a:ext>
             </a:extLst>
           </p:cNvPr>
@@ -5850,43 +8712,8 @@
                 <a:latin typeface="Times New Roman" panose="02020603050405020304" pitchFamily="18" charset="0"/>
                 <a:cs typeface="Times New Roman" panose="02020603050405020304" pitchFamily="18" charset="0"/>
               </a:rPr>
-              <a:t>R (version 3.5.1);</a:t>
-            </a:r>
-          </a:p>
-          <a:p>
-            <a:r>
-              <a:rPr lang="en-US" dirty="0">
-                <a:latin typeface="Times New Roman" panose="02020603050405020304" pitchFamily="18" charset="0"/>
-                <a:cs typeface="Times New Roman" panose="02020603050405020304" pitchFamily="18" charset="0"/>
-              </a:rPr>
-              <a:t>Taking 50 customer locations:</a:t>
-            </a:r>
-          </a:p>
-          <a:p>
-            <a:pPr marL="0" indent="0">
-              <a:buNone/>
-            </a:pPr>
-            <a:r>
-              <a:rPr lang="en-US" dirty="0">
-                <a:latin typeface="Times New Roman" panose="02020603050405020304" pitchFamily="18" charset="0"/>
-                <a:cs typeface="Times New Roman" panose="02020603050405020304" pitchFamily="18" charset="0"/>
-              </a:rPr>
-              <a:t>	 with corresponding “distance”, “travel time”, etc.</a:t>
-            </a:r>
-          </a:p>
-          <a:p>
-            <a:r>
-              <a:rPr lang="en-US" dirty="0">
-                <a:latin typeface="Times New Roman" panose="02020603050405020304" pitchFamily="18" charset="0"/>
-                <a:cs typeface="Times New Roman" panose="02020603050405020304" pitchFamily="18" charset="0"/>
-                <a:hlinkClick r:id="rId2"/>
-              </a:rPr>
-              <a:t>R Code</a:t>
-            </a:r>
-            <a:endParaRPr lang="en-US" dirty="0">
-              <a:latin typeface="Times New Roman" panose="02020603050405020304" pitchFamily="18" charset="0"/>
-              <a:cs typeface="Times New Roman" panose="02020603050405020304" pitchFamily="18" charset="0"/>
-            </a:endParaRPr>
+              <a:t>Sampling data;</a:t>
+            </a:r>
           </a:p>
           <a:p>
             <a:pPr marL="0" indent="0">
@@ -5897,6 +8724,15 @@
               <a:cs typeface="Times New Roman" panose="02020603050405020304" pitchFamily="18" charset="0"/>
             </a:endParaRPr>
           </a:p>
+          <a:p>
+            <a:r>
+              <a:rPr lang="en-US" dirty="0">
+                <a:latin typeface="Times New Roman" panose="02020603050405020304" pitchFamily="18" charset="0"/>
+                <a:cs typeface="Times New Roman" panose="02020603050405020304" pitchFamily="18" charset="0"/>
+              </a:rPr>
+              <a:t>Using another solver.</a:t>
+            </a:r>
+          </a:p>
         </p:txBody>
       </p:sp>
       <p:sp>
@@ -5904,7 +8740,7 @@
           <p:cNvPr id="4" name="Date Placeholder 3">
             <a:extLst>
               <a:ext uri="{FF2B5EF4-FFF2-40B4-BE49-F238E27FC236}">
-                <a16:creationId xmlns:a16="http://schemas.microsoft.com/office/drawing/2014/main" id="{E7056494-5E49-2844-B843-4346ED1789E4}"/>
+                <a16:creationId xmlns:a16="http://schemas.microsoft.com/office/drawing/2014/main" id="{5FAF45AD-7D73-774D-9B34-BD8287C28122}"/>
               </a:ext>
             </a:extLst>
           </p:cNvPr>
@@ -5936,7 +8772,7 @@
           <p:cNvPr id="5" name="Footer Placeholder 4">
             <a:extLst>
               <a:ext uri="{FF2B5EF4-FFF2-40B4-BE49-F238E27FC236}">
-                <a16:creationId xmlns:a16="http://schemas.microsoft.com/office/drawing/2014/main" id="{2CDFFD5C-A7C0-FE4B-9E0A-9A3927D6573E}"/>
+                <a16:creationId xmlns:a16="http://schemas.microsoft.com/office/drawing/2014/main" id="{BF386D38-0542-804F-9683-7E7D0C2364C2}"/>
               </a:ext>
             </a:extLst>
           </p:cNvPr>
@@ -5968,7 +8804,7 @@
           <p:cNvPr id="6" name="Slide Number Placeholder 5">
             <a:extLst>
               <a:ext uri="{FF2B5EF4-FFF2-40B4-BE49-F238E27FC236}">
-                <a16:creationId xmlns:a16="http://schemas.microsoft.com/office/drawing/2014/main" id="{B675B3DE-F8C9-9643-B753-FDEC26C54FA4}"/>
+                <a16:creationId xmlns:a16="http://schemas.microsoft.com/office/drawing/2014/main" id="{118A9A0E-246F-6548-9F42-A368463B69BD}"/>
               </a:ext>
             </a:extLst>
           </p:cNvPr>
@@ -6001,7 +8837,7 @@
     </p:spTree>
     <p:extLst>
       <p:ext uri="{BB962C8B-B14F-4D97-AF65-F5344CB8AC3E}">
-        <p14:creationId xmlns:p14="http://schemas.microsoft.com/office/powerpoint/2010/main" val="581022003"/>
+        <p14:creationId xmlns:p14="http://schemas.microsoft.com/office/powerpoint/2010/main" val="3180878793"/>
       </p:ext>
     </p:extLst>
   </p:cSld>
@@ -6033,7 +8869,7 @@
           <p:cNvPr id="2" name="Title 1">
             <a:extLst>
               <a:ext uri="{FF2B5EF4-FFF2-40B4-BE49-F238E27FC236}">
-                <a16:creationId xmlns:a16="http://schemas.microsoft.com/office/drawing/2014/main" id="{95D0FC01-3C95-CE4B-8A89-EC9257461163}"/>
+                <a16:creationId xmlns:a16="http://schemas.microsoft.com/office/drawing/2014/main" id="{9210993B-D132-A247-9568-0821E0E3149C}"/>
               </a:ext>
             </a:extLst>
           </p:cNvPr>
@@ -6054,7 +8890,7 @@
                 <a:latin typeface="Times New Roman" panose="02020603050405020304" pitchFamily="18" charset="0"/>
                 <a:cs typeface="Times New Roman" panose="02020603050405020304" pitchFamily="18" charset="0"/>
               </a:rPr>
-              <a:t>Solving</a:t>
+              <a:t>Sampling</a:t>
             </a:r>
           </a:p>
         </p:txBody>
@@ -6064,7 +8900,7 @@
           <p:cNvPr id="3" name="Content Placeholder 2">
             <a:extLst>
               <a:ext uri="{FF2B5EF4-FFF2-40B4-BE49-F238E27FC236}">
-                <a16:creationId xmlns:a16="http://schemas.microsoft.com/office/drawing/2014/main" id="{BA55EA25-08F2-654C-87C4-BEAFFA8A245F}"/>
+                <a16:creationId xmlns:a16="http://schemas.microsoft.com/office/drawing/2014/main" id="{F451DD55-1506-0642-86B7-20B770370ACD}"/>
               </a:ext>
             </a:extLst>
           </p:cNvPr>
@@ -6080,88 +8916,58 @@
           <a:bodyPr/>
           <a:lstStyle/>
           <a:p>
-            <a:r>
-              <a:rPr lang="en-US" dirty="0" err="1">
-                <a:latin typeface="Times New Roman" panose="02020603050405020304" pitchFamily="18" charset="0"/>
-                <a:cs typeface="Times New Roman" panose="02020603050405020304" pitchFamily="18" charset="0"/>
-              </a:rPr>
-              <a:t>Cplex</a:t>
-            </a:r>
             <a:r>
               <a:rPr lang="en-US" dirty="0">
                 <a:latin typeface="Times New Roman" panose="02020603050405020304" pitchFamily="18" charset="0"/>
                 <a:cs typeface="Times New Roman" panose="02020603050405020304" pitchFamily="18" charset="0"/>
               </a:rPr>
-              <a:t> (version 12.8)</a:t>
-            </a:r>
-          </a:p>
-          <a:p>
-            <a:pPr marL="0" indent="0">
-              <a:buNone/>
-            </a:pPr>
+              <a:t>R (version 3.5.1);</a:t>
+            </a:r>
+          </a:p>
+          <a:p>
             <a:r>
               <a:rPr lang="en-US" dirty="0">
                 <a:latin typeface="Times New Roman" panose="02020603050405020304" pitchFamily="18" charset="0"/>
                 <a:cs typeface="Times New Roman" panose="02020603050405020304" pitchFamily="18" charset="0"/>
               </a:rPr>
-              <a:t>	with Python (version 3.6.5) API;</a:t>
-            </a:r>
-          </a:p>
-          <a:p>
-            <a:endParaRPr lang="en-US" dirty="0">
-              <a:latin typeface="Times New Roman" panose="02020603050405020304" pitchFamily="18" charset="0"/>
-              <a:cs typeface="Times New Roman" panose="02020603050405020304" pitchFamily="18" charset="0"/>
-            </a:endParaRPr>
-          </a:p>
-          <a:p>
+              <a:t>Taking 50 customer locations:</a:t>
+            </a:r>
+          </a:p>
+          <a:p>
+            <a:pPr marL="0" indent="0">
+              <a:buNone/>
+            </a:pPr>
             <a:r>
               <a:rPr lang="en-US" dirty="0">
                 <a:latin typeface="Times New Roman" panose="02020603050405020304" pitchFamily="18" charset="0"/>
                 <a:cs typeface="Times New Roman" panose="02020603050405020304" pitchFamily="18" charset="0"/>
               </a:rPr>
-              <a:t>Python Code:</a:t>
-            </a:r>
-          </a:p>
-          <a:p>
-            <a:pPr lvl="1"/>
+              <a:t>	 with corresponding “distance”, “travel time”, etc.</a:t>
+            </a:r>
+          </a:p>
+          <a:p>
             <a:r>
               <a:rPr lang="en-US" dirty="0">
                 <a:latin typeface="Times New Roman" panose="02020603050405020304" pitchFamily="18" charset="0"/>
                 <a:cs typeface="Times New Roman" panose="02020603050405020304" pitchFamily="18" charset="0"/>
                 <a:hlinkClick r:id="rId2"/>
               </a:rPr>
-              <a:t>Main</a:t>
-            </a:r>
-            <a:r>
-              <a:rPr lang="en-US" dirty="0">
-                <a:latin typeface="Times New Roman" panose="02020603050405020304" pitchFamily="18" charset="0"/>
-                <a:cs typeface="Times New Roman" panose="02020603050405020304" pitchFamily="18" charset="0"/>
-              </a:rPr>
-              <a:t>;</a:t>
-            </a:r>
-          </a:p>
-          <a:p>
-            <a:pPr lvl="1"/>
-            <a:r>
-              <a:rPr lang="en-US">
-                <a:latin typeface="Times New Roman" panose="02020603050405020304" pitchFamily="18" charset="0"/>
-                <a:cs typeface="Times New Roman" panose="02020603050405020304" pitchFamily="18" charset="0"/>
-                <a:hlinkClick r:id="rId3"/>
-              </a:rPr>
-              <a:t>Model</a:t>
-            </a:r>
-            <a:r>
-              <a:rPr lang="en-US">
-                <a:latin typeface="Times New Roman" panose="02020603050405020304" pitchFamily="18" charset="0"/>
-                <a:cs typeface="Times New Roman" panose="02020603050405020304" pitchFamily="18" charset="0"/>
-              </a:rPr>
-              <a:t>.</a:t>
+              <a:t>R Code</a:t>
             </a:r>
             <a:endParaRPr lang="en-US" dirty="0">
               <a:latin typeface="Times New Roman" panose="02020603050405020304" pitchFamily="18" charset="0"/>
               <a:cs typeface="Times New Roman" panose="02020603050405020304" pitchFamily="18" charset="0"/>
             </a:endParaRPr>
           </a:p>
+          <a:p>
+            <a:pPr marL="0" indent="0">
+              <a:buNone/>
+            </a:pPr>
+            <a:endParaRPr lang="en-US" dirty="0">
+              <a:latin typeface="Times New Roman" panose="02020603050405020304" pitchFamily="18" charset="0"/>
+              <a:cs typeface="Times New Roman" panose="02020603050405020304" pitchFamily="18" charset="0"/>
+            </a:endParaRPr>
+          </a:p>
         </p:txBody>
       </p:sp>
       <p:sp>
@@ -6169,7 +8975,7 @@
           <p:cNvPr id="4" name="Date Placeholder 3">
             <a:extLst>
               <a:ext uri="{FF2B5EF4-FFF2-40B4-BE49-F238E27FC236}">
-                <a16:creationId xmlns:a16="http://schemas.microsoft.com/office/drawing/2014/main" id="{79F69208-592E-754D-A34C-A0D7FF146A1C}"/>
+                <a16:creationId xmlns:a16="http://schemas.microsoft.com/office/drawing/2014/main" id="{E7056494-5E49-2844-B843-4346ED1789E4}"/>
               </a:ext>
             </a:extLst>
           </p:cNvPr>
@@ -6201,7 +9007,7 @@
           <p:cNvPr id="5" name="Footer Placeholder 4">
             <a:extLst>
               <a:ext uri="{FF2B5EF4-FFF2-40B4-BE49-F238E27FC236}">
-                <a16:creationId xmlns:a16="http://schemas.microsoft.com/office/drawing/2014/main" id="{ED72E35C-D905-1142-88DD-7CC6D9992FB7}"/>
+                <a16:creationId xmlns:a16="http://schemas.microsoft.com/office/drawing/2014/main" id="{2CDFFD5C-A7C0-FE4B-9E0A-9A3927D6573E}"/>
               </a:ext>
             </a:extLst>
           </p:cNvPr>
@@ -6233,7 +9039,7 @@
           <p:cNvPr id="6" name="Slide Number Placeholder 5">
             <a:extLst>
               <a:ext uri="{FF2B5EF4-FFF2-40B4-BE49-F238E27FC236}">
-                <a16:creationId xmlns:a16="http://schemas.microsoft.com/office/drawing/2014/main" id="{F8705F87-5334-6B43-8C5F-14BFABB67FD7}"/>
+                <a16:creationId xmlns:a16="http://schemas.microsoft.com/office/drawing/2014/main" id="{B675B3DE-F8C9-9643-B753-FDEC26C54FA4}"/>
               </a:ext>
             </a:extLst>
           </p:cNvPr>
@@ -6266,7 +9072,7 @@
     </p:spTree>
     <p:extLst>
       <p:ext uri="{BB962C8B-B14F-4D97-AF65-F5344CB8AC3E}">
-        <p14:creationId xmlns:p14="http://schemas.microsoft.com/office/powerpoint/2010/main" val="3267548130"/>
+        <p14:creationId xmlns:p14="http://schemas.microsoft.com/office/powerpoint/2010/main" val="581022003"/>
       </p:ext>
     </p:extLst>
   </p:cSld>
@@ -6298,7 +9104,7 @@
           <p:cNvPr id="2" name="Title 1">
             <a:extLst>
               <a:ext uri="{FF2B5EF4-FFF2-40B4-BE49-F238E27FC236}">
-                <a16:creationId xmlns:a16="http://schemas.microsoft.com/office/drawing/2014/main" id="{A74CC8C8-3058-924B-9EE7-C8AF0A624042}"/>
+                <a16:creationId xmlns:a16="http://schemas.microsoft.com/office/drawing/2014/main" id="{95D0FC01-3C95-CE4B-8A89-EC9257461163}"/>
               </a:ext>
             </a:extLst>
           </p:cNvPr>
@@ -6319,7 +9125,7 @@
                 <a:latin typeface="Times New Roman" panose="02020603050405020304" pitchFamily="18" charset="0"/>
                 <a:cs typeface="Times New Roman" panose="02020603050405020304" pitchFamily="18" charset="0"/>
               </a:rPr>
-              <a:t>Solutions</a:t>
+              <a:t>Solving</a:t>
             </a:r>
           </a:p>
         </p:txBody>
@@ -6329,7 +9135,7 @@
           <p:cNvPr id="3" name="Content Placeholder 2">
             <a:extLst>
               <a:ext uri="{FF2B5EF4-FFF2-40B4-BE49-F238E27FC236}">
-                <a16:creationId xmlns:a16="http://schemas.microsoft.com/office/drawing/2014/main" id="{AADD8674-9E7F-1949-A7D9-8CA3EF244B79}"/>
+                <a16:creationId xmlns:a16="http://schemas.microsoft.com/office/drawing/2014/main" id="{BA55EA25-08F2-654C-87C4-BEAFFA8A245F}"/>
               </a:ext>
             </a:extLst>
           </p:cNvPr>
@@ -6345,13 +9151,82 @@
           <a:bodyPr/>
           <a:lstStyle/>
           <a:p>
+            <a:r>
+              <a:rPr lang="en-US" dirty="0" err="1">
+                <a:latin typeface="Times New Roman" panose="02020603050405020304" pitchFamily="18" charset="0"/>
+                <a:cs typeface="Times New Roman" panose="02020603050405020304" pitchFamily="18" charset="0"/>
+              </a:rPr>
+              <a:t>Cplex</a:t>
+            </a:r>
+            <a:r>
+              <a:rPr lang="en-US" dirty="0">
+                <a:latin typeface="Times New Roman" panose="02020603050405020304" pitchFamily="18" charset="0"/>
+                <a:cs typeface="Times New Roman" panose="02020603050405020304" pitchFamily="18" charset="0"/>
+              </a:rPr>
+              <a:t> (version 12.8)</a:t>
+            </a:r>
+          </a:p>
+          <a:p>
+            <a:pPr marL="0" indent="0">
+              <a:buNone/>
+            </a:pPr>
+            <a:r>
+              <a:rPr lang="en-US" dirty="0">
+                <a:latin typeface="Times New Roman" panose="02020603050405020304" pitchFamily="18" charset="0"/>
+                <a:cs typeface="Times New Roman" panose="02020603050405020304" pitchFamily="18" charset="0"/>
+              </a:rPr>
+              <a:t>	with Python (version 3.6.5) API;</a:t>
+            </a:r>
+          </a:p>
+          <a:p>
+            <a:endParaRPr lang="en-US" dirty="0">
+              <a:latin typeface="Times New Roman" panose="02020603050405020304" pitchFamily="18" charset="0"/>
+              <a:cs typeface="Times New Roman" panose="02020603050405020304" pitchFamily="18" charset="0"/>
+            </a:endParaRPr>
+          </a:p>
+          <a:p>
+            <a:r>
+              <a:rPr lang="en-US" dirty="0">
+                <a:latin typeface="Times New Roman" panose="02020603050405020304" pitchFamily="18" charset="0"/>
+                <a:cs typeface="Times New Roman" panose="02020603050405020304" pitchFamily="18" charset="0"/>
+              </a:rPr>
+              <a:t>Python Code:</a:t>
+            </a:r>
+          </a:p>
+          <a:p>
+            <a:pPr lvl="1"/>
             <a:r>
               <a:rPr lang="en-US" dirty="0">
                 <a:latin typeface="Times New Roman" panose="02020603050405020304" pitchFamily="18" charset="0"/>
                 <a:cs typeface="Times New Roman" panose="02020603050405020304" pitchFamily="18" charset="0"/>
                 <a:hlinkClick r:id="rId2"/>
               </a:rPr>
-              <a:t>Solution File</a:t>
+              <a:t>Main</a:t>
+            </a:r>
+            <a:r>
+              <a:rPr lang="en-US" dirty="0">
+                <a:latin typeface="Times New Roman" panose="02020603050405020304" pitchFamily="18" charset="0"/>
+                <a:cs typeface="Times New Roman" panose="02020603050405020304" pitchFamily="18" charset="0"/>
+              </a:rPr>
+              <a:t>;</a:t>
+            </a:r>
+          </a:p>
+          <a:p>
+            <a:pPr lvl="1"/>
+            <a:r>
+              <a:rPr lang="en-US">
+                <a:latin typeface="Times New Roman" panose="02020603050405020304" pitchFamily="18" charset="0"/>
+                <a:cs typeface="Times New Roman" panose="02020603050405020304" pitchFamily="18" charset="0"/>
+                <a:hlinkClick r:id="rId3"/>
+              </a:rPr>
+              <a:t>Model</a:t>
+            </a:r>
+            <a:r>
+              <a:rPr lang="en-US">
+                <a:latin typeface="Times New Roman" panose="02020603050405020304" pitchFamily="18" charset="0"/>
+                <a:cs typeface="Times New Roman" panose="02020603050405020304" pitchFamily="18" charset="0"/>
+              </a:rPr>
+              <a:t>.</a:t>
             </a:r>
             <a:endParaRPr lang="en-US" dirty="0">
               <a:latin typeface="Times New Roman" panose="02020603050405020304" pitchFamily="18" charset="0"/>
@@ -6365,7 +9240,7 @@
           <p:cNvPr id="4" name="Date Placeholder 3">
             <a:extLst>
               <a:ext uri="{FF2B5EF4-FFF2-40B4-BE49-F238E27FC236}">
-                <a16:creationId xmlns:a16="http://schemas.microsoft.com/office/drawing/2014/main" id="{3183625A-DEBC-7749-ACB7-B69A1D92DB27}"/>
+                <a16:creationId xmlns:a16="http://schemas.microsoft.com/office/drawing/2014/main" id="{79F69208-592E-754D-A34C-A0D7FF146A1C}"/>
               </a:ext>
             </a:extLst>
           </p:cNvPr>
@@ -6397,7 +9272,7 @@
           <p:cNvPr id="5" name="Footer Placeholder 4">
             <a:extLst>
               <a:ext uri="{FF2B5EF4-FFF2-40B4-BE49-F238E27FC236}">
-                <a16:creationId xmlns:a16="http://schemas.microsoft.com/office/drawing/2014/main" id="{6E9198A2-45FC-AF4C-9C41-CE1BD8D0CF0F}"/>
+                <a16:creationId xmlns:a16="http://schemas.microsoft.com/office/drawing/2014/main" id="{ED72E35C-D905-1142-88DD-7CC6D9992FB7}"/>
               </a:ext>
             </a:extLst>
           </p:cNvPr>
@@ -6429,7 +9304,7 @@
           <p:cNvPr id="6" name="Slide Number Placeholder 5">
             <a:extLst>
               <a:ext uri="{FF2B5EF4-FFF2-40B4-BE49-F238E27FC236}">
-                <a16:creationId xmlns:a16="http://schemas.microsoft.com/office/drawing/2014/main" id="{E8C01078-00EE-2140-AEA6-9A09CDF65EE2}"/>
+                <a16:creationId xmlns:a16="http://schemas.microsoft.com/office/drawing/2014/main" id="{F8705F87-5334-6B43-8C5F-14BFABB67FD7}"/>
               </a:ext>
             </a:extLst>
           </p:cNvPr>
@@ -6462,7 +9337,7 @@
     </p:spTree>
     <p:extLst>
       <p:ext uri="{BB962C8B-B14F-4D97-AF65-F5344CB8AC3E}">
-        <p14:creationId xmlns:p14="http://schemas.microsoft.com/office/powerpoint/2010/main" val="56359873"/>
+        <p14:creationId xmlns:p14="http://schemas.microsoft.com/office/powerpoint/2010/main" val="3267548130"/>
       </p:ext>
     </p:extLst>
   </p:cSld>
@@ -6494,7 +9369,7 @@
           <p:cNvPr id="2" name="Title 1">
             <a:extLst>
               <a:ext uri="{FF2B5EF4-FFF2-40B4-BE49-F238E27FC236}">
-                <a16:creationId xmlns:a16="http://schemas.microsoft.com/office/drawing/2014/main" id="{BBC6688A-9401-274D-8DB3-E46426D33EBB}"/>
+                <a16:creationId xmlns:a16="http://schemas.microsoft.com/office/drawing/2014/main" id="{A74CC8C8-3058-924B-9EE7-C8AF0A624042}"/>
               </a:ext>
             </a:extLst>
           </p:cNvPr>
@@ -6510,20 +9385,49 @@
           <a:bodyPr/>
           <a:lstStyle/>
           <a:p>
-            <a:r>
-              <a:rPr lang="en-US" dirty="0" err="1">
-                <a:latin typeface="Times New Roman" panose="02020603050405020304" pitchFamily="18" charset="0"/>
-                <a:cs typeface="Times New Roman" panose="02020603050405020304" pitchFamily="18" charset="0"/>
-              </a:rPr>
-              <a:t>Anylogic</a:t>
-            </a:r>
             <a:r>
               <a:rPr lang="en-US" dirty="0">
                 <a:latin typeface="Times New Roman" panose="02020603050405020304" pitchFamily="18" charset="0"/>
                 <a:cs typeface="Times New Roman" panose="02020603050405020304" pitchFamily="18" charset="0"/>
               </a:rPr>
-              <a:t> Model</a:t>
-            </a:r>
+              <a:t>Solutions</a:t>
+            </a:r>
+          </a:p>
+        </p:txBody>
+      </p:sp>
+      <p:sp>
+        <p:nvSpPr>
+          <p:cNvPr id="3" name="Content Placeholder 2">
+            <a:extLst>
+              <a:ext uri="{FF2B5EF4-FFF2-40B4-BE49-F238E27FC236}">
+                <a16:creationId xmlns:a16="http://schemas.microsoft.com/office/drawing/2014/main" id="{AADD8674-9E7F-1949-A7D9-8CA3EF244B79}"/>
+              </a:ext>
+            </a:extLst>
+          </p:cNvPr>
+          <p:cNvSpPr>
+            <a:spLocks noGrp="1"/>
+          </p:cNvSpPr>
+          <p:nvPr>
+            <p:ph idx="1"/>
+          </p:nvPr>
+        </p:nvSpPr>
+        <p:spPr/>
+        <p:txBody>
+          <a:bodyPr/>
+          <a:lstStyle/>
+          <a:p>
+            <a:r>
+              <a:rPr lang="en-US" dirty="0">
+                <a:latin typeface="Times New Roman" panose="02020603050405020304" pitchFamily="18" charset="0"/>
+                <a:cs typeface="Times New Roman" panose="02020603050405020304" pitchFamily="18" charset="0"/>
+                <a:hlinkClick r:id="rId2"/>
+              </a:rPr>
+              <a:t>Solution File</a:t>
+            </a:r>
+            <a:endParaRPr lang="en-US" dirty="0">
+              <a:latin typeface="Times New Roman" panose="02020603050405020304" pitchFamily="18" charset="0"/>
+              <a:cs typeface="Times New Roman" panose="02020603050405020304" pitchFamily="18" charset="0"/>
+            </a:endParaRPr>
           </a:p>
         </p:txBody>
       </p:sp>
@@ -6532,7 +9436,7 @@
           <p:cNvPr id="4" name="Date Placeholder 3">
             <a:extLst>
               <a:ext uri="{FF2B5EF4-FFF2-40B4-BE49-F238E27FC236}">
-                <a16:creationId xmlns:a16="http://schemas.microsoft.com/office/drawing/2014/main" id="{65AE9C51-D29A-A047-A19F-0BAB9B12E9F3}"/>
+                <a16:creationId xmlns:a16="http://schemas.microsoft.com/office/drawing/2014/main" id="{3183625A-DEBC-7749-ACB7-B69A1D92DB27}"/>
               </a:ext>
             </a:extLst>
           </p:cNvPr>
@@ -6552,14 +9456,10 @@
               <a:defRPr/>
             </a:pPr>
             <a:r>
-              <a:rPr lang="en-US">
-                <a:cs typeface="Times New Roman" panose="02020603050405020304" pitchFamily="18" charset="0"/>
-              </a:rPr>
+              <a:rPr lang="en-US"/>
               <a:t>November 26</a:t>
             </a:r>
-            <a:endParaRPr lang="en-US" dirty="0">
-              <a:cs typeface="Times New Roman" panose="02020603050405020304" pitchFamily="18" charset="0"/>
-            </a:endParaRPr>
+            <a:endParaRPr lang="en-US" dirty="0"/>
           </a:p>
         </p:txBody>
       </p:sp>
@@ -6568,7 +9468,7 @@
           <p:cNvPr id="5" name="Footer Placeholder 4">
             <a:extLst>
               <a:ext uri="{FF2B5EF4-FFF2-40B4-BE49-F238E27FC236}">
-                <a16:creationId xmlns:a16="http://schemas.microsoft.com/office/drawing/2014/main" id="{9F991618-3828-3B41-BD69-42998E16B464}"/>
+                <a16:creationId xmlns:a16="http://schemas.microsoft.com/office/drawing/2014/main" id="{6E9198A2-45FC-AF4C-9C41-CE1BD8D0CF0F}"/>
               </a:ext>
             </a:extLst>
           </p:cNvPr>
@@ -6588,14 +9488,10 @@
               <a:defRPr/>
             </a:pPr>
             <a:r>
-              <a:rPr lang="en-US">
-                <a:cs typeface="Times New Roman" panose="02020603050405020304" pitchFamily="18" charset="0"/>
-              </a:rPr>
+              <a:rPr lang="en-US"/>
               <a:t>IE 526  Final Project</a:t>
             </a:r>
-            <a:endParaRPr lang="en-US" dirty="0">
-              <a:cs typeface="Times New Roman" panose="02020603050405020304" pitchFamily="18" charset="0"/>
-            </a:endParaRPr>
+            <a:endParaRPr lang="en-US" dirty="0"/>
           </a:p>
         </p:txBody>
       </p:sp>
@@ -6604,7 +9500,7 @@
           <p:cNvPr id="6" name="Slide Number Placeholder 5">
             <a:extLst>
               <a:ext uri="{FF2B5EF4-FFF2-40B4-BE49-F238E27FC236}">
-                <a16:creationId xmlns:a16="http://schemas.microsoft.com/office/drawing/2014/main" id="{176615A9-FE84-7444-BCCF-CEE3E3D3E7BC}"/>
+                <a16:creationId xmlns:a16="http://schemas.microsoft.com/office/drawing/2014/main" id="{E8C01078-00EE-2140-AEA6-9A09CDF65EE2}"/>
               </a:ext>
             </a:extLst>
           </p:cNvPr>
@@ -6624,166 +9520,20 @@
               <a:defRPr/>
             </a:pPr>
             <a:fld id="{61875079-2EDC-4E24-99D6-3E823A45791C}" type="slidenum">
-              <a:rPr lang="en-US" smtClean="0">
-                <a:cs typeface="Times New Roman" panose="02020603050405020304" pitchFamily="18" charset="0"/>
-              </a:rPr>
+              <a:rPr lang="en-US" smtClean="0"/>
               <a:pPr>
                 <a:defRPr/>
               </a:pPr>
               <a:t>17</a:t>
             </a:fld>
-            <a:endParaRPr lang="en-US" dirty="0">
-              <a:cs typeface="Times New Roman" panose="02020603050405020304" pitchFamily="18" charset="0"/>
-            </a:endParaRPr>
-          </a:p>
-        </p:txBody>
-      </p:sp>
-      <p:pic>
-        <p:nvPicPr>
-          <p:cNvPr id="7" name="Picture 6">
-            <a:extLst>
-              <a:ext uri="{FF2B5EF4-FFF2-40B4-BE49-F238E27FC236}">
-                <a16:creationId xmlns:a16="http://schemas.microsoft.com/office/drawing/2014/main" id="{4543C318-4F71-9047-B4DA-6071CDFB7700}"/>
-              </a:ext>
-            </a:extLst>
-          </p:cNvPr>
-          <p:cNvPicPr>
-            <a:picLocks noChangeAspect="1"/>
-          </p:cNvPicPr>
-          <p:nvPr/>
-        </p:nvPicPr>
-        <p:blipFill>
-          <a:blip r:embed="rId2">
-            <a:extLst>
-              <a:ext uri="{28A0092B-C50C-407E-A947-70E740481C1C}">
-                <a14:useLocalDpi xmlns:a14="http://schemas.microsoft.com/office/drawing/2010/main" val="0"/>
-              </a:ext>
-            </a:extLst>
-          </a:blip>
-          <a:stretch>
-            <a:fillRect/>
-          </a:stretch>
-        </p:blipFill>
-        <p:spPr>
-          <a:xfrm>
-            <a:off x="3352800" y="1524000"/>
-            <a:ext cx="4663369" cy="4417045"/>
-          </a:xfrm>
-          <a:prstGeom prst="rect">
-            <a:avLst/>
-          </a:prstGeom>
-        </p:spPr>
-      </p:pic>
-      <p:sp>
-        <p:nvSpPr>
-          <p:cNvPr id="8" name="TextBox 7">
-            <a:extLst>
-              <a:ext uri="{FF2B5EF4-FFF2-40B4-BE49-F238E27FC236}">
-                <a16:creationId xmlns:a16="http://schemas.microsoft.com/office/drawing/2014/main" id="{9B983E29-553B-5041-BA3E-5E34548D3869}"/>
-              </a:ext>
-            </a:extLst>
-          </p:cNvPr>
-          <p:cNvSpPr txBox="1"/>
-          <p:nvPr/>
-        </p:nvSpPr>
-        <p:spPr>
-          <a:xfrm>
-            <a:off x="4800600" y="1062335"/>
-            <a:ext cx="1492716" cy="461665"/>
-          </a:xfrm>
-          <a:prstGeom prst="rect">
-            <a:avLst/>
-          </a:prstGeom>
-          <a:noFill/>
-        </p:spPr>
-        <p:txBody>
-          <a:bodyPr wrap="none" rtlCol="0">
-            <a:spAutoFit/>
-          </a:bodyPr>
-          <a:lstStyle/>
-          <a:p>
-            <a:r>
-              <a:rPr lang="en-US" sz="2400" dirty="0">
-                <a:solidFill>
-                  <a:schemeClr val="tx1"/>
-                </a:solidFill>
-              </a:rPr>
-              <a:t>GIS MAP</a:t>
-            </a:r>
-          </a:p>
-        </p:txBody>
-      </p:sp>
-      <p:sp>
-        <p:nvSpPr>
-          <p:cNvPr id="9" name="TextBox 8">
-            <a:extLst>
-              <a:ext uri="{FF2B5EF4-FFF2-40B4-BE49-F238E27FC236}">
-                <a16:creationId xmlns:a16="http://schemas.microsoft.com/office/drawing/2014/main" id="{D807F127-C2EB-554A-833E-4EC2175CAD7E}"/>
-              </a:ext>
-            </a:extLst>
-          </p:cNvPr>
-          <p:cNvSpPr txBox="1"/>
-          <p:nvPr/>
-        </p:nvSpPr>
-        <p:spPr>
-          <a:xfrm>
-            <a:off x="628650" y="2187843"/>
-            <a:ext cx="2859717" cy="1323439"/>
-          </a:xfrm>
-          <a:prstGeom prst="rect">
-            <a:avLst/>
-          </a:prstGeom>
-          <a:noFill/>
-        </p:spPr>
-        <p:txBody>
-          <a:bodyPr wrap="square" rtlCol="0">
-            <a:spAutoFit/>
-          </a:bodyPr>
-          <a:lstStyle/>
-          <a:p>
-            <a:pPr algn="l"/>
-            <a:r>
-              <a:rPr lang="en-US" sz="1600" dirty="0">
-                <a:solidFill>
-                  <a:schemeClr val="tx1"/>
-                </a:solidFill>
-              </a:rPr>
-              <a:t>1.Import database </a:t>
-            </a:r>
-          </a:p>
-          <a:p>
-            <a:pPr algn="l"/>
-            <a:endParaRPr lang="en-US" sz="1600" dirty="0">
-              <a:solidFill>
-                <a:schemeClr val="tx1"/>
-              </a:solidFill>
-            </a:endParaRPr>
-          </a:p>
-          <a:p>
-            <a:pPr algn="l"/>
-            <a:endParaRPr lang="en-US" sz="1600" dirty="0">
-              <a:solidFill>
-                <a:schemeClr val="tx1"/>
-              </a:solidFill>
-            </a:endParaRPr>
-          </a:p>
-          <a:p>
-            <a:pPr algn="l"/>
-            <a:r>
-              <a:rPr lang="en-US" sz="1600" dirty="0">
-                <a:solidFill>
-                  <a:schemeClr val="tx1"/>
-                </a:solidFill>
-              </a:rPr>
-              <a:t>2.Locate distributor and customers</a:t>
-            </a:r>
+            <a:endParaRPr lang="en-US" dirty="0"/>
           </a:p>
         </p:txBody>
       </p:sp>
     </p:spTree>
     <p:extLst>
       <p:ext uri="{BB962C8B-B14F-4D97-AF65-F5344CB8AC3E}">
-        <p14:creationId xmlns:p14="http://schemas.microsoft.com/office/powerpoint/2010/main" val="756127279"/>
+        <p14:creationId xmlns:p14="http://schemas.microsoft.com/office/powerpoint/2010/main" val="56359873"/>
       </p:ext>
     </p:extLst>
   </p:cSld>
@@ -6812,10 +9562,48 @@
       </p:grpSpPr>
       <p:sp>
         <p:nvSpPr>
+          <p:cNvPr id="2" name="Title 1">
+            <a:extLst>
+              <a:ext uri="{FF2B5EF4-FFF2-40B4-BE49-F238E27FC236}">
+                <a16:creationId xmlns:a16="http://schemas.microsoft.com/office/drawing/2014/main" id="{BBC6688A-9401-274D-8DB3-E46426D33EBB}"/>
+              </a:ext>
+            </a:extLst>
+          </p:cNvPr>
+          <p:cNvSpPr>
+            <a:spLocks noGrp="1"/>
+          </p:cNvSpPr>
+          <p:nvPr>
+            <p:ph type="title"/>
+          </p:nvPr>
+        </p:nvSpPr>
+        <p:spPr/>
+        <p:txBody>
+          <a:bodyPr/>
+          <a:lstStyle/>
+          <a:p>
+            <a:r>
+              <a:rPr lang="en-US" dirty="0" err="1">
+                <a:latin typeface="Times New Roman" panose="02020603050405020304" pitchFamily="18" charset="0"/>
+                <a:cs typeface="Times New Roman" panose="02020603050405020304" pitchFamily="18" charset="0"/>
+              </a:rPr>
+              <a:t>Anylogic</a:t>
+            </a:r>
+            <a:r>
+              <a:rPr lang="en-US" dirty="0">
+                <a:latin typeface="Times New Roman" panose="02020603050405020304" pitchFamily="18" charset="0"/>
+                <a:cs typeface="Times New Roman" panose="02020603050405020304" pitchFamily="18" charset="0"/>
+              </a:rPr>
+              <a:t> Model</a:t>
+            </a:r>
+          </a:p>
+        </p:txBody>
+      </p:sp>
+      <p:sp>
+        <p:nvSpPr>
           <p:cNvPr id="4" name="Date Placeholder 3">
             <a:extLst>
               <a:ext uri="{FF2B5EF4-FFF2-40B4-BE49-F238E27FC236}">
-                <a16:creationId xmlns:a16="http://schemas.microsoft.com/office/drawing/2014/main" id="{EC59AA18-4379-4E4B-9B81-84584F09F7FA}"/>
+                <a16:creationId xmlns:a16="http://schemas.microsoft.com/office/drawing/2014/main" id="{65AE9C51-D29A-A047-A19F-0BAB9B12E9F3}"/>
               </a:ext>
             </a:extLst>
           </p:cNvPr>
@@ -6835,10 +9623,14 @@
               <a:defRPr/>
             </a:pPr>
             <a:r>
-              <a:rPr lang="en-US"/>
+              <a:rPr lang="en-US">
+                <a:cs typeface="Times New Roman" panose="02020603050405020304" pitchFamily="18" charset="0"/>
+              </a:rPr>
               <a:t>November 26</a:t>
             </a:r>
-            <a:endParaRPr lang="en-US" dirty="0"/>
+            <a:endParaRPr lang="en-US" dirty="0">
+              <a:cs typeface="Times New Roman" panose="02020603050405020304" pitchFamily="18" charset="0"/>
+            </a:endParaRPr>
           </a:p>
         </p:txBody>
       </p:sp>
@@ -6847,7 +9639,7 @@
           <p:cNvPr id="5" name="Footer Placeholder 4">
             <a:extLst>
               <a:ext uri="{FF2B5EF4-FFF2-40B4-BE49-F238E27FC236}">
-                <a16:creationId xmlns:a16="http://schemas.microsoft.com/office/drawing/2014/main" id="{C14FA9A5-6859-4046-8B01-1FD02FD822CC}"/>
+                <a16:creationId xmlns:a16="http://schemas.microsoft.com/office/drawing/2014/main" id="{9F991618-3828-3B41-BD69-42998E16B464}"/>
               </a:ext>
             </a:extLst>
           </p:cNvPr>
@@ -6867,10 +9659,14 @@
               <a:defRPr/>
             </a:pPr>
             <a:r>
-              <a:rPr lang="en-US"/>
+              <a:rPr lang="en-US">
+                <a:cs typeface="Times New Roman" panose="02020603050405020304" pitchFamily="18" charset="0"/>
+              </a:rPr>
               <a:t>IE 526  Final Project</a:t>
             </a:r>
-            <a:endParaRPr lang="en-US" dirty="0"/>
+            <a:endParaRPr lang="en-US" dirty="0">
+              <a:cs typeface="Times New Roman" panose="02020603050405020304" pitchFamily="18" charset="0"/>
+            </a:endParaRPr>
           </a:p>
         </p:txBody>
       </p:sp>
@@ -6879,7 +9675,7 @@
           <p:cNvPr id="6" name="Slide Number Placeholder 5">
             <a:extLst>
               <a:ext uri="{FF2B5EF4-FFF2-40B4-BE49-F238E27FC236}">
-                <a16:creationId xmlns:a16="http://schemas.microsoft.com/office/drawing/2014/main" id="{DA6528F0-5BA8-874A-B0B5-B611D762E8D9}"/>
+                <a16:creationId xmlns:a16="http://schemas.microsoft.com/office/drawing/2014/main" id="{176615A9-FE84-7444-BCCF-CEE3E3D3E7BC}"/>
               </a:ext>
             </a:extLst>
           </p:cNvPr>
@@ -6899,22 +9695,26 @@
               <a:defRPr/>
             </a:pPr>
             <a:fld id="{61875079-2EDC-4E24-99D6-3E823A45791C}" type="slidenum">
-              <a:rPr lang="en-US" smtClean="0"/>
+              <a:rPr lang="en-US" smtClean="0">
+                <a:cs typeface="Times New Roman" panose="02020603050405020304" pitchFamily="18" charset="0"/>
+              </a:rPr>
               <a:pPr>
                 <a:defRPr/>
               </a:pPr>
               <a:t>18</a:t>
             </a:fld>
-            <a:endParaRPr lang="en-US" dirty="0"/>
+            <a:endParaRPr lang="en-US" dirty="0">
+              <a:cs typeface="Times New Roman" panose="02020603050405020304" pitchFamily="18" charset="0"/>
+            </a:endParaRPr>
           </a:p>
         </p:txBody>
       </p:sp>
       <p:pic>
         <p:nvPicPr>
-          <p:cNvPr id="3" name="Picture 2">
-            <a:extLst>
-              <a:ext uri="{FF2B5EF4-FFF2-40B4-BE49-F238E27FC236}">
-                <a16:creationId xmlns:a16="http://schemas.microsoft.com/office/drawing/2014/main" id="{F1AD5176-C47B-0549-B80D-E0C4939DC37A}"/>
+          <p:cNvPr id="7" name="Picture 6">
+            <a:extLst>
+              <a:ext uri="{FF2B5EF4-FFF2-40B4-BE49-F238E27FC236}">
+                <a16:creationId xmlns:a16="http://schemas.microsoft.com/office/drawing/2014/main" id="{4543C318-4F71-9047-B4DA-6071CDFB7700}"/>
               </a:ext>
             </a:extLst>
           </p:cNvPr>
@@ -6937,8 +9737,8 @@
         </p:blipFill>
         <p:spPr>
           <a:xfrm>
-            <a:off x="3028950" y="685800"/>
-            <a:ext cx="5754303" cy="5181600"/>
+            <a:off x="3352800" y="1524000"/>
+            <a:ext cx="4663369" cy="4417045"/>
           </a:xfrm>
           <a:prstGeom prst="rect">
             <a:avLst/>
@@ -6947,36 +9747,106 @@
       </p:pic>
       <p:sp>
         <p:nvSpPr>
-          <p:cNvPr id="10" name="Title 1">
-            <a:extLst>
-              <a:ext uri="{FF2B5EF4-FFF2-40B4-BE49-F238E27FC236}">
-                <a16:creationId xmlns:a16="http://schemas.microsoft.com/office/drawing/2014/main" id="{40C27B82-15DD-F44B-ABF4-275C62A021DB}"/>
-              </a:ext>
-            </a:extLst>
-          </p:cNvPr>
-          <p:cNvSpPr>
-            <a:spLocks noGrp="1"/>
-          </p:cNvSpPr>
-          <p:nvPr>
-            <p:ph type="title"/>
-          </p:nvPr>
+          <p:cNvPr id="8" name="TextBox 7">
+            <a:extLst>
+              <a:ext uri="{FF2B5EF4-FFF2-40B4-BE49-F238E27FC236}">
+                <a16:creationId xmlns:a16="http://schemas.microsoft.com/office/drawing/2014/main" id="{9B983E29-553B-5041-BA3E-5E34548D3869}"/>
+              </a:ext>
+            </a:extLst>
+          </p:cNvPr>
+          <p:cNvSpPr txBox="1"/>
+          <p:nvPr/>
         </p:nvSpPr>
         <p:spPr>
           <a:xfrm>
-            <a:off x="628650" y="365126"/>
-            <a:ext cx="7886700" cy="1325563"/>
+            <a:off x="4800600" y="1062335"/>
+            <a:ext cx="1492716" cy="461665"/>
           </a:xfrm>
+          <a:prstGeom prst="rect">
+            <a:avLst/>
+          </a:prstGeom>
+          <a:noFill/>
         </p:spPr>
         <p:txBody>
-          <a:bodyPr/>
-          <a:lstStyle/>
-          <a:p>
-            <a:r>
-              <a:rPr lang="en-US" dirty="0">
-                <a:latin typeface="Times New Roman" panose="02020603050405020304" pitchFamily="18" charset="0"/>
-                <a:cs typeface="Times New Roman" panose="02020603050405020304" pitchFamily="18" charset="0"/>
+          <a:bodyPr wrap="none" rtlCol="0">
+            <a:spAutoFit/>
+          </a:bodyPr>
+          <a:lstStyle/>
+          <a:p>
+            <a:r>
+              <a:rPr lang="en-US" sz="2400" dirty="0">
+                <a:solidFill>
+                  <a:schemeClr val="tx1"/>
+                </a:solidFill>
               </a:rPr>
-              <a:t>Truck</a:t>
+              <a:t>GIS MAP</a:t>
+            </a:r>
+          </a:p>
+        </p:txBody>
+      </p:sp>
+      <p:sp>
+        <p:nvSpPr>
+          <p:cNvPr id="9" name="TextBox 8">
+            <a:extLst>
+              <a:ext uri="{FF2B5EF4-FFF2-40B4-BE49-F238E27FC236}">
+                <a16:creationId xmlns:a16="http://schemas.microsoft.com/office/drawing/2014/main" id="{D807F127-C2EB-554A-833E-4EC2175CAD7E}"/>
+              </a:ext>
+            </a:extLst>
+          </p:cNvPr>
+          <p:cNvSpPr txBox="1"/>
+          <p:nvPr/>
+        </p:nvSpPr>
+        <p:spPr>
+          <a:xfrm>
+            <a:off x="628650" y="2187843"/>
+            <a:ext cx="2859717" cy="1323439"/>
+          </a:xfrm>
+          <a:prstGeom prst="rect">
+            <a:avLst/>
+          </a:prstGeom>
+          <a:noFill/>
+        </p:spPr>
+        <p:txBody>
+          <a:bodyPr wrap="square" rtlCol="0">
+            <a:spAutoFit/>
+          </a:bodyPr>
+          <a:lstStyle/>
+          <a:p>
+            <a:pPr algn="l"/>
+            <a:r>
+              <a:rPr lang="en-US" sz="1600" dirty="0">
+                <a:solidFill>
+                  <a:schemeClr val="tx1"/>
+                </a:solidFill>
+              </a:rPr>
+              <a:t>1.Import database </a:t>
+            </a:r>
+          </a:p>
+          <a:p>
+            <a:pPr algn="l"/>
+            <a:endParaRPr lang="en-US" sz="1600" dirty="0">
+              <a:solidFill>
+                <a:schemeClr val="tx1"/>
+              </a:solidFill>
+            </a:endParaRPr>
+          </a:p>
+          <a:p>
+            <a:pPr algn="l"/>
+            <a:endParaRPr lang="en-US" sz="1600" dirty="0">
+              <a:solidFill>
+                <a:schemeClr val="tx1"/>
+              </a:solidFill>
+            </a:endParaRPr>
+          </a:p>
+          <a:p>
+            <a:pPr algn="l"/>
+            <a:r>
+              <a:rPr lang="en-US" sz="1600" dirty="0">
+                <a:solidFill>
+                  <a:schemeClr val="tx1"/>
+                </a:solidFill>
+              </a:rPr>
+              <a:t>2.Locate distributor and customers</a:t>
             </a:r>
           </a:p>
         </p:txBody>
@@ -6984,7 +9854,7 @@
     </p:spTree>
     <p:extLst>
       <p:ext uri="{BB962C8B-B14F-4D97-AF65-F5344CB8AC3E}">
-        <p14:creationId xmlns:p14="http://schemas.microsoft.com/office/powerpoint/2010/main" val="2991445453"/>
+        <p14:creationId xmlns:p14="http://schemas.microsoft.com/office/powerpoint/2010/main" val="756127279"/>
       </p:ext>
     </p:extLst>
   </p:cSld>
@@ -7016,7 +9886,7 @@
           <p:cNvPr id="4" name="Date Placeholder 3">
             <a:extLst>
               <a:ext uri="{FF2B5EF4-FFF2-40B4-BE49-F238E27FC236}">
-                <a16:creationId xmlns:a16="http://schemas.microsoft.com/office/drawing/2014/main" id="{2619DAF6-3469-7C4E-8628-5AD80FF3865F}"/>
+                <a16:creationId xmlns:a16="http://schemas.microsoft.com/office/drawing/2014/main" id="{EC59AA18-4379-4E4B-9B81-84584F09F7FA}"/>
               </a:ext>
             </a:extLst>
           </p:cNvPr>
@@ -7048,7 +9918,7 @@
           <p:cNvPr id="5" name="Footer Placeholder 4">
             <a:extLst>
               <a:ext uri="{FF2B5EF4-FFF2-40B4-BE49-F238E27FC236}">
-                <a16:creationId xmlns:a16="http://schemas.microsoft.com/office/drawing/2014/main" id="{7DC83BDD-5B46-6347-8181-E0C862A5497D}"/>
+                <a16:creationId xmlns:a16="http://schemas.microsoft.com/office/drawing/2014/main" id="{C14FA9A5-6859-4046-8B01-1FD02FD822CC}"/>
               </a:ext>
             </a:extLst>
           </p:cNvPr>
@@ -7080,7 +9950,7 @@
           <p:cNvPr id="6" name="Slide Number Placeholder 5">
             <a:extLst>
               <a:ext uri="{FF2B5EF4-FFF2-40B4-BE49-F238E27FC236}">
-                <a16:creationId xmlns:a16="http://schemas.microsoft.com/office/drawing/2014/main" id="{2DC6747C-C0E2-E14E-89EA-08B04906B353}"/>
+                <a16:creationId xmlns:a16="http://schemas.microsoft.com/office/drawing/2014/main" id="{DA6528F0-5BA8-874A-B0B5-B611D762E8D9}"/>
               </a:ext>
             </a:extLst>
           </p:cNvPr>
@@ -7112,19 +9982,17 @@
       </p:sp>
       <p:pic>
         <p:nvPicPr>
-          <p:cNvPr id="7" name="Content Placeholder 6">
-            <a:extLst>
-              <a:ext uri="{FF2B5EF4-FFF2-40B4-BE49-F238E27FC236}">
-                <a16:creationId xmlns:a16="http://schemas.microsoft.com/office/drawing/2014/main" id="{75DFF42F-21A2-774F-A658-6B9E2E824CBB}"/>
+          <p:cNvPr id="3" name="Picture 2">
+            <a:extLst>
+              <a:ext uri="{FF2B5EF4-FFF2-40B4-BE49-F238E27FC236}">
+                <a16:creationId xmlns:a16="http://schemas.microsoft.com/office/drawing/2014/main" id="{F1AD5176-C47B-0549-B80D-E0C4939DC37A}"/>
               </a:ext>
             </a:extLst>
           </p:cNvPr>
           <p:cNvPicPr>
-            <a:picLocks noGrp="1" noChangeAspect="1"/>
+            <a:picLocks noChangeAspect="1"/>
           </p:cNvPicPr>
-          <p:nvPr>
-            <p:ph idx="1"/>
-          </p:nvPr>
+          <p:nvPr/>
         </p:nvPicPr>
         <p:blipFill>
           <a:blip r:embed="rId2">
@@ -7140,8 +10008,8 @@
         </p:blipFill>
         <p:spPr>
           <a:xfrm>
-            <a:off x="1073963" y="1825625"/>
-            <a:ext cx="6996073" cy="4351338"/>
+            <a:off x="3028950" y="685800"/>
+            <a:ext cx="5754303" cy="5181600"/>
           </a:xfrm>
           <a:prstGeom prst="rect">
             <a:avLst/>
@@ -7150,10 +10018,10 @@
       </p:pic>
       <p:sp>
         <p:nvSpPr>
-          <p:cNvPr id="8" name="Title 1">
-            <a:extLst>
-              <a:ext uri="{FF2B5EF4-FFF2-40B4-BE49-F238E27FC236}">
-                <a16:creationId xmlns:a16="http://schemas.microsoft.com/office/drawing/2014/main" id="{927329C3-E87F-264E-A54A-6CBDEC67BC18}"/>
+          <p:cNvPr id="10" name="Title 1">
+            <a:extLst>
+              <a:ext uri="{FF2B5EF4-FFF2-40B4-BE49-F238E27FC236}">
+                <a16:creationId xmlns:a16="http://schemas.microsoft.com/office/drawing/2014/main" id="{40C27B82-15DD-F44B-ABF4-275C62A021DB}"/>
               </a:ext>
             </a:extLst>
           </p:cNvPr>
@@ -7179,7 +10047,7 @@
                 <a:latin typeface="Times New Roman" panose="02020603050405020304" pitchFamily="18" charset="0"/>
                 <a:cs typeface="Times New Roman" panose="02020603050405020304" pitchFamily="18" charset="0"/>
               </a:rPr>
-              <a:t>Distributor</a:t>
+              <a:t>Truck</a:t>
             </a:r>
           </a:p>
         </p:txBody>
@@ -7187,7 +10055,7 @@
     </p:spTree>
     <p:extLst>
       <p:ext uri="{BB962C8B-B14F-4D97-AF65-F5344CB8AC3E}">
-        <p14:creationId xmlns:p14="http://schemas.microsoft.com/office/powerpoint/2010/main" val="3755246327"/>
+        <p14:creationId xmlns:p14="http://schemas.microsoft.com/office/powerpoint/2010/main" val="2991445453"/>
       </p:ext>
     </p:extLst>
   </p:cSld>
@@ -7297,13 +10165,11 @@
       </p:sp>
       <p:pic>
         <p:nvPicPr>
-          <p:cNvPr id="10" name="Content Placeholder 9"/>
+          <p:cNvPr id="7" name="Picture 6"/>
           <p:cNvPicPr>
-            <a:picLocks noGrp="1" noChangeAspect="1"/>
+            <a:picLocks noChangeAspect="1"/>
           </p:cNvPicPr>
-          <p:nvPr>
-            <p:ph idx="1"/>
-          </p:nvPr>
+          <p:nvPr/>
         </p:nvPicPr>
         <p:blipFill>
           <a:blip r:embed="rId2">
@@ -7319,14 +10185,17 @@
         </p:blipFill>
         <p:spPr>
           <a:xfrm>
-            <a:off x="703706" y="1371600"/>
-            <a:ext cx="7736587" cy="4191000"/>
+            <a:off x="942975" y="1447800"/>
+            <a:ext cx="7258050" cy="4181475"/>
           </a:xfrm>
+          <a:prstGeom prst="rect">
+            <a:avLst/>
+          </a:prstGeom>
         </p:spPr>
       </p:pic>
       <p:pic>
         <p:nvPicPr>
-          <p:cNvPr id="7" name="Picture 6"/>
+          <p:cNvPr id="8" name="Picture 7"/>
           <p:cNvPicPr>
             <a:picLocks noChangeAspect="1"/>
           </p:cNvPicPr>
@@ -7346,8 +10215,8 @@
         </p:blipFill>
         <p:spPr>
           <a:xfrm>
-            <a:off x="5559044" y="3962399"/>
-            <a:ext cx="2881249" cy="1600201"/>
+            <a:off x="685800" y="179753"/>
+            <a:ext cx="1581150" cy="904509"/>
           </a:xfrm>
           <a:prstGeom prst="rect">
             <a:avLst/>
@@ -7357,7 +10226,7 @@
     </p:spTree>
     <p:extLst>
       <p:ext uri="{BB962C8B-B14F-4D97-AF65-F5344CB8AC3E}">
-        <p14:creationId xmlns:p14="http://schemas.microsoft.com/office/powerpoint/2010/main" val="2425930238"/>
+        <p14:creationId xmlns:p14="http://schemas.microsoft.com/office/powerpoint/2010/main" val="3699359942"/>
       </p:ext>
     </p:extLst>
   </p:cSld>
@@ -7384,47 +10253,12 @@
           <a:chExt cx="0" cy="0"/>
         </a:xfrm>
       </p:grpSpPr>
-      <p:pic>
-        <p:nvPicPr>
-          <p:cNvPr id="8" name="Content Placeholder 7">
-            <a:extLst>
-              <a:ext uri="{FF2B5EF4-FFF2-40B4-BE49-F238E27FC236}">
-                <a16:creationId xmlns:a16="http://schemas.microsoft.com/office/drawing/2014/main" id="{DF7399EF-C691-1449-A1D9-1FAEA929598B}"/>
-              </a:ext>
-            </a:extLst>
-          </p:cNvPr>
-          <p:cNvPicPr>
-            <a:picLocks noGrp="1" noChangeAspect="1"/>
-          </p:cNvPicPr>
-          <p:nvPr>
-            <p:ph idx="1"/>
-          </p:nvPr>
-        </p:nvPicPr>
-        <p:blipFill>
-          <a:blip r:embed="rId2">
-            <a:extLst>
-              <a:ext uri="{28A0092B-C50C-407E-A947-70E740481C1C}">
-                <a14:useLocalDpi xmlns:a14="http://schemas.microsoft.com/office/drawing/2010/main" val="0"/>
-              </a:ext>
-            </a:extLst>
-          </a:blip>
-          <a:stretch>
-            <a:fillRect/>
-          </a:stretch>
-        </p:blipFill>
-        <p:spPr>
-          <a:xfrm>
-            <a:off x="3099104" y="3657600"/>
-            <a:ext cx="5611424" cy="2133600"/>
-          </a:xfrm>
-        </p:spPr>
-      </p:pic>
       <p:sp>
         <p:nvSpPr>
           <p:cNvPr id="4" name="Date Placeholder 3">
             <a:extLst>
               <a:ext uri="{FF2B5EF4-FFF2-40B4-BE49-F238E27FC236}">
-                <a16:creationId xmlns:a16="http://schemas.microsoft.com/office/drawing/2014/main" id="{B37AD6BC-DF90-0145-8853-6CE5BDB680E5}"/>
+                <a16:creationId xmlns:a16="http://schemas.microsoft.com/office/drawing/2014/main" id="{2619DAF6-3469-7C4E-8628-5AD80FF3865F}"/>
               </a:ext>
             </a:extLst>
           </p:cNvPr>
@@ -7456,7 +10290,7 @@
           <p:cNvPr id="5" name="Footer Placeholder 4">
             <a:extLst>
               <a:ext uri="{FF2B5EF4-FFF2-40B4-BE49-F238E27FC236}">
-                <a16:creationId xmlns:a16="http://schemas.microsoft.com/office/drawing/2014/main" id="{F0FAF232-ED08-B846-B812-D67CD68ECF8C}"/>
+                <a16:creationId xmlns:a16="http://schemas.microsoft.com/office/drawing/2014/main" id="{7DC83BDD-5B46-6347-8181-E0C862A5497D}"/>
               </a:ext>
             </a:extLst>
           </p:cNvPr>
@@ -7488,7 +10322,7 @@
           <p:cNvPr id="6" name="Slide Number Placeholder 5">
             <a:extLst>
               <a:ext uri="{FF2B5EF4-FFF2-40B4-BE49-F238E27FC236}">
-                <a16:creationId xmlns:a16="http://schemas.microsoft.com/office/drawing/2014/main" id="{81FE772E-0350-4A4D-B828-F6E3424DBC63}"/>
+                <a16:creationId xmlns:a16="http://schemas.microsoft.com/office/drawing/2014/main" id="{2DC6747C-C0E2-E14E-89EA-08B04906B353}"/>
               </a:ext>
             </a:extLst>
           </p:cNvPr>
@@ -7520,20 +10354,22 @@
       </p:sp>
       <p:pic>
         <p:nvPicPr>
-          <p:cNvPr id="3" name="Picture 2">
-            <a:extLst>
-              <a:ext uri="{FF2B5EF4-FFF2-40B4-BE49-F238E27FC236}">
-                <a16:creationId xmlns:a16="http://schemas.microsoft.com/office/drawing/2014/main" id="{883F52B0-832B-2544-92FB-05A07540B2F4}"/>
+          <p:cNvPr id="7" name="Content Placeholder 6">
+            <a:extLst>
+              <a:ext uri="{FF2B5EF4-FFF2-40B4-BE49-F238E27FC236}">
+                <a16:creationId xmlns:a16="http://schemas.microsoft.com/office/drawing/2014/main" id="{75DFF42F-21A2-774F-A658-6B9E2E824CBB}"/>
               </a:ext>
             </a:extLst>
           </p:cNvPr>
           <p:cNvPicPr>
-            <a:picLocks noChangeAspect="1"/>
+            <a:picLocks noGrp="1" noChangeAspect="1"/>
           </p:cNvPicPr>
-          <p:nvPr/>
+          <p:nvPr>
+            <p:ph idx="1"/>
+          </p:nvPr>
         </p:nvPicPr>
         <p:blipFill>
-          <a:blip r:embed="rId3">
+          <a:blip r:embed="rId2">
             <a:extLst>
               <a:ext uri="{28A0092B-C50C-407E-A947-70E740481C1C}">
                 <a14:useLocalDpi xmlns:a14="http://schemas.microsoft.com/office/drawing/2010/main" val="0"/>
@@ -7546,8 +10382,8 @@
         </p:blipFill>
         <p:spPr>
           <a:xfrm>
-            <a:off x="927484" y="1427291"/>
-            <a:ext cx="4202932" cy="2230309"/>
+            <a:off x="1073963" y="1825625"/>
+            <a:ext cx="6996073" cy="4351338"/>
           </a:xfrm>
           <a:prstGeom prst="rect">
             <a:avLst/>
@@ -7556,60 +10392,10 @@
       </p:pic>
       <p:sp>
         <p:nvSpPr>
-          <p:cNvPr id="7" name="Bent Arrow 6">
-            <a:extLst>
-              <a:ext uri="{FF2B5EF4-FFF2-40B4-BE49-F238E27FC236}">
-                <a16:creationId xmlns:a16="http://schemas.microsoft.com/office/drawing/2014/main" id="{ECF69785-EB3D-7546-BEE0-408AA0DBE3FB}"/>
-              </a:ext>
-            </a:extLst>
-          </p:cNvPr>
-          <p:cNvSpPr/>
-          <p:nvPr/>
-        </p:nvSpPr>
-        <p:spPr>
-          <a:xfrm rot="5400000">
-            <a:off x="5486400" y="2209800"/>
-            <a:ext cx="762000" cy="1143000"/>
-          </a:xfrm>
-          <a:prstGeom prst="bentArrow">
-            <a:avLst/>
-          </a:prstGeom>
-        </p:spPr>
-        <p:style>
-          <a:lnRef idx="2">
-            <a:schemeClr val="accent1">
-              <a:shade val="50000"/>
-            </a:schemeClr>
-          </a:lnRef>
-          <a:fillRef idx="1">
-            <a:schemeClr val="accent1"/>
-          </a:fillRef>
-          <a:effectRef idx="0">
-            <a:schemeClr val="accent1"/>
-          </a:effectRef>
-          <a:fontRef idx="minor">
-            <a:schemeClr val="lt1"/>
-          </a:fontRef>
-        </p:style>
-        <p:txBody>
-          <a:bodyPr rtlCol="0" anchor="ctr"/>
-          <a:lstStyle/>
-          <a:p>
-            <a:pPr algn="ctr"/>
-            <a:endParaRPr lang="en-US">
-              <a:solidFill>
-                <a:schemeClr val="tx1"/>
-              </a:solidFill>
-            </a:endParaRPr>
-          </a:p>
-        </p:txBody>
-      </p:sp>
-      <p:sp>
-        <p:nvSpPr>
-          <p:cNvPr id="11" name="Title 1">
-            <a:extLst>
-              <a:ext uri="{FF2B5EF4-FFF2-40B4-BE49-F238E27FC236}">
-                <a16:creationId xmlns:a16="http://schemas.microsoft.com/office/drawing/2014/main" id="{C6566DDD-EE1C-3643-8DE6-042C829601FB}"/>
+          <p:cNvPr id="8" name="Title 1">
+            <a:extLst>
+              <a:ext uri="{FF2B5EF4-FFF2-40B4-BE49-F238E27FC236}">
+                <a16:creationId xmlns:a16="http://schemas.microsoft.com/office/drawing/2014/main" id="{927329C3-E87F-264E-A54A-6CBDEC67BC18}"/>
               </a:ext>
             </a:extLst>
           </p:cNvPr>
@@ -7635,7 +10421,7 @@
                 <a:latin typeface="Times New Roman" panose="02020603050405020304" pitchFamily="18" charset="0"/>
                 <a:cs typeface="Times New Roman" panose="02020603050405020304" pitchFamily="18" charset="0"/>
               </a:rPr>
-              <a:t>Order</a:t>
+              <a:t>Distributor</a:t>
             </a:r>
           </a:p>
         </p:txBody>
@@ -7643,7 +10429,7 @@
     </p:spTree>
     <p:extLst>
       <p:ext uri="{BB962C8B-B14F-4D97-AF65-F5344CB8AC3E}">
-        <p14:creationId xmlns:p14="http://schemas.microsoft.com/office/powerpoint/2010/main" val="3909437071"/>
+        <p14:creationId xmlns:p14="http://schemas.microsoft.com/office/powerpoint/2010/main" val="3755246327"/>
       </p:ext>
     </p:extLst>
   </p:cSld>
@@ -7670,40 +10456,12 @@
           <a:chExt cx="0" cy="0"/>
         </a:xfrm>
       </p:grpSpPr>
-      <p:sp>
-        <p:nvSpPr>
-          <p:cNvPr id="2" name="Title 1">
-            <a:extLst>
-              <a:ext uri="{FF2B5EF4-FFF2-40B4-BE49-F238E27FC236}">
-                <a16:creationId xmlns:a16="http://schemas.microsoft.com/office/drawing/2014/main" id="{8F14E20F-CB35-7C46-BD2F-E0E62CE09FCE}"/>
-              </a:ext>
-            </a:extLst>
-          </p:cNvPr>
-          <p:cNvSpPr>
-            <a:spLocks noGrp="1"/>
-          </p:cNvSpPr>
-          <p:nvPr>
-            <p:ph type="title"/>
-          </p:nvPr>
-        </p:nvSpPr>
-        <p:spPr/>
-        <p:txBody>
-          <a:bodyPr/>
-          <a:lstStyle/>
-          <a:p>
-            <a:r>
-              <a:rPr lang="en-US" dirty="0"/>
-              <a:t>Customer</a:t>
-            </a:r>
-          </a:p>
-        </p:txBody>
-      </p:sp>
       <p:pic>
         <p:nvPicPr>
           <p:cNvPr id="8" name="Content Placeholder 7">
             <a:extLst>
               <a:ext uri="{FF2B5EF4-FFF2-40B4-BE49-F238E27FC236}">
-                <a16:creationId xmlns:a16="http://schemas.microsoft.com/office/drawing/2014/main" id="{E8C05315-6711-3246-A066-489BE05756A8}"/>
+                <a16:creationId xmlns:a16="http://schemas.microsoft.com/office/drawing/2014/main" id="{DF7399EF-C691-1449-A1D9-1FAEA929598B}"/>
               </a:ext>
             </a:extLst>
           </p:cNvPr>
@@ -7728,8 +10486,8 @@
         </p:blipFill>
         <p:spPr>
           <a:xfrm>
-            <a:off x="1625530" y="1600200"/>
-            <a:ext cx="5783140" cy="4351338"/>
+            <a:off x="3099104" y="3657600"/>
+            <a:ext cx="5611424" cy="2133600"/>
           </a:xfrm>
         </p:spPr>
       </p:pic>
@@ -7738,7 +10496,7 @@
           <p:cNvPr id="4" name="Date Placeholder 3">
             <a:extLst>
               <a:ext uri="{FF2B5EF4-FFF2-40B4-BE49-F238E27FC236}">
-                <a16:creationId xmlns:a16="http://schemas.microsoft.com/office/drawing/2014/main" id="{7709194F-39AD-8F4B-AA61-A1B403025EE0}"/>
+                <a16:creationId xmlns:a16="http://schemas.microsoft.com/office/drawing/2014/main" id="{B37AD6BC-DF90-0145-8853-6CE5BDB680E5}"/>
               </a:ext>
             </a:extLst>
           </p:cNvPr>
@@ -7770,7 +10528,7 @@
           <p:cNvPr id="5" name="Footer Placeholder 4">
             <a:extLst>
               <a:ext uri="{FF2B5EF4-FFF2-40B4-BE49-F238E27FC236}">
-                <a16:creationId xmlns:a16="http://schemas.microsoft.com/office/drawing/2014/main" id="{2EDF2EAF-3548-7F42-AEB2-1B461A227FCE}"/>
+                <a16:creationId xmlns:a16="http://schemas.microsoft.com/office/drawing/2014/main" id="{F0FAF232-ED08-B846-B812-D67CD68ECF8C}"/>
               </a:ext>
             </a:extLst>
           </p:cNvPr>
@@ -7802,7 +10560,7 @@
           <p:cNvPr id="6" name="Slide Number Placeholder 5">
             <a:extLst>
               <a:ext uri="{FF2B5EF4-FFF2-40B4-BE49-F238E27FC236}">
-                <a16:creationId xmlns:a16="http://schemas.microsoft.com/office/drawing/2014/main" id="{12515C9E-2504-174B-8387-9AC1EB2DC04A}"/>
+                <a16:creationId xmlns:a16="http://schemas.microsoft.com/office/drawing/2014/main" id="{81FE772E-0350-4A4D-B828-F6E3424DBC63}"/>
               </a:ext>
             </a:extLst>
           </p:cNvPr>
@@ -7832,10 +10590,132 @@
           </a:p>
         </p:txBody>
       </p:sp>
+      <p:pic>
+        <p:nvPicPr>
+          <p:cNvPr id="3" name="Picture 2">
+            <a:extLst>
+              <a:ext uri="{FF2B5EF4-FFF2-40B4-BE49-F238E27FC236}">
+                <a16:creationId xmlns:a16="http://schemas.microsoft.com/office/drawing/2014/main" id="{883F52B0-832B-2544-92FB-05A07540B2F4}"/>
+              </a:ext>
+            </a:extLst>
+          </p:cNvPr>
+          <p:cNvPicPr>
+            <a:picLocks noChangeAspect="1"/>
+          </p:cNvPicPr>
+          <p:nvPr/>
+        </p:nvPicPr>
+        <p:blipFill>
+          <a:blip r:embed="rId3">
+            <a:extLst>
+              <a:ext uri="{28A0092B-C50C-407E-A947-70E740481C1C}">
+                <a14:useLocalDpi xmlns:a14="http://schemas.microsoft.com/office/drawing/2010/main" val="0"/>
+              </a:ext>
+            </a:extLst>
+          </a:blip>
+          <a:stretch>
+            <a:fillRect/>
+          </a:stretch>
+        </p:blipFill>
+        <p:spPr>
+          <a:xfrm>
+            <a:off x="927484" y="1427291"/>
+            <a:ext cx="4202932" cy="2230309"/>
+          </a:xfrm>
+          <a:prstGeom prst="rect">
+            <a:avLst/>
+          </a:prstGeom>
+        </p:spPr>
+      </p:pic>
+      <p:sp>
+        <p:nvSpPr>
+          <p:cNvPr id="7" name="Bent Arrow 6">
+            <a:extLst>
+              <a:ext uri="{FF2B5EF4-FFF2-40B4-BE49-F238E27FC236}">
+                <a16:creationId xmlns:a16="http://schemas.microsoft.com/office/drawing/2014/main" id="{ECF69785-EB3D-7546-BEE0-408AA0DBE3FB}"/>
+              </a:ext>
+            </a:extLst>
+          </p:cNvPr>
+          <p:cNvSpPr/>
+          <p:nvPr/>
+        </p:nvSpPr>
+        <p:spPr>
+          <a:xfrm rot="5400000">
+            <a:off x="5486400" y="2209800"/>
+            <a:ext cx="762000" cy="1143000"/>
+          </a:xfrm>
+          <a:prstGeom prst="bentArrow">
+            <a:avLst/>
+          </a:prstGeom>
+        </p:spPr>
+        <p:style>
+          <a:lnRef idx="2">
+            <a:schemeClr val="accent1">
+              <a:shade val="50000"/>
+            </a:schemeClr>
+          </a:lnRef>
+          <a:fillRef idx="1">
+            <a:schemeClr val="accent1"/>
+          </a:fillRef>
+          <a:effectRef idx="0">
+            <a:schemeClr val="accent1"/>
+          </a:effectRef>
+          <a:fontRef idx="minor">
+            <a:schemeClr val="lt1"/>
+          </a:fontRef>
+        </p:style>
+        <p:txBody>
+          <a:bodyPr rtlCol="0" anchor="ctr"/>
+          <a:lstStyle/>
+          <a:p>
+            <a:pPr algn="ctr"/>
+            <a:endParaRPr lang="en-US">
+              <a:solidFill>
+                <a:schemeClr val="tx1"/>
+              </a:solidFill>
+            </a:endParaRPr>
+          </a:p>
+        </p:txBody>
+      </p:sp>
+      <p:sp>
+        <p:nvSpPr>
+          <p:cNvPr id="11" name="Title 1">
+            <a:extLst>
+              <a:ext uri="{FF2B5EF4-FFF2-40B4-BE49-F238E27FC236}">
+                <a16:creationId xmlns:a16="http://schemas.microsoft.com/office/drawing/2014/main" id="{C6566DDD-EE1C-3643-8DE6-042C829601FB}"/>
+              </a:ext>
+            </a:extLst>
+          </p:cNvPr>
+          <p:cNvSpPr>
+            <a:spLocks noGrp="1"/>
+          </p:cNvSpPr>
+          <p:nvPr>
+            <p:ph type="title"/>
+          </p:nvPr>
+        </p:nvSpPr>
+        <p:spPr>
+          <a:xfrm>
+            <a:off x="628650" y="365126"/>
+            <a:ext cx="7886700" cy="1325563"/>
+          </a:xfrm>
+        </p:spPr>
+        <p:txBody>
+          <a:bodyPr/>
+          <a:lstStyle/>
+          <a:p>
+            <a:r>
+              <a:rPr lang="en-US" dirty="0">
+                <a:latin typeface="Times New Roman" panose="02020603050405020304" pitchFamily="18" charset="0"/>
+                <a:cs typeface="Times New Roman" panose="02020603050405020304" pitchFamily="18" charset="0"/>
+              </a:rPr>
+              <a:t>Order</a:t>
+            </a:r>
+          </a:p>
+        </p:txBody>
+      </p:sp>
     </p:spTree>
     <p:extLst>
       <p:ext uri="{BB962C8B-B14F-4D97-AF65-F5344CB8AC3E}">
-        <p14:creationId xmlns:p14="http://schemas.microsoft.com/office/powerpoint/2010/main" val="1473019552"/>
+        <p14:creationId xmlns:p14="http://schemas.microsoft.com/office/powerpoint/2010/main" val="3909437071"/>
       </p:ext>
     </p:extLst>
   </p:cSld>
@@ -7867,7 +10747,7 @@
           <p:cNvPr id="2" name="Title 1">
             <a:extLst>
               <a:ext uri="{FF2B5EF4-FFF2-40B4-BE49-F238E27FC236}">
-                <a16:creationId xmlns:a16="http://schemas.microsoft.com/office/drawing/2014/main" id="{F75067D9-46B9-0644-A9C3-828BFC191A52}"/>
+                <a16:creationId xmlns:a16="http://schemas.microsoft.com/office/drawing/2014/main" id="{60523A45-02A8-5C47-975D-A7868598F442}"/>
               </a:ext>
             </a:extLst>
           </p:cNvPr>
@@ -7885,17 +10765,52 @@
           <a:p>
             <a:r>
               <a:rPr lang="en-US" dirty="0"/>
-              <a:t>Variables</a:t>
-            </a:r>
-          </a:p>
-        </p:txBody>
-      </p:sp>
+              <a:t>Customer</a:t>
+            </a:r>
+          </a:p>
+        </p:txBody>
+      </p:sp>
+      <p:pic>
+        <p:nvPicPr>
+          <p:cNvPr id="8" name="Content Placeholder 7">
+            <a:extLst>
+              <a:ext uri="{FF2B5EF4-FFF2-40B4-BE49-F238E27FC236}">
+                <a16:creationId xmlns:a16="http://schemas.microsoft.com/office/drawing/2014/main" id="{6AB72016-33BF-DA4C-A845-AC04F3FBE0F1}"/>
+              </a:ext>
+            </a:extLst>
+          </p:cNvPr>
+          <p:cNvPicPr>
+            <a:picLocks noGrp="1" noChangeAspect="1"/>
+          </p:cNvPicPr>
+          <p:nvPr>
+            <p:ph idx="1"/>
+          </p:nvPr>
+        </p:nvPicPr>
+        <p:blipFill>
+          <a:blip r:embed="rId2">
+            <a:extLst>
+              <a:ext uri="{28A0092B-C50C-407E-A947-70E740481C1C}">
+                <a14:useLocalDpi xmlns:a14="http://schemas.microsoft.com/office/drawing/2010/main" val="0"/>
+              </a:ext>
+            </a:extLst>
+          </a:blip>
+          <a:stretch>
+            <a:fillRect/>
+          </a:stretch>
+        </p:blipFill>
+        <p:spPr>
+          <a:xfrm>
+            <a:off x="1680430" y="1825625"/>
+            <a:ext cx="5783140" cy="4351338"/>
+          </a:xfrm>
+        </p:spPr>
+      </p:pic>
       <p:sp>
         <p:nvSpPr>
           <p:cNvPr id="4" name="Date Placeholder 3">
             <a:extLst>
               <a:ext uri="{FF2B5EF4-FFF2-40B4-BE49-F238E27FC236}">
-                <a16:creationId xmlns:a16="http://schemas.microsoft.com/office/drawing/2014/main" id="{ABE95DFC-AC29-C545-B2CC-2C1DF7E3BD8E}"/>
+                <a16:creationId xmlns:a16="http://schemas.microsoft.com/office/drawing/2014/main" id="{96D1C08D-46D3-124F-BE6C-1C74D498DCA7}"/>
               </a:ext>
             </a:extLst>
           </p:cNvPr>
@@ -7927,7 +10842,7 @@
           <p:cNvPr id="5" name="Footer Placeholder 4">
             <a:extLst>
               <a:ext uri="{FF2B5EF4-FFF2-40B4-BE49-F238E27FC236}">
-                <a16:creationId xmlns:a16="http://schemas.microsoft.com/office/drawing/2014/main" id="{21DB1EBE-CA1D-FC47-8283-930FBA3D4167}"/>
+                <a16:creationId xmlns:a16="http://schemas.microsoft.com/office/drawing/2014/main" id="{F4E05095-69A5-0248-97A5-ED7863141357}"/>
               </a:ext>
             </a:extLst>
           </p:cNvPr>
@@ -7959,7 +10874,7 @@
           <p:cNvPr id="6" name="Slide Number Placeholder 5">
             <a:extLst>
               <a:ext uri="{FF2B5EF4-FFF2-40B4-BE49-F238E27FC236}">
-                <a16:creationId xmlns:a16="http://schemas.microsoft.com/office/drawing/2014/main" id="{7FEB1957-84F5-9C45-8512-FD3CF577A24B}"/>
+                <a16:creationId xmlns:a16="http://schemas.microsoft.com/office/drawing/2014/main" id="{02FF5221-F8D0-0744-B394-70891525CAB6}"/>
               </a:ext>
             </a:extLst>
           </p:cNvPr>
@@ -7984,6 +10899,163 @@
                 <a:defRPr/>
               </a:pPr>
               <a:t>22</a:t>
+            </a:fld>
+            <a:endParaRPr lang="en-US" dirty="0"/>
+          </a:p>
+        </p:txBody>
+      </p:sp>
+    </p:spTree>
+    <p:extLst>
+      <p:ext uri="{BB962C8B-B14F-4D97-AF65-F5344CB8AC3E}">
+        <p14:creationId xmlns:p14="http://schemas.microsoft.com/office/powerpoint/2010/main" val="2115740688"/>
+      </p:ext>
+    </p:extLst>
+  </p:cSld>
+  <p:clrMapOvr>
+    <a:masterClrMapping/>
+  </p:clrMapOvr>
+</p:sld>
+</file>
+
+<file path=ppt/slides/slide23.xml><?xml version="1.0" encoding="utf-8"?>
+<p:sld xmlns:a="http://schemas.openxmlformats.org/drawingml/2006/main" xmlns:r="http://schemas.openxmlformats.org/officeDocument/2006/relationships" xmlns:p="http://schemas.openxmlformats.org/presentationml/2006/main">
+  <p:cSld>
+    <p:spTree>
+      <p:nvGrpSpPr>
+        <p:cNvPr id="1" name=""/>
+        <p:cNvGrpSpPr/>
+        <p:nvPr/>
+      </p:nvGrpSpPr>
+      <p:grpSpPr>
+        <a:xfrm>
+          <a:off x="0" y="0"/>
+          <a:ext cx="0" cy="0"/>
+          <a:chOff x="0" y="0"/>
+          <a:chExt cx="0" cy="0"/>
+        </a:xfrm>
+      </p:grpSpPr>
+      <p:sp>
+        <p:nvSpPr>
+          <p:cNvPr id="2" name="Title 1">
+            <a:extLst>
+              <a:ext uri="{FF2B5EF4-FFF2-40B4-BE49-F238E27FC236}">
+                <a16:creationId xmlns:a16="http://schemas.microsoft.com/office/drawing/2014/main" id="{F75067D9-46B9-0644-A9C3-828BFC191A52}"/>
+              </a:ext>
+            </a:extLst>
+          </p:cNvPr>
+          <p:cNvSpPr>
+            <a:spLocks noGrp="1"/>
+          </p:cNvSpPr>
+          <p:nvPr>
+            <p:ph type="title"/>
+          </p:nvPr>
+        </p:nvSpPr>
+        <p:spPr/>
+        <p:txBody>
+          <a:bodyPr/>
+          <a:lstStyle/>
+          <a:p>
+            <a:r>
+              <a:rPr lang="en-US" dirty="0"/>
+              <a:t>Variables</a:t>
+            </a:r>
+          </a:p>
+        </p:txBody>
+      </p:sp>
+      <p:sp>
+        <p:nvSpPr>
+          <p:cNvPr id="4" name="Date Placeholder 3">
+            <a:extLst>
+              <a:ext uri="{FF2B5EF4-FFF2-40B4-BE49-F238E27FC236}">
+                <a16:creationId xmlns:a16="http://schemas.microsoft.com/office/drawing/2014/main" id="{ABE95DFC-AC29-C545-B2CC-2C1DF7E3BD8E}"/>
+              </a:ext>
+            </a:extLst>
+          </p:cNvPr>
+          <p:cNvSpPr>
+            <a:spLocks noGrp="1"/>
+          </p:cNvSpPr>
+          <p:nvPr>
+            <p:ph type="dt" sz="half" idx="10"/>
+          </p:nvPr>
+        </p:nvSpPr>
+        <p:spPr/>
+        <p:txBody>
+          <a:bodyPr/>
+          <a:lstStyle/>
+          <a:p>
+            <a:pPr>
+              <a:defRPr/>
+            </a:pPr>
+            <a:r>
+              <a:rPr lang="en-US"/>
+              <a:t>November 26</a:t>
+            </a:r>
+            <a:endParaRPr lang="en-US" dirty="0"/>
+          </a:p>
+        </p:txBody>
+      </p:sp>
+      <p:sp>
+        <p:nvSpPr>
+          <p:cNvPr id="5" name="Footer Placeholder 4">
+            <a:extLst>
+              <a:ext uri="{FF2B5EF4-FFF2-40B4-BE49-F238E27FC236}">
+                <a16:creationId xmlns:a16="http://schemas.microsoft.com/office/drawing/2014/main" id="{21DB1EBE-CA1D-FC47-8283-930FBA3D4167}"/>
+              </a:ext>
+            </a:extLst>
+          </p:cNvPr>
+          <p:cNvSpPr>
+            <a:spLocks noGrp="1"/>
+          </p:cNvSpPr>
+          <p:nvPr>
+            <p:ph type="ftr" sz="quarter" idx="11"/>
+          </p:nvPr>
+        </p:nvSpPr>
+        <p:spPr/>
+        <p:txBody>
+          <a:bodyPr/>
+          <a:lstStyle/>
+          <a:p>
+            <a:pPr>
+              <a:defRPr/>
+            </a:pPr>
+            <a:r>
+              <a:rPr lang="en-US"/>
+              <a:t>IE 526  Final Project</a:t>
+            </a:r>
+            <a:endParaRPr lang="en-US" dirty="0"/>
+          </a:p>
+        </p:txBody>
+      </p:sp>
+      <p:sp>
+        <p:nvSpPr>
+          <p:cNvPr id="6" name="Slide Number Placeholder 5">
+            <a:extLst>
+              <a:ext uri="{FF2B5EF4-FFF2-40B4-BE49-F238E27FC236}">
+                <a16:creationId xmlns:a16="http://schemas.microsoft.com/office/drawing/2014/main" id="{7FEB1957-84F5-9C45-8512-FD3CF577A24B}"/>
+              </a:ext>
+            </a:extLst>
+          </p:cNvPr>
+          <p:cNvSpPr>
+            <a:spLocks noGrp="1"/>
+          </p:cNvSpPr>
+          <p:nvPr>
+            <p:ph type="sldNum" sz="quarter" idx="12"/>
+          </p:nvPr>
+        </p:nvSpPr>
+        <p:spPr/>
+        <p:txBody>
+          <a:bodyPr/>
+          <a:lstStyle/>
+          <a:p>
+            <a:pPr>
+              <a:defRPr/>
+            </a:pPr>
+            <a:fld id="{61875079-2EDC-4E24-99D6-3E823A45791C}" type="slidenum">
+              <a:rPr lang="en-US" smtClean="0"/>
+              <a:pPr>
+                <a:defRPr/>
+              </a:pPr>
+              <a:t>23</a:t>
             </a:fld>
             <a:endParaRPr lang="en-US" dirty="0"/>
           </a:p>
@@ -8038,7 +11110,7 @@
 </p:sld>
 </file>
 
-<file path=ppt/slides/slide23.xml><?xml version="1.0" encoding="utf-8"?>
+<file path=ppt/slides/slide24.xml><?xml version="1.0" encoding="utf-8"?>
 <p:sld xmlns:a="http://schemas.openxmlformats.org/drawingml/2006/main" xmlns:r="http://schemas.openxmlformats.org/officeDocument/2006/relationships" xmlns:p="http://schemas.openxmlformats.org/presentationml/2006/main">
   <p:cSld>
     <p:spTree>
@@ -8246,7 +11318,7 @@
               <a:pPr>
                 <a:defRPr/>
               </a:pPr>
-              <a:t>23</a:t>
+              <a:t>24</a:t>
             </a:fld>
             <a:endParaRPr lang="en-US" dirty="0">
               <a:cs typeface="Times New Roman" panose="02020603050405020304" pitchFamily="18" charset="0"/>
@@ -8367,6 +11439,35 @@
       </p:sp>
       <p:pic>
         <p:nvPicPr>
+          <p:cNvPr id="10" name="Content Placeholder 9"/>
+          <p:cNvPicPr>
+            <a:picLocks noGrp="1" noChangeAspect="1"/>
+          </p:cNvPicPr>
+          <p:nvPr>
+            <p:ph idx="1"/>
+          </p:nvPr>
+        </p:nvPicPr>
+        <p:blipFill>
+          <a:blip r:embed="rId2">
+            <a:extLst>
+              <a:ext uri="{28A0092B-C50C-407E-A947-70E740481C1C}">
+                <a14:useLocalDpi xmlns:a14="http://schemas.microsoft.com/office/drawing/2010/main" val="0"/>
+              </a:ext>
+            </a:extLst>
+          </a:blip>
+          <a:stretch>
+            <a:fillRect/>
+          </a:stretch>
+        </p:blipFill>
+        <p:spPr>
+          <a:xfrm>
+            <a:off x="703706" y="1371600"/>
+            <a:ext cx="7736587" cy="4191000"/>
+          </a:xfrm>
+        </p:spPr>
+      </p:pic>
+      <p:pic>
+        <p:nvPicPr>
           <p:cNvPr id="7" name="Picture 6"/>
           <p:cNvPicPr>
             <a:picLocks noChangeAspect="1"/>
@@ -8374,7 +11475,7 @@
           <p:nvPr/>
         </p:nvPicPr>
         <p:blipFill>
-          <a:blip r:embed="rId2">
+          <a:blip r:embed="rId3" cstate="print">
             <a:extLst>
               <a:ext uri="{28A0092B-C50C-407E-A947-70E740481C1C}">
                 <a14:useLocalDpi xmlns:a14="http://schemas.microsoft.com/office/drawing/2010/main" val="0"/>
@@ -8387,38 +11488,8 @@
         </p:blipFill>
         <p:spPr>
           <a:xfrm>
-            <a:off x="942975" y="1447800"/>
-            <a:ext cx="7258050" cy="4181475"/>
-          </a:xfrm>
-          <a:prstGeom prst="rect">
-            <a:avLst/>
-          </a:prstGeom>
-        </p:spPr>
-      </p:pic>
-      <p:pic>
-        <p:nvPicPr>
-          <p:cNvPr id="8" name="Picture 7"/>
-          <p:cNvPicPr>
-            <a:picLocks noChangeAspect="1"/>
-          </p:cNvPicPr>
-          <p:nvPr/>
-        </p:nvPicPr>
-        <p:blipFill>
-          <a:blip r:embed="rId3" cstate="print">
-            <a:extLst>
-              <a:ext uri="{28A0092B-C50C-407E-A947-70E740481C1C}">
-                <a14:useLocalDpi xmlns:a14="http://schemas.microsoft.com/office/drawing/2010/main" val="0"/>
-              </a:ext>
-            </a:extLst>
-          </a:blip>
-          <a:stretch>
-            <a:fillRect/>
-          </a:stretch>
-        </p:blipFill>
-        <p:spPr>
-          <a:xfrm>
-            <a:off x="685800" y="179753"/>
-            <a:ext cx="1581150" cy="904509"/>
+            <a:off x="5559044" y="3962399"/>
+            <a:ext cx="2881249" cy="1600201"/>
           </a:xfrm>
           <a:prstGeom prst="rect">
             <a:avLst/>
@@ -8428,7 +11499,7 @@
     </p:spTree>
     <p:extLst>
       <p:ext uri="{BB962C8B-B14F-4D97-AF65-F5344CB8AC3E}">
-        <p14:creationId xmlns:p14="http://schemas.microsoft.com/office/powerpoint/2010/main" val="3699359942"/>
+        <p14:creationId xmlns:p14="http://schemas.microsoft.com/office/powerpoint/2010/main" val="2425930238"/>
       </p:ext>
     </p:extLst>
   </p:cSld>
@@ -8457,63 +11528,6 @@
       </p:grpSpPr>
       <p:sp>
         <p:nvSpPr>
-          <p:cNvPr id="3" name="Content Placeholder 2"/>
-          <p:cNvSpPr>
-            <a:spLocks noGrp="1"/>
-          </p:cNvSpPr>
-          <p:nvPr>
-            <p:ph idx="1"/>
-          </p:nvPr>
-        </p:nvSpPr>
-        <p:spPr>
-          <a:xfrm>
-            <a:off x="628650" y="1700753"/>
-            <a:ext cx="7886700" cy="2718847"/>
-          </a:xfrm>
-        </p:spPr>
-        <p:txBody>
-          <a:bodyPr/>
-          <a:lstStyle/>
-          <a:p>
-            <a:r>
-              <a:rPr lang="en-US" dirty="0"/>
-              <a:t>10 billion yuan in 125 seconds ($ 1.4 billion)</a:t>
-            </a:r>
-          </a:p>
-          <a:p>
-            <a:r>
-              <a:rPr lang="en-US" dirty="0"/>
-              <a:t>213.5 billion yuan in 24 hours ($ 30.5 billion)</a:t>
-            </a:r>
-          </a:p>
-          <a:p>
-            <a:r>
-              <a:rPr lang="en-US" dirty="0"/>
-              <a:t>812 million goods</a:t>
-            </a:r>
-          </a:p>
-          <a:p>
-            <a:r>
-              <a:rPr lang="en-US" dirty="0"/>
-              <a:t>2 - 7 days (no shipping fee)</a:t>
-            </a:r>
-          </a:p>
-          <a:p>
-            <a:r>
-              <a:rPr lang="en-US" dirty="0"/>
-              <a:t>1 - 2 days ($ 2)</a:t>
-            </a:r>
-          </a:p>
-          <a:p>
-            <a:pPr marL="0" indent="0">
-              <a:buNone/>
-            </a:pPr>
-            <a:endParaRPr lang="en-US" dirty="0"/>
-          </a:p>
-        </p:txBody>
-      </p:sp>
-      <p:sp>
-        <p:nvSpPr>
           <p:cNvPr id="4" name="Date Placeholder 3"/>
           <p:cNvSpPr>
             <a:spLocks noGrp="1"/>
@@ -8593,47 +11607,40 @@
           </a:p>
         </p:txBody>
       </p:sp>
-      <p:sp>
-        <p:nvSpPr>
-          <p:cNvPr id="7" name="Title 1">
-            <a:extLst>
-              <a:ext uri="{FF2B5EF4-FFF2-40B4-BE49-F238E27FC236}">
-                <a16:creationId xmlns:a16="http://schemas.microsoft.com/office/drawing/2014/main" id="{6DB6E857-C20D-6541-BF3E-4DF0865E12C0}"/>
-              </a:ext>
-            </a:extLst>
-          </p:cNvPr>
-          <p:cNvSpPr>
-            <a:spLocks noGrp="1"/>
-          </p:cNvSpPr>
-          <p:nvPr>
-            <p:ph type="title"/>
-          </p:nvPr>
-        </p:nvSpPr>
+      <p:pic>
+        <p:nvPicPr>
+          <p:cNvPr id="7" name="Picture 6"/>
+          <p:cNvPicPr>
+            <a:picLocks noChangeAspect="1"/>
+          </p:cNvPicPr>
+          <p:nvPr/>
+        </p:nvPicPr>
+        <p:blipFill>
+          <a:blip r:embed="rId2">
+            <a:extLst>
+              <a:ext uri="{28A0092B-C50C-407E-A947-70E740481C1C}">
+                <a14:useLocalDpi xmlns:a14="http://schemas.microsoft.com/office/drawing/2010/main" val="0"/>
+              </a:ext>
+            </a:extLst>
+          </a:blip>
+          <a:stretch>
+            <a:fillRect/>
+          </a:stretch>
+        </p:blipFill>
         <p:spPr>
           <a:xfrm>
-            <a:off x="628650" y="365126"/>
-            <a:ext cx="7886700" cy="1325563"/>
+            <a:off x="762000" y="1066800"/>
+            <a:ext cx="7316982" cy="4874821"/>
           </a:xfrm>
+          <a:prstGeom prst="rect">
+            <a:avLst/>
+          </a:prstGeom>
         </p:spPr>
-        <p:txBody>
-          <a:bodyPr/>
-          <a:lstStyle/>
-          <a:p>
-            <a:pPr algn="just"/>
-            <a:r>
-              <a:rPr lang="en-US" dirty="0">
-                <a:latin typeface="Times New Roman" panose="02020603050405020304" pitchFamily="18" charset="0"/>
-                <a:cs typeface="Times New Roman" panose="02020603050405020304" pitchFamily="18" charset="0"/>
-              </a:rPr>
-              <a:t>Double Eleven</a:t>
-            </a:r>
-          </a:p>
-        </p:txBody>
-      </p:sp>
+      </p:pic>
     </p:spTree>
     <p:extLst>
       <p:ext uri="{BB962C8B-B14F-4D97-AF65-F5344CB8AC3E}">
-        <p14:creationId xmlns:p14="http://schemas.microsoft.com/office/powerpoint/2010/main" val="631034884"/>
+        <p14:creationId xmlns:p14="http://schemas.microsoft.com/office/powerpoint/2010/main" val="2771258310"/>
       </p:ext>
     </p:extLst>
   </p:cSld>
@@ -8662,6 +11669,211 @@
       </p:grpSpPr>
       <p:sp>
         <p:nvSpPr>
+          <p:cNvPr id="3" name="Content Placeholder 2"/>
+          <p:cNvSpPr>
+            <a:spLocks noGrp="1"/>
+          </p:cNvSpPr>
+          <p:nvPr>
+            <p:ph idx="1"/>
+          </p:nvPr>
+        </p:nvSpPr>
+        <p:spPr>
+          <a:xfrm>
+            <a:off x="628650" y="1700753"/>
+            <a:ext cx="7886700" cy="2718847"/>
+          </a:xfrm>
+        </p:spPr>
+        <p:txBody>
+          <a:bodyPr/>
+          <a:lstStyle/>
+          <a:p>
+            <a:r>
+              <a:rPr lang="en-US" dirty="0"/>
+              <a:t>10 billion yuan in 125 seconds ($ 1.4 billion)</a:t>
+            </a:r>
+          </a:p>
+          <a:p>
+            <a:r>
+              <a:rPr lang="en-US" dirty="0"/>
+              <a:t>213.5 billion yuan in 24 hours ($ 30.5 billion)</a:t>
+            </a:r>
+          </a:p>
+          <a:p>
+            <a:r>
+              <a:rPr lang="en-US" dirty="0"/>
+              <a:t>812 million goods</a:t>
+            </a:r>
+          </a:p>
+          <a:p>
+            <a:r>
+              <a:rPr lang="en-US" dirty="0"/>
+              <a:t>2 - 7 days (no shipping fee)</a:t>
+            </a:r>
+          </a:p>
+          <a:p>
+            <a:r>
+              <a:rPr lang="en-US" dirty="0"/>
+              <a:t>1 - 2 days ($ 2)</a:t>
+            </a:r>
+          </a:p>
+          <a:p>
+            <a:pPr marL="0" indent="0">
+              <a:buNone/>
+            </a:pPr>
+            <a:endParaRPr lang="en-US" dirty="0"/>
+          </a:p>
+        </p:txBody>
+      </p:sp>
+      <p:sp>
+        <p:nvSpPr>
+          <p:cNvPr id="4" name="Date Placeholder 3"/>
+          <p:cNvSpPr>
+            <a:spLocks noGrp="1"/>
+          </p:cNvSpPr>
+          <p:nvPr>
+            <p:ph type="dt" sz="half" idx="10"/>
+          </p:nvPr>
+        </p:nvSpPr>
+        <p:spPr/>
+        <p:txBody>
+          <a:bodyPr/>
+          <a:lstStyle/>
+          <a:p>
+            <a:pPr>
+              <a:defRPr/>
+            </a:pPr>
+            <a:r>
+              <a:rPr lang="en-US"/>
+              <a:t>November 26</a:t>
+            </a:r>
+            <a:endParaRPr lang="en-US" dirty="0"/>
+          </a:p>
+        </p:txBody>
+      </p:sp>
+      <p:sp>
+        <p:nvSpPr>
+          <p:cNvPr id="5" name="Footer Placeholder 4"/>
+          <p:cNvSpPr>
+            <a:spLocks noGrp="1"/>
+          </p:cNvSpPr>
+          <p:nvPr>
+            <p:ph type="ftr" sz="quarter" idx="11"/>
+          </p:nvPr>
+        </p:nvSpPr>
+        <p:spPr/>
+        <p:txBody>
+          <a:bodyPr/>
+          <a:lstStyle/>
+          <a:p>
+            <a:pPr>
+              <a:defRPr/>
+            </a:pPr>
+            <a:r>
+              <a:rPr lang="en-US"/>
+              <a:t>IE 526  Final Project</a:t>
+            </a:r>
+            <a:endParaRPr lang="en-US" dirty="0"/>
+          </a:p>
+        </p:txBody>
+      </p:sp>
+      <p:sp>
+        <p:nvSpPr>
+          <p:cNvPr id="6" name="Slide Number Placeholder 5"/>
+          <p:cNvSpPr>
+            <a:spLocks noGrp="1"/>
+          </p:cNvSpPr>
+          <p:nvPr>
+            <p:ph type="sldNum" sz="quarter" idx="12"/>
+          </p:nvPr>
+        </p:nvSpPr>
+        <p:spPr/>
+        <p:txBody>
+          <a:bodyPr/>
+          <a:lstStyle/>
+          <a:p>
+            <a:pPr>
+              <a:defRPr/>
+            </a:pPr>
+            <a:fld id="{61875079-2EDC-4E24-99D6-3E823A45791C}" type="slidenum">
+              <a:rPr lang="en-US" smtClean="0"/>
+              <a:pPr>
+                <a:defRPr/>
+              </a:pPr>
+              <a:t>5</a:t>
+            </a:fld>
+            <a:endParaRPr lang="en-US" dirty="0"/>
+          </a:p>
+        </p:txBody>
+      </p:sp>
+      <p:sp>
+        <p:nvSpPr>
+          <p:cNvPr id="7" name="Title 1">
+            <a:extLst>
+              <a:ext uri="{FF2B5EF4-FFF2-40B4-BE49-F238E27FC236}">
+                <a16:creationId xmlns:a16="http://schemas.microsoft.com/office/drawing/2014/main" id="{6DB6E857-C20D-6541-BF3E-4DF0865E12C0}"/>
+              </a:ext>
+            </a:extLst>
+          </p:cNvPr>
+          <p:cNvSpPr>
+            <a:spLocks noGrp="1"/>
+          </p:cNvSpPr>
+          <p:nvPr>
+            <p:ph type="title"/>
+          </p:nvPr>
+        </p:nvSpPr>
+        <p:spPr>
+          <a:xfrm>
+            <a:off x="628650" y="365126"/>
+            <a:ext cx="7886700" cy="1325563"/>
+          </a:xfrm>
+        </p:spPr>
+        <p:txBody>
+          <a:bodyPr/>
+          <a:lstStyle/>
+          <a:p>
+            <a:pPr algn="just"/>
+            <a:r>
+              <a:rPr lang="en-US" dirty="0">
+                <a:latin typeface="Times New Roman" panose="02020603050405020304" pitchFamily="18" charset="0"/>
+                <a:cs typeface="Times New Roman" panose="02020603050405020304" pitchFamily="18" charset="0"/>
+              </a:rPr>
+              <a:t>Double Eleven</a:t>
+            </a:r>
+          </a:p>
+        </p:txBody>
+      </p:sp>
+    </p:spTree>
+    <p:extLst>
+      <p:ext uri="{BB962C8B-B14F-4D97-AF65-F5344CB8AC3E}">
+        <p14:creationId xmlns:p14="http://schemas.microsoft.com/office/powerpoint/2010/main" val="631034884"/>
+      </p:ext>
+    </p:extLst>
+  </p:cSld>
+  <p:clrMapOvr>
+    <a:masterClrMapping/>
+  </p:clrMapOvr>
+</p:sld>
+</file>
+
+<file path=ppt/slides/slide6.xml><?xml version="1.0" encoding="utf-8"?>
+<p:sld xmlns:a="http://schemas.openxmlformats.org/drawingml/2006/main" xmlns:r="http://schemas.openxmlformats.org/officeDocument/2006/relationships" xmlns:p="http://schemas.openxmlformats.org/presentationml/2006/main">
+  <p:cSld>
+    <p:spTree>
+      <p:nvGrpSpPr>
+        <p:cNvPr id="1" name=""/>
+        <p:cNvGrpSpPr/>
+        <p:nvPr/>
+      </p:nvGrpSpPr>
+      <p:grpSpPr>
+        <a:xfrm>
+          <a:off x="0" y="0"/>
+          <a:ext cx="0" cy="0"/>
+          <a:chOff x="0" y="0"/>
+          <a:chExt cx="0" cy="0"/>
+        </a:xfrm>
+      </p:grpSpPr>
+      <p:sp>
+        <p:nvSpPr>
           <p:cNvPr id="2" name="Title 1">
             <a:extLst>
               <a:ext uri="{FF2B5EF4-FFF2-40B4-BE49-F238E27FC236}">
@@ -8839,7 +12051,7 @@
               <a:pPr>
                 <a:defRPr/>
               </a:pPr>
-              <a:t>5</a:t>
+              <a:t>6</a:t>
             </a:fld>
             <a:endParaRPr lang="en-US" dirty="0">
               <a:cs typeface="Times New Roman" panose="02020603050405020304" pitchFamily="18" charset="0"/>
@@ -8896,7 +12108,7 @@
 </p:sld>
 </file>
 
-<file path=ppt/slides/slide6.xml><?xml version="1.0" encoding="utf-8"?>
+<file path=ppt/slides/slide7.xml><?xml version="1.0" encoding="utf-8"?>
 <p:sld xmlns:a="http://schemas.openxmlformats.org/drawingml/2006/main" xmlns:r="http://schemas.openxmlformats.org/officeDocument/2006/relationships" xmlns:p="http://schemas.openxmlformats.org/presentationml/2006/main">
   <p:cSld>
     <p:spTree>
@@ -9047,7 +12259,7 @@
               <a:pPr>
                 <a:defRPr/>
               </a:pPr>
-              <a:t>6</a:t>
+              <a:t>7</a:t>
             </a:fld>
             <a:endParaRPr lang="en-US" dirty="0">
               <a:cs typeface="Times New Roman" panose="02020603050405020304" pitchFamily="18" charset="0"/>
@@ -9398,7 +12610,7 @@
 </p:sld>
 </file>
 
-<file path=ppt/slides/slide7.xml><?xml version="1.0" encoding="utf-8"?>
+<file path=ppt/slides/slide8.xml><?xml version="1.0" encoding="utf-8"?>
 <p:sld xmlns:a="http://schemas.openxmlformats.org/drawingml/2006/main" xmlns:r="http://schemas.openxmlformats.org/officeDocument/2006/relationships" xmlns:p="http://schemas.openxmlformats.org/presentationml/2006/main">
   <p:cSld>
     <p:spTree>
@@ -9518,7 +12730,7 @@
               <a:pPr>
                 <a:defRPr/>
               </a:pPr>
-              <a:t>7</a:t>
+              <a:t>8</a:t>
             </a:fld>
             <a:endParaRPr lang="en-US" dirty="0">
               <a:cs typeface="Times New Roman" panose="02020603050405020304" pitchFamily="18" charset="0"/>
@@ -10107,2120 +13319,6 @@
 </p:sld>
 </file>
 
-<file path=ppt/slides/slide8.xml><?xml version="1.0" encoding="utf-8"?>
-<p:sld xmlns:a="http://schemas.openxmlformats.org/drawingml/2006/main" xmlns:r="http://schemas.openxmlformats.org/officeDocument/2006/relationships" xmlns:p="http://schemas.openxmlformats.org/presentationml/2006/main">
-  <p:cSld>
-    <p:spTree>
-      <p:nvGrpSpPr>
-        <p:cNvPr id="1" name=""/>
-        <p:cNvGrpSpPr/>
-        <p:nvPr/>
-      </p:nvGrpSpPr>
-      <p:grpSpPr>
-        <a:xfrm>
-          <a:off x="0" y="0"/>
-          <a:ext cx="0" cy="0"/>
-          <a:chOff x="0" y="0"/>
-          <a:chExt cx="0" cy="0"/>
-        </a:xfrm>
-      </p:grpSpPr>
-      <p:sp>
-        <p:nvSpPr>
-          <p:cNvPr id="2" name="Title 1"/>
-          <p:cNvSpPr>
-            <a:spLocks noGrp="1"/>
-          </p:cNvSpPr>
-          <p:nvPr>
-            <p:ph type="title"/>
-          </p:nvPr>
-        </p:nvSpPr>
-        <p:spPr/>
-        <p:txBody>
-          <a:bodyPr/>
-          <a:lstStyle/>
-          <a:p>
-            <a:r>
-              <a:rPr lang="en-US" dirty="0">
-                <a:latin typeface="Times New Roman" panose="02020603050405020304" pitchFamily="18" charset="0"/>
-                <a:cs typeface="Times New Roman" panose="02020603050405020304" pitchFamily="18" charset="0"/>
-              </a:rPr>
-              <a:t>Data sample</a:t>
-            </a:r>
-          </a:p>
-        </p:txBody>
-      </p:sp>
-      <p:graphicFrame>
-        <p:nvGraphicFramePr>
-          <p:cNvPr id="8" name="Content Placeholder 7"/>
-          <p:cNvGraphicFramePr>
-            <a:graphicFrameLocks noGrp="1"/>
-          </p:cNvGraphicFramePr>
-          <p:nvPr>
-            <p:ph idx="1"/>
-            <p:extLst>
-              <p:ext uri="{D42A27DB-BD31-4B8C-83A1-F6EECF244321}">
-                <p14:modId xmlns:p14="http://schemas.microsoft.com/office/powerpoint/2010/main" val="4268693390"/>
-              </p:ext>
-            </p:extLst>
-          </p:nvPr>
-        </p:nvGraphicFramePr>
-        <p:xfrm>
-          <a:off x="631525" y="1600200"/>
-          <a:ext cx="7924799" cy="4267199"/>
-        </p:xfrm>
-        <a:graphic>
-          <a:graphicData uri="http://schemas.openxmlformats.org/drawingml/2006/table">
-            <a:tbl>
-              <a:tblPr firstRow="1" firstCol="1" bandRow="1">
-                <a:tableStyleId>{0505E3EF-67EA-436B-97B2-0124C06EBD24}</a:tableStyleId>
-              </a:tblPr>
-              <a:tblGrid>
-                <a:gridCol w="588945">
-                  <a:extLst>
-                    <a:ext uri="{9D8B030D-6E8A-4147-A177-3AD203B41FA5}">
-                      <a16:colId xmlns:a16="http://schemas.microsoft.com/office/drawing/2014/main" val="988413258"/>
-                    </a:ext>
-                  </a:extLst>
-                </a:gridCol>
-                <a:gridCol w="1260824">
-                  <a:extLst>
-                    <a:ext uri="{9D8B030D-6E8A-4147-A177-3AD203B41FA5}">
-                      <a16:colId xmlns:a16="http://schemas.microsoft.com/office/drawing/2014/main" val="4063265800"/>
-                    </a:ext>
-                  </a:extLst>
-                </a:gridCol>
-                <a:gridCol w="1168275">
-                  <a:extLst>
-                    <a:ext uri="{9D8B030D-6E8A-4147-A177-3AD203B41FA5}">
-                      <a16:colId xmlns:a16="http://schemas.microsoft.com/office/drawing/2014/main" val="2879980063"/>
-                    </a:ext>
-                  </a:extLst>
-                </a:gridCol>
-                <a:gridCol w="1177875">
-                  <a:extLst>
-                    <a:ext uri="{9D8B030D-6E8A-4147-A177-3AD203B41FA5}">
-                      <a16:colId xmlns:a16="http://schemas.microsoft.com/office/drawing/2014/main" val="476008408"/>
-                    </a:ext>
-                  </a:extLst>
-                </a:gridCol>
-                <a:gridCol w="1359926">
-                  <a:extLst>
-                    <a:ext uri="{9D8B030D-6E8A-4147-A177-3AD203B41FA5}">
-                      <a16:colId xmlns:a16="http://schemas.microsoft.com/office/drawing/2014/main" val="3062488762"/>
-                    </a:ext>
-                  </a:extLst>
-                </a:gridCol>
-                <a:gridCol w="1159766">
-                  <a:extLst>
-                    <a:ext uri="{9D8B030D-6E8A-4147-A177-3AD203B41FA5}">
-                      <a16:colId xmlns:a16="http://schemas.microsoft.com/office/drawing/2014/main" val="1706207236"/>
-                    </a:ext>
-                  </a:extLst>
-                </a:gridCol>
-                <a:gridCol w="1209188">
-                  <a:extLst>
-                    <a:ext uri="{9D8B030D-6E8A-4147-A177-3AD203B41FA5}">
-                      <a16:colId xmlns:a16="http://schemas.microsoft.com/office/drawing/2014/main" val="3908668402"/>
-                    </a:ext>
-                  </a:extLst>
-                </a:gridCol>
-              </a:tblGrid>
-              <a:tr h="794096">
-                <a:tc>
-                  <a:txBody>
-                    <a:bodyPr/>
-                    <a:lstStyle/>
-                    <a:p>
-                      <a:pPr marL="0" marR="0" algn="ctr">
-                        <a:lnSpc>
-                          <a:spcPct val="107000"/>
-                        </a:lnSpc>
-                        <a:spcBef>
-                          <a:spcPts val="0"/>
-                        </a:spcBef>
-                        <a:spcAft>
-                          <a:spcPts val="0"/>
-                        </a:spcAft>
-                      </a:pPr>
-                      <a:r>
-                        <a:rPr lang="en-US" sz="1400" dirty="0">
-                          <a:effectLst/>
-                        </a:rPr>
-                        <a:t>Node  ID</a:t>
-                      </a:r>
-                      <a:endParaRPr lang="en-US" sz="1800" dirty="0">
-                        <a:effectLst/>
-                        <a:latin typeface="Times New Roman" panose="02020603050405020304" pitchFamily="18" charset="0"/>
-                        <a:ea typeface="Calibri" panose="020F0502020204030204" pitchFamily="34" charset="0"/>
-                        <a:cs typeface="Times New Roman" panose="02020603050405020304" pitchFamily="18" charset="0"/>
-                      </a:endParaRPr>
-                    </a:p>
-                  </a:txBody>
-                  <a:tcPr marL="68580" marR="68580" marT="0" marB="0" anchor="ctr"/>
-                </a:tc>
-                <a:tc>
-                  <a:txBody>
-                    <a:bodyPr/>
-                    <a:lstStyle/>
-                    <a:p>
-                      <a:pPr marL="0" marR="0" algn="ctr">
-                        <a:lnSpc>
-                          <a:spcPct val="107000"/>
-                        </a:lnSpc>
-                        <a:spcBef>
-                          <a:spcPts val="0"/>
-                        </a:spcBef>
-                        <a:spcAft>
-                          <a:spcPts val="0"/>
-                        </a:spcAft>
-                      </a:pPr>
-                      <a:r>
-                        <a:rPr lang="en-US" sz="1400" dirty="0">
-                          <a:effectLst/>
-                        </a:rPr>
-                        <a:t>Longitude</a:t>
-                      </a:r>
-                      <a:endParaRPr lang="en-US" sz="1800" dirty="0">
-                        <a:effectLst/>
-                        <a:latin typeface="Times New Roman" panose="02020603050405020304" pitchFamily="18" charset="0"/>
-                        <a:ea typeface="Calibri" panose="020F0502020204030204" pitchFamily="34" charset="0"/>
-                        <a:cs typeface="Times New Roman" panose="02020603050405020304" pitchFamily="18" charset="0"/>
-                      </a:endParaRPr>
-                    </a:p>
-                  </a:txBody>
-                  <a:tcPr marL="68580" marR="68580" marT="0" marB="0" anchor="ctr"/>
-                </a:tc>
-                <a:tc>
-                  <a:txBody>
-                    <a:bodyPr/>
-                    <a:lstStyle/>
-                    <a:p>
-                      <a:pPr marL="0" marR="0" algn="ctr">
-                        <a:lnSpc>
-                          <a:spcPct val="107000"/>
-                        </a:lnSpc>
-                        <a:spcBef>
-                          <a:spcPts val="0"/>
-                        </a:spcBef>
-                        <a:spcAft>
-                          <a:spcPts val="0"/>
-                        </a:spcAft>
-                      </a:pPr>
-                      <a:r>
-                        <a:rPr lang="en-US" sz="1400" dirty="0">
-                          <a:effectLst/>
-                        </a:rPr>
-                        <a:t>Latitude</a:t>
-                      </a:r>
-                      <a:endParaRPr lang="en-US" sz="1800" dirty="0">
-                        <a:effectLst/>
-                        <a:latin typeface="Times New Roman" panose="02020603050405020304" pitchFamily="18" charset="0"/>
-                        <a:ea typeface="Calibri" panose="020F0502020204030204" pitchFamily="34" charset="0"/>
-                        <a:cs typeface="Times New Roman" panose="02020603050405020304" pitchFamily="18" charset="0"/>
-                      </a:endParaRPr>
-                    </a:p>
-                  </a:txBody>
-                  <a:tcPr marL="68580" marR="68580" marT="0" marB="0" anchor="ctr"/>
-                </a:tc>
-                <a:tc>
-                  <a:txBody>
-                    <a:bodyPr/>
-                    <a:lstStyle/>
-                    <a:p>
-                      <a:pPr marL="0" marR="0" algn="ctr">
-                        <a:lnSpc>
-                          <a:spcPct val="107000"/>
-                        </a:lnSpc>
-                        <a:spcBef>
-                          <a:spcPts val="0"/>
-                        </a:spcBef>
-                        <a:spcAft>
-                          <a:spcPts val="0"/>
-                        </a:spcAft>
-                      </a:pPr>
-                      <a:r>
-                        <a:rPr lang="en-US" sz="1400" dirty="0">
-                          <a:effectLst/>
-                        </a:rPr>
-                        <a:t>Package Weight</a:t>
-                      </a:r>
-                      <a:endParaRPr lang="en-US" sz="1800" dirty="0">
-                        <a:effectLst/>
-                      </a:endParaRPr>
-                    </a:p>
-                    <a:p>
-                      <a:pPr marL="0" marR="0" algn="ctr">
-                        <a:lnSpc>
-                          <a:spcPct val="107000"/>
-                        </a:lnSpc>
-                        <a:spcBef>
-                          <a:spcPts val="0"/>
-                        </a:spcBef>
-                        <a:spcAft>
-                          <a:spcPts val="0"/>
-                        </a:spcAft>
-                      </a:pPr>
-                      <a:r>
-                        <a:rPr lang="en-US" sz="1400" dirty="0">
-                          <a:effectLst/>
-                        </a:rPr>
-                        <a:t>(tons)</a:t>
-                      </a:r>
-                      <a:endParaRPr lang="en-US" sz="1800" dirty="0">
-                        <a:effectLst/>
-                        <a:latin typeface="Times New Roman" panose="02020603050405020304" pitchFamily="18" charset="0"/>
-                        <a:ea typeface="Calibri" panose="020F0502020204030204" pitchFamily="34" charset="0"/>
-                        <a:cs typeface="Times New Roman" panose="02020603050405020304" pitchFamily="18" charset="0"/>
-                      </a:endParaRPr>
-                    </a:p>
-                  </a:txBody>
-                  <a:tcPr marL="68580" marR="68580" marT="0" marB="0" anchor="ctr"/>
-                </a:tc>
-                <a:tc>
-                  <a:txBody>
-                    <a:bodyPr/>
-                    <a:lstStyle/>
-                    <a:p>
-                      <a:pPr marL="0" marR="0" algn="ctr">
-                        <a:lnSpc>
-                          <a:spcPct val="107000"/>
-                        </a:lnSpc>
-                        <a:spcBef>
-                          <a:spcPts val="0"/>
-                        </a:spcBef>
-                        <a:spcAft>
-                          <a:spcPts val="0"/>
-                        </a:spcAft>
-                      </a:pPr>
-                      <a:r>
-                        <a:rPr lang="en-US" sz="1400" dirty="0">
-                          <a:effectLst/>
-                        </a:rPr>
-                        <a:t>Package Volume</a:t>
-                      </a:r>
-                      <a:endParaRPr lang="en-US" sz="1800" dirty="0">
-                        <a:effectLst/>
-                      </a:endParaRPr>
-                    </a:p>
-                    <a:p>
-                      <a:pPr marL="0" marR="0" algn="ctr">
-                        <a:lnSpc>
-                          <a:spcPct val="107000"/>
-                        </a:lnSpc>
-                        <a:spcBef>
-                          <a:spcPts val="0"/>
-                        </a:spcBef>
-                        <a:spcAft>
-                          <a:spcPts val="0"/>
-                        </a:spcAft>
-                      </a:pPr>
-                      <a:r>
-                        <a:rPr lang="en-US" sz="1400" dirty="0">
-                          <a:effectLst/>
-                        </a:rPr>
-                        <a:t>(cubic meters)</a:t>
-                      </a:r>
-                      <a:endParaRPr lang="en-US" sz="1800" dirty="0">
-                        <a:effectLst/>
-                        <a:latin typeface="Times New Roman" panose="02020603050405020304" pitchFamily="18" charset="0"/>
-                        <a:ea typeface="Calibri" panose="020F0502020204030204" pitchFamily="34" charset="0"/>
-                        <a:cs typeface="Times New Roman" panose="02020603050405020304" pitchFamily="18" charset="0"/>
-                      </a:endParaRPr>
-                    </a:p>
-                  </a:txBody>
-                  <a:tcPr marL="68580" marR="68580" marT="0" marB="0" anchor="ctr"/>
-                </a:tc>
-                <a:tc>
-                  <a:txBody>
-                    <a:bodyPr/>
-                    <a:lstStyle/>
-                    <a:p>
-                      <a:pPr marL="0" marR="0" algn="ctr">
-                        <a:lnSpc>
-                          <a:spcPct val="107000"/>
-                        </a:lnSpc>
-                        <a:spcBef>
-                          <a:spcPts val="0"/>
-                        </a:spcBef>
-                        <a:spcAft>
-                          <a:spcPts val="0"/>
-                        </a:spcAft>
-                      </a:pPr>
-                      <a:r>
-                        <a:rPr lang="en-US" sz="1400" dirty="0">
-                          <a:effectLst/>
-                        </a:rPr>
-                        <a:t>Earliest Time</a:t>
-                      </a:r>
-                      <a:endParaRPr lang="en-US" sz="1800" dirty="0">
-                        <a:effectLst/>
-                        <a:latin typeface="Times New Roman" panose="02020603050405020304" pitchFamily="18" charset="0"/>
-                        <a:ea typeface="Calibri" panose="020F0502020204030204" pitchFamily="34" charset="0"/>
-                        <a:cs typeface="Times New Roman" panose="02020603050405020304" pitchFamily="18" charset="0"/>
-                      </a:endParaRPr>
-                    </a:p>
-                  </a:txBody>
-                  <a:tcPr marL="68580" marR="68580" marT="0" marB="0" anchor="ctr"/>
-                </a:tc>
-                <a:tc>
-                  <a:txBody>
-                    <a:bodyPr/>
-                    <a:lstStyle/>
-                    <a:p>
-                      <a:pPr marL="0" marR="0" algn="ctr">
-                        <a:lnSpc>
-                          <a:spcPct val="107000"/>
-                        </a:lnSpc>
-                        <a:spcBef>
-                          <a:spcPts val="0"/>
-                        </a:spcBef>
-                        <a:spcAft>
-                          <a:spcPts val="0"/>
-                        </a:spcAft>
-                      </a:pPr>
-                      <a:r>
-                        <a:rPr lang="en-US" sz="1400" dirty="0">
-                          <a:effectLst/>
-                        </a:rPr>
-                        <a:t>Latest Time</a:t>
-                      </a:r>
-                      <a:endParaRPr lang="en-US" sz="1800" dirty="0">
-                        <a:effectLst/>
-                        <a:latin typeface="Times New Roman" panose="02020603050405020304" pitchFamily="18" charset="0"/>
-                        <a:ea typeface="Calibri" panose="020F0502020204030204" pitchFamily="34" charset="0"/>
-                        <a:cs typeface="Times New Roman" panose="02020603050405020304" pitchFamily="18" charset="0"/>
-                      </a:endParaRPr>
-                    </a:p>
-                  </a:txBody>
-                  <a:tcPr marL="68580" marR="68580" marT="0" marB="0" anchor="ctr"/>
-                </a:tc>
-                <a:extLst>
-                  <a:ext uri="{0D108BD9-81ED-4DB2-BD59-A6C34878D82A}">
-                    <a16:rowId xmlns:a16="http://schemas.microsoft.com/office/drawing/2014/main" val="662974602"/>
-                  </a:ext>
-                </a:extLst>
-              </a:tr>
-              <a:tr h="500513">
-                <a:tc>
-                  <a:txBody>
-                    <a:bodyPr/>
-                    <a:lstStyle/>
-                    <a:p>
-                      <a:pPr marL="0" marR="0" algn="ctr">
-                        <a:lnSpc>
-                          <a:spcPct val="107000"/>
-                        </a:lnSpc>
-                        <a:spcBef>
-                          <a:spcPts val="0"/>
-                        </a:spcBef>
-                        <a:spcAft>
-                          <a:spcPts val="0"/>
-                        </a:spcAft>
-                      </a:pPr>
-                      <a:r>
-                        <a:rPr lang="en-US" sz="1600" dirty="0">
-                          <a:effectLst/>
-                        </a:rPr>
-                        <a:t>1</a:t>
-                      </a:r>
-                      <a:endParaRPr lang="en-US" sz="1600" dirty="0">
-                        <a:effectLst/>
-                        <a:latin typeface="Times New Roman" panose="02020603050405020304" pitchFamily="18" charset="0"/>
-                        <a:ea typeface="Calibri" panose="020F0502020204030204" pitchFamily="34" charset="0"/>
-                        <a:cs typeface="Times New Roman" panose="02020603050405020304" pitchFamily="18" charset="0"/>
-                      </a:endParaRPr>
-                    </a:p>
-                  </a:txBody>
-                  <a:tcPr marL="68580" marR="68580" marT="0" marB="0" anchor="ctr"/>
-                </a:tc>
-                <a:tc>
-                  <a:txBody>
-                    <a:bodyPr/>
-                    <a:lstStyle/>
-                    <a:p>
-                      <a:pPr marL="0" marR="0" algn="ctr">
-                        <a:lnSpc>
-                          <a:spcPct val="107000"/>
-                        </a:lnSpc>
-                        <a:spcBef>
-                          <a:spcPts val="0"/>
-                        </a:spcBef>
-                        <a:spcAft>
-                          <a:spcPts val="0"/>
-                        </a:spcAft>
-                      </a:pPr>
-                      <a:r>
-                        <a:rPr lang="en-US" sz="1600" dirty="0">
-                          <a:effectLst/>
-                        </a:rPr>
-                        <a:t>116.242043</a:t>
-                      </a:r>
-                      <a:endParaRPr lang="en-US" sz="1600" dirty="0">
-                        <a:effectLst/>
-                        <a:latin typeface="Times New Roman" panose="02020603050405020304" pitchFamily="18" charset="0"/>
-                        <a:ea typeface="Calibri" panose="020F0502020204030204" pitchFamily="34" charset="0"/>
-                        <a:cs typeface="Times New Roman" panose="02020603050405020304" pitchFamily="18" charset="0"/>
-                      </a:endParaRPr>
-                    </a:p>
-                  </a:txBody>
-                  <a:tcPr marL="68580" marR="68580" marT="0" marB="0" anchor="ctr"/>
-                </a:tc>
-                <a:tc>
-                  <a:txBody>
-                    <a:bodyPr/>
-                    <a:lstStyle/>
-                    <a:p>
-                      <a:pPr marL="0" marR="0" algn="ctr">
-                        <a:lnSpc>
-                          <a:spcPct val="107000"/>
-                        </a:lnSpc>
-                        <a:spcBef>
-                          <a:spcPts val="0"/>
-                        </a:spcBef>
-                        <a:spcAft>
-                          <a:spcPts val="0"/>
-                        </a:spcAft>
-                      </a:pPr>
-                      <a:r>
-                        <a:rPr lang="en-US" sz="1600" dirty="0">
-                          <a:effectLst/>
-                        </a:rPr>
-                        <a:t>40.072630</a:t>
-                      </a:r>
-                      <a:endParaRPr lang="en-US" sz="1600" dirty="0">
-                        <a:effectLst/>
-                        <a:latin typeface="Times New Roman" panose="02020603050405020304" pitchFamily="18" charset="0"/>
-                        <a:ea typeface="Calibri" panose="020F0502020204030204" pitchFamily="34" charset="0"/>
-                        <a:cs typeface="Times New Roman" panose="02020603050405020304" pitchFamily="18" charset="0"/>
-                      </a:endParaRPr>
-                    </a:p>
-                  </a:txBody>
-                  <a:tcPr marL="68580" marR="68580" marT="0" marB="0" anchor="ctr"/>
-                </a:tc>
-                <a:tc>
-                  <a:txBody>
-                    <a:bodyPr/>
-                    <a:lstStyle/>
-                    <a:p>
-                      <a:pPr marL="0" marR="0" algn="ctr">
-                        <a:lnSpc>
-                          <a:spcPct val="107000"/>
-                        </a:lnSpc>
-                        <a:spcBef>
-                          <a:spcPts val="0"/>
-                        </a:spcBef>
-                        <a:spcAft>
-                          <a:spcPts val="0"/>
-                        </a:spcAft>
-                      </a:pPr>
-                      <a:r>
-                        <a:rPr lang="en-US" sz="1600" dirty="0">
-                          <a:effectLst/>
-                        </a:rPr>
-                        <a:t>0.20760</a:t>
-                      </a:r>
-                      <a:endParaRPr lang="en-US" sz="1600" dirty="0">
-                        <a:effectLst/>
-                        <a:latin typeface="Times New Roman" panose="02020603050405020304" pitchFamily="18" charset="0"/>
-                        <a:ea typeface="Calibri" panose="020F0502020204030204" pitchFamily="34" charset="0"/>
-                        <a:cs typeface="Times New Roman" panose="02020603050405020304" pitchFamily="18" charset="0"/>
-                      </a:endParaRPr>
-                    </a:p>
-                  </a:txBody>
-                  <a:tcPr marL="68580" marR="68580" marT="0" marB="0" anchor="ctr"/>
-                </a:tc>
-                <a:tc>
-                  <a:txBody>
-                    <a:bodyPr/>
-                    <a:lstStyle/>
-                    <a:p>
-                      <a:pPr marL="0" marR="0" algn="ctr">
-                        <a:lnSpc>
-                          <a:spcPct val="107000"/>
-                        </a:lnSpc>
-                        <a:spcBef>
-                          <a:spcPts val="0"/>
-                        </a:spcBef>
-                        <a:spcAft>
-                          <a:spcPts val="0"/>
-                        </a:spcAft>
-                      </a:pPr>
-                      <a:r>
-                        <a:rPr lang="en-US" sz="1600">
-                          <a:effectLst/>
-                        </a:rPr>
-                        <a:t>0.3666</a:t>
-                      </a:r>
-                      <a:endParaRPr lang="en-US" sz="1600">
-                        <a:effectLst/>
-                        <a:latin typeface="Times New Roman" panose="02020603050405020304" pitchFamily="18" charset="0"/>
-                        <a:ea typeface="Calibri" panose="020F0502020204030204" pitchFamily="34" charset="0"/>
-                        <a:cs typeface="Times New Roman" panose="02020603050405020304" pitchFamily="18" charset="0"/>
-                      </a:endParaRPr>
-                    </a:p>
-                  </a:txBody>
-                  <a:tcPr marL="68580" marR="68580" marT="0" marB="0" anchor="ctr"/>
-                </a:tc>
-                <a:tc>
-                  <a:txBody>
-                    <a:bodyPr/>
-                    <a:lstStyle/>
-                    <a:p>
-                      <a:pPr marL="0" marR="0" algn="ctr">
-                        <a:lnSpc>
-                          <a:spcPct val="107000"/>
-                        </a:lnSpc>
-                        <a:spcBef>
-                          <a:spcPts val="0"/>
-                        </a:spcBef>
-                        <a:spcAft>
-                          <a:spcPts val="0"/>
-                        </a:spcAft>
-                      </a:pPr>
-                      <a:r>
-                        <a:rPr lang="en-US" sz="1600">
-                          <a:effectLst/>
-                        </a:rPr>
-                        <a:t>09:00</a:t>
-                      </a:r>
-                      <a:endParaRPr lang="en-US" sz="1600">
-                        <a:effectLst/>
-                        <a:latin typeface="Times New Roman" panose="02020603050405020304" pitchFamily="18" charset="0"/>
-                        <a:ea typeface="Calibri" panose="020F0502020204030204" pitchFamily="34" charset="0"/>
-                        <a:cs typeface="Times New Roman" panose="02020603050405020304" pitchFamily="18" charset="0"/>
-                      </a:endParaRPr>
-                    </a:p>
-                  </a:txBody>
-                  <a:tcPr marL="68580" marR="68580" marT="0" marB="0" anchor="ctr"/>
-                </a:tc>
-                <a:tc>
-                  <a:txBody>
-                    <a:bodyPr/>
-                    <a:lstStyle/>
-                    <a:p>
-                      <a:pPr marL="0" marR="0" algn="ctr">
-                        <a:lnSpc>
-                          <a:spcPct val="107000"/>
-                        </a:lnSpc>
-                        <a:spcBef>
-                          <a:spcPts val="0"/>
-                        </a:spcBef>
-                        <a:spcAft>
-                          <a:spcPts val="0"/>
-                        </a:spcAft>
-                      </a:pPr>
-                      <a:r>
-                        <a:rPr lang="en-US" sz="1600">
-                          <a:effectLst/>
-                        </a:rPr>
-                        <a:t>12:00</a:t>
-                      </a:r>
-                      <a:endParaRPr lang="en-US" sz="1600">
-                        <a:effectLst/>
-                        <a:latin typeface="Times New Roman" panose="02020603050405020304" pitchFamily="18" charset="0"/>
-                        <a:ea typeface="Calibri" panose="020F0502020204030204" pitchFamily="34" charset="0"/>
-                        <a:cs typeface="Times New Roman" panose="02020603050405020304" pitchFamily="18" charset="0"/>
-                      </a:endParaRPr>
-                    </a:p>
-                  </a:txBody>
-                  <a:tcPr marL="68580" marR="68580" marT="0" marB="0" anchor="ctr"/>
-                </a:tc>
-                <a:extLst>
-                  <a:ext uri="{0D108BD9-81ED-4DB2-BD59-A6C34878D82A}">
-                    <a16:rowId xmlns:a16="http://schemas.microsoft.com/office/drawing/2014/main" val="2430375793"/>
-                  </a:ext>
-                </a:extLst>
-              </a:tr>
-              <a:tr h="500513">
-                <a:tc>
-                  <a:txBody>
-                    <a:bodyPr/>
-                    <a:lstStyle/>
-                    <a:p>
-                      <a:pPr marL="0" marR="0" algn="ctr">
-                        <a:lnSpc>
-                          <a:spcPct val="107000"/>
-                        </a:lnSpc>
-                        <a:spcBef>
-                          <a:spcPts val="0"/>
-                        </a:spcBef>
-                        <a:spcAft>
-                          <a:spcPts val="0"/>
-                        </a:spcAft>
-                      </a:pPr>
-                      <a:r>
-                        <a:rPr lang="en-US" sz="1600">
-                          <a:effectLst/>
-                        </a:rPr>
-                        <a:t>2</a:t>
-                      </a:r>
-                      <a:endParaRPr lang="en-US" sz="1600">
-                        <a:effectLst/>
-                        <a:latin typeface="Times New Roman" panose="02020603050405020304" pitchFamily="18" charset="0"/>
-                        <a:ea typeface="Calibri" panose="020F0502020204030204" pitchFamily="34" charset="0"/>
-                        <a:cs typeface="Times New Roman" panose="02020603050405020304" pitchFamily="18" charset="0"/>
-                      </a:endParaRPr>
-                    </a:p>
-                  </a:txBody>
-                  <a:tcPr marL="68580" marR="68580" marT="0" marB="0" anchor="ctr"/>
-                </a:tc>
-                <a:tc>
-                  <a:txBody>
-                    <a:bodyPr/>
-                    <a:lstStyle/>
-                    <a:p>
-                      <a:pPr marL="0" marR="0" algn="ctr">
-                        <a:lnSpc>
-                          <a:spcPct val="107000"/>
-                        </a:lnSpc>
-                        <a:spcBef>
-                          <a:spcPts val="0"/>
-                        </a:spcBef>
-                        <a:spcAft>
-                          <a:spcPts val="0"/>
-                        </a:spcAft>
-                      </a:pPr>
-                      <a:r>
-                        <a:rPr lang="en-US" sz="1600" dirty="0">
-                          <a:effectLst/>
-                        </a:rPr>
-                        <a:t>116.403595</a:t>
-                      </a:r>
-                      <a:endParaRPr lang="en-US" sz="1600" dirty="0">
-                        <a:effectLst/>
-                        <a:latin typeface="Times New Roman" panose="02020603050405020304" pitchFamily="18" charset="0"/>
-                        <a:ea typeface="Calibri" panose="020F0502020204030204" pitchFamily="34" charset="0"/>
-                        <a:cs typeface="Times New Roman" panose="02020603050405020304" pitchFamily="18" charset="0"/>
-                      </a:endParaRPr>
-                    </a:p>
-                  </a:txBody>
-                  <a:tcPr marL="68580" marR="68580" marT="0" marB="0" anchor="ctr"/>
-                </a:tc>
-                <a:tc>
-                  <a:txBody>
-                    <a:bodyPr/>
-                    <a:lstStyle/>
-                    <a:p>
-                      <a:pPr marL="0" marR="0" algn="ctr">
-                        <a:lnSpc>
-                          <a:spcPct val="107000"/>
-                        </a:lnSpc>
-                        <a:spcBef>
-                          <a:spcPts val="0"/>
-                        </a:spcBef>
-                        <a:spcAft>
-                          <a:spcPts val="0"/>
-                        </a:spcAft>
-                      </a:pPr>
-                      <a:r>
-                        <a:rPr lang="en-US" sz="1600" dirty="0">
-                          <a:effectLst/>
-                        </a:rPr>
-                        <a:t>39.872945</a:t>
-                      </a:r>
-                      <a:endParaRPr lang="en-US" sz="1600" dirty="0">
-                        <a:effectLst/>
-                        <a:latin typeface="Times New Roman" panose="02020603050405020304" pitchFamily="18" charset="0"/>
-                        <a:ea typeface="Calibri" panose="020F0502020204030204" pitchFamily="34" charset="0"/>
-                        <a:cs typeface="Times New Roman" panose="02020603050405020304" pitchFamily="18" charset="0"/>
-                      </a:endParaRPr>
-                    </a:p>
-                  </a:txBody>
-                  <a:tcPr marL="68580" marR="68580" marT="0" marB="0" anchor="ctr"/>
-                </a:tc>
-                <a:tc>
-                  <a:txBody>
-                    <a:bodyPr/>
-                    <a:lstStyle/>
-                    <a:p>
-                      <a:pPr marL="0" marR="0" algn="ctr">
-                        <a:lnSpc>
-                          <a:spcPct val="107000"/>
-                        </a:lnSpc>
-                        <a:spcBef>
-                          <a:spcPts val="0"/>
-                        </a:spcBef>
-                        <a:spcAft>
-                          <a:spcPts val="0"/>
-                        </a:spcAft>
-                      </a:pPr>
-                      <a:r>
-                        <a:rPr lang="en-US" sz="1600" dirty="0">
-                          <a:effectLst/>
-                        </a:rPr>
-                        <a:t>0.05863</a:t>
-                      </a:r>
-                      <a:endParaRPr lang="en-US" sz="1600" dirty="0">
-                        <a:effectLst/>
-                        <a:latin typeface="Times New Roman" panose="02020603050405020304" pitchFamily="18" charset="0"/>
-                        <a:ea typeface="Calibri" panose="020F0502020204030204" pitchFamily="34" charset="0"/>
-                        <a:cs typeface="Times New Roman" panose="02020603050405020304" pitchFamily="18" charset="0"/>
-                      </a:endParaRPr>
-                    </a:p>
-                  </a:txBody>
-                  <a:tcPr marL="68580" marR="68580" marT="0" marB="0" anchor="ctr"/>
-                </a:tc>
-                <a:tc>
-                  <a:txBody>
-                    <a:bodyPr/>
-                    <a:lstStyle/>
-                    <a:p>
-                      <a:pPr marL="0" marR="0" algn="ctr">
-                        <a:lnSpc>
-                          <a:spcPct val="107000"/>
-                        </a:lnSpc>
-                        <a:spcBef>
-                          <a:spcPts val="0"/>
-                        </a:spcBef>
-                        <a:spcAft>
-                          <a:spcPts val="0"/>
-                        </a:spcAft>
-                      </a:pPr>
-                      <a:r>
-                        <a:rPr lang="en-US" sz="1600">
-                          <a:effectLst/>
-                        </a:rPr>
-                        <a:t>0.1687</a:t>
-                      </a:r>
-                      <a:endParaRPr lang="en-US" sz="1600">
-                        <a:effectLst/>
-                        <a:latin typeface="Times New Roman" panose="02020603050405020304" pitchFamily="18" charset="0"/>
-                        <a:ea typeface="Calibri" panose="020F0502020204030204" pitchFamily="34" charset="0"/>
-                        <a:cs typeface="Times New Roman" panose="02020603050405020304" pitchFamily="18" charset="0"/>
-                      </a:endParaRPr>
-                    </a:p>
-                  </a:txBody>
-                  <a:tcPr marL="68580" marR="68580" marT="0" marB="0" anchor="ctr"/>
-                </a:tc>
-                <a:tc>
-                  <a:txBody>
-                    <a:bodyPr/>
-                    <a:lstStyle/>
-                    <a:p>
-                      <a:pPr marL="0" marR="0" algn="ctr">
-                        <a:lnSpc>
-                          <a:spcPct val="107000"/>
-                        </a:lnSpc>
-                        <a:spcBef>
-                          <a:spcPts val="0"/>
-                        </a:spcBef>
-                        <a:spcAft>
-                          <a:spcPts val="0"/>
-                        </a:spcAft>
-                      </a:pPr>
-                      <a:r>
-                        <a:rPr lang="en-US" sz="1600">
-                          <a:effectLst/>
-                        </a:rPr>
-                        <a:t>13:30</a:t>
-                      </a:r>
-                      <a:endParaRPr lang="en-US" sz="1600">
-                        <a:effectLst/>
-                        <a:latin typeface="Times New Roman" panose="02020603050405020304" pitchFamily="18" charset="0"/>
-                        <a:ea typeface="Calibri" panose="020F0502020204030204" pitchFamily="34" charset="0"/>
-                        <a:cs typeface="Times New Roman" panose="02020603050405020304" pitchFamily="18" charset="0"/>
-                      </a:endParaRPr>
-                    </a:p>
-                  </a:txBody>
-                  <a:tcPr marL="68580" marR="68580" marT="0" marB="0" anchor="ctr"/>
-                </a:tc>
-                <a:tc>
-                  <a:txBody>
-                    <a:bodyPr/>
-                    <a:lstStyle/>
-                    <a:p>
-                      <a:pPr marL="0" marR="0" algn="ctr">
-                        <a:lnSpc>
-                          <a:spcPct val="107000"/>
-                        </a:lnSpc>
-                        <a:spcBef>
-                          <a:spcPts val="0"/>
-                        </a:spcBef>
-                        <a:spcAft>
-                          <a:spcPts val="0"/>
-                        </a:spcAft>
-                      </a:pPr>
-                      <a:r>
-                        <a:rPr lang="en-US" sz="1600">
-                          <a:effectLst/>
-                        </a:rPr>
-                        <a:t>14:00</a:t>
-                      </a:r>
-                      <a:endParaRPr lang="en-US" sz="1600">
-                        <a:effectLst/>
-                        <a:latin typeface="Times New Roman" panose="02020603050405020304" pitchFamily="18" charset="0"/>
-                        <a:ea typeface="Calibri" panose="020F0502020204030204" pitchFamily="34" charset="0"/>
-                        <a:cs typeface="Times New Roman" panose="02020603050405020304" pitchFamily="18" charset="0"/>
-                      </a:endParaRPr>
-                    </a:p>
-                  </a:txBody>
-                  <a:tcPr marL="68580" marR="68580" marT="0" marB="0" anchor="ctr"/>
-                </a:tc>
-                <a:extLst>
-                  <a:ext uri="{0D108BD9-81ED-4DB2-BD59-A6C34878D82A}">
-                    <a16:rowId xmlns:a16="http://schemas.microsoft.com/office/drawing/2014/main" val="2932769028"/>
-                  </a:ext>
-                </a:extLst>
-              </a:tr>
-              <a:tr h="500513">
-                <a:tc>
-                  <a:txBody>
-                    <a:bodyPr/>
-                    <a:lstStyle/>
-                    <a:p>
-                      <a:pPr marL="0" marR="0" algn="ctr">
-                        <a:lnSpc>
-                          <a:spcPct val="107000"/>
-                        </a:lnSpc>
-                        <a:spcBef>
-                          <a:spcPts val="0"/>
-                        </a:spcBef>
-                        <a:spcAft>
-                          <a:spcPts val="0"/>
-                        </a:spcAft>
-                      </a:pPr>
-                      <a:r>
-                        <a:rPr lang="en-US" sz="1600">
-                          <a:effectLst/>
-                        </a:rPr>
-                        <a:t>3</a:t>
-                      </a:r>
-                      <a:endParaRPr lang="en-US" sz="1600">
-                        <a:effectLst/>
-                        <a:latin typeface="Times New Roman" panose="02020603050405020304" pitchFamily="18" charset="0"/>
-                        <a:ea typeface="Calibri" panose="020F0502020204030204" pitchFamily="34" charset="0"/>
-                        <a:cs typeface="Times New Roman" panose="02020603050405020304" pitchFamily="18" charset="0"/>
-                      </a:endParaRPr>
-                    </a:p>
-                  </a:txBody>
-                  <a:tcPr marL="68580" marR="68580" marT="0" marB="0" anchor="ctr"/>
-                </a:tc>
-                <a:tc>
-                  <a:txBody>
-                    <a:bodyPr/>
-                    <a:lstStyle/>
-                    <a:p>
-                      <a:pPr marL="0" marR="0" algn="ctr">
-                        <a:lnSpc>
-                          <a:spcPct val="107000"/>
-                        </a:lnSpc>
-                        <a:spcBef>
-                          <a:spcPts val="0"/>
-                        </a:spcBef>
-                        <a:spcAft>
-                          <a:spcPts val="0"/>
-                        </a:spcAft>
-                      </a:pPr>
-                      <a:r>
-                        <a:rPr lang="en-US" sz="1600">
-                          <a:effectLst/>
-                        </a:rPr>
-                        <a:t>116.186289</a:t>
-                      </a:r>
-                      <a:endParaRPr lang="en-US" sz="1600">
-                        <a:effectLst/>
-                        <a:latin typeface="Times New Roman" panose="02020603050405020304" pitchFamily="18" charset="0"/>
-                        <a:ea typeface="Calibri" panose="020F0502020204030204" pitchFamily="34" charset="0"/>
-                        <a:cs typeface="Times New Roman" panose="02020603050405020304" pitchFamily="18" charset="0"/>
-                      </a:endParaRPr>
-                    </a:p>
-                  </a:txBody>
-                  <a:tcPr marL="68580" marR="68580" marT="0" marB="0" anchor="ctr"/>
-                </a:tc>
-                <a:tc>
-                  <a:txBody>
-                    <a:bodyPr/>
-                    <a:lstStyle/>
-                    <a:p>
-                      <a:pPr marL="0" marR="0" algn="ctr">
-                        <a:lnSpc>
-                          <a:spcPct val="107000"/>
-                        </a:lnSpc>
-                        <a:spcBef>
-                          <a:spcPts val="0"/>
-                        </a:spcBef>
-                        <a:spcAft>
-                          <a:spcPts val="0"/>
-                        </a:spcAft>
-                      </a:pPr>
-                      <a:r>
-                        <a:rPr lang="en-US" sz="1600">
-                          <a:effectLst/>
-                        </a:rPr>
-                        <a:t>40.016361</a:t>
-                      </a:r>
-                      <a:endParaRPr lang="en-US" sz="1600">
-                        <a:effectLst/>
-                        <a:latin typeface="Times New Roman" panose="02020603050405020304" pitchFamily="18" charset="0"/>
-                        <a:ea typeface="Calibri" panose="020F0502020204030204" pitchFamily="34" charset="0"/>
-                        <a:cs typeface="Times New Roman" panose="02020603050405020304" pitchFamily="18" charset="0"/>
-                      </a:endParaRPr>
-                    </a:p>
-                  </a:txBody>
-                  <a:tcPr marL="68580" marR="68580" marT="0" marB="0" anchor="ctr"/>
-                </a:tc>
-                <a:tc>
-                  <a:txBody>
-                    <a:bodyPr/>
-                    <a:lstStyle/>
-                    <a:p>
-                      <a:pPr marL="0" marR="0" algn="ctr">
-                        <a:lnSpc>
-                          <a:spcPct val="107000"/>
-                        </a:lnSpc>
-                        <a:spcBef>
-                          <a:spcPts val="0"/>
-                        </a:spcBef>
-                        <a:spcAft>
-                          <a:spcPts val="0"/>
-                        </a:spcAft>
-                      </a:pPr>
-                      <a:r>
-                        <a:rPr lang="en-US" sz="1600" dirty="0">
-                          <a:effectLst/>
-                        </a:rPr>
-                        <a:t>0.03645</a:t>
-                      </a:r>
-                      <a:endParaRPr lang="en-US" sz="1600" dirty="0">
-                        <a:effectLst/>
-                        <a:latin typeface="Times New Roman" panose="02020603050405020304" pitchFamily="18" charset="0"/>
-                        <a:ea typeface="Calibri" panose="020F0502020204030204" pitchFamily="34" charset="0"/>
-                        <a:cs typeface="Times New Roman" panose="02020603050405020304" pitchFamily="18" charset="0"/>
-                      </a:endParaRPr>
-                    </a:p>
-                  </a:txBody>
-                  <a:tcPr marL="68580" marR="68580" marT="0" marB="0" anchor="ctr"/>
-                </a:tc>
-                <a:tc>
-                  <a:txBody>
-                    <a:bodyPr/>
-                    <a:lstStyle/>
-                    <a:p>
-                      <a:pPr marL="0" marR="0" algn="ctr">
-                        <a:lnSpc>
-                          <a:spcPct val="107000"/>
-                        </a:lnSpc>
-                        <a:spcBef>
-                          <a:spcPts val="0"/>
-                        </a:spcBef>
-                        <a:spcAft>
-                          <a:spcPts val="0"/>
-                        </a:spcAft>
-                      </a:pPr>
-                      <a:r>
-                        <a:rPr lang="en-US" sz="1600" dirty="0">
-                          <a:effectLst/>
-                        </a:rPr>
-                        <a:t>0.0745</a:t>
-                      </a:r>
-                      <a:endParaRPr lang="en-US" sz="1600" dirty="0">
-                        <a:effectLst/>
-                        <a:latin typeface="Times New Roman" panose="02020603050405020304" pitchFamily="18" charset="0"/>
-                        <a:ea typeface="Calibri" panose="020F0502020204030204" pitchFamily="34" charset="0"/>
-                        <a:cs typeface="Times New Roman" panose="02020603050405020304" pitchFamily="18" charset="0"/>
-                      </a:endParaRPr>
-                    </a:p>
-                  </a:txBody>
-                  <a:tcPr marL="68580" marR="68580" marT="0" marB="0" anchor="ctr"/>
-                </a:tc>
-                <a:tc>
-                  <a:txBody>
-                    <a:bodyPr/>
-                    <a:lstStyle/>
-                    <a:p>
-                      <a:pPr marL="0" marR="0" algn="ctr">
-                        <a:lnSpc>
-                          <a:spcPct val="107000"/>
-                        </a:lnSpc>
-                        <a:spcBef>
-                          <a:spcPts val="0"/>
-                        </a:spcBef>
-                        <a:spcAft>
-                          <a:spcPts val="0"/>
-                        </a:spcAft>
-                      </a:pPr>
-                      <a:r>
-                        <a:rPr lang="en-US" sz="1600">
-                          <a:effectLst/>
-                        </a:rPr>
-                        <a:t>13:00</a:t>
-                      </a:r>
-                      <a:endParaRPr lang="en-US" sz="1600">
-                        <a:effectLst/>
-                        <a:latin typeface="Times New Roman" panose="02020603050405020304" pitchFamily="18" charset="0"/>
-                        <a:ea typeface="Calibri" panose="020F0502020204030204" pitchFamily="34" charset="0"/>
-                        <a:cs typeface="Times New Roman" panose="02020603050405020304" pitchFamily="18" charset="0"/>
-                      </a:endParaRPr>
-                    </a:p>
-                  </a:txBody>
-                  <a:tcPr marL="68580" marR="68580" marT="0" marB="0" anchor="ctr"/>
-                </a:tc>
-                <a:tc>
-                  <a:txBody>
-                    <a:bodyPr/>
-                    <a:lstStyle/>
-                    <a:p>
-                      <a:pPr marL="0" marR="0" algn="ctr">
-                        <a:lnSpc>
-                          <a:spcPct val="107000"/>
-                        </a:lnSpc>
-                        <a:spcBef>
-                          <a:spcPts val="0"/>
-                        </a:spcBef>
-                        <a:spcAft>
-                          <a:spcPts val="0"/>
-                        </a:spcAft>
-                      </a:pPr>
-                      <a:r>
-                        <a:rPr lang="en-US" sz="1600">
-                          <a:effectLst/>
-                        </a:rPr>
-                        <a:t>15:00</a:t>
-                      </a:r>
-                      <a:endParaRPr lang="en-US" sz="1600">
-                        <a:effectLst/>
-                        <a:latin typeface="Times New Roman" panose="02020603050405020304" pitchFamily="18" charset="0"/>
-                        <a:ea typeface="Calibri" panose="020F0502020204030204" pitchFamily="34" charset="0"/>
-                        <a:cs typeface="Times New Roman" panose="02020603050405020304" pitchFamily="18" charset="0"/>
-                      </a:endParaRPr>
-                    </a:p>
-                  </a:txBody>
-                  <a:tcPr marL="68580" marR="68580" marT="0" marB="0" anchor="ctr"/>
-                </a:tc>
-                <a:extLst>
-                  <a:ext uri="{0D108BD9-81ED-4DB2-BD59-A6C34878D82A}">
-                    <a16:rowId xmlns:a16="http://schemas.microsoft.com/office/drawing/2014/main" val="1441784158"/>
-                  </a:ext>
-                </a:extLst>
-              </a:tr>
-              <a:tr h="500513">
-                <a:tc>
-                  <a:txBody>
-                    <a:bodyPr/>
-                    <a:lstStyle/>
-                    <a:p>
-                      <a:pPr marL="0" marR="0" algn="ctr">
-                        <a:lnSpc>
-                          <a:spcPct val="107000"/>
-                        </a:lnSpc>
-                        <a:spcBef>
-                          <a:spcPts val="0"/>
-                        </a:spcBef>
-                        <a:spcAft>
-                          <a:spcPts val="0"/>
-                        </a:spcAft>
-                      </a:pPr>
-                      <a:r>
-                        <a:rPr lang="en-US" sz="1600">
-                          <a:effectLst/>
-                        </a:rPr>
-                        <a:t>4</a:t>
-                      </a:r>
-                      <a:endParaRPr lang="en-US" sz="1600">
-                        <a:effectLst/>
-                        <a:latin typeface="Times New Roman" panose="02020603050405020304" pitchFamily="18" charset="0"/>
-                        <a:ea typeface="Calibri" panose="020F0502020204030204" pitchFamily="34" charset="0"/>
-                        <a:cs typeface="Times New Roman" panose="02020603050405020304" pitchFamily="18" charset="0"/>
-                      </a:endParaRPr>
-                    </a:p>
-                  </a:txBody>
-                  <a:tcPr marL="68580" marR="68580" marT="0" marB="0" anchor="ctr"/>
-                </a:tc>
-                <a:tc>
-                  <a:txBody>
-                    <a:bodyPr/>
-                    <a:lstStyle/>
-                    <a:p>
-                      <a:pPr marL="0" marR="0" algn="ctr">
-                        <a:lnSpc>
-                          <a:spcPct val="107000"/>
-                        </a:lnSpc>
-                        <a:spcBef>
-                          <a:spcPts val="0"/>
-                        </a:spcBef>
-                        <a:spcAft>
-                          <a:spcPts val="0"/>
-                        </a:spcAft>
-                      </a:pPr>
-                      <a:r>
-                        <a:rPr lang="en-US" sz="1600">
-                          <a:effectLst/>
-                        </a:rPr>
-                        <a:t>116.508011</a:t>
-                      </a:r>
-                      <a:endParaRPr lang="en-US" sz="1600">
-                        <a:effectLst/>
-                        <a:latin typeface="Times New Roman" panose="02020603050405020304" pitchFamily="18" charset="0"/>
-                        <a:ea typeface="Calibri" panose="020F0502020204030204" pitchFamily="34" charset="0"/>
-                        <a:cs typeface="Times New Roman" panose="02020603050405020304" pitchFamily="18" charset="0"/>
-                      </a:endParaRPr>
-                    </a:p>
-                  </a:txBody>
-                  <a:tcPr marL="68580" marR="68580" marT="0" marB="0" anchor="ctr"/>
-                </a:tc>
-                <a:tc>
-                  <a:txBody>
-                    <a:bodyPr/>
-                    <a:lstStyle/>
-                    <a:p>
-                      <a:pPr marL="0" marR="0" algn="ctr">
-                        <a:lnSpc>
-                          <a:spcPct val="107000"/>
-                        </a:lnSpc>
-                        <a:spcBef>
-                          <a:spcPts val="0"/>
-                        </a:spcBef>
-                        <a:spcAft>
-                          <a:spcPts val="0"/>
-                        </a:spcAft>
-                      </a:pPr>
-                      <a:r>
-                        <a:rPr lang="en-US" sz="1600">
-                          <a:effectLst/>
-                        </a:rPr>
-                        <a:t>39.826296</a:t>
-                      </a:r>
-                      <a:endParaRPr lang="en-US" sz="1600">
-                        <a:effectLst/>
-                        <a:latin typeface="Times New Roman" panose="02020603050405020304" pitchFamily="18" charset="0"/>
-                        <a:ea typeface="Calibri" panose="020F0502020204030204" pitchFamily="34" charset="0"/>
-                        <a:cs typeface="Times New Roman" panose="02020603050405020304" pitchFamily="18" charset="0"/>
-                      </a:endParaRPr>
-                    </a:p>
-                  </a:txBody>
-                  <a:tcPr marL="68580" marR="68580" marT="0" marB="0" anchor="ctr"/>
-                </a:tc>
-                <a:tc>
-                  <a:txBody>
-                    <a:bodyPr/>
-                    <a:lstStyle/>
-                    <a:p>
-                      <a:pPr marL="0" marR="0" algn="ctr">
-                        <a:lnSpc>
-                          <a:spcPct val="107000"/>
-                        </a:lnSpc>
-                        <a:spcBef>
-                          <a:spcPts val="0"/>
-                        </a:spcBef>
-                        <a:spcAft>
-                          <a:spcPts val="0"/>
-                        </a:spcAft>
-                      </a:pPr>
-                      <a:r>
-                        <a:rPr lang="en-US" sz="1600">
-                          <a:effectLst/>
-                        </a:rPr>
-                        <a:t>0.02595</a:t>
-                      </a:r>
-                      <a:endParaRPr lang="en-US" sz="1600">
-                        <a:effectLst/>
-                        <a:latin typeface="Times New Roman" panose="02020603050405020304" pitchFamily="18" charset="0"/>
-                        <a:ea typeface="Calibri" panose="020F0502020204030204" pitchFamily="34" charset="0"/>
-                        <a:cs typeface="Times New Roman" panose="02020603050405020304" pitchFamily="18" charset="0"/>
-                      </a:endParaRPr>
-                    </a:p>
-                  </a:txBody>
-                  <a:tcPr marL="68580" marR="68580" marT="0" marB="0" anchor="ctr"/>
-                </a:tc>
-                <a:tc>
-                  <a:txBody>
-                    <a:bodyPr/>
-                    <a:lstStyle/>
-                    <a:p>
-                      <a:pPr marL="0" marR="0" algn="ctr">
-                        <a:lnSpc>
-                          <a:spcPct val="107000"/>
-                        </a:lnSpc>
-                        <a:spcBef>
-                          <a:spcPts val="0"/>
-                        </a:spcBef>
-                        <a:spcAft>
-                          <a:spcPts val="0"/>
-                        </a:spcAft>
-                      </a:pPr>
-                      <a:r>
-                        <a:rPr lang="en-US" sz="1600" dirty="0">
-                          <a:effectLst/>
-                        </a:rPr>
-                        <a:t>0.0542</a:t>
-                      </a:r>
-                      <a:endParaRPr lang="en-US" sz="1600" dirty="0">
-                        <a:effectLst/>
-                        <a:latin typeface="Times New Roman" panose="02020603050405020304" pitchFamily="18" charset="0"/>
-                        <a:ea typeface="Calibri" panose="020F0502020204030204" pitchFamily="34" charset="0"/>
-                        <a:cs typeface="Times New Roman" panose="02020603050405020304" pitchFamily="18" charset="0"/>
-                      </a:endParaRPr>
-                    </a:p>
-                  </a:txBody>
-                  <a:tcPr marL="68580" marR="68580" marT="0" marB="0" anchor="ctr"/>
-                </a:tc>
-                <a:tc>
-                  <a:txBody>
-                    <a:bodyPr/>
-                    <a:lstStyle/>
-                    <a:p>
-                      <a:pPr marL="0" marR="0" algn="ctr">
-                        <a:lnSpc>
-                          <a:spcPct val="107000"/>
-                        </a:lnSpc>
-                        <a:spcBef>
-                          <a:spcPts val="0"/>
-                        </a:spcBef>
-                        <a:spcAft>
-                          <a:spcPts val="0"/>
-                        </a:spcAft>
-                      </a:pPr>
-                      <a:r>
-                        <a:rPr lang="en-US" sz="1600">
-                          <a:effectLst/>
-                        </a:rPr>
-                        <a:t>09:00</a:t>
-                      </a:r>
-                      <a:endParaRPr lang="en-US" sz="1600">
-                        <a:effectLst/>
-                        <a:latin typeface="Times New Roman" panose="02020603050405020304" pitchFamily="18" charset="0"/>
-                        <a:ea typeface="Calibri" panose="020F0502020204030204" pitchFamily="34" charset="0"/>
-                        <a:cs typeface="Times New Roman" panose="02020603050405020304" pitchFamily="18" charset="0"/>
-                      </a:endParaRPr>
-                    </a:p>
-                  </a:txBody>
-                  <a:tcPr marL="68580" marR="68580" marT="0" marB="0" anchor="ctr"/>
-                </a:tc>
-                <a:tc>
-                  <a:txBody>
-                    <a:bodyPr/>
-                    <a:lstStyle/>
-                    <a:p>
-                      <a:pPr marL="0" marR="0" algn="ctr">
-                        <a:lnSpc>
-                          <a:spcPct val="107000"/>
-                        </a:lnSpc>
-                        <a:spcBef>
-                          <a:spcPts val="0"/>
-                        </a:spcBef>
-                        <a:spcAft>
-                          <a:spcPts val="0"/>
-                        </a:spcAft>
-                      </a:pPr>
-                      <a:r>
-                        <a:rPr lang="en-US" sz="1600">
-                          <a:effectLst/>
-                        </a:rPr>
-                        <a:t>10:00</a:t>
-                      </a:r>
-                      <a:endParaRPr lang="en-US" sz="1600">
-                        <a:effectLst/>
-                        <a:latin typeface="Times New Roman" panose="02020603050405020304" pitchFamily="18" charset="0"/>
-                        <a:ea typeface="Calibri" panose="020F0502020204030204" pitchFamily="34" charset="0"/>
-                        <a:cs typeface="Times New Roman" panose="02020603050405020304" pitchFamily="18" charset="0"/>
-                      </a:endParaRPr>
-                    </a:p>
-                  </a:txBody>
-                  <a:tcPr marL="68580" marR="68580" marT="0" marB="0" anchor="ctr"/>
-                </a:tc>
-                <a:extLst>
-                  <a:ext uri="{0D108BD9-81ED-4DB2-BD59-A6C34878D82A}">
-                    <a16:rowId xmlns:a16="http://schemas.microsoft.com/office/drawing/2014/main" val="659605874"/>
-                  </a:ext>
-                </a:extLst>
-              </a:tr>
-              <a:tr h="500513">
-                <a:tc>
-                  <a:txBody>
-                    <a:bodyPr/>
-                    <a:lstStyle/>
-                    <a:p>
-                      <a:pPr marL="0" marR="0" algn="ctr">
-                        <a:lnSpc>
-                          <a:spcPct val="107000"/>
-                        </a:lnSpc>
-                        <a:spcBef>
-                          <a:spcPts val="0"/>
-                        </a:spcBef>
-                        <a:spcAft>
-                          <a:spcPts val="0"/>
-                        </a:spcAft>
-                      </a:pPr>
-                      <a:r>
-                        <a:rPr lang="en-US" sz="1600">
-                          <a:effectLst/>
-                        </a:rPr>
-                        <a:t>5</a:t>
-                      </a:r>
-                      <a:endParaRPr lang="en-US" sz="1600">
-                        <a:effectLst/>
-                        <a:latin typeface="Times New Roman" panose="02020603050405020304" pitchFamily="18" charset="0"/>
-                        <a:ea typeface="Calibri" panose="020F0502020204030204" pitchFamily="34" charset="0"/>
-                        <a:cs typeface="Times New Roman" panose="02020603050405020304" pitchFamily="18" charset="0"/>
-                      </a:endParaRPr>
-                    </a:p>
-                  </a:txBody>
-                  <a:tcPr marL="68580" marR="68580" marT="0" marB="0" anchor="ctr"/>
-                </a:tc>
-                <a:tc>
-                  <a:txBody>
-                    <a:bodyPr/>
-                    <a:lstStyle/>
-                    <a:p>
-                      <a:pPr marL="0" marR="0" algn="ctr">
-                        <a:lnSpc>
-                          <a:spcPct val="107000"/>
-                        </a:lnSpc>
-                        <a:spcBef>
-                          <a:spcPts val="0"/>
-                        </a:spcBef>
-                        <a:spcAft>
-                          <a:spcPts val="0"/>
-                        </a:spcAft>
-                      </a:pPr>
-                      <a:r>
-                        <a:rPr lang="en-US" sz="1600">
-                          <a:effectLst/>
-                        </a:rPr>
-                        <a:t>116.130997</a:t>
-                      </a:r>
-                      <a:endParaRPr lang="en-US" sz="1600">
-                        <a:effectLst/>
-                        <a:latin typeface="Times New Roman" panose="02020603050405020304" pitchFamily="18" charset="0"/>
-                        <a:ea typeface="Calibri" panose="020F0502020204030204" pitchFamily="34" charset="0"/>
-                        <a:cs typeface="Times New Roman" panose="02020603050405020304" pitchFamily="18" charset="0"/>
-                      </a:endParaRPr>
-                    </a:p>
-                  </a:txBody>
-                  <a:tcPr marL="68580" marR="68580" marT="0" marB="0" anchor="ctr"/>
-                </a:tc>
-                <a:tc>
-                  <a:txBody>
-                    <a:bodyPr/>
-                    <a:lstStyle/>
-                    <a:p>
-                      <a:pPr marL="0" marR="0" algn="ctr">
-                        <a:lnSpc>
-                          <a:spcPct val="107000"/>
-                        </a:lnSpc>
-                        <a:spcBef>
-                          <a:spcPts val="0"/>
-                        </a:spcBef>
-                        <a:spcAft>
-                          <a:spcPts val="0"/>
-                        </a:spcAft>
-                      </a:pPr>
-                      <a:r>
-                        <a:rPr lang="en-US" sz="1600">
-                          <a:effectLst/>
-                        </a:rPr>
-                        <a:t>39.825921</a:t>
-                      </a:r>
-                      <a:endParaRPr lang="en-US" sz="1600">
-                        <a:effectLst/>
-                        <a:latin typeface="Times New Roman" panose="02020603050405020304" pitchFamily="18" charset="0"/>
-                        <a:ea typeface="Calibri" panose="020F0502020204030204" pitchFamily="34" charset="0"/>
-                        <a:cs typeface="Times New Roman" panose="02020603050405020304" pitchFamily="18" charset="0"/>
-                      </a:endParaRPr>
-                    </a:p>
-                  </a:txBody>
-                  <a:tcPr marL="68580" marR="68580" marT="0" marB="0" anchor="ctr"/>
-                </a:tc>
-                <a:tc>
-                  <a:txBody>
-                    <a:bodyPr/>
-                    <a:lstStyle/>
-                    <a:p>
-                      <a:pPr marL="0" marR="0" algn="ctr">
-                        <a:lnSpc>
-                          <a:spcPct val="107000"/>
-                        </a:lnSpc>
-                        <a:spcBef>
-                          <a:spcPts val="0"/>
-                        </a:spcBef>
-                        <a:spcAft>
-                          <a:spcPts val="0"/>
-                        </a:spcAft>
-                      </a:pPr>
-                      <a:r>
-                        <a:rPr lang="en-US" sz="1600">
-                          <a:effectLst/>
-                        </a:rPr>
-                        <a:t>0.0198</a:t>
-                      </a:r>
-                      <a:endParaRPr lang="en-US" sz="1600">
-                        <a:effectLst/>
-                        <a:latin typeface="Times New Roman" panose="02020603050405020304" pitchFamily="18" charset="0"/>
-                        <a:ea typeface="Calibri" panose="020F0502020204030204" pitchFamily="34" charset="0"/>
-                        <a:cs typeface="Times New Roman" panose="02020603050405020304" pitchFamily="18" charset="0"/>
-                      </a:endParaRPr>
-                    </a:p>
-                  </a:txBody>
-                  <a:tcPr marL="68580" marR="68580" marT="0" marB="0" anchor="ctr"/>
-                </a:tc>
-                <a:tc>
-                  <a:txBody>
-                    <a:bodyPr/>
-                    <a:lstStyle/>
-                    <a:p>
-                      <a:pPr marL="0" marR="0" algn="ctr">
-                        <a:lnSpc>
-                          <a:spcPct val="107000"/>
-                        </a:lnSpc>
-                        <a:spcBef>
-                          <a:spcPts val="0"/>
-                        </a:spcBef>
-                        <a:spcAft>
-                          <a:spcPts val="0"/>
-                        </a:spcAft>
-                      </a:pPr>
-                      <a:r>
-                        <a:rPr lang="en-US" sz="1600" dirty="0">
-                          <a:effectLst/>
-                        </a:rPr>
-                        <a:t>0.1117</a:t>
-                      </a:r>
-                      <a:endParaRPr lang="en-US" sz="1600" dirty="0">
-                        <a:effectLst/>
-                        <a:latin typeface="Times New Roman" panose="02020603050405020304" pitchFamily="18" charset="0"/>
-                        <a:ea typeface="Calibri" panose="020F0502020204030204" pitchFamily="34" charset="0"/>
-                        <a:cs typeface="Times New Roman" panose="02020603050405020304" pitchFamily="18" charset="0"/>
-                      </a:endParaRPr>
-                    </a:p>
-                  </a:txBody>
-                  <a:tcPr marL="68580" marR="68580" marT="0" marB="0" anchor="ctr"/>
-                </a:tc>
-                <a:tc>
-                  <a:txBody>
-                    <a:bodyPr/>
-                    <a:lstStyle/>
-                    <a:p>
-                      <a:pPr marL="0" marR="0" algn="ctr">
-                        <a:lnSpc>
-                          <a:spcPct val="107000"/>
-                        </a:lnSpc>
-                        <a:spcBef>
-                          <a:spcPts val="0"/>
-                        </a:spcBef>
-                        <a:spcAft>
-                          <a:spcPts val="0"/>
-                        </a:spcAft>
-                      </a:pPr>
-                      <a:r>
-                        <a:rPr lang="en-US" sz="1600" dirty="0">
-                          <a:effectLst/>
-                        </a:rPr>
-                        <a:t>11:00</a:t>
-                      </a:r>
-                      <a:endParaRPr lang="en-US" sz="1600" dirty="0">
-                        <a:effectLst/>
-                        <a:latin typeface="Times New Roman" panose="02020603050405020304" pitchFamily="18" charset="0"/>
-                        <a:ea typeface="Calibri" panose="020F0502020204030204" pitchFamily="34" charset="0"/>
-                        <a:cs typeface="Times New Roman" panose="02020603050405020304" pitchFamily="18" charset="0"/>
-                      </a:endParaRPr>
-                    </a:p>
-                  </a:txBody>
-                  <a:tcPr marL="68580" marR="68580" marT="0" marB="0" anchor="ctr"/>
-                </a:tc>
-                <a:tc>
-                  <a:txBody>
-                    <a:bodyPr/>
-                    <a:lstStyle/>
-                    <a:p>
-                      <a:pPr marL="0" marR="0" algn="ctr">
-                        <a:lnSpc>
-                          <a:spcPct val="107000"/>
-                        </a:lnSpc>
-                        <a:spcBef>
-                          <a:spcPts val="0"/>
-                        </a:spcBef>
-                        <a:spcAft>
-                          <a:spcPts val="0"/>
-                        </a:spcAft>
-                      </a:pPr>
-                      <a:r>
-                        <a:rPr lang="en-US" sz="1600">
-                          <a:effectLst/>
-                        </a:rPr>
-                        <a:t>13:30</a:t>
-                      </a:r>
-                      <a:endParaRPr lang="en-US" sz="1600">
-                        <a:effectLst/>
-                        <a:latin typeface="Times New Roman" panose="02020603050405020304" pitchFamily="18" charset="0"/>
-                        <a:ea typeface="Calibri" panose="020F0502020204030204" pitchFamily="34" charset="0"/>
-                        <a:cs typeface="Times New Roman" panose="02020603050405020304" pitchFamily="18" charset="0"/>
-                      </a:endParaRPr>
-                    </a:p>
-                  </a:txBody>
-                  <a:tcPr marL="68580" marR="68580" marT="0" marB="0" anchor="ctr"/>
-                </a:tc>
-                <a:extLst>
-                  <a:ext uri="{0D108BD9-81ED-4DB2-BD59-A6C34878D82A}">
-                    <a16:rowId xmlns:a16="http://schemas.microsoft.com/office/drawing/2014/main" val="2509272945"/>
-                  </a:ext>
-                </a:extLst>
-              </a:tr>
-              <a:tr h="470025">
-                <a:tc>
-                  <a:txBody>
-                    <a:bodyPr/>
-                    <a:lstStyle/>
-                    <a:p>
-                      <a:pPr marL="0" marR="0" algn="ctr">
-                        <a:lnSpc>
-                          <a:spcPct val="107000"/>
-                        </a:lnSpc>
-                        <a:spcBef>
-                          <a:spcPts val="0"/>
-                        </a:spcBef>
-                        <a:spcAft>
-                          <a:spcPts val="0"/>
-                        </a:spcAft>
-                      </a:pPr>
-                      <a:r>
-                        <a:rPr lang="en-US" sz="1600">
-                          <a:effectLst/>
-                        </a:rPr>
-                        <a:t>…</a:t>
-                      </a:r>
-                      <a:endParaRPr lang="en-US" sz="1600">
-                        <a:effectLst/>
-                        <a:latin typeface="Times New Roman" panose="02020603050405020304" pitchFamily="18" charset="0"/>
-                        <a:ea typeface="Calibri" panose="020F0502020204030204" pitchFamily="34" charset="0"/>
-                        <a:cs typeface="Times New Roman" panose="02020603050405020304" pitchFamily="18" charset="0"/>
-                      </a:endParaRPr>
-                    </a:p>
-                  </a:txBody>
-                  <a:tcPr marL="68580" marR="68580" marT="0" marB="0" anchor="ctr"/>
-                </a:tc>
-                <a:tc>
-                  <a:txBody>
-                    <a:bodyPr/>
-                    <a:lstStyle/>
-                    <a:p>
-                      <a:pPr marL="0" marR="0" algn="ctr">
-                        <a:lnSpc>
-                          <a:spcPct val="107000"/>
-                        </a:lnSpc>
-                        <a:spcBef>
-                          <a:spcPts val="0"/>
-                        </a:spcBef>
-                        <a:spcAft>
-                          <a:spcPts val="0"/>
-                        </a:spcAft>
-                      </a:pPr>
-                      <a:r>
-                        <a:rPr lang="en-US" sz="1600">
-                          <a:effectLst/>
-                        </a:rPr>
-                        <a:t>…</a:t>
-                      </a:r>
-                      <a:endParaRPr lang="en-US" sz="1600">
-                        <a:effectLst/>
-                        <a:latin typeface="Times New Roman" panose="02020603050405020304" pitchFamily="18" charset="0"/>
-                        <a:ea typeface="Calibri" panose="020F0502020204030204" pitchFamily="34" charset="0"/>
-                        <a:cs typeface="Times New Roman" panose="02020603050405020304" pitchFamily="18" charset="0"/>
-                      </a:endParaRPr>
-                    </a:p>
-                  </a:txBody>
-                  <a:tcPr marL="68580" marR="68580" marT="0" marB="0" anchor="ctr"/>
-                </a:tc>
-                <a:tc>
-                  <a:txBody>
-                    <a:bodyPr/>
-                    <a:lstStyle/>
-                    <a:p>
-                      <a:pPr marL="0" marR="0" algn="ctr">
-                        <a:lnSpc>
-                          <a:spcPct val="107000"/>
-                        </a:lnSpc>
-                        <a:spcBef>
-                          <a:spcPts val="0"/>
-                        </a:spcBef>
-                        <a:spcAft>
-                          <a:spcPts val="0"/>
-                        </a:spcAft>
-                      </a:pPr>
-                      <a:r>
-                        <a:rPr lang="en-US" sz="1600">
-                          <a:effectLst/>
-                        </a:rPr>
-                        <a:t>…</a:t>
-                      </a:r>
-                      <a:endParaRPr lang="en-US" sz="1600">
-                        <a:effectLst/>
-                        <a:latin typeface="Times New Roman" panose="02020603050405020304" pitchFamily="18" charset="0"/>
-                        <a:ea typeface="Calibri" panose="020F0502020204030204" pitchFamily="34" charset="0"/>
-                        <a:cs typeface="Times New Roman" panose="02020603050405020304" pitchFamily="18" charset="0"/>
-                      </a:endParaRPr>
-                    </a:p>
-                  </a:txBody>
-                  <a:tcPr marL="68580" marR="68580" marT="0" marB="0" anchor="ctr"/>
-                </a:tc>
-                <a:tc>
-                  <a:txBody>
-                    <a:bodyPr/>
-                    <a:lstStyle/>
-                    <a:p>
-                      <a:pPr marL="0" marR="0" algn="ctr">
-                        <a:lnSpc>
-                          <a:spcPct val="107000"/>
-                        </a:lnSpc>
-                        <a:spcBef>
-                          <a:spcPts val="0"/>
-                        </a:spcBef>
-                        <a:spcAft>
-                          <a:spcPts val="0"/>
-                        </a:spcAft>
-                      </a:pPr>
-                      <a:r>
-                        <a:rPr lang="en-US" sz="1600">
-                          <a:effectLst/>
-                        </a:rPr>
-                        <a:t>…</a:t>
-                      </a:r>
-                      <a:endParaRPr lang="en-US" sz="1600">
-                        <a:effectLst/>
-                        <a:latin typeface="Times New Roman" panose="02020603050405020304" pitchFamily="18" charset="0"/>
-                        <a:ea typeface="Calibri" panose="020F0502020204030204" pitchFamily="34" charset="0"/>
-                        <a:cs typeface="Times New Roman" panose="02020603050405020304" pitchFamily="18" charset="0"/>
-                      </a:endParaRPr>
-                    </a:p>
-                  </a:txBody>
-                  <a:tcPr marL="68580" marR="68580" marT="0" marB="0" anchor="ctr"/>
-                </a:tc>
-                <a:tc>
-                  <a:txBody>
-                    <a:bodyPr/>
-                    <a:lstStyle/>
-                    <a:p>
-                      <a:pPr marL="0" marR="0" algn="ctr">
-                        <a:lnSpc>
-                          <a:spcPct val="107000"/>
-                        </a:lnSpc>
-                        <a:spcBef>
-                          <a:spcPts val="0"/>
-                        </a:spcBef>
-                        <a:spcAft>
-                          <a:spcPts val="0"/>
-                        </a:spcAft>
-                      </a:pPr>
-                      <a:r>
-                        <a:rPr lang="en-US" sz="1600">
-                          <a:effectLst/>
-                        </a:rPr>
-                        <a:t>…</a:t>
-                      </a:r>
-                      <a:endParaRPr lang="en-US" sz="1600">
-                        <a:effectLst/>
-                        <a:latin typeface="Times New Roman" panose="02020603050405020304" pitchFamily="18" charset="0"/>
-                        <a:ea typeface="Calibri" panose="020F0502020204030204" pitchFamily="34" charset="0"/>
-                        <a:cs typeface="Times New Roman" panose="02020603050405020304" pitchFamily="18" charset="0"/>
-                      </a:endParaRPr>
-                    </a:p>
-                  </a:txBody>
-                  <a:tcPr marL="68580" marR="68580" marT="0" marB="0" anchor="ctr"/>
-                </a:tc>
-                <a:tc>
-                  <a:txBody>
-                    <a:bodyPr/>
-                    <a:lstStyle/>
-                    <a:p>
-                      <a:pPr marL="0" marR="0" algn="ctr">
-                        <a:lnSpc>
-                          <a:spcPct val="107000"/>
-                        </a:lnSpc>
-                        <a:spcBef>
-                          <a:spcPts val="0"/>
-                        </a:spcBef>
-                        <a:spcAft>
-                          <a:spcPts val="0"/>
-                        </a:spcAft>
-                      </a:pPr>
-                      <a:r>
-                        <a:rPr lang="en-US" sz="1600" dirty="0">
-                          <a:effectLst/>
-                        </a:rPr>
-                        <a:t>…</a:t>
-                      </a:r>
-                      <a:endParaRPr lang="en-US" sz="1600" dirty="0">
-                        <a:effectLst/>
-                        <a:latin typeface="Times New Roman" panose="02020603050405020304" pitchFamily="18" charset="0"/>
-                        <a:ea typeface="Calibri" panose="020F0502020204030204" pitchFamily="34" charset="0"/>
-                        <a:cs typeface="Times New Roman" panose="02020603050405020304" pitchFamily="18" charset="0"/>
-                      </a:endParaRPr>
-                    </a:p>
-                  </a:txBody>
-                  <a:tcPr marL="68580" marR="68580" marT="0" marB="0" anchor="ctr"/>
-                </a:tc>
-                <a:tc>
-                  <a:txBody>
-                    <a:bodyPr/>
-                    <a:lstStyle/>
-                    <a:p>
-                      <a:pPr marL="0" marR="0" algn="ctr">
-                        <a:lnSpc>
-                          <a:spcPct val="107000"/>
-                        </a:lnSpc>
-                        <a:spcBef>
-                          <a:spcPts val="0"/>
-                        </a:spcBef>
-                        <a:spcAft>
-                          <a:spcPts val="0"/>
-                        </a:spcAft>
-                      </a:pPr>
-                      <a:r>
-                        <a:rPr lang="en-US" sz="1600" dirty="0">
-                          <a:effectLst/>
-                        </a:rPr>
-                        <a:t>…</a:t>
-                      </a:r>
-                      <a:endParaRPr lang="en-US" sz="1600" dirty="0">
-                        <a:effectLst/>
-                        <a:latin typeface="Times New Roman" panose="02020603050405020304" pitchFamily="18" charset="0"/>
-                        <a:ea typeface="Calibri" panose="020F0502020204030204" pitchFamily="34" charset="0"/>
-                        <a:cs typeface="Times New Roman" panose="02020603050405020304" pitchFamily="18" charset="0"/>
-                      </a:endParaRPr>
-                    </a:p>
-                  </a:txBody>
-                  <a:tcPr marL="68580" marR="68580" marT="0" marB="0" anchor="ctr"/>
-                </a:tc>
-                <a:extLst>
-                  <a:ext uri="{0D108BD9-81ED-4DB2-BD59-A6C34878D82A}">
-                    <a16:rowId xmlns:a16="http://schemas.microsoft.com/office/drawing/2014/main" val="1184390986"/>
-                  </a:ext>
-                </a:extLst>
-              </a:tr>
-              <a:tr h="500513">
-                <a:tc>
-                  <a:txBody>
-                    <a:bodyPr/>
-                    <a:lstStyle/>
-                    <a:p>
-                      <a:pPr marL="0" marR="0" algn="ctr">
-                        <a:lnSpc>
-                          <a:spcPct val="107000"/>
-                        </a:lnSpc>
-                        <a:spcBef>
-                          <a:spcPts val="0"/>
-                        </a:spcBef>
-                        <a:spcAft>
-                          <a:spcPts val="0"/>
-                        </a:spcAft>
-                      </a:pPr>
-                      <a:r>
-                        <a:rPr lang="en-US" sz="1600" dirty="0">
-                          <a:solidFill>
-                            <a:srgbClr val="FF0000"/>
-                          </a:solidFill>
-                          <a:effectLst/>
-                        </a:rPr>
-                        <a:t>50</a:t>
-                      </a:r>
-                      <a:endParaRPr lang="en-US" sz="1600" dirty="0">
-                        <a:solidFill>
-                          <a:srgbClr val="FF0000"/>
-                        </a:solidFill>
-                        <a:effectLst/>
-                        <a:latin typeface="Times New Roman" panose="02020603050405020304" pitchFamily="18" charset="0"/>
-                        <a:ea typeface="Calibri" panose="020F0502020204030204" pitchFamily="34" charset="0"/>
-                        <a:cs typeface="Times New Roman" panose="02020603050405020304" pitchFamily="18" charset="0"/>
-                      </a:endParaRPr>
-                    </a:p>
-                  </a:txBody>
-                  <a:tcPr marL="68580" marR="68580" marT="0" marB="0" anchor="ctr"/>
-                </a:tc>
-                <a:tc>
-                  <a:txBody>
-                    <a:bodyPr/>
-                    <a:lstStyle/>
-                    <a:p>
-                      <a:pPr marL="0" marR="0" algn="ctr">
-                        <a:lnSpc>
-                          <a:spcPct val="107000"/>
-                        </a:lnSpc>
-                        <a:spcBef>
-                          <a:spcPts val="0"/>
-                        </a:spcBef>
-                        <a:spcAft>
-                          <a:spcPts val="0"/>
-                        </a:spcAft>
-                      </a:pPr>
-                      <a:r>
-                        <a:rPr lang="en-US" sz="1600" dirty="0">
-                          <a:effectLst/>
-                        </a:rPr>
-                        <a:t>116.214509</a:t>
-                      </a:r>
-                      <a:endParaRPr lang="en-US" sz="1600" dirty="0">
-                        <a:effectLst/>
-                        <a:latin typeface="Times New Roman" panose="02020603050405020304" pitchFamily="18" charset="0"/>
-                        <a:ea typeface="Calibri" panose="020F0502020204030204" pitchFamily="34" charset="0"/>
-                        <a:cs typeface="Times New Roman" panose="02020603050405020304" pitchFamily="18" charset="0"/>
-                      </a:endParaRPr>
-                    </a:p>
-                  </a:txBody>
-                  <a:tcPr marL="68580" marR="68580" marT="0" marB="0" anchor="ctr"/>
-                </a:tc>
-                <a:tc>
-                  <a:txBody>
-                    <a:bodyPr/>
-                    <a:lstStyle/>
-                    <a:p>
-                      <a:pPr marL="0" marR="0" algn="ctr">
-                        <a:lnSpc>
-                          <a:spcPct val="107000"/>
-                        </a:lnSpc>
-                        <a:spcBef>
-                          <a:spcPts val="0"/>
-                        </a:spcBef>
-                        <a:spcAft>
-                          <a:spcPts val="0"/>
-                        </a:spcAft>
-                      </a:pPr>
-                      <a:r>
-                        <a:rPr lang="en-US" sz="1600" dirty="0">
-                          <a:effectLst/>
-                        </a:rPr>
-                        <a:t>40.122890</a:t>
-                      </a:r>
-                      <a:endParaRPr lang="en-US" sz="1600" dirty="0">
-                        <a:effectLst/>
-                        <a:latin typeface="Times New Roman" panose="02020603050405020304" pitchFamily="18" charset="0"/>
-                        <a:ea typeface="Calibri" panose="020F0502020204030204" pitchFamily="34" charset="0"/>
-                        <a:cs typeface="Times New Roman" panose="02020603050405020304" pitchFamily="18" charset="0"/>
-                      </a:endParaRPr>
-                    </a:p>
-                  </a:txBody>
-                  <a:tcPr marL="68580" marR="68580" marT="0" marB="0" anchor="ctr"/>
-                </a:tc>
-                <a:tc>
-                  <a:txBody>
-                    <a:bodyPr/>
-                    <a:lstStyle/>
-                    <a:p>
-                      <a:pPr marL="0" marR="0" algn="ctr">
-                        <a:lnSpc>
-                          <a:spcPct val="107000"/>
-                        </a:lnSpc>
-                        <a:spcBef>
-                          <a:spcPts val="0"/>
-                        </a:spcBef>
-                        <a:spcAft>
-                          <a:spcPts val="0"/>
-                        </a:spcAft>
-                      </a:pPr>
-                      <a:r>
-                        <a:rPr lang="en-US" sz="1600">
-                          <a:effectLst/>
-                        </a:rPr>
-                        <a:t>0.01697</a:t>
-                      </a:r>
-                      <a:endParaRPr lang="en-US" sz="1600">
-                        <a:effectLst/>
-                        <a:latin typeface="Times New Roman" panose="02020603050405020304" pitchFamily="18" charset="0"/>
-                        <a:ea typeface="Calibri" panose="020F0502020204030204" pitchFamily="34" charset="0"/>
-                        <a:cs typeface="Times New Roman" panose="02020603050405020304" pitchFamily="18" charset="0"/>
-                      </a:endParaRPr>
-                    </a:p>
-                  </a:txBody>
-                  <a:tcPr marL="68580" marR="68580" marT="0" marB="0" anchor="ctr"/>
-                </a:tc>
-                <a:tc>
-                  <a:txBody>
-                    <a:bodyPr/>
-                    <a:lstStyle/>
-                    <a:p>
-                      <a:pPr marL="0" marR="0" algn="ctr">
-                        <a:lnSpc>
-                          <a:spcPct val="107000"/>
-                        </a:lnSpc>
-                        <a:spcBef>
-                          <a:spcPts val="0"/>
-                        </a:spcBef>
-                        <a:spcAft>
-                          <a:spcPts val="0"/>
-                        </a:spcAft>
-                      </a:pPr>
-                      <a:r>
-                        <a:rPr lang="en-US" sz="1600">
-                          <a:effectLst/>
-                        </a:rPr>
-                        <a:t>0.0260</a:t>
-                      </a:r>
-                      <a:endParaRPr lang="en-US" sz="1600">
-                        <a:effectLst/>
-                        <a:latin typeface="Times New Roman" panose="02020603050405020304" pitchFamily="18" charset="0"/>
-                        <a:ea typeface="Calibri" panose="020F0502020204030204" pitchFamily="34" charset="0"/>
-                        <a:cs typeface="Times New Roman" panose="02020603050405020304" pitchFamily="18" charset="0"/>
-                      </a:endParaRPr>
-                    </a:p>
-                  </a:txBody>
-                  <a:tcPr marL="68580" marR="68580" marT="0" marB="0" anchor="ctr"/>
-                </a:tc>
-                <a:tc>
-                  <a:txBody>
-                    <a:bodyPr/>
-                    <a:lstStyle/>
-                    <a:p>
-                      <a:pPr marL="0" marR="0" algn="ctr">
-                        <a:lnSpc>
-                          <a:spcPct val="107000"/>
-                        </a:lnSpc>
-                        <a:spcBef>
-                          <a:spcPts val="0"/>
-                        </a:spcBef>
-                        <a:spcAft>
-                          <a:spcPts val="0"/>
-                        </a:spcAft>
-                      </a:pPr>
-                      <a:r>
-                        <a:rPr lang="en-US" sz="1600">
-                          <a:effectLst/>
-                        </a:rPr>
-                        <a:t>11:00</a:t>
-                      </a:r>
-                      <a:endParaRPr lang="en-US" sz="1600">
-                        <a:effectLst/>
-                        <a:latin typeface="Times New Roman" panose="02020603050405020304" pitchFamily="18" charset="0"/>
-                        <a:ea typeface="Calibri" panose="020F0502020204030204" pitchFamily="34" charset="0"/>
-                        <a:cs typeface="Times New Roman" panose="02020603050405020304" pitchFamily="18" charset="0"/>
-                      </a:endParaRPr>
-                    </a:p>
-                  </a:txBody>
-                  <a:tcPr marL="68580" marR="68580" marT="0" marB="0" anchor="ctr"/>
-                </a:tc>
-                <a:tc>
-                  <a:txBody>
-                    <a:bodyPr/>
-                    <a:lstStyle/>
-                    <a:p>
-                      <a:pPr marL="0" marR="0" algn="ctr">
-                        <a:lnSpc>
-                          <a:spcPct val="107000"/>
-                        </a:lnSpc>
-                        <a:spcBef>
-                          <a:spcPts val="0"/>
-                        </a:spcBef>
-                        <a:spcAft>
-                          <a:spcPts val="0"/>
-                        </a:spcAft>
-                      </a:pPr>
-                      <a:r>
-                        <a:rPr lang="en-US" sz="1600" dirty="0">
-                          <a:effectLst/>
-                        </a:rPr>
-                        <a:t>12:00</a:t>
-                      </a:r>
-                      <a:endParaRPr lang="en-US" sz="1600" dirty="0">
-                        <a:effectLst/>
-                        <a:latin typeface="Times New Roman" panose="02020603050405020304" pitchFamily="18" charset="0"/>
-                        <a:ea typeface="Calibri" panose="020F0502020204030204" pitchFamily="34" charset="0"/>
-                        <a:cs typeface="Times New Roman" panose="02020603050405020304" pitchFamily="18" charset="0"/>
-                      </a:endParaRPr>
-                    </a:p>
-                  </a:txBody>
-                  <a:tcPr marL="68580" marR="68580" marT="0" marB="0" anchor="ctr"/>
-                </a:tc>
-                <a:extLst>
-                  <a:ext uri="{0D108BD9-81ED-4DB2-BD59-A6C34878D82A}">
-                    <a16:rowId xmlns:a16="http://schemas.microsoft.com/office/drawing/2014/main" val="3402876790"/>
-                  </a:ext>
-                </a:extLst>
-              </a:tr>
-            </a:tbl>
-          </a:graphicData>
-        </a:graphic>
-      </p:graphicFrame>
-      <p:sp>
-        <p:nvSpPr>
-          <p:cNvPr id="4" name="Date Placeholder 3"/>
-          <p:cNvSpPr>
-            <a:spLocks noGrp="1"/>
-          </p:cNvSpPr>
-          <p:nvPr>
-            <p:ph type="dt" sz="half" idx="10"/>
-          </p:nvPr>
-        </p:nvSpPr>
-        <p:spPr/>
-        <p:txBody>
-          <a:bodyPr/>
-          <a:lstStyle/>
-          <a:p>
-            <a:pPr>
-              <a:defRPr/>
-            </a:pPr>
-            <a:r>
-              <a:rPr lang="en-US"/>
-              <a:t>November 26</a:t>
-            </a:r>
-            <a:endParaRPr lang="en-US" dirty="0"/>
-          </a:p>
-        </p:txBody>
-      </p:sp>
-      <p:sp>
-        <p:nvSpPr>
-          <p:cNvPr id="5" name="Footer Placeholder 4"/>
-          <p:cNvSpPr>
-            <a:spLocks noGrp="1"/>
-          </p:cNvSpPr>
-          <p:nvPr>
-            <p:ph type="ftr" sz="quarter" idx="11"/>
-          </p:nvPr>
-        </p:nvSpPr>
-        <p:spPr/>
-        <p:txBody>
-          <a:bodyPr/>
-          <a:lstStyle/>
-          <a:p>
-            <a:pPr>
-              <a:defRPr/>
-            </a:pPr>
-            <a:r>
-              <a:rPr lang="en-US"/>
-              <a:t>IE 526  Final Project</a:t>
-            </a:r>
-            <a:endParaRPr lang="en-US" dirty="0"/>
-          </a:p>
-        </p:txBody>
-      </p:sp>
-      <p:sp>
-        <p:nvSpPr>
-          <p:cNvPr id="6" name="Slide Number Placeholder 5"/>
-          <p:cNvSpPr>
-            <a:spLocks noGrp="1"/>
-          </p:cNvSpPr>
-          <p:nvPr>
-            <p:ph type="sldNum" sz="quarter" idx="12"/>
-          </p:nvPr>
-        </p:nvSpPr>
-        <p:spPr/>
-        <p:txBody>
-          <a:bodyPr/>
-          <a:lstStyle/>
-          <a:p>
-            <a:pPr>
-              <a:defRPr/>
-            </a:pPr>
-            <a:fld id="{61875079-2EDC-4E24-99D6-3E823A45791C}" type="slidenum">
-              <a:rPr lang="en-US" smtClean="0"/>
-              <a:pPr>
-                <a:defRPr/>
-              </a:pPr>
-              <a:t>8</a:t>
-            </a:fld>
-            <a:endParaRPr lang="en-US" dirty="0"/>
-          </a:p>
-        </p:txBody>
-      </p:sp>
-    </p:spTree>
-    <p:extLst>
-      <p:ext uri="{BB962C8B-B14F-4D97-AF65-F5344CB8AC3E}">
-        <p14:creationId xmlns:p14="http://schemas.microsoft.com/office/powerpoint/2010/main" val="3485964811"/>
-      </p:ext>
-    </p:extLst>
-  </p:cSld>
-  <p:clrMapOvr>
-    <a:masterClrMapping/>
-  </p:clrMapOvr>
-</p:sld>
-</file>
-
 <file path=ppt/slides/slide9.xml><?xml version="1.0" encoding="utf-8"?>
 <p:sld xmlns:a="http://schemas.openxmlformats.org/drawingml/2006/main" xmlns:r="http://schemas.openxmlformats.org/officeDocument/2006/relationships" xmlns:p="http://schemas.openxmlformats.org/presentationml/2006/main">
   <p:cSld>
@@ -12240,1074 +13338,13 @@
       </p:grpSpPr>
       <p:sp>
         <p:nvSpPr>
-          <p:cNvPr id="2" name="Title 1"/>
-          <p:cNvSpPr>
-            <a:spLocks noGrp="1"/>
-          </p:cNvSpPr>
-          <p:nvPr>
-            <p:ph type="title"/>
-          </p:nvPr>
-        </p:nvSpPr>
-        <p:spPr/>
-        <p:txBody>
-          <a:bodyPr/>
-          <a:lstStyle/>
-          <a:p>
-            <a:r>
-              <a:rPr lang="en-US" dirty="0">
-                <a:latin typeface="Times New Roman" panose="02020603050405020304" pitchFamily="18" charset="0"/>
-                <a:cs typeface="Times New Roman" panose="02020603050405020304" pitchFamily="18" charset="0"/>
-              </a:rPr>
-              <a:t>Data sample</a:t>
-            </a:r>
-          </a:p>
-        </p:txBody>
-      </p:sp>
-      <p:graphicFrame>
-        <p:nvGraphicFramePr>
-          <p:cNvPr id="7" name="Content Placeholder 6"/>
-          <p:cNvGraphicFramePr>
-            <a:graphicFrameLocks noGrp="1"/>
-          </p:cNvGraphicFramePr>
-          <p:nvPr>
-            <p:ph idx="1"/>
-            <p:extLst>
-              <p:ext uri="{D42A27DB-BD31-4B8C-83A1-F6EECF244321}">
-                <p14:modId xmlns:p14="http://schemas.microsoft.com/office/powerpoint/2010/main" val="2156341432"/>
-              </p:ext>
-            </p:extLst>
-          </p:nvPr>
-        </p:nvGraphicFramePr>
-        <p:xfrm>
-          <a:off x="628650" y="1600200"/>
-          <a:ext cx="7315200" cy="4038602"/>
-        </p:xfrm>
-        <a:graphic>
-          <a:graphicData uri="http://schemas.openxmlformats.org/drawingml/2006/table">
-            <a:tbl>
-              <a:tblPr firstRow="1" firstCol="1" bandRow="1">
-                <a:tableStyleId>{0505E3EF-67EA-436B-97B2-0124C06EBD24}</a:tableStyleId>
-              </a:tblPr>
-              <a:tblGrid>
-                <a:gridCol w="1645817">
-                  <a:extLst>
-                    <a:ext uri="{9D8B030D-6E8A-4147-A177-3AD203B41FA5}">
-                      <a16:colId xmlns:a16="http://schemas.microsoft.com/office/drawing/2014/main" val="1449701457"/>
-                    </a:ext>
-                  </a:extLst>
-                </a:gridCol>
-                <a:gridCol w="1645817">
-                  <a:extLst>
-                    <a:ext uri="{9D8B030D-6E8A-4147-A177-3AD203B41FA5}">
-                      <a16:colId xmlns:a16="http://schemas.microsoft.com/office/drawing/2014/main" val="1442554566"/>
-                    </a:ext>
-                  </a:extLst>
-                </a:gridCol>
-                <a:gridCol w="2103583">
-                  <a:extLst>
-                    <a:ext uri="{9D8B030D-6E8A-4147-A177-3AD203B41FA5}">
-                      <a16:colId xmlns:a16="http://schemas.microsoft.com/office/drawing/2014/main" val="3609414737"/>
-                    </a:ext>
-                  </a:extLst>
-                </a:gridCol>
-                <a:gridCol w="1919983">
-                  <a:extLst>
-                    <a:ext uri="{9D8B030D-6E8A-4147-A177-3AD203B41FA5}">
-                      <a16:colId xmlns:a16="http://schemas.microsoft.com/office/drawing/2014/main" val="1064152435"/>
-                    </a:ext>
-                  </a:extLst>
-                </a:gridCol>
-              </a:tblGrid>
-              <a:tr h="1020980">
-                <a:tc>
-                  <a:txBody>
-                    <a:bodyPr/>
-                    <a:lstStyle/>
-                    <a:p>
-                      <a:pPr marL="0" marR="0" algn="ctr">
-                        <a:lnSpc>
-                          <a:spcPct val="107000"/>
-                        </a:lnSpc>
-                        <a:spcBef>
-                          <a:spcPts val="0"/>
-                        </a:spcBef>
-                        <a:spcAft>
-                          <a:spcPts val="0"/>
-                        </a:spcAft>
-                      </a:pPr>
-                      <a:r>
-                        <a:rPr lang="en-US" sz="1400" dirty="0">
-                          <a:effectLst/>
-                        </a:rPr>
-                        <a:t>From Node</a:t>
-                      </a:r>
-                      <a:endParaRPr lang="en-US" sz="1400" dirty="0">
-                        <a:effectLst/>
-                        <a:latin typeface="Times New Roman" panose="02020603050405020304" pitchFamily="18" charset="0"/>
-                        <a:ea typeface="Calibri" panose="020F0502020204030204" pitchFamily="34" charset="0"/>
-                        <a:cs typeface="Times New Roman" panose="02020603050405020304" pitchFamily="18" charset="0"/>
-                      </a:endParaRPr>
-                    </a:p>
-                  </a:txBody>
-                  <a:tcPr marL="68580" marR="68580" marT="0" marB="0" anchor="ctr"/>
-                </a:tc>
-                <a:tc>
-                  <a:txBody>
-                    <a:bodyPr/>
-                    <a:lstStyle/>
-                    <a:p>
-                      <a:pPr marL="0" marR="0" algn="ctr">
-                        <a:lnSpc>
-                          <a:spcPct val="107000"/>
-                        </a:lnSpc>
-                        <a:spcBef>
-                          <a:spcPts val="0"/>
-                        </a:spcBef>
-                        <a:spcAft>
-                          <a:spcPts val="0"/>
-                        </a:spcAft>
-                      </a:pPr>
-                      <a:r>
-                        <a:rPr lang="en-US" sz="1400" dirty="0">
-                          <a:effectLst/>
-                        </a:rPr>
-                        <a:t>To Node</a:t>
-                      </a:r>
-                      <a:endParaRPr lang="en-US" sz="1400" dirty="0">
-                        <a:effectLst/>
-                        <a:latin typeface="Times New Roman" panose="02020603050405020304" pitchFamily="18" charset="0"/>
-                        <a:ea typeface="Calibri" panose="020F0502020204030204" pitchFamily="34" charset="0"/>
-                        <a:cs typeface="Times New Roman" panose="02020603050405020304" pitchFamily="18" charset="0"/>
-                      </a:endParaRPr>
-                    </a:p>
-                  </a:txBody>
-                  <a:tcPr marL="68580" marR="68580" marT="0" marB="0" anchor="ctr"/>
-                </a:tc>
-                <a:tc>
-                  <a:txBody>
-                    <a:bodyPr/>
-                    <a:lstStyle/>
-                    <a:p>
-                      <a:pPr marL="0" marR="0" algn="ctr">
-                        <a:lnSpc>
-                          <a:spcPct val="107000"/>
-                        </a:lnSpc>
-                        <a:spcBef>
-                          <a:spcPts val="0"/>
-                        </a:spcBef>
-                        <a:spcAft>
-                          <a:spcPts val="0"/>
-                        </a:spcAft>
-                      </a:pPr>
-                      <a:r>
-                        <a:rPr lang="en-US" sz="1400" dirty="0">
-                          <a:effectLst/>
-                        </a:rPr>
-                        <a:t>Distance</a:t>
-                      </a:r>
-                    </a:p>
-                    <a:p>
-                      <a:pPr marL="0" marR="0" algn="ctr">
-                        <a:lnSpc>
-                          <a:spcPct val="107000"/>
-                        </a:lnSpc>
-                        <a:spcBef>
-                          <a:spcPts val="0"/>
-                        </a:spcBef>
-                        <a:spcAft>
-                          <a:spcPts val="0"/>
-                        </a:spcAft>
-                      </a:pPr>
-                      <a:r>
-                        <a:rPr lang="en-US" sz="1400" dirty="0">
-                          <a:effectLst/>
-                        </a:rPr>
-                        <a:t>(kilometers)</a:t>
-                      </a:r>
-                      <a:endParaRPr lang="en-US" sz="1400" dirty="0">
-                        <a:effectLst/>
-                        <a:latin typeface="Times New Roman" panose="02020603050405020304" pitchFamily="18" charset="0"/>
-                        <a:ea typeface="Calibri" panose="020F0502020204030204" pitchFamily="34" charset="0"/>
-                        <a:cs typeface="Times New Roman" panose="02020603050405020304" pitchFamily="18" charset="0"/>
-                      </a:endParaRPr>
-                    </a:p>
-                  </a:txBody>
-                  <a:tcPr marL="68580" marR="68580" marT="0" marB="0" anchor="ctr"/>
-                </a:tc>
-                <a:tc>
-                  <a:txBody>
-                    <a:bodyPr/>
-                    <a:lstStyle/>
-                    <a:p>
-                      <a:pPr marL="0" marR="0" algn="ctr">
-                        <a:lnSpc>
-                          <a:spcPct val="107000"/>
-                        </a:lnSpc>
-                        <a:spcBef>
-                          <a:spcPts val="0"/>
-                        </a:spcBef>
-                        <a:spcAft>
-                          <a:spcPts val="0"/>
-                        </a:spcAft>
-                      </a:pPr>
-                      <a:r>
-                        <a:rPr lang="en-US" sz="1400" dirty="0">
-                          <a:effectLst/>
-                        </a:rPr>
-                        <a:t>Transport Time</a:t>
-                      </a:r>
-                    </a:p>
-                    <a:p>
-                      <a:pPr marL="0" marR="0" algn="ctr">
-                        <a:lnSpc>
-                          <a:spcPct val="107000"/>
-                        </a:lnSpc>
-                        <a:spcBef>
-                          <a:spcPts val="0"/>
-                        </a:spcBef>
-                        <a:spcAft>
-                          <a:spcPts val="0"/>
-                        </a:spcAft>
-                      </a:pPr>
-                      <a:r>
-                        <a:rPr lang="en-US" sz="1400" dirty="0">
-                          <a:effectLst/>
-                        </a:rPr>
-                        <a:t>(minutes)</a:t>
-                      </a:r>
-                      <a:endParaRPr lang="en-US" sz="1400" dirty="0">
-                        <a:effectLst/>
-                        <a:latin typeface="Times New Roman" panose="02020603050405020304" pitchFamily="18" charset="0"/>
-                        <a:ea typeface="Calibri" panose="020F0502020204030204" pitchFamily="34" charset="0"/>
-                        <a:cs typeface="Times New Roman" panose="02020603050405020304" pitchFamily="18" charset="0"/>
-                      </a:endParaRPr>
-                    </a:p>
-                  </a:txBody>
-                  <a:tcPr marL="68580" marR="68580" marT="0" marB="0" anchor="ctr"/>
-                </a:tc>
-                <a:extLst>
-                  <a:ext uri="{0D108BD9-81ED-4DB2-BD59-A6C34878D82A}">
-                    <a16:rowId xmlns:a16="http://schemas.microsoft.com/office/drawing/2014/main" val="742062856"/>
-                  </a:ext>
-                </a:extLst>
-              </a:tr>
-              <a:tr h="502937">
-                <a:tc>
-                  <a:txBody>
-                    <a:bodyPr/>
-                    <a:lstStyle/>
-                    <a:p>
-                      <a:pPr marL="0" marR="0" algn="ctr">
-                        <a:lnSpc>
-                          <a:spcPct val="107000"/>
-                        </a:lnSpc>
-                        <a:spcBef>
-                          <a:spcPts val="0"/>
-                        </a:spcBef>
-                        <a:spcAft>
-                          <a:spcPts val="0"/>
-                        </a:spcAft>
-                      </a:pPr>
-                      <a:r>
-                        <a:rPr lang="en-US" sz="1400" dirty="0">
-                          <a:effectLst/>
-                        </a:rPr>
-                        <a:t>0</a:t>
-                      </a:r>
-                      <a:endParaRPr lang="en-US" sz="1400" dirty="0">
-                        <a:effectLst/>
-                        <a:latin typeface="Times New Roman" panose="02020603050405020304" pitchFamily="18" charset="0"/>
-                        <a:ea typeface="Calibri" panose="020F0502020204030204" pitchFamily="34" charset="0"/>
-                        <a:cs typeface="Times New Roman" panose="02020603050405020304" pitchFamily="18" charset="0"/>
-                      </a:endParaRPr>
-                    </a:p>
-                  </a:txBody>
-                  <a:tcPr marL="68580" marR="68580" marT="0" marB="0" anchor="ctr"/>
-                </a:tc>
-                <a:tc>
-                  <a:txBody>
-                    <a:bodyPr/>
-                    <a:lstStyle/>
-                    <a:p>
-                      <a:pPr marL="0" marR="0" algn="ctr">
-                        <a:lnSpc>
-                          <a:spcPct val="107000"/>
-                        </a:lnSpc>
-                        <a:spcBef>
-                          <a:spcPts val="0"/>
-                        </a:spcBef>
-                        <a:spcAft>
-                          <a:spcPts val="0"/>
-                        </a:spcAft>
-                      </a:pPr>
-                      <a:r>
-                        <a:rPr lang="en-US" sz="1600" dirty="0">
-                          <a:effectLst/>
-                        </a:rPr>
-                        <a:t>1</a:t>
-                      </a:r>
-                      <a:endParaRPr lang="en-US" sz="2400" dirty="0">
-                        <a:effectLst/>
-                        <a:latin typeface="Times New Roman" panose="02020603050405020304" pitchFamily="18" charset="0"/>
-                        <a:ea typeface="Calibri" panose="020F0502020204030204" pitchFamily="34" charset="0"/>
-                        <a:cs typeface="Times New Roman" panose="02020603050405020304" pitchFamily="18" charset="0"/>
-                      </a:endParaRPr>
-                    </a:p>
-                  </a:txBody>
-                  <a:tcPr marL="68580" marR="68580" marT="0" marB="0" anchor="ctr"/>
-                </a:tc>
-                <a:tc>
-                  <a:txBody>
-                    <a:bodyPr/>
-                    <a:lstStyle/>
-                    <a:p>
-                      <a:pPr marL="0" marR="0" algn="ctr">
-                        <a:lnSpc>
-                          <a:spcPct val="107000"/>
-                        </a:lnSpc>
-                        <a:spcBef>
-                          <a:spcPts val="0"/>
-                        </a:spcBef>
-                        <a:spcAft>
-                          <a:spcPts val="0"/>
-                        </a:spcAft>
-                      </a:pPr>
-                      <a:r>
-                        <a:rPr lang="en-US" sz="1600" dirty="0">
-                          <a:effectLst/>
-                        </a:rPr>
-                        <a:t>63536</a:t>
-                      </a:r>
-                      <a:endParaRPr lang="en-US" sz="2400" dirty="0">
-                        <a:effectLst/>
-                        <a:latin typeface="Times New Roman" panose="02020603050405020304" pitchFamily="18" charset="0"/>
-                        <a:ea typeface="Calibri" panose="020F0502020204030204" pitchFamily="34" charset="0"/>
-                        <a:cs typeface="Times New Roman" panose="02020603050405020304" pitchFamily="18" charset="0"/>
-                      </a:endParaRPr>
-                    </a:p>
-                  </a:txBody>
-                  <a:tcPr marL="68580" marR="68580" marT="0" marB="0" anchor="ctr"/>
-                </a:tc>
-                <a:tc>
-                  <a:txBody>
-                    <a:bodyPr/>
-                    <a:lstStyle/>
-                    <a:p>
-                      <a:pPr marL="0" marR="0" algn="ctr">
-                        <a:lnSpc>
-                          <a:spcPct val="107000"/>
-                        </a:lnSpc>
-                        <a:spcBef>
-                          <a:spcPts val="0"/>
-                        </a:spcBef>
-                        <a:spcAft>
-                          <a:spcPts val="0"/>
-                        </a:spcAft>
-                      </a:pPr>
-                      <a:r>
-                        <a:rPr lang="en-US" sz="1600" dirty="0">
-                          <a:effectLst/>
-                        </a:rPr>
-                        <a:t>77</a:t>
-                      </a:r>
-                      <a:endParaRPr lang="en-US" sz="2400" dirty="0">
-                        <a:effectLst/>
-                        <a:latin typeface="Times New Roman" panose="02020603050405020304" pitchFamily="18" charset="0"/>
-                        <a:ea typeface="Calibri" panose="020F0502020204030204" pitchFamily="34" charset="0"/>
-                        <a:cs typeface="Times New Roman" panose="02020603050405020304" pitchFamily="18" charset="0"/>
-                      </a:endParaRPr>
-                    </a:p>
-                  </a:txBody>
-                  <a:tcPr marL="68580" marR="68580" marT="0" marB="0" anchor="ctr"/>
-                </a:tc>
-                <a:extLst>
-                  <a:ext uri="{0D108BD9-81ED-4DB2-BD59-A6C34878D82A}">
-                    <a16:rowId xmlns:a16="http://schemas.microsoft.com/office/drawing/2014/main" val="1670354604"/>
-                  </a:ext>
-                </a:extLst>
-              </a:tr>
-              <a:tr h="502937">
-                <a:tc>
-                  <a:txBody>
-                    <a:bodyPr/>
-                    <a:lstStyle/>
-                    <a:p>
-                      <a:pPr marL="0" marR="0" algn="ctr">
-                        <a:lnSpc>
-                          <a:spcPct val="107000"/>
-                        </a:lnSpc>
-                        <a:spcBef>
-                          <a:spcPts val="0"/>
-                        </a:spcBef>
-                        <a:spcAft>
-                          <a:spcPts val="0"/>
-                        </a:spcAft>
-                      </a:pPr>
-                      <a:r>
-                        <a:rPr lang="en-US" sz="1400" dirty="0">
-                          <a:effectLst/>
-                        </a:rPr>
-                        <a:t>0</a:t>
-                      </a:r>
-                      <a:endParaRPr lang="en-US" sz="1400" dirty="0">
-                        <a:effectLst/>
-                        <a:latin typeface="Times New Roman" panose="02020603050405020304" pitchFamily="18" charset="0"/>
-                        <a:ea typeface="Calibri" panose="020F0502020204030204" pitchFamily="34" charset="0"/>
-                        <a:cs typeface="Times New Roman" panose="02020603050405020304" pitchFamily="18" charset="0"/>
-                      </a:endParaRPr>
-                    </a:p>
-                  </a:txBody>
-                  <a:tcPr marL="68580" marR="68580" marT="0" marB="0" anchor="ctr"/>
-                </a:tc>
-                <a:tc>
-                  <a:txBody>
-                    <a:bodyPr/>
-                    <a:lstStyle/>
-                    <a:p>
-                      <a:pPr marL="0" marR="0" algn="ctr">
-                        <a:lnSpc>
-                          <a:spcPct val="107000"/>
-                        </a:lnSpc>
-                        <a:spcBef>
-                          <a:spcPts val="0"/>
-                        </a:spcBef>
-                        <a:spcAft>
-                          <a:spcPts val="0"/>
-                        </a:spcAft>
-                      </a:pPr>
-                      <a:r>
-                        <a:rPr lang="en-US" sz="1600" dirty="0">
-                          <a:effectLst/>
-                        </a:rPr>
-                        <a:t>2</a:t>
-                      </a:r>
-                      <a:endParaRPr lang="en-US" sz="2400" dirty="0">
-                        <a:effectLst/>
-                        <a:latin typeface="Times New Roman" panose="02020603050405020304" pitchFamily="18" charset="0"/>
-                        <a:ea typeface="Calibri" panose="020F0502020204030204" pitchFamily="34" charset="0"/>
-                        <a:cs typeface="Times New Roman" panose="02020603050405020304" pitchFamily="18" charset="0"/>
-                      </a:endParaRPr>
-                    </a:p>
-                  </a:txBody>
-                  <a:tcPr marL="68580" marR="68580" marT="0" marB="0" anchor="ctr"/>
-                </a:tc>
-                <a:tc>
-                  <a:txBody>
-                    <a:bodyPr/>
-                    <a:lstStyle/>
-                    <a:p>
-                      <a:pPr marL="0" marR="0" algn="ctr">
-                        <a:lnSpc>
-                          <a:spcPct val="107000"/>
-                        </a:lnSpc>
-                        <a:spcBef>
-                          <a:spcPts val="0"/>
-                        </a:spcBef>
-                        <a:spcAft>
-                          <a:spcPts val="0"/>
-                        </a:spcAft>
-                      </a:pPr>
-                      <a:r>
-                        <a:rPr lang="en-US" sz="1600" dirty="0">
-                          <a:effectLst/>
-                        </a:rPr>
-                        <a:t>27489</a:t>
-                      </a:r>
-                      <a:endParaRPr lang="en-US" sz="2400" dirty="0">
-                        <a:effectLst/>
-                        <a:latin typeface="Times New Roman" panose="02020603050405020304" pitchFamily="18" charset="0"/>
-                        <a:ea typeface="Calibri" panose="020F0502020204030204" pitchFamily="34" charset="0"/>
-                        <a:cs typeface="Times New Roman" panose="02020603050405020304" pitchFamily="18" charset="0"/>
-                      </a:endParaRPr>
-                    </a:p>
-                  </a:txBody>
-                  <a:tcPr marL="68580" marR="68580" marT="0" marB="0" anchor="ctr"/>
-                </a:tc>
-                <a:tc>
-                  <a:txBody>
-                    <a:bodyPr/>
-                    <a:lstStyle/>
-                    <a:p>
-                      <a:pPr marL="0" marR="0" algn="ctr">
-                        <a:lnSpc>
-                          <a:spcPct val="107000"/>
-                        </a:lnSpc>
-                        <a:spcBef>
-                          <a:spcPts val="0"/>
-                        </a:spcBef>
-                        <a:spcAft>
-                          <a:spcPts val="0"/>
-                        </a:spcAft>
-                      </a:pPr>
-                      <a:r>
-                        <a:rPr lang="en-US" sz="1600" dirty="0">
-                          <a:effectLst/>
-                        </a:rPr>
-                        <a:t>33</a:t>
-                      </a:r>
-                      <a:endParaRPr lang="en-US" sz="2400" dirty="0">
-                        <a:effectLst/>
-                        <a:latin typeface="Times New Roman" panose="02020603050405020304" pitchFamily="18" charset="0"/>
-                        <a:ea typeface="Calibri" panose="020F0502020204030204" pitchFamily="34" charset="0"/>
-                        <a:cs typeface="Times New Roman" panose="02020603050405020304" pitchFamily="18" charset="0"/>
-                      </a:endParaRPr>
-                    </a:p>
-                  </a:txBody>
-                  <a:tcPr marL="68580" marR="68580" marT="0" marB="0" anchor="ctr"/>
-                </a:tc>
-                <a:extLst>
-                  <a:ext uri="{0D108BD9-81ED-4DB2-BD59-A6C34878D82A}">
-                    <a16:rowId xmlns:a16="http://schemas.microsoft.com/office/drawing/2014/main" val="859502791"/>
-                  </a:ext>
-                </a:extLst>
-              </a:tr>
-              <a:tr h="502937">
-                <a:tc>
-                  <a:txBody>
-                    <a:bodyPr/>
-                    <a:lstStyle/>
-                    <a:p>
-                      <a:pPr marL="0" marR="0" algn="ctr">
-                        <a:lnSpc>
-                          <a:spcPct val="107000"/>
-                        </a:lnSpc>
-                        <a:spcBef>
-                          <a:spcPts val="0"/>
-                        </a:spcBef>
-                        <a:spcAft>
-                          <a:spcPts val="0"/>
-                        </a:spcAft>
-                      </a:pPr>
-                      <a:r>
-                        <a:rPr lang="en-US" sz="1400" dirty="0">
-                          <a:effectLst/>
-                        </a:rPr>
-                        <a:t>0</a:t>
-                      </a:r>
-                      <a:endParaRPr lang="en-US" sz="1400" dirty="0">
-                        <a:effectLst/>
-                        <a:latin typeface="Times New Roman" panose="02020603050405020304" pitchFamily="18" charset="0"/>
-                        <a:ea typeface="Calibri" panose="020F0502020204030204" pitchFamily="34" charset="0"/>
-                        <a:cs typeface="Times New Roman" panose="02020603050405020304" pitchFamily="18" charset="0"/>
-                      </a:endParaRPr>
-                    </a:p>
-                  </a:txBody>
-                  <a:tcPr marL="68580" marR="68580" marT="0" marB="0" anchor="ctr"/>
-                </a:tc>
-                <a:tc>
-                  <a:txBody>
-                    <a:bodyPr/>
-                    <a:lstStyle/>
-                    <a:p>
-                      <a:pPr marL="0" marR="0" algn="ctr">
-                        <a:lnSpc>
-                          <a:spcPct val="107000"/>
-                        </a:lnSpc>
-                        <a:spcBef>
-                          <a:spcPts val="0"/>
-                        </a:spcBef>
-                        <a:spcAft>
-                          <a:spcPts val="0"/>
-                        </a:spcAft>
-                      </a:pPr>
-                      <a:r>
-                        <a:rPr lang="en-US" sz="1600">
-                          <a:effectLst/>
-                        </a:rPr>
-                        <a:t>3</a:t>
-                      </a:r>
-                      <a:endParaRPr lang="en-US" sz="2400">
-                        <a:effectLst/>
-                        <a:latin typeface="Times New Roman" panose="02020603050405020304" pitchFamily="18" charset="0"/>
-                        <a:ea typeface="Calibri" panose="020F0502020204030204" pitchFamily="34" charset="0"/>
-                        <a:cs typeface="Times New Roman" panose="02020603050405020304" pitchFamily="18" charset="0"/>
-                      </a:endParaRPr>
-                    </a:p>
-                  </a:txBody>
-                  <a:tcPr marL="68580" marR="68580" marT="0" marB="0" anchor="ctr"/>
-                </a:tc>
-                <a:tc>
-                  <a:txBody>
-                    <a:bodyPr/>
-                    <a:lstStyle/>
-                    <a:p>
-                      <a:pPr marL="0" marR="0" algn="ctr">
-                        <a:lnSpc>
-                          <a:spcPct val="107000"/>
-                        </a:lnSpc>
-                        <a:spcBef>
-                          <a:spcPts val="0"/>
-                        </a:spcBef>
-                        <a:spcAft>
-                          <a:spcPts val="0"/>
-                        </a:spcAft>
-                      </a:pPr>
-                      <a:r>
-                        <a:rPr lang="en-US" sz="1600" dirty="0">
-                          <a:effectLst/>
-                        </a:rPr>
-                        <a:t>62041</a:t>
-                      </a:r>
-                      <a:endParaRPr lang="en-US" sz="2400" dirty="0">
-                        <a:effectLst/>
-                        <a:latin typeface="Times New Roman" panose="02020603050405020304" pitchFamily="18" charset="0"/>
-                        <a:ea typeface="Calibri" panose="020F0502020204030204" pitchFamily="34" charset="0"/>
-                        <a:cs typeface="Times New Roman" panose="02020603050405020304" pitchFamily="18" charset="0"/>
-                      </a:endParaRPr>
-                    </a:p>
-                  </a:txBody>
-                  <a:tcPr marL="68580" marR="68580" marT="0" marB="0" anchor="ctr"/>
-                </a:tc>
-                <a:tc>
-                  <a:txBody>
-                    <a:bodyPr/>
-                    <a:lstStyle/>
-                    <a:p>
-                      <a:pPr marL="0" marR="0" algn="ctr">
-                        <a:lnSpc>
-                          <a:spcPct val="107000"/>
-                        </a:lnSpc>
-                        <a:spcBef>
-                          <a:spcPts val="0"/>
-                        </a:spcBef>
-                        <a:spcAft>
-                          <a:spcPts val="0"/>
-                        </a:spcAft>
-                      </a:pPr>
-                      <a:r>
-                        <a:rPr lang="en-US" sz="1600" dirty="0">
-                          <a:effectLst/>
-                        </a:rPr>
-                        <a:t>75</a:t>
-                      </a:r>
-                      <a:endParaRPr lang="en-US" sz="2400" dirty="0">
-                        <a:effectLst/>
-                        <a:latin typeface="Times New Roman" panose="02020603050405020304" pitchFamily="18" charset="0"/>
-                        <a:ea typeface="Calibri" panose="020F0502020204030204" pitchFamily="34" charset="0"/>
-                        <a:cs typeface="Times New Roman" panose="02020603050405020304" pitchFamily="18" charset="0"/>
-                      </a:endParaRPr>
-                    </a:p>
-                  </a:txBody>
-                  <a:tcPr marL="68580" marR="68580" marT="0" marB="0" anchor="ctr"/>
-                </a:tc>
-                <a:extLst>
-                  <a:ext uri="{0D108BD9-81ED-4DB2-BD59-A6C34878D82A}">
-                    <a16:rowId xmlns:a16="http://schemas.microsoft.com/office/drawing/2014/main" val="1610572912"/>
-                  </a:ext>
-                </a:extLst>
-              </a:tr>
-              <a:tr h="502937">
-                <a:tc>
-                  <a:txBody>
-                    <a:bodyPr/>
-                    <a:lstStyle/>
-                    <a:p>
-                      <a:pPr marL="0" marR="0" algn="ctr">
-                        <a:lnSpc>
-                          <a:spcPct val="107000"/>
-                        </a:lnSpc>
-                        <a:spcBef>
-                          <a:spcPts val="0"/>
-                        </a:spcBef>
-                        <a:spcAft>
-                          <a:spcPts val="0"/>
-                        </a:spcAft>
-                      </a:pPr>
-                      <a:r>
-                        <a:rPr lang="en-US" sz="1400" dirty="0">
-                          <a:effectLst/>
-                        </a:rPr>
-                        <a:t>0</a:t>
-                      </a:r>
-                      <a:endParaRPr lang="en-US" sz="1400" dirty="0">
-                        <a:effectLst/>
-                        <a:latin typeface="Times New Roman" panose="02020603050405020304" pitchFamily="18" charset="0"/>
-                        <a:ea typeface="Calibri" panose="020F0502020204030204" pitchFamily="34" charset="0"/>
-                        <a:cs typeface="Times New Roman" panose="02020603050405020304" pitchFamily="18" charset="0"/>
-                      </a:endParaRPr>
-                    </a:p>
-                  </a:txBody>
-                  <a:tcPr marL="68580" marR="68580" marT="0" marB="0" anchor="ctr"/>
-                </a:tc>
-                <a:tc>
-                  <a:txBody>
-                    <a:bodyPr/>
-                    <a:lstStyle/>
-                    <a:p>
-                      <a:pPr marL="0" marR="0" algn="ctr">
-                        <a:lnSpc>
-                          <a:spcPct val="107000"/>
-                        </a:lnSpc>
-                        <a:spcBef>
-                          <a:spcPts val="0"/>
-                        </a:spcBef>
-                        <a:spcAft>
-                          <a:spcPts val="0"/>
-                        </a:spcAft>
-                      </a:pPr>
-                      <a:r>
-                        <a:rPr lang="en-US" sz="1600">
-                          <a:effectLst/>
-                        </a:rPr>
-                        <a:t>4</a:t>
-                      </a:r>
-                      <a:endParaRPr lang="en-US" sz="2400">
-                        <a:effectLst/>
-                        <a:latin typeface="Times New Roman" panose="02020603050405020304" pitchFamily="18" charset="0"/>
-                        <a:ea typeface="Calibri" panose="020F0502020204030204" pitchFamily="34" charset="0"/>
-                        <a:cs typeface="Times New Roman" panose="02020603050405020304" pitchFamily="18" charset="0"/>
-                      </a:endParaRPr>
-                    </a:p>
-                  </a:txBody>
-                  <a:tcPr marL="68580" marR="68580" marT="0" marB="0" anchor="ctr"/>
-                </a:tc>
-                <a:tc>
-                  <a:txBody>
-                    <a:bodyPr/>
-                    <a:lstStyle/>
-                    <a:p>
-                      <a:pPr marL="0" marR="0" algn="ctr">
-                        <a:lnSpc>
-                          <a:spcPct val="107000"/>
-                        </a:lnSpc>
-                        <a:spcBef>
-                          <a:spcPts val="0"/>
-                        </a:spcBef>
-                        <a:spcAft>
-                          <a:spcPts val="0"/>
-                        </a:spcAft>
-                      </a:pPr>
-                      <a:r>
-                        <a:rPr lang="en-US" sz="1600" dirty="0">
-                          <a:effectLst/>
-                        </a:rPr>
-                        <a:t>13365</a:t>
-                      </a:r>
-                      <a:endParaRPr lang="en-US" sz="2400" dirty="0">
-                        <a:effectLst/>
-                        <a:latin typeface="Times New Roman" panose="02020603050405020304" pitchFamily="18" charset="0"/>
-                        <a:ea typeface="Calibri" panose="020F0502020204030204" pitchFamily="34" charset="0"/>
-                        <a:cs typeface="Times New Roman" panose="02020603050405020304" pitchFamily="18" charset="0"/>
-                      </a:endParaRPr>
-                    </a:p>
-                  </a:txBody>
-                  <a:tcPr marL="68580" marR="68580" marT="0" marB="0" anchor="ctr"/>
-                </a:tc>
-                <a:tc>
-                  <a:txBody>
-                    <a:bodyPr/>
-                    <a:lstStyle/>
-                    <a:p>
-                      <a:pPr marL="0" marR="0" algn="ctr">
-                        <a:lnSpc>
-                          <a:spcPct val="107000"/>
-                        </a:lnSpc>
-                        <a:spcBef>
-                          <a:spcPts val="0"/>
-                        </a:spcBef>
-                        <a:spcAft>
-                          <a:spcPts val="0"/>
-                        </a:spcAft>
-                      </a:pPr>
-                      <a:r>
-                        <a:rPr lang="en-US" sz="1600" dirty="0">
-                          <a:effectLst/>
-                        </a:rPr>
-                        <a:t>17</a:t>
-                      </a:r>
-                      <a:endParaRPr lang="en-US" sz="2400" dirty="0">
-                        <a:effectLst/>
-                        <a:latin typeface="Times New Roman" panose="02020603050405020304" pitchFamily="18" charset="0"/>
-                        <a:ea typeface="Calibri" panose="020F0502020204030204" pitchFamily="34" charset="0"/>
-                        <a:cs typeface="Times New Roman" panose="02020603050405020304" pitchFamily="18" charset="0"/>
-                      </a:endParaRPr>
-                    </a:p>
-                  </a:txBody>
-                  <a:tcPr marL="68580" marR="68580" marT="0" marB="0" anchor="ctr"/>
-                </a:tc>
-                <a:extLst>
-                  <a:ext uri="{0D108BD9-81ED-4DB2-BD59-A6C34878D82A}">
-                    <a16:rowId xmlns:a16="http://schemas.microsoft.com/office/drawing/2014/main" val="3753934314"/>
-                  </a:ext>
-                </a:extLst>
-              </a:tr>
-              <a:tr h="502937">
-                <a:tc>
-                  <a:txBody>
-                    <a:bodyPr/>
-                    <a:lstStyle/>
-                    <a:p>
-                      <a:pPr marL="0" marR="0" algn="ctr">
-                        <a:lnSpc>
-                          <a:spcPct val="107000"/>
-                        </a:lnSpc>
-                        <a:spcBef>
-                          <a:spcPts val="0"/>
-                        </a:spcBef>
-                        <a:spcAft>
-                          <a:spcPts val="0"/>
-                        </a:spcAft>
-                      </a:pPr>
-                      <a:r>
-                        <a:rPr lang="en-US" sz="1400" dirty="0">
-                          <a:effectLst/>
-                        </a:rPr>
-                        <a:t>0</a:t>
-                      </a:r>
-                      <a:endParaRPr lang="en-US" sz="1400" dirty="0">
-                        <a:effectLst/>
-                        <a:latin typeface="Times New Roman" panose="02020603050405020304" pitchFamily="18" charset="0"/>
-                        <a:ea typeface="Calibri" panose="020F0502020204030204" pitchFamily="34" charset="0"/>
-                        <a:cs typeface="Times New Roman" panose="02020603050405020304" pitchFamily="18" charset="0"/>
-                      </a:endParaRPr>
-                    </a:p>
-                  </a:txBody>
-                  <a:tcPr marL="68580" marR="68580" marT="0" marB="0" anchor="ctr"/>
-                </a:tc>
-                <a:tc>
-                  <a:txBody>
-                    <a:bodyPr/>
-                    <a:lstStyle/>
-                    <a:p>
-                      <a:pPr marL="0" marR="0" algn="ctr">
-                        <a:lnSpc>
-                          <a:spcPct val="107000"/>
-                        </a:lnSpc>
-                        <a:spcBef>
-                          <a:spcPts val="0"/>
-                        </a:spcBef>
-                        <a:spcAft>
-                          <a:spcPts val="0"/>
-                        </a:spcAft>
-                      </a:pPr>
-                      <a:r>
-                        <a:rPr lang="en-US" sz="1600">
-                          <a:effectLst/>
-                        </a:rPr>
-                        <a:t>5</a:t>
-                      </a:r>
-                      <a:endParaRPr lang="en-US" sz="2400">
-                        <a:effectLst/>
-                        <a:latin typeface="Times New Roman" panose="02020603050405020304" pitchFamily="18" charset="0"/>
-                        <a:ea typeface="Calibri" panose="020F0502020204030204" pitchFamily="34" charset="0"/>
-                        <a:cs typeface="Times New Roman" panose="02020603050405020304" pitchFamily="18" charset="0"/>
-                      </a:endParaRPr>
-                    </a:p>
-                  </a:txBody>
-                  <a:tcPr marL="68580" marR="68580" marT="0" marB="0" anchor="ctr"/>
-                </a:tc>
-                <a:tc>
-                  <a:txBody>
-                    <a:bodyPr/>
-                    <a:lstStyle/>
-                    <a:p>
-                      <a:pPr marL="0" marR="0" algn="ctr">
-                        <a:lnSpc>
-                          <a:spcPct val="107000"/>
-                        </a:lnSpc>
-                        <a:spcBef>
-                          <a:spcPts val="0"/>
-                        </a:spcBef>
-                        <a:spcAft>
-                          <a:spcPts val="0"/>
-                        </a:spcAft>
-                      </a:pPr>
-                      <a:r>
-                        <a:rPr lang="en-US" sz="1600">
-                          <a:effectLst/>
-                        </a:rPr>
-                        <a:t>45570</a:t>
-                      </a:r>
-                      <a:endParaRPr lang="en-US" sz="2400">
-                        <a:effectLst/>
-                        <a:latin typeface="Times New Roman" panose="02020603050405020304" pitchFamily="18" charset="0"/>
-                        <a:ea typeface="Calibri" panose="020F0502020204030204" pitchFamily="34" charset="0"/>
-                        <a:cs typeface="Times New Roman" panose="02020603050405020304" pitchFamily="18" charset="0"/>
-                      </a:endParaRPr>
-                    </a:p>
-                  </a:txBody>
-                  <a:tcPr marL="68580" marR="68580" marT="0" marB="0" anchor="ctr"/>
-                </a:tc>
-                <a:tc>
-                  <a:txBody>
-                    <a:bodyPr/>
-                    <a:lstStyle/>
-                    <a:p>
-                      <a:pPr marL="0" marR="0" algn="ctr">
-                        <a:lnSpc>
-                          <a:spcPct val="107000"/>
-                        </a:lnSpc>
-                        <a:spcBef>
-                          <a:spcPts val="0"/>
-                        </a:spcBef>
-                        <a:spcAft>
-                          <a:spcPts val="0"/>
-                        </a:spcAft>
-                      </a:pPr>
-                      <a:r>
-                        <a:rPr lang="en-US" sz="1600" dirty="0">
-                          <a:effectLst/>
-                        </a:rPr>
-                        <a:t>55</a:t>
-                      </a:r>
-                      <a:endParaRPr lang="en-US" sz="2400" dirty="0">
-                        <a:effectLst/>
-                        <a:latin typeface="Times New Roman" panose="02020603050405020304" pitchFamily="18" charset="0"/>
-                        <a:ea typeface="Calibri" panose="020F0502020204030204" pitchFamily="34" charset="0"/>
-                        <a:cs typeface="Times New Roman" panose="02020603050405020304" pitchFamily="18" charset="0"/>
-                      </a:endParaRPr>
-                    </a:p>
-                  </a:txBody>
-                  <a:tcPr marL="68580" marR="68580" marT="0" marB="0" anchor="ctr"/>
-                </a:tc>
-                <a:extLst>
-                  <a:ext uri="{0D108BD9-81ED-4DB2-BD59-A6C34878D82A}">
-                    <a16:rowId xmlns:a16="http://schemas.microsoft.com/office/drawing/2014/main" val="900318546"/>
-                  </a:ext>
-                </a:extLst>
-              </a:tr>
-              <a:tr h="502937">
-                <a:tc>
-                  <a:txBody>
-                    <a:bodyPr/>
-                    <a:lstStyle/>
-                    <a:p>
-                      <a:pPr marL="0" marR="0" algn="ctr">
-                        <a:lnSpc>
-                          <a:spcPct val="107000"/>
-                        </a:lnSpc>
-                        <a:spcBef>
-                          <a:spcPts val="0"/>
-                        </a:spcBef>
-                        <a:spcAft>
-                          <a:spcPts val="0"/>
-                        </a:spcAft>
-                      </a:pPr>
-                      <a:r>
-                        <a:rPr lang="en-US" sz="1400" dirty="0">
-                          <a:effectLst/>
-                        </a:rPr>
-                        <a:t>…</a:t>
-                      </a:r>
-                      <a:endParaRPr lang="en-US" sz="1400" dirty="0">
-                        <a:effectLst/>
-                        <a:latin typeface="Times New Roman" panose="02020603050405020304" pitchFamily="18" charset="0"/>
-                        <a:ea typeface="Calibri" panose="020F0502020204030204" pitchFamily="34" charset="0"/>
-                        <a:cs typeface="Times New Roman" panose="02020603050405020304" pitchFamily="18" charset="0"/>
-                      </a:endParaRPr>
-                    </a:p>
-                  </a:txBody>
-                  <a:tcPr marL="68580" marR="68580" marT="0" marB="0" anchor="ctr"/>
-                </a:tc>
-                <a:tc>
-                  <a:txBody>
-                    <a:bodyPr/>
-                    <a:lstStyle/>
-                    <a:p>
-                      <a:pPr marL="0" marR="0" algn="ctr">
-                        <a:lnSpc>
-                          <a:spcPct val="107000"/>
-                        </a:lnSpc>
-                        <a:spcBef>
-                          <a:spcPts val="0"/>
-                        </a:spcBef>
-                        <a:spcAft>
-                          <a:spcPts val="0"/>
-                        </a:spcAft>
-                      </a:pPr>
-                      <a:r>
-                        <a:rPr lang="en-US" sz="1600">
-                          <a:effectLst/>
-                        </a:rPr>
-                        <a:t>…</a:t>
-                      </a:r>
-                      <a:endParaRPr lang="en-US" sz="2400">
-                        <a:effectLst/>
-                        <a:latin typeface="Times New Roman" panose="02020603050405020304" pitchFamily="18" charset="0"/>
-                        <a:ea typeface="Calibri" panose="020F0502020204030204" pitchFamily="34" charset="0"/>
-                        <a:cs typeface="Times New Roman" panose="02020603050405020304" pitchFamily="18" charset="0"/>
-                      </a:endParaRPr>
-                    </a:p>
-                  </a:txBody>
-                  <a:tcPr marL="68580" marR="68580" marT="0" marB="0" anchor="ctr"/>
-                </a:tc>
-                <a:tc>
-                  <a:txBody>
-                    <a:bodyPr/>
-                    <a:lstStyle/>
-                    <a:p>
-                      <a:pPr marL="0" marR="0" algn="ctr">
-                        <a:lnSpc>
-                          <a:spcPct val="107000"/>
-                        </a:lnSpc>
-                        <a:spcBef>
-                          <a:spcPts val="0"/>
-                        </a:spcBef>
-                        <a:spcAft>
-                          <a:spcPts val="0"/>
-                        </a:spcAft>
-                      </a:pPr>
-                      <a:r>
-                        <a:rPr lang="en-US" sz="1600">
-                          <a:effectLst/>
-                        </a:rPr>
-                        <a:t>…</a:t>
-                      </a:r>
-                      <a:endParaRPr lang="en-US" sz="2400">
-                        <a:effectLst/>
-                        <a:latin typeface="Times New Roman" panose="02020603050405020304" pitchFamily="18" charset="0"/>
-                        <a:ea typeface="Calibri" panose="020F0502020204030204" pitchFamily="34" charset="0"/>
-                        <a:cs typeface="Times New Roman" panose="02020603050405020304" pitchFamily="18" charset="0"/>
-                      </a:endParaRPr>
-                    </a:p>
-                  </a:txBody>
-                  <a:tcPr marL="68580" marR="68580" marT="0" marB="0" anchor="ctr"/>
-                </a:tc>
-                <a:tc>
-                  <a:txBody>
-                    <a:bodyPr/>
-                    <a:lstStyle/>
-                    <a:p>
-                      <a:pPr marL="0" marR="0" algn="ctr">
-                        <a:lnSpc>
-                          <a:spcPct val="107000"/>
-                        </a:lnSpc>
-                        <a:spcBef>
-                          <a:spcPts val="0"/>
-                        </a:spcBef>
-                        <a:spcAft>
-                          <a:spcPts val="0"/>
-                        </a:spcAft>
-                      </a:pPr>
-                      <a:r>
-                        <a:rPr lang="en-US" sz="1600" dirty="0">
-                          <a:effectLst/>
-                        </a:rPr>
-                        <a:t>…</a:t>
-                      </a:r>
-                      <a:endParaRPr lang="en-US" sz="2400" dirty="0">
-                        <a:effectLst/>
-                        <a:latin typeface="Times New Roman" panose="02020603050405020304" pitchFamily="18" charset="0"/>
-                        <a:ea typeface="Calibri" panose="020F0502020204030204" pitchFamily="34" charset="0"/>
-                        <a:cs typeface="Times New Roman" panose="02020603050405020304" pitchFamily="18" charset="0"/>
-                      </a:endParaRPr>
-                    </a:p>
-                  </a:txBody>
-                  <a:tcPr marL="68580" marR="68580" marT="0" marB="0" anchor="ctr"/>
-                </a:tc>
-                <a:extLst>
-                  <a:ext uri="{0D108BD9-81ED-4DB2-BD59-A6C34878D82A}">
-                    <a16:rowId xmlns:a16="http://schemas.microsoft.com/office/drawing/2014/main" val="689783555"/>
-                  </a:ext>
-                </a:extLst>
-              </a:tr>
-            </a:tbl>
-          </a:graphicData>
-        </a:graphic>
-      </p:graphicFrame>
-      <p:sp>
-        <p:nvSpPr>
-          <p:cNvPr id="4" name="Date Placeholder 3"/>
+          <p:cNvPr id="4" name="Date Placeholder 3">
+            <a:extLst>
+              <a:ext uri="{FF2B5EF4-FFF2-40B4-BE49-F238E27FC236}">
+                <a16:creationId xmlns:a16="http://schemas.microsoft.com/office/drawing/2014/main" id="{77BEF33A-F531-6247-9939-5613E17FF30A}"/>
+              </a:ext>
+            </a:extLst>
+          </p:cNvPr>
           <p:cNvSpPr>
             <a:spLocks noGrp="1"/>
           </p:cNvSpPr>
@@ -13333,7 +13370,13 @@
       </p:sp>
       <p:sp>
         <p:nvSpPr>
-          <p:cNvPr id="5" name="Footer Placeholder 4"/>
+          <p:cNvPr id="5" name="Footer Placeholder 4">
+            <a:extLst>
+              <a:ext uri="{FF2B5EF4-FFF2-40B4-BE49-F238E27FC236}">
+                <a16:creationId xmlns:a16="http://schemas.microsoft.com/office/drawing/2014/main" id="{8BE8F01A-419E-E849-A195-4D2C941AC143}"/>
+              </a:ext>
+            </a:extLst>
+          </p:cNvPr>
           <p:cNvSpPr>
             <a:spLocks noGrp="1"/>
           </p:cNvSpPr>
@@ -13359,7 +13402,13 @@
       </p:sp>
       <p:sp>
         <p:nvSpPr>
-          <p:cNvPr id="6" name="Slide Number Placeholder 5"/>
+          <p:cNvPr id="6" name="Slide Number Placeholder 5">
+            <a:extLst>
+              <a:ext uri="{FF2B5EF4-FFF2-40B4-BE49-F238E27FC236}">
+                <a16:creationId xmlns:a16="http://schemas.microsoft.com/office/drawing/2014/main" id="{DB7DAC8E-DD91-DA4F-AF10-EDBEE45489C2}"/>
+              </a:ext>
+            </a:extLst>
+          </p:cNvPr>
           <p:cNvSpPr>
             <a:spLocks noGrp="1"/>
           </p:cNvSpPr>
@@ -13386,10 +13435,117 @@
           </a:p>
         </p:txBody>
       </p:sp>
+      <p:pic>
+        <p:nvPicPr>
+          <p:cNvPr id="13" name="Picture 12">
+            <a:extLst>
+              <a:ext uri="{FF2B5EF4-FFF2-40B4-BE49-F238E27FC236}">
+                <a16:creationId xmlns:a16="http://schemas.microsoft.com/office/drawing/2014/main" id="{420FF920-A628-B548-BC0B-55727334C58F}"/>
+              </a:ext>
+            </a:extLst>
+          </p:cNvPr>
+          <p:cNvPicPr>
+            <a:picLocks noChangeAspect="1"/>
+          </p:cNvPicPr>
+          <p:nvPr/>
+        </p:nvPicPr>
+        <p:blipFill>
+          <a:blip r:embed="rId2">
+            <a:extLst>
+              <a:ext uri="{28A0092B-C50C-407E-A947-70E740481C1C}">
+                <a14:useLocalDpi xmlns:a14="http://schemas.microsoft.com/office/drawing/2010/main" val="0"/>
+              </a:ext>
+            </a:extLst>
+          </a:blip>
+          <a:stretch>
+            <a:fillRect/>
+          </a:stretch>
+        </p:blipFill>
+        <p:spPr>
+          <a:xfrm>
+            <a:off x="0" y="0"/>
+            <a:ext cx="8839200" cy="2155903"/>
+          </a:xfrm>
+          <a:prstGeom prst="rect">
+            <a:avLst/>
+          </a:prstGeom>
+        </p:spPr>
+      </p:pic>
+      <p:pic>
+        <p:nvPicPr>
+          <p:cNvPr id="15" name="Picture 14">
+            <a:extLst>
+              <a:ext uri="{FF2B5EF4-FFF2-40B4-BE49-F238E27FC236}">
+                <a16:creationId xmlns:a16="http://schemas.microsoft.com/office/drawing/2014/main" id="{434C63CC-4B18-7D43-B74E-ACDE29BC5A4F}"/>
+              </a:ext>
+            </a:extLst>
+          </p:cNvPr>
+          <p:cNvPicPr>
+            <a:picLocks noChangeAspect="1"/>
+          </p:cNvPicPr>
+          <p:nvPr/>
+        </p:nvPicPr>
+        <p:blipFill rotWithShape="1">
+          <a:blip r:embed="rId3">
+            <a:extLst>
+              <a:ext uri="{28A0092B-C50C-407E-A947-70E740481C1C}">
+                <a14:useLocalDpi xmlns:a14="http://schemas.microsoft.com/office/drawing/2010/main" val="0"/>
+              </a:ext>
+            </a:extLst>
+          </a:blip>
+          <a:srcRect t="1744"/>
+          <a:stretch/>
+        </p:blipFill>
+        <p:spPr>
+          <a:xfrm>
+            <a:off x="228600" y="2283670"/>
+            <a:ext cx="8839200" cy="2773008"/>
+          </a:xfrm>
+          <a:prstGeom prst="rect">
+            <a:avLst/>
+          </a:prstGeom>
+        </p:spPr>
+      </p:pic>
+      <p:pic>
+        <p:nvPicPr>
+          <p:cNvPr id="17" name="Picture 16">
+            <a:extLst>
+              <a:ext uri="{FF2B5EF4-FFF2-40B4-BE49-F238E27FC236}">
+                <a16:creationId xmlns:a16="http://schemas.microsoft.com/office/drawing/2014/main" id="{13BF1EF9-2AE9-C743-8CD0-685342660545}"/>
+              </a:ext>
+            </a:extLst>
+          </p:cNvPr>
+          <p:cNvPicPr>
+            <a:picLocks noChangeAspect="1"/>
+          </p:cNvPicPr>
+          <p:nvPr/>
+        </p:nvPicPr>
+        <p:blipFill>
+          <a:blip r:embed="rId4">
+            <a:extLst>
+              <a:ext uri="{28A0092B-C50C-407E-A947-70E740481C1C}">
+                <a14:useLocalDpi xmlns:a14="http://schemas.microsoft.com/office/drawing/2010/main" val="0"/>
+              </a:ext>
+            </a:extLst>
+          </a:blip>
+          <a:stretch>
+            <a:fillRect/>
+          </a:stretch>
+        </p:blipFill>
+        <p:spPr>
+          <a:xfrm>
+            <a:off x="0" y="5074736"/>
+            <a:ext cx="8915400" cy="1682383"/>
+          </a:xfrm>
+          <a:prstGeom prst="rect">
+            <a:avLst/>
+          </a:prstGeom>
+        </p:spPr>
+      </p:pic>
     </p:spTree>
     <p:extLst>
       <p:ext uri="{BB962C8B-B14F-4D97-AF65-F5344CB8AC3E}">
-        <p14:creationId xmlns:p14="http://schemas.microsoft.com/office/powerpoint/2010/main" val="2400429615"/>
+        <p14:creationId xmlns:p14="http://schemas.microsoft.com/office/powerpoint/2010/main" val="1192125799"/>
       </p:ext>
     </p:extLst>
   </p:cSld>
